--- a/第4章- OGR开源库及矢量数据处理-8课时/第3章-OGR开源库及矢量数据处理-8学时.pptx
+++ b/第4章- OGR开源库及矢量数据处理-8课时/第3章-OGR开源库及矢量数据处理-8学时.pptx
@@ -6,23 +6,32 @@
     <p:sldMasterId id="2147484986" r:id="rId2"/>
   </p:sldMasterIdLst>
   <p:notesMasterIdLst>
-    <p:notesMasterId r:id="rId9"/>
+    <p:notesMasterId r:id="rId18"/>
   </p:notesMasterIdLst>
   <p:handoutMasterIdLst>
-    <p:handoutMasterId r:id="rId10"/>
+    <p:handoutMasterId r:id="rId19"/>
   </p:handoutMasterIdLst>
   <p:sldIdLst>
     <p:sldId id="2764" r:id="rId3"/>
     <p:sldId id="2387" r:id="rId4"/>
     <p:sldId id="2447" r:id="rId5"/>
     <p:sldId id="2605" r:id="rId6"/>
-    <p:sldId id="2737" r:id="rId7"/>
-    <p:sldId id="2722" r:id="rId8"/>
+    <p:sldId id="2768" r:id="rId7"/>
+    <p:sldId id="2774" r:id="rId8"/>
+    <p:sldId id="2766" r:id="rId9"/>
+    <p:sldId id="2775" r:id="rId10"/>
+    <p:sldId id="2769" r:id="rId11"/>
+    <p:sldId id="2737" r:id="rId12"/>
+    <p:sldId id="2771" r:id="rId13"/>
+    <p:sldId id="2765" r:id="rId14"/>
+    <p:sldId id="2773" r:id="rId15"/>
+    <p:sldId id="2772" r:id="rId16"/>
+    <p:sldId id="2722" r:id="rId17"/>
   </p:sldIdLst>
   <p:sldSz cx="9144000" cy="6858000" type="screen4x3"/>
   <p:notesSz cx="7099300" cy="10234613"/>
   <p:custDataLst>
-    <p:tags r:id="rId11"/>
+    <p:tags r:id="rId20"/>
   </p:custDataLst>
   <p:defaultTextStyle>
     <a:defPPr>
@@ -2898,350 +2907,6 @@
     </pc:docChg>
   </pc:docChgLst>
   <pc:docChgLst>
-    <pc:chgData name="Xin Luo" userId="82312ee5779919a4" providerId="LiveId" clId="{23920C8D-EBCE-A347-9C82-C14316D20539}"/>
-    <pc:docChg chg="undo custSel addSld modSld">
-      <pc:chgData name="Xin Luo" userId="82312ee5779919a4" providerId="LiveId" clId="{23920C8D-EBCE-A347-9C82-C14316D20539}" dt="2022-10-26T12:19:06.428" v="501" actId="767"/>
-      <pc:docMkLst>
-        <pc:docMk/>
-      </pc:docMkLst>
-      <pc:sldChg chg="modSp mod">
-        <pc:chgData name="Xin Luo" userId="82312ee5779919a4" providerId="LiveId" clId="{23920C8D-EBCE-A347-9C82-C14316D20539}" dt="2022-10-10T01:06:29.261" v="368" actId="404"/>
-        <pc:sldMkLst>
-          <pc:docMk/>
-          <pc:sldMk cId="1576120367" sldId="2387"/>
-        </pc:sldMkLst>
-        <pc:spChg chg="mod">
-          <ac:chgData name="Xin Luo" userId="82312ee5779919a4" providerId="LiveId" clId="{23920C8D-EBCE-A347-9C82-C14316D20539}" dt="2022-10-10T01:06:29.261" v="368" actId="404"/>
-          <ac:spMkLst>
-            <pc:docMk/>
-            <pc:sldMk cId="1576120367" sldId="2387"/>
-            <ac:spMk id="10" creationId="{00000000-0000-0000-0000-000000000000}"/>
-          </ac:spMkLst>
-        </pc:spChg>
-        <pc:spChg chg="mod">
-          <ac:chgData name="Xin Luo" userId="82312ee5779919a4" providerId="LiveId" clId="{23920C8D-EBCE-A347-9C82-C14316D20539}" dt="2022-10-10T01:06:13.262" v="366" actId="403"/>
-          <ac:spMkLst>
-            <pc:docMk/>
-            <pc:sldMk cId="1576120367" sldId="2387"/>
-            <ac:spMk id="12" creationId="{00000000-0000-0000-0000-000000000000}"/>
-          </ac:spMkLst>
-        </pc:spChg>
-        <pc:spChg chg="mod">
-          <ac:chgData name="Xin Luo" userId="82312ee5779919a4" providerId="LiveId" clId="{23920C8D-EBCE-A347-9C82-C14316D20539}" dt="2022-10-10T01:06:29.261" v="368" actId="404"/>
-          <ac:spMkLst>
-            <pc:docMk/>
-            <pc:sldMk cId="1576120367" sldId="2387"/>
-            <ac:spMk id="13" creationId="{00000000-0000-0000-0000-000000000000}"/>
-          </ac:spMkLst>
-        </pc:spChg>
-        <pc:spChg chg="mod">
-          <ac:chgData name="Xin Luo" userId="82312ee5779919a4" providerId="LiveId" clId="{23920C8D-EBCE-A347-9C82-C14316D20539}" dt="2022-10-10T01:06:13.262" v="366" actId="403"/>
-          <ac:spMkLst>
-            <pc:docMk/>
-            <pc:sldMk cId="1576120367" sldId="2387"/>
-            <ac:spMk id="14" creationId="{00000000-0000-0000-0000-000000000000}"/>
-          </ac:spMkLst>
-        </pc:spChg>
-        <pc:spChg chg="mod">
-          <ac:chgData name="Xin Luo" userId="82312ee5779919a4" providerId="LiveId" clId="{23920C8D-EBCE-A347-9C82-C14316D20539}" dt="2022-10-10T01:06:29.261" v="368" actId="404"/>
-          <ac:spMkLst>
-            <pc:docMk/>
-            <pc:sldMk cId="1576120367" sldId="2387"/>
-            <ac:spMk id="15" creationId="{00000000-0000-0000-0000-000000000000}"/>
-          </ac:spMkLst>
-        </pc:spChg>
-        <pc:spChg chg="mod">
-          <ac:chgData name="Xin Luo" userId="82312ee5779919a4" providerId="LiveId" clId="{23920C8D-EBCE-A347-9C82-C14316D20539}" dt="2022-10-10T01:06:19.369" v="367" actId="14100"/>
-          <ac:spMkLst>
-            <pc:docMk/>
-            <pc:sldMk cId="1576120367" sldId="2387"/>
-            <ac:spMk id="16" creationId="{00000000-0000-0000-0000-000000000000}"/>
-          </ac:spMkLst>
-        </pc:spChg>
-      </pc:sldChg>
-      <pc:sldChg chg="modSp mod">
-        <pc:chgData name="Xin Luo" userId="82312ee5779919a4" providerId="LiveId" clId="{23920C8D-EBCE-A347-9C82-C14316D20539}" dt="2022-10-10T01:06:39.449" v="369" actId="403"/>
-        <pc:sldMkLst>
-          <pc:docMk/>
-          <pc:sldMk cId="2415901206" sldId="2447"/>
-        </pc:sldMkLst>
-        <pc:spChg chg="mod">
-          <ac:chgData name="Xin Luo" userId="82312ee5779919a4" providerId="LiveId" clId="{23920C8D-EBCE-A347-9C82-C14316D20539}" dt="2022-10-10T01:06:39.449" v="369" actId="403"/>
-          <ac:spMkLst>
-            <pc:docMk/>
-            <pc:sldMk cId="2415901206" sldId="2447"/>
-            <ac:spMk id="7" creationId="{00000000-0000-0000-0000-000000000000}"/>
-          </ac:spMkLst>
-        </pc:spChg>
-      </pc:sldChg>
-      <pc:sldChg chg="addSp delSp modSp mod">
-        <pc:chgData name="Xin Luo" userId="82312ee5779919a4" providerId="LiveId" clId="{23920C8D-EBCE-A347-9C82-C14316D20539}" dt="2022-10-26T11:18:20.490" v="500"/>
-        <pc:sldMkLst>
-          <pc:docMk/>
-          <pc:sldMk cId="2689840772" sldId="2604"/>
-        </pc:sldMkLst>
-        <pc:spChg chg="mod">
-          <ac:chgData name="Xin Luo" userId="82312ee5779919a4" providerId="LiveId" clId="{23920C8D-EBCE-A347-9C82-C14316D20539}" dt="2022-10-26T11:18:14.630" v="497" actId="1038"/>
-          <ac:spMkLst>
-            <pc:docMk/>
-            <pc:sldMk cId="2689840772" sldId="2604"/>
-            <ac:spMk id="2" creationId="{DB381E7B-A050-4BE4-6756-9B64308C74D7}"/>
-          </ac:spMkLst>
-        </pc:spChg>
-        <pc:spChg chg="del mod">
-          <ac:chgData name="Xin Luo" userId="82312ee5779919a4" providerId="LiveId" clId="{23920C8D-EBCE-A347-9C82-C14316D20539}" dt="2022-10-10T00:58:26.498" v="9" actId="478"/>
-          <ac:spMkLst>
-            <pc:docMk/>
-            <pc:sldMk cId="2689840772" sldId="2604"/>
-            <ac:spMk id="3" creationId="{00000000-0000-0000-0000-000000000000}"/>
-          </ac:spMkLst>
-        </pc:spChg>
-        <pc:spChg chg="add del mod">
-          <ac:chgData name="Xin Luo" userId="82312ee5779919a4" providerId="LiveId" clId="{23920C8D-EBCE-A347-9C82-C14316D20539}" dt="2022-10-26T11:18:20.490" v="500"/>
-          <ac:spMkLst>
-            <pc:docMk/>
-            <pc:sldMk cId="2689840772" sldId="2604"/>
-            <ac:spMk id="3" creationId="{0AC6D251-AEF6-35BE-71D5-DE25EAD72977}"/>
-          </ac:spMkLst>
-        </pc:spChg>
-        <pc:spChg chg="add mod">
-          <ac:chgData name="Xin Luo" userId="82312ee5779919a4" providerId="LiveId" clId="{23920C8D-EBCE-A347-9C82-C14316D20539}" dt="2022-10-10T01:03:50.909" v="356" actId="20577"/>
-          <ac:spMkLst>
-            <pc:docMk/>
-            <pc:sldMk cId="2689840772" sldId="2604"/>
-            <ac:spMk id="4" creationId="{5B949F23-92C2-3ACE-AE9A-58F8C8D7AB52}"/>
-          </ac:spMkLst>
-        </pc:spChg>
-      </pc:sldChg>
-      <pc:sldChg chg="modSp mod">
-        <pc:chgData name="Xin Luo" userId="82312ee5779919a4" providerId="LiveId" clId="{23920C8D-EBCE-A347-9C82-C14316D20539}" dt="2022-10-25T11:53:23.523" v="402" actId="207"/>
-        <pc:sldMkLst>
-          <pc:docMk/>
-          <pc:sldMk cId="1392274363" sldId="2606"/>
-        </pc:sldMkLst>
-        <pc:spChg chg="mod">
-          <ac:chgData name="Xin Luo" userId="82312ee5779919a4" providerId="LiveId" clId="{23920C8D-EBCE-A347-9C82-C14316D20539}" dt="2022-10-10T01:08:08.448" v="392" actId="20577"/>
-          <ac:spMkLst>
-            <pc:docMk/>
-            <pc:sldMk cId="1392274363" sldId="2606"/>
-            <ac:spMk id="35" creationId="{2CBBD54C-A0C4-CFAB-2A67-F8BF299D28F5}"/>
-          </ac:spMkLst>
-        </pc:spChg>
-        <pc:spChg chg="mod">
-          <ac:chgData name="Xin Luo" userId="82312ee5779919a4" providerId="LiveId" clId="{23920C8D-EBCE-A347-9C82-C14316D20539}" dt="2022-10-25T11:53:23.523" v="402" actId="207"/>
-          <ac:spMkLst>
-            <pc:docMk/>
-            <pc:sldMk cId="1392274363" sldId="2606"/>
-            <ac:spMk id="42" creationId="{E4B07DDE-AB89-2B16-6B7A-2142621DE6F5}"/>
-          </ac:spMkLst>
-        </pc:spChg>
-      </pc:sldChg>
-      <pc:sldChg chg="modSp mod">
-        <pc:chgData name="Xin Luo" userId="82312ee5779919a4" providerId="LiveId" clId="{23920C8D-EBCE-A347-9C82-C14316D20539}" dt="2022-10-25T12:03:26.240" v="414" actId="14100"/>
-        <pc:sldMkLst>
-          <pc:docMk/>
-          <pc:sldMk cId="292605530" sldId="2607"/>
-        </pc:sldMkLst>
-        <pc:spChg chg="mod">
-          <ac:chgData name="Xin Luo" userId="82312ee5779919a4" providerId="LiveId" clId="{23920C8D-EBCE-A347-9C82-C14316D20539}" dt="2022-10-25T12:03:26.240" v="414" actId="14100"/>
-          <ac:spMkLst>
-            <pc:docMk/>
-            <pc:sldMk cId="292605530" sldId="2607"/>
-            <ac:spMk id="18" creationId="{8399C9E7-13B6-1DAF-F5BF-4471E8528C5F}"/>
-          </ac:spMkLst>
-        </pc:spChg>
-      </pc:sldChg>
-      <pc:sldChg chg="modSp mod">
-        <pc:chgData name="Xin Luo" userId="82312ee5779919a4" providerId="LiveId" clId="{23920C8D-EBCE-A347-9C82-C14316D20539}" dt="2022-10-25T12:09:03.730" v="478" actId="1036"/>
-        <pc:sldMkLst>
-          <pc:docMk/>
-          <pc:sldMk cId="2780969545" sldId="2609"/>
-        </pc:sldMkLst>
-        <pc:spChg chg="mod">
-          <ac:chgData name="Xin Luo" userId="82312ee5779919a4" providerId="LiveId" clId="{23920C8D-EBCE-A347-9C82-C14316D20539}" dt="2022-10-25T12:08:56.496" v="469" actId="115"/>
-          <ac:spMkLst>
-            <pc:docMk/>
-            <pc:sldMk cId="2780969545" sldId="2609"/>
-            <ac:spMk id="6" creationId="{2D1A6305-FF43-CF53-224A-B6D4901EAB0F}"/>
-          </ac:spMkLst>
-        </pc:spChg>
-        <pc:spChg chg="mod">
-          <ac:chgData name="Xin Luo" userId="82312ee5779919a4" providerId="LiveId" clId="{23920C8D-EBCE-A347-9C82-C14316D20539}" dt="2022-10-25T12:09:03.730" v="478" actId="1036"/>
-          <ac:spMkLst>
-            <pc:docMk/>
-            <pc:sldMk cId="2780969545" sldId="2609"/>
-            <ac:spMk id="11" creationId="{63EAC848-88D2-7A10-E878-444ADA855E23}"/>
-          </ac:spMkLst>
-        </pc:spChg>
-        <pc:spChg chg="mod">
-          <ac:chgData name="Xin Luo" userId="82312ee5779919a4" providerId="LiveId" clId="{23920C8D-EBCE-A347-9C82-C14316D20539}" dt="2022-10-25T12:09:03.730" v="478" actId="1036"/>
-          <ac:spMkLst>
-            <pc:docMk/>
-            <pc:sldMk cId="2780969545" sldId="2609"/>
-            <ac:spMk id="12" creationId="{BED7A820-9D6E-7E7E-A906-8A9424528316}"/>
-          </ac:spMkLst>
-        </pc:spChg>
-        <pc:spChg chg="mod">
-          <ac:chgData name="Xin Luo" userId="82312ee5779919a4" providerId="LiveId" clId="{23920C8D-EBCE-A347-9C82-C14316D20539}" dt="2022-10-25T12:09:03.730" v="478" actId="1036"/>
-          <ac:spMkLst>
-            <pc:docMk/>
-            <pc:sldMk cId="2780969545" sldId="2609"/>
-            <ac:spMk id="20" creationId="{87EC125B-CB98-6914-1633-6697471A2CB4}"/>
-          </ac:spMkLst>
-        </pc:spChg>
-        <pc:spChg chg="mod">
-          <ac:chgData name="Xin Luo" userId="82312ee5779919a4" providerId="LiveId" clId="{23920C8D-EBCE-A347-9C82-C14316D20539}" dt="2022-10-25T12:09:03.730" v="478" actId="1036"/>
-          <ac:spMkLst>
-            <pc:docMk/>
-            <pc:sldMk cId="2780969545" sldId="2609"/>
-            <ac:spMk id="21" creationId="{0AF67847-7DEF-CDAB-6208-0271BFB4FB06}"/>
-          </ac:spMkLst>
-        </pc:spChg>
-        <pc:spChg chg="mod">
-          <ac:chgData name="Xin Luo" userId="82312ee5779919a4" providerId="LiveId" clId="{23920C8D-EBCE-A347-9C82-C14316D20539}" dt="2022-10-25T12:09:03.730" v="478" actId="1036"/>
-          <ac:spMkLst>
-            <pc:docMk/>
-            <pc:sldMk cId="2780969545" sldId="2609"/>
-            <ac:spMk id="23" creationId="{0011846D-F543-398E-85CB-0AB0A842928A}"/>
-          </ac:spMkLst>
-        </pc:spChg>
-        <pc:spChg chg="mod">
-          <ac:chgData name="Xin Luo" userId="82312ee5779919a4" providerId="LiveId" clId="{23920C8D-EBCE-A347-9C82-C14316D20539}" dt="2022-10-25T12:09:03.730" v="478" actId="1036"/>
-          <ac:spMkLst>
-            <pc:docMk/>
-            <pc:sldMk cId="2780969545" sldId="2609"/>
-            <ac:spMk id="24" creationId="{37B5D87E-7419-7CC0-91CC-8A0807F0F999}"/>
-          </ac:spMkLst>
-        </pc:spChg>
-        <pc:spChg chg="mod">
-          <ac:chgData name="Xin Luo" userId="82312ee5779919a4" providerId="LiveId" clId="{23920C8D-EBCE-A347-9C82-C14316D20539}" dt="2022-10-25T12:09:03.730" v="478" actId="1036"/>
-          <ac:spMkLst>
-            <pc:docMk/>
-            <pc:sldMk cId="2780969545" sldId="2609"/>
-            <ac:spMk id="25" creationId="{4745244D-B431-F067-4A97-7CC4387296FB}"/>
-          </ac:spMkLst>
-        </pc:spChg>
-        <pc:spChg chg="mod">
-          <ac:chgData name="Xin Luo" userId="82312ee5779919a4" providerId="LiveId" clId="{23920C8D-EBCE-A347-9C82-C14316D20539}" dt="2022-10-25T12:09:03.730" v="478" actId="1036"/>
-          <ac:spMkLst>
-            <pc:docMk/>
-            <pc:sldMk cId="2780969545" sldId="2609"/>
-            <ac:spMk id="26" creationId="{FB9C53DE-8D1F-6DF4-8CE3-3A262A9F8737}"/>
-          </ac:spMkLst>
-        </pc:spChg>
-        <pc:picChg chg="mod">
-          <ac:chgData name="Xin Luo" userId="82312ee5779919a4" providerId="LiveId" clId="{23920C8D-EBCE-A347-9C82-C14316D20539}" dt="2022-10-25T12:09:03.730" v="478" actId="1036"/>
-          <ac:picMkLst>
-            <pc:docMk/>
-            <pc:sldMk cId="2780969545" sldId="2609"/>
-            <ac:picMk id="4" creationId="{49B7ACC6-6794-9162-52B2-E80F7E4B0442}"/>
-          </ac:picMkLst>
-        </pc:picChg>
-        <pc:picChg chg="mod">
-          <ac:chgData name="Xin Luo" userId="82312ee5779919a4" providerId="LiveId" clId="{23920C8D-EBCE-A347-9C82-C14316D20539}" dt="2022-10-25T12:09:03.730" v="478" actId="1036"/>
-          <ac:picMkLst>
-            <pc:docMk/>
-            <pc:sldMk cId="2780969545" sldId="2609"/>
-            <ac:picMk id="7" creationId="{42FD45A0-A9EA-D518-41B5-21FA7A24BA60}"/>
-          </ac:picMkLst>
-        </pc:picChg>
-        <pc:picChg chg="mod">
-          <ac:chgData name="Xin Luo" userId="82312ee5779919a4" providerId="LiveId" clId="{23920C8D-EBCE-A347-9C82-C14316D20539}" dt="2022-10-25T12:09:03.730" v="478" actId="1036"/>
-          <ac:picMkLst>
-            <pc:docMk/>
-            <pc:sldMk cId="2780969545" sldId="2609"/>
-            <ac:picMk id="10" creationId="{C2B12388-3179-41F8-2462-0C9BA14093FF}"/>
-          </ac:picMkLst>
-        </pc:picChg>
-        <pc:picChg chg="mod">
-          <ac:chgData name="Xin Luo" userId="82312ee5779919a4" providerId="LiveId" clId="{23920C8D-EBCE-A347-9C82-C14316D20539}" dt="2022-10-25T12:09:03.730" v="478" actId="1036"/>
-          <ac:picMkLst>
-            <pc:docMk/>
-            <pc:sldMk cId="2780969545" sldId="2609"/>
-            <ac:picMk id="7170" creationId="{A3C33C8C-6841-03A7-574F-E161D6BA2409}"/>
-          </ac:picMkLst>
-        </pc:picChg>
-        <pc:cxnChg chg="mod">
-          <ac:chgData name="Xin Luo" userId="82312ee5779919a4" providerId="LiveId" clId="{23920C8D-EBCE-A347-9C82-C14316D20539}" dt="2022-10-25T12:09:03.730" v="478" actId="1036"/>
-          <ac:cxnSpMkLst>
-            <pc:docMk/>
-            <pc:sldMk cId="2780969545" sldId="2609"/>
-            <ac:cxnSpMk id="9" creationId="{FD972B84-6C44-171E-8256-D2A04F01B0C9}"/>
-          </ac:cxnSpMkLst>
-        </pc:cxnChg>
-        <pc:cxnChg chg="mod">
-          <ac:chgData name="Xin Luo" userId="82312ee5779919a4" providerId="LiveId" clId="{23920C8D-EBCE-A347-9C82-C14316D20539}" dt="2022-10-25T12:09:03.730" v="478" actId="1036"/>
-          <ac:cxnSpMkLst>
-            <pc:docMk/>
-            <pc:sldMk cId="2780969545" sldId="2609"/>
-            <ac:cxnSpMk id="16" creationId="{612BCBDC-DECE-5090-7C5B-6492FF4CE722}"/>
-          </ac:cxnSpMkLst>
-        </pc:cxnChg>
-        <pc:cxnChg chg="mod">
-          <ac:chgData name="Xin Luo" userId="82312ee5779919a4" providerId="LiveId" clId="{23920C8D-EBCE-A347-9C82-C14316D20539}" dt="2022-10-25T12:09:03.730" v="478" actId="1036"/>
-          <ac:cxnSpMkLst>
-            <pc:docMk/>
-            <pc:sldMk cId="2780969545" sldId="2609"/>
-            <ac:cxnSpMk id="17" creationId="{AF045F09-2718-C456-D477-E816A43885FF}"/>
-          </ac:cxnSpMkLst>
-        </pc:cxnChg>
-        <pc:cxnChg chg="mod">
-          <ac:chgData name="Xin Luo" userId="82312ee5779919a4" providerId="LiveId" clId="{23920C8D-EBCE-A347-9C82-C14316D20539}" dt="2022-10-25T12:09:03.730" v="478" actId="1036"/>
-          <ac:cxnSpMkLst>
-            <pc:docMk/>
-            <pc:sldMk cId="2780969545" sldId="2609"/>
-            <ac:cxnSpMk id="28" creationId="{6C11ADF7-6234-2989-2798-F5AAD5EDE3BF}"/>
-          </ac:cxnSpMkLst>
-        </pc:cxnChg>
-      </pc:sldChg>
-      <pc:sldChg chg="modSp mod">
-        <pc:chgData name="Xin Luo" userId="82312ee5779919a4" providerId="LiveId" clId="{23920C8D-EBCE-A347-9C82-C14316D20539}" dt="2022-10-26T02:56:58.658" v="480" actId="207"/>
-        <pc:sldMkLst>
-          <pc:docMk/>
-          <pc:sldMk cId="63705705" sldId="2612"/>
-        </pc:sldMkLst>
-        <pc:spChg chg="mod">
-          <ac:chgData name="Xin Luo" userId="82312ee5779919a4" providerId="LiveId" clId="{23920C8D-EBCE-A347-9C82-C14316D20539}" dt="2022-10-26T02:56:58.658" v="480" actId="207"/>
-          <ac:spMkLst>
-            <pc:docMk/>
-            <pc:sldMk cId="63705705" sldId="2612"/>
-            <ac:spMk id="63" creationId="{6400CC45-5050-7ACD-CE08-CC6D7000A1DA}"/>
-          </ac:spMkLst>
-        </pc:spChg>
-      </pc:sldChg>
-      <pc:sldChg chg="addSp modSp">
-        <pc:chgData name="Xin Luo" userId="82312ee5779919a4" providerId="LiveId" clId="{23920C8D-EBCE-A347-9C82-C14316D20539}" dt="2022-10-26T12:19:06.428" v="501" actId="767"/>
-        <pc:sldMkLst>
-          <pc:docMk/>
-          <pc:sldMk cId="963926578" sldId="2613"/>
-        </pc:sldMkLst>
-        <pc:spChg chg="add mod">
-          <ac:chgData name="Xin Luo" userId="82312ee5779919a4" providerId="LiveId" clId="{23920C8D-EBCE-A347-9C82-C14316D20539}" dt="2022-10-26T12:19:06.428" v="501" actId="767"/>
-          <ac:spMkLst>
-            <pc:docMk/>
-            <pc:sldMk cId="963926578" sldId="2613"/>
-            <ac:spMk id="2" creationId="{5F7683B3-77E0-69A9-94AE-FF04E7249325}"/>
-          </ac:spMkLst>
-        </pc:spChg>
-      </pc:sldChg>
-      <pc:sldChg chg="modSp add mod">
-        <pc:chgData name="Xin Luo" userId="82312ee5779919a4" providerId="LiveId" clId="{23920C8D-EBCE-A347-9C82-C14316D20539}" dt="2022-10-10T01:06:02.902" v="365" actId="403"/>
-        <pc:sldMkLst>
-          <pc:docMk/>
-          <pc:sldMk cId="2358282757" sldId="2714"/>
-        </pc:sldMkLst>
-        <pc:spChg chg="mod">
-          <ac:chgData name="Xin Luo" userId="82312ee5779919a4" providerId="LiveId" clId="{23920C8D-EBCE-A347-9C82-C14316D20539}" dt="2022-10-10T01:06:02.902" v="365" actId="403"/>
-          <ac:spMkLst>
-            <pc:docMk/>
-            <pc:sldMk cId="2358282757" sldId="2714"/>
-            <ac:spMk id="2" creationId="{DB381E7B-A050-4BE4-6756-9B64308C74D7}"/>
-          </ac:spMkLst>
-        </pc:spChg>
-      </pc:sldChg>
-    </pc:docChg>
-  </pc:docChgLst>
-  <pc:docChgLst>
     <pc:chgData name="Xin Luo" userId="82312ee5779919a4" providerId="LiveId" clId="{7C35D78A-E8DF-394E-816A-D2222F18F092}"/>
     <pc:docChg chg="delSld modSld">
       <pc:chgData name="Xin Luo" userId="82312ee5779919a4" providerId="LiveId" clId="{7C35D78A-E8DF-394E-816A-D2222F18F092}" dt="2022-11-28T03:56:42.353" v="21" actId="2696"/>
@@ -3462,6 +3127,350 @@
     </pc:docChg>
   </pc:docChgLst>
   <pc:docChgLst>
+    <pc:chgData name="Xin Luo" userId="82312ee5779919a4" providerId="LiveId" clId="{23920C8D-EBCE-A347-9C82-C14316D20539}"/>
+    <pc:docChg chg="undo custSel addSld modSld">
+      <pc:chgData name="Xin Luo" userId="82312ee5779919a4" providerId="LiveId" clId="{23920C8D-EBCE-A347-9C82-C14316D20539}" dt="2022-10-26T12:19:06.428" v="501" actId="767"/>
+      <pc:docMkLst>
+        <pc:docMk/>
+      </pc:docMkLst>
+      <pc:sldChg chg="modSp mod">
+        <pc:chgData name="Xin Luo" userId="82312ee5779919a4" providerId="LiveId" clId="{23920C8D-EBCE-A347-9C82-C14316D20539}" dt="2022-10-10T01:06:29.261" v="368" actId="404"/>
+        <pc:sldMkLst>
+          <pc:docMk/>
+          <pc:sldMk cId="1576120367" sldId="2387"/>
+        </pc:sldMkLst>
+        <pc:spChg chg="mod">
+          <ac:chgData name="Xin Luo" userId="82312ee5779919a4" providerId="LiveId" clId="{23920C8D-EBCE-A347-9C82-C14316D20539}" dt="2022-10-10T01:06:29.261" v="368" actId="404"/>
+          <ac:spMkLst>
+            <pc:docMk/>
+            <pc:sldMk cId="1576120367" sldId="2387"/>
+            <ac:spMk id="10" creationId="{00000000-0000-0000-0000-000000000000}"/>
+          </ac:spMkLst>
+        </pc:spChg>
+        <pc:spChg chg="mod">
+          <ac:chgData name="Xin Luo" userId="82312ee5779919a4" providerId="LiveId" clId="{23920C8D-EBCE-A347-9C82-C14316D20539}" dt="2022-10-10T01:06:13.262" v="366" actId="403"/>
+          <ac:spMkLst>
+            <pc:docMk/>
+            <pc:sldMk cId="1576120367" sldId="2387"/>
+            <ac:spMk id="12" creationId="{00000000-0000-0000-0000-000000000000}"/>
+          </ac:spMkLst>
+        </pc:spChg>
+        <pc:spChg chg="mod">
+          <ac:chgData name="Xin Luo" userId="82312ee5779919a4" providerId="LiveId" clId="{23920C8D-EBCE-A347-9C82-C14316D20539}" dt="2022-10-10T01:06:29.261" v="368" actId="404"/>
+          <ac:spMkLst>
+            <pc:docMk/>
+            <pc:sldMk cId="1576120367" sldId="2387"/>
+            <ac:spMk id="13" creationId="{00000000-0000-0000-0000-000000000000}"/>
+          </ac:spMkLst>
+        </pc:spChg>
+        <pc:spChg chg="mod">
+          <ac:chgData name="Xin Luo" userId="82312ee5779919a4" providerId="LiveId" clId="{23920C8D-EBCE-A347-9C82-C14316D20539}" dt="2022-10-10T01:06:13.262" v="366" actId="403"/>
+          <ac:spMkLst>
+            <pc:docMk/>
+            <pc:sldMk cId="1576120367" sldId="2387"/>
+            <ac:spMk id="14" creationId="{00000000-0000-0000-0000-000000000000}"/>
+          </ac:spMkLst>
+        </pc:spChg>
+        <pc:spChg chg="mod">
+          <ac:chgData name="Xin Luo" userId="82312ee5779919a4" providerId="LiveId" clId="{23920C8D-EBCE-A347-9C82-C14316D20539}" dt="2022-10-10T01:06:29.261" v="368" actId="404"/>
+          <ac:spMkLst>
+            <pc:docMk/>
+            <pc:sldMk cId="1576120367" sldId="2387"/>
+            <ac:spMk id="15" creationId="{00000000-0000-0000-0000-000000000000}"/>
+          </ac:spMkLst>
+        </pc:spChg>
+        <pc:spChg chg="mod">
+          <ac:chgData name="Xin Luo" userId="82312ee5779919a4" providerId="LiveId" clId="{23920C8D-EBCE-A347-9C82-C14316D20539}" dt="2022-10-10T01:06:19.369" v="367" actId="14100"/>
+          <ac:spMkLst>
+            <pc:docMk/>
+            <pc:sldMk cId="1576120367" sldId="2387"/>
+            <ac:spMk id="16" creationId="{00000000-0000-0000-0000-000000000000}"/>
+          </ac:spMkLst>
+        </pc:spChg>
+      </pc:sldChg>
+      <pc:sldChg chg="modSp mod">
+        <pc:chgData name="Xin Luo" userId="82312ee5779919a4" providerId="LiveId" clId="{23920C8D-EBCE-A347-9C82-C14316D20539}" dt="2022-10-10T01:06:39.449" v="369" actId="403"/>
+        <pc:sldMkLst>
+          <pc:docMk/>
+          <pc:sldMk cId="2415901206" sldId="2447"/>
+        </pc:sldMkLst>
+        <pc:spChg chg="mod">
+          <ac:chgData name="Xin Luo" userId="82312ee5779919a4" providerId="LiveId" clId="{23920C8D-EBCE-A347-9C82-C14316D20539}" dt="2022-10-10T01:06:39.449" v="369" actId="403"/>
+          <ac:spMkLst>
+            <pc:docMk/>
+            <pc:sldMk cId="2415901206" sldId="2447"/>
+            <ac:spMk id="7" creationId="{00000000-0000-0000-0000-000000000000}"/>
+          </ac:spMkLst>
+        </pc:spChg>
+      </pc:sldChg>
+      <pc:sldChg chg="addSp delSp modSp mod">
+        <pc:chgData name="Xin Luo" userId="82312ee5779919a4" providerId="LiveId" clId="{23920C8D-EBCE-A347-9C82-C14316D20539}" dt="2022-10-26T11:18:20.490" v="500"/>
+        <pc:sldMkLst>
+          <pc:docMk/>
+          <pc:sldMk cId="2689840772" sldId="2604"/>
+        </pc:sldMkLst>
+        <pc:spChg chg="mod">
+          <ac:chgData name="Xin Luo" userId="82312ee5779919a4" providerId="LiveId" clId="{23920C8D-EBCE-A347-9C82-C14316D20539}" dt="2022-10-26T11:18:14.630" v="497" actId="1038"/>
+          <ac:spMkLst>
+            <pc:docMk/>
+            <pc:sldMk cId="2689840772" sldId="2604"/>
+            <ac:spMk id="2" creationId="{DB381E7B-A050-4BE4-6756-9B64308C74D7}"/>
+          </ac:spMkLst>
+        </pc:spChg>
+        <pc:spChg chg="del mod">
+          <ac:chgData name="Xin Luo" userId="82312ee5779919a4" providerId="LiveId" clId="{23920C8D-EBCE-A347-9C82-C14316D20539}" dt="2022-10-10T00:58:26.498" v="9" actId="478"/>
+          <ac:spMkLst>
+            <pc:docMk/>
+            <pc:sldMk cId="2689840772" sldId="2604"/>
+            <ac:spMk id="3" creationId="{00000000-0000-0000-0000-000000000000}"/>
+          </ac:spMkLst>
+        </pc:spChg>
+        <pc:spChg chg="add del mod">
+          <ac:chgData name="Xin Luo" userId="82312ee5779919a4" providerId="LiveId" clId="{23920C8D-EBCE-A347-9C82-C14316D20539}" dt="2022-10-26T11:18:20.490" v="500"/>
+          <ac:spMkLst>
+            <pc:docMk/>
+            <pc:sldMk cId="2689840772" sldId="2604"/>
+            <ac:spMk id="3" creationId="{0AC6D251-AEF6-35BE-71D5-DE25EAD72977}"/>
+          </ac:spMkLst>
+        </pc:spChg>
+        <pc:spChg chg="add mod">
+          <ac:chgData name="Xin Luo" userId="82312ee5779919a4" providerId="LiveId" clId="{23920C8D-EBCE-A347-9C82-C14316D20539}" dt="2022-10-10T01:03:50.909" v="356" actId="20577"/>
+          <ac:spMkLst>
+            <pc:docMk/>
+            <pc:sldMk cId="2689840772" sldId="2604"/>
+            <ac:spMk id="4" creationId="{5B949F23-92C2-3ACE-AE9A-58F8C8D7AB52}"/>
+          </ac:spMkLst>
+        </pc:spChg>
+      </pc:sldChg>
+      <pc:sldChg chg="modSp mod">
+        <pc:chgData name="Xin Luo" userId="82312ee5779919a4" providerId="LiveId" clId="{23920C8D-EBCE-A347-9C82-C14316D20539}" dt="2022-10-25T11:53:23.523" v="402" actId="207"/>
+        <pc:sldMkLst>
+          <pc:docMk/>
+          <pc:sldMk cId="1392274363" sldId="2606"/>
+        </pc:sldMkLst>
+        <pc:spChg chg="mod">
+          <ac:chgData name="Xin Luo" userId="82312ee5779919a4" providerId="LiveId" clId="{23920C8D-EBCE-A347-9C82-C14316D20539}" dt="2022-10-10T01:08:08.448" v="392" actId="20577"/>
+          <ac:spMkLst>
+            <pc:docMk/>
+            <pc:sldMk cId="1392274363" sldId="2606"/>
+            <ac:spMk id="35" creationId="{2CBBD54C-A0C4-CFAB-2A67-F8BF299D28F5}"/>
+          </ac:spMkLst>
+        </pc:spChg>
+        <pc:spChg chg="mod">
+          <ac:chgData name="Xin Luo" userId="82312ee5779919a4" providerId="LiveId" clId="{23920C8D-EBCE-A347-9C82-C14316D20539}" dt="2022-10-25T11:53:23.523" v="402" actId="207"/>
+          <ac:spMkLst>
+            <pc:docMk/>
+            <pc:sldMk cId="1392274363" sldId="2606"/>
+            <ac:spMk id="42" creationId="{E4B07DDE-AB89-2B16-6B7A-2142621DE6F5}"/>
+          </ac:spMkLst>
+        </pc:spChg>
+      </pc:sldChg>
+      <pc:sldChg chg="modSp mod">
+        <pc:chgData name="Xin Luo" userId="82312ee5779919a4" providerId="LiveId" clId="{23920C8D-EBCE-A347-9C82-C14316D20539}" dt="2022-10-25T12:03:26.240" v="414" actId="14100"/>
+        <pc:sldMkLst>
+          <pc:docMk/>
+          <pc:sldMk cId="292605530" sldId="2607"/>
+        </pc:sldMkLst>
+        <pc:spChg chg="mod">
+          <ac:chgData name="Xin Luo" userId="82312ee5779919a4" providerId="LiveId" clId="{23920C8D-EBCE-A347-9C82-C14316D20539}" dt="2022-10-25T12:03:26.240" v="414" actId="14100"/>
+          <ac:spMkLst>
+            <pc:docMk/>
+            <pc:sldMk cId="292605530" sldId="2607"/>
+            <ac:spMk id="18" creationId="{8399C9E7-13B6-1DAF-F5BF-4471E8528C5F}"/>
+          </ac:spMkLst>
+        </pc:spChg>
+      </pc:sldChg>
+      <pc:sldChg chg="modSp mod">
+        <pc:chgData name="Xin Luo" userId="82312ee5779919a4" providerId="LiveId" clId="{23920C8D-EBCE-A347-9C82-C14316D20539}" dt="2022-10-25T12:09:03.730" v="478" actId="1036"/>
+        <pc:sldMkLst>
+          <pc:docMk/>
+          <pc:sldMk cId="2780969545" sldId="2609"/>
+        </pc:sldMkLst>
+        <pc:spChg chg="mod">
+          <ac:chgData name="Xin Luo" userId="82312ee5779919a4" providerId="LiveId" clId="{23920C8D-EBCE-A347-9C82-C14316D20539}" dt="2022-10-25T12:08:56.496" v="469" actId="115"/>
+          <ac:spMkLst>
+            <pc:docMk/>
+            <pc:sldMk cId="2780969545" sldId="2609"/>
+            <ac:spMk id="6" creationId="{2D1A6305-FF43-CF53-224A-B6D4901EAB0F}"/>
+          </ac:spMkLst>
+        </pc:spChg>
+        <pc:spChg chg="mod">
+          <ac:chgData name="Xin Luo" userId="82312ee5779919a4" providerId="LiveId" clId="{23920C8D-EBCE-A347-9C82-C14316D20539}" dt="2022-10-25T12:09:03.730" v="478" actId="1036"/>
+          <ac:spMkLst>
+            <pc:docMk/>
+            <pc:sldMk cId="2780969545" sldId="2609"/>
+            <ac:spMk id="11" creationId="{63EAC848-88D2-7A10-E878-444ADA855E23}"/>
+          </ac:spMkLst>
+        </pc:spChg>
+        <pc:spChg chg="mod">
+          <ac:chgData name="Xin Luo" userId="82312ee5779919a4" providerId="LiveId" clId="{23920C8D-EBCE-A347-9C82-C14316D20539}" dt="2022-10-25T12:09:03.730" v="478" actId="1036"/>
+          <ac:spMkLst>
+            <pc:docMk/>
+            <pc:sldMk cId="2780969545" sldId="2609"/>
+            <ac:spMk id="12" creationId="{BED7A820-9D6E-7E7E-A906-8A9424528316}"/>
+          </ac:spMkLst>
+        </pc:spChg>
+        <pc:spChg chg="mod">
+          <ac:chgData name="Xin Luo" userId="82312ee5779919a4" providerId="LiveId" clId="{23920C8D-EBCE-A347-9C82-C14316D20539}" dt="2022-10-25T12:09:03.730" v="478" actId="1036"/>
+          <ac:spMkLst>
+            <pc:docMk/>
+            <pc:sldMk cId="2780969545" sldId="2609"/>
+            <ac:spMk id="20" creationId="{87EC125B-CB98-6914-1633-6697471A2CB4}"/>
+          </ac:spMkLst>
+        </pc:spChg>
+        <pc:spChg chg="mod">
+          <ac:chgData name="Xin Luo" userId="82312ee5779919a4" providerId="LiveId" clId="{23920C8D-EBCE-A347-9C82-C14316D20539}" dt="2022-10-25T12:09:03.730" v="478" actId="1036"/>
+          <ac:spMkLst>
+            <pc:docMk/>
+            <pc:sldMk cId="2780969545" sldId="2609"/>
+            <ac:spMk id="21" creationId="{0AF67847-7DEF-CDAB-6208-0271BFB4FB06}"/>
+          </ac:spMkLst>
+        </pc:spChg>
+        <pc:spChg chg="mod">
+          <ac:chgData name="Xin Luo" userId="82312ee5779919a4" providerId="LiveId" clId="{23920C8D-EBCE-A347-9C82-C14316D20539}" dt="2022-10-25T12:09:03.730" v="478" actId="1036"/>
+          <ac:spMkLst>
+            <pc:docMk/>
+            <pc:sldMk cId="2780969545" sldId="2609"/>
+            <ac:spMk id="23" creationId="{0011846D-F543-398E-85CB-0AB0A842928A}"/>
+          </ac:spMkLst>
+        </pc:spChg>
+        <pc:spChg chg="mod">
+          <ac:chgData name="Xin Luo" userId="82312ee5779919a4" providerId="LiveId" clId="{23920C8D-EBCE-A347-9C82-C14316D20539}" dt="2022-10-25T12:09:03.730" v="478" actId="1036"/>
+          <ac:spMkLst>
+            <pc:docMk/>
+            <pc:sldMk cId="2780969545" sldId="2609"/>
+            <ac:spMk id="24" creationId="{37B5D87E-7419-7CC0-91CC-8A0807F0F999}"/>
+          </ac:spMkLst>
+        </pc:spChg>
+        <pc:spChg chg="mod">
+          <ac:chgData name="Xin Luo" userId="82312ee5779919a4" providerId="LiveId" clId="{23920C8D-EBCE-A347-9C82-C14316D20539}" dt="2022-10-25T12:09:03.730" v="478" actId="1036"/>
+          <ac:spMkLst>
+            <pc:docMk/>
+            <pc:sldMk cId="2780969545" sldId="2609"/>
+            <ac:spMk id="25" creationId="{4745244D-B431-F067-4A97-7CC4387296FB}"/>
+          </ac:spMkLst>
+        </pc:spChg>
+        <pc:spChg chg="mod">
+          <ac:chgData name="Xin Luo" userId="82312ee5779919a4" providerId="LiveId" clId="{23920C8D-EBCE-A347-9C82-C14316D20539}" dt="2022-10-25T12:09:03.730" v="478" actId="1036"/>
+          <ac:spMkLst>
+            <pc:docMk/>
+            <pc:sldMk cId="2780969545" sldId="2609"/>
+            <ac:spMk id="26" creationId="{FB9C53DE-8D1F-6DF4-8CE3-3A262A9F8737}"/>
+          </ac:spMkLst>
+        </pc:spChg>
+        <pc:picChg chg="mod">
+          <ac:chgData name="Xin Luo" userId="82312ee5779919a4" providerId="LiveId" clId="{23920C8D-EBCE-A347-9C82-C14316D20539}" dt="2022-10-25T12:09:03.730" v="478" actId="1036"/>
+          <ac:picMkLst>
+            <pc:docMk/>
+            <pc:sldMk cId="2780969545" sldId="2609"/>
+            <ac:picMk id="4" creationId="{49B7ACC6-6794-9162-52B2-E80F7E4B0442}"/>
+          </ac:picMkLst>
+        </pc:picChg>
+        <pc:picChg chg="mod">
+          <ac:chgData name="Xin Luo" userId="82312ee5779919a4" providerId="LiveId" clId="{23920C8D-EBCE-A347-9C82-C14316D20539}" dt="2022-10-25T12:09:03.730" v="478" actId="1036"/>
+          <ac:picMkLst>
+            <pc:docMk/>
+            <pc:sldMk cId="2780969545" sldId="2609"/>
+            <ac:picMk id="7" creationId="{42FD45A0-A9EA-D518-41B5-21FA7A24BA60}"/>
+          </ac:picMkLst>
+        </pc:picChg>
+        <pc:picChg chg="mod">
+          <ac:chgData name="Xin Luo" userId="82312ee5779919a4" providerId="LiveId" clId="{23920C8D-EBCE-A347-9C82-C14316D20539}" dt="2022-10-25T12:09:03.730" v="478" actId="1036"/>
+          <ac:picMkLst>
+            <pc:docMk/>
+            <pc:sldMk cId="2780969545" sldId="2609"/>
+            <ac:picMk id="10" creationId="{C2B12388-3179-41F8-2462-0C9BA14093FF}"/>
+          </ac:picMkLst>
+        </pc:picChg>
+        <pc:picChg chg="mod">
+          <ac:chgData name="Xin Luo" userId="82312ee5779919a4" providerId="LiveId" clId="{23920C8D-EBCE-A347-9C82-C14316D20539}" dt="2022-10-25T12:09:03.730" v="478" actId="1036"/>
+          <ac:picMkLst>
+            <pc:docMk/>
+            <pc:sldMk cId="2780969545" sldId="2609"/>
+            <ac:picMk id="7170" creationId="{A3C33C8C-6841-03A7-574F-E161D6BA2409}"/>
+          </ac:picMkLst>
+        </pc:picChg>
+        <pc:cxnChg chg="mod">
+          <ac:chgData name="Xin Luo" userId="82312ee5779919a4" providerId="LiveId" clId="{23920C8D-EBCE-A347-9C82-C14316D20539}" dt="2022-10-25T12:09:03.730" v="478" actId="1036"/>
+          <ac:cxnSpMkLst>
+            <pc:docMk/>
+            <pc:sldMk cId="2780969545" sldId="2609"/>
+            <ac:cxnSpMk id="9" creationId="{FD972B84-6C44-171E-8256-D2A04F01B0C9}"/>
+          </ac:cxnSpMkLst>
+        </pc:cxnChg>
+        <pc:cxnChg chg="mod">
+          <ac:chgData name="Xin Luo" userId="82312ee5779919a4" providerId="LiveId" clId="{23920C8D-EBCE-A347-9C82-C14316D20539}" dt="2022-10-25T12:09:03.730" v="478" actId="1036"/>
+          <ac:cxnSpMkLst>
+            <pc:docMk/>
+            <pc:sldMk cId="2780969545" sldId="2609"/>
+            <ac:cxnSpMk id="16" creationId="{612BCBDC-DECE-5090-7C5B-6492FF4CE722}"/>
+          </ac:cxnSpMkLst>
+        </pc:cxnChg>
+        <pc:cxnChg chg="mod">
+          <ac:chgData name="Xin Luo" userId="82312ee5779919a4" providerId="LiveId" clId="{23920C8D-EBCE-A347-9C82-C14316D20539}" dt="2022-10-25T12:09:03.730" v="478" actId="1036"/>
+          <ac:cxnSpMkLst>
+            <pc:docMk/>
+            <pc:sldMk cId="2780969545" sldId="2609"/>
+            <ac:cxnSpMk id="17" creationId="{AF045F09-2718-C456-D477-E816A43885FF}"/>
+          </ac:cxnSpMkLst>
+        </pc:cxnChg>
+        <pc:cxnChg chg="mod">
+          <ac:chgData name="Xin Luo" userId="82312ee5779919a4" providerId="LiveId" clId="{23920C8D-EBCE-A347-9C82-C14316D20539}" dt="2022-10-25T12:09:03.730" v="478" actId="1036"/>
+          <ac:cxnSpMkLst>
+            <pc:docMk/>
+            <pc:sldMk cId="2780969545" sldId="2609"/>
+            <ac:cxnSpMk id="28" creationId="{6C11ADF7-6234-2989-2798-F5AAD5EDE3BF}"/>
+          </ac:cxnSpMkLst>
+        </pc:cxnChg>
+      </pc:sldChg>
+      <pc:sldChg chg="modSp mod">
+        <pc:chgData name="Xin Luo" userId="82312ee5779919a4" providerId="LiveId" clId="{23920C8D-EBCE-A347-9C82-C14316D20539}" dt="2022-10-26T02:56:58.658" v="480" actId="207"/>
+        <pc:sldMkLst>
+          <pc:docMk/>
+          <pc:sldMk cId="63705705" sldId="2612"/>
+        </pc:sldMkLst>
+        <pc:spChg chg="mod">
+          <ac:chgData name="Xin Luo" userId="82312ee5779919a4" providerId="LiveId" clId="{23920C8D-EBCE-A347-9C82-C14316D20539}" dt="2022-10-26T02:56:58.658" v="480" actId="207"/>
+          <ac:spMkLst>
+            <pc:docMk/>
+            <pc:sldMk cId="63705705" sldId="2612"/>
+            <ac:spMk id="63" creationId="{6400CC45-5050-7ACD-CE08-CC6D7000A1DA}"/>
+          </ac:spMkLst>
+        </pc:spChg>
+      </pc:sldChg>
+      <pc:sldChg chg="addSp modSp">
+        <pc:chgData name="Xin Luo" userId="82312ee5779919a4" providerId="LiveId" clId="{23920C8D-EBCE-A347-9C82-C14316D20539}" dt="2022-10-26T12:19:06.428" v="501" actId="767"/>
+        <pc:sldMkLst>
+          <pc:docMk/>
+          <pc:sldMk cId="963926578" sldId="2613"/>
+        </pc:sldMkLst>
+        <pc:spChg chg="add mod">
+          <ac:chgData name="Xin Luo" userId="82312ee5779919a4" providerId="LiveId" clId="{23920C8D-EBCE-A347-9C82-C14316D20539}" dt="2022-10-26T12:19:06.428" v="501" actId="767"/>
+          <ac:spMkLst>
+            <pc:docMk/>
+            <pc:sldMk cId="963926578" sldId="2613"/>
+            <ac:spMk id="2" creationId="{5F7683B3-77E0-69A9-94AE-FF04E7249325}"/>
+          </ac:spMkLst>
+        </pc:spChg>
+      </pc:sldChg>
+      <pc:sldChg chg="modSp add mod">
+        <pc:chgData name="Xin Luo" userId="82312ee5779919a4" providerId="LiveId" clId="{23920C8D-EBCE-A347-9C82-C14316D20539}" dt="2022-10-10T01:06:02.902" v="365" actId="403"/>
+        <pc:sldMkLst>
+          <pc:docMk/>
+          <pc:sldMk cId="2358282757" sldId="2714"/>
+        </pc:sldMkLst>
+        <pc:spChg chg="mod">
+          <ac:chgData name="Xin Luo" userId="82312ee5779919a4" providerId="LiveId" clId="{23920C8D-EBCE-A347-9C82-C14316D20539}" dt="2022-10-10T01:06:02.902" v="365" actId="403"/>
+          <ac:spMkLst>
+            <pc:docMk/>
+            <pc:sldMk cId="2358282757" sldId="2714"/>
+            <ac:spMk id="2" creationId="{DB381E7B-A050-4BE4-6756-9B64308C74D7}"/>
+          </ac:spMkLst>
+        </pc:spChg>
+      </pc:sldChg>
+    </pc:docChg>
+  </pc:docChgLst>
+  <pc:docChgLst>
     <pc:chgData name="Xin Luo" userId="82312ee5779919a4" providerId="LiveId" clId="{4807F875-6F75-AB41-83F0-5AE490FE2F1C}"/>
     <pc:docChg chg="custSel addSld modSld">
       <pc:chgData name="Xin Luo" userId="82312ee5779919a4" providerId="LiveId" clId="{4807F875-6F75-AB41-83F0-5AE490FE2F1C}" dt="2023-09-13T14:07:01.122" v="8" actId="1076"/>
@@ -5043,6 +5052,138 @@
     </pc:docChg>
   </pc:docChgLst>
   <pc:docChgLst>
+    <pc:chgData name="Xin Luo" userId="82312ee5779919a4" providerId="LiveId" clId="{A508F461-0D73-864F-B88A-277BCD613B0A}"/>
+    <pc:docChg chg="modSld">
+      <pc:chgData name="Xin Luo" userId="82312ee5779919a4" providerId="LiveId" clId="{A508F461-0D73-864F-B88A-277BCD613B0A}" dt="2023-09-11T02:08:48.074" v="121" actId="1076"/>
+      <pc:docMkLst>
+        <pc:docMk/>
+      </pc:docMkLst>
+      <pc:sldChg chg="modSp mod">
+        <pc:chgData name="Xin Luo" userId="82312ee5779919a4" providerId="LiveId" clId="{A508F461-0D73-864F-B88A-277BCD613B0A}" dt="2023-09-11T01:25:36.157" v="49" actId="255"/>
+        <pc:sldMkLst>
+          <pc:docMk/>
+          <pc:sldMk cId="1209572041" sldId="2722"/>
+        </pc:sldMkLst>
+        <pc:spChg chg="mod">
+          <ac:chgData name="Xin Luo" userId="82312ee5779919a4" providerId="LiveId" clId="{A508F461-0D73-864F-B88A-277BCD613B0A}" dt="2023-09-11T01:25:36.157" v="49" actId="255"/>
+          <ac:spMkLst>
+            <pc:docMk/>
+            <pc:sldMk cId="1209572041" sldId="2722"/>
+            <ac:spMk id="13" creationId="{303BC878-BC57-D350-27A3-F03AE48213AC}"/>
+          </ac:spMkLst>
+        </pc:spChg>
+      </pc:sldChg>
+      <pc:sldChg chg="modSp mod">
+        <pc:chgData name="Xin Luo" userId="82312ee5779919a4" providerId="LiveId" clId="{A508F461-0D73-864F-B88A-277BCD613B0A}" dt="2023-09-11T02:08:48.074" v="121" actId="1076"/>
+        <pc:sldMkLst>
+          <pc:docMk/>
+          <pc:sldMk cId="3151170836" sldId="2742"/>
+        </pc:sldMkLst>
+        <pc:spChg chg="mod">
+          <ac:chgData name="Xin Luo" userId="82312ee5779919a4" providerId="LiveId" clId="{A508F461-0D73-864F-B88A-277BCD613B0A}" dt="2023-09-11T02:08:48.074" v="121" actId="1076"/>
+          <ac:spMkLst>
+            <pc:docMk/>
+            <pc:sldMk cId="3151170836" sldId="2742"/>
+            <ac:spMk id="6" creationId="{FA343B24-C04E-C7D0-D427-DA131ECB74AB}"/>
+          </ac:spMkLst>
+        </pc:spChg>
+      </pc:sldChg>
+      <pc:sldChg chg="modSp mod">
+        <pc:chgData name="Xin Luo" userId="82312ee5779919a4" providerId="LiveId" clId="{A508F461-0D73-864F-B88A-277BCD613B0A}" dt="2023-09-11T01:24:19.474" v="26" actId="255"/>
+        <pc:sldMkLst>
+          <pc:docMk/>
+          <pc:sldMk cId="3741103209" sldId="2745"/>
+        </pc:sldMkLst>
+        <pc:spChg chg="mod">
+          <ac:chgData name="Xin Luo" userId="82312ee5779919a4" providerId="LiveId" clId="{A508F461-0D73-864F-B88A-277BCD613B0A}" dt="2023-09-11T01:24:19.474" v="26" actId="255"/>
+          <ac:spMkLst>
+            <pc:docMk/>
+            <pc:sldMk cId="3741103209" sldId="2745"/>
+            <ac:spMk id="17" creationId="{9E05FFCA-3371-AF5C-381D-71D984055F5A}"/>
+          </ac:spMkLst>
+        </pc:spChg>
+      </pc:sldChg>
+      <pc:sldChg chg="modSp mod">
+        <pc:chgData name="Xin Luo" userId="82312ee5779919a4" providerId="LiveId" clId="{A508F461-0D73-864F-B88A-277BCD613B0A}" dt="2023-09-11T01:25:10.921" v="46" actId="1035"/>
+        <pc:sldMkLst>
+          <pc:docMk/>
+          <pc:sldMk cId="2081473989" sldId="2748"/>
+        </pc:sldMkLst>
+        <pc:spChg chg="mod">
+          <ac:chgData name="Xin Luo" userId="82312ee5779919a4" providerId="LiveId" clId="{A508F461-0D73-864F-B88A-277BCD613B0A}" dt="2023-09-11T01:25:10.921" v="46" actId="1035"/>
+          <ac:spMkLst>
+            <pc:docMk/>
+            <pc:sldMk cId="2081473989" sldId="2748"/>
+            <ac:spMk id="15" creationId="{DAE75BEB-15B0-6AD3-FEA5-24688F0C9399}"/>
+          </ac:spMkLst>
+        </pc:spChg>
+        <pc:spChg chg="mod">
+          <ac:chgData name="Xin Luo" userId="82312ee5779919a4" providerId="LiveId" clId="{A508F461-0D73-864F-B88A-277BCD613B0A}" dt="2023-09-11T01:25:10.921" v="46" actId="1035"/>
+          <ac:spMkLst>
+            <pc:docMk/>
+            <pc:sldMk cId="2081473989" sldId="2748"/>
+            <ac:spMk id="16" creationId="{011A1F98-9159-4FE6-698D-1B0B7EFC1F4C}"/>
+          </ac:spMkLst>
+        </pc:spChg>
+        <pc:spChg chg="mod">
+          <ac:chgData name="Xin Luo" userId="82312ee5779919a4" providerId="LiveId" clId="{A508F461-0D73-864F-B88A-277BCD613B0A}" dt="2023-09-11T01:25:03.190" v="37" actId="2710"/>
+          <ac:spMkLst>
+            <pc:docMk/>
+            <pc:sldMk cId="2081473989" sldId="2748"/>
+            <ac:spMk id="17" creationId="{9E05FFCA-3371-AF5C-381D-71D984055F5A}"/>
+          </ac:spMkLst>
+        </pc:spChg>
+        <pc:picChg chg="mod">
+          <ac:chgData name="Xin Luo" userId="82312ee5779919a4" providerId="LiveId" clId="{A508F461-0D73-864F-B88A-277BCD613B0A}" dt="2023-09-11T01:25:10.921" v="46" actId="1035"/>
+          <ac:picMkLst>
+            <pc:docMk/>
+            <pc:sldMk cId="2081473989" sldId="2748"/>
+            <ac:picMk id="8" creationId="{79143EB1-6171-6D6B-E065-52F98AD03CCA}"/>
+          </ac:picMkLst>
+        </pc:picChg>
+        <pc:picChg chg="mod">
+          <ac:chgData name="Xin Luo" userId="82312ee5779919a4" providerId="LiveId" clId="{A508F461-0D73-864F-B88A-277BCD613B0A}" dt="2023-09-11T01:25:10.921" v="46" actId="1035"/>
+          <ac:picMkLst>
+            <pc:docMk/>
+            <pc:sldMk cId="2081473989" sldId="2748"/>
+            <ac:picMk id="12" creationId="{CD5784D5-D55B-B02C-C48B-B4566A95D7A5}"/>
+          </ac:picMkLst>
+        </pc:picChg>
+      </pc:sldChg>
+      <pc:sldChg chg="modSp mod">
+        <pc:chgData name="Xin Luo" userId="82312ee5779919a4" providerId="LiveId" clId="{A508F461-0D73-864F-B88A-277BCD613B0A}" dt="2023-09-11T01:23:28.376" v="25" actId="1037"/>
+        <pc:sldMkLst>
+          <pc:docMk/>
+          <pc:sldMk cId="2927474256" sldId="2754"/>
+        </pc:sldMkLst>
+        <pc:spChg chg="mod">
+          <ac:chgData name="Xin Luo" userId="82312ee5779919a4" providerId="LiveId" clId="{A508F461-0D73-864F-B88A-277BCD613B0A}" dt="2023-09-11T01:23:28.376" v="25" actId="1037"/>
+          <ac:spMkLst>
+            <pc:docMk/>
+            <pc:sldMk cId="2927474256" sldId="2754"/>
+            <ac:spMk id="17" creationId="{8CFF8A22-C033-47DF-8707-CA76F142CBBA}"/>
+          </ac:spMkLst>
+        </pc:spChg>
+        <pc:grpChg chg="mod">
+          <ac:chgData name="Xin Luo" userId="82312ee5779919a4" providerId="LiveId" clId="{A508F461-0D73-864F-B88A-277BCD613B0A}" dt="2023-09-11T01:23:15.792" v="0" actId="1037"/>
+          <ac:grpSpMkLst>
+            <pc:docMk/>
+            <pc:sldMk cId="2927474256" sldId="2754"/>
+            <ac:grpSpMk id="20" creationId="{8AA7B3E2-1D42-96C9-43F0-1F320D3EFD63}"/>
+          </ac:grpSpMkLst>
+        </pc:grpChg>
+        <pc:picChg chg="mod">
+          <ac:chgData name="Xin Luo" userId="82312ee5779919a4" providerId="LiveId" clId="{A508F461-0D73-864F-B88A-277BCD613B0A}" dt="2023-09-11T01:23:18.846" v="10" actId="1038"/>
+          <ac:picMkLst>
+            <pc:docMk/>
+            <pc:sldMk cId="2927474256" sldId="2754"/>
+            <ac:picMk id="9" creationId="{0CF46726-2B51-43A4-FDEF-A6131C46F05F}"/>
+          </ac:picMkLst>
+        </pc:picChg>
+      </pc:sldChg>
+    </pc:docChg>
+  </pc:docChgLst>
+  <pc:docChgLst>
     <pc:chgData name="Xin Luo" userId="82312ee5779919a4" providerId="LiveId" clId="{82BFAA31-791A-9843-976C-3AAFAA5AC07D}"/>
     <pc:docChg chg="undo custSel addSld delSld modSld">
       <pc:chgData name="Xin Luo" userId="82312ee5779919a4" providerId="LiveId" clId="{82BFAA31-791A-9843-976C-3AAFAA5AC07D}" dt="2023-03-05T13:50:34.172" v="6224" actId="1035"/>
@@ -5779,138 +5920,6 @@
           <pc:docMk/>
           <pc:sldMk cId="1628918360" sldId="2751"/>
         </pc:sldMkLst>
-      </pc:sldChg>
-    </pc:docChg>
-  </pc:docChgLst>
-  <pc:docChgLst>
-    <pc:chgData name="Xin Luo" userId="82312ee5779919a4" providerId="LiveId" clId="{A508F461-0D73-864F-B88A-277BCD613B0A}"/>
-    <pc:docChg chg="modSld">
-      <pc:chgData name="Xin Luo" userId="82312ee5779919a4" providerId="LiveId" clId="{A508F461-0D73-864F-B88A-277BCD613B0A}" dt="2023-09-11T02:08:48.074" v="121" actId="1076"/>
-      <pc:docMkLst>
-        <pc:docMk/>
-      </pc:docMkLst>
-      <pc:sldChg chg="modSp mod">
-        <pc:chgData name="Xin Luo" userId="82312ee5779919a4" providerId="LiveId" clId="{A508F461-0D73-864F-B88A-277BCD613B0A}" dt="2023-09-11T01:25:36.157" v="49" actId="255"/>
-        <pc:sldMkLst>
-          <pc:docMk/>
-          <pc:sldMk cId="1209572041" sldId="2722"/>
-        </pc:sldMkLst>
-        <pc:spChg chg="mod">
-          <ac:chgData name="Xin Luo" userId="82312ee5779919a4" providerId="LiveId" clId="{A508F461-0D73-864F-B88A-277BCD613B0A}" dt="2023-09-11T01:25:36.157" v="49" actId="255"/>
-          <ac:spMkLst>
-            <pc:docMk/>
-            <pc:sldMk cId="1209572041" sldId="2722"/>
-            <ac:spMk id="13" creationId="{303BC878-BC57-D350-27A3-F03AE48213AC}"/>
-          </ac:spMkLst>
-        </pc:spChg>
-      </pc:sldChg>
-      <pc:sldChg chg="modSp mod">
-        <pc:chgData name="Xin Luo" userId="82312ee5779919a4" providerId="LiveId" clId="{A508F461-0D73-864F-B88A-277BCD613B0A}" dt="2023-09-11T02:08:48.074" v="121" actId="1076"/>
-        <pc:sldMkLst>
-          <pc:docMk/>
-          <pc:sldMk cId="3151170836" sldId="2742"/>
-        </pc:sldMkLst>
-        <pc:spChg chg="mod">
-          <ac:chgData name="Xin Luo" userId="82312ee5779919a4" providerId="LiveId" clId="{A508F461-0D73-864F-B88A-277BCD613B0A}" dt="2023-09-11T02:08:48.074" v="121" actId="1076"/>
-          <ac:spMkLst>
-            <pc:docMk/>
-            <pc:sldMk cId="3151170836" sldId="2742"/>
-            <ac:spMk id="6" creationId="{FA343B24-C04E-C7D0-D427-DA131ECB74AB}"/>
-          </ac:spMkLst>
-        </pc:spChg>
-      </pc:sldChg>
-      <pc:sldChg chg="modSp mod">
-        <pc:chgData name="Xin Luo" userId="82312ee5779919a4" providerId="LiveId" clId="{A508F461-0D73-864F-B88A-277BCD613B0A}" dt="2023-09-11T01:24:19.474" v="26" actId="255"/>
-        <pc:sldMkLst>
-          <pc:docMk/>
-          <pc:sldMk cId="3741103209" sldId="2745"/>
-        </pc:sldMkLst>
-        <pc:spChg chg="mod">
-          <ac:chgData name="Xin Luo" userId="82312ee5779919a4" providerId="LiveId" clId="{A508F461-0D73-864F-B88A-277BCD613B0A}" dt="2023-09-11T01:24:19.474" v="26" actId="255"/>
-          <ac:spMkLst>
-            <pc:docMk/>
-            <pc:sldMk cId="3741103209" sldId="2745"/>
-            <ac:spMk id="17" creationId="{9E05FFCA-3371-AF5C-381D-71D984055F5A}"/>
-          </ac:spMkLst>
-        </pc:spChg>
-      </pc:sldChg>
-      <pc:sldChg chg="modSp mod">
-        <pc:chgData name="Xin Luo" userId="82312ee5779919a4" providerId="LiveId" clId="{A508F461-0D73-864F-B88A-277BCD613B0A}" dt="2023-09-11T01:25:10.921" v="46" actId="1035"/>
-        <pc:sldMkLst>
-          <pc:docMk/>
-          <pc:sldMk cId="2081473989" sldId="2748"/>
-        </pc:sldMkLst>
-        <pc:spChg chg="mod">
-          <ac:chgData name="Xin Luo" userId="82312ee5779919a4" providerId="LiveId" clId="{A508F461-0D73-864F-B88A-277BCD613B0A}" dt="2023-09-11T01:25:10.921" v="46" actId="1035"/>
-          <ac:spMkLst>
-            <pc:docMk/>
-            <pc:sldMk cId="2081473989" sldId="2748"/>
-            <ac:spMk id="15" creationId="{DAE75BEB-15B0-6AD3-FEA5-24688F0C9399}"/>
-          </ac:spMkLst>
-        </pc:spChg>
-        <pc:spChg chg="mod">
-          <ac:chgData name="Xin Luo" userId="82312ee5779919a4" providerId="LiveId" clId="{A508F461-0D73-864F-B88A-277BCD613B0A}" dt="2023-09-11T01:25:10.921" v="46" actId="1035"/>
-          <ac:spMkLst>
-            <pc:docMk/>
-            <pc:sldMk cId="2081473989" sldId="2748"/>
-            <ac:spMk id="16" creationId="{011A1F98-9159-4FE6-698D-1B0B7EFC1F4C}"/>
-          </ac:spMkLst>
-        </pc:spChg>
-        <pc:spChg chg="mod">
-          <ac:chgData name="Xin Luo" userId="82312ee5779919a4" providerId="LiveId" clId="{A508F461-0D73-864F-B88A-277BCD613B0A}" dt="2023-09-11T01:25:03.190" v="37" actId="2710"/>
-          <ac:spMkLst>
-            <pc:docMk/>
-            <pc:sldMk cId="2081473989" sldId="2748"/>
-            <ac:spMk id="17" creationId="{9E05FFCA-3371-AF5C-381D-71D984055F5A}"/>
-          </ac:spMkLst>
-        </pc:spChg>
-        <pc:picChg chg="mod">
-          <ac:chgData name="Xin Luo" userId="82312ee5779919a4" providerId="LiveId" clId="{A508F461-0D73-864F-B88A-277BCD613B0A}" dt="2023-09-11T01:25:10.921" v="46" actId="1035"/>
-          <ac:picMkLst>
-            <pc:docMk/>
-            <pc:sldMk cId="2081473989" sldId="2748"/>
-            <ac:picMk id="8" creationId="{79143EB1-6171-6D6B-E065-52F98AD03CCA}"/>
-          </ac:picMkLst>
-        </pc:picChg>
-        <pc:picChg chg="mod">
-          <ac:chgData name="Xin Luo" userId="82312ee5779919a4" providerId="LiveId" clId="{A508F461-0D73-864F-B88A-277BCD613B0A}" dt="2023-09-11T01:25:10.921" v="46" actId="1035"/>
-          <ac:picMkLst>
-            <pc:docMk/>
-            <pc:sldMk cId="2081473989" sldId="2748"/>
-            <ac:picMk id="12" creationId="{CD5784D5-D55B-B02C-C48B-B4566A95D7A5}"/>
-          </ac:picMkLst>
-        </pc:picChg>
-      </pc:sldChg>
-      <pc:sldChg chg="modSp mod">
-        <pc:chgData name="Xin Luo" userId="82312ee5779919a4" providerId="LiveId" clId="{A508F461-0D73-864F-B88A-277BCD613B0A}" dt="2023-09-11T01:23:28.376" v="25" actId="1037"/>
-        <pc:sldMkLst>
-          <pc:docMk/>
-          <pc:sldMk cId="2927474256" sldId="2754"/>
-        </pc:sldMkLst>
-        <pc:spChg chg="mod">
-          <ac:chgData name="Xin Luo" userId="82312ee5779919a4" providerId="LiveId" clId="{A508F461-0D73-864F-B88A-277BCD613B0A}" dt="2023-09-11T01:23:28.376" v="25" actId="1037"/>
-          <ac:spMkLst>
-            <pc:docMk/>
-            <pc:sldMk cId="2927474256" sldId="2754"/>
-            <ac:spMk id="17" creationId="{8CFF8A22-C033-47DF-8707-CA76F142CBBA}"/>
-          </ac:spMkLst>
-        </pc:spChg>
-        <pc:grpChg chg="mod">
-          <ac:chgData name="Xin Luo" userId="82312ee5779919a4" providerId="LiveId" clId="{A508F461-0D73-864F-B88A-277BCD613B0A}" dt="2023-09-11T01:23:15.792" v="0" actId="1037"/>
-          <ac:grpSpMkLst>
-            <pc:docMk/>
-            <pc:sldMk cId="2927474256" sldId="2754"/>
-            <ac:grpSpMk id="20" creationId="{8AA7B3E2-1D42-96C9-43F0-1F320D3EFD63}"/>
-          </ac:grpSpMkLst>
-        </pc:grpChg>
-        <pc:picChg chg="mod">
-          <ac:chgData name="Xin Luo" userId="82312ee5779919a4" providerId="LiveId" clId="{A508F461-0D73-864F-B88A-277BCD613B0A}" dt="2023-09-11T01:23:18.846" v="10" actId="1038"/>
-          <ac:picMkLst>
-            <pc:docMk/>
-            <pc:sldMk cId="2927474256" sldId="2754"/>
-            <ac:picMk id="9" creationId="{0CF46726-2B51-43A4-FDEF-A6131C46F05F}"/>
-          </ac:picMkLst>
-        </pc:picChg>
       </pc:sldChg>
     </pc:docChg>
   </pc:docChgLst>
@@ -6324,7 +6333,7 @@
               </a14:hiddenFill>
             </a:ext>
             <a:ext uri="{FAA26D3D-D897-4be2-8F04-BA451C77F1D7}">
-              <ma14:placeholderFlag xmlns:ma14="http://schemas.microsoft.com/office/mac/drawingml/2011/main" xmlns="" val="1"/>
+              <ma14:placeholderFlag xmlns="" xmlns:ma14="http://schemas.microsoft.com/office/mac/drawingml/2011/main" val="1"/>
             </a:ext>
           </a:extLst>
         </p:spPr>
@@ -6708,7 +6717,7 @@
               </a14:hiddenLine>
             </a:ext>
             <a:ext uri="{FAA26D3D-D897-4be2-8F04-BA451C77F1D7}">
-              <ma14:placeholderFlag xmlns:ma14="http://schemas.microsoft.com/office/mac/drawingml/2011/main" xmlns="" val="1"/>
+              <ma14:placeholderFlag xmlns="" xmlns:ma14="http://schemas.microsoft.com/office/mac/drawingml/2011/main" val="1"/>
             </a:ext>
           </a:extLst>
         </p:spPr>
@@ -6749,6 +6758,381 @@
     <p:extLst>
       <p:ext uri="{BB962C8B-B14F-4D97-AF65-F5344CB8AC3E}">
         <p14:creationId xmlns:p14="http://schemas.microsoft.com/office/powerpoint/2010/main" val="2237497513"/>
+      </p:ext>
+    </p:extLst>
+  </p:cSld>
+  <p:clrMapOvr>
+    <a:masterClrMapping/>
+  </p:clrMapOvr>
+</p:notes>
+</file>
+
+<file path=ppt/notesSlides/notesSlide10.xml><?xml version="1.0" encoding="utf-8"?>
+<p:notes xmlns:a="http://schemas.openxmlformats.org/drawingml/2006/main" xmlns:r="http://schemas.openxmlformats.org/officeDocument/2006/relationships" xmlns:p="http://schemas.openxmlformats.org/presentationml/2006/main">
+  <p:cSld>
+    <p:spTree>
+      <p:nvGrpSpPr>
+        <p:cNvPr id="1" name=""/>
+        <p:cNvGrpSpPr/>
+        <p:nvPr/>
+      </p:nvGrpSpPr>
+      <p:grpSpPr>
+        <a:xfrm>
+          <a:off x="0" y="0"/>
+          <a:ext cx="0" cy="0"/>
+          <a:chOff x="0" y="0"/>
+          <a:chExt cx="0" cy="0"/>
+        </a:xfrm>
+      </p:grpSpPr>
+      <p:sp>
+        <p:nvSpPr>
+          <p:cNvPr id="2" name="幻灯片图像占位符 1"/>
+          <p:cNvSpPr>
+            <a:spLocks noGrp="1" noRot="1" noChangeAspect="1"/>
+          </p:cNvSpPr>
+          <p:nvPr>
+            <p:ph type="sldImg"/>
+          </p:nvPr>
+        </p:nvSpPr>
+        <p:spPr/>
+      </p:sp>
+      <p:sp>
+        <p:nvSpPr>
+          <p:cNvPr id="3" name="备注占位符 2"/>
+          <p:cNvSpPr>
+            <a:spLocks noGrp="1"/>
+          </p:cNvSpPr>
+          <p:nvPr>
+            <p:ph type="body" idx="1"/>
+          </p:nvPr>
+        </p:nvSpPr>
+        <p:spPr/>
+        <p:txBody>
+          <a:bodyPr/>
+          <a:lstStyle/>
+          <a:p>
+            <a:endParaRPr lang="zh-CN" altLang="en-US" dirty="0"/>
+          </a:p>
+        </p:txBody>
+      </p:sp>
+    </p:spTree>
+    <p:extLst>
+      <p:ext uri="{BB962C8B-B14F-4D97-AF65-F5344CB8AC3E}">
+        <p14:creationId xmlns:p14="http://schemas.microsoft.com/office/powerpoint/2010/main" val="2041643179"/>
+      </p:ext>
+    </p:extLst>
+  </p:cSld>
+  <p:clrMapOvr>
+    <a:masterClrMapping/>
+  </p:clrMapOvr>
+</p:notes>
+</file>
+
+<file path=ppt/notesSlides/notesSlide11.xml><?xml version="1.0" encoding="utf-8"?>
+<p:notes xmlns:a="http://schemas.openxmlformats.org/drawingml/2006/main" xmlns:r="http://schemas.openxmlformats.org/officeDocument/2006/relationships" xmlns:p="http://schemas.openxmlformats.org/presentationml/2006/main">
+  <p:cSld>
+    <p:spTree>
+      <p:nvGrpSpPr>
+        <p:cNvPr id="1" name=""/>
+        <p:cNvGrpSpPr/>
+        <p:nvPr/>
+      </p:nvGrpSpPr>
+      <p:grpSpPr>
+        <a:xfrm>
+          <a:off x="0" y="0"/>
+          <a:ext cx="0" cy="0"/>
+          <a:chOff x="0" y="0"/>
+          <a:chExt cx="0" cy="0"/>
+        </a:xfrm>
+      </p:grpSpPr>
+      <p:sp>
+        <p:nvSpPr>
+          <p:cNvPr id="2" name="幻灯片图像占位符 1"/>
+          <p:cNvSpPr>
+            <a:spLocks noGrp="1" noRot="1" noChangeAspect="1"/>
+          </p:cNvSpPr>
+          <p:nvPr>
+            <p:ph type="sldImg"/>
+          </p:nvPr>
+        </p:nvSpPr>
+        <p:spPr/>
+      </p:sp>
+      <p:sp>
+        <p:nvSpPr>
+          <p:cNvPr id="3" name="备注占位符 2"/>
+          <p:cNvSpPr>
+            <a:spLocks noGrp="1"/>
+          </p:cNvSpPr>
+          <p:nvPr>
+            <p:ph type="body" idx="1"/>
+          </p:nvPr>
+        </p:nvSpPr>
+        <p:spPr/>
+        <p:txBody>
+          <a:bodyPr/>
+          <a:lstStyle/>
+          <a:p>
+            <a:endParaRPr lang="zh-CN" altLang="en-US" dirty="0"/>
+          </a:p>
+        </p:txBody>
+      </p:sp>
+    </p:spTree>
+    <p:extLst>
+      <p:ext uri="{BB962C8B-B14F-4D97-AF65-F5344CB8AC3E}">
+        <p14:creationId xmlns:p14="http://schemas.microsoft.com/office/powerpoint/2010/main" val="3541083861"/>
+      </p:ext>
+    </p:extLst>
+  </p:cSld>
+  <p:clrMapOvr>
+    <a:masterClrMapping/>
+  </p:clrMapOvr>
+</p:notes>
+</file>
+
+<file path=ppt/notesSlides/notesSlide12.xml><?xml version="1.0" encoding="utf-8"?>
+<p:notes xmlns:a="http://schemas.openxmlformats.org/drawingml/2006/main" xmlns:r="http://schemas.openxmlformats.org/officeDocument/2006/relationships" xmlns:p="http://schemas.openxmlformats.org/presentationml/2006/main">
+  <p:cSld>
+    <p:spTree>
+      <p:nvGrpSpPr>
+        <p:cNvPr id="1" name=""/>
+        <p:cNvGrpSpPr/>
+        <p:nvPr/>
+      </p:nvGrpSpPr>
+      <p:grpSpPr>
+        <a:xfrm>
+          <a:off x="0" y="0"/>
+          <a:ext cx="0" cy="0"/>
+          <a:chOff x="0" y="0"/>
+          <a:chExt cx="0" cy="0"/>
+        </a:xfrm>
+      </p:grpSpPr>
+      <p:sp>
+        <p:nvSpPr>
+          <p:cNvPr id="2" name="幻灯片图像占位符 1"/>
+          <p:cNvSpPr>
+            <a:spLocks noGrp="1" noRot="1" noChangeAspect="1"/>
+          </p:cNvSpPr>
+          <p:nvPr>
+            <p:ph type="sldImg"/>
+          </p:nvPr>
+        </p:nvSpPr>
+        <p:spPr/>
+      </p:sp>
+      <p:sp>
+        <p:nvSpPr>
+          <p:cNvPr id="3" name="备注占位符 2"/>
+          <p:cNvSpPr>
+            <a:spLocks noGrp="1"/>
+          </p:cNvSpPr>
+          <p:nvPr>
+            <p:ph type="body" idx="1"/>
+          </p:nvPr>
+        </p:nvSpPr>
+        <p:spPr/>
+        <p:txBody>
+          <a:bodyPr/>
+          <a:lstStyle/>
+          <a:p>
+            <a:r>
+              <a:rPr lang="zh-CN" altLang="en-US" dirty="0"/>
+              <a:t>程序演示</a:t>
+            </a:r>
+          </a:p>
+        </p:txBody>
+      </p:sp>
+    </p:spTree>
+    <p:extLst>
+      <p:ext uri="{BB962C8B-B14F-4D97-AF65-F5344CB8AC3E}">
+        <p14:creationId xmlns:p14="http://schemas.microsoft.com/office/powerpoint/2010/main" val="2293711763"/>
+      </p:ext>
+    </p:extLst>
+  </p:cSld>
+  <p:clrMapOvr>
+    <a:masterClrMapping/>
+  </p:clrMapOvr>
+</p:notes>
+</file>
+
+<file path=ppt/notesSlides/notesSlide13.xml><?xml version="1.0" encoding="utf-8"?>
+<p:notes xmlns:a="http://schemas.openxmlformats.org/drawingml/2006/main" xmlns:r="http://schemas.openxmlformats.org/officeDocument/2006/relationships" xmlns:p="http://schemas.openxmlformats.org/presentationml/2006/main">
+  <p:cSld>
+    <p:spTree>
+      <p:nvGrpSpPr>
+        <p:cNvPr id="1" name=""/>
+        <p:cNvGrpSpPr/>
+        <p:nvPr/>
+      </p:nvGrpSpPr>
+      <p:grpSpPr>
+        <a:xfrm>
+          <a:off x="0" y="0"/>
+          <a:ext cx="0" cy="0"/>
+          <a:chOff x="0" y="0"/>
+          <a:chExt cx="0" cy="0"/>
+        </a:xfrm>
+      </p:grpSpPr>
+      <p:sp>
+        <p:nvSpPr>
+          <p:cNvPr id="2" name="幻灯片图像占位符 1"/>
+          <p:cNvSpPr>
+            <a:spLocks noGrp="1" noRot="1" noChangeAspect="1"/>
+          </p:cNvSpPr>
+          <p:nvPr>
+            <p:ph type="sldImg"/>
+          </p:nvPr>
+        </p:nvSpPr>
+        <p:spPr/>
+      </p:sp>
+      <p:sp>
+        <p:nvSpPr>
+          <p:cNvPr id="3" name="备注占位符 2"/>
+          <p:cNvSpPr>
+            <a:spLocks noGrp="1"/>
+          </p:cNvSpPr>
+          <p:nvPr>
+            <p:ph type="body" idx="1"/>
+          </p:nvPr>
+        </p:nvSpPr>
+        <p:spPr/>
+        <p:txBody>
+          <a:bodyPr/>
+          <a:lstStyle/>
+          <a:p>
+            <a:r>
+              <a:rPr lang="zh-CN" altLang="en-US" dirty="0"/>
+              <a:t>程序演示</a:t>
+            </a:r>
+          </a:p>
+        </p:txBody>
+      </p:sp>
+    </p:spTree>
+    <p:extLst>
+      <p:ext uri="{BB962C8B-B14F-4D97-AF65-F5344CB8AC3E}">
+        <p14:creationId xmlns:p14="http://schemas.microsoft.com/office/powerpoint/2010/main" val="2391841681"/>
+      </p:ext>
+    </p:extLst>
+  </p:cSld>
+  <p:clrMapOvr>
+    <a:masterClrMapping/>
+  </p:clrMapOvr>
+</p:notes>
+</file>
+
+<file path=ppt/notesSlides/notesSlide14.xml><?xml version="1.0" encoding="utf-8"?>
+<p:notes xmlns:a="http://schemas.openxmlformats.org/drawingml/2006/main" xmlns:r="http://schemas.openxmlformats.org/officeDocument/2006/relationships" xmlns:p="http://schemas.openxmlformats.org/presentationml/2006/main">
+  <p:cSld>
+    <p:spTree>
+      <p:nvGrpSpPr>
+        <p:cNvPr id="1" name=""/>
+        <p:cNvGrpSpPr/>
+        <p:nvPr/>
+      </p:nvGrpSpPr>
+      <p:grpSpPr>
+        <a:xfrm>
+          <a:off x="0" y="0"/>
+          <a:ext cx="0" cy="0"/>
+          <a:chOff x="0" y="0"/>
+          <a:chExt cx="0" cy="0"/>
+        </a:xfrm>
+      </p:grpSpPr>
+      <p:sp>
+        <p:nvSpPr>
+          <p:cNvPr id="2" name="幻灯片图像占位符 1"/>
+          <p:cNvSpPr>
+            <a:spLocks noGrp="1" noRot="1" noChangeAspect="1"/>
+          </p:cNvSpPr>
+          <p:nvPr>
+            <p:ph type="sldImg"/>
+          </p:nvPr>
+        </p:nvSpPr>
+        <p:spPr/>
+      </p:sp>
+      <p:sp>
+        <p:nvSpPr>
+          <p:cNvPr id="3" name="备注占位符 2"/>
+          <p:cNvSpPr>
+            <a:spLocks noGrp="1"/>
+          </p:cNvSpPr>
+          <p:nvPr>
+            <p:ph type="body" idx="1"/>
+          </p:nvPr>
+        </p:nvSpPr>
+        <p:spPr/>
+        <p:txBody>
+          <a:bodyPr/>
+          <a:lstStyle/>
+          <a:p>
+            <a:r>
+              <a:rPr lang="zh-CN" altLang="en-US" dirty="0"/>
+              <a:t>代码演示</a:t>
+            </a:r>
+          </a:p>
+        </p:txBody>
+      </p:sp>
+    </p:spTree>
+    <p:extLst>
+      <p:ext uri="{BB962C8B-B14F-4D97-AF65-F5344CB8AC3E}">
+        <p14:creationId xmlns:p14="http://schemas.microsoft.com/office/powerpoint/2010/main" val="2689969541"/>
+      </p:ext>
+    </p:extLst>
+  </p:cSld>
+  <p:clrMapOvr>
+    <a:masterClrMapping/>
+  </p:clrMapOvr>
+</p:notes>
+</file>
+
+<file path=ppt/notesSlides/notesSlide15.xml><?xml version="1.0" encoding="utf-8"?>
+<p:notes xmlns:a="http://schemas.openxmlformats.org/drawingml/2006/main" xmlns:r="http://schemas.openxmlformats.org/officeDocument/2006/relationships" xmlns:p="http://schemas.openxmlformats.org/presentationml/2006/main">
+  <p:cSld>
+    <p:spTree>
+      <p:nvGrpSpPr>
+        <p:cNvPr id="1" name=""/>
+        <p:cNvGrpSpPr/>
+        <p:nvPr/>
+      </p:nvGrpSpPr>
+      <p:grpSpPr>
+        <a:xfrm>
+          <a:off x="0" y="0"/>
+          <a:ext cx="0" cy="0"/>
+          <a:chOff x="0" y="0"/>
+          <a:chExt cx="0" cy="0"/>
+        </a:xfrm>
+      </p:grpSpPr>
+      <p:sp>
+        <p:nvSpPr>
+          <p:cNvPr id="2" name="幻灯片图像占位符 1"/>
+          <p:cNvSpPr>
+            <a:spLocks noGrp="1" noRot="1" noChangeAspect="1"/>
+          </p:cNvSpPr>
+          <p:nvPr>
+            <p:ph type="sldImg"/>
+          </p:nvPr>
+        </p:nvSpPr>
+        <p:spPr/>
+      </p:sp>
+      <p:sp>
+        <p:nvSpPr>
+          <p:cNvPr id="3" name="备注占位符 2"/>
+          <p:cNvSpPr>
+            <a:spLocks noGrp="1"/>
+          </p:cNvSpPr>
+          <p:nvPr>
+            <p:ph type="body" idx="1"/>
+          </p:nvPr>
+        </p:nvSpPr>
+        <p:spPr/>
+        <p:txBody>
+          <a:bodyPr/>
+          <a:lstStyle/>
+          <a:p>
+            <a:endParaRPr lang="zh-CN" altLang="en-US" dirty="0"/>
+          </a:p>
+        </p:txBody>
+      </p:sp>
+    </p:spTree>
+    <p:extLst>
+      <p:ext uri="{BB962C8B-B14F-4D97-AF65-F5344CB8AC3E}">
+        <p14:creationId xmlns:p14="http://schemas.microsoft.com/office/powerpoint/2010/main" val="2497727533"/>
       </p:ext>
     </p:extLst>
   </p:cSld>
@@ -6956,80 +7340,6 @@
           <a:bodyPr/>
           <a:lstStyle/>
           <a:p>
-            <a:r>
-              <a:rPr lang="en-US" altLang="zh-CN" dirty="0"/>
-              <a:t>1. </a:t>
-            </a:r>
-            <a:r>
-              <a:rPr lang="en-US" altLang="zh-CN" dirty="0" err="1"/>
-              <a:t>Gdal</a:t>
-            </a:r>
-            <a:r>
-              <a:rPr lang="zh-CN" altLang="en-US" dirty="0"/>
-              <a:t>最开始开发的时候只考虑了对栅格数据的支持。为了对矢量数据支持，后来新增开发了</a:t>
-            </a:r>
-            <a:r>
-              <a:rPr lang="en-US" altLang="zh-CN" dirty="0" err="1"/>
-              <a:t>ogr</a:t>
-            </a:r>
-            <a:r>
-              <a:rPr lang="zh-CN" altLang="en-US" dirty="0"/>
-              <a:t>库，并合并到之前开发的</a:t>
-            </a:r>
-            <a:r>
-              <a:rPr lang="en-US" altLang="zh-CN" dirty="0" err="1"/>
-              <a:t>gdal</a:t>
-            </a:r>
-            <a:r>
-              <a:rPr lang="zh-CN" altLang="en-US" dirty="0"/>
-              <a:t>库中。</a:t>
-            </a:r>
-            <a:endParaRPr lang="en-US" altLang="zh-CN" dirty="0"/>
-          </a:p>
-          <a:p>
-            <a:r>
-              <a:rPr lang="en-US" altLang="zh-CN" dirty="0"/>
-              <a:t>2. </a:t>
-            </a:r>
-            <a:r>
-              <a:rPr lang="zh-CN" altLang="en-US" dirty="0"/>
-              <a:t>很多软件都使用</a:t>
-            </a:r>
-            <a:r>
-              <a:rPr lang="en-US" altLang="zh-CN" dirty="0" err="1"/>
-              <a:t>gdal</a:t>
-            </a:r>
-            <a:r>
-              <a:rPr lang="en-US" altLang="zh-CN" dirty="0"/>
-              <a:t>/</a:t>
-            </a:r>
-            <a:r>
-              <a:rPr lang="en-US" altLang="zh-CN" dirty="0" err="1"/>
-              <a:t>ogr</a:t>
-            </a:r>
-            <a:r>
-              <a:rPr lang="zh-CN" altLang="en-US" dirty="0"/>
-              <a:t>库，如</a:t>
-            </a:r>
-            <a:r>
-              <a:rPr lang="en-US" altLang="zh-CN" dirty="0" err="1"/>
-              <a:t>qgis</a:t>
-            </a:r>
-            <a:r>
-              <a:rPr lang="zh-CN" altLang="en-US" dirty="0"/>
-              <a:t>，</a:t>
-            </a:r>
-            <a:r>
-              <a:rPr lang="en-US" altLang="zh-CN" dirty="0" err="1"/>
-              <a:t>arcgis</a:t>
-            </a:r>
-            <a:r>
-              <a:rPr lang="zh-CN" altLang="en-US" dirty="0"/>
-              <a:t>等。</a:t>
-            </a:r>
-            <a:endParaRPr lang="en-US" altLang="zh-CN" dirty="0"/>
-          </a:p>
-          <a:p>
             <a:endParaRPr lang="zh-CN" altLang="en-US" dirty="0"/>
           </a:p>
         </p:txBody>
@@ -7091,14 +7401,33 @@
           <a:bodyPr/>
           <a:lstStyle/>
           <a:p>
-            <a:endParaRPr lang="zh-CN" altLang="en-US" dirty="0"/>
+            <a:r>
+              <a:rPr lang="en-US" altLang="zh-CN" dirty="0"/>
+              <a:t>1.</a:t>
+            </a:r>
+            <a:r>
+              <a:rPr lang="zh-CN" altLang="en-US" dirty="0"/>
+              <a:t> 外业测量，主要通过测量仪器如全站仪，</a:t>
+            </a:r>
+            <a:r>
+              <a:rPr lang="en-US" altLang="zh-CN" dirty="0" err="1"/>
+              <a:t>gps</a:t>
+            </a:r>
+            <a:r>
+              <a:rPr lang="zh-CN" altLang="en-US" dirty="0"/>
+              <a:t>等，测量地面位置信息，再将其存储到地理数据库中获得。</a:t>
+            </a:r>
+            <a:endParaRPr lang="en-US" altLang="zh-CN" dirty="0"/>
+          </a:p>
+          <a:p>
+            <a:endParaRPr lang="en-US" altLang="zh-CN" dirty="0"/>
           </a:p>
         </p:txBody>
       </p:sp>
     </p:spTree>
     <p:extLst>
       <p:ext uri="{BB962C8B-B14F-4D97-AF65-F5344CB8AC3E}">
-        <p14:creationId xmlns:p14="http://schemas.microsoft.com/office/powerpoint/2010/main" val="2041643179"/>
+        <p14:creationId xmlns:p14="http://schemas.microsoft.com/office/powerpoint/2010/main" val="3832755582"/>
       </p:ext>
     </p:extLst>
   </p:cSld>
@@ -7152,14 +7481,327 @@
           <a:bodyPr/>
           <a:lstStyle/>
           <a:p>
-            <a:endParaRPr lang="zh-CN" altLang="en-US" dirty="0"/>
+            <a:r>
+              <a:rPr lang="en-US" altLang="zh-CN" sz="1400" dirty="0">
+                <a:solidFill>
+                  <a:srgbClr val="151515"/>
+                </a:solidFill>
+                <a:latin typeface="+mn-ea"/>
+                <a:ea typeface="+mn-ea"/>
+              </a:rPr>
+              <a:t>1. </a:t>
+            </a:r>
+            <a:r>
+              <a:rPr lang="zh-CN" altLang="en-US" sz="1400" dirty="0">
+                <a:solidFill>
+                  <a:srgbClr val="151515"/>
+                </a:solidFill>
+                <a:latin typeface="+mn-ea"/>
+                <a:ea typeface="+mn-ea"/>
+              </a:rPr>
+              <a:t>假如没有规范，不同软件定义自己的数据格式，同一个数据无法再不同软件中进行处理。</a:t>
+            </a:r>
+            <a:endParaRPr lang="en-US" altLang="zh-CN" sz="1400" dirty="0">
+              <a:solidFill>
+                <a:srgbClr val="151515"/>
+              </a:solidFill>
+              <a:latin typeface="+mn-ea"/>
+              <a:ea typeface="+mn-ea"/>
+            </a:endParaRPr>
           </a:p>
         </p:txBody>
       </p:sp>
     </p:spTree>
     <p:extLst>
       <p:ext uri="{BB962C8B-B14F-4D97-AF65-F5344CB8AC3E}">
-        <p14:creationId xmlns:p14="http://schemas.microsoft.com/office/powerpoint/2010/main" val="2497727533"/>
+        <p14:creationId xmlns:p14="http://schemas.microsoft.com/office/powerpoint/2010/main" val="2989207526"/>
+      </p:ext>
+    </p:extLst>
+  </p:cSld>
+  <p:clrMapOvr>
+    <a:masterClrMapping/>
+  </p:clrMapOvr>
+</p:notes>
+</file>
+
+<file path=ppt/notesSlides/notesSlide7.xml><?xml version="1.0" encoding="utf-8"?>
+<p:notes xmlns:a="http://schemas.openxmlformats.org/drawingml/2006/main" xmlns:r="http://schemas.openxmlformats.org/officeDocument/2006/relationships" xmlns:p="http://schemas.openxmlformats.org/presentationml/2006/main">
+  <p:cSld>
+    <p:spTree>
+      <p:nvGrpSpPr>
+        <p:cNvPr id="1" name=""/>
+        <p:cNvGrpSpPr/>
+        <p:nvPr/>
+      </p:nvGrpSpPr>
+      <p:grpSpPr>
+        <a:xfrm>
+          <a:off x="0" y="0"/>
+          <a:ext cx="0" cy="0"/>
+          <a:chOff x="0" y="0"/>
+          <a:chExt cx="0" cy="0"/>
+        </a:xfrm>
+      </p:grpSpPr>
+      <p:sp>
+        <p:nvSpPr>
+          <p:cNvPr id="2" name="幻灯片图像占位符 1"/>
+          <p:cNvSpPr>
+            <a:spLocks noGrp="1" noRot="1" noChangeAspect="1"/>
+          </p:cNvSpPr>
+          <p:nvPr>
+            <p:ph type="sldImg"/>
+          </p:nvPr>
+        </p:nvSpPr>
+        <p:spPr/>
+      </p:sp>
+      <p:sp>
+        <p:nvSpPr>
+          <p:cNvPr id="3" name="备注占位符 2"/>
+          <p:cNvSpPr>
+            <a:spLocks noGrp="1"/>
+          </p:cNvSpPr>
+          <p:nvPr>
+            <p:ph type="body" idx="1"/>
+          </p:nvPr>
+        </p:nvSpPr>
+        <p:spPr/>
+        <p:txBody>
+          <a:bodyPr/>
+          <a:lstStyle/>
+          <a:p>
+            <a:r>
+              <a:rPr lang="en-US" altLang="zh-CN" sz="1400" dirty="0">
+                <a:solidFill>
+                  <a:srgbClr val="151515"/>
+                </a:solidFill>
+                <a:latin typeface="+mn-ea"/>
+                <a:ea typeface="+mn-ea"/>
+              </a:rPr>
+              <a:t>1. </a:t>
+            </a:r>
+            <a:r>
+              <a:rPr lang="zh-CN" altLang="en-US" sz="1400" dirty="0">
+                <a:solidFill>
+                  <a:srgbClr val="151515"/>
+                </a:solidFill>
+                <a:latin typeface="+mn-ea"/>
+                <a:ea typeface="+mn-ea"/>
+              </a:rPr>
+              <a:t>所谓要素，简单地说就是一个独立的对象，在</a:t>
+            </a:r>
+            <a:r>
+              <a:rPr lang="zh-CN" altLang="en-US" sz="1200" dirty="0">
+                <a:solidFill>
+                  <a:srgbClr val="151515"/>
+                </a:solidFill>
+                <a:latin typeface="+mn-ea"/>
+                <a:ea typeface="+mn-ea"/>
+              </a:rPr>
+              <a:t>地图中可能表现为一个多边形建筑物，在数据库中即一个独立的条目。</a:t>
+            </a:r>
+            <a:endParaRPr lang="zh-CN" altLang="en-US" dirty="0"/>
+          </a:p>
+        </p:txBody>
+      </p:sp>
+    </p:spTree>
+    <p:extLst>
+      <p:ext uri="{BB962C8B-B14F-4D97-AF65-F5344CB8AC3E}">
+        <p14:creationId xmlns:p14="http://schemas.microsoft.com/office/powerpoint/2010/main" val="3317895790"/>
+      </p:ext>
+    </p:extLst>
+  </p:cSld>
+  <p:clrMapOvr>
+    <a:masterClrMapping/>
+  </p:clrMapOvr>
+</p:notes>
+</file>
+
+<file path=ppt/notesSlides/notesSlide8.xml><?xml version="1.0" encoding="utf-8"?>
+<p:notes xmlns:a="http://schemas.openxmlformats.org/drawingml/2006/main" xmlns:r="http://schemas.openxmlformats.org/officeDocument/2006/relationships" xmlns:p="http://schemas.openxmlformats.org/presentationml/2006/main">
+  <p:cSld>
+    <p:spTree>
+      <p:nvGrpSpPr>
+        <p:cNvPr id="1" name=""/>
+        <p:cNvGrpSpPr/>
+        <p:nvPr/>
+      </p:nvGrpSpPr>
+      <p:grpSpPr>
+        <a:xfrm>
+          <a:off x="0" y="0"/>
+          <a:ext cx="0" cy="0"/>
+          <a:chOff x="0" y="0"/>
+          <a:chExt cx="0" cy="0"/>
+        </a:xfrm>
+      </p:grpSpPr>
+      <p:sp>
+        <p:nvSpPr>
+          <p:cNvPr id="2" name="幻灯片图像占位符 1"/>
+          <p:cNvSpPr>
+            <a:spLocks noGrp="1" noRot="1" noChangeAspect="1"/>
+          </p:cNvSpPr>
+          <p:nvPr>
+            <p:ph type="sldImg"/>
+          </p:nvPr>
+        </p:nvSpPr>
+        <p:spPr/>
+      </p:sp>
+      <p:sp>
+        <p:nvSpPr>
+          <p:cNvPr id="3" name="备注占位符 2"/>
+          <p:cNvSpPr>
+            <a:spLocks noGrp="1"/>
+          </p:cNvSpPr>
+          <p:nvPr>
+            <p:ph type="body" idx="1"/>
+          </p:nvPr>
+        </p:nvSpPr>
+        <p:spPr/>
+        <p:txBody>
+          <a:bodyPr/>
+          <a:lstStyle/>
+          <a:p>
+            <a:endParaRPr lang="zh-CN" altLang="en-US"/>
+          </a:p>
+        </p:txBody>
+      </p:sp>
+    </p:spTree>
+    <p:extLst>
+      <p:ext uri="{BB962C8B-B14F-4D97-AF65-F5344CB8AC3E}">
+        <p14:creationId xmlns:p14="http://schemas.microsoft.com/office/powerpoint/2010/main" val="3570373068"/>
+      </p:ext>
+    </p:extLst>
+  </p:cSld>
+  <p:clrMapOvr>
+    <a:masterClrMapping/>
+  </p:clrMapOvr>
+</p:notes>
+</file>
+
+<file path=ppt/notesSlides/notesSlide9.xml><?xml version="1.0" encoding="utf-8"?>
+<p:notes xmlns:a="http://schemas.openxmlformats.org/drawingml/2006/main" xmlns:r="http://schemas.openxmlformats.org/officeDocument/2006/relationships" xmlns:p="http://schemas.openxmlformats.org/presentationml/2006/main">
+  <p:cSld>
+    <p:spTree>
+      <p:nvGrpSpPr>
+        <p:cNvPr id="1" name=""/>
+        <p:cNvGrpSpPr/>
+        <p:nvPr/>
+      </p:nvGrpSpPr>
+      <p:grpSpPr>
+        <a:xfrm>
+          <a:off x="0" y="0"/>
+          <a:ext cx="0" cy="0"/>
+          <a:chOff x="0" y="0"/>
+          <a:chExt cx="0" cy="0"/>
+        </a:xfrm>
+      </p:grpSpPr>
+      <p:sp>
+        <p:nvSpPr>
+          <p:cNvPr id="2" name="幻灯片图像占位符 1"/>
+          <p:cNvSpPr>
+            <a:spLocks noGrp="1" noRot="1" noChangeAspect="1"/>
+          </p:cNvSpPr>
+          <p:nvPr>
+            <p:ph type="sldImg"/>
+          </p:nvPr>
+        </p:nvSpPr>
+        <p:spPr/>
+      </p:sp>
+      <p:sp>
+        <p:nvSpPr>
+          <p:cNvPr id="3" name="备注占位符 2"/>
+          <p:cNvSpPr>
+            <a:spLocks noGrp="1"/>
+          </p:cNvSpPr>
+          <p:nvPr>
+            <p:ph type="body" idx="1"/>
+          </p:nvPr>
+        </p:nvSpPr>
+        <p:spPr/>
+        <p:txBody>
+          <a:bodyPr/>
+          <a:lstStyle/>
+          <a:p>
+            <a:r>
+              <a:rPr lang="en-US" altLang="zh-CN" dirty="0"/>
+              <a:t>1. </a:t>
+            </a:r>
+            <a:r>
+              <a:rPr lang="en-US" altLang="zh-CN" dirty="0" err="1"/>
+              <a:t>Gdal</a:t>
+            </a:r>
+            <a:r>
+              <a:rPr lang="zh-CN" altLang="en-US" dirty="0"/>
+              <a:t>最开始开发的时候只考虑了对栅格数据的支持。为了对矢量数据支持，后来新增开发了</a:t>
+            </a:r>
+            <a:r>
+              <a:rPr lang="en-US" altLang="zh-CN" dirty="0" err="1"/>
+              <a:t>ogr</a:t>
+            </a:r>
+            <a:r>
+              <a:rPr lang="zh-CN" altLang="en-US" dirty="0"/>
+              <a:t>库，并合并到之前开发的</a:t>
+            </a:r>
+            <a:r>
+              <a:rPr lang="en-US" altLang="zh-CN" dirty="0" err="1"/>
+              <a:t>gdal</a:t>
+            </a:r>
+            <a:r>
+              <a:rPr lang="zh-CN" altLang="en-US" dirty="0"/>
+              <a:t>库中。</a:t>
+            </a:r>
+            <a:endParaRPr lang="en-US" altLang="zh-CN" dirty="0"/>
+          </a:p>
+          <a:p>
+            <a:r>
+              <a:rPr lang="en-US" altLang="zh-CN" dirty="0"/>
+              <a:t>2. </a:t>
+            </a:r>
+            <a:r>
+              <a:rPr lang="zh-CN" altLang="en-US" dirty="0"/>
+              <a:t>很多软件都使用</a:t>
+            </a:r>
+            <a:r>
+              <a:rPr lang="en-US" altLang="zh-CN" dirty="0" err="1"/>
+              <a:t>gdal</a:t>
+            </a:r>
+            <a:r>
+              <a:rPr lang="en-US" altLang="zh-CN" dirty="0"/>
+              <a:t>/</a:t>
+            </a:r>
+            <a:r>
+              <a:rPr lang="en-US" altLang="zh-CN" dirty="0" err="1"/>
+              <a:t>ogr</a:t>
+            </a:r>
+            <a:r>
+              <a:rPr lang="zh-CN" altLang="en-US" dirty="0"/>
+              <a:t>库，如</a:t>
+            </a:r>
+            <a:r>
+              <a:rPr lang="en-US" altLang="zh-CN" dirty="0" err="1"/>
+              <a:t>qgis</a:t>
+            </a:r>
+            <a:r>
+              <a:rPr lang="zh-CN" altLang="en-US" dirty="0"/>
+              <a:t>，</a:t>
+            </a:r>
+            <a:r>
+              <a:rPr lang="en-US" altLang="zh-CN" dirty="0" err="1"/>
+              <a:t>arcgis</a:t>
+            </a:r>
+            <a:r>
+              <a:rPr lang="zh-CN" altLang="en-US" dirty="0"/>
+              <a:t>等。</a:t>
+            </a:r>
+            <a:endParaRPr lang="en-US" altLang="zh-CN" dirty="0"/>
+          </a:p>
+          <a:p>
+            <a:endParaRPr lang="zh-CN" altLang="en-US" dirty="0"/>
+          </a:p>
+        </p:txBody>
+      </p:sp>
+    </p:spTree>
+    <p:extLst>
+      <p:ext uri="{BB962C8B-B14F-4D97-AF65-F5344CB8AC3E}">
+        <p14:creationId xmlns:p14="http://schemas.microsoft.com/office/powerpoint/2010/main" val="3835540603"/>
       </p:ext>
     </p:extLst>
   </p:cSld>
@@ -8983,7 +9625,7 @@
               </a14:hiddenLine>
             </a:ext>
             <a:ext uri="{FAA26D3D-D897-4be2-8F04-BA451C77F1D7}">
-              <ma14:placeholderFlag xmlns:ma14="http://schemas.microsoft.com/office/mac/drawingml/2011/main" xmlns="" val="1"/>
+              <ma14:placeholderFlag xmlns="" xmlns:ma14="http://schemas.microsoft.com/office/mac/drawingml/2011/main" val="1"/>
             </a:ext>
           </a:extLst>
         </p:spPr>
@@ -12674,7 +13316,7 @@
               </a14:hiddenLine>
             </a:ext>
             <a:ext uri="{FAA26D3D-D897-4be2-8F04-BA451C77F1D7}">
-              <ma14:placeholderFlag xmlns:ma14="http://schemas.microsoft.com/office/mac/drawingml/2011/main" xmlns="" val="1"/>
+              <ma14:placeholderFlag xmlns="" xmlns:ma14="http://schemas.microsoft.com/office/mac/drawingml/2011/main" val="1"/>
             </a:ext>
           </a:extLst>
         </p:spPr>
@@ -14973,6 +15615,4039 @@
 </p:sld>
 </file>
 
+<file path=ppt/slides/slide10.xml><?xml version="1.0" encoding="utf-8"?>
+<p:sld xmlns:a="http://schemas.openxmlformats.org/drawingml/2006/main" xmlns:r="http://schemas.openxmlformats.org/officeDocument/2006/relationships" xmlns:p="http://schemas.openxmlformats.org/presentationml/2006/main">
+  <p:cSld>
+    <p:spTree>
+      <p:nvGrpSpPr>
+        <p:cNvPr id="1" name=""/>
+        <p:cNvGrpSpPr/>
+        <p:nvPr/>
+      </p:nvGrpSpPr>
+      <p:grpSpPr>
+        <a:xfrm>
+          <a:off x="0" y="0"/>
+          <a:ext cx="0" cy="0"/>
+          <a:chOff x="0" y="0"/>
+          <a:chExt cx="0" cy="0"/>
+        </a:xfrm>
+      </p:grpSpPr>
+      <p:sp>
+        <p:nvSpPr>
+          <p:cNvPr id="3" name="标题 2"/>
+          <p:cNvSpPr>
+            <a:spLocks noGrp="1"/>
+          </p:cNvSpPr>
+          <p:nvPr>
+            <p:ph type="title"/>
+          </p:nvPr>
+        </p:nvSpPr>
+        <p:spPr>
+          <a:xfrm>
+            <a:off x="0" y="8526"/>
+            <a:ext cx="9013371" cy="792162"/>
+          </a:xfrm>
+        </p:spPr>
+        <p:txBody>
+          <a:bodyPr/>
+          <a:lstStyle/>
+          <a:p>
+            <a:r>
+              <a:rPr lang="zh-CN" altLang="en-US" dirty="0">
+                <a:latin typeface="+mn-ea"/>
+              </a:rPr>
+              <a:t>一</a:t>
+            </a:r>
+            <a:r>
+              <a:rPr lang="en-US" altLang="zh-CN" dirty="0">
+                <a:latin typeface="+mn-ea"/>
+              </a:rPr>
+              <a:t>. </a:t>
+            </a:r>
+            <a:r>
+              <a:rPr lang="zh-CN" altLang="en-US" sz="3600" b="1" dirty="0">
+                <a:latin typeface="微软雅黑" pitchFamily="34" charset="-122"/>
+                <a:ea typeface="微软雅黑" pitchFamily="34" charset="-122"/>
+              </a:rPr>
+              <a:t>开源</a:t>
+            </a:r>
+            <a:r>
+              <a:rPr lang="en-US" altLang="zh-CN" sz="3600" b="1" dirty="0">
+                <a:latin typeface="微软雅黑" pitchFamily="34" charset="-122"/>
+                <a:ea typeface="微软雅黑" pitchFamily="34" charset="-122"/>
+              </a:rPr>
+              <a:t>Linux</a:t>
+            </a:r>
+            <a:r>
+              <a:rPr lang="zh-CN" altLang="en-US" sz="3600" b="1" dirty="0">
+                <a:latin typeface="微软雅黑" pitchFamily="34" charset="-122"/>
+                <a:ea typeface="微软雅黑" pitchFamily="34" charset="-122"/>
+              </a:rPr>
+              <a:t>操作系统</a:t>
+            </a:r>
+            <a:r>
+              <a:rPr lang="zh-CN" altLang="en-US" dirty="0">
+                <a:latin typeface="微软雅黑" pitchFamily="34" charset="-122"/>
+                <a:ea typeface="微软雅黑" pitchFamily="34" charset="-122"/>
+              </a:rPr>
+              <a:t>简介</a:t>
+            </a:r>
+            <a:endParaRPr lang="zh-CN" altLang="en-US" dirty="0"/>
+          </a:p>
+        </p:txBody>
+      </p:sp>
+      <p:sp>
+        <p:nvSpPr>
+          <p:cNvPr id="2" name="TextBox 1">
+            <a:extLst>
+              <a:ext uri="{FF2B5EF4-FFF2-40B4-BE49-F238E27FC236}">
+                <a16:creationId xmlns:a16="http://schemas.microsoft.com/office/drawing/2014/main" id="{631AADB6-C88A-D817-4683-FC087E4E240F}"/>
+              </a:ext>
+            </a:extLst>
+          </p:cNvPr>
+          <p:cNvSpPr txBox="1"/>
+          <p:nvPr/>
+        </p:nvSpPr>
+        <p:spPr>
+          <a:xfrm>
+            <a:off x="317665" y="846748"/>
+            <a:ext cx="8508670" cy="662489"/>
+          </a:xfrm>
+          <a:prstGeom prst="rect">
+            <a:avLst/>
+          </a:prstGeom>
+          <a:noFill/>
+        </p:spPr>
+        <p:txBody>
+          <a:bodyPr wrap="square" rtlCol="0">
+            <a:spAutoFit/>
+          </a:bodyPr>
+          <a:lstStyle/>
+          <a:p>
+            <a:pPr algn="just">
+              <a:lnSpc>
+                <a:spcPct val="150000"/>
+              </a:lnSpc>
+            </a:pPr>
+            <a:r>
+              <a:rPr lang="en-US" altLang="zh-CN" sz="2800" b="1" dirty="0">
+                <a:solidFill>
+                  <a:srgbClr val="333333"/>
+                </a:solidFill>
+                <a:latin typeface="+mn-ea"/>
+                <a:ea typeface="+mn-ea"/>
+              </a:rPr>
+              <a:t>1</a:t>
+            </a:r>
+            <a:r>
+              <a:rPr lang="zh-CN" altLang="en-US" sz="2800" b="1" dirty="0">
+                <a:solidFill>
+                  <a:srgbClr val="333333"/>
+                </a:solidFill>
+                <a:latin typeface="+mn-ea"/>
+                <a:ea typeface="+mn-ea"/>
+              </a:rPr>
+              <a:t>、</a:t>
+            </a:r>
+            <a:r>
+              <a:rPr lang="en-US" altLang="zh-CN" sz="2800" b="1" dirty="0" err="1">
+                <a:solidFill>
+                  <a:srgbClr val="333333"/>
+                </a:solidFill>
+                <a:latin typeface="+mn-ea"/>
+                <a:ea typeface="+mn-ea"/>
+              </a:rPr>
+              <a:t>ogr</a:t>
+            </a:r>
+            <a:r>
+              <a:rPr lang="zh-CN" altLang="en-US" sz="2800" b="1" dirty="0">
+                <a:solidFill>
+                  <a:srgbClr val="333333"/>
+                </a:solidFill>
+                <a:latin typeface="+mn-ea"/>
+                <a:ea typeface="+mn-ea"/>
+              </a:rPr>
+              <a:t>体系构成</a:t>
+            </a:r>
+            <a:endParaRPr lang="en-US" altLang="zh-CN" sz="2800" b="1" dirty="0">
+              <a:solidFill>
+                <a:srgbClr val="333333"/>
+              </a:solidFill>
+              <a:latin typeface="+mn-ea"/>
+              <a:ea typeface="+mn-ea"/>
+            </a:endParaRPr>
+          </a:p>
+        </p:txBody>
+      </p:sp>
+      <p:sp>
+        <p:nvSpPr>
+          <p:cNvPr id="4" name="TextBox 4">
+            <a:extLst>
+              <a:ext uri="{FF2B5EF4-FFF2-40B4-BE49-F238E27FC236}">
+                <a16:creationId xmlns:a16="http://schemas.microsoft.com/office/drawing/2014/main" id="{D44C56F3-FFA7-3E9D-7AF2-7B99ECE7A75E}"/>
+              </a:ext>
+            </a:extLst>
+          </p:cNvPr>
+          <p:cNvSpPr txBox="1"/>
+          <p:nvPr/>
+        </p:nvSpPr>
+        <p:spPr>
+          <a:xfrm>
+            <a:off x="528638" y="1522005"/>
+            <a:ext cx="8484733" cy="5161991"/>
+          </a:xfrm>
+          <a:prstGeom prst="rect">
+            <a:avLst/>
+          </a:prstGeom>
+          <a:noFill/>
+        </p:spPr>
+        <p:txBody>
+          <a:bodyPr wrap="square">
+            <a:spAutoFit/>
+          </a:bodyPr>
+          <a:lstStyle/>
+          <a:p>
+            <a:pPr algn="just">
+              <a:lnSpc>
+                <a:spcPct val="150000"/>
+              </a:lnSpc>
+            </a:pPr>
+            <a:r>
+              <a:rPr lang="en-US" altLang="zh-CN" sz="2300" b="1" dirty="0" err="1">
+                <a:solidFill>
+                  <a:schemeClr val="accent2"/>
+                </a:solidFill>
+                <a:latin typeface="+mn-ea"/>
+                <a:ea typeface="+mn-ea"/>
+              </a:rPr>
+              <a:t>OGRGeometry</a:t>
+            </a:r>
+            <a:r>
+              <a:rPr lang="zh-CN" altLang="en-US" sz="2300" b="1" dirty="0">
+                <a:solidFill>
+                  <a:schemeClr val="accent2"/>
+                </a:solidFill>
+                <a:latin typeface="+mn-ea"/>
+                <a:ea typeface="+mn-ea"/>
+              </a:rPr>
+              <a:t>几何类</a:t>
+            </a:r>
+            <a:r>
+              <a:rPr lang="zh-CN" altLang="en-US" sz="2300" dirty="0">
+                <a:solidFill>
+                  <a:srgbClr val="151515"/>
+                </a:solidFill>
+                <a:latin typeface="+mn-ea"/>
+                <a:ea typeface="+mn-ea"/>
+              </a:rPr>
+              <a:t>：其封装了</a:t>
+            </a:r>
+            <a:r>
+              <a:rPr lang="en-US" altLang="zh-CN" sz="2300" dirty="0" err="1">
+                <a:solidFill>
+                  <a:srgbClr val="151515"/>
+                </a:solidFill>
+                <a:latin typeface="+mn-ea"/>
+                <a:ea typeface="+mn-ea"/>
+              </a:rPr>
+              <a:t>OpenGIS</a:t>
+            </a:r>
+            <a:r>
+              <a:rPr lang="zh-CN" altLang="en-US" sz="2300" dirty="0">
+                <a:solidFill>
+                  <a:srgbClr val="151515"/>
+                </a:solidFill>
+                <a:latin typeface="+mn-ea"/>
+                <a:ea typeface="+mn-ea"/>
+              </a:rPr>
+              <a:t>模型的矢量数据，提供了一系列几何操作。</a:t>
+            </a:r>
+            <a:endParaRPr lang="en-US" altLang="zh-CN" sz="2300" dirty="0">
+              <a:solidFill>
+                <a:srgbClr val="151515"/>
+              </a:solidFill>
+              <a:latin typeface="+mn-ea"/>
+              <a:ea typeface="+mn-ea"/>
+            </a:endParaRPr>
+          </a:p>
+          <a:p>
+            <a:pPr algn="just">
+              <a:lnSpc>
+                <a:spcPct val="150000"/>
+              </a:lnSpc>
+            </a:pPr>
+            <a:r>
+              <a:rPr lang="en-US" altLang="zh-CN" sz="2300" b="1" dirty="0" err="1">
+                <a:solidFill>
+                  <a:schemeClr val="accent2"/>
+                </a:solidFill>
+                <a:latin typeface="+mn-ea"/>
+                <a:ea typeface="+mn-ea"/>
+              </a:rPr>
+              <a:t>OGRSpatialReference</a:t>
+            </a:r>
+            <a:r>
+              <a:rPr lang="zh-CN" altLang="en-US" sz="2300" b="1" dirty="0">
+                <a:solidFill>
+                  <a:schemeClr val="accent2"/>
+                </a:solidFill>
+                <a:latin typeface="+mn-ea"/>
+                <a:ea typeface="+mn-ea"/>
+              </a:rPr>
+              <a:t>空间参考类</a:t>
+            </a:r>
+            <a:r>
+              <a:rPr lang="zh-CN" altLang="en-US" sz="2300" b="1" dirty="0">
+                <a:solidFill>
+                  <a:srgbClr val="151515"/>
+                </a:solidFill>
+                <a:latin typeface="+mn-ea"/>
+                <a:ea typeface="+mn-ea"/>
+              </a:rPr>
+              <a:t>：用于</a:t>
+            </a:r>
+            <a:r>
+              <a:rPr lang="zh-CN" altLang="en-US" sz="2300" dirty="0">
+                <a:solidFill>
+                  <a:srgbClr val="151515"/>
+                </a:solidFill>
+                <a:latin typeface="+mn-ea"/>
+                <a:ea typeface="+mn-ea"/>
+              </a:rPr>
+              <a:t>定义投影和水准面。</a:t>
+            </a:r>
+            <a:endParaRPr lang="en-US" altLang="zh-CN" sz="2300" dirty="0">
+              <a:solidFill>
+                <a:srgbClr val="151515"/>
+              </a:solidFill>
+              <a:latin typeface="+mn-ea"/>
+              <a:ea typeface="+mn-ea"/>
+            </a:endParaRPr>
+          </a:p>
+          <a:p>
+            <a:pPr algn="just">
+              <a:lnSpc>
+                <a:spcPct val="150000"/>
+              </a:lnSpc>
+            </a:pPr>
+            <a:r>
+              <a:rPr lang="en-US" altLang="zh-CN" sz="2300" b="1" dirty="0" err="1">
+                <a:solidFill>
+                  <a:schemeClr val="accent2"/>
+                </a:solidFill>
+                <a:latin typeface="+mn-ea"/>
+                <a:ea typeface="+mn-ea"/>
+              </a:rPr>
+              <a:t>OGRFeature</a:t>
+            </a:r>
+            <a:r>
+              <a:rPr lang="zh-CN" altLang="en-US" sz="2300" b="1" dirty="0">
+                <a:solidFill>
+                  <a:schemeClr val="accent2"/>
+                </a:solidFill>
+                <a:latin typeface="+mn-ea"/>
+                <a:ea typeface="+mn-ea"/>
+              </a:rPr>
+              <a:t>要素类</a:t>
+            </a:r>
+            <a:r>
+              <a:rPr lang="zh-CN" altLang="en-US" sz="2300" b="1" dirty="0">
+                <a:solidFill>
+                  <a:srgbClr val="151515"/>
+                </a:solidFill>
+                <a:latin typeface="+mn-ea"/>
+                <a:ea typeface="+mn-ea"/>
+              </a:rPr>
+              <a:t>：用于定义</a:t>
+            </a:r>
+            <a:r>
+              <a:rPr lang="zh-CN" altLang="en-US" sz="2300" dirty="0">
+                <a:solidFill>
+                  <a:srgbClr val="151515"/>
+                </a:solidFill>
+                <a:latin typeface="+mn-ea"/>
+                <a:ea typeface="+mn-ea"/>
+              </a:rPr>
+              <a:t>几何和属性信息。</a:t>
+            </a:r>
+            <a:endParaRPr lang="en-US" altLang="zh-CN" sz="2300" dirty="0">
+              <a:solidFill>
+                <a:srgbClr val="151515"/>
+              </a:solidFill>
+              <a:latin typeface="+mn-ea"/>
+              <a:ea typeface="+mn-ea"/>
+            </a:endParaRPr>
+          </a:p>
+          <a:p>
+            <a:pPr algn="just">
+              <a:lnSpc>
+                <a:spcPct val="150000"/>
+              </a:lnSpc>
+            </a:pPr>
+            <a:r>
+              <a:rPr lang="en-US" altLang="zh-CN" sz="2300" b="1" dirty="0" err="1">
+                <a:solidFill>
+                  <a:schemeClr val="accent2"/>
+                </a:solidFill>
+                <a:latin typeface="+mn-ea"/>
+                <a:ea typeface="+mn-ea"/>
+              </a:rPr>
+              <a:t>OGRLayer</a:t>
+            </a:r>
+            <a:r>
+              <a:rPr lang="zh-CN" altLang="en-US" sz="2300" b="1" dirty="0">
+                <a:solidFill>
+                  <a:schemeClr val="accent2"/>
+                </a:solidFill>
+                <a:latin typeface="+mn-ea"/>
+                <a:ea typeface="+mn-ea"/>
+              </a:rPr>
+              <a:t>图层类</a:t>
+            </a:r>
+            <a:r>
+              <a:rPr lang="zh-CN" altLang="en-US" sz="2300" b="1" dirty="0">
+                <a:solidFill>
+                  <a:srgbClr val="151515"/>
+                </a:solidFill>
+                <a:latin typeface="+mn-ea"/>
+                <a:ea typeface="+mn-ea"/>
+              </a:rPr>
+              <a:t>：定义</a:t>
+            </a:r>
+            <a:r>
+              <a:rPr lang="zh-CN" altLang="en-US" sz="2300" dirty="0">
+                <a:solidFill>
+                  <a:srgbClr val="151515"/>
+                </a:solidFill>
+                <a:latin typeface="+mn-ea"/>
+                <a:ea typeface="+mn-ea"/>
+              </a:rPr>
+              <a:t>同类型要素集合。</a:t>
+            </a:r>
+            <a:endParaRPr lang="en-US" altLang="zh-CN" sz="2300" dirty="0">
+              <a:solidFill>
+                <a:srgbClr val="151515"/>
+              </a:solidFill>
+              <a:latin typeface="+mn-ea"/>
+              <a:ea typeface="+mn-ea"/>
+            </a:endParaRPr>
+          </a:p>
+          <a:p>
+            <a:pPr algn="just">
+              <a:lnSpc>
+                <a:spcPct val="150000"/>
+              </a:lnSpc>
+            </a:pPr>
+            <a:r>
+              <a:rPr lang="en-US" altLang="zh-CN" sz="2300" b="1" dirty="0" err="1">
+                <a:solidFill>
+                  <a:schemeClr val="accent2"/>
+                </a:solidFill>
+                <a:latin typeface="+mn-ea"/>
+                <a:ea typeface="+mn-ea"/>
+              </a:rPr>
+              <a:t>OGRDataSource</a:t>
+            </a:r>
+            <a:r>
+              <a:rPr lang="zh-CN" altLang="en-US" sz="2300" b="1" dirty="0">
+                <a:solidFill>
+                  <a:schemeClr val="accent2"/>
+                </a:solidFill>
+                <a:latin typeface="+mn-ea"/>
+                <a:ea typeface="+mn-ea"/>
+              </a:rPr>
+              <a:t>数据源类</a:t>
+            </a:r>
+            <a:r>
+              <a:rPr lang="zh-CN" altLang="en-US" sz="2300" dirty="0">
+                <a:solidFill>
+                  <a:srgbClr val="151515"/>
+                </a:solidFill>
+                <a:latin typeface="+mn-ea"/>
+                <a:ea typeface="+mn-ea"/>
+              </a:rPr>
+              <a:t>，用于存储矢量数据的文件或数据库对象。</a:t>
+            </a:r>
+            <a:endParaRPr lang="en-US" altLang="zh-CN" sz="2300" dirty="0">
+              <a:solidFill>
+                <a:srgbClr val="151515"/>
+              </a:solidFill>
+              <a:latin typeface="+mn-ea"/>
+              <a:ea typeface="+mn-ea"/>
+            </a:endParaRPr>
+          </a:p>
+          <a:p>
+            <a:pPr algn="just">
+              <a:lnSpc>
+                <a:spcPct val="150000"/>
+              </a:lnSpc>
+            </a:pPr>
+            <a:r>
+              <a:rPr lang="en-US" altLang="zh-CN" sz="2300" b="1" dirty="0" err="1">
+                <a:solidFill>
+                  <a:schemeClr val="accent2"/>
+                </a:solidFill>
+                <a:latin typeface="+mn-ea"/>
+                <a:ea typeface="+mn-ea"/>
+              </a:rPr>
+              <a:t>OGRDriver</a:t>
+            </a:r>
+            <a:r>
+              <a:rPr lang="zh-CN" altLang="en-US" sz="2300" b="1" dirty="0">
+                <a:solidFill>
+                  <a:schemeClr val="accent2"/>
+                </a:solidFill>
+                <a:latin typeface="+mn-ea"/>
+                <a:ea typeface="+mn-ea"/>
+              </a:rPr>
+              <a:t>驱动类</a:t>
+            </a:r>
+            <a:r>
+              <a:rPr lang="zh-CN" altLang="en-US" sz="2300" dirty="0">
+                <a:solidFill>
+                  <a:srgbClr val="151515"/>
+                </a:solidFill>
+                <a:latin typeface="+mn-ea"/>
+                <a:ea typeface="+mn-ea"/>
+              </a:rPr>
+              <a:t>，用于注册和读写对应类型的数据。</a:t>
+            </a:r>
+          </a:p>
+        </p:txBody>
+      </p:sp>
+    </p:spTree>
+    <p:extLst>
+      <p:ext uri="{BB962C8B-B14F-4D97-AF65-F5344CB8AC3E}">
+        <p14:creationId xmlns:p14="http://schemas.microsoft.com/office/powerpoint/2010/main" val="655142816"/>
+      </p:ext>
+    </p:extLst>
+  </p:cSld>
+  <p:clrMapOvr>
+    <a:masterClrMapping/>
+  </p:clrMapOvr>
+  <p:transition>
+    <p:fade/>
+  </p:transition>
+</p:sld>
+</file>
+
+<file path=ppt/slides/slide11.xml><?xml version="1.0" encoding="utf-8"?>
+<p:sld xmlns:a="http://schemas.openxmlformats.org/drawingml/2006/main" xmlns:r="http://schemas.openxmlformats.org/officeDocument/2006/relationships" xmlns:p="http://schemas.openxmlformats.org/presentationml/2006/main">
+  <p:cSld>
+    <p:spTree>
+      <p:nvGrpSpPr>
+        <p:cNvPr id="1" name=""/>
+        <p:cNvGrpSpPr/>
+        <p:nvPr/>
+      </p:nvGrpSpPr>
+      <p:grpSpPr>
+        <a:xfrm>
+          <a:off x="0" y="0"/>
+          <a:ext cx="0" cy="0"/>
+          <a:chOff x="0" y="0"/>
+          <a:chExt cx="0" cy="0"/>
+        </a:xfrm>
+      </p:grpSpPr>
+      <p:sp>
+        <p:nvSpPr>
+          <p:cNvPr id="3" name="标题 2"/>
+          <p:cNvSpPr>
+            <a:spLocks noGrp="1"/>
+          </p:cNvSpPr>
+          <p:nvPr>
+            <p:ph type="title"/>
+          </p:nvPr>
+        </p:nvSpPr>
+        <p:spPr>
+          <a:xfrm>
+            <a:off x="0" y="8526"/>
+            <a:ext cx="9013371" cy="792162"/>
+          </a:xfrm>
+        </p:spPr>
+        <p:txBody>
+          <a:bodyPr/>
+          <a:lstStyle/>
+          <a:p>
+            <a:r>
+              <a:rPr lang="zh-CN" altLang="en-US" dirty="0">
+                <a:latin typeface="+mn-ea"/>
+              </a:rPr>
+              <a:t>一</a:t>
+            </a:r>
+            <a:r>
+              <a:rPr lang="en-US" altLang="zh-CN" dirty="0">
+                <a:latin typeface="+mn-ea"/>
+              </a:rPr>
+              <a:t>. </a:t>
+            </a:r>
+            <a:r>
+              <a:rPr lang="zh-CN" altLang="en-US" sz="3600" b="1" dirty="0">
+                <a:latin typeface="微软雅黑" pitchFamily="34" charset="-122"/>
+                <a:ea typeface="微软雅黑" pitchFamily="34" charset="-122"/>
+              </a:rPr>
+              <a:t>开源</a:t>
+            </a:r>
+            <a:r>
+              <a:rPr lang="en-US" altLang="zh-CN" sz="3600" b="1" dirty="0">
+                <a:latin typeface="微软雅黑" pitchFamily="34" charset="-122"/>
+                <a:ea typeface="微软雅黑" pitchFamily="34" charset="-122"/>
+              </a:rPr>
+              <a:t>Linux</a:t>
+            </a:r>
+            <a:r>
+              <a:rPr lang="zh-CN" altLang="en-US" sz="3600" b="1" dirty="0">
+                <a:latin typeface="微软雅黑" pitchFamily="34" charset="-122"/>
+                <a:ea typeface="微软雅黑" pitchFamily="34" charset="-122"/>
+              </a:rPr>
+              <a:t>操作系统</a:t>
+            </a:r>
+            <a:r>
+              <a:rPr lang="zh-CN" altLang="en-US" dirty="0">
+                <a:latin typeface="微软雅黑" pitchFamily="34" charset="-122"/>
+                <a:ea typeface="微软雅黑" pitchFamily="34" charset="-122"/>
+              </a:rPr>
+              <a:t>简介</a:t>
+            </a:r>
+            <a:endParaRPr lang="zh-CN" altLang="en-US" dirty="0"/>
+          </a:p>
+        </p:txBody>
+      </p:sp>
+      <p:sp>
+        <p:nvSpPr>
+          <p:cNvPr id="2" name="TextBox 1">
+            <a:extLst>
+              <a:ext uri="{FF2B5EF4-FFF2-40B4-BE49-F238E27FC236}">
+                <a16:creationId xmlns:a16="http://schemas.microsoft.com/office/drawing/2014/main" id="{631AADB6-C88A-D817-4683-FC087E4E240F}"/>
+              </a:ext>
+            </a:extLst>
+          </p:cNvPr>
+          <p:cNvSpPr txBox="1"/>
+          <p:nvPr/>
+        </p:nvSpPr>
+        <p:spPr>
+          <a:xfrm>
+            <a:off x="317665" y="846748"/>
+            <a:ext cx="8508670" cy="662489"/>
+          </a:xfrm>
+          <a:prstGeom prst="rect">
+            <a:avLst/>
+          </a:prstGeom>
+          <a:noFill/>
+        </p:spPr>
+        <p:txBody>
+          <a:bodyPr wrap="square" rtlCol="0">
+            <a:spAutoFit/>
+          </a:bodyPr>
+          <a:lstStyle/>
+          <a:p>
+            <a:pPr algn="just">
+              <a:lnSpc>
+                <a:spcPct val="150000"/>
+              </a:lnSpc>
+            </a:pPr>
+            <a:r>
+              <a:rPr lang="en-US" altLang="zh-CN" sz="2800" b="1" dirty="0">
+                <a:solidFill>
+                  <a:srgbClr val="333333"/>
+                </a:solidFill>
+                <a:latin typeface="+mn-ea"/>
+                <a:ea typeface="+mn-ea"/>
+              </a:rPr>
+              <a:t>1</a:t>
+            </a:r>
+            <a:r>
+              <a:rPr lang="zh-CN" altLang="en-US" sz="2800" b="1" dirty="0">
+                <a:solidFill>
+                  <a:srgbClr val="333333"/>
+                </a:solidFill>
+                <a:latin typeface="+mn-ea"/>
+                <a:ea typeface="+mn-ea"/>
+              </a:rPr>
+              <a:t>、</a:t>
+            </a:r>
+            <a:r>
+              <a:rPr lang="en-US" altLang="zh-CN" sz="2800" b="1" dirty="0" err="1">
+                <a:solidFill>
+                  <a:srgbClr val="333333"/>
+                </a:solidFill>
+                <a:latin typeface="+mn-ea"/>
+                <a:ea typeface="+mn-ea"/>
+              </a:rPr>
+              <a:t>ogr</a:t>
+            </a:r>
+            <a:r>
+              <a:rPr lang="zh-CN" altLang="en-US" sz="2800" b="1" dirty="0">
+                <a:solidFill>
+                  <a:srgbClr val="333333"/>
+                </a:solidFill>
+                <a:latin typeface="+mn-ea"/>
+                <a:ea typeface="+mn-ea"/>
+              </a:rPr>
+              <a:t>体系结构</a:t>
+            </a:r>
+            <a:endParaRPr lang="en-US" altLang="zh-CN" sz="2800" b="1" dirty="0">
+              <a:solidFill>
+                <a:srgbClr val="333333"/>
+              </a:solidFill>
+              <a:latin typeface="+mn-ea"/>
+              <a:ea typeface="+mn-ea"/>
+            </a:endParaRPr>
+          </a:p>
+        </p:txBody>
+      </p:sp>
+      <p:sp>
+        <p:nvSpPr>
+          <p:cNvPr id="4" name="TextBox 4">
+            <a:extLst>
+              <a:ext uri="{FF2B5EF4-FFF2-40B4-BE49-F238E27FC236}">
+                <a16:creationId xmlns:a16="http://schemas.microsoft.com/office/drawing/2014/main" id="{D44C56F3-FFA7-3E9D-7AF2-7B99ECE7A75E}"/>
+              </a:ext>
+            </a:extLst>
+          </p:cNvPr>
+          <p:cNvSpPr txBox="1"/>
+          <p:nvPr/>
+        </p:nvSpPr>
+        <p:spPr>
+          <a:xfrm>
+            <a:off x="528639" y="1480306"/>
+            <a:ext cx="8372468" cy="1319720"/>
+          </a:xfrm>
+          <a:prstGeom prst="rect">
+            <a:avLst/>
+          </a:prstGeom>
+          <a:noFill/>
+        </p:spPr>
+        <p:txBody>
+          <a:bodyPr wrap="square">
+            <a:spAutoFit/>
+          </a:bodyPr>
+          <a:lstStyle/>
+          <a:p>
+            <a:pPr algn="just">
+              <a:lnSpc>
+                <a:spcPct val="150000"/>
+              </a:lnSpc>
+            </a:pPr>
+            <a:r>
+              <a:rPr lang="en-US" altLang="zh-CN" sz="2400" b="1" dirty="0" err="1">
+                <a:solidFill>
+                  <a:schemeClr val="accent2"/>
+                </a:solidFill>
+                <a:latin typeface="+mn-ea"/>
+                <a:ea typeface="+mn-ea"/>
+              </a:rPr>
+              <a:t>OGRGeometry</a:t>
+            </a:r>
+            <a:r>
+              <a:rPr lang="zh-CN" altLang="en-US" sz="2400" b="1" dirty="0">
+                <a:solidFill>
+                  <a:schemeClr val="accent2"/>
+                </a:solidFill>
+                <a:latin typeface="+mn-ea"/>
+                <a:ea typeface="+mn-ea"/>
+              </a:rPr>
+              <a:t>类</a:t>
+            </a:r>
+            <a:r>
+              <a:rPr lang="zh-CN" altLang="en-US" sz="2400" dirty="0">
+                <a:solidFill>
+                  <a:srgbClr val="151515"/>
+                </a:solidFill>
+                <a:latin typeface="+mn-ea"/>
+                <a:ea typeface="+mn-ea"/>
+              </a:rPr>
+              <a:t>结构</a:t>
+            </a:r>
+            <a:endParaRPr lang="en-US" altLang="zh-CN" sz="2200" b="1" u="sng" dirty="0">
+              <a:solidFill>
+                <a:srgbClr val="151515"/>
+              </a:solidFill>
+              <a:latin typeface="+mn-ea"/>
+              <a:ea typeface="+mn-ea"/>
+            </a:endParaRPr>
+          </a:p>
+          <a:p>
+            <a:pPr algn="just">
+              <a:lnSpc>
+                <a:spcPct val="150000"/>
+              </a:lnSpc>
+            </a:pPr>
+            <a:r>
+              <a:rPr lang="zh-CN" altLang="en-US" dirty="0">
+                <a:solidFill>
+                  <a:srgbClr val="151515"/>
+                </a:solidFill>
+                <a:latin typeface="+mn-ea"/>
+                <a:ea typeface="+mn-ea"/>
+              </a:rPr>
+              <a:t>几何类用于表示各种几何矢量，其继承关系如下：</a:t>
+            </a:r>
+            <a:endParaRPr lang="en-US" altLang="zh-CN" dirty="0">
+              <a:solidFill>
+                <a:srgbClr val="151515"/>
+              </a:solidFill>
+              <a:latin typeface="+mn-ea"/>
+              <a:ea typeface="+mn-ea"/>
+            </a:endParaRPr>
+          </a:p>
+        </p:txBody>
+      </p:sp>
+      <p:sp>
+        <p:nvSpPr>
+          <p:cNvPr id="6" name="矩形 5">
+            <a:extLst>
+              <a:ext uri="{FF2B5EF4-FFF2-40B4-BE49-F238E27FC236}">
+                <a16:creationId xmlns:a16="http://schemas.microsoft.com/office/drawing/2014/main" id="{E4B667F8-B1E4-E60F-1B7C-6B00B9B82C6A}"/>
+              </a:ext>
+            </a:extLst>
+          </p:cNvPr>
+          <p:cNvSpPr/>
+          <p:nvPr/>
+        </p:nvSpPr>
+        <p:spPr>
+          <a:xfrm>
+            <a:off x="3032352" y="2826088"/>
+            <a:ext cx="2814638" cy="657225"/>
+          </a:xfrm>
+          <a:prstGeom prst="rect">
+            <a:avLst/>
+          </a:prstGeom>
+          <a:solidFill>
+            <a:schemeClr val="tx2"/>
+          </a:solidFill>
+        </p:spPr>
+        <p:txBody>
+          <a:bodyPr wrap="square" lIns="0" rtlCol="0" anchor="ctr">
+            <a:noAutofit/>
+          </a:bodyPr>
+          <a:lstStyle/>
+          <a:p>
+            <a:r>
+              <a:rPr lang="en-US" altLang="zh-CN" b="1">
+                <a:solidFill>
+                  <a:schemeClr val="bg2"/>
+                </a:solidFill>
+                <a:latin typeface="微软雅黑" pitchFamily="34" charset="-122"/>
+                <a:ea typeface="微软雅黑" pitchFamily="34" charset="-122"/>
+              </a:rPr>
+              <a:t>OGRGeometry</a:t>
+            </a:r>
+            <a:endParaRPr lang="zh-CN" altLang="en-US" b="1" dirty="0">
+              <a:solidFill>
+                <a:schemeClr val="bg2"/>
+              </a:solidFill>
+              <a:latin typeface="微软雅黑" pitchFamily="34" charset="-122"/>
+              <a:ea typeface="微软雅黑" pitchFamily="34" charset="-122"/>
+            </a:endParaRPr>
+          </a:p>
+        </p:txBody>
+      </p:sp>
+      <p:sp>
+        <p:nvSpPr>
+          <p:cNvPr id="25" name="矩形 24">
+            <a:extLst>
+              <a:ext uri="{FF2B5EF4-FFF2-40B4-BE49-F238E27FC236}">
+                <a16:creationId xmlns:a16="http://schemas.microsoft.com/office/drawing/2014/main" id="{DF78B896-8B24-6498-69F8-CFFE3F490B9A}"/>
+              </a:ext>
+            </a:extLst>
+          </p:cNvPr>
+          <p:cNvSpPr/>
+          <p:nvPr/>
+        </p:nvSpPr>
+        <p:spPr>
+          <a:xfrm>
+            <a:off x="2206174" y="4672801"/>
+            <a:ext cx="2472285" cy="2098113"/>
+          </a:xfrm>
+          <a:prstGeom prst="rect">
+            <a:avLst/>
+          </a:prstGeom>
+          <a:solidFill>
+            <a:schemeClr val="accent6"/>
+          </a:solidFill>
+          <a:ln w="28575">
+            <a:solidFill>
+              <a:schemeClr val="bg2"/>
+            </a:solidFill>
+          </a:ln>
+        </p:spPr>
+        <p:txBody>
+          <a:bodyPr wrap="square" lIns="0" rtlCol="0" anchor="ctr">
+            <a:noAutofit/>
+          </a:bodyPr>
+          <a:lstStyle/>
+          <a:p>
+            <a:pPr algn="l"/>
+            <a:endParaRPr lang="zh-CN" altLang="en-US" b="1" dirty="0">
+              <a:solidFill>
+                <a:schemeClr val="bg2"/>
+              </a:solidFill>
+              <a:latin typeface="微软雅黑" pitchFamily="34" charset="-122"/>
+              <a:ea typeface="微软雅黑" pitchFamily="34" charset="-122"/>
+            </a:endParaRPr>
+          </a:p>
+        </p:txBody>
+      </p:sp>
+      <p:sp>
+        <p:nvSpPr>
+          <p:cNvPr id="7" name="矩形 6">
+            <a:extLst>
+              <a:ext uri="{FF2B5EF4-FFF2-40B4-BE49-F238E27FC236}">
+                <a16:creationId xmlns:a16="http://schemas.microsoft.com/office/drawing/2014/main" id="{F115B6DF-8BE4-9443-592F-E3C28E917A3E}"/>
+              </a:ext>
+            </a:extLst>
+          </p:cNvPr>
+          <p:cNvSpPr/>
+          <p:nvPr/>
+        </p:nvSpPr>
+        <p:spPr>
+          <a:xfrm>
+            <a:off x="239144" y="3893182"/>
+            <a:ext cx="1781495" cy="587811"/>
+          </a:xfrm>
+          <a:prstGeom prst="rect">
+            <a:avLst/>
+          </a:prstGeom>
+          <a:solidFill>
+            <a:schemeClr val="tx2"/>
+          </a:solidFill>
+        </p:spPr>
+        <p:txBody>
+          <a:bodyPr wrap="square" lIns="0" rtlCol="0" anchor="ctr">
+            <a:noAutofit/>
+          </a:bodyPr>
+          <a:lstStyle/>
+          <a:p>
+            <a:r>
+              <a:rPr lang="en-US" altLang="zh-CN" sz="2200" b="1" dirty="0" err="1">
+                <a:solidFill>
+                  <a:schemeClr val="bg2"/>
+                </a:solidFill>
+                <a:latin typeface="微软雅黑" pitchFamily="34" charset="-122"/>
+                <a:ea typeface="微软雅黑" pitchFamily="34" charset="-122"/>
+              </a:rPr>
+              <a:t>OGRCurve</a:t>
+            </a:r>
+            <a:endParaRPr lang="zh-CN" altLang="en-US" sz="2200" b="1" dirty="0">
+              <a:solidFill>
+                <a:schemeClr val="bg2"/>
+              </a:solidFill>
+              <a:latin typeface="微软雅黑" pitchFamily="34" charset="-122"/>
+              <a:ea typeface="微软雅黑" pitchFamily="34" charset="-122"/>
+            </a:endParaRPr>
+          </a:p>
+        </p:txBody>
+      </p:sp>
+      <p:sp>
+        <p:nvSpPr>
+          <p:cNvPr id="8" name="矩形 7">
+            <a:extLst>
+              <a:ext uri="{FF2B5EF4-FFF2-40B4-BE49-F238E27FC236}">
+                <a16:creationId xmlns:a16="http://schemas.microsoft.com/office/drawing/2014/main" id="{F283813A-0E17-EAF7-D376-23779C8FA0DD}"/>
+              </a:ext>
+            </a:extLst>
+          </p:cNvPr>
+          <p:cNvSpPr/>
+          <p:nvPr/>
+        </p:nvSpPr>
+        <p:spPr>
+          <a:xfrm>
+            <a:off x="2308669" y="3893182"/>
+            <a:ext cx="2265365" cy="587811"/>
+          </a:xfrm>
+          <a:prstGeom prst="rect">
+            <a:avLst/>
+          </a:prstGeom>
+          <a:solidFill>
+            <a:schemeClr val="tx2"/>
+          </a:solidFill>
+        </p:spPr>
+        <p:txBody>
+          <a:bodyPr wrap="square" lIns="0" rtlCol="0" anchor="ctr">
+            <a:noAutofit/>
+          </a:bodyPr>
+          <a:lstStyle/>
+          <a:p>
+            <a:r>
+              <a:rPr lang="en-US" altLang="zh-CN" sz="2200" b="1" dirty="0" err="1">
+                <a:solidFill>
+                  <a:schemeClr val="bg2"/>
+                </a:solidFill>
+                <a:latin typeface="微软雅黑" pitchFamily="34" charset="-122"/>
+                <a:ea typeface="微软雅黑" pitchFamily="34" charset="-122"/>
+              </a:rPr>
+              <a:t>OGRGeometry</a:t>
+            </a:r>
+            <a:endParaRPr lang="zh-CN" altLang="en-US" sz="2200" b="1" dirty="0">
+              <a:solidFill>
+                <a:schemeClr val="bg2"/>
+              </a:solidFill>
+              <a:latin typeface="微软雅黑" pitchFamily="34" charset="-122"/>
+              <a:ea typeface="微软雅黑" pitchFamily="34" charset="-122"/>
+            </a:endParaRPr>
+          </a:p>
+        </p:txBody>
+      </p:sp>
+      <p:sp>
+        <p:nvSpPr>
+          <p:cNvPr id="9" name="矩形 8">
+            <a:extLst>
+              <a:ext uri="{FF2B5EF4-FFF2-40B4-BE49-F238E27FC236}">
+                <a16:creationId xmlns:a16="http://schemas.microsoft.com/office/drawing/2014/main" id="{0DB985B9-7842-7544-EF01-366A36A740DD}"/>
+              </a:ext>
+            </a:extLst>
+          </p:cNvPr>
+          <p:cNvSpPr/>
+          <p:nvPr/>
+        </p:nvSpPr>
+        <p:spPr>
+          <a:xfrm>
+            <a:off x="4678458" y="3893179"/>
+            <a:ext cx="1852019" cy="587811"/>
+          </a:xfrm>
+          <a:prstGeom prst="rect">
+            <a:avLst/>
+          </a:prstGeom>
+          <a:solidFill>
+            <a:schemeClr val="tx2"/>
+          </a:solidFill>
+        </p:spPr>
+        <p:txBody>
+          <a:bodyPr wrap="square" lIns="0" rtlCol="0" anchor="ctr">
+            <a:noAutofit/>
+          </a:bodyPr>
+          <a:lstStyle/>
+          <a:p>
+            <a:r>
+              <a:rPr lang="en-US" altLang="zh-CN" sz="2200" b="1" dirty="0" err="1">
+                <a:solidFill>
+                  <a:schemeClr val="bg2"/>
+                </a:solidFill>
+                <a:latin typeface="微软雅黑" pitchFamily="34" charset="-122"/>
+                <a:ea typeface="微软雅黑" pitchFamily="34" charset="-122"/>
+              </a:rPr>
+              <a:t>OGRPoint</a:t>
+            </a:r>
+            <a:endParaRPr lang="zh-CN" altLang="en-US" sz="2200" b="1" dirty="0">
+              <a:solidFill>
+                <a:schemeClr val="bg2"/>
+              </a:solidFill>
+              <a:latin typeface="微软雅黑" pitchFamily="34" charset="-122"/>
+              <a:ea typeface="微软雅黑" pitchFamily="34" charset="-122"/>
+            </a:endParaRPr>
+          </a:p>
+        </p:txBody>
+      </p:sp>
+      <p:sp>
+        <p:nvSpPr>
+          <p:cNvPr id="10" name="矩形 9">
+            <a:extLst>
+              <a:ext uri="{FF2B5EF4-FFF2-40B4-BE49-F238E27FC236}">
+                <a16:creationId xmlns:a16="http://schemas.microsoft.com/office/drawing/2014/main" id="{A8EF0B7C-E027-33AB-4721-CFF49996461B}"/>
+              </a:ext>
+            </a:extLst>
+          </p:cNvPr>
+          <p:cNvSpPr/>
+          <p:nvPr/>
+        </p:nvSpPr>
+        <p:spPr>
+          <a:xfrm>
+            <a:off x="6691513" y="3893180"/>
+            <a:ext cx="2233593" cy="587811"/>
+          </a:xfrm>
+          <a:prstGeom prst="rect">
+            <a:avLst/>
+          </a:prstGeom>
+          <a:solidFill>
+            <a:schemeClr val="tx2"/>
+          </a:solidFill>
+        </p:spPr>
+        <p:txBody>
+          <a:bodyPr wrap="square" lIns="0" rtlCol="0" anchor="ctr">
+            <a:noAutofit/>
+          </a:bodyPr>
+          <a:lstStyle/>
+          <a:p>
+            <a:r>
+              <a:rPr lang="en-US" altLang="zh-CN" sz="2200" b="1" dirty="0" err="1">
+                <a:solidFill>
+                  <a:schemeClr val="bg2"/>
+                </a:solidFill>
+                <a:latin typeface="微软雅黑" pitchFamily="34" charset="-122"/>
+                <a:ea typeface="微软雅黑" pitchFamily="34" charset="-122"/>
+              </a:rPr>
+              <a:t>OGRSurface</a:t>
+            </a:r>
+            <a:endParaRPr lang="zh-CN" altLang="en-US" sz="2200" b="1" dirty="0">
+              <a:solidFill>
+                <a:schemeClr val="bg2"/>
+              </a:solidFill>
+              <a:latin typeface="微软雅黑" pitchFamily="34" charset="-122"/>
+              <a:ea typeface="微软雅黑" pitchFamily="34" charset="-122"/>
+            </a:endParaRPr>
+          </a:p>
+        </p:txBody>
+      </p:sp>
+      <p:sp>
+        <p:nvSpPr>
+          <p:cNvPr id="11" name="矩形 10">
+            <a:extLst>
+              <a:ext uri="{FF2B5EF4-FFF2-40B4-BE49-F238E27FC236}">
+                <a16:creationId xmlns:a16="http://schemas.microsoft.com/office/drawing/2014/main" id="{5757F080-620A-99D2-8C06-6ECF3D271C65}"/>
+              </a:ext>
+            </a:extLst>
+          </p:cNvPr>
+          <p:cNvSpPr/>
+          <p:nvPr/>
+        </p:nvSpPr>
+        <p:spPr>
+          <a:xfrm>
+            <a:off x="239142" y="4776649"/>
+            <a:ext cx="1781495" cy="587811"/>
+          </a:xfrm>
+          <a:prstGeom prst="rect">
+            <a:avLst/>
+          </a:prstGeom>
+          <a:solidFill>
+            <a:schemeClr val="tx2"/>
+          </a:solidFill>
+        </p:spPr>
+        <p:txBody>
+          <a:bodyPr wrap="square" lIns="0" rtlCol="0" anchor="ctr">
+            <a:noAutofit/>
+          </a:bodyPr>
+          <a:lstStyle/>
+          <a:p>
+            <a:r>
+              <a:rPr lang="en-US" altLang="zh-CN" sz="1600" b="1" dirty="0" err="1">
+                <a:solidFill>
+                  <a:schemeClr val="bg2"/>
+                </a:solidFill>
+                <a:latin typeface="微软雅黑" pitchFamily="34" charset="-122"/>
+                <a:ea typeface="微软雅黑" pitchFamily="34" charset="-122"/>
+              </a:rPr>
+              <a:t>OGRLineString</a:t>
+            </a:r>
+            <a:endParaRPr lang="zh-CN" altLang="en-US" sz="1600" b="1" dirty="0">
+              <a:solidFill>
+                <a:schemeClr val="bg2"/>
+              </a:solidFill>
+              <a:latin typeface="微软雅黑" pitchFamily="34" charset="-122"/>
+              <a:ea typeface="微软雅黑" pitchFamily="34" charset="-122"/>
+            </a:endParaRPr>
+          </a:p>
+        </p:txBody>
+      </p:sp>
+      <p:sp>
+        <p:nvSpPr>
+          <p:cNvPr id="12" name="矩形 11">
+            <a:extLst>
+              <a:ext uri="{FF2B5EF4-FFF2-40B4-BE49-F238E27FC236}">
+                <a16:creationId xmlns:a16="http://schemas.microsoft.com/office/drawing/2014/main" id="{78F6218C-A914-7931-E32E-2875002B437E}"/>
+              </a:ext>
+            </a:extLst>
+          </p:cNvPr>
+          <p:cNvSpPr/>
+          <p:nvPr/>
+        </p:nvSpPr>
+        <p:spPr>
+          <a:xfrm>
+            <a:off x="239142" y="5654651"/>
+            <a:ext cx="1781496" cy="587811"/>
+          </a:xfrm>
+          <a:prstGeom prst="rect">
+            <a:avLst/>
+          </a:prstGeom>
+          <a:solidFill>
+            <a:schemeClr val="tx2"/>
+          </a:solidFill>
+        </p:spPr>
+        <p:txBody>
+          <a:bodyPr wrap="square" lIns="0" rtlCol="0" anchor="ctr">
+            <a:noAutofit/>
+          </a:bodyPr>
+          <a:lstStyle/>
+          <a:p>
+            <a:r>
+              <a:rPr lang="en-US" altLang="zh-CN" sz="1600" b="1" dirty="0" err="1">
+                <a:solidFill>
+                  <a:schemeClr val="bg2"/>
+                </a:solidFill>
+                <a:latin typeface="微软雅黑" pitchFamily="34" charset="-122"/>
+                <a:ea typeface="微软雅黑" pitchFamily="34" charset="-122"/>
+              </a:rPr>
+              <a:t>OGRLinearRing</a:t>
+            </a:r>
+            <a:endParaRPr lang="zh-CN" altLang="en-US" sz="1600" b="1" dirty="0">
+              <a:solidFill>
+                <a:schemeClr val="bg2"/>
+              </a:solidFill>
+              <a:latin typeface="微软雅黑" pitchFamily="34" charset="-122"/>
+              <a:ea typeface="微软雅黑" pitchFamily="34" charset="-122"/>
+            </a:endParaRPr>
+          </a:p>
+        </p:txBody>
+      </p:sp>
+      <p:sp>
+        <p:nvSpPr>
+          <p:cNvPr id="13" name="矩形 12">
+            <a:extLst>
+              <a:ext uri="{FF2B5EF4-FFF2-40B4-BE49-F238E27FC236}">
+                <a16:creationId xmlns:a16="http://schemas.microsoft.com/office/drawing/2014/main" id="{31DF731D-DDD9-F443-7452-FD380945BC70}"/>
+              </a:ext>
+            </a:extLst>
+          </p:cNvPr>
+          <p:cNvSpPr/>
+          <p:nvPr/>
+        </p:nvSpPr>
+        <p:spPr>
+          <a:xfrm>
+            <a:off x="2308669" y="4763669"/>
+            <a:ext cx="2265365" cy="587811"/>
+          </a:xfrm>
+          <a:prstGeom prst="rect">
+            <a:avLst/>
+          </a:prstGeom>
+          <a:solidFill>
+            <a:schemeClr val="tx2"/>
+          </a:solidFill>
+        </p:spPr>
+        <p:txBody>
+          <a:bodyPr wrap="square" lIns="0" rtlCol="0" anchor="ctr">
+            <a:noAutofit/>
+          </a:bodyPr>
+          <a:lstStyle/>
+          <a:p>
+            <a:r>
+              <a:rPr lang="en-US" altLang="zh-CN" sz="1700" b="1" dirty="0" err="1">
+                <a:solidFill>
+                  <a:schemeClr val="bg2"/>
+                </a:solidFill>
+                <a:latin typeface="微软雅黑" pitchFamily="34" charset="-122"/>
+                <a:ea typeface="微软雅黑" pitchFamily="34" charset="-122"/>
+              </a:rPr>
+              <a:t>OGRMultiLineString</a:t>
+            </a:r>
+            <a:endParaRPr lang="zh-CN" altLang="en-US" sz="1700" b="1" dirty="0">
+              <a:solidFill>
+                <a:schemeClr val="bg2"/>
+              </a:solidFill>
+              <a:latin typeface="微软雅黑" pitchFamily="34" charset="-122"/>
+              <a:ea typeface="微软雅黑" pitchFamily="34" charset="-122"/>
+            </a:endParaRPr>
+          </a:p>
+        </p:txBody>
+      </p:sp>
+      <p:sp>
+        <p:nvSpPr>
+          <p:cNvPr id="14" name="矩形 13">
+            <a:extLst>
+              <a:ext uri="{FF2B5EF4-FFF2-40B4-BE49-F238E27FC236}">
+                <a16:creationId xmlns:a16="http://schemas.microsoft.com/office/drawing/2014/main" id="{567E35FD-BCEB-191D-A435-BA1BC17F6D78}"/>
+              </a:ext>
+            </a:extLst>
+          </p:cNvPr>
+          <p:cNvSpPr/>
+          <p:nvPr/>
+        </p:nvSpPr>
+        <p:spPr>
+          <a:xfrm>
+            <a:off x="2325633" y="5453444"/>
+            <a:ext cx="2246367" cy="587811"/>
+          </a:xfrm>
+          <a:prstGeom prst="rect">
+            <a:avLst/>
+          </a:prstGeom>
+          <a:solidFill>
+            <a:schemeClr val="tx2"/>
+          </a:solidFill>
+        </p:spPr>
+        <p:txBody>
+          <a:bodyPr wrap="square" lIns="0" rtlCol="0" anchor="ctr">
+            <a:noAutofit/>
+          </a:bodyPr>
+          <a:lstStyle/>
+          <a:p>
+            <a:r>
+              <a:rPr lang="en-US" altLang="zh-CN" sz="1800" b="1" dirty="0" err="1">
+                <a:solidFill>
+                  <a:schemeClr val="bg2"/>
+                </a:solidFill>
+                <a:latin typeface="微软雅黑" pitchFamily="34" charset="-122"/>
+                <a:ea typeface="微软雅黑" pitchFamily="34" charset="-122"/>
+              </a:rPr>
+              <a:t>OGRMultiPoint</a:t>
+            </a:r>
+            <a:endParaRPr lang="zh-CN" altLang="en-US" sz="1800" b="1" dirty="0">
+              <a:solidFill>
+                <a:schemeClr val="bg2"/>
+              </a:solidFill>
+              <a:latin typeface="微软雅黑" pitchFamily="34" charset="-122"/>
+              <a:ea typeface="微软雅黑" pitchFamily="34" charset="-122"/>
+            </a:endParaRPr>
+          </a:p>
+        </p:txBody>
+      </p:sp>
+      <p:sp>
+        <p:nvSpPr>
+          <p:cNvPr id="15" name="矩形 14">
+            <a:extLst>
+              <a:ext uri="{FF2B5EF4-FFF2-40B4-BE49-F238E27FC236}">
+                <a16:creationId xmlns:a16="http://schemas.microsoft.com/office/drawing/2014/main" id="{4C216DDB-6F8E-2385-3662-79EC733041B7}"/>
+              </a:ext>
+            </a:extLst>
+          </p:cNvPr>
+          <p:cNvSpPr/>
+          <p:nvPr/>
+        </p:nvSpPr>
+        <p:spPr>
+          <a:xfrm>
+            <a:off x="2308669" y="6116401"/>
+            <a:ext cx="2263331" cy="587811"/>
+          </a:xfrm>
+          <a:prstGeom prst="rect">
+            <a:avLst/>
+          </a:prstGeom>
+          <a:solidFill>
+            <a:schemeClr val="tx2"/>
+          </a:solidFill>
+        </p:spPr>
+        <p:txBody>
+          <a:bodyPr wrap="square" lIns="0" rtlCol="0" anchor="ctr">
+            <a:noAutofit/>
+          </a:bodyPr>
+          <a:lstStyle/>
+          <a:p>
+            <a:r>
+              <a:rPr lang="en-US" altLang="zh-CN" sz="1800" b="1" dirty="0" err="1">
+                <a:solidFill>
+                  <a:schemeClr val="bg2"/>
+                </a:solidFill>
+                <a:latin typeface="微软雅黑" pitchFamily="34" charset="-122"/>
+                <a:ea typeface="微软雅黑" pitchFamily="34" charset="-122"/>
+              </a:rPr>
+              <a:t>OGRMultiPolygon</a:t>
+            </a:r>
+            <a:endParaRPr lang="zh-CN" altLang="en-US" sz="1800" b="1" dirty="0">
+              <a:solidFill>
+                <a:schemeClr val="bg2"/>
+              </a:solidFill>
+              <a:latin typeface="微软雅黑" pitchFamily="34" charset="-122"/>
+              <a:ea typeface="微软雅黑" pitchFamily="34" charset="-122"/>
+            </a:endParaRPr>
+          </a:p>
+        </p:txBody>
+      </p:sp>
+      <p:sp>
+        <p:nvSpPr>
+          <p:cNvPr id="16" name="矩形 15">
+            <a:extLst>
+              <a:ext uri="{FF2B5EF4-FFF2-40B4-BE49-F238E27FC236}">
+                <a16:creationId xmlns:a16="http://schemas.microsoft.com/office/drawing/2014/main" id="{5EE65CAC-C23C-86D0-DE32-DC6674D010E7}"/>
+              </a:ext>
+            </a:extLst>
+          </p:cNvPr>
+          <p:cNvSpPr/>
+          <p:nvPr/>
+        </p:nvSpPr>
+        <p:spPr>
+          <a:xfrm>
+            <a:off x="6691512" y="4966779"/>
+            <a:ext cx="2233593" cy="587811"/>
+          </a:xfrm>
+          <a:prstGeom prst="rect">
+            <a:avLst/>
+          </a:prstGeom>
+          <a:solidFill>
+            <a:schemeClr val="tx2"/>
+          </a:solidFill>
+        </p:spPr>
+        <p:txBody>
+          <a:bodyPr wrap="square" lIns="0" rtlCol="0" anchor="ctr">
+            <a:noAutofit/>
+          </a:bodyPr>
+          <a:lstStyle/>
+          <a:p>
+            <a:r>
+              <a:rPr lang="en-US" altLang="zh-CN" sz="1800" b="1" dirty="0" err="1">
+                <a:solidFill>
+                  <a:schemeClr val="bg2"/>
+                </a:solidFill>
+                <a:latin typeface="微软雅黑" pitchFamily="34" charset="-122"/>
+                <a:ea typeface="微软雅黑" pitchFamily="34" charset="-122"/>
+              </a:rPr>
+              <a:t>OGRPolygon</a:t>
+            </a:r>
+            <a:endParaRPr lang="zh-CN" altLang="en-US" sz="1800" b="1" dirty="0">
+              <a:solidFill>
+                <a:schemeClr val="bg2"/>
+              </a:solidFill>
+              <a:latin typeface="微软雅黑" pitchFamily="34" charset="-122"/>
+              <a:ea typeface="微软雅黑" pitchFamily="34" charset="-122"/>
+            </a:endParaRPr>
+          </a:p>
+        </p:txBody>
+      </p:sp>
+      <p:cxnSp>
+        <p:nvCxnSpPr>
+          <p:cNvPr id="18" name="直接箭头连接符 17">
+            <a:extLst>
+              <a:ext uri="{FF2B5EF4-FFF2-40B4-BE49-F238E27FC236}">
+                <a16:creationId xmlns:a16="http://schemas.microsoft.com/office/drawing/2014/main" id="{F35F750F-734C-46EC-3634-98BC7BCA2951}"/>
+              </a:ext>
+            </a:extLst>
+          </p:cNvPr>
+          <p:cNvCxnSpPr>
+            <a:cxnSpLocks/>
+            <a:stCxn id="8" idx="2"/>
+            <a:endCxn id="25" idx="0"/>
+          </p:cNvCxnSpPr>
+          <p:nvPr/>
+        </p:nvCxnSpPr>
+        <p:spPr bwMode="auto">
+          <a:xfrm>
+            <a:off x="3441352" y="4480993"/>
+            <a:ext cx="965" cy="191808"/>
+          </a:xfrm>
+          <a:prstGeom prst="straightConnector1">
+            <a:avLst/>
+          </a:prstGeom>
+          <a:ln w="28575">
+            <a:headEnd type="none" w="med" len="med"/>
+            <a:tailEnd type="triangle"/>
+          </a:ln>
+        </p:spPr>
+        <p:style>
+          <a:lnRef idx="1">
+            <a:schemeClr val="dk1"/>
+          </a:lnRef>
+          <a:fillRef idx="0">
+            <a:schemeClr val="dk1"/>
+          </a:fillRef>
+          <a:effectRef idx="0">
+            <a:schemeClr val="dk1"/>
+          </a:effectRef>
+          <a:fontRef idx="minor">
+            <a:schemeClr val="tx1"/>
+          </a:fontRef>
+        </p:style>
+      </p:cxnSp>
+      <p:cxnSp>
+        <p:nvCxnSpPr>
+          <p:cNvPr id="19" name="直接箭头连接符 18">
+            <a:extLst>
+              <a:ext uri="{FF2B5EF4-FFF2-40B4-BE49-F238E27FC236}">
+                <a16:creationId xmlns:a16="http://schemas.microsoft.com/office/drawing/2014/main" id="{98D45901-3A2E-22D8-A30E-FAA015736C47}"/>
+              </a:ext>
+            </a:extLst>
+          </p:cNvPr>
+          <p:cNvCxnSpPr>
+            <a:cxnSpLocks/>
+            <a:stCxn id="7" idx="2"/>
+            <a:endCxn id="11" idx="0"/>
+          </p:cNvCxnSpPr>
+          <p:nvPr/>
+        </p:nvCxnSpPr>
+        <p:spPr bwMode="auto">
+          <a:xfrm flipH="1">
+            <a:off x="1129890" y="4480993"/>
+            <a:ext cx="2" cy="295656"/>
+          </a:xfrm>
+          <a:prstGeom prst="straightConnector1">
+            <a:avLst/>
+          </a:prstGeom>
+          <a:ln w="28575">
+            <a:headEnd type="none" w="med" len="med"/>
+            <a:tailEnd type="triangle"/>
+          </a:ln>
+        </p:spPr>
+        <p:style>
+          <a:lnRef idx="1">
+            <a:schemeClr val="dk1"/>
+          </a:lnRef>
+          <a:fillRef idx="0">
+            <a:schemeClr val="dk1"/>
+          </a:fillRef>
+          <a:effectRef idx="0">
+            <a:schemeClr val="dk1"/>
+          </a:effectRef>
+          <a:fontRef idx="minor">
+            <a:schemeClr val="tx1"/>
+          </a:fontRef>
+        </p:style>
+      </p:cxnSp>
+      <p:cxnSp>
+        <p:nvCxnSpPr>
+          <p:cNvPr id="22" name="直接箭头连接符 21">
+            <a:extLst>
+              <a:ext uri="{FF2B5EF4-FFF2-40B4-BE49-F238E27FC236}">
+                <a16:creationId xmlns:a16="http://schemas.microsoft.com/office/drawing/2014/main" id="{34D05352-461D-90F2-1B3F-9E2405A2B7D6}"/>
+              </a:ext>
+            </a:extLst>
+          </p:cNvPr>
+          <p:cNvCxnSpPr>
+            <a:cxnSpLocks/>
+            <a:stCxn id="11" idx="2"/>
+            <a:endCxn id="12" idx="0"/>
+          </p:cNvCxnSpPr>
+          <p:nvPr/>
+        </p:nvCxnSpPr>
+        <p:spPr bwMode="auto">
+          <a:xfrm>
+            <a:off x="1129890" y="5364460"/>
+            <a:ext cx="0" cy="290191"/>
+          </a:xfrm>
+          <a:prstGeom prst="straightConnector1">
+            <a:avLst/>
+          </a:prstGeom>
+          <a:ln w="28575">
+            <a:headEnd type="none" w="med" len="med"/>
+            <a:tailEnd type="triangle"/>
+          </a:ln>
+        </p:spPr>
+        <p:style>
+          <a:lnRef idx="1">
+            <a:schemeClr val="dk1"/>
+          </a:lnRef>
+          <a:fillRef idx="0">
+            <a:schemeClr val="dk1"/>
+          </a:fillRef>
+          <a:effectRef idx="0">
+            <a:schemeClr val="dk1"/>
+          </a:effectRef>
+          <a:fontRef idx="minor">
+            <a:schemeClr val="tx1"/>
+          </a:fontRef>
+        </p:style>
+      </p:cxnSp>
+      <p:cxnSp>
+        <p:nvCxnSpPr>
+          <p:cNvPr id="32" name="直接箭头连接符 31">
+            <a:extLst>
+              <a:ext uri="{FF2B5EF4-FFF2-40B4-BE49-F238E27FC236}">
+                <a16:creationId xmlns:a16="http://schemas.microsoft.com/office/drawing/2014/main" id="{F5AC3C20-55F7-4202-DE5D-F801A01185C7}"/>
+              </a:ext>
+            </a:extLst>
+          </p:cNvPr>
+          <p:cNvCxnSpPr>
+            <a:cxnSpLocks/>
+            <a:stCxn id="10" idx="2"/>
+            <a:endCxn id="16" idx="0"/>
+          </p:cNvCxnSpPr>
+          <p:nvPr/>
+        </p:nvCxnSpPr>
+        <p:spPr bwMode="auto">
+          <a:xfrm flipH="1">
+            <a:off x="7808309" y="4480991"/>
+            <a:ext cx="1" cy="485788"/>
+          </a:xfrm>
+          <a:prstGeom prst="straightConnector1">
+            <a:avLst/>
+          </a:prstGeom>
+          <a:ln w="28575">
+            <a:headEnd type="none" w="med" len="med"/>
+            <a:tailEnd type="triangle"/>
+          </a:ln>
+        </p:spPr>
+        <p:style>
+          <a:lnRef idx="1">
+            <a:schemeClr val="dk1"/>
+          </a:lnRef>
+          <a:fillRef idx="0">
+            <a:schemeClr val="dk1"/>
+          </a:fillRef>
+          <a:effectRef idx="0">
+            <a:schemeClr val="dk1"/>
+          </a:effectRef>
+          <a:fontRef idx="minor">
+            <a:schemeClr val="tx1"/>
+          </a:fontRef>
+        </p:style>
+      </p:cxnSp>
+      <p:cxnSp>
+        <p:nvCxnSpPr>
+          <p:cNvPr id="37" name="连接符: 肘形 36">
+            <a:extLst>
+              <a:ext uri="{FF2B5EF4-FFF2-40B4-BE49-F238E27FC236}">
+                <a16:creationId xmlns:a16="http://schemas.microsoft.com/office/drawing/2014/main" id="{F60F520E-3ABE-1469-9F96-87890D664338}"/>
+              </a:ext>
+            </a:extLst>
+          </p:cNvPr>
+          <p:cNvCxnSpPr>
+            <a:cxnSpLocks/>
+            <a:stCxn id="6" idx="2"/>
+            <a:endCxn id="7" idx="0"/>
+          </p:cNvCxnSpPr>
+          <p:nvPr/>
+        </p:nvCxnSpPr>
+        <p:spPr bwMode="auto">
+          <a:xfrm rot="5400000">
+            <a:off x="2579848" y="2033358"/>
+            <a:ext cx="409869" cy="3309779"/>
+          </a:xfrm>
+          <a:prstGeom prst="bentConnector3">
+            <a:avLst/>
+          </a:prstGeom>
+          <a:ln w="28575">
+            <a:headEnd type="none" w="med" len="med"/>
+            <a:tailEnd type="triangle"/>
+          </a:ln>
+        </p:spPr>
+        <p:style>
+          <a:lnRef idx="1">
+            <a:schemeClr val="dk1"/>
+          </a:lnRef>
+          <a:fillRef idx="0">
+            <a:schemeClr val="dk1"/>
+          </a:fillRef>
+          <a:effectRef idx="0">
+            <a:schemeClr val="dk1"/>
+          </a:effectRef>
+          <a:fontRef idx="minor">
+            <a:schemeClr val="tx1"/>
+          </a:fontRef>
+        </p:style>
+      </p:cxnSp>
+      <p:cxnSp>
+        <p:nvCxnSpPr>
+          <p:cNvPr id="41" name="连接符: 肘形 40">
+            <a:extLst>
+              <a:ext uri="{FF2B5EF4-FFF2-40B4-BE49-F238E27FC236}">
+                <a16:creationId xmlns:a16="http://schemas.microsoft.com/office/drawing/2014/main" id="{C4756926-1098-426F-84C3-689A7AA6F506}"/>
+              </a:ext>
+            </a:extLst>
+          </p:cNvPr>
+          <p:cNvCxnSpPr>
+            <a:cxnSpLocks/>
+            <a:stCxn id="6" idx="2"/>
+            <a:endCxn id="10" idx="0"/>
+          </p:cNvCxnSpPr>
+          <p:nvPr/>
+        </p:nvCxnSpPr>
+        <p:spPr bwMode="auto">
+          <a:xfrm rot="16200000" flipH="1">
+            <a:off x="5919057" y="2003926"/>
+            <a:ext cx="409867" cy="3368639"/>
+          </a:xfrm>
+          <a:prstGeom prst="bentConnector3">
+            <a:avLst>
+              <a:gd name="adj1" fmla="val 50000"/>
+            </a:avLst>
+          </a:prstGeom>
+          <a:ln w="28575">
+            <a:headEnd type="none" w="med" len="med"/>
+            <a:tailEnd type="triangle"/>
+          </a:ln>
+        </p:spPr>
+        <p:style>
+          <a:lnRef idx="1">
+            <a:schemeClr val="dk1"/>
+          </a:lnRef>
+          <a:fillRef idx="0">
+            <a:schemeClr val="dk1"/>
+          </a:fillRef>
+          <a:effectRef idx="0">
+            <a:schemeClr val="dk1"/>
+          </a:effectRef>
+          <a:fontRef idx="minor">
+            <a:schemeClr val="tx1"/>
+          </a:fontRef>
+        </p:style>
+      </p:cxnSp>
+      <p:cxnSp>
+        <p:nvCxnSpPr>
+          <p:cNvPr id="44" name="连接符: 肘形 43">
+            <a:extLst>
+              <a:ext uri="{FF2B5EF4-FFF2-40B4-BE49-F238E27FC236}">
+                <a16:creationId xmlns:a16="http://schemas.microsoft.com/office/drawing/2014/main" id="{414E75DC-0C30-E874-D461-6634FBDB7F43}"/>
+              </a:ext>
+            </a:extLst>
+          </p:cNvPr>
+          <p:cNvCxnSpPr>
+            <a:cxnSpLocks/>
+            <a:stCxn id="6" idx="2"/>
+            <a:endCxn id="8" idx="0"/>
+          </p:cNvCxnSpPr>
+          <p:nvPr/>
+        </p:nvCxnSpPr>
+        <p:spPr bwMode="auto">
+          <a:xfrm rot="5400000">
+            <a:off x="3735578" y="3189088"/>
+            <a:ext cx="409869" cy="998319"/>
+          </a:xfrm>
+          <a:prstGeom prst="bentConnector3">
+            <a:avLst>
+              <a:gd name="adj1" fmla="val 50000"/>
+            </a:avLst>
+          </a:prstGeom>
+          <a:ln w="28575">
+            <a:headEnd type="none" w="med" len="med"/>
+            <a:tailEnd type="triangle"/>
+          </a:ln>
+        </p:spPr>
+        <p:style>
+          <a:lnRef idx="1">
+            <a:schemeClr val="dk1"/>
+          </a:lnRef>
+          <a:fillRef idx="0">
+            <a:schemeClr val="dk1"/>
+          </a:fillRef>
+          <a:effectRef idx="0">
+            <a:schemeClr val="dk1"/>
+          </a:effectRef>
+          <a:fontRef idx="minor">
+            <a:schemeClr val="tx1"/>
+          </a:fontRef>
+        </p:style>
+      </p:cxnSp>
+      <p:cxnSp>
+        <p:nvCxnSpPr>
+          <p:cNvPr id="47" name="连接符: 肘形 46">
+            <a:extLst>
+              <a:ext uri="{FF2B5EF4-FFF2-40B4-BE49-F238E27FC236}">
+                <a16:creationId xmlns:a16="http://schemas.microsoft.com/office/drawing/2014/main" id="{8ACA2153-C8D3-41F2-DEAD-B877E8CF4DF7}"/>
+              </a:ext>
+            </a:extLst>
+          </p:cNvPr>
+          <p:cNvCxnSpPr>
+            <a:cxnSpLocks/>
+            <a:stCxn id="6" idx="2"/>
+            <a:endCxn id="9" idx="0"/>
+          </p:cNvCxnSpPr>
+          <p:nvPr/>
+        </p:nvCxnSpPr>
+        <p:spPr bwMode="auto">
+          <a:xfrm rot="16200000" flipH="1">
+            <a:off x="4817136" y="3105847"/>
+            <a:ext cx="409866" cy="1164797"/>
+          </a:xfrm>
+          <a:prstGeom prst="bentConnector3">
+            <a:avLst>
+              <a:gd name="adj1" fmla="val 50000"/>
+            </a:avLst>
+          </a:prstGeom>
+          <a:ln w="28575">
+            <a:headEnd type="none" w="med" len="med"/>
+            <a:tailEnd type="triangle"/>
+          </a:ln>
+        </p:spPr>
+        <p:style>
+          <a:lnRef idx="1">
+            <a:schemeClr val="dk1"/>
+          </a:lnRef>
+          <a:fillRef idx="0">
+            <a:schemeClr val="dk1"/>
+          </a:fillRef>
+          <a:effectRef idx="0">
+            <a:schemeClr val="dk1"/>
+          </a:effectRef>
+          <a:fontRef idx="minor">
+            <a:schemeClr val="tx1"/>
+          </a:fontRef>
+        </p:style>
+      </p:cxnSp>
+    </p:spTree>
+    <p:extLst>
+      <p:ext uri="{BB962C8B-B14F-4D97-AF65-F5344CB8AC3E}">
+        <p14:creationId xmlns:p14="http://schemas.microsoft.com/office/powerpoint/2010/main" val="1257571355"/>
+      </p:ext>
+    </p:extLst>
+  </p:cSld>
+  <p:clrMapOvr>
+    <a:masterClrMapping/>
+  </p:clrMapOvr>
+  <p:transition>
+    <p:fade/>
+  </p:transition>
+</p:sld>
+</file>
+
+<file path=ppt/slides/slide12.xml><?xml version="1.0" encoding="utf-8"?>
+<p:sld xmlns:a="http://schemas.openxmlformats.org/drawingml/2006/main" xmlns:r="http://schemas.openxmlformats.org/officeDocument/2006/relationships" xmlns:p="http://schemas.openxmlformats.org/presentationml/2006/main">
+  <p:cSld>
+    <p:spTree>
+      <p:nvGrpSpPr>
+        <p:cNvPr id="1" name=""/>
+        <p:cNvGrpSpPr/>
+        <p:nvPr/>
+      </p:nvGrpSpPr>
+      <p:grpSpPr>
+        <a:xfrm>
+          <a:off x="0" y="0"/>
+          <a:ext cx="0" cy="0"/>
+          <a:chOff x="0" y="0"/>
+          <a:chExt cx="0" cy="0"/>
+        </a:xfrm>
+      </p:grpSpPr>
+      <p:sp>
+        <p:nvSpPr>
+          <p:cNvPr id="3" name="标题 2"/>
+          <p:cNvSpPr>
+            <a:spLocks noGrp="1"/>
+          </p:cNvSpPr>
+          <p:nvPr>
+            <p:ph type="title"/>
+          </p:nvPr>
+        </p:nvSpPr>
+        <p:spPr>
+          <a:xfrm>
+            <a:off x="0" y="8526"/>
+            <a:ext cx="9013371" cy="792162"/>
+          </a:xfrm>
+        </p:spPr>
+        <p:txBody>
+          <a:bodyPr/>
+          <a:lstStyle/>
+          <a:p>
+            <a:r>
+              <a:rPr lang="zh-CN" altLang="en-US" dirty="0">
+                <a:latin typeface="+mn-ea"/>
+              </a:rPr>
+              <a:t>一</a:t>
+            </a:r>
+            <a:r>
+              <a:rPr lang="en-US" altLang="zh-CN" dirty="0">
+                <a:latin typeface="+mn-ea"/>
+              </a:rPr>
+              <a:t>. </a:t>
+            </a:r>
+            <a:r>
+              <a:rPr lang="zh-CN" altLang="en-US" sz="3600" b="1" dirty="0">
+                <a:latin typeface="微软雅黑" pitchFamily="34" charset="-122"/>
+                <a:ea typeface="微软雅黑" pitchFamily="34" charset="-122"/>
+              </a:rPr>
+              <a:t>开源</a:t>
+            </a:r>
+            <a:r>
+              <a:rPr lang="en-US" altLang="zh-CN" sz="3600" b="1" dirty="0">
+                <a:latin typeface="微软雅黑" pitchFamily="34" charset="-122"/>
+                <a:ea typeface="微软雅黑" pitchFamily="34" charset="-122"/>
+              </a:rPr>
+              <a:t>Linux</a:t>
+            </a:r>
+            <a:r>
+              <a:rPr lang="zh-CN" altLang="en-US" sz="3600" b="1" dirty="0">
+                <a:latin typeface="微软雅黑" pitchFamily="34" charset="-122"/>
+                <a:ea typeface="微软雅黑" pitchFamily="34" charset="-122"/>
+              </a:rPr>
+              <a:t>操作系统</a:t>
+            </a:r>
+            <a:r>
+              <a:rPr lang="zh-CN" altLang="en-US" dirty="0">
+                <a:latin typeface="微软雅黑" pitchFamily="34" charset="-122"/>
+                <a:ea typeface="微软雅黑" pitchFamily="34" charset="-122"/>
+              </a:rPr>
+              <a:t>简介</a:t>
+            </a:r>
+            <a:endParaRPr lang="zh-CN" altLang="en-US" dirty="0"/>
+          </a:p>
+        </p:txBody>
+      </p:sp>
+      <p:sp>
+        <p:nvSpPr>
+          <p:cNvPr id="2" name="TextBox 1">
+            <a:extLst>
+              <a:ext uri="{FF2B5EF4-FFF2-40B4-BE49-F238E27FC236}">
+                <a16:creationId xmlns:a16="http://schemas.microsoft.com/office/drawing/2014/main" id="{631AADB6-C88A-D817-4683-FC087E4E240F}"/>
+              </a:ext>
+            </a:extLst>
+          </p:cNvPr>
+          <p:cNvSpPr txBox="1"/>
+          <p:nvPr/>
+        </p:nvSpPr>
+        <p:spPr>
+          <a:xfrm>
+            <a:off x="317665" y="846748"/>
+            <a:ext cx="8508670" cy="662489"/>
+          </a:xfrm>
+          <a:prstGeom prst="rect">
+            <a:avLst/>
+          </a:prstGeom>
+          <a:noFill/>
+        </p:spPr>
+        <p:txBody>
+          <a:bodyPr wrap="square" rtlCol="0">
+            <a:spAutoFit/>
+          </a:bodyPr>
+          <a:lstStyle/>
+          <a:p>
+            <a:pPr algn="just">
+              <a:lnSpc>
+                <a:spcPct val="150000"/>
+              </a:lnSpc>
+            </a:pPr>
+            <a:r>
+              <a:rPr lang="en-US" altLang="zh-CN" sz="2800" b="1" dirty="0">
+                <a:solidFill>
+                  <a:srgbClr val="333333"/>
+                </a:solidFill>
+                <a:latin typeface="+mn-ea"/>
+                <a:ea typeface="+mn-ea"/>
+              </a:rPr>
+              <a:t>1</a:t>
+            </a:r>
+            <a:r>
+              <a:rPr lang="zh-CN" altLang="en-US" sz="2800" b="1" dirty="0">
+                <a:solidFill>
+                  <a:srgbClr val="333333"/>
+                </a:solidFill>
+                <a:latin typeface="+mn-ea"/>
+                <a:ea typeface="+mn-ea"/>
+              </a:rPr>
+              <a:t>、</a:t>
+            </a:r>
+            <a:r>
+              <a:rPr lang="en-US" altLang="zh-CN" sz="2800" b="1" dirty="0" err="1">
+                <a:solidFill>
+                  <a:srgbClr val="333333"/>
+                </a:solidFill>
+                <a:latin typeface="+mn-ea"/>
+                <a:ea typeface="+mn-ea"/>
+              </a:rPr>
+              <a:t>ogr</a:t>
+            </a:r>
+            <a:r>
+              <a:rPr lang="zh-CN" altLang="en-US" sz="2800" b="1" dirty="0">
+                <a:solidFill>
+                  <a:srgbClr val="333333"/>
+                </a:solidFill>
+                <a:latin typeface="+mn-ea"/>
+                <a:ea typeface="+mn-ea"/>
+              </a:rPr>
+              <a:t>体系结构</a:t>
+            </a:r>
+            <a:endParaRPr lang="en-US" altLang="zh-CN" sz="2800" b="1" dirty="0">
+              <a:solidFill>
+                <a:srgbClr val="333333"/>
+              </a:solidFill>
+              <a:latin typeface="+mn-ea"/>
+              <a:ea typeface="+mn-ea"/>
+            </a:endParaRPr>
+          </a:p>
+        </p:txBody>
+      </p:sp>
+      <p:sp>
+        <p:nvSpPr>
+          <p:cNvPr id="5" name="TextBox 4">
+            <a:extLst>
+              <a:ext uri="{FF2B5EF4-FFF2-40B4-BE49-F238E27FC236}">
+                <a16:creationId xmlns:a16="http://schemas.microsoft.com/office/drawing/2014/main" id="{78502774-B04C-634F-1396-E5815996BC36}"/>
+              </a:ext>
+            </a:extLst>
+          </p:cNvPr>
+          <p:cNvSpPr txBox="1"/>
+          <p:nvPr/>
+        </p:nvSpPr>
+        <p:spPr>
+          <a:xfrm>
+            <a:off x="561109" y="1522005"/>
+            <a:ext cx="8021782" cy="693460"/>
+          </a:xfrm>
+          <a:prstGeom prst="rect">
+            <a:avLst/>
+          </a:prstGeom>
+          <a:noFill/>
+        </p:spPr>
+        <p:txBody>
+          <a:bodyPr wrap="square">
+            <a:spAutoFit/>
+          </a:bodyPr>
+          <a:lstStyle/>
+          <a:p>
+            <a:pPr algn="just">
+              <a:lnSpc>
+                <a:spcPct val="200000"/>
+              </a:lnSpc>
+            </a:pPr>
+            <a:r>
+              <a:rPr lang="zh-CN" altLang="en-US" sz="2300" dirty="0">
+                <a:solidFill>
+                  <a:srgbClr val="151515"/>
+                </a:solidFill>
+                <a:latin typeface="+mn-ea"/>
+                <a:ea typeface="+mn-ea"/>
+              </a:rPr>
+              <a:t>数据读取流程：</a:t>
+            </a:r>
+          </a:p>
+        </p:txBody>
+      </p:sp>
+      <p:sp>
+        <p:nvSpPr>
+          <p:cNvPr id="4" name="矩形 3">
+            <a:extLst>
+              <a:ext uri="{FF2B5EF4-FFF2-40B4-BE49-F238E27FC236}">
+                <a16:creationId xmlns:a16="http://schemas.microsoft.com/office/drawing/2014/main" id="{D1F750A9-C70A-8B83-DC72-043D5C6B3C46}"/>
+              </a:ext>
+            </a:extLst>
+          </p:cNvPr>
+          <p:cNvSpPr/>
+          <p:nvPr/>
+        </p:nvSpPr>
+        <p:spPr>
+          <a:xfrm>
+            <a:off x="1816744" y="2414869"/>
+            <a:ext cx="2452914" cy="858269"/>
+          </a:xfrm>
+          <a:prstGeom prst="rect">
+            <a:avLst/>
+          </a:prstGeom>
+          <a:noFill/>
+          <a:ln w="28575">
+            <a:solidFill>
+              <a:schemeClr val="bg2"/>
+            </a:solidFill>
+          </a:ln>
+        </p:spPr>
+        <p:txBody>
+          <a:bodyPr wrap="square" lIns="0" rtlCol="0" anchor="ctr">
+            <a:noAutofit/>
+          </a:bodyPr>
+          <a:lstStyle/>
+          <a:p>
+            <a:r>
+              <a:rPr lang="zh-CN" altLang="en-US" b="1" dirty="0">
+                <a:solidFill>
+                  <a:srgbClr val="FF0000"/>
+                </a:solidFill>
+                <a:latin typeface="微软雅黑" pitchFamily="34" charset="-122"/>
+                <a:ea typeface="微软雅黑" pitchFamily="34" charset="-122"/>
+              </a:rPr>
+              <a:t>注册驱动</a:t>
+            </a:r>
+          </a:p>
+        </p:txBody>
+      </p:sp>
+      <p:sp>
+        <p:nvSpPr>
+          <p:cNvPr id="6" name="矩形 5">
+            <a:extLst>
+              <a:ext uri="{FF2B5EF4-FFF2-40B4-BE49-F238E27FC236}">
+                <a16:creationId xmlns:a16="http://schemas.microsoft.com/office/drawing/2014/main" id="{85BE607E-94A1-E093-DA74-D8D0FB53187E}"/>
+              </a:ext>
+            </a:extLst>
+          </p:cNvPr>
+          <p:cNvSpPr/>
+          <p:nvPr/>
+        </p:nvSpPr>
+        <p:spPr>
+          <a:xfrm>
+            <a:off x="1816744" y="3787038"/>
+            <a:ext cx="2452914" cy="858269"/>
+          </a:xfrm>
+          <a:prstGeom prst="rect">
+            <a:avLst/>
+          </a:prstGeom>
+          <a:noFill/>
+          <a:ln w="28575">
+            <a:solidFill>
+              <a:schemeClr val="bg2"/>
+            </a:solidFill>
+          </a:ln>
+        </p:spPr>
+        <p:txBody>
+          <a:bodyPr wrap="square" lIns="0" rtlCol="0" anchor="ctr">
+            <a:noAutofit/>
+          </a:bodyPr>
+          <a:lstStyle/>
+          <a:p>
+            <a:r>
+              <a:rPr lang="zh-CN" altLang="en-US" b="1" dirty="0">
+                <a:solidFill>
+                  <a:srgbClr val="FF0000"/>
+                </a:solidFill>
+                <a:latin typeface="微软雅黑" pitchFamily="34" charset="-122"/>
+                <a:ea typeface="微软雅黑" pitchFamily="34" charset="-122"/>
+              </a:rPr>
+              <a:t>打开数据集</a:t>
+            </a:r>
+          </a:p>
+        </p:txBody>
+      </p:sp>
+      <p:sp>
+        <p:nvSpPr>
+          <p:cNvPr id="7" name="矩形 6">
+            <a:extLst>
+              <a:ext uri="{FF2B5EF4-FFF2-40B4-BE49-F238E27FC236}">
+                <a16:creationId xmlns:a16="http://schemas.microsoft.com/office/drawing/2014/main" id="{6D30944B-8680-6208-8F5F-1C57E55E51CA}"/>
+              </a:ext>
+            </a:extLst>
+          </p:cNvPr>
+          <p:cNvSpPr/>
+          <p:nvPr/>
+        </p:nvSpPr>
+        <p:spPr>
+          <a:xfrm>
+            <a:off x="1816744" y="5232817"/>
+            <a:ext cx="2452914" cy="858269"/>
+          </a:xfrm>
+          <a:prstGeom prst="rect">
+            <a:avLst/>
+          </a:prstGeom>
+          <a:noFill/>
+          <a:ln w="28575">
+            <a:solidFill>
+              <a:schemeClr val="bg2"/>
+            </a:solidFill>
+          </a:ln>
+        </p:spPr>
+        <p:txBody>
+          <a:bodyPr wrap="square" lIns="0" rtlCol="0" anchor="ctr">
+            <a:noAutofit/>
+          </a:bodyPr>
+          <a:lstStyle/>
+          <a:p>
+            <a:r>
+              <a:rPr lang="zh-CN" altLang="en-US" b="1" dirty="0">
+                <a:solidFill>
+                  <a:srgbClr val="FF0000"/>
+                </a:solidFill>
+                <a:latin typeface="微软雅黑" pitchFamily="34" charset="-122"/>
+                <a:ea typeface="微软雅黑" pitchFamily="34" charset="-122"/>
+              </a:rPr>
+              <a:t>打开图层</a:t>
+            </a:r>
+          </a:p>
+        </p:txBody>
+      </p:sp>
+      <p:sp>
+        <p:nvSpPr>
+          <p:cNvPr id="8" name="矩形 7">
+            <a:extLst>
+              <a:ext uri="{FF2B5EF4-FFF2-40B4-BE49-F238E27FC236}">
+                <a16:creationId xmlns:a16="http://schemas.microsoft.com/office/drawing/2014/main" id="{97FDE4DA-95A9-718A-FA8C-A572F428DC8C}"/>
+              </a:ext>
+            </a:extLst>
+          </p:cNvPr>
+          <p:cNvSpPr/>
+          <p:nvPr/>
+        </p:nvSpPr>
+        <p:spPr>
+          <a:xfrm>
+            <a:off x="5044885" y="2414869"/>
+            <a:ext cx="2452914" cy="858269"/>
+          </a:xfrm>
+          <a:prstGeom prst="rect">
+            <a:avLst/>
+          </a:prstGeom>
+          <a:noFill/>
+          <a:ln w="28575">
+            <a:solidFill>
+              <a:schemeClr val="bg2"/>
+            </a:solidFill>
+          </a:ln>
+        </p:spPr>
+        <p:txBody>
+          <a:bodyPr wrap="square" lIns="0" rtlCol="0" anchor="ctr">
+            <a:noAutofit/>
+          </a:bodyPr>
+          <a:lstStyle/>
+          <a:p>
+            <a:r>
+              <a:rPr lang="zh-CN" altLang="en-US" b="1" dirty="0">
+                <a:solidFill>
+                  <a:srgbClr val="FF0000"/>
+                </a:solidFill>
+                <a:latin typeface="微软雅黑" pitchFamily="34" charset="-122"/>
+                <a:ea typeface="微软雅黑" pitchFamily="34" charset="-122"/>
+              </a:rPr>
+              <a:t>获取要素定义</a:t>
+            </a:r>
+          </a:p>
+        </p:txBody>
+      </p:sp>
+      <p:sp>
+        <p:nvSpPr>
+          <p:cNvPr id="9" name="矩形 8">
+            <a:extLst>
+              <a:ext uri="{FF2B5EF4-FFF2-40B4-BE49-F238E27FC236}">
+                <a16:creationId xmlns:a16="http://schemas.microsoft.com/office/drawing/2014/main" id="{90A28092-BB0F-2EE7-FB40-F241177B1DC1}"/>
+              </a:ext>
+            </a:extLst>
+          </p:cNvPr>
+          <p:cNvSpPr/>
+          <p:nvPr/>
+        </p:nvSpPr>
+        <p:spPr>
+          <a:xfrm>
+            <a:off x="5044885" y="3787038"/>
+            <a:ext cx="2452914" cy="858269"/>
+          </a:xfrm>
+          <a:prstGeom prst="rect">
+            <a:avLst/>
+          </a:prstGeom>
+          <a:noFill/>
+          <a:ln w="28575">
+            <a:solidFill>
+              <a:schemeClr val="bg2"/>
+            </a:solidFill>
+          </a:ln>
+        </p:spPr>
+        <p:txBody>
+          <a:bodyPr wrap="square" lIns="0" rtlCol="0" anchor="ctr">
+            <a:noAutofit/>
+          </a:bodyPr>
+          <a:lstStyle/>
+          <a:p>
+            <a:r>
+              <a:rPr lang="zh-CN" altLang="en-US" b="1" dirty="0">
+                <a:solidFill>
+                  <a:srgbClr val="FF0000"/>
+                </a:solidFill>
+                <a:latin typeface="微软雅黑" pitchFamily="34" charset="-122"/>
+                <a:ea typeface="微软雅黑" pitchFamily="34" charset="-122"/>
+              </a:rPr>
+              <a:t>遍历要素</a:t>
+            </a:r>
+          </a:p>
+        </p:txBody>
+      </p:sp>
+      <p:sp>
+        <p:nvSpPr>
+          <p:cNvPr id="10" name="矩形 9">
+            <a:extLst>
+              <a:ext uri="{FF2B5EF4-FFF2-40B4-BE49-F238E27FC236}">
+                <a16:creationId xmlns:a16="http://schemas.microsoft.com/office/drawing/2014/main" id="{E9B5F08D-C366-E9E1-C8B9-677FB210B9C4}"/>
+              </a:ext>
+            </a:extLst>
+          </p:cNvPr>
+          <p:cNvSpPr/>
+          <p:nvPr/>
+        </p:nvSpPr>
+        <p:spPr>
+          <a:xfrm>
+            <a:off x="5044885" y="5232817"/>
+            <a:ext cx="2452914" cy="858269"/>
+          </a:xfrm>
+          <a:prstGeom prst="rect">
+            <a:avLst/>
+          </a:prstGeom>
+          <a:noFill/>
+          <a:ln w="28575">
+            <a:solidFill>
+              <a:schemeClr val="bg2"/>
+            </a:solidFill>
+          </a:ln>
+        </p:spPr>
+        <p:txBody>
+          <a:bodyPr wrap="square" lIns="0" rtlCol="0" anchor="ctr">
+            <a:noAutofit/>
+          </a:bodyPr>
+          <a:lstStyle/>
+          <a:p>
+            <a:r>
+              <a:rPr lang="zh-CN" altLang="en-US" b="1" dirty="0">
+                <a:solidFill>
+                  <a:srgbClr val="FF0000"/>
+                </a:solidFill>
+                <a:latin typeface="微软雅黑" pitchFamily="34" charset="-122"/>
+                <a:ea typeface="微软雅黑" pitchFamily="34" charset="-122"/>
+              </a:rPr>
+              <a:t>获取几何和属性信息</a:t>
+            </a:r>
+          </a:p>
+        </p:txBody>
+      </p:sp>
+      <p:cxnSp>
+        <p:nvCxnSpPr>
+          <p:cNvPr id="12" name="直接箭头连接符 11">
+            <a:extLst>
+              <a:ext uri="{FF2B5EF4-FFF2-40B4-BE49-F238E27FC236}">
+                <a16:creationId xmlns:a16="http://schemas.microsoft.com/office/drawing/2014/main" id="{EBCD2B2D-744C-31EF-F7D4-59903193479A}"/>
+              </a:ext>
+            </a:extLst>
+          </p:cNvPr>
+          <p:cNvCxnSpPr>
+            <a:cxnSpLocks/>
+            <a:stCxn id="4" idx="2"/>
+            <a:endCxn id="6" idx="0"/>
+          </p:cNvCxnSpPr>
+          <p:nvPr/>
+        </p:nvCxnSpPr>
+        <p:spPr bwMode="auto">
+          <a:xfrm>
+            <a:off x="3043201" y="3273138"/>
+            <a:ext cx="0" cy="513900"/>
+          </a:xfrm>
+          <a:prstGeom prst="straightConnector1">
+            <a:avLst/>
+          </a:prstGeom>
+          <a:ln w="28575">
+            <a:headEnd type="none" w="med" len="med"/>
+            <a:tailEnd type="triangle"/>
+          </a:ln>
+        </p:spPr>
+        <p:style>
+          <a:lnRef idx="1">
+            <a:schemeClr val="dk1"/>
+          </a:lnRef>
+          <a:fillRef idx="0">
+            <a:schemeClr val="dk1"/>
+          </a:fillRef>
+          <a:effectRef idx="0">
+            <a:schemeClr val="dk1"/>
+          </a:effectRef>
+          <a:fontRef idx="minor">
+            <a:schemeClr val="tx1"/>
+          </a:fontRef>
+        </p:style>
+      </p:cxnSp>
+      <p:cxnSp>
+        <p:nvCxnSpPr>
+          <p:cNvPr id="14" name="直接箭头连接符 13">
+            <a:extLst>
+              <a:ext uri="{FF2B5EF4-FFF2-40B4-BE49-F238E27FC236}">
+                <a16:creationId xmlns:a16="http://schemas.microsoft.com/office/drawing/2014/main" id="{C16A2EFE-4C34-925F-493E-06C7F878D490}"/>
+              </a:ext>
+            </a:extLst>
+          </p:cNvPr>
+          <p:cNvCxnSpPr>
+            <a:cxnSpLocks/>
+            <a:stCxn id="6" idx="2"/>
+            <a:endCxn id="7" idx="0"/>
+          </p:cNvCxnSpPr>
+          <p:nvPr/>
+        </p:nvCxnSpPr>
+        <p:spPr bwMode="auto">
+          <a:xfrm>
+            <a:off x="3043201" y="4645307"/>
+            <a:ext cx="0" cy="587510"/>
+          </a:xfrm>
+          <a:prstGeom prst="straightConnector1">
+            <a:avLst/>
+          </a:prstGeom>
+          <a:ln w="28575">
+            <a:headEnd type="none" w="med" len="med"/>
+            <a:tailEnd type="triangle"/>
+          </a:ln>
+        </p:spPr>
+        <p:style>
+          <a:lnRef idx="1">
+            <a:schemeClr val="dk1"/>
+          </a:lnRef>
+          <a:fillRef idx="0">
+            <a:schemeClr val="dk1"/>
+          </a:fillRef>
+          <a:effectRef idx="0">
+            <a:schemeClr val="dk1"/>
+          </a:effectRef>
+          <a:fontRef idx="minor">
+            <a:schemeClr val="tx1"/>
+          </a:fontRef>
+        </p:style>
+      </p:cxnSp>
+      <p:cxnSp>
+        <p:nvCxnSpPr>
+          <p:cNvPr id="18" name="连接符: 肘形 17">
+            <a:extLst>
+              <a:ext uri="{FF2B5EF4-FFF2-40B4-BE49-F238E27FC236}">
+                <a16:creationId xmlns:a16="http://schemas.microsoft.com/office/drawing/2014/main" id="{F65EE2A2-A8CC-8ACF-F477-DBBDC6F55DD7}"/>
+              </a:ext>
+            </a:extLst>
+          </p:cNvPr>
+          <p:cNvCxnSpPr>
+            <a:cxnSpLocks/>
+            <a:stCxn id="7" idx="3"/>
+            <a:endCxn id="8" idx="1"/>
+          </p:cNvCxnSpPr>
+          <p:nvPr/>
+        </p:nvCxnSpPr>
+        <p:spPr bwMode="auto">
+          <a:xfrm flipV="1">
+            <a:off x="4269658" y="2844004"/>
+            <a:ext cx="775227" cy="2817948"/>
+          </a:xfrm>
+          <a:prstGeom prst="bentConnector3">
+            <a:avLst/>
+          </a:prstGeom>
+          <a:ln w="19050">
+            <a:headEnd type="none" w="med" len="med"/>
+            <a:tailEnd type="triangle"/>
+          </a:ln>
+        </p:spPr>
+        <p:style>
+          <a:lnRef idx="1">
+            <a:schemeClr val="dk1"/>
+          </a:lnRef>
+          <a:fillRef idx="0">
+            <a:schemeClr val="dk1"/>
+          </a:fillRef>
+          <a:effectRef idx="0">
+            <a:schemeClr val="dk1"/>
+          </a:effectRef>
+          <a:fontRef idx="minor">
+            <a:schemeClr val="tx1"/>
+          </a:fontRef>
+        </p:style>
+      </p:cxnSp>
+      <p:cxnSp>
+        <p:nvCxnSpPr>
+          <p:cNvPr id="20" name="直接箭头连接符 19">
+            <a:extLst>
+              <a:ext uri="{FF2B5EF4-FFF2-40B4-BE49-F238E27FC236}">
+                <a16:creationId xmlns:a16="http://schemas.microsoft.com/office/drawing/2014/main" id="{A66C3C6C-14E9-F27F-33A4-703F8166EC8A}"/>
+              </a:ext>
+            </a:extLst>
+          </p:cNvPr>
+          <p:cNvCxnSpPr>
+            <a:cxnSpLocks/>
+            <a:stCxn id="8" idx="2"/>
+            <a:endCxn id="9" idx="0"/>
+          </p:cNvCxnSpPr>
+          <p:nvPr/>
+        </p:nvCxnSpPr>
+        <p:spPr bwMode="auto">
+          <a:xfrm>
+            <a:off x="6271342" y="3273138"/>
+            <a:ext cx="0" cy="513900"/>
+          </a:xfrm>
+          <a:prstGeom prst="straightConnector1">
+            <a:avLst/>
+          </a:prstGeom>
+          <a:ln w="28575">
+            <a:headEnd type="none" w="med" len="med"/>
+            <a:tailEnd type="triangle"/>
+          </a:ln>
+        </p:spPr>
+        <p:style>
+          <a:lnRef idx="1">
+            <a:schemeClr val="dk1"/>
+          </a:lnRef>
+          <a:fillRef idx="0">
+            <a:schemeClr val="dk1"/>
+          </a:fillRef>
+          <a:effectRef idx="0">
+            <a:schemeClr val="dk1"/>
+          </a:effectRef>
+          <a:fontRef idx="minor">
+            <a:schemeClr val="tx1"/>
+          </a:fontRef>
+        </p:style>
+      </p:cxnSp>
+      <p:cxnSp>
+        <p:nvCxnSpPr>
+          <p:cNvPr id="23" name="直接箭头连接符 22">
+            <a:extLst>
+              <a:ext uri="{FF2B5EF4-FFF2-40B4-BE49-F238E27FC236}">
+                <a16:creationId xmlns:a16="http://schemas.microsoft.com/office/drawing/2014/main" id="{AF86FD19-D4AD-A9C2-E880-E27009B55ED1}"/>
+              </a:ext>
+            </a:extLst>
+          </p:cNvPr>
+          <p:cNvCxnSpPr>
+            <a:cxnSpLocks/>
+            <a:stCxn id="9" idx="2"/>
+            <a:endCxn id="10" idx="0"/>
+          </p:cNvCxnSpPr>
+          <p:nvPr/>
+        </p:nvCxnSpPr>
+        <p:spPr bwMode="auto">
+          <a:xfrm>
+            <a:off x="6271342" y="4645307"/>
+            <a:ext cx="0" cy="587510"/>
+          </a:xfrm>
+          <a:prstGeom prst="straightConnector1">
+            <a:avLst/>
+          </a:prstGeom>
+          <a:ln w="28575">
+            <a:headEnd type="none" w="med" len="med"/>
+            <a:tailEnd type="triangle"/>
+          </a:ln>
+        </p:spPr>
+        <p:style>
+          <a:lnRef idx="1">
+            <a:schemeClr val="dk1"/>
+          </a:lnRef>
+          <a:fillRef idx="0">
+            <a:schemeClr val="dk1"/>
+          </a:fillRef>
+          <a:effectRef idx="0">
+            <a:schemeClr val="dk1"/>
+          </a:effectRef>
+          <a:fontRef idx="minor">
+            <a:schemeClr val="tx1"/>
+          </a:fontRef>
+        </p:style>
+      </p:cxnSp>
+    </p:spTree>
+    <p:extLst>
+      <p:ext uri="{BB962C8B-B14F-4D97-AF65-F5344CB8AC3E}">
+        <p14:creationId xmlns:p14="http://schemas.microsoft.com/office/powerpoint/2010/main" val="777635050"/>
+      </p:ext>
+    </p:extLst>
+  </p:cSld>
+  <p:clrMapOvr>
+    <a:masterClrMapping/>
+  </p:clrMapOvr>
+  <p:transition>
+    <p:fade/>
+  </p:transition>
+</p:sld>
+</file>
+
+<file path=ppt/slides/slide13.xml><?xml version="1.0" encoding="utf-8"?>
+<p:sld xmlns:a="http://schemas.openxmlformats.org/drawingml/2006/main" xmlns:r="http://schemas.openxmlformats.org/officeDocument/2006/relationships" xmlns:p="http://schemas.openxmlformats.org/presentationml/2006/main">
+  <p:cSld>
+    <p:spTree>
+      <p:nvGrpSpPr>
+        <p:cNvPr id="1" name=""/>
+        <p:cNvGrpSpPr/>
+        <p:nvPr/>
+      </p:nvGrpSpPr>
+      <p:grpSpPr>
+        <a:xfrm>
+          <a:off x="0" y="0"/>
+          <a:ext cx="0" cy="0"/>
+          <a:chOff x="0" y="0"/>
+          <a:chExt cx="0" cy="0"/>
+        </a:xfrm>
+      </p:grpSpPr>
+      <p:sp>
+        <p:nvSpPr>
+          <p:cNvPr id="3" name="标题 2"/>
+          <p:cNvSpPr>
+            <a:spLocks noGrp="1"/>
+          </p:cNvSpPr>
+          <p:nvPr>
+            <p:ph type="title"/>
+          </p:nvPr>
+        </p:nvSpPr>
+        <p:spPr>
+          <a:xfrm>
+            <a:off x="0" y="8526"/>
+            <a:ext cx="9013371" cy="792162"/>
+          </a:xfrm>
+        </p:spPr>
+        <p:txBody>
+          <a:bodyPr/>
+          <a:lstStyle/>
+          <a:p>
+            <a:r>
+              <a:rPr lang="zh-CN" altLang="en-US" dirty="0">
+                <a:latin typeface="+mn-ea"/>
+              </a:rPr>
+              <a:t>一</a:t>
+            </a:r>
+            <a:r>
+              <a:rPr lang="en-US" altLang="zh-CN" dirty="0">
+                <a:latin typeface="+mn-ea"/>
+              </a:rPr>
+              <a:t>. </a:t>
+            </a:r>
+            <a:r>
+              <a:rPr lang="zh-CN" altLang="en-US" sz="3600" b="1" dirty="0">
+                <a:latin typeface="微软雅黑" pitchFamily="34" charset="-122"/>
+                <a:ea typeface="微软雅黑" pitchFamily="34" charset="-122"/>
+              </a:rPr>
+              <a:t>开源</a:t>
+            </a:r>
+            <a:r>
+              <a:rPr lang="en-US" altLang="zh-CN" sz="3600" b="1" dirty="0">
+                <a:latin typeface="微软雅黑" pitchFamily="34" charset="-122"/>
+                <a:ea typeface="微软雅黑" pitchFamily="34" charset="-122"/>
+              </a:rPr>
+              <a:t>Linux</a:t>
+            </a:r>
+            <a:r>
+              <a:rPr lang="zh-CN" altLang="en-US" sz="3600" b="1" dirty="0">
+                <a:latin typeface="微软雅黑" pitchFamily="34" charset="-122"/>
+                <a:ea typeface="微软雅黑" pitchFamily="34" charset="-122"/>
+              </a:rPr>
+              <a:t>操作系统</a:t>
+            </a:r>
+            <a:r>
+              <a:rPr lang="zh-CN" altLang="en-US" dirty="0">
+                <a:latin typeface="微软雅黑" pitchFamily="34" charset="-122"/>
+                <a:ea typeface="微软雅黑" pitchFamily="34" charset="-122"/>
+              </a:rPr>
+              <a:t>简介</a:t>
+            </a:r>
+            <a:endParaRPr lang="zh-CN" altLang="en-US" dirty="0"/>
+          </a:p>
+        </p:txBody>
+      </p:sp>
+      <p:sp>
+        <p:nvSpPr>
+          <p:cNvPr id="2" name="TextBox 1">
+            <a:extLst>
+              <a:ext uri="{FF2B5EF4-FFF2-40B4-BE49-F238E27FC236}">
+                <a16:creationId xmlns:a16="http://schemas.microsoft.com/office/drawing/2014/main" id="{631AADB6-C88A-D817-4683-FC087E4E240F}"/>
+              </a:ext>
+            </a:extLst>
+          </p:cNvPr>
+          <p:cNvSpPr txBox="1"/>
+          <p:nvPr/>
+        </p:nvSpPr>
+        <p:spPr>
+          <a:xfrm>
+            <a:off x="317665" y="846748"/>
+            <a:ext cx="8508670" cy="662489"/>
+          </a:xfrm>
+          <a:prstGeom prst="rect">
+            <a:avLst/>
+          </a:prstGeom>
+          <a:noFill/>
+        </p:spPr>
+        <p:txBody>
+          <a:bodyPr wrap="square" rtlCol="0">
+            <a:spAutoFit/>
+          </a:bodyPr>
+          <a:lstStyle/>
+          <a:p>
+            <a:pPr algn="just">
+              <a:lnSpc>
+                <a:spcPct val="150000"/>
+              </a:lnSpc>
+            </a:pPr>
+            <a:r>
+              <a:rPr lang="en-US" altLang="zh-CN" sz="2800" b="1" dirty="0">
+                <a:solidFill>
+                  <a:srgbClr val="333333"/>
+                </a:solidFill>
+                <a:latin typeface="+mn-ea"/>
+                <a:ea typeface="+mn-ea"/>
+              </a:rPr>
+              <a:t>1</a:t>
+            </a:r>
+            <a:r>
+              <a:rPr lang="zh-CN" altLang="en-US" sz="2800" b="1" dirty="0">
+                <a:solidFill>
+                  <a:srgbClr val="333333"/>
+                </a:solidFill>
+                <a:latin typeface="+mn-ea"/>
+                <a:ea typeface="+mn-ea"/>
+              </a:rPr>
+              <a:t>、</a:t>
+            </a:r>
+            <a:r>
+              <a:rPr lang="en-US" altLang="zh-CN" sz="2800" b="1" dirty="0" err="1">
+                <a:solidFill>
+                  <a:srgbClr val="333333"/>
+                </a:solidFill>
+                <a:latin typeface="+mn-ea"/>
+                <a:ea typeface="+mn-ea"/>
+              </a:rPr>
+              <a:t>ogr</a:t>
+            </a:r>
+            <a:r>
+              <a:rPr lang="zh-CN" altLang="en-US" sz="2800" b="1" dirty="0">
+                <a:solidFill>
+                  <a:srgbClr val="333333"/>
+                </a:solidFill>
+                <a:latin typeface="+mn-ea"/>
+                <a:ea typeface="+mn-ea"/>
+              </a:rPr>
+              <a:t>体系结构</a:t>
+            </a:r>
+            <a:endParaRPr lang="en-US" altLang="zh-CN" sz="2800" b="1" dirty="0">
+              <a:solidFill>
+                <a:srgbClr val="333333"/>
+              </a:solidFill>
+              <a:latin typeface="+mn-ea"/>
+              <a:ea typeface="+mn-ea"/>
+            </a:endParaRPr>
+          </a:p>
+        </p:txBody>
+      </p:sp>
+      <p:sp>
+        <p:nvSpPr>
+          <p:cNvPr id="5" name="TextBox 4">
+            <a:extLst>
+              <a:ext uri="{FF2B5EF4-FFF2-40B4-BE49-F238E27FC236}">
+                <a16:creationId xmlns:a16="http://schemas.microsoft.com/office/drawing/2014/main" id="{78502774-B04C-634F-1396-E5815996BC36}"/>
+              </a:ext>
+            </a:extLst>
+          </p:cNvPr>
+          <p:cNvSpPr txBox="1"/>
+          <p:nvPr/>
+        </p:nvSpPr>
+        <p:spPr>
+          <a:xfrm>
+            <a:off x="561109" y="1522005"/>
+            <a:ext cx="8021782" cy="693460"/>
+          </a:xfrm>
+          <a:prstGeom prst="rect">
+            <a:avLst/>
+          </a:prstGeom>
+          <a:noFill/>
+        </p:spPr>
+        <p:txBody>
+          <a:bodyPr wrap="square">
+            <a:spAutoFit/>
+          </a:bodyPr>
+          <a:lstStyle/>
+          <a:p>
+            <a:pPr algn="just">
+              <a:lnSpc>
+                <a:spcPct val="200000"/>
+              </a:lnSpc>
+            </a:pPr>
+            <a:r>
+              <a:rPr lang="zh-CN" altLang="en-US" sz="2300" dirty="0">
+                <a:solidFill>
+                  <a:srgbClr val="151515"/>
+                </a:solidFill>
+                <a:latin typeface="+mn-ea"/>
+                <a:ea typeface="+mn-ea"/>
+              </a:rPr>
+              <a:t>数据写入流程：</a:t>
+            </a:r>
+          </a:p>
+        </p:txBody>
+      </p:sp>
+      <p:sp>
+        <p:nvSpPr>
+          <p:cNvPr id="4" name="矩形 3">
+            <a:extLst>
+              <a:ext uri="{FF2B5EF4-FFF2-40B4-BE49-F238E27FC236}">
+                <a16:creationId xmlns:a16="http://schemas.microsoft.com/office/drawing/2014/main" id="{D1F750A9-C70A-8B83-DC72-043D5C6B3C46}"/>
+              </a:ext>
+            </a:extLst>
+          </p:cNvPr>
+          <p:cNvSpPr/>
+          <p:nvPr/>
+        </p:nvSpPr>
+        <p:spPr>
+          <a:xfrm>
+            <a:off x="1816744" y="2414869"/>
+            <a:ext cx="2452914" cy="858269"/>
+          </a:xfrm>
+          <a:prstGeom prst="rect">
+            <a:avLst/>
+          </a:prstGeom>
+          <a:noFill/>
+          <a:ln w="28575">
+            <a:solidFill>
+              <a:schemeClr val="bg2"/>
+            </a:solidFill>
+          </a:ln>
+        </p:spPr>
+        <p:txBody>
+          <a:bodyPr wrap="square" lIns="0" rtlCol="0" anchor="ctr">
+            <a:noAutofit/>
+          </a:bodyPr>
+          <a:lstStyle/>
+          <a:p>
+            <a:r>
+              <a:rPr lang="zh-CN" altLang="en-US" b="1" dirty="0">
+                <a:solidFill>
+                  <a:srgbClr val="FF0000"/>
+                </a:solidFill>
+                <a:latin typeface="微软雅黑" pitchFamily="34" charset="-122"/>
+                <a:ea typeface="微软雅黑" pitchFamily="34" charset="-122"/>
+              </a:rPr>
+              <a:t>注册驱动</a:t>
+            </a:r>
+          </a:p>
+        </p:txBody>
+      </p:sp>
+      <p:sp>
+        <p:nvSpPr>
+          <p:cNvPr id="6" name="矩形 5">
+            <a:extLst>
+              <a:ext uri="{FF2B5EF4-FFF2-40B4-BE49-F238E27FC236}">
+                <a16:creationId xmlns:a16="http://schemas.microsoft.com/office/drawing/2014/main" id="{85BE607E-94A1-E093-DA74-D8D0FB53187E}"/>
+              </a:ext>
+            </a:extLst>
+          </p:cNvPr>
+          <p:cNvSpPr/>
+          <p:nvPr/>
+        </p:nvSpPr>
+        <p:spPr>
+          <a:xfrm>
+            <a:off x="1816744" y="3529861"/>
+            <a:ext cx="2452914" cy="858269"/>
+          </a:xfrm>
+          <a:prstGeom prst="rect">
+            <a:avLst/>
+          </a:prstGeom>
+          <a:noFill/>
+          <a:ln w="28575">
+            <a:solidFill>
+              <a:schemeClr val="bg2"/>
+            </a:solidFill>
+          </a:ln>
+        </p:spPr>
+        <p:txBody>
+          <a:bodyPr wrap="square" lIns="0" rtlCol="0" anchor="ctr">
+            <a:noAutofit/>
+          </a:bodyPr>
+          <a:lstStyle/>
+          <a:p>
+            <a:r>
+              <a:rPr lang="zh-CN" altLang="en-US" b="1" dirty="0">
+                <a:solidFill>
+                  <a:srgbClr val="FF0000"/>
+                </a:solidFill>
+                <a:latin typeface="微软雅黑" pitchFamily="34" charset="-122"/>
+                <a:ea typeface="微软雅黑" pitchFamily="34" charset="-122"/>
+              </a:rPr>
+              <a:t>打开</a:t>
+            </a:r>
+            <a:r>
+              <a:rPr lang="en-US" altLang="zh-CN" b="1" dirty="0">
+                <a:solidFill>
+                  <a:srgbClr val="FF0000"/>
+                </a:solidFill>
+                <a:latin typeface="微软雅黑" pitchFamily="34" charset="-122"/>
+                <a:ea typeface="微软雅黑" pitchFamily="34" charset="-122"/>
+              </a:rPr>
+              <a:t>/</a:t>
+            </a:r>
+            <a:r>
+              <a:rPr lang="zh-CN" altLang="en-US" b="1" dirty="0">
+                <a:solidFill>
+                  <a:srgbClr val="FF0000"/>
+                </a:solidFill>
+                <a:latin typeface="微软雅黑" pitchFamily="34" charset="-122"/>
+                <a:ea typeface="微软雅黑" pitchFamily="34" charset="-122"/>
+              </a:rPr>
+              <a:t>创建数据集</a:t>
+            </a:r>
+          </a:p>
+        </p:txBody>
+      </p:sp>
+      <p:sp>
+        <p:nvSpPr>
+          <p:cNvPr id="7" name="矩形 6">
+            <a:extLst>
+              <a:ext uri="{FF2B5EF4-FFF2-40B4-BE49-F238E27FC236}">
+                <a16:creationId xmlns:a16="http://schemas.microsoft.com/office/drawing/2014/main" id="{6D30944B-8680-6208-8F5F-1C57E55E51CA}"/>
+              </a:ext>
+            </a:extLst>
+          </p:cNvPr>
+          <p:cNvSpPr/>
+          <p:nvPr/>
+        </p:nvSpPr>
+        <p:spPr>
+          <a:xfrm>
+            <a:off x="1816744" y="4639879"/>
+            <a:ext cx="2452914" cy="858269"/>
+          </a:xfrm>
+          <a:prstGeom prst="rect">
+            <a:avLst/>
+          </a:prstGeom>
+          <a:noFill/>
+          <a:ln w="28575">
+            <a:solidFill>
+              <a:schemeClr val="bg2"/>
+            </a:solidFill>
+          </a:ln>
+        </p:spPr>
+        <p:txBody>
+          <a:bodyPr wrap="square" lIns="0" rtlCol="0" anchor="ctr">
+            <a:noAutofit/>
+          </a:bodyPr>
+          <a:lstStyle/>
+          <a:p>
+            <a:r>
+              <a:rPr lang="zh-CN" altLang="en-US" b="1" dirty="0">
+                <a:solidFill>
+                  <a:srgbClr val="FF0000"/>
+                </a:solidFill>
+                <a:latin typeface="微软雅黑" pitchFamily="34" charset="-122"/>
+                <a:ea typeface="微软雅黑" pitchFamily="34" charset="-122"/>
+              </a:rPr>
+              <a:t>创建图层</a:t>
+            </a:r>
+          </a:p>
+        </p:txBody>
+      </p:sp>
+      <p:sp>
+        <p:nvSpPr>
+          <p:cNvPr id="8" name="矩形 7">
+            <a:extLst>
+              <a:ext uri="{FF2B5EF4-FFF2-40B4-BE49-F238E27FC236}">
+                <a16:creationId xmlns:a16="http://schemas.microsoft.com/office/drawing/2014/main" id="{97FDE4DA-95A9-718A-FA8C-A572F428DC8C}"/>
+              </a:ext>
+            </a:extLst>
+          </p:cNvPr>
+          <p:cNvSpPr/>
+          <p:nvPr/>
+        </p:nvSpPr>
+        <p:spPr>
+          <a:xfrm>
+            <a:off x="1816744" y="5718835"/>
+            <a:ext cx="2452914" cy="858269"/>
+          </a:xfrm>
+          <a:prstGeom prst="rect">
+            <a:avLst/>
+          </a:prstGeom>
+          <a:noFill/>
+          <a:ln w="28575">
+            <a:solidFill>
+              <a:schemeClr val="bg2"/>
+            </a:solidFill>
+          </a:ln>
+        </p:spPr>
+        <p:txBody>
+          <a:bodyPr wrap="square" lIns="0" rtlCol="0" anchor="ctr">
+            <a:noAutofit/>
+          </a:bodyPr>
+          <a:lstStyle/>
+          <a:p>
+            <a:r>
+              <a:rPr lang="zh-CN" altLang="en-US" b="1" dirty="0">
+                <a:solidFill>
+                  <a:srgbClr val="FF0000"/>
+                </a:solidFill>
+                <a:latin typeface="微软雅黑" pitchFamily="34" charset="-122"/>
+                <a:ea typeface="微软雅黑" pitchFamily="34" charset="-122"/>
+              </a:rPr>
+              <a:t>创建要素类定义</a:t>
+            </a:r>
+          </a:p>
+        </p:txBody>
+      </p:sp>
+      <p:sp>
+        <p:nvSpPr>
+          <p:cNvPr id="9" name="矩形 8">
+            <a:extLst>
+              <a:ext uri="{FF2B5EF4-FFF2-40B4-BE49-F238E27FC236}">
+                <a16:creationId xmlns:a16="http://schemas.microsoft.com/office/drawing/2014/main" id="{90A28092-BB0F-2EE7-FB40-F241177B1DC1}"/>
+              </a:ext>
+            </a:extLst>
+          </p:cNvPr>
+          <p:cNvSpPr/>
+          <p:nvPr/>
+        </p:nvSpPr>
+        <p:spPr>
+          <a:xfrm>
+            <a:off x="5016613" y="2436737"/>
+            <a:ext cx="2452914" cy="858269"/>
+          </a:xfrm>
+          <a:prstGeom prst="rect">
+            <a:avLst/>
+          </a:prstGeom>
+          <a:noFill/>
+          <a:ln w="28575">
+            <a:solidFill>
+              <a:schemeClr val="bg2"/>
+            </a:solidFill>
+          </a:ln>
+        </p:spPr>
+        <p:txBody>
+          <a:bodyPr wrap="square" lIns="0" rtlCol="0" anchor="ctr">
+            <a:noAutofit/>
+          </a:bodyPr>
+          <a:lstStyle/>
+          <a:p>
+            <a:r>
+              <a:rPr lang="zh-CN" altLang="en-US" b="1" dirty="0">
+                <a:solidFill>
+                  <a:srgbClr val="FF0000"/>
+                </a:solidFill>
+                <a:latin typeface="微软雅黑" pitchFamily="34" charset="-122"/>
+                <a:ea typeface="微软雅黑" pitchFamily="34" charset="-122"/>
+              </a:rPr>
+              <a:t>创建几何</a:t>
+            </a:r>
+          </a:p>
+        </p:txBody>
+      </p:sp>
+      <p:sp>
+        <p:nvSpPr>
+          <p:cNvPr id="10" name="矩形 9">
+            <a:extLst>
+              <a:ext uri="{FF2B5EF4-FFF2-40B4-BE49-F238E27FC236}">
+                <a16:creationId xmlns:a16="http://schemas.microsoft.com/office/drawing/2014/main" id="{E9B5F08D-C366-E9E1-C8B9-677FB210B9C4}"/>
+              </a:ext>
+            </a:extLst>
+          </p:cNvPr>
+          <p:cNvSpPr/>
+          <p:nvPr/>
+        </p:nvSpPr>
+        <p:spPr>
+          <a:xfrm>
+            <a:off x="5016612" y="3982404"/>
+            <a:ext cx="2452914" cy="858269"/>
+          </a:xfrm>
+          <a:prstGeom prst="rect">
+            <a:avLst/>
+          </a:prstGeom>
+          <a:noFill/>
+          <a:ln w="28575">
+            <a:solidFill>
+              <a:schemeClr val="bg2"/>
+            </a:solidFill>
+          </a:ln>
+        </p:spPr>
+        <p:txBody>
+          <a:bodyPr wrap="square" lIns="0" rtlCol="0" anchor="ctr">
+            <a:noAutofit/>
+          </a:bodyPr>
+          <a:lstStyle/>
+          <a:p>
+            <a:r>
+              <a:rPr lang="zh-CN" altLang="en-US" b="1" dirty="0">
+                <a:solidFill>
+                  <a:srgbClr val="FF0000"/>
+                </a:solidFill>
+                <a:latin typeface="微软雅黑" pitchFamily="34" charset="-122"/>
+                <a:ea typeface="微软雅黑" pitchFamily="34" charset="-122"/>
+              </a:rPr>
+              <a:t>创建要素</a:t>
+            </a:r>
+          </a:p>
+        </p:txBody>
+      </p:sp>
+      <p:cxnSp>
+        <p:nvCxnSpPr>
+          <p:cNvPr id="12" name="直接箭头连接符 11">
+            <a:extLst>
+              <a:ext uri="{FF2B5EF4-FFF2-40B4-BE49-F238E27FC236}">
+                <a16:creationId xmlns:a16="http://schemas.microsoft.com/office/drawing/2014/main" id="{EBCD2B2D-744C-31EF-F7D4-59903193479A}"/>
+              </a:ext>
+            </a:extLst>
+          </p:cNvPr>
+          <p:cNvCxnSpPr>
+            <a:cxnSpLocks/>
+            <a:stCxn id="4" idx="2"/>
+            <a:endCxn id="6" idx="0"/>
+          </p:cNvCxnSpPr>
+          <p:nvPr/>
+        </p:nvCxnSpPr>
+        <p:spPr bwMode="auto">
+          <a:xfrm>
+            <a:off x="3043201" y="3273138"/>
+            <a:ext cx="0" cy="256723"/>
+          </a:xfrm>
+          <a:prstGeom prst="straightConnector1">
+            <a:avLst/>
+          </a:prstGeom>
+          <a:ln w="28575">
+            <a:headEnd type="none" w="med" len="med"/>
+            <a:tailEnd type="triangle"/>
+          </a:ln>
+        </p:spPr>
+        <p:style>
+          <a:lnRef idx="1">
+            <a:schemeClr val="dk1"/>
+          </a:lnRef>
+          <a:fillRef idx="0">
+            <a:schemeClr val="dk1"/>
+          </a:fillRef>
+          <a:effectRef idx="0">
+            <a:schemeClr val="dk1"/>
+          </a:effectRef>
+          <a:fontRef idx="minor">
+            <a:schemeClr val="tx1"/>
+          </a:fontRef>
+        </p:style>
+      </p:cxnSp>
+      <p:cxnSp>
+        <p:nvCxnSpPr>
+          <p:cNvPr id="14" name="直接箭头连接符 13">
+            <a:extLst>
+              <a:ext uri="{FF2B5EF4-FFF2-40B4-BE49-F238E27FC236}">
+                <a16:creationId xmlns:a16="http://schemas.microsoft.com/office/drawing/2014/main" id="{C16A2EFE-4C34-925F-493E-06C7F878D490}"/>
+              </a:ext>
+            </a:extLst>
+          </p:cNvPr>
+          <p:cNvCxnSpPr>
+            <a:cxnSpLocks/>
+            <a:stCxn id="6" idx="2"/>
+            <a:endCxn id="7" idx="0"/>
+          </p:cNvCxnSpPr>
+          <p:nvPr/>
+        </p:nvCxnSpPr>
+        <p:spPr bwMode="auto">
+          <a:xfrm>
+            <a:off x="3043201" y="4388130"/>
+            <a:ext cx="0" cy="251749"/>
+          </a:xfrm>
+          <a:prstGeom prst="straightConnector1">
+            <a:avLst/>
+          </a:prstGeom>
+          <a:ln w="28575">
+            <a:headEnd type="none" w="med" len="med"/>
+            <a:tailEnd type="triangle"/>
+          </a:ln>
+        </p:spPr>
+        <p:style>
+          <a:lnRef idx="1">
+            <a:schemeClr val="dk1"/>
+          </a:lnRef>
+          <a:fillRef idx="0">
+            <a:schemeClr val="dk1"/>
+          </a:fillRef>
+          <a:effectRef idx="0">
+            <a:schemeClr val="dk1"/>
+          </a:effectRef>
+          <a:fontRef idx="minor">
+            <a:schemeClr val="tx1"/>
+          </a:fontRef>
+        </p:style>
+      </p:cxnSp>
+      <p:cxnSp>
+        <p:nvCxnSpPr>
+          <p:cNvPr id="18" name="连接符: 肘形 17">
+            <a:extLst>
+              <a:ext uri="{FF2B5EF4-FFF2-40B4-BE49-F238E27FC236}">
+                <a16:creationId xmlns:a16="http://schemas.microsoft.com/office/drawing/2014/main" id="{F65EE2A2-A8CC-8ACF-F477-DBBDC6F55DD7}"/>
+              </a:ext>
+            </a:extLst>
+          </p:cNvPr>
+          <p:cNvCxnSpPr>
+            <a:cxnSpLocks/>
+            <a:stCxn id="8" idx="3"/>
+            <a:endCxn id="9" idx="1"/>
+          </p:cNvCxnSpPr>
+          <p:nvPr/>
+        </p:nvCxnSpPr>
+        <p:spPr bwMode="auto">
+          <a:xfrm flipV="1">
+            <a:off x="4269658" y="2865872"/>
+            <a:ext cx="746955" cy="3282098"/>
+          </a:xfrm>
+          <a:prstGeom prst="bentConnector3">
+            <a:avLst>
+              <a:gd name="adj1" fmla="val 50000"/>
+            </a:avLst>
+          </a:prstGeom>
+          <a:ln w="19050">
+            <a:headEnd type="none" w="med" len="med"/>
+            <a:tailEnd type="triangle"/>
+          </a:ln>
+        </p:spPr>
+        <p:style>
+          <a:lnRef idx="1">
+            <a:schemeClr val="dk1"/>
+          </a:lnRef>
+          <a:fillRef idx="0">
+            <a:schemeClr val="dk1"/>
+          </a:fillRef>
+          <a:effectRef idx="0">
+            <a:schemeClr val="dk1"/>
+          </a:effectRef>
+          <a:fontRef idx="minor">
+            <a:schemeClr val="tx1"/>
+          </a:fontRef>
+        </p:style>
+      </p:cxnSp>
+      <p:cxnSp>
+        <p:nvCxnSpPr>
+          <p:cNvPr id="20" name="直接箭头连接符 19">
+            <a:extLst>
+              <a:ext uri="{FF2B5EF4-FFF2-40B4-BE49-F238E27FC236}">
+                <a16:creationId xmlns:a16="http://schemas.microsoft.com/office/drawing/2014/main" id="{A66C3C6C-14E9-F27F-33A4-703F8166EC8A}"/>
+              </a:ext>
+            </a:extLst>
+          </p:cNvPr>
+          <p:cNvCxnSpPr>
+            <a:cxnSpLocks/>
+            <a:stCxn id="7" idx="2"/>
+            <a:endCxn id="8" idx="0"/>
+          </p:cNvCxnSpPr>
+          <p:nvPr/>
+        </p:nvCxnSpPr>
+        <p:spPr bwMode="auto">
+          <a:xfrm>
+            <a:off x="3043201" y="5498148"/>
+            <a:ext cx="0" cy="220687"/>
+          </a:xfrm>
+          <a:prstGeom prst="straightConnector1">
+            <a:avLst/>
+          </a:prstGeom>
+          <a:ln w="28575">
+            <a:headEnd type="none" w="med" len="med"/>
+            <a:tailEnd type="triangle"/>
+          </a:ln>
+        </p:spPr>
+        <p:style>
+          <a:lnRef idx="1">
+            <a:schemeClr val="dk1"/>
+          </a:lnRef>
+          <a:fillRef idx="0">
+            <a:schemeClr val="dk1"/>
+          </a:fillRef>
+          <a:effectRef idx="0">
+            <a:schemeClr val="dk1"/>
+          </a:effectRef>
+          <a:fontRef idx="minor">
+            <a:schemeClr val="tx1"/>
+          </a:fontRef>
+        </p:style>
+      </p:cxnSp>
+      <p:cxnSp>
+        <p:nvCxnSpPr>
+          <p:cNvPr id="23" name="直接箭头连接符 22">
+            <a:extLst>
+              <a:ext uri="{FF2B5EF4-FFF2-40B4-BE49-F238E27FC236}">
+                <a16:creationId xmlns:a16="http://schemas.microsoft.com/office/drawing/2014/main" id="{AF86FD19-D4AD-A9C2-E880-E27009B55ED1}"/>
+              </a:ext>
+            </a:extLst>
+          </p:cNvPr>
+          <p:cNvCxnSpPr>
+            <a:cxnSpLocks/>
+            <a:stCxn id="9" idx="2"/>
+            <a:endCxn id="10" idx="0"/>
+          </p:cNvCxnSpPr>
+          <p:nvPr/>
+        </p:nvCxnSpPr>
+        <p:spPr bwMode="auto">
+          <a:xfrm flipH="1">
+            <a:off x="6243069" y="3295006"/>
+            <a:ext cx="1" cy="687398"/>
+          </a:xfrm>
+          <a:prstGeom prst="straightConnector1">
+            <a:avLst/>
+          </a:prstGeom>
+          <a:ln w="28575">
+            <a:headEnd type="none" w="med" len="med"/>
+            <a:tailEnd type="triangle"/>
+          </a:ln>
+        </p:spPr>
+        <p:style>
+          <a:lnRef idx="1">
+            <a:schemeClr val="dk1"/>
+          </a:lnRef>
+          <a:fillRef idx="0">
+            <a:schemeClr val="dk1"/>
+          </a:fillRef>
+          <a:effectRef idx="0">
+            <a:schemeClr val="dk1"/>
+          </a:effectRef>
+          <a:fontRef idx="minor">
+            <a:schemeClr val="tx1"/>
+          </a:fontRef>
+        </p:style>
+      </p:cxnSp>
+      <p:sp>
+        <p:nvSpPr>
+          <p:cNvPr id="11" name="矩形 10">
+            <a:extLst>
+              <a:ext uri="{FF2B5EF4-FFF2-40B4-BE49-F238E27FC236}">
+                <a16:creationId xmlns:a16="http://schemas.microsoft.com/office/drawing/2014/main" id="{6F391CD4-EC27-562C-C959-D73D69D19943}"/>
+              </a:ext>
+            </a:extLst>
+          </p:cNvPr>
+          <p:cNvSpPr/>
+          <p:nvPr/>
+        </p:nvSpPr>
+        <p:spPr>
+          <a:xfrm>
+            <a:off x="5016612" y="5488283"/>
+            <a:ext cx="2452914" cy="858269"/>
+          </a:xfrm>
+          <a:prstGeom prst="rect">
+            <a:avLst/>
+          </a:prstGeom>
+          <a:noFill/>
+          <a:ln w="28575">
+            <a:solidFill>
+              <a:schemeClr val="bg2"/>
+            </a:solidFill>
+          </a:ln>
+        </p:spPr>
+        <p:txBody>
+          <a:bodyPr wrap="square" lIns="0" rtlCol="0" anchor="ctr">
+            <a:noAutofit/>
+          </a:bodyPr>
+          <a:lstStyle/>
+          <a:p>
+            <a:r>
+              <a:rPr lang="zh-CN" altLang="en-US" b="1" dirty="0">
+                <a:solidFill>
+                  <a:srgbClr val="FF0000"/>
+                </a:solidFill>
+                <a:latin typeface="微软雅黑" pitchFamily="34" charset="-122"/>
+                <a:ea typeface="微软雅黑" pitchFamily="34" charset="-122"/>
+              </a:rPr>
+              <a:t>关闭数据集</a:t>
+            </a:r>
+          </a:p>
+        </p:txBody>
+      </p:sp>
+      <p:cxnSp>
+        <p:nvCxnSpPr>
+          <p:cNvPr id="32" name="直接箭头连接符 31">
+            <a:extLst>
+              <a:ext uri="{FF2B5EF4-FFF2-40B4-BE49-F238E27FC236}">
+                <a16:creationId xmlns:a16="http://schemas.microsoft.com/office/drawing/2014/main" id="{229A80CE-592B-5A77-EDEC-3F159F1367C7}"/>
+              </a:ext>
+            </a:extLst>
+          </p:cNvPr>
+          <p:cNvCxnSpPr>
+            <a:cxnSpLocks/>
+            <a:stCxn id="10" idx="2"/>
+            <a:endCxn id="11" idx="0"/>
+          </p:cNvCxnSpPr>
+          <p:nvPr/>
+        </p:nvCxnSpPr>
+        <p:spPr bwMode="auto">
+          <a:xfrm>
+            <a:off x="6243069" y="4840673"/>
+            <a:ext cx="0" cy="647610"/>
+          </a:xfrm>
+          <a:prstGeom prst="straightConnector1">
+            <a:avLst/>
+          </a:prstGeom>
+          <a:ln w="28575">
+            <a:headEnd type="none" w="med" len="med"/>
+            <a:tailEnd type="triangle"/>
+          </a:ln>
+        </p:spPr>
+        <p:style>
+          <a:lnRef idx="1">
+            <a:schemeClr val="dk1"/>
+          </a:lnRef>
+          <a:fillRef idx="0">
+            <a:schemeClr val="dk1"/>
+          </a:fillRef>
+          <a:effectRef idx="0">
+            <a:schemeClr val="dk1"/>
+          </a:effectRef>
+          <a:fontRef idx="minor">
+            <a:schemeClr val="tx1"/>
+          </a:fontRef>
+        </p:style>
+      </p:cxnSp>
+    </p:spTree>
+    <p:extLst>
+      <p:ext uri="{BB962C8B-B14F-4D97-AF65-F5344CB8AC3E}">
+        <p14:creationId xmlns:p14="http://schemas.microsoft.com/office/powerpoint/2010/main" val="3673640970"/>
+      </p:ext>
+    </p:extLst>
+  </p:cSld>
+  <p:clrMapOvr>
+    <a:masterClrMapping/>
+  </p:clrMapOvr>
+  <p:transition>
+    <p:fade/>
+  </p:transition>
+</p:sld>
+</file>
+
+<file path=ppt/slides/slide14.xml><?xml version="1.0" encoding="utf-8"?>
+<p:sld xmlns:a="http://schemas.openxmlformats.org/drawingml/2006/main" xmlns:r="http://schemas.openxmlformats.org/officeDocument/2006/relationships" xmlns:p="http://schemas.openxmlformats.org/presentationml/2006/main">
+  <p:cSld>
+    <p:spTree>
+      <p:nvGrpSpPr>
+        <p:cNvPr id="1" name=""/>
+        <p:cNvGrpSpPr/>
+        <p:nvPr/>
+      </p:nvGrpSpPr>
+      <p:grpSpPr>
+        <a:xfrm>
+          <a:off x="0" y="0"/>
+          <a:ext cx="0" cy="0"/>
+          <a:chOff x="0" y="0"/>
+          <a:chExt cx="0" cy="0"/>
+        </a:xfrm>
+      </p:grpSpPr>
+      <p:sp>
+        <p:nvSpPr>
+          <p:cNvPr id="3" name="标题 2"/>
+          <p:cNvSpPr>
+            <a:spLocks noGrp="1"/>
+          </p:cNvSpPr>
+          <p:nvPr>
+            <p:ph type="title"/>
+          </p:nvPr>
+        </p:nvSpPr>
+        <p:spPr>
+          <a:xfrm>
+            <a:off x="0" y="8526"/>
+            <a:ext cx="9013371" cy="792162"/>
+          </a:xfrm>
+        </p:spPr>
+        <p:txBody>
+          <a:bodyPr/>
+          <a:lstStyle/>
+          <a:p>
+            <a:r>
+              <a:rPr lang="zh-CN" altLang="en-US" dirty="0">
+                <a:latin typeface="+mn-ea"/>
+              </a:rPr>
+              <a:t>一</a:t>
+            </a:r>
+            <a:r>
+              <a:rPr lang="en-US" altLang="zh-CN" dirty="0">
+                <a:latin typeface="+mn-ea"/>
+              </a:rPr>
+              <a:t>. </a:t>
+            </a:r>
+            <a:r>
+              <a:rPr lang="zh-CN" altLang="en-US" sz="3600" b="1" dirty="0">
+                <a:latin typeface="微软雅黑" pitchFamily="34" charset="-122"/>
+                <a:ea typeface="微软雅黑" pitchFamily="34" charset="-122"/>
+              </a:rPr>
+              <a:t>开源</a:t>
+            </a:r>
+            <a:r>
+              <a:rPr lang="en-US" altLang="zh-CN" sz="3600" b="1" dirty="0">
+                <a:latin typeface="微软雅黑" pitchFamily="34" charset="-122"/>
+                <a:ea typeface="微软雅黑" pitchFamily="34" charset="-122"/>
+              </a:rPr>
+              <a:t>Linux</a:t>
+            </a:r>
+            <a:r>
+              <a:rPr lang="zh-CN" altLang="en-US" sz="3600" b="1" dirty="0">
+                <a:latin typeface="微软雅黑" pitchFamily="34" charset="-122"/>
+                <a:ea typeface="微软雅黑" pitchFamily="34" charset="-122"/>
+              </a:rPr>
+              <a:t>操作系统</a:t>
+            </a:r>
+            <a:r>
+              <a:rPr lang="zh-CN" altLang="en-US" dirty="0">
+                <a:latin typeface="微软雅黑" pitchFamily="34" charset="-122"/>
+                <a:ea typeface="微软雅黑" pitchFamily="34" charset="-122"/>
+              </a:rPr>
+              <a:t>简介</a:t>
+            </a:r>
+            <a:endParaRPr lang="zh-CN" altLang="en-US" dirty="0"/>
+          </a:p>
+        </p:txBody>
+      </p:sp>
+      <p:sp>
+        <p:nvSpPr>
+          <p:cNvPr id="2" name="TextBox 1">
+            <a:extLst>
+              <a:ext uri="{FF2B5EF4-FFF2-40B4-BE49-F238E27FC236}">
+                <a16:creationId xmlns:a16="http://schemas.microsoft.com/office/drawing/2014/main" id="{631AADB6-C88A-D817-4683-FC087E4E240F}"/>
+              </a:ext>
+            </a:extLst>
+          </p:cNvPr>
+          <p:cNvSpPr txBox="1"/>
+          <p:nvPr/>
+        </p:nvSpPr>
+        <p:spPr>
+          <a:xfrm>
+            <a:off x="317665" y="846748"/>
+            <a:ext cx="8508670" cy="662489"/>
+          </a:xfrm>
+          <a:prstGeom prst="rect">
+            <a:avLst/>
+          </a:prstGeom>
+          <a:noFill/>
+        </p:spPr>
+        <p:txBody>
+          <a:bodyPr wrap="square" rtlCol="0">
+            <a:spAutoFit/>
+          </a:bodyPr>
+          <a:lstStyle/>
+          <a:p>
+            <a:pPr algn="just">
+              <a:lnSpc>
+                <a:spcPct val="150000"/>
+              </a:lnSpc>
+            </a:pPr>
+            <a:r>
+              <a:rPr lang="en-US" altLang="zh-CN" sz="2800" b="1" dirty="0">
+                <a:solidFill>
+                  <a:srgbClr val="333333"/>
+                </a:solidFill>
+                <a:latin typeface="+mn-ea"/>
+                <a:ea typeface="+mn-ea"/>
+              </a:rPr>
+              <a:t>1</a:t>
+            </a:r>
+            <a:r>
+              <a:rPr lang="zh-CN" altLang="en-US" sz="2800" b="1" dirty="0">
+                <a:solidFill>
+                  <a:srgbClr val="333333"/>
+                </a:solidFill>
+                <a:latin typeface="+mn-ea"/>
+                <a:ea typeface="+mn-ea"/>
+              </a:rPr>
+              <a:t>、</a:t>
+            </a:r>
+            <a:r>
+              <a:rPr lang="en-US" altLang="zh-CN" sz="2800" b="1" dirty="0" err="1">
+                <a:solidFill>
+                  <a:srgbClr val="333333"/>
+                </a:solidFill>
+                <a:latin typeface="+mn-ea"/>
+                <a:ea typeface="+mn-ea"/>
+              </a:rPr>
+              <a:t>ogr</a:t>
+            </a:r>
+            <a:r>
+              <a:rPr lang="zh-CN" altLang="en-US" sz="2800" b="1" dirty="0">
+                <a:solidFill>
+                  <a:srgbClr val="333333"/>
+                </a:solidFill>
+                <a:latin typeface="+mn-ea"/>
+                <a:ea typeface="+mn-ea"/>
+              </a:rPr>
+              <a:t>主要功能</a:t>
+            </a:r>
+            <a:endParaRPr lang="en-US" altLang="zh-CN" sz="2800" b="1" dirty="0">
+              <a:solidFill>
+                <a:srgbClr val="333333"/>
+              </a:solidFill>
+              <a:latin typeface="+mn-ea"/>
+              <a:ea typeface="+mn-ea"/>
+            </a:endParaRPr>
+          </a:p>
+        </p:txBody>
+      </p:sp>
+      <p:sp>
+        <p:nvSpPr>
+          <p:cNvPr id="4" name="TextBox 4">
+            <a:extLst>
+              <a:ext uri="{FF2B5EF4-FFF2-40B4-BE49-F238E27FC236}">
+                <a16:creationId xmlns:a16="http://schemas.microsoft.com/office/drawing/2014/main" id="{D44C56F3-FFA7-3E9D-7AF2-7B99ECE7A75E}"/>
+              </a:ext>
+            </a:extLst>
+          </p:cNvPr>
+          <p:cNvSpPr txBox="1"/>
+          <p:nvPr/>
+        </p:nvSpPr>
+        <p:spPr>
+          <a:xfrm>
+            <a:off x="317665" y="1480306"/>
+            <a:ext cx="8583442" cy="4695003"/>
+          </a:xfrm>
+          <a:prstGeom prst="rect">
+            <a:avLst/>
+          </a:prstGeom>
+          <a:noFill/>
+        </p:spPr>
+        <p:txBody>
+          <a:bodyPr wrap="square">
+            <a:spAutoFit/>
+          </a:bodyPr>
+          <a:lstStyle/>
+          <a:p>
+            <a:pPr algn="just">
+              <a:lnSpc>
+                <a:spcPts val="4000"/>
+              </a:lnSpc>
+            </a:pPr>
+            <a:r>
+              <a:rPr lang="en-US" altLang="zh-CN" b="1" u="sng" dirty="0">
+                <a:solidFill>
+                  <a:schemeClr val="accent2"/>
+                </a:solidFill>
+                <a:latin typeface="+mn-ea"/>
+                <a:ea typeface="+mn-ea"/>
+              </a:rPr>
+              <a:t>Spatial Reference</a:t>
+            </a:r>
+            <a:r>
+              <a:rPr lang="zh-CN" altLang="en-US" b="1" u="sng" dirty="0">
+                <a:solidFill>
+                  <a:schemeClr val="accent2"/>
+                </a:solidFill>
+                <a:latin typeface="+mn-ea"/>
+                <a:ea typeface="+mn-ea"/>
+              </a:rPr>
+              <a:t>（空间参考）：</a:t>
+            </a:r>
+            <a:r>
+              <a:rPr lang="en-US" altLang="zh-CN" dirty="0">
+                <a:solidFill>
+                  <a:srgbClr val="151515"/>
+                </a:solidFill>
+                <a:latin typeface="+mn-ea"/>
+                <a:ea typeface="+mn-ea"/>
+              </a:rPr>
+              <a:t> </a:t>
+            </a:r>
+            <a:r>
+              <a:rPr lang="en-US" altLang="zh-CN" dirty="0" err="1">
+                <a:solidFill>
+                  <a:srgbClr val="151515"/>
+                </a:solidFill>
+                <a:latin typeface="+mn-ea"/>
+                <a:ea typeface="+mn-ea"/>
+              </a:rPr>
+              <a:t>OGRSpatialReference</a:t>
+            </a:r>
+            <a:r>
+              <a:rPr lang="zh-CN" altLang="en-US" dirty="0">
+                <a:solidFill>
+                  <a:srgbClr val="151515"/>
+                </a:solidFill>
+                <a:latin typeface="+mn-ea"/>
+                <a:ea typeface="+mn-ea"/>
+              </a:rPr>
+              <a:t>类，该类用于</a:t>
+            </a:r>
+            <a:r>
+              <a:rPr lang="en-US" altLang="zh-CN" dirty="0" err="1">
+                <a:solidFill>
+                  <a:srgbClr val="151515"/>
+                </a:solidFill>
+                <a:latin typeface="+mn-ea"/>
+                <a:ea typeface="+mn-ea"/>
+              </a:rPr>
+              <a:t>OpenGIS</a:t>
+            </a:r>
+            <a:r>
+              <a:rPr lang="zh-CN" altLang="en-US" dirty="0">
+                <a:solidFill>
+                  <a:srgbClr val="151515"/>
+                </a:solidFill>
+                <a:latin typeface="+mn-ea"/>
+                <a:ea typeface="+mn-ea"/>
+              </a:rPr>
+              <a:t>空间参考系统的定义以及转换。</a:t>
+            </a:r>
+            <a:endParaRPr lang="en-US" altLang="zh-CN" dirty="0">
+              <a:solidFill>
+                <a:srgbClr val="151515"/>
+              </a:solidFill>
+              <a:latin typeface="+mn-ea"/>
+              <a:ea typeface="+mn-ea"/>
+            </a:endParaRPr>
+          </a:p>
+          <a:p>
+            <a:pPr algn="just">
+              <a:lnSpc>
+                <a:spcPts val="4000"/>
+              </a:lnSpc>
+            </a:pPr>
+            <a:r>
+              <a:rPr lang="en-US" altLang="zh-CN" b="1" u="sng" dirty="0" err="1">
+                <a:solidFill>
+                  <a:srgbClr val="151515"/>
+                </a:solidFill>
+                <a:latin typeface="+mn-ea"/>
+                <a:ea typeface="+mn-ea"/>
+              </a:rPr>
+              <a:t>OGRCoordinateTransformation</a:t>
+            </a:r>
+            <a:r>
+              <a:rPr lang="en-US" altLang="zh-CN" b="1" u="sng" dirty="0">
+                <a:solidFill>
+                  <a:srgbClr val="151515"/>
+                </a:solidFill>
+                <a:latin typeface="+mn-ea"/>
+                <a:ea typeface="+mn-ea"/>
+              </a:rPr>
+              <a:t> </a:t>
+            </a:r>
+            <a:r>
+              <a:rPr lang="zh-CN" altLang="en-US" b="1" u="sng" dirty="0">
+                <a:solidFill>
+                  <a:srgbClr val="151515"/>
+                </a:solidFill>
+                <a:latin typeface="+mn-ea"/>
+                <a:ea typeface="+mn-ea"/>
+              </a:rPr>
+              <a:t>类</a:t>
+            </a:r>
+            <a:r>
+              <a:rPr lang="zh-CN" altLang="en-US" dirty="0">
+                <a:solidFill>
+                  <a:srgbClr val="151515"/>
+                </a:solidFill>
+                <a:latin typeface="+mn-ea"/>
+                <a:ea typeface="+mn-ea"/>
+              </a:rPr>
+              <a:t>，用于不同坐标系之间的转换。</a:t>
+            </a:r>
+            <a:endParaRPr lang="en-US" altLang="zh-CN" dirty="0">
+              <a:solidFill>
+                <a:srgbClr val="151515"/>
+              </a:solidFill>
+              <a:latin typeface="+mn-ea"/>
+              <a:ea typeface="+mn-ea"/>
+            </a:endParaRPr>
+          </a:p>
+          <a:p>
+            <a:pPr algn="just">
+              <a:lnSpc>
+                <a:spcPts val="4000"/>
+              </a:lnSpc>
+            </a:pPr>
+            <a:r>
+              <a:rPr lang="en-US" altLang="zh-CN" b="1" u="sng" dirty="0" err="1">
+                <a:solidFill>
+                  <a:srgbClr val="151515"/>
+                </a:solidFill>
+                <a:latin typeface="+mn-ea"/>
+                <a:ea typeface="+mn-ea"/>
+              </a:rPr>
+              <a:t>OGRCreateCoordinateTransformation</a:t>
+            </a:r>
+            <a:r>
+              <a:rPr lang="zh-CN" altLang="en-US" b="1" u="sng" dirty="0">
+                <a:solidFill>
+                  <a:srgbClr val="151515"/>
+                </a:solidFill>
+                <a:latin typeface="+mn-ea"/>
+                <a:ea typeface="+mn-ea"/>
+              </a:rPr>
+              <a:t>类</a:t>
+            </a:r>
+            <a:r>
+              <a:rPr lang="zh-CN" altLang="en-US" dirty="0">
+                <a:solidFill>
+                  <a:srgbClr val="151515"/>
+                </a:solidFill>
+                <a:latin typeface="+mn-ea"/>
+                <a:ea typeface="+mn-ea"/>
+              </a:rPr>
+              <a:t>，用于创建转换对象，然后调用。</a:t>
+            </a:r>
+            <a:endParaRPr lang="en-US" altLang="zh-CN" dirty="0">
+              <a:solidFill>
+                <a:srgbClr val="151515"/>
+              </a:solidFill>
+              <a:latin typeface="+mn-ea"/>
+              <a:ea typeface="+mn-ea"/>
+            </a:endParaRPr>
+          </a:p>
+          <a:p>
+            <a:pPr algn="just">
+              <a:lnSpc>
+                <a:spcPts val="4000"/>
+              </a:lnSpc>
+            </a:pPr>
+            <a:r>
+              <a:rPr lang="en-US" altLang="zh-CN" b="1" u="sng" dirty="0" err="1">
+                <a:solidFill>
+                  <a:srgbClr val="151515"/>
+                </a:solidFill>
+                <a:latin typeface="+mn-ea"/>
+                <a:ea typeface="+mn-ea"/>
+              </a:rPr>
+              <a:t>OGRCoordinateTransformation</a:t>
+            </a:r>
+            <a:r>
+              <a:rPr lang="en-US" altLang="zh-CN" b="1" u="sng" dirty="0">
+                <a:solidFill>
+                  <a:srgbClr val="151515"/>
+                </a:solidFill>
+                <a:latin typeface="+mn-ea"/>
+                <a:ea typeface="+mn-ea"/>
+              </a:rPr>
+              <a:t>::Transform() </a:t>
+            </a:r>
+            <a:r>
+              <a:rPr lang="zh-CN" altLang="en-US" b="1" u="sng" dirty="0">
+                <a:solidFill>
+                  <a:srgbClr val="151515"/>
+                </a:solidFill>
+                <a:latin typeface="+mn-ea"/>
+                <a:ea typeface="+mn-ea"/>
+              </a:rPr>
+              <a:t>方法</a:t>
+            </a:r>
+            <a:r>
+              <a:rPr lang="zh-CN" altLang="en-US" dirty="0">
+                <a:solidFill>
+                  <a:srgbClr val="151515"/>
+                </a:solidFill>
+                <a:latin typeface="+mn-ea"/>
+                <a:ea typeface="+mn-ea"/>
+              </a:rPr>
+              <a:t>，用于转换坐标。</a:t>
+            </a:r>
+            <a:endParaRPr lang="en-US" altLang="zh-CN" dirty="0">
+              <a:solidFill>
+                <a:srgbClr val="151515"/>
+              </a:solidFill>
+              <a:latin typeface="+mn-ea"/>
+              <a:ea typeface="+mn-ea"/>
+            </a:endParaRPr>
+          </a:p>
+        </p:txBody>
+      </p:sp>
+    </p:spTree>
+    <p:extLst>
+      <p:ext uri="{BB962C8B-B14F-4D97-AF65-F5344CB8AC3E}">
+        <p14:creationId xmlns:p14="http://schemas.microsoft.com/office/powerpoint/2010/main" val="2647094427"/>
+      </p:ext>
+    </p:extLst>
+  </p:cSld>
+  <p:clrMapOvr>
+    <a:masterClrMapping/>
+  </p:clrMapOvr>
+  <p:transition>
+    <p:fade/>
+  </p:transition>
+</p:sld>
+</file>
+
+<file path=ppt/slides/slide15.xml><?xml version="1.0" encoding="utf-8"?>
+<p:sld xmlns:a="http://schemas.openxmlformats.org/drawingml/2006/main" xmlns:r="http://schemas.openxmlformats.org/officeDocument/2006/relationships" xmlns:p="http://schemas.openxmlformats.org/presentationml/2006/main">
+  <p:cSld>
+    <p:spTree>
+      <p:nvGrpSpPr>
+        <p:cNvPr id="1" name=""/>
+        <p:cNvGrpSpPr/>
+        <p:nvPr/>
+      </p:nvGrpSpPr>
+      <p:grpSpPr>
+        <a:xfrm>
+          <a:off x="0" y="0"/>
+          <a:ext cx="0" cy="0"/>
+          <a:chOff x="0" y="0"/>
+          <a:chExt cx="0" cy="0"/>
+        </a:xfrm>
+      </p:grpSpPr>
+      <p:sp>
+        <p:nvSpPr>
+          <p:cNvPr id="3" name="标题 2"/>
+          <p:cNvSpPr>
+            <a:spLocks noGrp="1"/>
+          </p:cNvSpPr>
+          <p:nvPr>
+            <p:ph type="title"/>
+          </p:nvPr>
+        </p:nvSpPr>
+        <p:spPr>
+          <a:xfrm>
+            <a:off x="0" y="8526"/>
+            <a:ext cx="9013371" cy="792162"/>
+          </a:xfrm>
+        </p:spPr>
+        <p:txBody>
+          <a:bodyPr/>
+          <a:lstStyle/>
+          <a:p>
+            <a:r>
+              <a:rPr lang="zh-CN" altLang="en-US" sz="3600" b="1" dirty="0">
+                <a:latin typeface="微软雅黑" pitchFamily="34" charset="-122"/>
+                <a:ea typeface="微软雅黑" pitchFamily="34" charset="-122"/>
+              </a:rPr>
+              <a:t>三、</a:t>
+            </a:r>
+            <a:r>
+              <a:rPr lang="en-US" altLang="zh-CN" sz="3600" b="1" dirty="0">
+                <a:latin typeface="微软雅黑" pitchFamily="34" charset="-122"/>
+                <a:ea typeface="微软雅黑" pitchFamily="34" charset="-122"/>
+              </a:rPr>
+              <a:t>Python</a:t>
+            </a:r>
+            <a:r>
+              <a:rPr lang="zh-CN" altLang="en-US" sz="3600" b="1" dirty="0">
+                <a:latin typeface="微软雅黑" pitchFamily="34" charset="-122"/>
+                <a:ea typeface="微软雅黑" pitchFamily="34" charset="-122"/>
+              </a:rPr>
+              <a:t>开发环境配置</a:t>
+            </a:r>
+            <a:endParaRPr lang="zh-CN" altLang="en-US" dirty="0"/>
+          </a:p>
+        </p:txBody>
+      </p:sp>
+      <p:sp>
+        <p:nvSpPr>
+          <p:cNvPr id="11" name="TextBox 10">
+            <a:extLst>
+              <a:ext uri="{FF2B5EF4-FFF2-40B4-BE49-F238E27FC236}">
+                <a16:creationId xmlns:a16="http://schemas.microsoft.com/office/drawing/2014/main" id="{53A7E693-8098-76C4-CD5D-47166ABEB164}"/>
+              </a:ext>
+            </a:extLst>
+          </p:cNvPr>
+          <p:cNvSpPr txBox="1"/>
+          <p:nvPr/>
+        </p:nvSpPr>
+        <p:spPr>
+          <a:xfrm>
+            <a:off x="414554" y="1032836"/>
+            <a:ext cx="8314891" cy="743986"/>
+          </a:xfrm>
+          <a:prstGeom prst="rect">
+            <a:avLst/>
+          </a:prstGeom>
+          <a:noFill/>
+        </p:spPr>
+        <p:txBody>
+          <a:bodyPr wrap="square" rtlCol="0">
+            <a:spAutoFit/>
+          </a:bodyPr>
+          <a:lstStyle/>
+          <a:p>
+            <a:pPr algn="just">
+              <a:lnSpc>
+                <a:spcPct val="150000"/>
+              </a:lnSpc>
+            </a:pPr>
+            <a:r>
+              <a:rPr lang="zh-CN" altLang="en-US" sz="3200" b="1" dirty="0">
+                <a:solidFill>
+                  <a:srgbClr val="333333"/>
+                </a:solidFill>
+                <a:latin typeface="+mn-ea"/>
+                <a:ea typeface="+mn-ea"/>
+              </a:rPr>
+              <a:t>课堂课后练习</a:t>
+            </a:r>
+            <a:endParaRPr lang="en-US" altLang="zh-CN" sz="3200" b="1" dirty="0">
+              <a:solidFill>
+                <a:srgbClr val="333333"/>
+              </a:solidFill>
+              <a:latin typeface="+mn-ea"/>
+              <a:ea typeface="+mn-ea"/>
+            </a:endParaRPr>
+          </a:p>
+        </p:txBody>
+      </p:sp>
+      <p:sp>
+        <p:nvSpPr>
+          <p:cNvPr id="13" name="TextBox 12">
+            <a:extLst>
+              <a:ext uri="{FF2B5EF4-FFF2-40B4-BE49-F238E27FC236}">
+                <a16:creationId xmlns:a16="http://schemas.microsoft.com/office/drawing/2014/main" id="{303BC878-BC57-D350-27A3-F03AE48213AC}"/>
+              </a:ext>
+            </a:extLst>
+          </p:cNvPr>
+          <p:cNvSpPr txBox="1"/>
+          <p:nvPr/>
+        </p:nvSpPr>
+        <p:spPr>
+          <a:xfrm>
+            <a:off x="553250" y="1872358"/>
+            <a:ext cx="8037499" cy="4755982"/>
+          </a:xfrm>
+          <a:prstGeom prst="rect">
+            <a:avLst/>
+          </a:prstGeom>
+          <a:noFill/>
+        </p:spPr>
+        <p:txBody>
+          <a:bodyPr wrap="square">
+            <a:spAutoFit/>
+          </a:bodyPr>
+          <a:lstStyle/>
+          <a:p>
+            <a:pPr marL="457200" indent="-457200" algn="just">
+              <a:lnSpc>
+                <a:spcPct val="150000"/>
+              </a:lnSpc>
+              <a:buAutoNum type="arabicPeriod"/>
+            </a:pPr>
+            <a:r>
+              <a:rPr lang="zh-CN" altLang="en-US" sz="2800" dirty="0">
+                <a:solidFill>
+                  <a:srgbClr val="333333"/>
+                </a:solidFill>
+                <a:latin typeface="+mn-ea"/>
+                <a:ea typeface="+mn-ea"/>
+              </a:rPr>
+              <a:t>练习利用</a:t>
+            </a:r>
+            <a:r>
+              <a:rPr lang="en-US" altLang="zh-CN" sz="2800" dirty="0">
+                <a:solidFill>
+                  <a:srgbClr val="333333"/>
+                </a:solidFill>
+                <a:latin typeface="+mn-ea"/>
+                <a:ea typeface="+mn-ea"/>
+              </a:rPr>
+              <a:t>Anaconda</a:t>
+            </a:r>
+            <a:r>
+              <a:rPr lang="zh-CN" altLang="en-US" sz="2800" dirty="0">
+                <a:solidFill>
+                  <a:srgbClr val="333333"/>
+                </a:solidFill>
+                <a:latin typeface="+mn-ea"/>
+                <a:ea typeface="+mn-ea"/>
+              </a:rPr>
+              <a:t>开源软件管理包进行</a:t>
+            </a:r>
+            <a:r>
+              <a:rPr lang="en-US" altLang="zh-CN" sz="2800" dirty="0">
+                <a:solidFill>
+                  <a:srgbClr val="333333"/>
+                </a:solidFill>
+                <a:latin typeface="+mn-ea"/>
+                <a:ea typeface="+mn-ea"/>
+              </a:rPr>
+              <a:t>python</a:t>
+            </a:r>
+            <a:r>
+              <a:rPr lang="zh-CN" altLang="en-US" sz="2800" dirty="0">
+                <a:solidFill>
+                  <a:srgbClr val="333333"/>
+                </a:solidFill>
+                <a:latin typeface="+mn-ea"/>
+                <a:ea typeface="+mn-ea"/>
+              </a:rPr>
+              <a:t>开发环境配置。</a:t>
+            </a:r>
+            <a:endParaRPr lang="en-US" altLang="zh-CN" sz="2800" dirty="0">
+              <a:solidFill>
+                <a:srgbClr val="333333"/>
+              </a:solidFill>
+              <a:latin typeface="+mn-ea"/>
+              <a:ea typeface="+mn-ea"/>
+            </a:endParaRPr>
+          </a:p>
+          <a:p>
+            <a:pPr marL="457200" indent="-457200" algn="just">
+              <a:lnSpc>
+                <a:spcPct val="150000"/>
+              </a:lnSpc>
+              <a:buAutoNum type="arabicPeriod"/>
+            </a:pPr>
+            <a:endParaRPr lang="en-US" altLang="zh-CN" sz="2800" dirty="0">
+              <a:solidFill>
+                <a:srgbClr val="333333"/>
+              </a:solidFill>
+              <a:latin typeface="+mn-ea"/>
+              <a:ea typeface="+mn-ea"/>
+            </a:endParaRPr>
+          </a:p>
+          <a:p>
+            <a:pPr marL="457200" indent="-457200" algn="just">
+              <a:lnSpc>
+                <a:spcPct val="150000"/>
+              </a:lnSpc>
+              <a:buAutoNum type="arabicPeriod"/>
+            </a:pPr>
+            <a:endParaRPr lang="en-US" altLang="zh-CN" sz="2800" dirty="0">
+              <a:solidFill>
+                <a:srgbClr val="333333"/>
+              </a:solidFill>
+              <a:latin typeface="+mn-ea"/>
+              <a:ea typeface="+mn-ea"/>
+            </a:endParaRPr>
+          </a:p>
+          <a:p>
+            <a:pPr marL="457200" indent="-457200" algn="just">
+              <a:lnSpc>
+                <a:spcPct val="150000"/>
+              </a:lnSpc>
+              <a:buAutoNum type="arabicPeriod"/>
+            </a:pPr>
+            <a:endParaRPr lang="en-US" altLang="zh-CN" sz="2800" dirty="0">
+              <a:solidFill>
+                <a:srgbClr val="333333"/>
+              </a:solidFill>
+              <a:latin typeface="+mn-ea"/>
+              <a:ea typeface="+mn-ea"/>
+            </a:endParaRPr>
+          </a:p>
+          <a:p>
+            <a:pPr marL="457200" indent="-457200" algn="just">
+              <a:lnSpc>
+                <a:spcPct val="150000"/>
+              </a:lnSpc>
+              <a:buAutoNum type="arabicPeriod"/>
+            </a:pPr>
+            <a:endParaRPr lang="en-US" altLang="zh-CN" sz="2800" dirty="0">
+              <a:solidFill>
+                <a:srgbClr val="333333"/>
+              </a:solidFill>
+              <a:latin typeface="+mn-ea"/>
+              <a:ea typeface="+mn-ea"/>
+            </a:endParaRPr>
+          </a:p>
+        </p:txBody>
+      </p:sp>
+    </p:spTree>
+    <p:extLst>
+      <p:ext uri="{BB962C8B-B14F-4D97-AF65-F5344CB8AC3E}">
+        <p14:creationId xmlns:p14="http://schemas.microsoft.com/office/powerpoint/2010/main" val="1209572041"/>
+      </p:ext>
+    </p:extLst>
+  </p:cSld>
+  <p:clrMapOvr>
+    <a:masterClrMapping/>
+  </p:clrMapOvr>
+  <p:transition>
+    <p:fade/>
+  </p:transition>
+</p:sld>
+</file>
+
 <file path=ppt/slides/slide2.xml><?xml version="1.0" encoding="utf-8"?>
 <p:sld xmlns:a="http://schemas.openxmlformats.org/drawingml/2006/main" xmlns:r="http://schemas.openxmlformats.org/officeDocument/2006/relationships" xmlns:p="http://schemas.openxmlformats.org/presentationml/2006/main" showMasterSp="0">
   <p:cSld>
@@ -15296,7 +19971,7 @@
                 </a:spcAft>
               </a:pPr>
               <a:r>
-                <a:rPr lang="zh-CN" altLang="en-CN" sz="3200" b="1" dirty="0">
+                <a:rPr lang="en-US" altLang="zh-CN" sz="3200" b="1" dirty="0">
                   <a:solidFill>
                     <a:schemeClr val="accent1"/>
                   </a:solidFill>
@@ -15306,7 +19981,7 @@
                   <a:latin typeface="Arial"/>
                   <a:ea typeface="微软雅黑"/>
                 </a:rPr>
-                <a:t>开源</a:t>
+                <a:t>OGR</a:t>
               </a:r>
               <a:r>
                 <a:rPr lang="zh-CN" altLang="en-US" sz="3200" b="1" dirty="0">
@@ -15319,7 +19994,7 @@
                   <a:latin typeface="Arial"/>
                   <a:ea typeface="微软雅黑"/>
                 </a:rPr>
-                <a:t>软件管理工具</a:t>
+                <a:t>开源库介绍</a:t>
               </a:r>
               <a:endParaRPr lang="en-US" altLang="zh-CN" sz="3200" b="1" dirty="0">
                 <a:solidFill>
@@ -15523,10 +20198,10 @@
                   <a:latin typeface="Arial"/>
                   <a:ea typeface="微软雅黑"/>
                 </a:rPr>
-                <a:t>开源</a:t>
+                <a:t>矢量数据与</a:t>
               </a:r>
               <a:r>
-                <a:rPr lang="en-US" altLang="zh-CN" sz="3200" b="1" dirty="0">
+                <a:rPr lang="en-US" altLang="zh-CN" sz="3200" b="1" dirty="0" err="1">
                   <a:solidFill>
                     <a:schemeClr val="accent1"/>
                   </a:solidFill>
@@ -15536,21 +20211,18 @@
                   <a:latin typeface="Arial"/>
                   <a:ea typeface="微软雅黑"/>
                 </a:rPr>
-                <a:t>Linux</a:t>
+                <a:t>OpenGIS</a:t>
               </a:r>
-              <a:r>
-                <a:rPr lang="zh-CN" altLang="en-US" sz="3200" b="1" dirty="0">
-                  <a:solidFill>
-                    <a:schemeClr val="accent1"/>
-                  </a:solidFill>
-                  <a:highlight>
-                    <a:srgbClr val="FFFFFF"/>
-                  </a:highlight>
-                  <a:latin typeface="Arial"/>
-                  <a:ea typeface="微软雅黑"/>
-                </a:rPr>
-                <a:t>操作系统简介</a:t>
-              </a:r>
+              <a:endParaRPr lang="zh-CN" altLang="en-US" sz="3200" b="1" dirty="0">
+                <a:solidFill>
+                  <a:schemeClr val="accent1"/>
+                </a:solidFill>
+                <a:highlight>
+                  <a:srgbClr val="FFFFFF"/>
+                </a:highlight>
+                <a:latin typeface="Arial"/>
+                <a:ea typeface="微软雅黑"/>
+              </a:endParaRPr>
             </a:p>
           </p:txBody>
         </p:sp>
@@ -15660,22 +20332,19 @@
                 <a:latin typeface="微软雅黑" pitchFamily="34" charset="-122"/>
                 <a:ea typeface="微软雅黑" pitchFamily="34" charset="-122"/>
               </a:rPr>
-              <a:t>一、开源</a:t>
-            </a:r>
-            <a:r>
-              <a:rPr lang="en-US" altLang="zh-CN" sz="4000" b="1" dirty="0">
+              <a:t>一、矢量数据与</a:t>
+            </a:r>
+            <a:r>
+              <a:rPr lang="en-US" altLang="zh-CN" sz="4000" b="1" dirty="0" err="1">
                 <a:latin typeface="微软雅黑" pitchFamily="34" charset="-122"/>
                 <a:ea typeface="微软雅黑" pitchFamily="34" charset="-122"/>
               </a:rPr>
-              <a:t>Linux</a:t>
-            </a:r>
-            <a:r>
-              <a:rPr lang="zh-CN" altLang="en-US" sz="4000" b="1" dirty="0">
-                <a:latin typeface="微软雅黑" pitchFamily="34" charset="-122"/>
-                <a:ea typeface="微软雅黑" pitchFamily="34" charset="-122"/>
-              </a:rPr>
-              <a:t>操作系统简介</a:t>
-            </a:r>
+              <a:t>OpenGIS</a:t>
+            </a:r>
+            <a:endParaRPr lang="zh-CN" altLang="en-US" sz="4000" b="1" dirty="0">
+              <a:latin typeface="微软雅黑" pitchFamily="34" charset="-122"/>
+              <a:ea typeface="微软雅黑" pitchFamily="34" charset="-122"/>
+            </a:endParaRPr>
           </a:p>
         </p:txBody>
       </p:sp>
@@ -15865,7 +20534,7 @@
                 <a:latin typeface="+mn-ea"/>
                 <a:ea typeface="+mn-ea"/>
               </a:rPr>
-              <a:t>、基本概念</a:t>
+              <a:t>、矢量数据</a:t>
             </a:r>
             <a:endParaRPr lang="en-US" altLang="zh-CN" sz="2800" b="1" dirty="0">
               <a:solidFill>
@@ -15891,8 +20560,8 @@
         </p:nvSpPr>
         <p:spPr>
           <a:xfrm>
-            <a:off x="602053" y="1405997"/>
-            <a:ext cx="8009686" cy="3120213"/>
+            <a:off x="460513" y="1439127"/>
+            <a:ext cx="8222974" cy="2698624"/>
           </a:xfrm>
           <a:prstGeom prst="rect">
             <a:avLst/>
@@ -15911,99 +20580,82 @@
               </a:lnSpc>
             </a:pPr>
             <a:r>
-              <a:rPr lang="en-US" altLang="zh-CN" dirty="0">
+              <a:rPr lang="zh-CN" altLang="en-US" sz="2200" dirty="0">
                 <a:solidFill>
                   <a:srgbClr val="151515"/>
                 </a:solidFill>
                 <a:latin typeface="+mn-ea"/>
                 <a:ea typeface="+mn-ea"/>
               </a:rPr>
-              <a:t>GDAL(Geospatial Data Abstraction Library)</a:t>
-            </a:r>
-            <a:r>
-              <a:rPr lang="zh-CN" altLang="en-US" dirty="0">
+              <a:t>矢量数据结构是通过记录空间对象的坐标及空间关系，尽可能精确地表现点、线、多边形等地理实体的空间位置。在矢量数据结构中，点数据可直接用</a:t>
+            </a:r>
+            <a:r>
+              <a:rPr lang="zh-CN" altLang="en-US" sz="2200" b="1" u="sng" dirty="0">
                 <a:solidFill>
                   <a:srgbClr val="151515"/>
                 </a:solidFill>
                 <a:latin typeface="+mn-ea"/>
                 <a:ea typeface="+mn-ea"/>
               </a:rPr>
-              <a:t>是一个在</a:t>
-            </a:r>
-            <a:r>
-              <a:rPr lang="en-US" altLang="zh-CN" dirty="0">
+              <a:t>坐标值</a:t>
+            </a:r>
+            <a:r>
+              <a:rPr lang="zh-CN" altLang="en-US" sz="2200" dirty="0">
                 <a:solidFill>
                   <a:srgbClr val="151515"/>
                 </a:solidFill>
                 <a:latin typeface="+mn-ea"/>
                 <a:ea typeface="+mn-ea"/>
               </a:rPr>
-              <a:t>MIT</a:t>
-            </a:r>
-            <a:r>
-              <a:rPr lang="zh-CN" altLang="en-US" dirty="0">
+              <a:t>描述；线数据可用均匀或不均匀间隔的</a:t>
+            </a:r>
+            <a:r>
+              <a:rPr lang="zh-CN" altLang="en-US" sz="2200" b="1" u="sng" dirty="0">
                 <a:solidFill>
                   <a:srgbClr val="151515"/>
                 </a:solidFill>
                 <a:latin typeface="+mn-ea"/>
                 <a:ea typeface="+mn-ea"/>
               </a:rPr>
-              <a:t>许可协议下的开源栅格空间数据转换库。</a:t>
-            </a:r>
-            <a:endParaRPr lang="en-US" altLang="zh-CN" dirty="0">
+              <a:t>点链</a:t>
+            </a:r>
+            <a:r>
+              <a:rPr lang="zh-CN" altLang="en-US" sz="2200" dirty="0">
+                <a:solidFill>
+                  <a:srgbClr val="151515"/>
+                </a:solidFill>
+                <a:latin typeface="+mn-ea"/>
+                <a:ea typeface="+mn-ea"/>
+              </a:rPr>
+              <a:t>来描述；面数据可由</a:t>
+            </a:r>
+            <a:r>
+              <a:rPr lang="zh-CN" altLang="en-US" sz="2200" b="1" u="sng" dirty="0">
+                <a:solidFill>
+                  <a:srgbClr val="151515"/>
+                </a:solidFill>
+                <a:latin typeface="+mn-ea"/>
+                <a:ea typeface="+mn-ea"/>
+              </a:rPr>
+              <a:t>多条线段</a:t>
+            </a:r>
+            <a:r>
+              <a:rPr lang="zh-CN" altLang="en-US" sz="2200" dirty="0">
+                <a:solidFill>
+                  <a:srgbClr val="151515"/>
+                </a:solidFill>
+                <a:latin typeface="+mn-ea"/>
+                <a:ea typeface="+mn-ea"/>
+              </a:rPr>
+              <a:t>组成的封闭多边形表达。</a:t>
+            </a:r>
+            <a:endParaRPr lang="en-US" altLang="zh-CN" sz="2200" dirty="0">
               <a:solidFill>
                 <a:srgbClr val="151515"/>
               </a:solidFill>
               <a:latin typeface="+mn-ea"/>
               <a:ea typeface="+mn-ea"/>
             </a:endParaRPr>
-          </a:p>
-          <a:p>
-            <a:pPr algn="just">
-              <a:lnSpc>
-                <a:spcPct val="200000"/>
-              </a:lnSpc>
-            </a:pPr>
-            <a:r>
-              <a:rPr lang="en-US" altLang="zh-CN" dirty="0">
-                <a:solidFill>
-                  <a:srgbClr val="151515"/>
-                </a:solidFill>
-                <a:latin typeface="+mn-ea"/>
-                <a:ea typeface="+mn-ea"/>
-              </a:rPr>
-              <a:t>OGR</a:t>
-            </a:r>
-            <a:r>
-              <a:rPr lang="zh-CN" altLang="en-US" dirty="0">
-                <a:solidFill>
-                  <a:srgbClr val="151515"/>
-                </a:solidFill>
-                <a:latin typeface="+mn-ea"/>
-                <a:ea typeface="+mn-ea"/>
-              </a:rPr>
-              <a:t>是</a:t>
-            </a:r>
-            <a:r>
-              <a:rPr lang="en-US" altLang="zh-CN" dirty="0">
-                <a:solidFill>
-                  <a:srgbClr val="151515"/>
-                </a:solidFill>
-                <a:latin typeface="+mn-ea"/>
-                <a:ea typeface="+mn-ea"/>
-              </a:rPr>
-              <a:t>GDAL</a:t>
-            </a:r>
-            <a:r>
-              <a:rPr lang="zh-CN" altLang="en-US" dirty="0">
-                <a:solidFill>
-                  <a:srgbClr val="151515"/>
-                </a:solidFill>
-                <a:latin typeface="+mn-ea"/>
-                <a:ea typeface="+mn-ea"/>
-              </a:rPr>
-              <a:t>项目的一个分支，提供对地理矢量数据的支持。</a:t>
-            </a:r>
           </a:p>
         </p:txBody>
       </p:sp>
@@ -16052,66 +20704,1560 @@
           </a:p>
         </p:txBody>
       </p:sp>
-      <p:pic>
-        <p:nvPicPr>
-          <p:cNvPr id="7" name="图片 6">
+      <p:grpSp>
+        <p:nvGrpSpPr>
+          <p:cNvPr id="66" name="组合 65">
             <a:extLst>
               <a:ext uri="{FF2B5EF4-FFF2-40B4-BE49-F238E27FC236}">
-                <a16:creationId xmlns:a16="http://schemas.microsoft.com/office/drawing/2014/main" id="{9165CB10-04C4-C5F6-49A4-701B334EABB4}"/>
+                <a16:creationId xmlns:a16="http://schemas.microsoft.com/office/drawing/2014/main" id="{383CEB48-45C7-3827-472C-20BF5F866020}"/>
               </a:ext>
             </a:extLst>
           </p:cNvPr>
-          <p:cNvPicPr>
-            <a:picLocks noChangeAspect="1"/>
-          </p:cNvPicPr>
+          <p:cNvGrpSpPr/>
           <p:nvPr/>
-        </p:nvPicPr>
-        <p:blipFill>
-          <a:blip r:embed="rId3"/>
-          <a:stretch>
-            <a:fillRect/>
-          </a:stretch>
-        </p:blipFill>
-        <p:spPr>
+        </p:nvGrpSpPr>
+        <p:grpSpPr>
           <a:xfrm>
-            <a:off x="935265" y="4836732"/>
-            <a:ext cx="4114717" cy="1536161"/>
+            <a:off x="690797" y="4533062"/>
+            <a:ext cx="2132306" cy="1850765"/>
+            <a:chOff x="690797" y="4533062"/>
+            <a:chExt cx="2132306" cy="1850765"/>
           </a:xfrm>
-          <a:prstGeom prst="rect">
-            <a:avLst/>
-          </a:prstGeom>
-        </p:spPr>
-      </p:pic>
-      <p:pic>
-        <p:nvPicPr>
-          <p:cNvPr id="9" name="图片 8">
+        </p:grpSpPr>
+        <p:grpSp>
+          <p:nvGrpSpPr>
+            <p:cNvPr id="33" name="组合 32">
+              <a:extLst>
+                <a:ext uri="{FF2B5EF4-FFF2-40B4-BE49-F238E27FC236}">
+                  <a16:creationId xmlns:a16="http://schemas.microsoft.com/office/drawing/2014/main" id="{0E69F7C4-BE43-2491-FE7E-6BB63B1D9E55}"/>
+                </a:ext>
+              </a:extLst>
+            </p:cNvPr>
+            <p:cNvGrpSpPr/>
+            <p:nvPr/>
+          </p:nvGrpSpPr>
+          <p:grpSpPr>
+            <a:xfrm>
+              <a:off x="690797" y="4533062"/>
+              <a:ext cx="2132306" cy="1130853"/>
+              <a:chOff x="1015173" y="4729414"/>
+              <a:chExt cx="1783883" cy="1023421"/>
+            </a:xfrm>
+          </p:grpSpPr>
+          <p:sp>
+            <p:nvSpPr>
+              <p:cNvPr id="6" name="椭圆 5">
+                <a:extLst>
+                  <a:ext uri="{FF2B5EF4-FFF2-40B4-BE49-F238E27FC236}">
+                    <a16:creationId xmlns:a16="http://schemas.microsoft.com/office/drawing/2014/main" id="{BC4FDD59-49EF-A59F-2C94-812DEC035ACD}"/>
+                  </a:ext>
+                </a:extLst>
+              </p:cNvPr>
+              <p:cNvSpPr/>
+              <p:nvPr/>
+            </p:nvSpPr>
+            <p:spPr>
+              <a:xfrm>
+                <a:off x="1175810" y="4979765"/>
+                <a:ext cx="84858" cy="96400"/>
+              </a:xfrm>
+              <a:prstGeom prst="ellipse">
+                <a:avLst/>
+              </a:prstGeom>
+              <a:solidFill>
+                <a:srgbClr val="00B050"/>
+              </a:solidFill>
+              <a:ln>
+                <a:noFill/>
+              </a:ln>
+            </p:spPr>
+            <p:txBody>
+              <a:bodyPr wrap="square" lIns="0" rtlCol="0" anchor="ctr">
+                <a:noAutofit/>
+              </a:bodyPr>
+              <a:lstStyle/>
+              <a:p>
+                <a:pPr algn="l"/>
+                <a:endParaRPr lang="zh-CN" altLang="en-US" b="1" dirty="0">
+                  <a:solidFill>
+                    <a:srgbClr val="FF0000"/>
+                  </a:solidFill>
+                  <a:latin typeface="微软雅黑" pitchFamily="34" charset="-122"/>
+                  <a:ea typeface="微软雅黑" pitchFamily="34" charset="-122"/>
+                </a:endParaRPr>
+              </a:p>
+            </p:txBody>
+          </p:sp>
+          <p:sp>
+            <p:nvSpPr>
+              <p:cNvPr id="8" name="椭圆 7">
+                <a:extLst>
+                  <a:ext uri="{FF2B5EF4-FFF2-40B4-BE49-F238E27FC236}">
+                    <a16:creationId xmlns:a16="http://schemas.microsoft.com/office/drawing/2014/main" id="{443BA2D6-E28F-22A4-99A9-29C322963118}"/>
+                  </a:ext>
+                </a:extLst>
+              </p:cNvPr>
+              <p:cNvSpPr/>
+              <p:nvPr/>
+            </p:nvSpPr>
+            <p:spPr>
+              <a:xfrm>
+                <a:off x="1015173" y="5341911"/>
+                <a:ext cx="84858" cy="96400"/>
+              </a:xfrm>
+              <a:prstGeom prst="ellipse">
+                <a:avLst/>
+              </a:prstGeom>
+              <a:solidFill>
+                <a:srgbClr val="00B050"/>
+              </a:solidFill>
+              <a:ln>
+                <a:noFill/>
+              </a:ln>
+            </p:spPr>
+            <p:txBody>
+              <a:bodyPr wrap="square" lIns="0" rtlCol="0" anchor="ctr">
+                <a:noAutofit/>
+              </a:bodyPr>
+              <a:lstStyle/>
+              <a:p>
+                <a:pPr algn="l"/>
+                <a:endParaRPr lang="zh-CN" altLang="en-US" b="1" dirty="0">
+                  <a:solidFill>
+                    <a:srgbClr val="FF0000"/>
+                  </a:solidFill>
+                  <a:latin typeface="微软雅黑" pitchFamily="34" charset="-122"/>
+                  <a:ea typeface="微软雅黑" pitchFamily="34" charset="-122"/>
+                </a:endParaRPr>
+              </a:p>
+            </p:txBody>
+          </p:sp>
+          <p:sp>
+            <p:nvSpPr>
+              <p:cNvPr id="14" name="椭圆 13">
+                <a:extLst>
+                  <a:ext uri="{FF2B5EF4-FFF2-40B4-BE49-F238E27FC236}">
+                    <a16:creationId xmlns:a16="http://schemas.microsoft.com/office/drawing/2014/main" id="{20D5DE00-63A0-9CA8-7241-10461D19CEAE}"/>
+                  </a:ext>
+                </a:extLst>
+              </p:cNvPr>
+              <p:cNvSpPr/>
+              <p:nvPr/>
+            </p:nvSpPr>
+            <p:spPr>
+              <a:xfrm>
+                <a:off x="1691257" y="5007881"/>
+                <a:ext cx="84858" cy="96400"/>
+              </a:xfrm>
+              <a:prstGeom prst="ellipse">
+                <a:avLst/>
+              </a:prstGeom>
+              <a:solidFill>
+                <a:srgbClr val="00B050"/>
+              </a:solidFill>
+              <a:ln>
+                <a:noFill/>
+              </a:ln>
+            </p:spPr>
+            <p:txBody>
+              <a:bodyPr wrap="square" lIns="0" rtlCol="0" anchor="ctr">
+                <a:noAutofit/>
+              </a:bodyPr>
+              <a:lstStyle/>
+              <a:p>
+                <a:pPr algn="l"/>
+                <a:endParaRPr lang="zh-CN" altLang="en-US" b="1" dirty="0">
+                  <a:solidFill>
+                    <a:srgbClr val="FF0000"/>
+                  </a:solidFill>
+                  <a:latin typeface="微软雅黑" pitchFamily="34" charset="-122"/>
+                  <a:ea typeface="微软雅黑" pitchFamily="34" charset="-122"/>
+                </a:endParaRPr>
+              </a:p>
+            </p:txBody>
+          </p:sp>
+          <p:sp>
+            <p:nvSpPr>
+              <p:cNvPr id="15" name="椭圆 14">
+                <a:extLst>
+                  <a:ext uri="{FF2B5EF4-FFF2-40B4-BE49-F238E27FC236}">
+                    <a16:creationId xmlns:a16="http://schemas.microsoft.com/office/drawing/2014/main" id="{5496468B-16E7-B08E-EAB8-09185B7C9A17}"/>
+                  </a:ext>
+                </a:extLst>
+              </p:cNvPr>
+              <p:cNvSpPr/>
+              <p:nvPr/>
+            </p:nvSpPr>
+            <p:spPr>
+              <a:xfrm>
+                <a:off x="1791683" y="5640310"/>
+                <a:ext cx="84858" cy="96400"/>
+              </a:xfrm>
+              <a:prstGeom prst="ellipse">
+                <a:avLst/>
+              </a:prstGeom>
+              <a:solidFill>
+                <a:srgbClr val="00B050"/>
+              </a:solidFill>
+              <a:ln>
+                <a:noFill/>
+              </a:ln>
+            </p:spPr>
+            <p:txBody>
+              <a:bodyPr wrap="square" lIns="0" rtlCol="0" anchor="ctr">
+                <a:noAutofit/>
+              </a:bodyPr>
+              <a:lstStyle/>
+              <a:p>
+                <a:pPr algn="l"/>
+                <a:endParaRPr lang="zh-CN" altLang="en-US" b="1" dirty="0">
+                  <a:solidFill>
+                    <a:srgbClr val="FF0000"/>
+                  </a:solidFill>
+                  <a:latin typeface="微软雅黑" pitchFamily="34" charset="-122"/>
+                  <a:ea typeface="微软雅黑" pitchFamily="34" charset="-122"/>
+                </a:endParaRPr>
+              </a:p>
+            </p:txBody>
+          </p:sp>
+          <p:sp>
+            <p:nvSpPr>
+              <p:cNvPr id="16" name="椭圆 15">
+                <a:extLst>
+                  <a:ext uri="{FF2B5EF4-FFF2-40B4-BE49-F238E27FC236}">
+                    <a16:creationId xmlns:a16="http://schemas.microsoft.com/office/drawing/2014/main" id="{DAA97735-2B50-8C78-BE82-D543D9A37D55}"/>
+                  </a:ext>
+                </a:extLst>
+              </p:cNvPr>
+              <p:cNvSpPr/>
+              <p:nvPr/>
+            </p:nvSpPr>
+            <p:spPr>
+              <a:xfrm>
+                <a:off x="1301095" y="5389726"/>
+                <a:ext cx="84858" cy="96400"/>
+              </a:xfrm>
+              <a:prstGeom prst="ellipse">
+                <a:avLst/>
+              </a:prstGeom>
+              <a:solidFill>
+                <a:srgbClr val="00B050"/>
+              </a:solidFill>
+              <a:ln>
+                <a:noFill/>
+              </a:ln>
+            </p:spPr>
+            <p:txBody>
+              <a:bodyPr wrap="square" lIns="0" rtlCol="0" anchor="ctr">
+                <a:noAutofit/>
+              </a:bodyPr>
+              <a:lstStyle/>
+              <a:p>
+                <a:pPr algn="l"/>
+                <a:endParaRPr lang="zh-CN" altLang="en-US" b="1" dirty="0">
+                  <a:solidFill>
+                    <a:srgbClr val="FF0000"/>
+                  </a:solidFill>
+                  <a:latin typeface="微软雅黑" pitchFamily="34" charset="-122"/>
+                  <a:ea typeface="微软雅黑" pitchFamily="34" charset="-122"/>
+                </a:endParaRPr>
+              </a:p>
+            </p:txBody>
+          </p:sp>
+          <p:sp>
+            <p:nvSpPr>
+              <p:cNvPr id="17" name="椭圆 16">
+                <a:extLst>
+                  <a:ext uri="{FF2B5EF4-FFF2-40B4-BE49-F238E27FC236}">
+                    <a16:creationId xmlns:a16="http://schemas.microsoft.com/office/drawing/2014/main" id="{67F4932C-4D6A-E424-F093-EC001C9F0835}"/>
+                  </a:ext>
+                </a:extLst>
+              </p:cNvPr>
+              <p:cNvSpPr/>
+              <p:nvPr/>
+            </p:nvSpPr>
+            <p:spPr>
+              <a:xfrm>
+                <a:off x="1999688" y="4943614"/>
+                <a:ext cx="84858" cy="96400"/>
+              </a:xfrm>
+              <a:prstGeom prst="ellipse">
+                <a:avLst/>
+              </a:prstGeom>
+              <a:solidFill>
+                <a:srgbClr val="00B050"/>
+              </a:solidFill>
+              <a:ln>
+                <a:noFill/>
+              </a:ln>
+            </p:spPr>
+            <p:txBody>
+              <a:bodyPr wrap="square" lIns="0" rtlCol="0" anchor="ctr">
+                <a:noAutofit/>
+              </a:bodyPr>
+              <a:lstStyle/>
+              <a:p>
+                <a:pPr algn="l"/>
+                <a:endParaRPr lang="zh-CN" altLang="en-US" b="1" dirty="0">
+                  <a:solidFill>
+                    <a:srgbClr val="FF0000"/>
+                  </a:solidFill>
+                  <a:latin typeface="微软雅黑" pitchFamily="34" charset="-122"/>
+                  <a:ea typeface="微软雅黑" pitchFamily="34" charset="-122"/>
+                </a:endParaRPr>
+              </a:p>
+            </p:txBody>
+          </p:sp>
+          <p:sp>
+            <p:nvSpPr>
+              <p:cNvPr id="18" name="椭圆 17">
+                <a:extLst>
+                  <a:ext uri="{FF2B5EF4-FFF2-40B4-BE49-F238E27FC236}">
+                    <a16:creationId xmlns:a16="http://schemas.microsoft.com/office/drawing/2014/main" id="{85835C05-D9E5-8DAE-F7B7-A7A24B6F2DF4}"/>
+                  </a:ext>
+                </a:extLst>
+              </p:cNvPr>
+              <p:cNvSpPr/>
+              <p:nvPr/>
+            </p:nvSpPr>
+            <p:spPr>
+              <a:xfrm>
+                <a:off x="1387709" y="5132006"/>
+                <a:ext cx="84858" cy="96400"/>
+              </a:xfrm>
+              <a:prstGeom prst="ellipse">
+                <a:avLst/>
+              </a:prstGeom>
+              <a:solidFill>
+                <a:srgbClr val="00B050"/>
+              </a:solidFill>
+              <a:ln>
+                <a:noFill/>
+              </a:ln>
+            </p:spPr>
+            <p:txBody>
+              <a:bodyPr wrap="square" lIns="0" rtlCol="0" anchor="ctr">
+                <a:noAutofit/>
+              </a:bodyPr>
+              <a:lstStyle/>
+              <a:p>
+                <a:pPr algn="l"/>
+                <a:endParaRPr lang="zh-CN" altLang="en-US" b="1" dirty="0">
+                  <a:solidFill>
+                    <a:srgbClr val="FF0000"/>
+                  </a:solidFill>
+                  <a:latin typeface="微软雅黑" pitchFamily="34" charset="-122"/>
+                  <a:ea typeface="微软雅黑" pitchFamily="34" charset="-122"/>
+                </a:endParaRPr>
+              </a:p>
+            </p:txBody>
+          </p:sp>
+          <p:sp>
+            <p:nvSpPr>
+              <p:cNvPr id="19" name="椭圆 18">
+                <a:extLst>
+                  <a:ext uri="{FF2B5EF4-FFF2-40B4-BE49-F238E27FC236}">
+                    <a16:creationId xmlns:a16="http://schemas.microsoft.com/office/drawing/2014/main" id="{21E5BF08-CB0C-243A-32E1-2675E98F91BE}"/>
+                  </a:ext>
+                </a:extLst>
+              </p:cNvPr>
+              <p:cNvSpPr/>
+              <p:nvPr/>
+            </p:nvSpPr>
+            <p:spPr>
+              <a:xfrm>
+                <a:off x="1565104" y="4729414"/>
+                <a:ext cx="84858" cy="96400"/>
+              </a:xfrm>
+              <a:prstGeom prst="ellipse">
+                <a:avLst/>
+              </a:prstGeom>
+              <a:solidFill>
+                <a:srgbClr val="00B050"/>
+              </a:solidFill>
+              <a:ln>
+                <a:noFill/>
+              </a:ln>
+            </p:spPr>
+            <p:txBody>
+              <a:bodyPr wrap="square" lIns="0" rtlCol="0" anchor="ctr">
+                <a:noAutofit/>
+              </a:bodyPr>
+              <a:lstStyle/>
+              <a:p>
+                <a:pPr algn="l"/>
+                <a:endParaRPr lang="zh-CN" altLang="en-US" b="1" dirty="0">
+                  <a:solidFill>
+                    <a:srgbClr val="FF0000"/>
+                  </a:solidFill>
+                  <a:latin typeface="微软雅黑" pitchFamily="34" charset="-122"/>
+                  <a:ea typeface="微软雅黑" pitchFamily="34" charset="-122"/>
+                </a:endParaRPr>
+              </a:p>
+            </p:txBody>
+          </p:sp>
+          <p:sp>
+            <p:nvSpPr>
+              <p:cNvPr id="20" name="椭圆 19">
+                <a:extLst>
+                  <a:ext uri="{FF2B5EF4-FFF2-40B4-BE49-F238E27FC236}">
+                    <a16:creationId xmlns:a16="http://schemas.microsoft.com/office/drawing/2014/main" id="{2454B504-5D87-FC3A-11C4-79D92ACC2CFE}"/>
+                  </a:ext>
+                </a:extLst>
+              </p:cNvPr>
+              <p:cNvSpPr/>
+              <p:nvPr/>
+            </p:nvSpPr>
+            <p:spPr>
+              <a:xfrm>
+                <a:off x="2023352" y="5296961"/>
+                <a:ext cx="84858" cy="96400"/>
+              </a:xfrm>
+              <a:prstGeom prst="ellipse">
+                <a:avLst/>
+              </a:prstGeom>
+              <a:solidFill>
+                <a:srgbClr val="00B050"/>
+              </a:solidFill>
+              <a:ln>
+                <a:noFill/>
+              </a:ln>
+            </p:spPr>
+            <p:txBody>
+              <a:bodyPr wrap="square" lIns="0" rtlCol="0" anchor="ctr">
+                <a:noAutofit/>
+              </a:bodyPr>
+              <a:lstStyle/>
+              <a:p>
+                <a:pPr algn="l"/>
+                <a:endParaRPr lang="zh-CN" altLang="en-US" b="1" dirty="0">
+                  <a:solidFill>
+                    <a:srgbClr val="FF0000"/>
+                  </a:solidFill>
+                  <a:latin typeface="微软雅黑" pitchFamily="34" charset="-122"/>
+                  <a:ea typeface="微软雅黑" pitchFamily="34" charset="-122"/>
+                </a:endParaRPr>
+              </a:p>
+            </p:txBody>
+          </p:sp>
+          <p:sp>
+            <p:nvSpPr>
+              <p:cNvPr id="21" name="椭圆 20">
+                <a:extLst>
+                  <a:ext uri="{FF2B5EF4-FFF2-40B4-BE49-F238E27FC236}">
+                    <a16:creationId xmlns:a16="http://schemas.microsoft.com/office/drawing/2014/main" id="{4D2BE8F4-2E34-D88B-541F-20D43127F8B6}"/>
+                  </a:ext>
+                </a:extLst>
+              </p:cNvPr>
+              <p:cNvSpPr/>
+              <p:nvPr/>
+            </p:nvSpPr>
+            <p:spPr>
+              <a:xfrm>
+                <a:off x="1210696" y="5656435"/>
+                <a:ext cx="84858" cy="96400"/>
+              </a:xfrm>
+              <a:prstGeom prst="ellipse">
+                <a:avLst/>
+              </a:prstGeom>
+              <a:solidFill>
+                <a:srgbClr val="00B050"/>
+              </a:solidFill>
+              <a:ln>
+                <a:noFill/>
+              </a:ln>
+            </p:spPr>
+            <p:txBody>
+              <a:bodyPr wrap="square" lIns="0" rtlCol="0" anchor="ctr">
+                <a:noAutofit/>
+              </a:bodyPr>
+              <a:lstStyle/>
+              <a:p>
+                <a:pPr algn="l"/>
+                <a:endParaRPr lang="zh-CN" altLang="en-US" b="1" dirty="0">
+                  <a:solidFill>
+                    <a:srgbClr val="FF0000"/>
+                  </a:solidFill>
+                  <a:latin typeface="微软雅黑" pitchFamily="34" charset="-122"/>
+                  <a:ea typeface="微软雅黑" pitchFamily="34" charset="-122"/>
+                </a:endParaRPr>
+              </a:p>
+            </p:txBody>
+          </p:sp>
+          <p:sp>
+            <p:nvSpPr>
+              <p:cNvPr id="23" name="椭圆 22">
+                <a:extLst>
+                  <a:ext uri="{FF2B5EF4-FFF2-40B4-BE49-F238E27FC236}">
+                    <a16:creationId xmlns:a16="http://schemas.microsoft.com/office/drawing/2014/main" id="{78834F91-2098-1FAB-B5C7-95FB475575FC}"/>
+                  </a:ext>
+                </a:extLst>
+              </p:cNvPr>
+              <p:cNvSpPr/>
+              <p:nvPr/>
+            </p:nvSpPr>
+            <p:spPr>
+              <a:xfrm>
+                <a:off x="2255059" y="4800414"/>
+                <a:ext cx="84858" cy="96400"/>
+              </a:xfrm>
+              <a:prstGeom prst="ellipse">
+                <a:avLst/>
+              </a:prstGeom>
+              <a:solidFill>
+                <a:srgbClr val="00B050"/>
+              </a:solidFill>
+              <a:ln>
+                <a:noFill/>
+              </a:ln>
+            </p:spPr>
+            <p:txBody>
+              <a:bodyPr wrap="square" lIns="0" rtlCol="0" anchor="ctr">
+                <a:noAutofit/>
+              </a:bodyPr>
+              <a:lstStyle/>
+              <a:p>
+                <a:pPr algn="l"/>
+                <a:endParaRPr lang="zh-CN" altLang="en-US" b="1" dirty="0">
+                  <a:solidFill>
+                    <a:srgbClr val="FF0000"/>
+                  </a:solidFill>
+                  <a:latin typeface="微软雅黑" pitchFamily="34" charset="-122"/>
+                  <a:ea typeface="微软雅黑" pitchFamily="34" charset="-122"/>
+                </a:endParaRPr>
+              </a:p>
+            </p:txBody>
+          </p:sp>
+          <p:sp>
+            <p:nvSpPr>
+              <p:cNvPr id="24" name="椭圆 23">
+                <a:extLst>
+                  <a:ext uri="{FF2B5EF4-FFF2-40B4-BE49-F238E27FC236}">
+                    <a16:creationId xmlns:a16="http://schemas.microsoft.com/office/drawing/2014/main" id="{02932784-34A9-781D-15A5-4ECF999ACBE6}"/>
+                  </a:ext>
+                </a:extLst>
+              </p:cNvPr>
+              <p:cNvSpPr/>
+              <p:nvPr/>
+            </p:nvSpPr>
+            <p:spPr>
+              <a:xfrm>
+                <a:off x="1666183" y="5434676"/>
+                <a:ext cx="84858" cy="96400"/>
+              </a:xfrm>
+              <a:prstGeom prst="ellipse">
+                <a:avLst/>
+              </a:prstGeom>
+              <a:solidFill>
+                <a:srgbClr val="00B050"/>
+              </a:solidFill>
+              <a:ln>
+                <a:noFill/>
+              </a:ln>
+            </p:spPr>
+            <p:txBody>
+              <a:bodyPr wrap="square" lIns="0" rtlCol="0" anchor="ctr">
+                <a:noAutofit/>
+              </a:bodyPr>
+              <a:lstStyle/>
+              <a:p>
+                <a:pPr algn="l"/>
+                <a:endParaRPr lang="zh-CN" altLang="en-US" b="1" dirty="0">
+                  <a:solidFill>
+                    <a:srgbClr val="FF0000"/>
+                  </a:solidFill>
+                  <a:latin typeface="微软雅黑" pitchFamily="34" charset="-122"/>
+                  <a:ea typeface="微软雅黑" pitchFamily="34" charset="-122"/>
+                </a:endParaRPr>
+              </a:p>
+            </p:txBody>
+          </p:sp>
+          <p:sp>
+            <p:nvSpPr>
+              <p:cNvPr id="25" name="椭圆 24">
+                <a:extLst>
+                  <a:ext uri="{FF2B5EF4-FFF2-40B4-BE49-F238E27FC236}">
+                    <a16:creationId xmlns:a16="http://schemas.microsoft.com/office/drawing/2014/main" id="{FBDCD228-03EC-9D61-DA98-331516DDD633}"/>
+                  </a:ext>
+                </a:extLst>
+              </p:cNvPr>
+              <p:cNvSpPr/>
+              <p:nvPr/>
+            </p:nvSpPr>
+            <p:spPr>
+              <a:xfrm>
+                <a:off x="2469267" y="5056196"/>
+                <a:ext cx="84858" cy="96400"/>
+              </a:xfrm>
+              <a:prstGeom prst="ellipse">
+                <a:avLst/>
+              </a:prstGeom>
+              <a:solidFill>
+                <a:srgbClr val="00B050"/>
+              </a:solidFill>
+              <a:ln>
+                <a:noFill/>
+              </a:ln>
+            </p:spPr>
+            <p:txBody>
+              <a:bodyPr wrap="square" lIns="0" rtlCol="0" anchor="ctr">
+                <a:noAutofit/>
+              </a:bodyPr>
+              <a:lstStyle/>
+              <a:p>
+                <a:pPr algn="l"/>
+                <a:endParaRPr lang="zh-CN" altLang="en-US" b="1" dirty="0">
+                  <a:solidFill>
+                    <a:srgbClr val="FF0000"/>
+                  </a:solidFill>
+                  <a:latin typeface="微软雅黑" pitchFamily="34" charset="-122"/>
+                  <a:ea typeface="微软雅黑" pitchFamily="34" charset="-122"/>
+                </a:endParaRPr>
+              </a:p>
+            </p:txBody>
+          </p:sp>
+          <p:sp>
+            <p:nvSpPr>
+              <p:cNvPr id="26" name="椭圆 25">
+                <a:extLst>
+                  <a:ext uri="{FF2B5EF4-FFF2-40B4-BE49-F238E27FC236}">
+                    <a16:creationId xmlns:a16="http://schemas.microsoft.com/office/drawing/2014/main" id="{C2015340-6383-3788-32E4-7123A70E6FE8}"/>
+                  </a:ext>
+                </a:extLst>
+              </p:cNvPr>
+              <p:cNvSpPr/>
+              <p:nvPr/>
+            </p:nvSpPr>
+            <p:spPr>
+              <a:xfrm>
+                <a:off x="2619049" y="5656435"/>
+                <a:ext cx="84858" cy="96400"/>
+              </a:xfrm>
+              <a:prstGeom prst="ellipse">
+                <a:avLst/>
+              </a:prstGeom>
+              <a:solidFill>
+                <a:srgbClr val="00B050"/>
+              </a:solidFill>
+              <a:ln>
+                <a:noFill/>
+              </a:ln>
+            </p:spPr>
+            <p:txBody>
+              <a:bodyPr wrap="square" lIns="0" rtlCol="0" anchor="ctr">
+                <a:noAutofit/>
+              </a:bodyPr>
+              <a:lstStyle/>
+              <a:p>
+                <a:pPr algn="l"/>
+                <a:endParaRPr lang="zh-CN" altLang="en-US" b="1" dirty="0">
+                  <a:solidFill>
+                    <a:srgbClr val="FF0000"/>
+                  </a:solidFill>
+                  <a:latin typeface="微软雅黑" pitchFamily="34" charset="-122"/>
+                  <a:ea typeface="微软雅黑" pitchFamily="34" charset="-122"/>
+                </a:endParaRPr>
+              </a:p>
+            </p:txBody>
+          </p:sp>
+          <p:sp>
+            <p:nvSpPr>
+              <p:cNvPr id="27" name="椭圆 26">
+                <a:extLst>
+                  <a:ext uri="{FF2B5EF4-FFF2-40B4-BE49-F238E27FC236}">
+                    <a16:creationId xmlns:a16="http://schemas.microsoft.com/office/drawing/2014/main" id="{F9C13C62-E04A-480F-2A3C-D0275BA820A8}"/>
+                  </a:ext>
+                </a:extLst>
+              </p:cNvPr>
+              <p:cNvSpPr/>
+              <p:nvPr/>
+            </p:nvSpPr>
+            <p:spPr>
+              <a:xfrm>
+                <a:off x="2205428" y="5106606"/>
+                <a:ext cx="84858" cy="96400"/>
+              </a:xfrm>
+              <a:prstGeom prst="ellipse">
+                <a:avLst/>
+              </a:prstGeom>
+              <a:solidFill>
+                <a:srgbClr val="00B050"/>
+              </a:solidFill>
+              <a:ln>
+                <a:noFill/>
+              </a:ln>
+            </p:spPr>
+            <p:txBody>
+              <a:bodyPr wrap="square" lIns="0" rtlCol="0" anchor="ctr">
+                <a:noAutofit/>
+              </a:bodyPr>
+              <a:lstStyle/>
+              <a:p>
+                <a:pPr algn="l"/>
+                <a:endParaRPr lang="zh-CN" altLang="en-US" b="1" dirty="0">
+                  <a:solidFill>
+                    <a:srgbClr val="FF0000"/>
+                  </a:solidFill>
+                  <a:latin typeface="微软雅黑" pitchFamily="34" charset="-122"/>
+                  <a:ea typeface="微软雅黑" pitchFamily="34" charset="-122"/>
+                </a:endParaRPr>
+              </a:p>
+            </p:txBody>
+          </p:sp>
+          <p:sp>
+            <p:nvSpPr>
+              <p:cNvPr id="28" name="椭圆 27">
+                <a:extLst>
+                  <a:ext uri="{FF2B5EF4-FFF2-40B4-BE49-F238E27FC236}">
+                    <a16:creationId xmlns:a16="http://schemas.microsoft.com/office/drawing/2014/main" id="{37881EEC-ABDB-8715-FADD-FBEC2134D943}"/>
+                  </a:ext>
+                </a:extLst>
+              </p:cNvPr>
+              <p:cNvSpPr/>
+              <p:nvPr/>
+            </p:nvSpPr>
+            <p:spPr>
+              <a:xfrm>
+                <a:off x="2714198" y="4991929"/>
+                <a:ext cx="84858" cy="96400"/>
+              </a:xfrm>
+              <a:prstGeom prst="ellipse">
+                <a:avLst/>
+              </a:prstGeom>
+              <a:solidFill>
+                <a:srgbClr val="00B050"/>
+              </a:solidFill>
+              <a:ln>
+                <a:noFill/>
+              </a:ln>
+            </p:spPr>
+            <p:txBody>
+              <a:bodyPr wrap="square" lIns="0" rtlCol="0" anchor="ctr">
+                <a:noAutofit/>
+              </a:bodyPr>
+              <a:lstStyle/>
+              <a:p>
+                <a:pPr algn="l"/>
+                <a:endParaRPr lang="zh-CN" altLang="en-US" b="1" dirty="0">
+                  <a:solidFill>
+                    <a:srgbClr val="FF0000"/>
+                  </a:solidFill>
+                  <a:latin typeface="微软雅黑" pitchFamily="34" charset="-122"/>
+                  <a:ea typeface="微软雅黑" pitchFamily="34" charset="-122"/>
+                </a:endParaRPr>
+              </a:p>
+            </p:txBody>
+          </p:sp>
+          <p:sp>
+            <p:nvSpPr>
+              <p:cNvPr id="29" name="椭圆 28">
+                <a:extLst>
+                  <a:ext uri="{FF2B5EF4-FFF2-40B4-BE49-F238E27FC236}">
+                    <a16:creationId xmlns:a16="http://schemas.microsoft.com/office/drawing/2014/main" id="{586A321E-F007-CE6C-0F95-B9B64FDBCC78}"/>
+                  </a:ext>
+                </a:extLst>
+              </p:cNvPr>
+              <p:cNvSpPr/>
+              <p:nvPr/>
+            </p:nvSpPr>
+            <p:spPr>
+              <a:xfrm>
+                <a:off x="2415974" y="5415626"/>
+                <a:ext cx="84858" cy="96400"/>
+              </a:xfrm>
+              <a:prstGeom prst="ellipse">
+                <a:avLst/>
+              </a:prstGeom>
+              <a:solidFill>
+                <a:srgbClr val="00B050"/>
+              </a:solidFill>
+              <a:ln>
+                <a:noFill/>
+              </a:ln>
+            </p:spPr>
+            <p:txBody>
+              <a:bodyPr wrap="square" lIns="0" rtlCol="0" anchor="ctr">
+                <a:noAutofit/>
+              </a:bodyPr>
+              <a:lstStyle/>
+              <a:p>
+                <a:pPr algn="l"/>
+                <a:endParaRPr lang="zh-CN" altLang="en-US" b="1" dirty="0">
+                  <a:solidFill>
+                    <a:srgbClr val="FF0000"/>
+                  </a:solidFill>
+                  <a:latin typeface="微软雅黑" pitchFamily="34" charset="-122"/>
+                  <a:ea typeface="微软雅黑" pitchFamily="34" charset="-122"/>
+                </a:endParaRPr>
+              </a:p>
+            </p:txBody>
+          </p:sp>
+          <p:sp>
+            <p:nvSpPr>
+              <p:cNvPr id="30" name="椭圆 29">
+                <a:extLst>
+                  <a:ext uri="{FF2B5EF4-FFF2-40B4-BE49-F238E27FC236}">
+                    <a16:creationId xmlns:a16="http://schemas.microsoft.com/office/drawing/2014/main" id="{0E03AD95-B687-3746-8850-54E66EF47688}"/>
+                  </a:ext>
+                </a:extLst>
+              </p:cNvPr>
+              <p:cNvSpPr/>
+              <p:nvPr/>
+            </p:nvSpPr>
+            <p:spPr>
+              <a:xfrm>
+                <a:off x="2699477" y="5370676"/>
+                <a:ext cx="84858" cy="96400"/>
+              </a:xfrm>
+              <a:prstGeom prst="ellipse">
+                <a:avLst/>
+              </a:prstGeom>
+              <a:solidFill>
+                <a:srgbClr val="00B050"/>
+              </a:solidFill>
+              <a:ln>
+                <a:noFill/>
+              </a:ln>
+            </p:spPr>
+            <p:txBody>
+              <a:bodyPr wrap="square" lIns="0" rtlCol="0" anchor="ctr">
+                <a:noAutofit/>
+              </a:bodyPr>
+              <a:lstStyle/>
+              <a:p>
+                <a:pPr algn="l"/>
+                <a:endParaRPr lang="zh-CN" altLang="en-US" b="1" dirty="0">
+                  <a:solidFill>
+                    <a:srgbClr val="FF0000"/>
+                  </a:solidFill>
+                  <a:latin typeface="微软雅黑" pitchFamily="34" charset="-122"/>
+                  <a:ea typeface="微软雅黑" pitchFamily="34" charset="-122"/>
+                </a:endParaRPr>
+              </a:p>
+            </p:txBody>
+          </p:sp>
+          <p:sp>
+            <p:nvSpPr>
+              <p:cNvPr id="31" name="椭圆 30">
+                <a:extLst>
+                  <a:ext uri="{FF2B5EF4-FFF2-40B4-BE49-F238E27FC236}">
+                    <a16:creationId xmlns:a16="http://schemas.microsoft.com/office/drawing/2014/main" id="{65424E03-D339-691F-8048-941FB41A8D2C}"/>
+                  </a:ext>
+                </a:extLst>
+              </p:cNvPr>
+              <p:cNvSpPr/>
+              <p:nvPr/>
+            </p:nvSpPr>
+            <p:spPr>
+              <a:xfrm>
+                <a:off x="1222587" y="4768367"/>
+                <a:ext cx="84858" cy="96400"/>
+              </a:xfrm>
+              <a:prstGeom prst="ellipse">
+                <a:avLst/>
+              </a:prstGeom>
+              <a:solidFill>
+                <a:srgbClr val="00B050"/>
+              </a:solidFill>
+              <a:ln>
+                <a:noFill/>
+              </a:ln>
+            </p:spPr>
+            <p:txBody>
+              <a:bodyPr wrap="square" lIns="0" rtlCol="0" anchor="ctr">
+                <a:noAutofit/>
+              </a:bodyPr>
+              <a:lstStyle/>
+              <a:p>
+                <a:pPr algn="l"/>
+                <a:endParaRPr lang="zh-CN" altLang="en-US" b="1" dirty="0">
+                  <a:solidFill>
+                    <a:srgbClr val="FF0000"/>
+                  </a:solidFill>
+                  <a:latin typeface="微软雅黑" pitchFamily="34" charset="-122"/>
+                  <a:ea typeface="微软雅黑" pitchFamily="34" charset="-122"/>
+                </a:endParaRPr>
+              </a:p>
+            </p:txBody>
+          </p:sp>
+          <p:sp>
+            <p:nvSpPr>
+              <p:cNvPr id="32" name="椭圆 31">
+                <a:extLst>
+                  <a:ext uri="{FF2B5EF4-FFF2-40B4-BE49-F238E27FC236}">
+                    <a16:creationId xmlns:a16="http://schemas.microsoft.com/office/drawing/2014/main" id="{40DB7212-3276-1989-42B3-9C515D026D71}"/>
+                  </a:ext>
+                </a:extLst>
+              </p:cNvPr>
+              <p:cNvSpPr/>
+              <p:nvPr/>
+            </p:nvSpPr>
+            <p:spPr>
+              <a:xfrm>
+                <a:off x="2210128" y="5656435"/>
+                <a:ext cx="84858" cy="96400"/>
+              </a:xfrm>
+              <a:prstGeom prst="ellipse">
+                <a:avLst/>
+              </a:prstGeom>
+              <a:solidFill>
+                <a:srgbClr val="00B050"/>
+              </a:solidFill>
+              <a:ln>
+                <a:noFill/>
+              </a:ln>
+            </p:spPr>
+            <p:txBody>
+              <a:bodyPr wrap="square" lIns="0" rtlCol="0" anchor="ctr">
+                <a:noAutofit/>
+              </a:bodyPr>
+              <a:lstStyle/>
+              <a:p>
+                <a:pPr algn="l"/>
+                <a:endParaRPr lang="zh-CN" altLang="en-US" b="1" dirty="0">
+                  <a:solidFill>
+                    <a:srgbClr val="FF0000"/>
+                  </a:solidFill>
+                  <a:latin typeface="微软雅黑" pitchFamily="34" charset="-122"/>
+                  <a:ea typeface="微软雅黑" pitchFamily="34" charset="-122"/>
+                </a:endParaRPr>
+              </a:p>
+            </p:txBody>
+          </p:sp>
+        </p:grpSp>
+        <p:sp>
+          <p:nvSpPr>
+            <p:cNvPr id="34" name="文本框 33">
+              <a:extLst>
+                <a:ext uri="{FF2B5EF4-FFF2-40B4-BE49-F238E27FC236}">
+                  <a16:creationId xmlns:a16="http://schemas.microsoft.com/office/drawing/2014/main" id="{60D5012C-00C2-7B79-6EB6-3CF878F49E26}"/>
+                </a:ext>
+              </a:extLst>
+            </p:cNvPr>
+            <p:cNvSpPr txBox="1"/>
+            <p:nvPr/>
+          </p:nvSpPr>
+          <p:spPr>
+            <a:xfrm>
+              <a:off x="1154044" y="5983717"/>
+              <a:ext cx="1102546" cy="400110"/>
+            </a:xfrm>
+            <a:prstGeom prst="rect">
+              <a:avLst/>
+            </a:prstGeom>
+            <a:noFill/>
+          </p:spPr>
+          <p:txBody>
+            <a:bodyPr wrap="square" rtlCol="0">
+              <a:spAutoFit/>
+            </a:bodyPr>
+            <a:lstStyle/>
+            <a:p>
+              <a:r>
+                <a:rPr lang="zh-CN" altLang="en-US" sz="2000" b="1" dirty="0">
+                  <a:solidFill>
+                    <a:schemeClr val="bg2"/>
+                  </a:solidFill>
+                  <a:latin typeface="+mn-ea"/>
+                  <a:ea typeface="+mn-ea"/>
+                </a:rPr>
+                <a:t>点</a:t>
+              </a:r>
+            </a:p>
+          </p:txBody>
+        </p:sp>
+      </p:grpSp>
+      <p:grpSp>
+        <p:nvGrpSpPr>
+          <p:cNvPr id="67" name="组合 66">
             <a:extLst>
               <a:ext uri="{FF2B5EF4-FFF2-40B4-BE49-F238E27FC236}">
-                <a16:creationId xmlns:a16="http://schemas.microsoft.com/office/drawing/2014/main" id="{08E66899-20C8-81E2-C69D-7621CCDE72B8}"/>
+                <a16:creationId xmlns:a16="http://schemas.microsoft.com/office/drawing/2014/main" id="{6286D38A-EACF-7A48-769C-8B1B946F9D6E}"/>
               </a:ext>
             </a:extLst>
           </p:cNvPr>
-          <p:cNvPicPr>
-            <a:picLocks noChangeAspect="1"/>
-          </p:cNvPicPr>
+          <p:cNvGrpSpPr/>
           <p:nvPr/>
-        </p:nvPicPr>
-        <p:blipFill>
-          <a:blip r:embed="rId4"/>
-          <a:stretch>
-            <a:fillRect/>
-          </a:stretch>
-        </p:blipFill>
-        <p:spPr>
+        </p:nvGrpSpPr>
+        <p:grpSpPr>
           <a:xfrm>
-            <a:off x="5597236" y="4351771"/>
-            <a:ext cx="2521527" cy="2200463"/>
+            <a:off x="3533395" y="4862952"/>
+            <a:ext cx="2476500" cy="1520875"/>
+            <a:chOff x="3533395" y="4862952"/>
+            <a:chExt cx="2476500" cy="1520875"/>
           </a:xfrm>
-          <a:prstGeom prst="rect">
-            <a:avLst/>
-          </a:prstGeom>
-        </p:spPr>
-      </p:pic>
+        </p:grpSpPr>
+        <p:grpSp>
+          <p:nvGrpSpPr>
+            <p:cNvPr id="65" name="组合 64">
+              <a:extLst>
+                <a:ext uri="{FF2B5EF4-FFF2-40B4-BE49-F238E27FC236}">
+                  <a16:creationId xmlns:a16="http://schemas.microsoft.com/office/drawing/2014/main" id="{464ED3CC-EBFE-0FE9-FA71-DED85E993451}"/>
+                </a:ext>
+              </a:extLst>
+            </p:cNvPr>
+            <p:cNvGrpSpPr/>
+            <p:nvPr/>
+          </p:nvGrpSpPr>
+          <p:grpSpPr>
+            <a:xfrm>
+              <a:off x="3533395" y="4862952"/>
+              <a:ext cx="2476500" cy="630099"/>
+              <a:chOff x="3492343" y="5005355"/>
+              <a:chExt cx="2476500" cy="630099"/>
+            </a:xfrm>
+          </p:grpSpPr>
+          <p:grpSp>
+            <p:nvGrpSpPr>
+              <p:cNvPr id="49" name="组合 48">
+                <a:extLst>
+                  <a:ext uri="{FF2B5EF4-FFF2-40B4-BE49-F238E27FC236}">
+                    <a16:creationId xmlns:a16="http://schemas.microsoft.com/office/drawing/2014/main" id="{BC45AFD1-DE54-576C-4EAC-0418685E80FE}"/>
+                  </a:ext>
+                </a:extLst>
+              </p:cNvPr>
+              <p:cNvGrpSpPr/>
+              <p:nvPr/>
+            </p:nvGrpSpPr>
+            <p:grpSpPr>
+              <a:xfrm>
+                <a:off x="3492343" y="5005355"/>
+                <a:ext cx="2476500" cy="191515"/>
+                <a:chOff x="3721100" y="4679764"/>
+                <a:chExt cx="2476500" cy="191515"/>
+              </a:xfrm>
+            </p:grpSpPr>
+            <p:cxnSp>
+              <p:nvCxnSpPr>
+                <p:cNvPr id="36" name="直接连接符 35">
+                  <a:extLst>
+                    <a:ext uri="{FF2B5EF4-FFF2-40B4-BE49-F238E27FC236}">
+                      <a16:creationId xmlns:a16="http://schemas.microsoft.com/office/drawing/2014/main" id="{FDD66006-4443-B370-15F1-33A7969FB80F}"/>
+                    </a:ext>
+                  </a:extLst>
+                </p:cNvPr>
+                <p:cNvCxnSpPr>
+                  <a:cxnSpLocks/>
+                </p:cNvCxnSpPr>
+                <p:nvPr/>
+              </p:nvCxnSpPr>
+              <p:spPr bwMode="auto">
+                <a:xfrm>
+                  <a:off x="3721100" y="4776164"/>
+                  <a:ext cx="1003300" cy="95115"/>
+                </a:xfrm>
+                <a:prstGeom prst="line">
+                  <a:avLst/>
+                </a:prstGeom>
+                <a:ln w="28575">
+                  <a:headEnd type="none" w="med" len="med"/>
+                  <a:tailEnd type="none" w="med" len="med"/>
+                </a:ln>
+              </p:spPr>
+              <p:style>
+                <a:lnRef idx="1">
+                  <a:schemeClr val="accent1"/>
+                </a:lnRef>
+                <a:fillRef idx="0">
+                  <a:schemeClr val="accent1"/>
+                </a:fillRef>
+                <a:effectRef idx="0">
+                  <a:schemeClr val="accent1"/>
+                </a:effectRef>
+                <a:fontRef idx="minor">
+                  <a:schemeClr val="tx1"/>
+                </a:fontRef>
+              </p:style>
+            </p:cxnSp>
+            <p:cxnSp>
+              <p:nvCxnSpPr>
+                <p:cNvPr id="38" name="直接连接符 37">
+                  <a:extLst>
+                    <a:ext uri="{FF2B5EF4-FFF2-40B4-BE49-F238E27FC236}">
+                      <a16:creationId xmlns:a16="http://schemas.microsoft.com/office/drawing/2014/main" id="{7F6EC9F4-9554-DB1C-3BAB-085BBEC11DEA}"/>
+                    </a:ext>
+                  </a:extLst>
+                </p:cNvPr>
+                <p:cNvCxnSpPr>
+                  <a:cxnSpLocks/>
+                </p:cNvCxnSpPr>
+                <p:nvPr/>
+              </p:nvCxnSpPr>
+              <p:spPr bwMode="auto">
+                <a:xfrm flipV="1">
+                  <a:off x="4724400" y="4679764"/>
+                  <a:ext cx="400050" cy="191515"/>
+                </a:xfrm>
+                <a:prstGeom prst="line">
+                  <a:avLst/>
+                </a:prstGeom>
+                <a:ln w="28575">
+                  <a:headEnd type="none" w="med" len="med"/>
+                  <a:tailEnd type="none" w="med" len="med"/>
+                </a:ln>
+              </p:spPr>
+              <p:style>
+                <a:lnRef idx="1">
+                  <a:schemeClr val="accent1"/>
+                </a:lnRef>
+                <a:fillRef idx="0">
+                  <a:schemeClr val="accent1"/>
+                </a:fillRef>
+                <a:effectRef idx="0">
+                  <a:schemeClr val="accent1"/>
+                </a:effectRef>
+                <a:fontRef idx="minor">
+                  <a:schemeClr val="tx1"/>
+                </a:fontRef>
+              </p:style>
+            </p:cxnSp>
+            <p:cxnSp>
+              <p:nvCxnSpPr>
+                <p:cNvPr id="42" name="直接连接符 41">
+                  <a:extLst>
+                    <a:ext uri="{FF2B5EF4-FFF2-40B4-BE49-F238E27FC236}">
+                      <a16:creationId xmlns:a16="http://schemas.microsoft.com/office/drawing/2014/main" id="{A87E7414-B751-8884-8B4B-9AC931127E48}"/>
+                    </a:ext>
+                  </a:extLst>
+                </p:cNvPr>
+                <p:cNvCxnSpPr>
+                  <a:cxnSpLocks/>
+                </p:cNvCxnSpPr>
+                <p:nvPr/>
+              </p:nvCxnSpPr>
+              <p:spPr bwMode="auto">
+                <a:xfrm>
+                  <a:off x="5124450" y="4685486"/>
+                  <a:ext cx="1073150" cy="82880"/>
+                </a:xfrm>
+                <a:prstGeom prst="line">
+                  <a:avLst/>
+                </a:prstGeom>
+                <a:ln w="28575">
+                  <a:headEnd type="none" w="med" len="med"/>
+                  <a:tailEnd type="none" w="med" len="med"/>
+                </a:ln>
+              </p:spPr>
+              <p:style>
+                <a:lnRef idx="1">
+                  <a:schemeClr val="accent1"/>
+                </a:lnRef>
+                <a:fillRef idx="0">
+                  <a:schemeClr val="accent1"/>
+                </a:fillRef>
+                <a:effectRef idx="0">
+                  <a:schemeClr val="accent1"/>
+                </a:effectRef>
+                <a:fontRef idx="minor">
+                  <a:schemeClr val="tx1"/>
+                </a:fontRef>
+              </p:style>
+            </p:cxnSp>
+          </p:grpSp>
+          <p:grpSp>
+            <p:nvGrpSpPr>
+              <p:cNvPr id="61" name="组合 60">
+                <a:extLst>
+                  <a:ext uri="{FF2B5EF4-FFF2-40B4-BE49-F238E27FC236}">
+                    <a16:creationId xmlns:a16="http://schemas.microsoft.com/office/drawing/2014/main" id="{CD26DA38-1314-666E-D743-BFE4C8B27626}"/>
+                  </a:ext>
+                </a:extLst>
+              </p:cNvPr>
+              <p:cNvGrpSpPr/>
+              <p:nvPr/>
+            </p:nvGrpSpPr>
+            <p:grpSpPr>
+              <a:xfrm>
+                <a:off x="3492343" y="5443939"/>
+                <a:ext cx="2476500" cy="191515"/>
+                <a:chOff x="3747770" y="5118348"/>
+                <a:chExt cx="2388870" cy="174871"/>
+              </a:xfrm>
+            </p:grpSpPr>
+            <p:cxnSp>
+              <p:nvCxnSpPr>
+                <p:cNvPr id="46" name="直接连接符 45">
+                  <a:extLst>
+                    <a:ext uri="{FF2B5EF4-FFF2-40B4-BE49-F238E27FC236}">
+                      <a16:creationId xmlns:a16="http://schemas.microsoft.com/office/drawing/2014/main" id="{95064A58-CE3A-4FB8-A9FA-9B41354C24D1}"/>
+                    </a:ext>
+                  </a:extLst>
+                </p:cNvPr>
+                <p:cNvCxnSpPr>
+                  <a:cxnSpLocks/>
+                </p:cNvCxnSpPr>
+                <p:nvPr/>
+              </p:nvCxnSpPr>
+              <p:spPr bwMode="auto">
+                <a:xfrm>
+                  <a:off x="4327208" y="5118348"/>
+                  <a:ext cx="362902" cy="102913"/>
+                </a:xfrm>
+                <a:prstGeom prst="line">
+                  <a:avLst/>
+                </a:prstGeom>
+                <a:ln w="28575">
+                  <a:headEnd type="none" w="med" len="med"/>
+                  <a:tailEnd type="none" w="med" len="med"/>
+                </a:ln>
+              </p:spPr>
+              <p:style>
+                <a:lnRef idx="1">
+                  <a:schemeClr val="accent1"/>
+                </a:lnRef>
+                <a:fillRef idx="0">
+                  <a:schemeClr val="accent1"/>
+                </a:fillRef>
+                <a:effectRef idx="0">
+                  <a:schemeClr val="accent1"/>
+                </a:effectRef>
+                <a:fontRef idx="minor">
+                  <a:schemeClr val="tx1"/>
+                </a:fontRef>
+              </p:style>
+            </p:cxnSp>
+            <p:cxnSp>
+              <p:nvCxnSpPr>
+                <p:cNvPr id="47" name="直接连接符 46">
+                  <a:extLst>
+                    <a:ext uri="{FF2B5EF4-FFF2-40B4-BE49-F238E27FC236}">
+                      <a16:creationId xmlns:a16="http://schemas.microsoft.com/office/drawing/2014/main" id="{6DCAD589-ABB7-A207-14FD-A7F456D821CD}"/>
+                    </a:ext>
+                  </a:extLst>
+                </p:cNvPr>
+                <p:cNvCxnSpPr>
+                  <a:cxnSpLocks/>
+                </p:cNvCxnSpPr>
+                <p:nvPr/>
+              </p:nvCxnSpPr>
+              <p:spPr bwMode="auto">
+                <a:xfrm>
+                  <a:off x="4690110" y="5221261"/>
+                  <a:ext cx="434340" cy="71958"/>
+                </a:xfrm>
+                <a:prstGeom prst="line">
+                  <a:avLst/>
+                </a:prstGeom>
+                <a:ln w="28575">
+                  <a:headEnd type="none" w="med" len="med"/>
+                  <a:tailEnd type="none" w="med" len="med"/>
+                </a:ln>
+              </p:spPr>
+              <p:style>
+                <a:lnRef idx="1">
+                  <a:schemeClr val="accent1"/>
+                </a:lnRef>
+                <a:fillRef idx="0">
+                  <a:schemeClr val="accent1"/>
+                </a:fillRef>
+                <a:effectRef idx="0">
+                  <a:schemeClr val="accent1"/>
+                </a:effectRef>
+                <a:fontRef idx="minor">
+                  <a:schemeClr val="tx1"/>
+                </a:fontRef>
+              </p:style>
+            </p:cxnSp>
+            <p:cxnSp>
+              <p:nvCxnSpPr>
+                <p:cNvPr id="48" name="直接连接符 47">
+                  <a:extLst>
+                    <a:ext uri="{FF2B5EF4-FFF2-40B4-BE49-F238E27FC236}">
+                      <a16:creationId xmlns:a16="http://schemas.microsoft.com/office/drawing/2014/main" id="{1C46008E-3865-F1AA-8DCC-767AE334B8CA}"/>
+                    </a:ext>
+                  </a:extLst>
+                </p:cNvPr>
+                <p:cNvCxnSpPr>
+                  <a:cxnSpLocks/>
+                </p:cNvCxnSpPr>
+                <p:nvPr/>
+              </p:nvCxnSpPr>
+              <p:spPr bwMode="auto">
+                <a:xfrm flipV="1">
+                  <a:off x="5124450" y="5118348"/>
+                  <a:ext cx="1012190" cy="174871"/>
+                </a:xfrm>
+                <a:prstGeom prst="line">
+                  <a:avLst/>
+                </a:prstGeom>
+                <a:ln w="28575">
+                  <a:headEnd type="none" w="med" len="med"/>
+                  <a:tailEnd type="none" w="med" len="med"/>
+                </a:ln>
+              </p:spPr>
+              <p:style>
+                <a:lnRef idx="1">
+                  <a:schemeClr val="accent1"/>
+                </a:lnRef>
+                <a:fillRef idx="0">
+                  <a:schemeClr val="accent1"/>
+                </a:fillRef>
+                <a:effectRef idx="0">
+                  <a:schemeClr val="accent1"/>
+                </a:effectRef>
+                <a:fontRef idx="minor">
+                  <a:schemeClr val="tx1"/>
+                </a:fontRef>
+              </p:style>
+            </p:cxnSp>
+            <p:cxnSp>
+              <p:nvCxnSpPr>
+                <p:cNvPr id="58" name="直接连接符 57">
+                  <a:extLst>
+                    <a:ext uri="{FF2B5EF4-FFF2-40B4-BE49-F238E27FC236}">
+                      <a16:creationId xmlns:a16="http://schemas.microsoft.com/office/drawing/2014/main" id="{5B31FBFC-D0A4-019F-8BA3-B96896B85ACC}"/>
+                    </a:ext>
+                  </a:extLst>
+                </p:cNvPr>
+                <p:cNvCxnSpPr>
+                  <a:cxnSpLocks/>
+                </p:cNvCxnSpPr>
+                <p:nvPr/>
+              </p:nvCxnSpPr>
+              <p:spPr bwMode="auto">
+                <a:xfrm flipV="1">
+                  <a:off x="3747770" y="5118348"/>
+                  <a:ext cx="579438" cy="6513"/>
+                </a:xfrm>
+                <a:prstGeom prst="line">
+                  <a:avLst/>
+                </a:prstGeom>
+                <a:ln w="28575">
+                  <a:headEnd type="none" w="med" len="med"/>
+                  <a:tailEnd type="none" w="med" len="med"/>
+                </a:ln>
+              </p:spPr>
+              <p:style>
+                <a:lnRef idx="1">
+                  <a:schemeClr val="accent1"/>
+                </a:lnRef>
+                <a:fillRef idx="0">
+                  <a:schemeClr val="accent1"/>
+                </a:fillRef>
+                <a:effectRef idx="0">
+                  <a:schemeClr val="accent1"/>
+                </a:effectRef>
+                <a:fontRef idx="minor">
+                  <a:schemeClr val="tx1"/>
+                </a:fontRef>
+              </p:style>
+            </p:cxnSp>
+          </p:grpSp>
+        </p:grpSp>
+        <p:sp>
+          <p:nvSpPr>
+            <p:cNvPr id="62" name="文本框 61">
+              <a:extLst>
+                <a:ext uri="{FF2B5EF4-FFF2-40B4-BE49-F238E27FC236}">
+                  <a16:creationId xmlns:a16="http://schemas.microsoft.com/office/drawing/2014/main" id="{83166720-15C8-2EFF-4683-52CD0F9A5EAD}"/>
+                </a:ext>
+              </a:extLst>
+            </p:cNvPr>
+            <p:cNvSpPr txBox="1"/>
+            <p:nvPr/>
+          </p:nvSpPr>
+          <p:spPr>
+            <a:xfrm>
+              <a:off x="4281143" y="5983717"/>
+              <a:ext cx="1102546" cy="400110"/>
+            </a:xfrm>
+            <a:prstGeom prst="rect">
+              <a:avLst/>
+            </a:prstGeom>
+            <a:noFill/>
+          </p:spPr>
+          <p:txBody>
+            <a:bodyPr wrap="square" rtlCol="0">
+              <a:spAutoFit/>
+            </a:bodyPr>
+            <a:lstStyle/>
+            <a:p>
+              <a:r>
+                <a:rPr lang="zh-CN" altLang="en-US" sz="2000" b="1" dirty="0">
+                  <a:solidFill>
+                    <a:schemeClr val="bg2"/>
+                  </a:solidFill>
+                  <a:latin typeface="+mn-ea"/>
+                  <a:ea typeface="+mn-ea"/>
+                </a:rPr>
+                <a:t>线</a:t>
+              </a:r>
+            </a:p>
+          </p:txBody>
+        </p:sp>
+      </p:grpSp>
+      <p:grpSp>
+        <p:nvGrpSpPr>
+          <p:cNvPr id="68" name="组合 67">
+            <a:extLst>
+              <a:ext uri="{FF2B5EF4-FFF2-40B4-BE49-F238E27FC236}">
+                <a16:creationId xmlns:a16="http://schemas.microsoft.com/office/drawing/2014/main" id="{AFE55076-613E-0146-E85A-6352E9B074B2}"/>
+              </a:ext>
+            </a:extLst>
+          </p:cNvPr>
+          <p:cNvGrpSpPr/>
+          <p:nvPr/>
+        </p:nvGrpSpPr>
+        <p:grpSpPr>
+          <a:xfrm>
+            <a:off x="6943107" y="4464459"/>
+            <a:ext cx="1615363" cy="1919368"/>
+            <a:chOff x="6943107" y="4464459"/>
+            <a:chExt cx="1615363" cy="1919368"/>
+          </a:xfrm>
+        </p:grpSpPr>
+        <p:sp>
+          <p:nvSpPr>
+            <p:cNvPr id="63" name="任意多边形: 形状 62">
+              <a:extLst>
+                <a:ext uri="{FF2B5EF4-FFF2-40B4-BE49-F238E27FC236}">
+                  <a16:creationId xmlns:a16="http://schemas.microsoft.com/office/drawing/2014/main" id="{933036BC-967B-B8F1-7A9B-382866510783}"/>
+                </a:ext>
+              </a:extLst>
+            </p:cNvPr>
+            <p:cNvSpPr/>
+            <p:nvPr/>
+          </p:nvSpPr>
+          <p:spPr>
+            <a:xfrm>
+              <a:off x="6943107" y="4464459"/>
+              <a:ext cx="1615363" cy="1239949"/>
+            </a:xfrm>
+            <a:custGeom>
+              <a:avLst/>
+              <a:gdLst>
+                <a:gd name="connsiteX0" fmla="*/ 457200 w 1504950"/>
+                <a:gd name="connsiteY0" fmla="*/ 95250 h 1009650"/>
+                <a:gd name="connsiteX1" fmla="*/ 1143000 w 1504950"/>
+                <a:gd name="connsiteY1" fmla="*/ 0 h 1009650"/>
+                <a:gd name="connsiteX2" fmla="*/ 1504950 w 1504950"/>
+                <a:gd name="connsiteY2" fmla="*/ 463550 h 1009650"/>
+                <a:gd name="connsiteX3" fmla="*/ 1447800 w 1504950"/>
+                <a:gd name="connsiteY3" fmla="*/ 939800 h 1009650"/>
+                <a:gd name="connsiteX4" fmla="*/ 596900 w 1504950"/>
+                <a:gd name="connsiteY4" fmla="*/ 1009650 h 1009650"/>
+                <a:gd name="connsiteX5" fmla="*/ 0 w 1504950"/>
+                <a:gd name="connsiteY5" fmla="*/ 241300 h 1009650"/>
+                <a:gd name="connsiteX6" fmla="*/ 457200 w 1504950"/>
+                <a:gd name="connsiteY6" fmla="*/ 95250 h 1009650"/>
+              </a:gdLst>
+              <a:ahLst/>
+              <a:cxnLst>
+                <a:cxn ang="0">
+                  <a:pos x="connsiteX0" y="connsiteY0"/>
+                </a:cxn>
+                <a:cxn ang="0">
+                  <a:pos x="connsiteX1" y="connsiteY1"/>
+                </a:cxn>
+                <a:cxn ang="0">
+                  <a:pos x="connsiteX2" y="connsiteY2"/>
+                </a:cxn>
+                <a:cxn ang="0">
+                  <a:pos x="connsiteX3" y="connsiteY3"/>
+                </a:cxn>
+                <a:cxn ang="0">
+                  <a:pos x="connsiteX4" y="connsiteY4"/>
+                </a:cxn>
+                <a:cxn ang="0">
+                  <a:pos x="connsiteX5" y="connsiteY5"/>
+                </a:cxn>
+                <a:cxn ang="0">
+                  <a:pos x="connsiteX6" y="connsiteY6"/>
+                </a:cxn>
+              </a:cxnLst>
+              <a:rect l="l" t="t" r="r" b="b"/>
+              <a:pathLst>
+                <a:path w="1504950" h="1009650">
+                  <a:moveTo>
+                    <a:pt x="457200" y="95250"/>
+                  </a:moveTo>
+                  <a:lnTo>
+                    <a:pt x="1143000" y="0"/>
+                  </a:lnTo>
+                  <a:lnTo>
+                    <a:pt x="1504950" y="463550"/>
+                  </a:lnTo>
+                  <a:lnTo>
+                    <a:pt x="1447800" y="939800"/>
+                  </a:lnTo>
+                  <a:lnTo>
+                    <a:pt x="596900" y="1009650"/>
+                  </a:lnTo>
+                  <a:lnTo>
+                    <a:pt x="0" y="241300"/>
+                  </a:lnTo>
+                  <a:lnTo>
+                    <a:pt x="457200" y="95250"/>
+                  </a:lnTo>
+                  <a:close/>
+                </a:path>
+              </a:pathLst>
+            </a:custGeom>
+            <a:solidFill>
+              <a:schemeClr val="accent6">
+                <a:lumMod val="90000"/>
+              </a:schemeClr>
+            </a:solidFill>
+          </p:spPr>
+          <p:txBody>
+            <a:bodyPr wrap="square" lIns="0" rtlCol="0" anchor="ctr">
+              <a:noAutofit/>
+            </a:bodyPr>
+            <a:lstStyle/>
+            <a:p>
+              <a:pPr algn="l"/>
+              <a:endParaRPr lang="zh-CN" altLang="en-US" b="1" dirty="0">
+                <a:solidFill>
+                  <a:srgbClr val="FF0000"/>
+                </a:solidFill>
+                <a:latin typeface="微软雅黑" pitchFamily="34" charset="-122"/>
+                <a:ea typeface="微软雅黑" pitchFamily="34" charset="-122"/>
+              </a:endParaRPr>
+            </a:p>
+          </p:txBody>
+        </p:sp>
+        <p:sp>
+          <p:nvSpPr>
+            <p:cNvPr id="64" name="文本框 63">
+              <a:extLst>
+                <a:ext uri="{FF2B5EF4-FFF2-40B4-BE49-F238E27FC236}">
+                  <a16:creationId xmlns:a16="http://schemas.microsoft.com/office/drawing/2014/main" id="{D0E4B0F7-BA6A-11F8-EF8F-9660E33CB46C}"/>
+                </a:ext>
+              </a:extLst>
+            </p:cNvPr>
+            <p:cNvSpPr txBox="1"/>
+            <p:nvPr/>
+          </p:nvSpPr>
+          <p:spPr>
+            <a:xfrm>
+              <a:off x="7281478" y="5983717"/>
+              <a:ext cx="1102546" cy="400110"/>
+            </a:xfrm>
+            <a:prstGeom prst="rect">
+              <a:avLst/>
+            </a:prstGeom>
+            <a:noFill/>
+          </p:spPr>
+          <p:txBody>
+            <a:bodyPr wrap="square" rtlCol="0">
+              <a:spAutoFit/>
+            </a:bodyPr>
+            <a:lstStyle/>
+            <a:p>
+              <a:r>
+                <a:rPr lang="zh-CN" altLang="en-US" sz="2000" b="1" dirty="0">
+                  <a:solidFill>
+                    <a:schemeClr val="bg2"/>
+                  </a:solidFill>
+                  <a:latin typeface="+mn-ea"/>
+                  <a:ea typeface="+mn-ea"/>
+                </a:rPr>
+                <a:t>面</a:t>
+              </a:r>
+            </a:p>
+          </p:txBody>
+        </p:sp>
+      </p:grpSp>
     </p:spTree>
     <p:extLst>
       <p:ext uri="{BB962C8B-B14F-4D97-AF65-F5344CB8AC3E}">
@@ -16260,7 +22406,7 @@
                 <a:latin typeface="+mn-ea"/>
                 <a:ea typeface="+mn-ea"/>
               </a:rPr>
-              <a:t>、基本概念</a:t>
+              <a:t>、矢量数据</a:t>
             </a:r>
             <a:endParaRPr lang="en-US" altLang="zh-CN" sz="2800" b="1" dirty="0">
               <a:solidFill>
@@ -16286,8 +22432,8 @@
         </p:nvSpPr>
         <p:spPr>
           <a:xfrm>
-            <a:off x="561109" y="1522005"/>
-            <a:ext cx="8021782" cy="693460"/>
+            <a:off x="501650" y="1489927"/>
+            <a:ext cx="8248650" cy="4586833"/>
           </a:xfrm>
           <a:prstGeom prst="rect">
             <a:avLst/>
@@ -16306,69 +22452,187 @@
               </a:lnSpc>
             </a:pPr>
             <a:r>
-              <a:rPr lang="zh-CN" altLang="en-US" sz="2300" dirty="0">
-                <a:solidFill>
-                  <a:srgbClr val="151515"/>
+              <a:rPr lang="zh-CN" altLang="en-US" sz="2300" b="1" dirty="0">
+                <a:solidFill>
+                  <a:schemeClr val="accent2"/>
                 </a:solidFill>
                 <a:latin typeface="+mn-ea"/>
                 <a:ea typeface="+mn-ea"/>
               </a:rPr>
-              <a:t>读取数据流程：</a:t>
-            </a:r>
+              <a:t>特点</a:t>
+            </a:r>
+            <a:r>
+              <a:rPr lang="zh-CN" altLang="en-US" sz="2300" b="1" dirty="0">
+                <a:solidFill>
+                  <a:srgbClr val="151515"/>
+                </a:solidFill>
+                <a:latin typeface="+mn-ea"/>
+                <a:ea typeface="+mn-ea"/>
+              </a:rPr>
+              <a:t>：</a:t>
+            </a:r>
+            <a:r>
+              <a:rPr lang="zh-CN" altLang="en-US" sz="2300" dirty="0">
+                <a:solidFill>
+                  <a:srgbClr val="151515"/>
+                </a:solidFill>
+                <a:latin typeface="+mn-ea"/>
+                <a:ea typeface="+mn-ea"/>
+              </a:rPr>
+              <a:t>矢量数据结构是利用欧几里得几何学中的点、线、面极其组合体来表示地理实体空间分布的一种数据组织方式。这种数据组织方式</a:t>
+            </a:r>
+            <a:r>
+              <a:rPr lang="zh-CN" altLang="en-US" sz="2300" b="1" u="sng" dirty="0">
+                <a:solidFill>
+                  <a:srgbClr val="151515"/>
+                </a:solidFill>
+                <a:latin typeface="+mn-ea"/>
+                <a:ea typeface="+mn-ea"/>
+              </a:rPr>
+              <a:t>能很好的逼近地理实体的空间分布特征，数据精度高，数据存储的冗余度低，便于进行地理实体的网络分析</a:t>
+            </a:r>
+            <a:r>
+              <a:rPr lang="zh-CN" altLang="en-US" sz="2300" dirty="0">
+                <a:solidFill>
+                  <a:srgbClr val="151515"/>
+                </a:solidFill>
+                <a:latin typeface="+mn-ea"/>
+                <a:ea typeface="+mn-ea"/>
+              </a:rPr>
+              <a:t>。</a:t>
+            </a:r>
+            <a:endParaRPr lang="en-US" altLang="zh-CN" sz="2300" dirty="0">
+              <a:solidFill>
+                <a:srgbClr val="151515"/>
+              </a:solidFill>
+              <a:latin typeface="+mn-ea"/>
+              <a:ea typeface="+mn-ea"/>
+            </a:endParaRPr>
+          </a:p>
+          <a:p>
+            <a:pPr algn="just">
+              <a:lnSpc>
+                <a:spcPct val="200000"/>
+              </a:lnSpc>
+            </a:pPr>
+            <a:r>
+              <a:rPr lang="zh-CN" altLang="en-US" sz="2300" b="1" dirty="0">
+                <a:solidFill>
+                  <a:schemeClr val="accent2"/>
+                </a:solidFill>
+                <a:latin typeface="+mn-ea"/>
+                <a:ea typeface="+mn-ea"/>
+              </a:rPr>
+              <a:t>获取方式</a:t>
+            </a:r>
+            <a:r>
+              <a:rPr lang="zh-CN" altLang="en-US" sz="2300" b="1" dirty="0">
+                <a:solidFill>
+                  <a:srgbClr val="151515"/>
+                </a:solidFill>
+                <a:latin typeface="+mn-ea"/>
+                <a:ea typeface="+mn-ea"/>
+              </a:rPr>
+              <a:t>：</a:t>
+            </a:r>
+            <a:r>
+              <a:rPr lang="en-US" altLang="zh-CN" sz="2300" dirty="0">
+                <a:solidFill>
+                  <a:srgbClr val="151515"/>
+                </a:solidFill>
+                <a:latin typeface="+mn-ea"/>
+                <a:ea typeface="+mn-ea"/>
+              </a:rPr>
+              <a:t>1</a:t>
+            </a:r>
+            <a:r>
+              <a:rPr lang="zh-CN" altLang="en-US" sz="2300" dirty="0">
+                <a:solidFill>
+                  <a:srgbClr val="151515"/>
+                </a:solidFill>
+                <a:latin typeface="+mn-ea"/>
+                <a:ea typeface="+mn-ea"/>
+              </a:rPr>
+              <a:t>）外业测量；</a:t>
+            </a:r>
+            <a:r>
+              <a:rPr lang="en-US" altLang="zh-CN" sz="2300" dirty="0">
+                <a:solidFill>
+                  <a:srgbClr val="151515"/>
+                </a:solidFill>
+                <a:latin typeface="+mn-ea"/>
+                <a:ea typeface="+mn-ea"/>
+              </a:rPr>
+              <a:t>2</a:t>
+            </a:r>
+            <a:r>
+              <a:rPr lang="zh-CN" altLang="en-US" sz="2300" dirty="0">
+                <a:solidFill>
+                  <a:srgbClr val="151515"/>
+                </a:solidFill>
+                <a:latin typeface="+mn-ea"/>
+                <a:ea typeface="+mn-ea"/>
+              </a:rPr>
+              <a:t>）栅格数据转换。</a:t>
+            </a:r>
+            <a:endParaRPr lang="en-US" altLang="zh-CN" sz="2300" dirty="0">
+              <a:solidFill>
+                <a:srgbClr val="151515"/>
+              </a:solidFill>
+              <a:latin typeface="+mn-ea"/>
+              <a:ea typeface="+mn-ea"/>
+            </a:endParaRPr>
+          </a:p>
+          <a:p>
+            <a:pPr algn="just">
+              <a:lnSpc>
+                <a:spcPct val="200000"/>
+              </a:lnSpc>
+            </a:pPr>
+            <a:r>
+              <a:rPr lang="zh-CN" altLang="en-US" sz="2300" b="1" dirty="0">
+                <a:solidFill>
+                  <a:schemeClr val="accent2"/>
+                </a:solidFill>
+                <a:latin typeface="+mn-ea"/>
+                <a:ea typeface="+mn-ea"/>
+              </a:rPr>
+              <a:t>应用</a:t>
+            </a:r>
+            <a:r>
+              <a:rPr lang="zh-CN" altLang="en-US" sz="2300" b="1" dirty="0">
+                <a:solidFill>
+                  <a:srgbClr val="151515"/>
+                </a:solidFill>
+                <a:latin typeface="+mn-ea"/>
+                <a:ea typeface="+mn-ea"/>
+              </a:rPr>
+              <a:t>：</a:t>
+            </a:r>
+            <a:r>
+              <a:rPr lang="zh-CN" altLang="en-US" sz="2300" dirty="0">
+                <a:solidFill>
+                  <a:srgbClr val="151515"/>
+                </a:solidFill>
+                <a:latin typeface="+mn-ea"/>
+                <a:ea typeface="+mn-ea"/>
+              </a:rPr>
+              <a:t>城市规划、土地管理、公共事业管理等方面。</a:t>
+            </a:r>
+            <a:endParaRPr lang="en-US" altLang="zh-CN" sz="2300" dirty="0">
+              <a:solidFill>
+                <a:srgbClr val="151515"/>
+              </a:solidFill>
+              <a:latin typeface="+mn-ea"/>
+              <a:ea typeface="+mn-ea"/>
+            </a:endParaRPr>
           </a:p>
         </p:txBody>
       </p:sp>
-      <p:pic>
-        <p:nvPicPr>
-          <p:cNvPr id="2050" name="Picture 2" descr="OGR读取数据流程">
-            <a:extLst>
-              <a:ext uri="{FF2B5EF4-FFF2-40B4-BE49-F238E27FC236}">
-                <a16:creationId xmlns:a16="http://schemas.microsoft.com/office/drawing/2014/main" id="{A13D233F-18BF-0335-CBB2-200FF38BAF2F}"/>
-              </a:ext>
-            </a:extLst>
-          </p:cNvPr>
-          <p:cNvPicPr>
-            <a:picLocks noChangeAspect="1" noChangeArrowheads="1"/>
-          </p:cNvPicPr>
-          <p:nvPr/>
-        </p:nvPicPr>
-        <p:blipFill>
-          <a:blip r:embed="rId3">
-            <a:extLst>
-              <a:ext uri="{28A0092B-C50C-407E-A947-70E740481C1C}">
-                <a14:useLocalDpi xmlns:a14="http://schemas.microsoft.com/office/drawing/2010/main" val="0"/>
-              </a:ext>
-            </a:extLst>
-          </a:blip>
-          <a:srcRect/>
-          <a:stretch>
-            <a:fillRect/>
-          </a:stretch>
-        </p:blipFill>
-        <p:spPr bwMode="auto">
-          <a:xfrm>
-            <a:off x="1780309" y="2215465"/>
-            <a:ext cx="5925483" cy="4436105"/>
-          </a:xfrm>
-          <a:prstGeom prst="rect">
-            <a:avLst/>
-          </a:prstGeom>
-          <a:noFill/>
-          <a:extLst>
-            <a:ext uri="{909E8E84-426E-40DD-AFC4-6F175D3DCCD1}">
-              <a14:hiddenFill xmlns:a14="http://schemas.microsoft.com/office/drawing/2010/main">
-                <a:solidFill>
-                  <a:srgbClr val="FFFFFF"/>
-                </a:solidFill>
-              </a14:hiddenFill>
-            </a:ext>
-          </a:extLst>
-        </p:spPr>
-      </p:pic>
     </p:spTree>
     <p:extLst>
       <p:ext uri="{BB962C8B-B14F-4D97-AF65-F5344CB8AC3E}">
-        <p14:creationId xmlns:p14="http://schemas.microsoft.com/office/powerpoint/2010/main" val="655142816"/>
+        <p14:creationId xmlns:p14="http://schemas.microsoft.com/office/powerpoint/2010/main" val="2646199790"/>
       </p:ext>
     </p:extLst>
   </p:cSld>
@@ -16419,25 +22683,44 @@
           <a:lstStyle/>
           <a:p>
             <a:r>
+              <a:rPr lang="zh-CN" altLang="en-US" dirty="0">
+                <a:latin typeface="+mn-ea"/>
+              </a:rPr>
+              <a:t>一</a:t>
+            </a:r>
+            <a:r>
+              <a:rPr lang="en-US" altLang="zh-CN" dirty="0">
+                <a:latin typeface="+mn-ea"/>
+              </a:rPr>
+              <a:t>. </a:t>
+            </a:r>
+            <a:r>
               <a:rPr lang="zh-CN" altLang="en-US" sz="3600" b="1" dirty="0">
                 <a:latin typeface="微软雅黑" pitchFamily="34" charset="-122"/>
                 <a:ea typeface="微软雅黑" pitchFamily="34" charset="-122"/>
               </a:rPr>
-              <a:t>三、</a:t>
+              <a:t>开源</a:t>
             </a:r>
             <a:r>
               <a:rPr lang="en-US" altLang="zh-CN" sz="3600" b="1" dirty="0">
                 <a:latin typeface="微软雅黑" pitchFamily="34" charset="-122"/>
                 <a:ea typeface="微软雅黑" pitchFamily="34" charset="-122"/>
               </a:rPr>
-              <a:t>Python</a:t>
+              <a:t>Linux</a:t>
             </a:r>
             <a:r>
               <a:rPr lang="zh-CN" altLang="en-US" sz="3600" b="1" dirty="0">
                 <a:latin typeface="微软雅黑" pitchFamily="34" charset="-122"/>
                 <a:ea typeface="微软雅黑" pitchFamily="34" charset="-122"/>
               </a:rPr>
-              <a:t>开发环境配置</a:t>
+              <a:t>操作系统</a:t>
+            </a:r>
+            <a:r>
+              <a:rPr lang="zh-CN" altLang="en-US" dirty="0">
+                <a:latin typeface="微软雅黑" pitchFamily="34" charset="-122"/>
+                <a:ea typeface="微软雅黑" pitchFamily="34" charset="-122"/>
+              </a:rPr>
+              <a:t>简介</a:t>
             </a:r>
             <a:endParaRPr lang="zh-CN" altLang="en-US" dirty="0"/>
           </a:p>
@@ -16445,10 +22728,10 @@
       </p:sp>
       <p:sp>
         <p:nvSpPr>
-          <p:cNvPr id="11" name="TextBox 10">
+          <p:cNvPr id="2" name="TextBox 1">
             <a:extLst>
               <a:ext uri="{FF2B5EF4-FFF2-40B4-BE49-F238E27FC236}">
-                <a16:creationId xmlns:a16="http://schemas.microsoft.com/office/drawing/2014/main" id="{53A7E693-8098-76C4-CD5D-47166ABEB164}"/>
+                <a16:creationId xmlns:a16="http://schemas.microsoft.com/office/drawing/2014/main" id="{631AADB6-C88A-D817-4683-FC087E4E240F}"/>
               </a:ext>
             </a:extLst>
           </p:cNvPr>
@@ -16457,8 +22740,8 @@
         </p:nvSpPr>
         <p:spPr>
           <a:xfrm>
-            <a:off x="414554" y="1032836"/>
-            <a:ext cx="8314891" cy="743986"/>
+            <a:off x="317665" y="846748"/>
+            <a:ext cx="8508670" cy="662489"/>
           </a:xfrm>
           <a:prstGeom prst="rect">
             <a:avLst/>
@@ -16477,16 +22760,66 @@
               </a:lnSpc>
             </a:pPr>
             <a:r>
-              <a:rPr lang="zh-CN" altLang="en-US" sz="3200" b="1" dirty="0">
+              <a:rPr lang="en-US" altLang="zh-CN" sz="2800" b="1" dirty="0">
                 <a:solidFill>
                   <a:srgbClr val="333333"/>
                 </a:solidFill>
                 <a:latin typeface="+mn-ea"/>
                 <a:ea typeface="+mn-ea"/>
               </a:rPr>
-              <a:t>课堂课后练习</a:t>
-            </a:r>
-            <a:endParaRPr lang="en-US" altLang="zh-CN" sz="3200" b="1" dirty="0">
+              <a:t>2</a:t>
+            </a:r>
+            <a:r>
+              <a:rPr lang="zh-CN" altLang="en-US" sz="2800" b="1" dirty="0">
+                <a:solidFill>
+                  <a:srgbClr val="333333"/>
+                </a:solidFill>
+                <a:latin typeface="+mn-ea"/>
+                <a:ea typeface="+mn-ea"/>
+              </a:rPr>
+              <a:t>、</a:t>
+            </a:r>
+            <a:r>
+              <a:rPr lang="en-US" altLang="zh-CN" sz="2800" b="1" dirty="0">
+                <a:solidFill>
+                  <a:srgbClr val="333333"/>
+                </a:solidFill>
+                <a:latin typeface="+mn-ea"/>
+                <a:ea typeface="+mn-ea"/>
+              </a:rPr>
+              <a:t>OGC</a:t>
+            </a:r>
+            <a:r>
+              <a:rPr lang="zh-CN" altLang="en-US" sz="2800" b="1" dirty="0">
+                <a:solidFill>
+                  <a:srgbClr val="333333"/>
+                </a:solidFill>
+                <a:latin typeface="+mn-ea"/>
+                <a:ea typeface="+mn-ea"/>
+              </a:rPr>
+              <a:t>及</a:t>
+            </a:r>
+            <a:r>
+              <a:rPr lang="en-US" altLang="zh-CN" sz="2800" b="1" dirty="0" err="1">
+                <a:solidFill>
+                  <a:srgbClr val="333333"/>
+                </a:solidFill>
+                <a:latin typeface="+mn-ea"/>
+                <a:ea typeface="+mn-ea"/>
+              </a:rPr>
+              <a:t>OpenGIS</a:t>
+            </a:r>
+            <a:r>
+              <a:rPr lang="zh-CN" altLang="en-US" sz="2800" b="1" dirty="0">
+                <a:solidFill>
+                  <a:srgbClr val="333333"/>
+                </a:solidFill>
+                <a:latin typeface="+mn-ea"/>
+                <a:ea typeface="+mn-ea"/>
+              </a:rPr>
+              <a:t>简介</a:t>
+            </a:r>
+            <a:endParaRPr lang="en-US" altLang="zh-CN" sz="2800" b="1" dirty="0">
               <a:solidFill>
                 <a:srgbClr val="333333"/>
               </a:solidFill>
@@ -16498,10 +22831,10 @@
       </p:sp>
       <p:sp>
         <p:nvSpPr>
-          <p:cNvPr id="13" name="TextBox 12">
+          <p:cNvPr id="5" name="TextBox 4">
             <a:extLst>
               <a:ext uri="{FF2B5EF4-FFF2-40B4-BE49-F238E27FC236}">
-                <a16:creationId xmlns:a16="http://schemas.microsoft.com/office/drawing/2014/main" id="{303BC878-BC57-D350-27A3-F03AE48213AC}"/>
+                <a16:creationId xmlns:a16="http://schemas.microsoft.com/office/drawing/2014/main" id="{78502774-B04C-634F-1396-E5815996BC36}"/>
               </a:ext>
             </a:extLst>
           </p:cNvPr>
@@ -16510,8 +22843,8 @@
         </p:nvSpPr>
         <p:spPr>
           <a:xfrm>
-            <a:off x="553250" y="1872358"/>
-            <a:ext cx="8037499" cy="4755982"/>
+            <a:off x="547060" y="1441518"/>
+            <a:ext cx="8230437" cy="2935547"/>
           </a:xfrm>
           <a:prstGeom prst="rect">
             <a:avLst/>
@@ -16524,63 +22857,507 @@
           </a:bodyPr>
           <a:lstStyle/>
           <a:p>
-            <a:pPr marL="457200" indent="-457200" algn="just">
+            <a:pPr algn="just">
+              <a:lnSpc>
+                <a:spcPct val="200000"/>
+              </a:lnSpc>
+            </a:pPr>
+            <a:r>
+              <a:rPr lang="zh-CN" altLang="en-US" dirty="0">
+                <a:solidFill>
+                  <a:srgbClr val="151515"/>
+                </a:solidFill>
+                <a:latin typeface="+mn-ea"/>
+                <a:ea typeface="+mn-ea"/>
+              </a:rPr>
+              <a:t>为了</a:t>
+            </a:r>
+            <a:r>
+              <a:rPr lang="zh-CN" altLang="en-US" b="1" u="sng" dirty="0">
+                <a:solidFill>
+                  <a:srgbClr val="151515"/>
+                </a:solidFill>
+                <a:latin typeface="+mn-ea"/>
+                <a:ea typeface="+mn-ea"/>
+              </a:rPr>
+              <a:t>研究和开发开放式地理信息系统技术</a:t>
+            </a:r>
+            <a:r>
+              <a:rPr lang="zh-CN" altLang="en-US" dirty="0">
+                <a:solidFill>
+                  <a:srgbClr val="151515"/>
+                </a:solidFill>
+                <a:latin typeface="+mn-ea"/>
+                <a:ea typeface="+mn-ea"/>
+              </a:rPr>
+              <a:t>，</a:t>
+            </a:r>
+            <a:r>
+              <a:rPr lang="en-US" altLang="zh-CN" b="1" dirty="0">
+                <a:solidFill>
+                  <a:srgbClr val="151515"/>
+                </a:solidFill>
+                <a:latin typeface="+mn-ea"/>
+                <a:ea typeface="+mn-ea"/>
+              </a:rPr>
+              <a:t>1996</a:t>
+            </a:r>
+            <a:r>
+              <a:rPr lang="zh-CN" altLang="en-US" b="1" dirty="0">
+                <a:solidFill>
+                  <a:srgbClr val="151515"/>
+                </a:solidFill>
+                <a:latin typeface="+mn-ea"/>
+                <a:ea typeface="+mn-ea"/>
+              </a:rPr>
+              <a:t>年</a:t>
+            </a:r>
+            <a:r>
+              <a:rPr lang="zh-CN" altLang="en-US" dirty="0">
+                <a:solidFill>
+                  <a:srgbClr val="151515"/>
+                </a:solidFill>
+                <a:latin typeface="+mn-ea"/>
+                <a:ea typeface="+mn-ea"/>
+              </a:rPr>
+              <a:t>在美国成立了开放地理信息</a:t>
+            </a:r>
+            <a:r>
+              <a:rPr lang="zh-CN" altLang="en-US" dirty="0">
+                <a:solidFill>
+                  <a:srgbClr val="151515"/>
+                </a:solidFill>
+                <a:latin typeface="+mn-ea"/>
+                <a:ea typeface="+mn-ea"/>
+                <a:cs typeface="Times New Roman" panose="02020603050405020304" pitchFamily="18" charset="0"/>
+              </a:rPr>
+              <a:t>联合会</a:t>
+            </a:r>
+            <a:r>
+              <a:rPr lang="en-US" altLang="zh-CN" dirty="0">
+                <a:solidFill>
+                  <a:srgbClr val="151515"/>
+                </a:solidFill>
+                <a:latin typeface="+mn-ea"/>
+                <a:ea typeface="+mn-ea"/>
+                <a:cs typeface="Times New Roman" panose="02020603050405020304" pitchFamily="18" charset="0"/>
+              </a:rPr>
+              <a:t>(OGC, Open GIS Consortium) ,</a:t>
+            </a:r>
+            <a:r>
+              <a:rPr lang="zh-CN" altLang="en-US" dirty="0">
+                <a:solidFill>
+                  <a:srgbClr val="151515"/>
+                </a:solidFill>
+                <a:latin typeface="+mn-ea"/>
+                <a:ea typeface="+mn-ea"/>
+                <a:cs typeface="Times New Roman" panose="02020603050405020304" pitchFamily="18" charset="0"/>
+              </a:rPr>
+              <a:t>该组织提出</a:t>
+            </a:r>
+            <a:r>
+              <a:rPr lang="en-US" altLang="zh-CN" dirty="0">
+                <a:solidFill>
+                  <a:srgbClr val="151515"/>
+                </a:solidFill>
+                <a:latin typeface="+mn-ea"/>
+                <a:ea typeface="+mn-ea"/>
+                <a:cs typeface="Times New Roman" panose="02020603050405020304" pitchFamily="18" charset="0"/>
+              </a:rPr>
+              <a:t>Open GIS</a:t>
+            </a:r>
+            <a:r>
+              <a:rPr lang="zh-CN" altLang="en-US" dirty="0">
+                <a:solidFill>
+                  <a:srgbClr val="151515"/>
+                </a:solidFill>
+                <a:latin typeface="+mn-ea"/>
+                <a:ea typeface="+mn-ea"/>
+                <a:cs typeface="Times New Roman" panose="02020603050405020304" pitchFamily="18" charset="0"/>
+              </a:rPr>
+              <a:t>（</a:t>
+            </a:r>
+            <a:r>
+              <a:rPr lang="en-US" altLang="zh-CN" dirty="0">
+                <a:solidFill>
+                  <a:srgbClr val="151515"/>
+                </a:solidFill>
+                <a:latin typeface="+mn-ea"/>
+                <a:ea typeface="+mn-ea"/>
+                <a:cs typeface="Times New Roman" panose="02020603050405020304" pitchFamily="18" charset="0"/>
+              </a:rPr>
+              <a:t>open geodata interoperation specification,</a:t>
+            </a:r>
+            <a:r>
+              <a:rPr lang="zh-CN" altLang="en-US" dirty="0">
+                <a:solidFill>
+                  <a:srgbClr val="151515"/>
+                </a:solidFill>
+                <a:latin typeface="+mn-ea"/>
+                <a:ea typeface="+mn-ea"/>
+                <a:cs typeface="Times New Roman" panose="02020603050405020304" pitchFamily="18" charset="0"/>
+              </a:rPr>
+              <a:t> </a:t>
+            </a:r>
+            <a:r>
+              <a:rPr lang="zh-CN" altLang="en-US" b="1" u="sng" dirty="0">
+                <a:solidFill>
+                  <a:srgbClr val="151515"/>
+                </a:solidFill>
+                <a:latin typeface="+mn-ea"/>
+                <a:ea typeface="+mn-ea"/>
+                <a:cs typeface="Times New Roman" panose="02020603050405020304" pitchFamily="18" charset="0"/>
+              </a:rPr>
+              <a:t>开放的地理数据互</a:t>
+            </a:r>
+            <a:r>
+              <a:rPr lang="zh-CN" altLang="en-US" b="1" u="sng" dirty="0">
+                <a:solidFill>
+                  <a:srgbClr val="151515"/>
+                </a:solidFill>
+                <a:latin typeface="+mn-ea"/>
+                <a:ea typeface="+mn-ea"/>
+              </a:rPr>
+              <a:t>操作规范</a:t>
+            </a:r>
+            <a:r>
+              <a:rPr lang="zh-CN" altLang="en-US" dirty="0">
+                <a:solidFill>
+                  <a:srgbClr val="151515"/>
+                </a:solidFill>
+                <a:latin typeface="+mn-ea"/>
+                <a:ea typeface="+mn-ea"/>
+              </a:rPr>
+              <a:t>）。</a:t>
+            </a:r>
+            <a:endParaRPr lang="en-US" altLang="zh-CN" dirty="0">
+              <a:solidFill>
+                <a:srgbClr val="151515"/>
+              </a:solidFill>
+              <a:latin typeface="+mn-ea"/>
+              <a:ea typeface="+mn-ea"/>
+            </a:endParaRPr>
+          </a:p>
+        </p:txBody>
+      </p:sp>
+      <p:sp>
+        <p:nvSpPr>
+          <p:cNvPr id="4" name="AutoShape 4" descr="logo OSGeo">
+            <a:extLst>
+              <a:ext uri="{FF2B5EF4-FFF2-40B4-BE49-F238E27FC236}">
+                <a16:creationId xmlns:a16="http://schemas.microsoft.com/office/drawing/2014/main" id="{9FE11196-CCF5-75BD-769D-EF2B16C862D6}"/>
+              </a:ext>
+            </a:extLst>
+          </p:cNvPr>
+          <p:cNvSpPr>
+            <a:spLocks noChangeAspect="1" noChangeArrowheads="1"/>
+          </p:cNvSpPr>
+          <p:nvPr/>
+        </p:nvSpPr>
+        <p:spPr bwMode="auto">
+          <a:xfrm>
+            <a:off x="4419600" y="3276600"/>
+            <a:ext cx="304800" cy="304800"/>
+          </a:xfrm>
+          <a:prstGeom prst="rect">
+            <a:avLst/>
+          </a:prstGeom>
+          <a:noFill/>
+          <a:extLst>
+            <a:ext uri="{909E8E84-426E-40DD-AFC4-6F175D3DCCD1}">
+              <a14:hiddenFill xmlns:a14="http://schemas.microsoft.com/office/drawing/2010/main">
+                <a:solidFill>
+                  <a:srgbClr val="FFFFFF"/>
+                </a:solidFill>
+              </a14:hiddenFill>
+            </a:ext>
+          </a:extLst>
+        </p:spPr>
+        <p:txBody>
+          <a:bodyPr vert="horz" wrap="square" lIns="91440" tIns="45720" rIns="91440" bIns="45720" numCol="1" anchor="t" anchorCtr="0" compatLnSpc="1">
+            <a:prstTxWarp prst="textNoShape">
+              <a:avLst/>
+            </a:prstTxWarp>
+          </a:bodyPr>
+          <a:lstStyle/>
+          <a:p>
+            <a:endParaRPr lang="zh-CN" altLang="en-US"/>
+          </a:p>
+        </p:txBody>
+      </p:sp>
+      <p:pic>
+        <p:nvPicPr>
+          <p:cNvPr id="11" name="图片 10">
+            <a:extLst>
+              <a:ext uri="{FF2B5EF4-FFF2-40B4-BE49-F238E27FC236}">
+                <a16:creationId xmlns:a16="http://schemas.microsoft.com/office/drawing/2014/main" id="{C1897605-A10F-8138-5CAF-F7928675259D}"/>
+              </a:ext>
+            </a:extLst>
+          </p:cNvPr>
+          <p:cNvPicPr>
+            <a:picLocks noChangeAspect="1"/>
+          </p:cNvPicPr>
+          <p:nvPr/>
+        </p:nvPicPr>
+        <p:blipFill>
+          <a:blip r:embed="rId3"/>
+          <a:srcRect t="8095"/>
+          <a:stretch/>
+        </p:blipFill>
+        <p:spPr>
+          <a:xfrm>
+            <a:off x="5401844" y="4982709"/>
+            <a:ext cx="3611527" cy="1262230"/>
+          </a:xfrm>
+          <a:prstGeom prst="rect">
+            <a:avLst/>
+          </a:prstGeom>
+        </p:spPr>
+      </p:pic>
+      <p:sp>
+        <p:nvSpPr>
+          <p:cNvPr id="7" name="文本框 6">
+            <a:extLst>
+              <a:ext uri="{FF2B5EF4-FFF2-40B4-BE49-F238E27FC236}">
+                <a16:creationId xmlns:a16="http://schemas.microsoft.com/office/drawing/2014/main" id="{AD9C75B2-D901-5F4D-3642-D86209B84728}"/>
+              </a:ext>
+            </a:extLst>
+          </p:cNvPr>
+          <p:cNvSpPr txBox="1"/>
+          <p:nvPr/>
+        </p:nvSpPr>
+        <p:spPr>
+          <a:xfrm>
+            <a:off x="547060" y="4652250"/>
+            <a:ext cx="4854784" cy="1689052"/>
+          </a:xfrm>
+          <a:prstGeom prst="rect">
+            <a:avLst/>
+          </a:prstGeom>
+          <a:noFill/>
+        </p:spPr>
+        <p:txBody>
+          <a:bodyPr wrap="square">
+            <a:spAutoFit/>
+          </a:bodyPr>
+          <a:lstStyle/>
+          <a:p>
+            <a:pPr algn="just">
               <a:lnSpc>
                 <a:spcPct val="150000"/>
               </a:lnSpc>
-              <a:buAutoNum type="arabicPeriod"/>
             </a:pPr>
             <a:r>
-              <a:rPr lang="zh-CN" altLang="en-US" sz="2800" dirty="0">
-                <a:solidFill>
-                  <a:srgbClr val="333333"/>
+              <a:rPr lang="en-US" altLang="zh-CN" dirty="0">
+                <a:solidFill>
+                  <a:srgbClr val="151515"/>
                 </a:solidFill>
                 <a:latin typeface="+mn-ea"/>
                 <a:ea typeface="+mn-ea"/>
               </a:rPr>
-              <a:t>练习利用</a:t>
-            </a:r>
-            <a:r>
-              <a:rPr lang="en-US" altLang="zh-CN" sz="2800" dirty="0">
-                <a:solidFill>
-                  <a:srgbClr val="333333"/>
+              <a:t>OGC</a:t>
+            </a:r>
+            <a:r>
+              <a:rPr lang="zh-CN" altLang="en-US" dirty="0">
+                <a:solidFill>
+                  <a:srgbClr val="151515"/>
                 </a:solidFill>
                 <a:latin typeface="+mn-ea"/>
                 <a:ea typeface="+mn-ea"/>
               </a:rPr>
-              <a:t>Anaconda</a:t>
-            </a:r>
-            <a:r>
-              <a:rPr lang="zh-CN" altLang="en-US" sz="2800" dirty="0">
-                <a:solidFill>
-                  <a:srgbClr val="333333"/>
+              <a:t>是一个非赢利性组织，目的是</a:t>
+            </a:r>
+            <a:r>
+              <a:rPr lang="zh-CN" altLang="en-US" b="1" u="sng" dirty="0">
+                <a:solidFill>
+                  <a:srgbClr val="151515"/>
                 </a:solidFill>
                 <a:latin typeface="+mn-ea"/>
                 <a:ea typeface="+mn-ea"/>
               </a:rPr>
-              <a:t>开源软件管理包进行</a:t>
-            </a:r>
-            <a:r>
-              <a:rPr lang="en-US" altLang="zh-CN" sz="2800" dirty="0">
+              <a:t>促进采用新的技术和商业方式来提高地理信息处理的互操作性。</a:t>
+            </a:r>
+            <a:endParaRPr lang="zh-CN" altLang="en-US" dirty="0">
+              <a:solidFill>
+                <a:srgbClr val="151515"/>
+              </a:solidFill>
+              <a:latin typeface="+mn-ea"/>
+              <a:ea typeface="+mn-ea"/>
+            </a:endParaRPr>
+          </a:p>
+        </p:txBody>
+      </p:sp>
+    </p:spTree>
+    <p:extLst>
+      <p:ext uri="{BB962C8B-B14F-4D97-AF65-F5344CB8AC3E}">
+        <p14:creationId xmlns:p14="http://schemas.microsoft.com/office/powerpoint/2010/main" val="1374115693"/>
+      </p:ext>
+    </p:extLst>
+  </p:cSld>
+  <p:clrMapOvr>
+    <a:masterClrMapping/>
+  </p:clrMapOvr>
+  <p:transition>
+    <p:fade/>
+  </p:transition>
+</p:sld>
+</file>
+
+<file path=ppt/slides/slide7.xml><?xml version="1.0" encoding="utf-8"?>
+<p:sld xmlns:a="http://schemas.openxmlformats.org/drawingml/2006/main" xmlns:r="http://schemas.openxmlformats.org/officeDocument/2006/relationships" xmlns:p="http://schemas.openxmlformats.org/presentationml/2006/main">
+  <p:cSld>
+    <p:spTree>
+      <p:nvGrpSpPr>
+        <p:cNvPr id="1" name=""/>
+        <p:cNvGrpSpPr/>
+        <p:nvPr/>
+      </p:nvGrpSpPr>
+      <p:grpSpPr>
+        <a:xfrm>
+          <a:off x="0" y="0"/>
+          <a:ext cx="0" cy="0"/>
+          <a:chOff x="0" y="0"/>
+          <a:chExt cx="0" cy="0"/>
+        </a:xfrm>
+      </p:grpSpPr>
+      <p:sp>
+        <p:nvSpPr>
+          <p:cNvPr id="3" name="标题 2"/>
+          <p:cNvSpPr>
+            <a:spLocks noGrp="1"/>
+          </p:cNvSpPr>
+          <p:nvPr>
+            <p:ph type="title"/>
+          </p:nvPr>
+        </p:nvSpPr>
+        <p:spPr>
+          <a:xfrm>
+            <a:off x="0" y="8526"/>
+            <a:ext cx="9013371" cy="792162"/>
+          </a:xfrm>
+        </p:spPr>
+        <p:txBody>
+          <a:bodyPr/>
+          <a:lstStyle/>
+          <a:p>
+            <a:r>
+              <a:rPr lang="zh-CN" altLang="en-US" dirty="0">
+                <a:latin typeface="+mn-ea"/>
+              </a:rPr>
+              <a:t>一</a:t>
+            </a:r>
+            <a:r>
+              <a:rPr lang="en-US" altLang="zh-CN" dirty="0">
+                <a:latin typeface="+mn-ea"/>
+              </a:rPr>
+              <a:t>. </a:t>
+            </a:r>
+            <a:r>
+              <a:rPr lang="zh-CN" altLang="en-US" sz="3600" b="1" dirty="0">
+                <a:latin typeface="微软雅黑" pitchFamily="34" charset="-122"/>
+                <a:ea typeface="微软雅黑" pitchFamily="34" charset="-122"/>
+              </a:rPr>
+              <a:t>开源</a:t>
+            </a:r>
+            <a:r>
+              <a:rPr lang="en-US" altLang="zh-CN" sz="3600" b="1" dirty="0">
+                <a:latin typeface="微软雅黑" pitchFamily="34" charset="-122"/>
+                <a:ea typeface="微软雅黑" pitchFamily="34" charset="-122"/>
+              </a:rPr>
+              <a:t>Linux</a:t>
+            </a:r>
+            <a:r>
+              <a:rPr lang="zh-CN" altLang="en-US" sz="3600" b="1" dirty="0">
+                <a:latin typeface="微软雅黑" pitchFamily="34" charset="-122"/>
+                <a:ea typeface="微软雅黑" pitchFamily="34" charset="-122"/>
+              </a:rPr>
+              <a:t>操作系统</a:t>
+            </a:r>
+            <a:r>
+              <a:rPr lang="zh-CN" altLang="en-US" dirty="0">
+                <a:latin typeface="微软雅黑" pitchFamily="34" charset="-122"/>
+                <a:ea typeface="微软雅黑" pitchFamily="34" charset="-122"/>
+              </a:rPr>
+              <a:t>简介</a:t>
+            </a:r>
+            <a:endParaRPr lang="zh-CN" altLang="en-US" dirty="0"/>
+          </a:p>
+        </p:txBody>
+      </p:sp>
+      <p:sp>
+        <p:nvSpPr>
+          <p:cNvPr id="2" name="TextBox 1">
+            <a:extLst>
+              <a:ext uri="{FF2B5EF4-FFF2-40B4-BE49-F238E27FC236}">
+                <a16:creationId xmlns:a16="http://schemas.microsoft.com/office/drawing/2014/main" id="{631AADB6-C88A-D817-4683-FC087E4E240F}"/>
+              </a:ext>
+            </a:extLst>
+          </p:cNvPr>
+          <p:cNvSpPr txBox="1"/>
+          <p:nvPr/>
+        </p:nvSpPr>
+        <p:spPr>
+          <a:xfrm>
+            <a:off x="317665" y="846748"/>
+            <a:ext cx="8508670" cy="662489"/>
+          </a:xfrm>
+          <a:prstGeom prst="rect">
+            <a:avLst/>
+          </a:prstGeom>
+          <a:noFill/>
+        </p:spPr>
+        <p:txBody>
+          <a:bodyPr wrap="square" rtlCol="0">
+            <a:spAutoFit/>
+          </a:bodyPr>
+          <a:lstStyle/>
+          <a:p>
+            <a:pPr algn="just">
+              <a:lnSpc>
+                <a:spcPct val="150000"/>
+              </a:lnSpc>
+            </a:pPr>
+            <a:r>
+              <a:rPr lang="en-US" altLang="zh-CN" sz="2800" b="1" dirty="0">
                 <a:solidFill>
                   <a:srgbClr val="333333"/>
                 </a:solidFill>
                 <a:latin typeface="+mn-ea"/>
                 <a:ea typeface="+mn-ea"/>
               </a:rPr>
-              <a:t>python</a:t>
-            </a:r>
-            <a:r>
-              <a:rPr lang="zh-CN" altLang="en-US" sz="2800" dirty="0">
+              <a:t>2</a:t>
+            </a:r>
+            <a:r>
+              <a:rPr lang="zh-CN" altLang="en-US" sz="2800" b="1" dirty="0">
                 <a:solidFill>
                   <a:srgbClr val="333333"/>
                 </a:solidFill>
                 <a:latin typeface="+mn-ea"/>
                 <a:ea typeface="+mn-ea"/>
               </a:rPr>
-              <a:t>开发环境配置。</a:t>
-            </a:r>
-            <a:endParaRPr lang="en-US" altLang="zh-CN" sz="2800" dirty="0">
+              <a:t>、</a:t>
+            </a:r>
+            <a:r>
+              <a:rPr lang="en-US" altLang="zh-CN" sz="2800" b="1" dirty="0" err="1">
+                <a:solidFill>
+                  <a:srgbClr val="333333"/>
+                </a:solidFill>
+                <a:latin typeface="+mn-ea"/>
+                <a:ea typeface="+mn-ea"/>
+              </a:rPr>
+              <a:t>OpenGIS</a:t>
+            </a:r>
+            <a:r>
+              <a:rPr lang="zh-CN" altLang="en-US" sz="2800" b="1" dirty="0">
+                <a:solidFill>
+                  <a:srgbClr val="333333"/>
+                </a:solidFill>
+                <a:latin typeface="+mn-ea"/>
+                <a:ea typeface="+mn-ea"/>
+              </a:rPr>
+              <a:t>简介</a:t>
+            </a:r>
+            <a:endParaRPr lang="en-US" altLang="zh-CN" sz="2800" b="1" dirty="0">
               <a:solidFill>
                 <a:srgbClr val="333333"/>
               </a:solidFill>
@@ -16588,14 +23365,623 @@
               <a:ea typeface="+mn-ea"/>
             </a:endParaRPr>
           </a:p>
-          <a:p>
-            <a:pPr marL="457200" indent="-457200" algn="just">
+        </p:txBody>
+      </p:sp>
+      <p:sp>
+        <p:nvSpPr>
+          <p:cNvPr id="5" name="TextBox 4">
+            <a:extLst>
+              <a:ext uri="{FF2B5EF4-FFF2-40B4-BE49-F238E27FC236}">
+                <a16:creationId xmlns:a16="http://schemas.microsoft.com/office/drawing/2014/main" id="{78502774-B04C-634F-1396-E5815996BC36}"/>
+              </a:ext>
+            </a:extLst>
+          </p:cNvPr>
+          <p:cNvSpPr txBox="1"/>
+          <p:nvPr/>
+        </p:nvSpPr>
+        <p:spPr>
+          <a:xfrm>
+            <a:off x="653048" y="1509237"/>
+            <a:ext cx="8142703" cy="5197705"/>
+          </a:xfrm>
+          <a:prstGeom prst="rect">
+            <a:avLst/>
+          </a:prstGeom>
+          <a:noFill/>
+        </p:spPr>
+        <p:txBody>
+          <a:bodyPr wrap="square">
+            <a:spAutoFit/>
+          </a:bodyPr>
+          <a:lstStyle/>
+          <a:p>
+            <a:pPr algn="just">
+              <a:lnSpc>
+                <a:spcPct val="200000"/>
+              </a:lnSpc>
+            </a:pPr>
+            <a:r>
+              <a:rPr lang="en-US" altLang="zh-CN" dirty="0" err="1">
+                <a:solidFill>
+                  <a:srgbClr val="151515"/>
+                </a:solidFill>
+                <a:latin typeface="+mn-ea"/>
+                <a:ea typeface="+mn-ea"/>
+              </a:rPr>
+              <a:t>OpenGIS</a:t>
+            </a:r>
+            <a:r>
+              <a:rPr lang="zh-CN" altLang="en-US" dirty="0">
+                <a:solidFill>
+                  <a:srgbClr val="151515"/>
+                </a:solidFill>
+                <a:latin typeface="+mn-ea"/>
+                <a:ea typeface="+mn-ea"/>
+              </a:rPr>
+              <a:t>规范定义了开源地理数据（</a:t>
+            </a:r>
+            <a:r>
+              <a:rPr lang="en-US" altLang="zh-CN" dirty="0">
+                <a:solidFill>
+                  <a:srgbClr val="151515"/>
+                </a:solidFill>
+                <a:latin typeface="+mn-ea"/>
+                <a:ea typeface="+mn-ea"/>
+              </a:rPr>
+              <a:t>open geodata</a:t>
+            </a:r>
+            <a:r>
+              <a:rPr lang="zh-CN" altLang="en-US" dirty="0">
+                <a:solidFill>
+                  <a:srgbClr val="151515"/>
+                </a:solidFill>
+                <a:latin typeface="+mn-ea"/>
+                <a:ea typeface="+mn-ea"/>
+              </a:rPr>
+              <a:t>）模型，改模型定义了一个</a:t>
+            </a:r>
+            <a:r>
+              <a:rPr lang="zh-CN" altLang="en-US" b="1" u="sng" dirty="0">
+                <a:solidFill>
+                  <a:srgbClr val="151515"/>
+                </a:solidFill>
+                <a:latin typeface="+mn-ea"/>
+                <a:ea typeface="+mn-ea"/>
+              </a:rPr>
+              <a:t>公用的基本地理信息类型集合</a:t>
+            </a:r>
+            <a:r>
+              <a:rPr lang="zh-CN" altLang="en-US" dirty="0">
+                <a:solidFill>
+                  <a:srgbClr val="151515"/>
+                </a:solidFill>
+                <a:latin typeface="+mn-ea"/>
+                <a:ea typeface="+mn-ea"/>
+              </a:rPr>
+              <a:t>，该集合可被应用于地理数据建模。</a:t>
+            </a:r>
+            <a:endParaRPr lang="en-US" altLang="zh-CN" dirty="0">
+              <a:solidFill>
+                <a:srgbClr val="151515"/>
+              </a:solidFill>
+              <a:latin typeface="+mn-ea"/>
+              <a:ea typeface="+mn-ea"/>
+            </a:endParaRPr>
+          </a:p>
+          <a:p>
+            <a:pPr algn="just">
+              <a:lnSpc>
+                <a:spcPct val="200000"/>
+              </a:lnSpc>
+            </a:pPr>
+            <a:r>
+              <a:rPr lang="zh-CN" altLang="en-US" dirty="0">
+                <a:solidFill>
+                  <a:srgbClr val="151515"/>
+                </a:solidFill>
+                <a:latin typeface="+mn-ea"/>
+                <a:ea typeface="+mn-ea"/>
+              </a:rPr>
+              <a:t>定义了数据的基础是</a:t>
+            </a:r>
+            <a:r>
+              <a:rPr lang="zh-CN" altLang="en-US" b="1" u="sng" dirty="0">
+                <a:solidFill>
+                  <a:srgbClr val="151515"/>
+                </a:solidFill>
+                <a:latin typeface="+mn-ea"/>
+                <a:ea typeface="+mn-ea"/>
+              </a:rPr>
+              <a:t>要素</a:t>
+            </a:r>
+            <a:r>
+              <a:rPr lang="zh-CN" altLang="en-US" dirty="0">
+                <a:solidFill>
+                  <a:srgbClr val="151515"/>
+                </a:solidFill>
+                <a:latin typeface="+mn-ea"/>
+                <a:ea typeface="+mn-ea"/>
+              </a:rPr>
+              <a:t>（</a:t>
+            </a:r>
+            <a:r>
+              <a:rPr lang="en-US" altLang="zh-CN" dirty="0">
+                <a:solidFill>
+                  <a:srgbClr val="151515"/>
+                </a:solidFill>
+                <a:latin typeface="+mn-ea"/>
+                <a:ea typeface="+mn-ea"/>
+              </a:rPr>
+              <a:t>Feature</a:t>
+            </a:r>
+            <a:r>
+              <a:rPr lang="zh-CN" altLang="en-US" dirty="0">
+                <a:solidFill>
+                  <a:srgbClr val="151515"/>
+                </a:solidFill>
+                <a:latin typeface="+mn-ea"/>
+                <a:ea typeface="+mn-ea"/>
+              </a:rPr>
+              <a:t>）。要素具有两个必要的组成部分，</a:t>
+            </a:r>
+            <a:r>
+              <a:rPr lang="zh-CN" altLang="en-US" b="1" u="sng" dirty="0">
+                <a:solidFill>
+                  <a:srgbClr val="151515"/>
+                </a:solidFill>
+                <a:latin typeface="+mn-ea"/>
+                <a:ea typeface="+mn-ea"/>
+              </a:rPr>
+              <a:t>几何信息</a:t>
+            </a:r>
+            <a:r>
+              <a:rPr lang="zh-CN" altLang="en-US" dirty="0">
+                <a:solidFill>
+                  <a:srgbClr val="151515"/>
+                </a:solidFill>
+                <a:latin typeface="+mn-ea"/>
+                <a:ea typeface="+mn-ea"/>
+              </a:rPr>
+              <a:t>和</a:t>
+            </a:r>
+            <a:r>
+              <a:rPr lang="zh-CN" altLang="en-US" b="1" u="sng" dirty="0">
+                <a:solidFill>
+                  <a:srgbClr val="151515"/>
+                </a:solidFill>
+                <a:latin typeface="+mn-ea"/>
+                <a:ea typeface="+mn-ea"/>
+              </a:rPr>
+              <a:t>属性信息</a:t>
+            </a:r>
+            <a:r>
+              <a:rPr lang="zh-CN" altLang="en-US" dirty="0">
+                <a:solidFill>
+                  <a:srgbClr val="151515"/>
+                </a:solidFill>
+                <a:latin typeface="+mn-ea"/>
+                <a:ea typeface="+mn-ea"/>
+              </a:rPr>
+              <a:t>。</a:t>
+            </a:r>
+          </a:p>
+          <a:p>
+            <a:pPr algn="just">
               <a:lnSpc>
                 <a:spcPct val="150000"/>
               </a:lnSpc>
-              <a:buAutoNum type="arabicPeriod"/>
             </a:pPr>
-            <a:endParaRPr lang="en-US" altLang="zh-CN" sz="2800" dirty="0">
+            <a:r>
+              <a:rPr lang="zh-CN" altLang="en-US" dirty="0">
+                <a:solidFill>
+                  <a:srgbClr val="151515"/>
+                </a:solidFill>
+                <a:latin typeface="+mn-ea"/>
+                <a:ea typeface="+mn-ea"/>
+              </a:rPr>
+              <a:t>定义了要素的</a:t>
+            </a:r>
+            <a:r>
+              <a:rPr lang="zh-CN" altLang="en-US" b="1" u="sng" dirty="0">
+                <a:solidFill>
+                  <a:srgbClr val="151515"/>
+                </a:solidFill>
+                <a:latin typeface="+mn-ea"/>
+                <a:ea typeface="+mn-ea"/>
+              </a:rPr>
+              <a:t>时空参照系统</a:t>
+            </a:r>
+            <a:r>
+              <a:rPr lang="zh-CN" altLang="en-US" dirty="0">
+                <a:solidFill>
+                  <a:srgbClr val="151515"/>
+                </a:solidFill>
+                <a:latin typeface="+mn-ea"/>
+                <a:ea typeface="+mn-ea"/>
+              </a:rPr>
+              <a:t>对要素进行描述，便于空间数据的共享和互操作。</a:t>
+            </a:r>
+          </a:p>
+        </p:txBody>
+      </p:sp>
+      <p:sp>
+        <p:nvSpPr>
+          <p:cNvPr id="4" name="AutoShape 4" descr="logo OSGeo">
+            <a:extLst>
+              <a:ext uri="{FF2B5EF4-FFF2-40B4-BE49-F238E27FC236}">
+                <a16:creationId xmlns:a16="http://schemas.microsoft.com/office/drawing/2014/main" id="{9FE11196-CCF5-75BD-769D-EF2B16C862D6}"/>
+              </a:ext>
+            </a:extLst>
+          </p:cNvPr>
+          <p:cNvSpPr>
+            <a:spLocks noChangeAspect="1" noChangeArrowheads="1"/>
+          </p:cNvSpPr>
+          <p:nvPr/>
+        </p:nvSpPr>
+        <p:spPr bwMode="auto">
+          <a:xfrm>
+            <a:off x="4419600" y="3276600"/>
+            <a:ext cx="304800" cy="304800"/>
+          </a:xfrm>
+          <a:prstGeom prst="rect">
+            <a:avLst/>
+          </a:prstGeom>
+          <a:noFill/>
+          <a:extLst>
+            <a:ext uri="{909E8E84-426E-40DD-AFC4-6F175D3DCCD1}">
+              <a14:hiddenFill xmlns:a14="http://schemas.microsoft.com/office/drawing/2010/main">
+                <a:solidFill>
+                  <a:srgbClr val="FFFFFF"/>
+                </a:solidFill>
+              </a14:hiddenFill>
+            </a:ext>
+          </a:extLst>
+        </p:spPr>
+        <p:txBody>
+          <a:bodyPr vert="horz" wrap="square" lIns="91440" tIns="45720" rIns="91440" bIns="45720" numCol="1" anchor="t" anchorCtr="0" compatLnSpc="1">
+            <a:prstTxWarp prst="textNoShape">
+              <a:avLst/>
+            </a:prstTxWarp>
+          </a:bodyPr>
+          <a:lstStyle/>
+          <a:p>
+            <a:endParaRPr lang="zh-CN" altLang="en-US"/>
+          </a:p>
+        </p:txBody>
+      </p:sp>
+    </p:spTree>
+    <p:extLst>
+      <p:ext uri="{BB962C8B-B14F-4D97-AF65-F5344CB8AC3E}">
+        <p14:creationId xmlns:p14="http://schemas.microsoft.com/office/powerpoint/2010/main" val="2013419741"/>
+      </p:ext>
+    </p:extLst>
+  </p:cSld>
+  <p:clrMapOvr>
+    <a:masterClrMapping/>
+  </p:clrMapOvr>
+  <p:transition>
+    <p:fade/>
+  </p:transition>
+</p:sld>
+</file>
+
+<file path=ppt/slides/slide8.xml><?xml version="1.0" encoding="utf-8"?>
+<p:sld xmlns:a="http://schemas.openxmlformats.org/drawingml/2006/main" xmlns:r="http://schemas.openxmlformats.org/officeDocument/2006/relationships" xmlns:p="http://schemas.openxmlformats.org/presentationml/2006/main">
+  <p:cSld>
+    <p:spTree>
+      <p:nvGrpSpPr>
+        <p:cNvPr id="1" name=""/>
+        <p:cNvGrpSpPr/>
+        <p:nvPr/>
+      </p:nvGrpSpPr>
+      <p:grpSpPr>
+        <a:xfrm>
+          <a:off x="0" y="0"/>
+          <a:ext cx="0" cy="0"/>
+          <a:chOff x="0" y="0"/>
+          <a:chExt cx="0" cy="0"/>
+        </a:xfrm>
+      </p:grpSpPr>
+      <p:sp>
+        <p:nvSpPr>
+          <p:cNvPr id="3" name="矩形 2"/>
+          <p:cNvSpPr/>
+          <p:nvPr/>
+        </p:nvSpPr>
+        <p:spPr>
+          <a:xfrm>
+            <a:off x="0" y="3471863"/>
+            <a:ext cx="9144000" cy="1543050"/>
+          </a:xfrm>
+          <a:prstGeom prst="rect">
+            <a:avLst/>
+          </a:prstGeom>
+          <a:solidFill>
+            <a:schemeClr val="accent1"/>
+          </a:solidFill>
+          <a:ln>
+            <a:noFill/>
+          </a:ln>
+        </p:spPr>
+        <p:txBody>
+          <a:bodyPr wrap="square" lIns="0" rtlCol="0" anchor="ctr">
+            <a:noAutofit/>
+          </a:bodyPr>
+          <a:lstStyle/>
+          <a:p>
+            <a:pPr algn="l"/>
+            <a:endParaRPr lang="zh-CN" altLang="en-US" b="1">
+              <a:solidFill>
+                <a:srgbClr val="FF0000"/>
+              </a:solidFill>
+              <a:latin typeface="微软雅黑" pitchFamily="34" charset="-122"/>
+              <a:ea typeface="微软雅黑" pitchFamily="34" charset="-122"/>
+            </a:endParaRPr>
+          </a:p>
+        </p:txBody>
+      </p:sp>
+      <p:sp>
+        <p:nvSpPr>
+          <p:cNvPr id="7" name="矩形 6"/>
+          <p:cNvSpPr/>
+          <p:nvPr/>
+        </p:nvSpPr>
+        <p:spPr>
+          <a:xfrm>
+            <a:off x="189064" y="3868892"/>
+            <a:ext cx="8753057" cy="707886"/>
+          </a:xfrm>
+          <a:prstGeom prst="rect">
+            <a:avLst/>
+          </a:prstGeom>
+        </p:spPr>
+        <p:txBody>
+          <a:bodyPr wrap="square">
+            <a:spAutoFit/>
+          </a:bodyPr>
+          <a:lstStyle/>
+          <a:p>
+            <a:pPr algn="l" fontAlgn="auto">
+              <a:spcBef>
+                <a:spcPts val="0"/>
+              </a:spcBef>
+              <a:spcAft>
+                <a:spcPts val="0"/>
+              </a:spcAft>
+            </a:pPr>
+            <a:r>
+              <a:rPr lang="zh-CN" altLang="en-US" sz="4000" b="1" dirty="0">
+                <a:latin typeface="微软雅黑" pitchFamily="34" charset="-122"/>
+                <a:ea typeface="微软雅黑" pitchFamily="34" charset="-122"/>
+              </a:rPr>
+              <a:t>一、</a:t>
+            </a:r>
+            <a:r>
+              <a:rPr lang="en-US" altLang="zh-CN" sz="4000" b="1" dirty="0">
+                <a:latin typeface="微软雅黑" pitchFamily="34" charset="-122"/>
+                <a:ea typeface="微软雅黑" pitchFamily="34" charset="-122"/>
+              </a:rPr>
+              <a:t>OGR</a:t>
+            </a:r>
+            <a:r>
+              <a:rPr lang="zh-CN" altLang="en-US" sz="4000" b="1" dirty="0">
+                <a:latin typeface="微软雅黑" pitchFamily="34" charset="-122"/>
+                <a:ea typeface="微软雅黑" pitchFamily="34" charset="-122"/>
+              </a:rPr>
+              <a:t>开源库介绍</a:t>
+            </a:r>
+          </a:p>
+        </p:txBody>
+      </p:sp>
+      <p:sp>
+        <p:nvSpPr>
+          <p:cNvPr id="8" name="矩形 7"/>
+          <p:cNvSpPr/>
+          <p:nvPr/>
+        </p:nvSpPr>
+        <p:spPr>
+          <a:xfrm>
+            <a:off x="0" y="5014912"/>
+            <a:ext cx="9144000" cy="72000"/>
+          </a:xfrm>
+          <a:prstGeom prst="rect">
+            <a:avLst/>
+          </a:prstGeom>
+          <a:solidFill>
+            <a:schemeClr val="tx1">
+              <a:lumMod val="75000"/>
+            </a:schemeClr>
+          </a:solidFill>
+          <a:effectLst/>
+        </p:spPr>
+        <p:txBody>
+          <a:bodyPr wrap="square" lIns="0" rtlCol="0" anchor="ctr">
+            <a:noAutofit/>
+          </a:bodyPr>
+          <a:lstStyle/>
+          <a:p>
+            <a:pPr algn="l"/>
+            <a:endParaRPr lang="zh-CN" altLang="en-US" b="1">
+              <a:solidFill>
+                <a:srgbClr val="FF0000"/>
+              </a:solidFill>
+              <a:latin typeface="微软雅黑" pitchFamily="34" charset="-122"/>
+              <a:ea typeface="微软雅黑" pitchFamily="34" charset="-122"/>
+            </a:endParaRPr>
+          </a:p>
+        </p:txBody>
+      </p:sp>
+    </p:spTree>
+    <p:extLst>
+      <p:ext uri="{BB962C8B-B14F-4D97-AF65-F5344CB8AC3E}">
+        <p14:creationId xmlns:p14="http://schemas.microsoft.com/office/powerpoint/2010/main" val="1290718540"/>
+      </p:ext>
+    </p:extLst>
+  </p:cSld>
+  <p:clrMapOvr>
+    <a:masterClrMapping/>
+  </p:clrMapOvr>
+  <p:transition>
+    <p:fade/>
+  </p:transition>
+</p:sld>
+</file>
+
+<file path=ppt/slides/slide9.xml><?xml version="1.0" encoding="utf-8"?>
+<p:sld xmlns:a="http://schemas.openxmlformats.org/drawingml/2006/main" xmlns:r="http://schemas.openxmlformats.org/officeDocument/2006/relationships" xmlns:p="http://schemas.openxmlformats.org/presentationml/2006/main">
+  <p:cSld>
+    <p:spTree>
+      <p:nvGrpSpPr>
+        <p:cNvPr id="1" name=""/>
+        <p:cNvGrpSpPr/>
+        <p:nvPr/>
+      </p:nvGrpSpPr>
+      <p:grpSpPr>
+        <a:xfrm>
+          <a:off x="0" y="0"/>
+          <a:ext cx="0" cy="0"/>
+          <a:chOff x="0" y="0"/>
+          <a:chExt cx="0" cy="0"/>
+        </a:xfrm>
+      </p:grpSpPr>
+      <p:sp>
+        <p:nvSpPr>
+          <p:cNvPr id="3" name="标题 2"/>
+          <p:cNvSpPr>
+            <a:spLocks noGrp="1"/>
+          </p:cNvSpPr>
+          <p:nvPr>
+            <p:ph type="title"/>
+          </p:nvPr>
+        </p:nvSpPr>
+        <p:spPr>
+          <a:xfrm>
+            <a:off x="0" y="8526"/>
+            <a:ext cx="9013371" cy="792162"/>
+          </a:xfrm>
+        </p:spPr>
+        <p:txBody>
+          <a:bodyPr/>
+          <a:lstStyle/>
+          <a:p>
+            <a:r>
+              <a:rPr lang="zh-CN" altLang="en-US" dirty="0">
+                <a:latin typeface="+mn-ea"/>
+              </a:rPr>
+              <a:t>一</a:t>
+            </a:r>
+            <a:r>
+              <a:rPr lang="en-US" altLang="zh-CN" dirty="0">
+                <a:latin typeface="+mn-ea"/>
+              </a:rPr>
+              <a:t>. </a:t>
+            </a:r>
+            <a:r>
+              <a:rPr lang="zh-CN" altLang="en-US" sz="3600" b="1" dirty="0">
+                <a:latin typeface="微软雅黑" pitchFamily="34" charset="-122"/>
+                <a:ea typeface="微软雅黑" pitchFamily="34" charset="-122"/>
+              </a:rPr>
+              <a:t>开源</a:t>
+            </a:r>
+            <a:r>
+              <a:rPr lang="en-US" altLang="zh-CN" sz="3600" b="1" dirty="0">
+                <a:latin typeface="微软雅黑" pitchFamily="34" charset="-122"/>
+                <a:ea typeface="微软雅黑" pitchFamily="34" charset="-122"/>
+              </a:rPr>
+              <a:t>Linux</a:t>
+            </a:r>
+            <a:r>
+              <a:rPr lang="zh-CN" altLang="en-US" sz="3600" b="1" dirty="0">
+                <a:latin typeface="微软雅黑" pitchFamily="34" charset="-122"/>
+                <a:ea typeface="微软雅黑" pitchFamily="34" charset="-122"/>
+              </a:rPr>
+              <a:t>操作系统</a:t>
+            </a:r>
+            <a:r>
+              <a:rPr lang="zh-CN" altLang="en-US" dirty="0">
+                <a:latin typeface="微软雅黑" pitchFamily="34" charset="-122"/>
+                <a:ea typeface="微软雅黑" pitchFamily="34" charset="-122"/>
+              </a:rPr>
+              <a:t>简介</a:t>
+            </a:r>
+            <a:endParaRPr lang="zh-CN" altLang="en-US" dirty="0"/>
+          </a:p>
+        </p:txBody>
+      </p:sp>
+      <p:sp>
+        <p:nvSpPr>
+          <p:cNvPr id="2" name="TextBox 1">
+            <a:extLst>
+              <a:ext uri="{FF2B5EF4-FFF2-40B4-BE49-F238E27FC236}">
+                <a16:creationId xmlns:a16="http://schemas.microsoft.com/office/drawing/2014/main" id="{631AADB6-C88A-D817-4683-FC087E4E240F}"/>
+              </a:ext>
+            </a:extLst>
+          </p:cNvPr>
+          <p:cNvSpPr txBox="1"/>
+          <p:nvPr/>
+        </p:nvSpPr>
+        <p:spPr>
+          <a:xfrm>
+            <a:off x="317665" y="846748"/>
+            <a:ext cx="8508670" cy="662489"/>
+          </a:xfrm>
+          <a:prstGeom prst="rect">
+            <a:avLst/>
+          </a:prstGeom>
+          <a:noFill/>
+        </p:spPr>
+        <p:txBody>
+          <a:bodyPr wrap="square" rtlCol="0">
+            <a:spAutoFit/>
+          </a:bodyPr>
+          <a:lstStyle/>
+          <a:p>
+            <a:pPr algn="just">
+              <a:lnSpc>
+                <a:spcPct val="150000"/>
+              </a:lnSpc>
+            </a:pPr>
+            <a:r>
+              <a:rPr lang="en-US" altLang="zh-CN" sz="2800" b="1" dirty="0">
+                <a:solidFill>
+                  <a:srgbClr val="333333"/>
+                </a:solidFill>
+                <a:latin typeface="+mn-ea"/>
+                <a:ea typeface="+mn-ea"/>
+              </a:rPr>
+              <a:t>1</a:t>
+            </a:r>
+            <a:r>
+              <a:rPr lang="zh-CN" altLang="en-US" sz="2800" b="1" dirty="0">
+                <a:solidFill>
+                  <a:srgbClr val="333333"/>
+                </a:solidFill>
+                <a:latin typeface="+mn-ea"/>
+                <a:ea typeface="+mn-ea"/>
+              </a:rPr>
+              <a:t>、</a:t>
+            </a:r>
+            <a:r>
+              <a:rPr lang="en-US" altLang="zh-CN" sz="2800" b="1" dirty="0">
+                <a:solidFill>
+                  <a:srgbClr val="333333"/>
+                </a:solidFill>
+                <a:latin typeface="+mn-ea"/>
+                <a:ea typeface="+mn-ea"/>
+              </a:rPr>
+              <a:t>OGR</a:t>
+            </a:r>
+            <a:r>
+              <a:rPr lang="zh-CN" altLang="en-US" sz="2800" b="1" dirty="0">
+                <a:solidFill>
+                  <a:srgbClr val="333333"/>
+                </a:solidFill>
+                <a:latin typeface="+mn-ea"/>
+                <a:ea typeface="+mn-ea"/>
+              </a:rPr>
+              <a:t>开源库简介</a:t>
+            </a:r>
+            <a:endParaRPr lang="en-US" altLang="zh-CN" sz="2800" b="1" dirty="0">
               <a:solidFill>
                 <a:srgbClr val="333333"/>
               </a:solidFill>
@@ -16603,57 +23989,296 @@
               <a:ea typeface="+mn-ea"/>
             </a:endParaRPr>
           </a:p>
-          <a:p>
-            <a:pPr marL="457200" indent="-457200" algn="just">
+        </p:txBody>
+      </p:sp>
+      <p:sp>
+        <p:nvSpPr>
+          <p:cNvPr id="5" name="TextBox 4">
+            <a:extLst>
+              <a:ext uri="{FF2B5EF4-FFF2-40B4-BE49-F238E27FC236}">
+                <a16:creationId xmlns:a16="http://schemas.microsoft.com/office/drawing/2014/main" id="{78502774-B04C-634F-1396-E5815996BC36}"/>
+              </a:ext>
+            </a:extLst>
+          </p:cNvPr>
+          <p:cNvSpPr txBox="1"/>
+          <p:nvPr/>
+        </p:nvSpPr>
+        <p:spPr>
+          <a:xfrm>
+            <a:off x="602052" y="1310643"/>
+            <a:ext cx="8142703" cy="2817118"/>
+          </a:xfrm>
+          <a:prstGeom prst="rect">
+            <a:avLst/>
+          </a:prstGeom>
+          <a:noFill/>
+        </p:spPr>
+        <p:txBody>
+          <a:bodyPr wrap="square">
+            <a:spAutoFit/>
+          </a:bodyPr>
+          <a:lstStyle/>
+          <a:p>
+            <a:pPr algn="just">
               <a:lnSpc>
-                <a:spcPct val="150000"/>
+                <a:spcPct val="200000"/>
               </a:lnSpc>
-              <a:buAutoNum type="arabicPeriod"/>
             </a:pPr>
-            <a:endParaRPr lang="en-US" altLang="zh-CN" sz="2800" dirty="0">
+            <a:r>
+              <a:rPr lang="en-US" altLang="zh-CN" sz="2300" dirty="0">
+                <a:solidFill>
+                  <a:srgbClr val="151515"/>
+                </a:solidFill>
+                <a:latin typeface="+mn-ea"/>
+                <a:ea typeface="+mn-ea"/>
+              </a:rPr>
+              <a:t>GDAL(Geospatial Data Abstraction Library)</a:t>
+            </a:r>
+            <a:r>
+              <a:rPr lang="zh-CN" altLang="en-US" sz="2300" dirty="0">
+                <a:solidFill>
+                  <a:srgbClr val="151515"/>
+                </a:solidFill>
+                <a:latin typeface="+mn-ea"/>
+                <a:ea typeface="+mn-ea"/>
+              </a:rPr>
+              <a:t>是一个在</a:t>
+            </a:r>
+            <a:r>
+              <a:rPr lang="en-US" altLang="zh-CN" sz="2300" dirty="0">
+                <a:solidFill>
+                  <a:srgbClr val="151515"/>
+                </a:solidFill>
+                <a:latin typeface="+mn-ea"/>
+                <a:ea typeface="+mn-ea"/>
+              </a:rPr>
+              <a:t>MIT</a:t>
+            </a:r>
+            <a:r>
+              <a:rPr lang="zh-CN" altLang="en-US" sz="2300" dirty="0">
+                <a:solidFill>
+                  <a:srgbClr val="151515"/>
+                </a:solidFill>
+                <a:latin typeface="+mn-ea"/>
+                <a:ea typeface="+mn-ea"/>
+              </a:rPr>
+              <a:t>许可协议下的开源地理空间数据转换库，其利用抽象数据模型来表达不同格式的地理空间数据，同时提供一系列插件和命令行工具来进行数据转换和处理。</a:t>
+            </a:r>
+            <a:endParaRPr lang="en-US" altLang="zh-CN" sz="2300" dirty="0">
               <a:solidFill>
-                <a:srgbClr val="333333"/>
+                <a:srgbClr val="151515"/>
               </a:solidFill>
               <a:latin typeface="+mn-ea"/>
               <a:ea typeface="+mn-ea"/>
             </a:endParaRPr>
           </a:p>
-          <a:p>
-            <a:pPr marL="457200" indent="-457200" algn="just">
+        </p:txBody>
+      </p:sp>
+      <p:sp>
+        <p:nvSpPr>
+          <p:cNvPr id="4" name="AutoShape 4" descr="logo OSGeo">
+            <a:extLst>
+              <a:ext uri="{FF2B5EF4-FFF2-40B4-BE49-F238E27FC236}">
+                <a16:creationId xmlns:a16="http://schemas.microsoft.com/office/drawing/2014/main" id="{9FE11196-CCF5-75BD-769D-EF2B16C862D6}"/>
+              </a:ext>
+            </a:extLst>
+          </p:cNvPr>
+          <p:cNvSpPr>
+            <a:spLocks noChangeAspect="1" noChangeArrowheads="1"/>
+          </p:cNvSpPr>
+          <p:nvPr/>
+        </p:nvSpPr>
+        <p:spPr bwMode="auto">
+          <a:xfrm>
+            <a:off x="4419600" y="3276600"/>
+            <a:ext cx="304800" cy="304800"/>
+          </a:xfrm>
+          <a:prstGeom prst="rect">
+            <a:avLst/>
+          </a:prstGeom>
+          <a:noFill/>
+          <a:extLst>
+            <a:ext uri="{909E8E84-426E-40DD-AFC4-6F175D3DCCD1}">
+              <a14:hiddenFill xmlns:a14="http://schemas.microsoft.com/office/drawing/2010/main">
+                <a:solidFill>
+                  <a:srgbClr val="FFFFFF"/>
+                </a:solidFill>
+              </a14:hiddenFill>
+            </a:ext>
+          </a:extLst>
+        </p:spPr>
+        <p:txBody>
+          <a:bodyPr vert="horz" wrap="square" lIns="91440" tIns="45720" rIns="91440" bIns="45720" numCol="1" anchor="t" anchorCtr="0" compatLnSpc="1">
+            <a:prstTxWarp prst="textNoShape">
+              <a:avLst/>
+            </a:prstTxWarp>
+          </a:bodyPr>
+          <a:lstStyle/>
+          <a:p>
+            <a:endParaRPr lang="zh-CN" altLang="en-US"/>
+          </a:p>
+        </p:txBody>
+      </p:sp>
+      <p:pic>
+        <p:nvPicPr>
+          <p:cNvPr id="9" name="图片 8">
+            <a:extLst>
+              <a:ext uri="{FF2B5EF4-FFF2-40B4-BE49-F238E27FC236}">
+                <a16:creationId xmlns:a16="http://schemas.microsoft.com/office/drawing/2014/main" id="{08E66899-20C8-81E2-C69D-7621CCDE72B8}"/>
+              </a:ext>
+            </a:extLst>
+          </p:cNvPr>
+          <p:cNvPicPr>
+            <a:picLocks noChangeAspect="1"/>
+          </p:cNvPicPr>
+          <p:nvPr/>
+        </p:nvPicPr>
+        <p:blipFill>
+          <a:blip r:embed="rId3"/>
+          <a:stretch>
+            <a:fillRect/>
+          </a:stretch>
+        </p:blipFill>
+        <p:spPr>
+          <a:xfrm>
+            <a:off x="6334897" y="4082831"/>
+            <a:ext cx="2722605" cy="2375938"/>
+          </a:xfrm>
+          <a:prstGeom prst="rect">
+            <a:avLst/>
+          </a:prstGeom>
+        </p:spPr>
+      </p:pic>
+      <p:sp>
+        <p:nvSpPr>
+          <p:cNvPr id="8" name="文本框 7">
+            <a:extLst>
+              <a:ext uri="{FF2B5EF4-FFF2-40B4-BE49-F238E27FC236}">
+                <a16:creationId xmlns:a16="http://schemas.microsoft.com/office/drawing/2014/main" id="{3E2DA626-2B5A-D348-D829-F56EE4D32393}"/>
+              </a:ext>
+            </a:extLst>
+          </p:cNvPr>
+          <p:cNvSpPr txBox="1"/>
+          <p:nvPr/>
+        </p:nvSpPr>
+        <p:spPr>
+          <a:xfrm>
+            <a:off x="602052" y="3981122"/>
+            <a:ext cx="6083670" cy="2817118"/>
+          </a:xfrm>
+          <a:prstGeom prst="rect">
+            <a:avLst/>
+          </a:prstGeom>
+          <a:noFill/>
+        </p:spPr>
+        <p:txBody>
+          <a:bodyPr wrap="square">
+            <a:spAutoFit/>
+          </a:bodyPr>
+          <a:lstStyle/>
+          <a:p>
+            <a:pPr algn="just">
               <a:lnSpc>
-                <a:spcPct val="150000"/>
+                <a:spcPct val="200000"/>
               </a:lnSpc>
-              <a:buAutoNum type="arabicPeriod"/>
             </a:pPr>
-            <a:endParaRPr lang="en-US" altLang="zh-CN" sz="2800" dirty="0">
-              <a:solidFill>
-                <a:srgbClr val="333333"/>
-              </a:solidFill>
-              <a:latin typeface="+mn-ea"/>
-              <a:ea typeface="+mn-ea"/>
-            </a:endParaRPr>
-          </a:p>
-          <a:p>
-            <a:pPr marL="457200" indent="-457200" algn="just">
-              <a:lnSpc>
-                <a:spcPct val="150000"/>
-              </a:lnSpc>
-              <a:buAutoNum type="arabicPeriod"/>
-            </a:pPr>
-            <a:endParaRPr lang="en-US" altLang="zh-CN" sz="2800" dirty="0">
-              <a:solidFill>
-                <a:srgbClr val="333333"/>
-              </a:solidFill>
-              <a:latin typeface="+mn-ea"/>
-              <a:ea typeface="+mn-ea"/>
-            </a:endParaRPr>
+            <a:r>
+              <a:rPr lang="en-US" altLang="zh-CN" sz="2300" b="1" dirty="0">
+                <a:solidFill>
+                  <a:srgbClr val="151515"/>
+                </a:solidFill>
+                <a:latin typeface="+mn-ea"/>
+                <a:ea typeface="+mn-ea"/>
+              </a:rPr>
+              <a:t>OGR</a:t>
+            </a:r>
+            <a:r>
+              <a:rPr lang="zh-CN" altLang="en-US" sz="2300" b="1" dirty="0">
+                <a:solidFill>
+                  <a:srgbClr val="151515"/>
+                </a:solidFill>
+                <a:latin typeface="+mn-ea"/>
+                <a:ea typeface="+mn-ea"/>
+              </a:rPr>
+              <a:t>是</a:t>
+            </a:r>
+            <a:r>
+              <a:rPr lang="en-US" altLang="zh-CN" sz="2300" b="1" dirty="0">
+                <a:solidFill>
+                  <a:srgbClr val="151515"/>
+                </a:solidFill>
+                <a:latin typeface="+mn-ea"/>
+                <a:ea typeface="+mn-ea"/>
+              </a:rPr>
+              <a:t>GDAL</a:t>
+            </a:r>
+            <a:r>
+              <a:rPr lang="zh-CN" altLang="en-US" sz="2300" b="1" dirty="0">
+                <a:solidFill>
+                  <a:srgbClr val="151515"/>
+                </a:solidFill>
+                <a:latin typeface="+mn-ea"/>
+                <a:ea typeface="+mn-ea"/>
+              </a:rPr>
+              <a:t>项目的一个分支</a:t>
+            </a:r>
+            <a:r>
+              <a:rPr lang="zh-CN" altLang="en-US" sz="2300" dirty="0">
+                <a:solidFill>
+                  <a:srgbClr val="151515"/>
+                </a:solidFill>
+                <a:latin typeface="+mn-ea"/>
+                <a:ea typeface="+mn-ea"/>
+              </a:rPr>
+              <a:t>，主要用于地理矢量数据读写、处理及分析的开源库。</a:t>
+            </a:r>
+            <a:r>
+              <a:rPr lang="en-US" altLang="zh-CN" sz="2300" dirty="0">
+                <a:solidFill>
+                  <a:srgbClr val="151515"/>
+                </a:solidFill>
+                <a:latin typeface="+mn-ea"/>
+                <a:ea typeface="+mn-ea"/>
+              </a:rPr>
+              <a:t>GDAL/OGR</a:t>
+            </a:r>
+            <a:r>
+              <a:rPr lang="zh-CN" altLang="en-US" sz="2300" dirty="0">
+                <a:solidFill>
+                  <a:srgbClr val="151515"/>
+                </a:solidFill>
+                <a:latin typeface="+mn-ea"/>
+                <a:ea typeface="+mn-ea"/>
+              </a:rPr>
+              <a:t>是由</a:t>
+            </a:r>
+            <a:r>
+              <a:rPr lang="en-US" altLang="zh-CN" sz="2300" dirty="0">
+                <a:solidFill>
+                  <a:srgbClr val="151515"/>
+                </a:solidFill>
+                <a:latin typeface="+mn-ea"/>
+                <a:ea typeface="+mn-ea"/>
+              </a:rPr>
+              <a:t>C++</a:t>
+            </a:r>
+            <a:r>
+              <a:rPr lang="zh-CN" altLang="en-US" sz="2300" dirty="0">
+                <a:solidFill>
+                  <a:srgbClr val="151515"/>
+                </a:solidFill>
+                <a:latin typeface="+mn-ea"/>
+                <a:ea typeface="+mn-ea"/>
+              </a:rPr>
+              <a:t>编程语言开发，其提供多种编程语言应用程序接口。</a:t>
+            </a:r>
           </a:p>
         </p:txBody>
       </p:sp>
     </p:spTree>
     <p:extLst>
       <p:ext uri="{BB962C8B-B14F-4D97-AF65-F5344CB8AC3E}">
-        <p14:creationId xmlns:p14="http://schemas.microsoft.com/office/powerpoint/2010/main" val="1209572041"/>
+        <p14:creationId xmlns:p14="http://schemas.microsoft.com/office/powerpoint/2010/main" val="2745752494"/>
       </p:ext>
     </p:extLst>
   </p:cSld>

--- a/第4章- OGR开源库及矢量数据处理-8课时/第3章-OGR开源库及矢量数据处理-8学时.pptx
+++ b/第4章- OGR开源库及矢量数据处理-8课时/第3章-OGR开源库及矢量数据处理-8学时.pptx
@@ -6,10 +6,10 @@
     <p:sldMasterId id="2147484986" r:id="rId2"/>
   </p:sldMasterIdLst>
   <p:notesMasterIdLst>
-    <p:notesMasterId r:id="rId18"/>
+    <p:notesMasterId r:id="rId19"/>
   </p:notesMasterIdLst>
   <p:handoutMasterIdLst>
-    <p:handoutMasterId r:id="rId19"/>
+    <p:handoutMasterId r:id="rId20"/>
   </p:handoutMasterIdLst>
   <p:sldIdLst>
     <p:sldId id="2764" r:id="rId3"/>
@@ -17,21 +17,22 @@
     <p:sldId id="2447" r:id="rId5"/>
     <p:sldId id="2605" r:id="rId6"/>
     <p:sldId id="2768" r:id="rId7"/>
-    <p:sldId id="2774" r:id="rId8"/>
-    <p:sldId id="2766" r:id="rId9"/>
-    <p:sldId id="2775" r:id="rId10"/>
-    <p:sldId id="2769" r:id="rId11"/>
-    <p:sldId id="2737" r:id="rId12"/>
-    <p:sldId id="2771" r:id="rId13"/>
-    <p:sldId id="2765" r:id="rId14"/>
-    <p:sldId id="2773" r:id="rId15"/>
-    <p:sldId id="2772" r:id="rId16"/>
-    <p:sldId id="2722" r:id="rId17"/>
+    <p:sldId id="2776" r:id="rId8"/>
+    <p:sldId id="2774" r:id="rId9"/>
+    <p:sldId id="2766" r:id="rId10"/>
+    <p:sldId id="2775" r:id="rId11"/>
+    <p:sldId id="2769" r:id="rId12"/>
+    <p:sldId id="2737" r:id="rId13"/>
+    <p:sldId id="2771" r:id="rId14"/>
+    <p:sldId id="2765" r:id="rId15"/>
+    <p:sldId id="2773" r:id="rId16"/>
+    <p:sldId id="2772" r:id="rId17"/>
+    <p:sldId id="2722" r:id="rId18"/>
   </p:sldIdLst>
   <p:sldSz cx="9144000" cy="6858000" type="screen4x3"/>
   <p:notesSz cx="7099300" cy="10234613"/>
   <p:custDataLst>
-    <p:tags r:id="rId20"/>
+    <p:tags r:id="rId21"/>
   </p:custDataLst>
   <p:defaultTextStyle>
     <a:defPPr>
@@ -2907,6 +2908,350 @@
     </pc:docChg>
   </pc:docChgLst>
   <pc:docChgLst>
+    <pc:chgData name="Xin Luo" userId="82312ee5779919a4" providerId="LiveId" clId="{23920C8D-EBCE-A347-9C82-C14316D20539}"/>
+    <pc:docChg chg="undo custSel addSld modSld">
+      <pc:chgData name="Xin Luo" userId="82312ee5779919a4" providerId="LiveId" clId="{23920C8D-EBCE-A347-9C82-C14316D20539}" dt="2022-10-26T12:19:06.428" v="501" actId="767"/>
+      <pc:docMkLst>
+        <pc:docMk/>
+      </pc:docMkLst>
+      <pc:sldChg chg="modSp mod">
+        <pc:chgData name="Xin Luo" userId="82312ee5779919a4" providerId="LiveId" clId="{23920C8D-EBCE-A347-9C82-C14316D20539}" dt="2022-10-10T01:06:29.261" v="368" actId="404"/>
+        <pc:sldMkLst>
+          <pc:docMk/>
+          <pc:sldMk cId="1576120367" sldId="2387"/>
+        </pc:sldMkLst>
+        <pc:spChg chg="mod">
+          <ac:chgData name="Xin Luo" userId="82312ee5779919a4" providerId="LiveId" clId="{23920C8D-EBCE-A347-9C82-C14316D20539}" dt="2022-10-10T01:06:29.261" v="368" actId="404"/>
+          <ac:spMkLst>
+            <pc:docMk/>
+            <pc:sldMk cId="1576120367" sldId="2387"/>
+            <ac:spMk id="10" creationId="{00000000-0000-0000-0000-000000000000}"/>
+          </ac:spMkLst>
+        </pc:spChg>
+        <pc:spChg chg="mod">
+          <ac:chgData name="Xin Luo" userId="82312ee5779919a4" providerId="LiveId" clId="{23920C8D-EBCE-A347-9C82-C14316D20539}" dt="2022-10-10T01:06:13.262" v="366" actId="403"/>
+          <ac:spMkLst>
+            <pc:docMk/>
+            <pc:sldMk cId="1576120367" sldId="2387"/>
+            <ac:spMk id="12" creationId="{00000000-0000-0000-0000-000000000000}"/>
+          </ac:spMkLst>
+        </pc:spChg>
+        <pc:spChg chg="mod">
+          <ac:chgData name="Xin Luo" userId="82312ee5779919a4" providerId="LiveId" clId="{23920C8D-EBCE-A347-9C82-C14316D20539}" dt="2022-10-10T01:06:29.261" v="368" actId="404"/>
+          <ac:spMkLst>
+            <pc:docMk/>
+            <pc:sldMk cId="1576120367" sldId="2387"/>
+            <ac:spMk id="13" creationId="{00000000-0000-0000-0000-000000000000}"/>
+          </ac:spMkLst>
+        </pc:spChg>
+        <pc:spChg chg="mod">
+          <ac:chgData name="Xin Luo" userId="82312ee5779919a4" providerId="LiveId" clId="{23920C8D-EBCE-A347-9C82-C14316D20539}" dt="2022-10-10T01:06:13.262" v="366" actId="403"/>
+          <ac:spMkLst>
+            <pc:docMk/>
+            <pc:sldMk cId="1576120367" sldId="2387"/>
+            <ac:spMk id="14" creationId="{00000000-0000-0000-0000-000000000000}"/>
+          </ac:spMkLst>
+        </pc:spChg>
+        <pc:spChg chg="mod">
+          <ac:chgData name="Xin Luo" userId="82312ee5779919a4" providerId="LiveId" clId="{23920C8D-EBCE-A347-9C82-C14316D20539}" dt="2022-10-10T01:06:29.261" v="368" actId="404"/>
+          <ac:spMkLst>
+            <pc:docMk/>
+            <pc:sldMk cId="1576120367" sldId="2387"/>
+            <ac:spMk id="15" creationId="{00000000-0000-0000-0000-000000000000}"/>
+          </ac:spMkLst>
+        </pc:spChg>
+        <pc:spChg chg="mod">
+          <ac:chgData name="Xin Luo" userId="82312ee5779919a4" providerId="LiveId" clId="{23920C8D-EBCE-A347-9C82-C14316D20539}" dt="2022-10-10T01:06:19.369" v="367" actId="14100"/>
+          <ac:spMkLst>
+            <pc:docMk/>
+            <pc:sldMk cId="1576120367" sldId="2387"/>
+            <ac:spMk id="16" creationId="{00000000-0000-0000-0000-000000000000}"/>
+          </ac:spMkLst>
+        </pc:spChg>
+      </pc:sldChg>
+      <pc:sldChg chg="modSp mod">
+        <pc:chgData name="Xin Luo" userId="82312ee5779919a4" providerId="LiveId" clId="{23920C8D-EBCE-A347-9C82-C14316D20539}" dt="2022-10-10T01:06:39.449" v="369" actId="403"/>
+        <pc:sldMkLst>
+          <pc:docMk/>
+          <pc:sldMk cId="2415901206" sldId="2447"/>
+        </pc:sldMkLst>
+        <pc:spChg chg="mod">
+          <ac:chgData name="Xin Luo" userId="82312ee5779919a4" providerId="LiveId" clId="{23920C8D-EBCE-A347-9C82-C14316D20539}" dt="2022-10-10T01:06:39.449" v="369" actId="403"/>
+          <ac:spMkLst>
+            <pc:docMk/>
+            <pc:sldMk cId="2415901206" sldId="2447"/>
+            <ac:spMk id="7" creationId="{00000000-0000-0000-0000-000000000000}"/>
+          </ac:spMkLst>
+        </pc:spChg>
+      </pc:sldChg>
+      <pc:sldChg chg="addSp delSp modSp mod">
+        <pc:chgData name="Xin Luo" userId="82312ee5779919a4" providerId="LiveId" clId="{23920C8D-EBCE-A347-9C82-C14316D20539}" dt="2022-10-26T11:18:20.490" v="500"/>
+        <pc:sldMkLst>
+          <pc:docMk/>
+          <pc:sldMk cId="2689840772" sldId="2604"/>
+        </pc:sldMkLst>
+        <pc:spChg chg="mod">
+          <ac:chgData name="Xin Luo" userId="82312ee5779919a4" providerId="LiveId" clId="{23920C8D-EBCE-A347-9C82-C14316D20539}" dt="2022-10-26T11:18:14.630" v="497" actId="1038"/>
+          <ac:spMkLst>
+            <pc:docMk/>
+            <pc:sldMk cId="2689840772" sldId="2604"/>
+            <ac:spMk id="2" creationId="{DB381E7B-A050-4BE4-6756-9B64308C74D7}"/>
+          </ac:spMkLst>
+        </pc:spChg>
+        <pc:spChg chg="del mod">
+          <ac:chgData name="Xin Luo" userId="82312ee5779919a4" providerId="LiveId" clId="{23920C8D-EBCE-A347-9C82-C14316D20539}" dt="2022-10-10T00:58:26.498" v="9" actId="478"/>
+          <ac:spMkLst>
+            <pc:docMk/>
+            <pc:sldMk cId="2689840772" sldId="2604"/>
+            <ac:spMk id="3" creationId="{00000000-0000-0000-0000-000000000000}"/>
+          </ac:spMkLst>
+        </pc:spChg>
+        <pc:spChg chg="add del mod">
+          <ac:chgData name="Xin Luo" userId="82312ee5779919a4" providerId="LiveId" clId="{23920C8D-EBCE-A347-9C82-C14316D20539}" dt="2022-10-26T11:18:20.490" v="500"/>
+          <ac:spMkLst>
+            <pc:docMk/>
+            <pc:sldMk cId="2689840772" sldId="2604"/>
+            <ac:spMk id="3" creationId="{0AC6D251-AEF6-35BE-71D5-DE25EAD72977}"/>
+          </ac:spMkLst>
+        </pc:spChg>
+        <pc:spChg chg="add mod">
+          <ac:chgData name="Xin Luo" userId="82312ee5779919a4" providerId="LiveId" clId="{23920C8D-EBCE-A347-9C82-C14316D20539}" dt="2022-10-10T01:03:50.909" v="356" actId="20577"/>
+          <ac:spMkLst>
+            <pc:docMk/>
+            <pc:sldMk cId="2689840772" sldId="2604"/>
+            <ac:spMk id="4" creationId="{5B949F23-92C2-3ACE-AE9A-58F8C8D7AB52}"/>
+          </ac:spMkLst>
+        </pc:spChg>
+      </pc:sldChg>
+      <pc:sldChg chg="modSp mod">
+        <pc:chgData name="Xin Luo" userId="82312ee5779919a4" providerId="LiveId" clId="{23920C8D-EBCE-A347-9C82-C14316D20539}" dt="2022-10-25T11:53:23.523" v="402" actId="207"/>
+        <pc:sldMkLst>
+          <pc:docMk/>
+          <pc:sldMk cId="1392274363" sldId="2606"/>
+        </pc:sldMkLst>
+        <pc:spChg chg="mod">
+          <ac:chgData name="Xin Luo" userId="82312ee5779919a4" providerId="LiveId" clId="{23920C8D-EBCE-A347-9C82-C14316D20539}" dt="2022-10-10T01:08:08.448" v="392" actId="20577"/>
+          <ac:spMkLst>
+            <pc:docMk/>
+            <pc:sldMk cId="1392274363" sldId="2606"/>
+            <ac:spMk id="35" creationId="{2CBBD54C-A0C4-CFAB-2A67-F8BF299D28F5}"/>
+          </ac:spMkLst>
+        </pc:spChg>
+        <pc:spChg chg="mod">
+          <ac:chgData name="Xin Luo" userId="82312ee5779919a4" providerId="LiveId" clId="{23920C8D-EBCE-A347-9C82-C14316D20539}" dt="2022-10-25T11:53:23.523" v="402" actId="207"/>
+          <ac:spMkLst>
+            <pc:docMk/>
+            <pc:sldMk cId="1392274363" sldId="2606"/>
+            <ac:spMk id="42" creationId="{E4B07DDE-AB89-2B16-6B7A-2142621DE6F5}"/>
+          </ac:spMkLst>
+        </pc:spChg>
+      </pc:sldChg>
+      <pc:sldChg chg="modSp mod">
+        <pc:chgData name="Xin Luo" userId="82312ee5779919a4" providerId="LiveId" clId="{23920C8D-EBCE-A347-9C82-C14316D20539}" dt="2022-10-25T12:03:26.240" v="414" actId="14100"/>
+        <pc:sldMkLst>
+          <pc:docMk/>
+          <pc:sldMk cId="292605530" sldId="2607"/>
+        </pc:sldMkLst>
+        <pc:spChg chg="mod">
+          <ac:chgData name="Xin Luo" userId="82312ee5779919a4" providerId="LiveId" clId="{23920C8D-EBCE-A347-9C82-C14316D20539}" dt="2022-10-25T12:03:26.240" v="414" actId="14100"/>
+          <ac:spMkLst>
+            <pc:docMk/>
+            <pc:sldMk cId="292605530" sldId="2607"/>
+            <ac:spMk id="18" creationId="{8399C9E7-13B6-1DAF-F5BF-4471E8528C5F}"/>
+          </ac:spMkLst>
+        </pc:spChg>
+      </pc:sldChg>
+      <pc:sldChg chg="modSp mod">
+        <pc:chgData name="Xin Luo" userId="82312ee5779919a4" providerId="LiveId" clId="{23920C8D-EBCE-A347-9C82-C14316D20539}" dt="2022-10-25T12:09:03.730" v="478" actId="1036"/>
+        <pc:sldMkLst>
+          <pc:docMk/>
+          <pc:sldMk cId="2780969545" sldId="2609"/>
+        </pc:sldMkLst>
+        <pc:spChg chg="mod">
+          <ac:chgData name="Xin Luo" userId="82312ee5779919a4" providerId="LiveId" clId="{23920C8D-EBCE-A347-9C82-C14316D20539}" dt="2022-10-25T12:08:56.496" v="469" actId="115"/>
+          <ac:spMkLst>
+            <pc:docMk/>
+            <pc:sldMk cId="2780969545" sldId="2609"/>
+            <ac:spMk id="6" creationId="{2D1A6305-FF43-CF53-224A-B6D4901EAB0F}"/>
+          </ac:spMkLst>
+        </pc:spChg>
+        <pc:spChg chg="mod">
+          <ac:chgData name="Xin Luo" userId="82312ee5779919a4" providerId="LiveId" clId="{23920C8D-EBCE-A347-9C82-C14316D20539}" dt="2022-10-25T12:09:03.730" v="478" actId="1036"/>
+          <ac:spMkLst>
+            <pc:docMk/>
+            <pc:sldMk cId="2780969545" sldId="2609"/>
+            <ac:spMk id="11" creationId="{63EAC848-88D2-7A10-E878-444ADA855E23}"/>
+          </ac:spMkLst>
+        </pc:spChg>
+        <pc:spChg chg="mod">
+          <ac:chgData name="Xin Luo" userId="82312ee5779919a4" providerId="LiveId" clId="{23920C8D-EBCE-A347-9C82-C14316D20539}" dt="2022-10-25T12:09:03.730" v="478" actId="1036"/>
+          <ac:spMkLst>
+            <pc:docMk/>
+            <pc:sldMk cId="2780969545" sldId="2609"/>
+            <ac:spMk id="12" creationId="{BED7A820-9D6E-7E7E-A906-8A9424528316}"/>
+          </ac:spMkLst>
+        </pc:spChg>
+        <pc:spChg chg="mod">
+          <ac:chgData name="Xin Luo" userId="82312ee5779919a4" providerId="LiveId" clId="{23920C8D-EBCE-A347-9C82-C14316D20539}" dt="2022-10-25T12:09:03.730" v="478" actId="1036"/>
+          <ac:spMkLst>
+            <pc:docMk/>
+            <pc:sldMk cId="2780969545" sldId="2609"/>
+            <ac:spMk id="20" creationId="{87EC125B-CB98-6914-1633-6697471A2CB4}"/>
+          </ac:spMkLst>
+        </pc:spChg>
+        <pc:spChg chg="mod">
+          <ac:chgData name="Xin Luo" userId="82312ee5779919a4" providerId="LiveId" clId="{23920C8D-EBCE-A347-9C82-C14316D20539}" dt="2022-10-25T12:09:03.730" v="478" actId="1036"/>
+          <ac:spMkLst>
+            <pc:docMk/>
+            <pc:sldMk cId="2780969545" sldId="2609"/>
+            <ac:spMk id="21" creationId="{0AF67847-7DEF-CDAB-6208-0271BFB4FB06}"/>
+          </ac:spMkLst>
+        </pc:spChg>
+        <pc:spChg chg="mod">
+          <ac:chgData name="Xin Luo" userId="82312ee5779919a4" providerId="LiveId" clId="{23920C8D-EBCE-A347-9C82-C14316D20539}" dt="2022-10-25T12:09:03.730" v="478" actId="1036"/>
+          <ac:spMkLst>
+            <pc:docMk/>
+            <pc:sldMk cId="2780969545" sldId="2609"/>
+            <ac:spMk id="23" creationId="{0011846D-F543-398E-85CB-0AB0A842928A}"/>
+          </ac:spMkLst>
+        </pc:spChg>
+        <pc:spChg chg="mod">
+          <ac:chgData name="Xin Luo" userId="82312ee5779919a4" providerId="LiveId" clId="{23920C8D-EBCE-A347-9C82-C14316D20539}" dt="2022-10-25T12:09:03.730" v="478" actId="1036"/>
+          <ac:spMkLst>
+            <pc:docMk/>
+            <pc:sldMk cId="2780969545" sldId="2609"/>
+            <ac:spMk id="24" creationId="{37B5D87E-7419-7CC0-91CC-8A0807F0F999}"/>
+          </ac:spMkLst>
+        </pc:spChg>
+        <pc:spChg chg="mod">
+          <ac:chgData name="Xin Luo" userId="82312ee5779919a4" providerId="LiveId" clId="{23920C8D-EBCE-A347-9C82-C14316D20539}" dt="2022-10-25T12:09:03.730" v="478" actId="1036"/>
+          <ac:spMkLst>
+            <pc:docMk/>
+            <pc:sldMk cId="2780969545" sldId="2609"/>
+            <ac:spMk id="25" creationId="{4745244D-B431-F067-4A97-7CC4387296FB}"/>
+          </ac:spMkLst>
+        </pc:spChg>
+        <pc:spChg chg="mod">
+          <ac:chgData name="Xin Luo" userId="82312ee5779919a4" providerId="LiveId" clId="{23920C8D-EBCE-A347-9C82-C14316D20539}" dt="2022-10-25T12:09:03.730" v="478" actId="1036"/>
+          <ac:spMkLst>
+            <pc:docMk/>
+            <pc:sldMk cId="2780969545" sldId="2609"/>
+            <ac:spMk id="26" creationId="{FB9C53DE-8D1F-6DF4-8CE3-3A262A9F8737}"/>
+          </ac:spMkLst>
+        </pc:spChg>
+        <pc:picChg chg="mod">
+          <ac:chgData name="Xin Luo" userId="82312ee5779919a4" providerId="LiveId" clId="{23920C8D-EBCE-A347-9C82-C14316D20539}" dt="2022-10-25T12:09:03.730" v="478" actId="1036"/>
+          <ac:picMkLst>
+            <pc:docMk/>
+            <pc:sldMk cId="2780969545" sldId="2609"/>
+            <ac:picMk id="4" creationId="{49B7ACC6-6794-9162-52B2-E80F7E4B0442}"/>
+          </ac:picMkLst>
+        </pc:picChg>
+        <pc:picChg chg="mod">
+          <ac:chgData name="Xin Luo" userId="82312ee5779919a4" providerId="LiveId" clId="{23920C8D-EBCE-A347-9C82-C14316D20539}" dt="2022-10-25T12:09:03.730" v="478" actId="1036"/>
+          <ac:picMkLst>
+            <pc:docMk/>
+            <pc:sldMk cId="2780969545" sldId="2609"/>
+            <ac:picMk id="7" creationId="{42FD45A0-A9EA-D518-41B5-21FA7A24BA60}"/>
+          </ac:picMkLst>
+        </pc:picChg>
+        <pc:picChg chg="mod">
+          <ac:chgData name="Xin Luo" userId="82312ee5779919a4" providerId="LiveId" clId="{23920C8D-EBCE-A347-9C82-C14316D20539}" dt="2022-10-25T12:09:03.730" v="478" actId="1036"/>
+          <ac:picMkLst>
+            <pc:docMk/>
+            <pc:sldMk cId="2780969545" sldId="2609"/>
+            <ac:picMk id="10" creationId="{C2B12388-3179-41F8-2462-0C9BA14093FF}"/>
+          </ac:picMkLst>
+        </pc:picChg>
+        <pc:picChg chg="mod">
+          <ac:chgData name="Xin Luo" userId="82312ee5779919a4" providerId="LiveId" clId="{23920C8D-EBCE-A347-9C82-C14316D20539}" dt="2022-10-25T12:09:03.730" v="478" actId="1036"/>
+          <ac:picMkLst>
+            <pc:docMk/>
+            <pc:sldMk cId="2780969545" sldId="2609"/>
+            <ac:picMk id="7170" creationId="{A3C33C8C-6841-03A7-574F-E161D6BA2409}"/>
+          </ac:picMkLst>
+        </pc:picChg>
+        <pc:cxnChg chg="mod">
+          <ac:chgData name="Xin Luo" userId="82312ee5779919a4" providerId="LiveId" clId="{23920C8D-EBCE-A347-9C82-C14316D20539}" dt="2022-10-25T12:09:03.730" v="478" actId="1036"/>
+          <ac:cxnSpMkLst>
+            <pc:docMk/>
+            <pc:sldMk cId="2780969545" sldId="2609"/>
+            <ac:cxnSpMk id="9" creationId="{FD972B84-6C44-171E-8256-D2A04F01B0C9}"/>
+          </ac:cxnSpMkLst>
+        </pc:cxnChg>
+        <pc:cxnChg chg="mod">
+          <ac:chgData name="Xin Luo" userId="82312ee5779919a4" providerId="LiveId" clId="{23920C8D-EBCE-A347-9C82-C14316D20539}" dt="2022-10-25T12:09:03.730" v="478" actId="1036"/>
+          <ac:cxnSpMkLst>
+            <pc:docMk/>
+            <pc:sldMk cId="2780969545" sldId="2609"/>
+            <ac:cxnSpMk id="16" creationId="{612BCBDC-DECE-5090-7C5B-6492FF4CE722}"/>
+          </ac:cxnSpMkLst>
+        </pc:cxnChg>
+        <pc:cxnChg chg="mod">
+          <ac:chgData name="Xin Luo" userId="82312ee5779919a4" providerId="LiveId" clId="{23920C8D-EBCE-A347-9C82-C14316D20539}" dt="2022-10-25T12:09:03.730" v="478" actId="1036"/>
+          <ac:cxnSpMkLst>
+            <pc:docMk/>
+            <pc:sldMk cId="2780969545" sldId="2609"/>
+            <ac:cxnSpMk id="17" creationId="{AF045F09-2718-C456-D477-E816A43885FF}"/>
+          </ac:cxnSpMkLst>
+        </pc:cxnChg>
+        <pc:cxnChg chg="mod">
+          <ac:chgData name="Xin Luo" userId="82312ee5779919a4" providerId="LiveId" clId="{23920C8D-EBCE-A347-9C82-C14316D20539}" dt="2022-10-25T12:09:03.730" v="478" actId="1036"/>
+          <ac:cxnSpMkLst>
+            <pc:docMk/>
+            <pc:sldMk cId="2780969545" sldId="2609"/>
+            <ac:cxnSpMk id="28" creationId="{6C11ADF7-6234-2989-2798-F5AAD5EDE3BF}"/>
+          </ac:cxnSpMkLst>
+        </pc:cxnChg>
+      </pc:sldChg>
+      <pc:sldChg chg="modSp mod">
+        <pc:chgData name="Xin Luo" userId="82312ee5779919a4" providerId="LiveId" clId="{23920C8D-EBCE-A347-9C82-C14316D20539}" dt="2022-10-26T02:56:58.658" v="480" actId="207"/>
+        <pc:sldMkLst>
+          <pc:docMk/>
+          <pc:sldMk cId="63705705" sldId="2612"/>
+        </pc:sldMkLst>
+        <pc:spChg chg="mod">
+          <ac:chgData name="Xin Luo" userId="82312ee5779919a4" providerId="LiveId" clId="{23920C8D-EBCE-A347-9C82-C14316D20539}" dt="2022-10-26T02:56:58.658" v="480" actId="207"/>
+          <ac:spMkLst>
+            <pc:docMk/>
+            <pc:sldMk cId="63705705" sldId="2612"/>
+            <ac:spMk id="63" creationId="{6400CC45-5050-7ACD-CE08-CC6D7000A1DA}"/>
+          </ac:spMkLst>
+        </pc:spChg>
+      </pc:sldChg>
+      <pc:sldChg chg="addSp modSp">
+        <pc:chgData name="Xin Luo" userId="82312ee5779919a4" providerId="LiveId" clId="{23920C8D-EBCE-A347-9C82-C14316D20539}" dt="2022-10-26T12:19:06.428" v="501" actId="767"/>
+        <pc:sldMkLst>
+          <pc:docMk/>
+          <pc:sldMk cId="963926578" sldId="2613"/>
+        </pc:sldMkLst>
+        <pc:spChg chg="add mod">
+          <ac:chgData name="Xin Luo" userId="82312ee5779919a4" providerId="LiveId" clId="{23920C8D-EBCE-A347-9C82-C14316D20539}" dt="2022-10-26T12:19:06.428" v="501" actId="767"/>
+          <ac:spMkLst>
+            <pc:docMk/>
+            <pc:sldMk cId="963926578" sldId="2613"/>
+            <ac:spMk id="2" creationId="{5F7683B3-77E0-69A9-94AE-FF04E7249325}"/>
+          </ac:spMkLst>
+        </pc:spChg>
+      </pc:sldChg>
+      <pc:sldChg chg="modSp add mod">
+        <pc:chgData name="Xin Luo" userId="82312ee5779919a4" providerId="LiveId" clId="{23920C8D-EBCE-A347-9C82-C14316D20539}" dt="2022-10-10T01:06:02.902" v="365" actId="403"/>
+        <pc:sldMkLst>
+          <pc:docMk/>
+          <pc:sldMk cId="2358282757" sldId="2714"/>
+        </pc:sldMkLst>
+        <pc:spChg chg="mod">
+          <ac:chgData name="Xin Luo" userId="82312ee5779919a4" providerId="LiveId" clId="{23920C8D-EBCE-A347-9C82-C14316D20539}" dt="2022-10-10T01:06:02.902" v="365" actId="403"/>
+          <ac:spMkLst>
+            <pc:docMk/>
+            <pc:sldMk cId="2358282757" sldId="2714"/>
+            <ac:spMk id="2" creationId="{DB381E7B-A050-4BE4-6756-9B64308C74D7}"/>
+          </ac:spMkLst>
+        </pc:spChg>
+      </pc:sldChg>
+    </pc:docChg>
+  </pc:docChgLst>
+  <pc:docChgLst>
     <pc:chgData name="Xin Luo" userId="82312ee5779919a4" providerId="LiveId" clId="{7C35D78A-E8DF-394E-816A-D2222F18F092}"/>
     <pc:docChg chg="delSld modSld">
       <pc:chgData name="Xin Luo" userId="82312ee5779919a4" providerId="LiveId" clId="{7C35D78A-E8DF-394E-816A-D2222F18F092}" dt="2022-11-28T03:56:42.353" v="21" actId="2696"/>
@@ -3127,350 +3472,6 @@
     </pc:docChg>
   </pc:docChgLst>
   <pc:docChgLst>
-    <pc:chgData name="Xin Luo" userId="82312ee5779919a4" providerId="LiveId" clId="{23920C8D-EBCE-A347-9C82-C14316D20539}"/>
-    <pc:docChg chg="undo custSel addSld modSld">
-      <pc:chgData name="Xin Luo" userId="82312ee5779919a4" providerId="LiveId" clId="{23920C8D-EBCE-A347-9C82-C14316D20539}" dt="2022-10-26T12:19:06.428" v="501" actId="767"/>
-      <pc:docMkLst>
-        <pc:docMk/>
-      </pc:docMkLst>
-      <pc:sldChg chg="modSp mod">
-        <pc:chgData name="Xin Luo" userId="82312ee5779919a4" providerId="LiveId" clId="{23920C8D-EBCE-A347-9C82-C14316D20539}" dt="2022-10-10T01:06:29.261" v="368" actId="404"/>
-        <pc:sldMkLst>
-          <pc:docMk/>
-          <pc:sldMk cId="1576120367" sldId="2387"/>
-        </pc:sldMkLst>
-        <pc:spChg chg="mod">
-          <ac:chgData name="Xin Luo" userId="82312ee5779919a4" providerId="LiveId" clId="{23920C8D-EBCE-A347-9C82-C14316D20539}" dt="2022-10-10T01:06:29.261" v="368" actId="404"/>
-          <ac:spMkLst>
-            <pc:docMk/>
-            <pc:sldMk cId="1576120367" sldId="2387"/>
-            <ac:spMk id="10" creationId="{00000000-0000-0000-0000-000000000000}"/>
-          </ac:spMkLst>
-        </pc:spChg>
-        <pc:spChg chg="mod">
-          <ac:chgData name="Xin Luo" userId="82312ee5779919a4" providerId="LiveId" clId="{23920C8D-EBCE-A347-9C82-C14316D20539}" dt="2022-10-10T01:06:13.262" v="366" actId="403"/>
-          <ac:spMkLst>
-            <pc:docMk/>
-            <pc:sldMk cId="1576120367" sldId="2387"/>
-            <ac:spMk id="12" creationId="{00000000-0000-0000-0000-000000000000}"/>
-          </ac:spMkLst>
-        </pc:spChg>
-        <pc:spChg chg="mod">
-          <ac:chgData name="Xin Luo" userId="82312ee5779919a4" providerId="LiveId" clId="{23920C8D-EBCE-A347-9C82-C14316D20539}" dt="2022-10-10T01:06:29.261" v="368" actId="404"/>
-          <ac:spMkLst>
-            <pc:docMk/>
-            <pc:sldMk cId="1576120367" sldId="2387"/>
-            <ac:spMk id="13" creationId="{00000000-0000-0000-0000-000000000000}"/>
-          </ac:spMkLst>
-        </pc:spChg>
-        <pc:spChg chg="mod">
-          <ac:chgData name="Xin Luo" userId="82312ee5779919a4" providerId="LiveId" clId="{23920C8D-EBCE-A347-9C82-C14316D20539}" dt="2022-10-10T01:06:13.262" v="366" actId="403"/>
-          <ac:spMkLst>
-            <pc:docMk/>
-            <pc:sldMk cId="1576120367" sldId="2387"/>
-            <ac:spMk id="14" creationId="{00000000-0000-0000-0000-000000000000}"/>
-          </ac:spMkLst>
-        </pc:spChg>
-        <pc:spChg chg="mod">
-          <ac:chgData name="Xin Luo" userId="82312ee5779919a4" providerId="LiveId" clId="{23920C8D-EBCE-A347-9C82-C14316D20539}" dt="2022-10-10T01:06:29.261" v="368" actId="404"/>
-          <ac:spMkLst>
-            <pc:docMk/>
-            <pc:sldMk cId="1576120367" sldId="2387"/>
-            <ac:spMk id="15" creationId="{00000000-0000-0000-0000-000000000000}"/>
-          </ac:spMkLst>
-        </pc:spChg>
-        <pc:spChg chg="mod">
-          <ac:chgData name="Xin Luo" userId="82312ee5779919a4" providerId="LiveId" clId="{23920C8D-EBCE-A347-9C82-C14316D20539}" dt="2022-10-10T01:06:19.369" v="367" actId="14100"/>
-          <ac:spMkLst>
-            <pc:docMk/>
-            <pc:sldMk cId="1576120367" sldId="2387"/>
-            <ac:spMk id="16" creationId="{00000000-0000-0000-0000-000000000000}"/>
-          </ac:spMkLst>
-        </pc:spChg>
-      </pc:sldChg>
-      <pc:sldChg chg="modSp mod">
-        <pc:chgData name="Xin Luo" userId="82312ee5779919a4" providerId="LiveId" clId="{23920C8D-EBCE-A347-9C82-C14316D20539}" dt="2022-10-10T01:06:39.449" v="369" actId="403"/>
-        <pc:sldMkLst>
-          <pc:docMk/>
-          <pc:sldMk cId="2415901206" sldId="2447"/>
-        </pc:sldMkLst>
-        <pc:spChg chg="mod">
-          <ac:chgData name="Xin Luo" userId="82312ee5779919a4" providerId="LiveId" clId="{23920C8D-EBCE-A347-9C82-C14316D20539}" dt="2022-10-10T01:06:39.449" v="369" actId="403"/>
-          <ac:spMkLst>
-            <pc:docMk/>
-            <pc:sldMk cId="2415901206" sldId="2447"/>
-            <ac:spMk id="7" creationId="{00000000-0000-0000-0000-000000000000}"/>
-          </ac:spMkLst>
-        </pc:spChg>
-      </pc:sldChg>
-      <pc:sldChg chg="addSp delSp modSp mod">
-        <pc:chgData name="Xin Luo" userId="82312ee5779919a4" providerId="LiveId" clId="{23920C8D-EBCE-A347-9C82-C14316D20539}" dt="2022-10-26T11:18:20.490" v="500"/>
-        <pc:sldMkLst>
-          <pc:docMk/>
-          <pc:sldMk cId="2689840772" sldId="2604"/>
-        </pc:sldMkLst>
-        <pc:spChg chg="mod">
-          <ac:chgData name="Xin Luo" userId="82312ee5779919a4" providerId="LiveId" clId="{23920C8D-EBCE-A347-9C82-C14316D20539}" dt="2022-10-26T11:18:14.630" v="497" actId="1038"/>
-          <ac:spMkLst>
-            <pc:docMk/>
-            <pc:sldMk cId="2689840772" sldId="2604"/>
-            <ac:spMk id="2" creationId="{DB381E7B-A050-4BE4-6756-9B64308C74D7}"/>
-          </ac:spMkLst>
-        </pc:spChg>
-        <pc:spChg chg="del mod">
-          <ac:chgData name="Xin Luo" userId="82312ee5779919a4" providerId="LiveId" clId="{23920C8D-EBCE-A347-9C82-C14316D20539}" dt="2022-10-10T00:58:26.498" v="9" actId="478"/>
-          <ac:spMkLst>
-            <pc:docMk/>
-            <pc:sldMk cId="2689840772" sldId="2604"/>
-            <ac:spMk id="3" creationId="{00000000-0000-0000-0000-000000000000}"/>
-          </ac:spMkLst>
-        </pc:spChg>
-        <pc:spChg chg="add del mod">
-          <ac:chgData name="Xin Luo" userId="82312ee5779919a4" providerId="LiveId" clId="{23920C8D-EBCE-A347-9C82-C14316D20539}" dt="2022-10-26T11:18:20.490" v="500"/>
-          <ac:spMkLst>
-            <pc:docMk/>
-            <pc:sldMk cId="2689840772" sldId="2604"/>
-            <ac:spMk id="3" creationId="{0AC6D251-AEF6-35BE-71D5-DE25EAD72977}"/>
-          </ac:spMkLst>
-        </pc:spChg>
-        <pc:spChg chg="add mod">
-          <ac:chgData name="Xin Luo" userId="82312ee5779919a4" providerId="LiveId" clId="{23920C8D-EBCE-A347-9C82-C14316D20539}" dt="2022-10-10T01:03:50.909" v="356" actId="20577"/>
-          <ac:spMkLst>
-            <pc:docMk/>
-            <pc:sldMk cId="2689840772" sldId="2604"/>
-            <ac:spMk id="4" creationId="{5B949F23-92C2-3ACE-AE9A-58F8C8D7AB52}"/>
-          </ac:spMkLst>
-        </pc:spChg>
-      </pc:sldChg>
-      <pc:sldChg chg="modSp mod">
-        <pc:chgData name="Xin Luo" userId="82312ee5779919a4" providerId="LiveId" clId="{23920C8D-EBCE-A347-9C82-C14316D20539}" dt="2022-10-25T11:53:23.523" v="402" actId="207"/>
-        <pc:sldMkLst>
-          <pc:docMk/>
-          <pc:sldMk cId="1392274363" sldId="2606"/>
-        </pc:sldMkLst>
-        <pc:spChg chg="mod">
-          <ac:chgData name="Xin Luo" userId="82312ee5779919a4" providerId="LiveId" clId="{23920C8D-EBCE-A347-9C82-C14316D20539}" dt="2022-10-10T01:08:08.448" v="392" actId="20577"/>
-          <ac:spMkLst>
-            <pc:docMk/>
-            <pc:sldMk cId="1392274363" sldId="2606"/>
-            <ac:spMk id="35" creationId="{2CBBD54C-A0C4-CFAB-2A67-F8BF299D28F5}"/>
-          </ac:spMkLst>
-        </pc:spChg>
-        <pc:spChg chg="mod">
-          <ac:chgData name="Xin Luo" userId="82312ee5779919a4" providerId="LiveId" clId="{23920C8D-EBCE-A347-9C82-C14316D20539}" dt="2022-10-25T11:53:23.523" v="402" actId="207"/>
-          <ac:spMkLst>
-            <pc:docMk/>
-            <pc:sldMk cId="1392274363" sldId="2606"/>
-            <ac:spMk id="42" creationId="{E4B07DDE-AB89-2B16-6B7A-2142621DE6F5}"/>
-          </ac:spMkLst>
-        </pc:spChg>
-      </pc:sldChg>
-      <pc:sldChg chg="modSp mod">
-        <pc:chgData name="Xin Luo" userId="82312ee5779919a4" providerId="LiveId" clId="{23920C8D-EBCE-A347-9C82-C14316D20539}" dt="2022-10-25T12:03:26.240" v="414" actId="14100"/>
-        <pc:sldMkLst>
-          <pc:docMk/>
-          <pc:sldMk cId="292605530" sldId="2607"/>
-        </pc:sldMkLst>
-        <pc:spChg chg="mod">
-          <ac:chgData name="Xin Luo" userId="82312ee5779919a4" providerId="LiveId" clId="{23920C8D-EBCE-A347-9C82-C14316D20539}" dt="2022-10-25T12:03:26.240" v="414" actId="14100"/>
-          <ac:spMkLst>
-            <pc:docMk/>
-            <pc:sldMk cId="292605530" sldId="2607"/>
-            <ac:spMk id="18" creationId="{8399C9E7-13B6-1DAF-F5BF-4471E8528C5F}"/>
-          </ac:spMkLst>
-        </pc:spChg>
-      </pc:sldChg>
-      <pc:sldChg chg="modSp mod">
-        <pc:chgData name="Xin Luo" userId="82312ee5779919a4" providerId="LiveId" clId="{23920C8D-EBCE-A347-9C82-C14316D20539}" dt="2022-10-25T12:09:03.730" v="478" actId="1036"/>
-        <pc:sldMkLst>
-          <pc:docMk/>
-          <pc:sldMk cId="2780969545" sldId="2609"/>
-        </pc:sldMkLst>
-        <pc:spChg chg="mod">
-          <ac:chgData name="Xin Luo" userId="82312ee5779919a4" providerId="LiveId" clId="{23920C8D-EBCE-A347-9C82-C14316D20539}" dt="2022-10-25T12:08:56.496" v="469" actId="115"/>
-          <ac:spMkLst>
-            <pc:docMk/>
-            <pc:sldMk cId="2780969545" sldId="2609"/>
-            <ac:spMk id="6" creationId="{2D1A6305-FF43-CF53-224A-B6D4901EAB0F}"/>
-          </ac:spMkLst>
-        </pc:spChg>
-        <pc:spChg chg="mod">
-          <ac:chgData name="Xin Luo" userId="82312ee5779919a4" providerId="LiveId" clId="{23920C8D-EBCE-A347-9C82-C14316D20539}" dt="2022-10-25T12:09:03.730" v="478" actId="1036"/>
-          <ac:spMkLst>
-            <pc:docMk/>
-            <pc:sldMk cId="2780969545" sldId="2609"/>
-            <ac:spMk id="11" creationId="{63EAC848-88D2-7A10-E878-444ADA855E23}"/>
-          </ac:spMkLst>
-        </pc:spChg>
-        <pc:spChg chg="mod">
-          <ac:chgData name="Xin Luo" userId="82312ee5779919a4" providerId="LiveId" clId="{23920C8D-EBCE-A347-9C82-C14316D20539}" dt="2022-10-25T12:09:03.730" v="478" actId="1036"/>
-          <ac:spMkLst>
-            <pc:docMk/>
-            <pc:sldMk cId="2780969545" sldId="2609"/>
-            <ac:spMk id="12" creationId="{BED7A820-9D6E-7E7E-A906-8A9424528316}"/>
-          </ac:spMkLst>
-        </pc:spChg>
-        <pc:spChg chg="mod">
-          <ac:chgData name="Xin Luo" userId="82312ee5779919a4" providerId="LiveId" clId="{23920C8D-EBCE-A347-9C82-C14316D20539}" dt="2022-10-25T12:09:03.730" v="478" actId="1036"/>
-          <ac:spMkLst>
-            <pc:docMk/>
-            <pc:sldMk cId="2780969545" sldId="2609"/>
-            <ac:spMk id="20" creationId="{87EC125B-CB98-6914-1633-6697471A2CB4}"/>
-          </ac:spMkLst>
-        </pc:spChg>
-        <pc:spChg chg="mod">
-          <ac:chgData name="Xin Luo" userId="82312ee5779919a4" providerId="LiveId" clId="{23920C8D-EBCE-A347-9C82-C14316D20539}" dt="2022-10-25T12:09:03.730" v="478" actId="1036"/>
-          <ac:spMkLst>
-            <pc:docMk/>
-            <pc:sldMk cId="2780969545" sldId="2609"/>
-            <ac:spMk id="21" creationId="{0AF67847-7DEF-CDAB-6208-0271BFB4FB06}"/>
-          </ac:spMkLst>
-        </pc:spChg>
-        <pc:spChg chg="mod">
-          <ac:chgData name="Xin Luo" userId="82312ee5779919a4" providerId="LiveId" clId="{23920C8D-EBCE-A347-9C82-C14316D20539}" dt="2022-10-25T12:09:03.730" v="478" actId="1036"/>
-          <ac:spMkLst>
-            <pc:docMk/>
-            <pc:sldMk cId="2780969545" sldId="2609"/>
-            <ac:spMk id="23" creationId="{0011846D-F543-398E-85CB-0AB0A842928A}"/>
-          </ac:spMkLst>
-        </pc:spChg>
-        <pc:spChg chg="mod">
-          <ac:chgData name="Xin Luo" userId="82312ee5779919a4" providerId="LiveId" clId="{23920C8D-EBCE-A347-9C82-C14316D20539}" dt="2022-10-25T12:09:03.730" v="478" actId="1036"/>
-          <ac:spMkLst>
-            <pc:docMk/>
-            <pc:sldMk cId="2780969545" sldId="2609"/>
-            <ac:spMk id="24" creationId="{37B5D87E-7419-7CC0-91CC-8A0807F0F999}"/>
-          </ac:spMkLst>
-        </pc:spChg>
-        <pc:spChg chg="mod">
-          <ac:chgData name="Xin Luo" userId="82312ee5779919a4" providerId="LiveId" clId="{23920C8D-EBCE-A347-9C82-C14316D20539}" dt="2022-10-25T12:09:03.730" v="478" actId="1036"/>
-          <ac:spMkLst>
-            <pc:docMk/>
-            <pc:sldMk cId="2780969545" sldId="2609"/>
-            <ac:spMk id="25" creationId="{4745244D-B431-F067-4A97-7CC4387296FB}"/>
-          </ac:spMkLst>
-        </pc:spChg>
-        <pc:spChg chg="mod">
-          <ac:chgData name="Xin Luo" userId="82312ee5779919a4" providerId="LiveId" clId="{23920C8D-EBCE-A347-9C82-C14316D20539}" dt="2022-10-25T12:09:03.730" v="478" actId="1036"/>
-          <ac:spMkLst>
-            <pc:docMk/>
-            <pc:sldMk cId="2780969545" sldId="2609"/>
-            <ac:spMk id="26" creationId="{FB9C53DE-8D1F-6DF4-8CE3-3A262A9F8737}"/>
-          </ac:spMkLst>
-        </pc:spChg>
-        <pc:picChg chg="mod">
-          <ac:chgData name="Xin Luo" userId="82312ee5779919a4" providerId="LiveId" clId="{23920C8D-EBCE-A347-9C82-C14316D20539}" dt="2022-10-25T12:09:03.730" v="478" actId="1036"/>
-          <ac:picMkLst>
-            <pc:docMk/>
-            <pc:sldMk cId="2780969545" sldId="2609"/>
-            <ac:picMk id="4" creationId="{49B7ACC6-6794-9162-52B2-E80F7E4B0442}"/>
-          </ac:picMkLst>
-        </pc:picChg>
-        <pc:picChg chg="mod">
-          <ac:chgData name="Xin Luo" userId="82312ee5779919a4" providerId="LiveId" clId="{23920C8D-EBCE-A347-9C82-C14316D20539}" dt="2022-10-25T12:09:03.730" v="478" actId="1036"/>
-          <ac:picMkLst>
-            <pc:docMk/>
-            <pc:sldMk cId="2780969545" sldId="2609"/>
-            <ac:picMk id="7" creationId="{42FD45A0-A9EA-D518-41B5-21FA7A24BA60}"/>
-          </ac:picMkLst>
-        </pc:picChg>
-        <pc:picChg chg="mod">
-          <ac:chgData name="Xin Luo" userId="82312ee5779919a4" providerId="LiveId" clId="{23920C8D-EBCE-A347-9C82-C14316D20539}" dt="2022-10-25T12:09:03.730" v="478" actId="1036"/>
-          <ac:picMkLst>
-            <pc:docMk/>
-            <pc:sldMk cId="2780969545" sldId="2609"/>
-            <ac:picMk id="10" creationId="{C2B12388-3179-41F8-2462-0C9BA14093FF}"/>
-          </ac:picMkLst>
-        </pc:picChg>
-        <pc:picChg chg="mod">
-          <ac:chgData name="Xin Luo" userId="82312ee5779919a4" providerId="LiveId" clId="{23920C8D-EBCE-A347-9C82-C14316D20539}" dt="2022-10-25T12:09:03.730" v="478" actId="1036"/>
-          <ac:picMkLst>
-            <pc:docMk/>
-            <pc:sldMk cId="2780969545" sldId="2609"/>
-            <ac:picMk id="7170" creationId="{A3C33C8C-6841-03A7-574F-E161D6BA2409}"/>
-          </ac:picMkLst>
-        </pc:picChg>
-        <pc:cxnChg chg="mod">
-          <ac:chgData name="Xin Luo" userId="82312ee5779919a4" providerId="LiveId" clId="{23920C8D-EBCE-A347-9C82-C14316D20539}" dt="2022-10-25T12:09:03.730" v="478" actId="1036"/>
-          <ac:cxnSpMkLst>
-            <pc:docMk/>
-            <pc:sldMk cId="2780969545" sldId="2609"/>
-            <ac:cxnSpMk id="9" creationId="{FD972B84-6C44-171E-8256-D2A04F01B0C9}"/>
-          </ac:cxnSpMkLst>
-        </pc:cxnChg>
-        <pc:cxnChg chg="mod">
-          <ac:chgData name="Xin Luo" userId="82312ee5779919a4" providerId="LiveId" clId="{23920C8D-EBCE-A347-9C82-C14316D20539}" dt="2022-10-25T12:09:03.730" v="478" actId="1036"/>
-          <ac:cxnSpMkLst>
-            <pc:docMk/>
-            <pc:sldMk cId="2780969545" sldId="2609"/>
-            <ac:cxnSpMk id="16" creationId="{612BCBDC-DECE-5090-7C5B-6492FF4CE722}"/>
-          </ac:cxnSpMkLst>
-        </pc:cxnChg>
-        <pc:cxnChg chg="mod">
-          <ac:chgData name="Xin Luo" userId="82312ee5779919a4" providerId="LiveId" clId="{23920C8D-EBCE-A347-9C82-C14316D20539}" dt="2022-10-25T12:09:03.730" v="478" actId="1036"/>
-          <ac:cxnSpMkLst>
-            <pc:docMk/>
-            <pc:sldMk cId="2780969545" sldId="2609"/>
-            <ac:cxnSpMk id="17" creationId="{AF045F09-2718-C456-D477-E816A43885FF}"/>
-          </ac:cxnSpMkLst>
-        </pc:cxnChg>
-        <pc:cxnChg chg="mod">
-          <ac:chgData name="Xin Luo" userId="82312ee5779919a4" providerId="LiveId" clId="{23920C8D-EBCE-A347-9C82-C14316D20539}" dt="2022-10-25T12:09:03.730" v="478" actId="1036"/>
-          <ac:cxnSpMkLst>
-            <pc:docMk/>
-            <pc:sldMk cId="2780969545" sldId="2609"/>
-            <ac:cxnSpMk id="28" creationId="{6C11ADF7-6234-2989-2798-F5AAD5EDE3BF}"/>
-          </ac:cxnSpMkLst>
-        </pc:cxnChg>
-      </pc:sldChg>
-      <pc:sldChg chg="modSp mod">
-        <pc:chgData name="Xin Luo" userId="82312ee5779919a4" providerId="LiveId" clId="{23920C8D-EBCE-A347-9C82-C14316D20539}" dt="2022-10-26T02:56:58.658" v="480" actId="207"/>
-        <pc:sldMkLst>
-          <pc:docMk/>
-          <pc:sldMk cId="63705705" sldId="2612"/>
-        </pc:sldMkLst>
-        <pc:spChg chg="mod">
-          <ac:chgData name="Xin Luo" userId="82312ee5779919a4" providerId="LiveId" clId="{23920C8D-EBCE-A347-9C82-C14316D20539}" dt="2022-10-26T02:56:58.658" v="480" actId="207"/>
-          <ac:spMkLst>
-            <pc:docMk/>
-            <pc:sldMk cId="63705705" sldId="2612"/>
-            <ac:spMk id="63" creationId="{6400CC45-5050-7ACD-CE08-CC6D7000A1DA}"/>
-          </ac:spMkLst>
-        </pc:spChg>
-      </pc:sldChg>
-      <pc:sldChg chg="addSp modSp">
-        <pc:chgData name="Xin Luo" userId="82312ee5779919a4" providerId="LiveId" clId="{23920C8D-EBCE-A347-9C82-C14316D20539}" dt="2022-10-26T12:19:06.428" v="501" actId="767"/>
-        <pc:sldMkLst>
-          <pc:docMk/>
-          <pc:sldMk cId="963926578" sldId="2613"/>
-        </pc:sldMkLst>
-        <pc:spChg chg="add mod">
-          <ac:chgData name="Xin Luo" userId="82312ee5779919a4" providerId="LiveId" clId="{23920C8D-EBCE-A347-9C82-C14316D20539}" dt="2022-10-26T12:19:06.428" v="501" actId="767"/>
-          <ac:spMkLst>
-            <pc:docMk/>
-            <pc:sldMk cId="963926578" sldId="2613"/>
-            <ac:spMk id="2" creationId="{5F7683B3-77E0-69A9-94AE-FF04E7249325}"/>
-          </ac:spMkLst>
-        </pc:spChg>
-      </pc:sldChg>
-      <pc:sldChg chg="modSp add mod">
-        <pc:chgData name="Xin Luo" userId="82312ee5779919a4" providerId="LiveId" clId="{23920C8D-EBCE-A347-9C82-C14316D20539}" dt="2022-10-10T01:06:02.902" v="365" actId="403"/>
-        <pc:sldMkLst>
-          <pc:docMk/>
-          <pc:sldMk cId="2358282757" sldId="2714"/>
-        </pc:sldMkLst>
-        <pc:spChg chg="mod">
-          <ac:chgData name="Xin Luo" userId="82312ee5779919a4" providerId="LiveId" clId="{23920C8D-EBCE-A347-9C82-C14316D20539}" dt="2022-10-10T01:06:02.902" v="365" actId="403"/>
-          <ac:spMkLst>
-            <pc:docMk/>
-            <pc:sldMk cId="2358282757" sldId="2714"/>
-            <ac:spMk id="2" creationId="{DB381E7B-A050-4BE4-6756-9B64308C74D7}"/>
-          </ac:spMkLst>
-        </pc:spChg>
-      </pc:sldChg>
-    </pc:docChg>
-  </pc:docChgLst>
-  <pc:docChgLst>
     <pc:chgData name="Xin Luo" userId="82312ee5779919a4" providerId="LiveId" clId="{4807F875-6F75-AB41-83F0-5AE490FE2F1C}"/>
     <pc:docChg chg="custSel addSld modSld">
       <pc:chgData name="Xin Luo" userId="82312ee5779919a4" providerId="LiveId" clId="{4807F875-6F75-AB41-83F0-5AE490FE2F1C}" dt="2023-09-13T14:07:01.122" v="8" actId="1076"/>
@@ -5052,138 +5053,6 @@
     </pc:docChg>
   </pc:docChgLst>
   <pc:docChgLst>
-    <pc:chgData name="Xin Luo" userId="82312ee5779919a4" providerId="LiveId" clId="{A508F461-0D73-864F-B88A-277BCD613B0A}"/>
-    <pc:docChg chg="modSld">
-      <pc:chgData name="Xin Luo" userId="82312ee5779919a4" providerId="LiveId" clId="{A508F461-0D73-864F-B88A-277BCD613B0A}" dt="2023-09-11T02:08:48.074" v="121" actId="1076"/>
-      <pc:docMkLst>
-        <pc:docMk/>
-      </pc:docMkLst>
-      <pc:sldChg chg="modSp mod">
-        <pc:chgData name="Xin Luo" userId="82312ee5779919a4" providerId="LiveId" clId="{A508F461-0D73-864F-B88A-277BCD613B0A}" dt="2023-09-11T01:25:36.157" v="49" actId="255"/>
-        <pc:sldMkLst>
-          <pc:docMk/>
-          <pc:sldMk cId="1209572041" sldId="2722"/>
-        </pc:sldMkLst>
-        <pc:spChg chg="mod">
-          <ac:chgData name="Xin Luo" userId="82312ee5779919a4" providerId="LiveId" clId="{A508F461-0D73-864F-B88A-277BCD613B0A}" dt="2023-09-11T01:25:36.157" v="49" actId="255"/>
-          <ac:spMkLst>
-            <pc:docMk/>
-            <pc:sldMk cId="1209572041" sldId="2722"/>
-            <ac:spMk id="13" creationId="{303BC878-BC57-D350-27A3-F03AE48213AC}"/>
-          </ac:spMkLst>
-        </pc:spChg>
-      </pc:sldChg>
-      <pc:sldChg chg="modSp mod">
-        <pc:chgData name="Xin Luo" userId="82312ee5779919a4" providerId="LiveId" clId="{A508F461-0D73-864F-B88A-277BCD613B0A}" dt="2023-09-11T02:08:48.074" v="121" actId="1076"/>
-        <pc:sldMkLst>
-          <pc:docMk/>
-          <pc:sldMk cId="3151170836" sldId="2742"/>
-        </pc:sldMkLst>
-        <pc:spChg chg="mod">
-          <ac:chgData name="Xin Luo" userId="82312ee5779919a4" providerId="LiveId" clId="{A508F461-0D73-864F-B88A-277BCD613B0A}" dt="2023-09-11T02:08:48.074" v="121" actId="1076"/>
-          <ac:spMkLst>
-            <pc:docMk/>
-            <pc:sldMk cId="3151170836" sldId="2742"/>
-            <ac:spMk id="6" creationId="{FA343B24-C04E-C7D0-D427-DA131ECB74AB}"/>
-          </ac:spMkLst>
-        </pc:spChg>
-      </pc:sldChg>
-      <pc:sldChg chg="modSp mod">
-        <pc:chgData name="Xin Luo" userId="82312ee5779919a4" providerId="LiveId" clId="{A508F461-0D73-864F-B88A-277BCD613B0A}" dt="2023-09-11T01:24:19.474" v="26" actId="255"/>
-        <pc:sldMkLst>
-          <pc:docMk/>
-          <pc:sldMk cId="3741103209" sldId="2745"/>
-        </pc:sldMkLst>
-        <pc:spChg chg="mod">
-          <ac:chgData name="Xin Luo" userId="82312ee5779919a4" providerId="LiveId" clId="{A508F461-0D73-864F-B88A-277BCD613B0A}" dt="2023-09-11T01:24:19.474" v="26" actId="255"/>
-          <ac:spMkLst>
-            <pc:docMk/>
-            <pc:sldMk cId="3741103209" sldId="2745"/>
-            <ac:spMk id="17" creationId="{9E05FFCA-3371-AF5C-381D-71D984055F5A}"/>
-          </ac:spMkLst>
-        </pc:spChg>
-      </pc:sldChg>
-      <pc:sldChg chg="modSp mod">
-        <pc:chgData name="Xin Luo" userId="82312ee5779919a4" providerId="LiveId" clId="{A508F461-0D73-864F-B88A-277BCD613B0A}" dt="2023-09-11T01:25:10.921" v="46" actId="1035"/>
-        <pc:sldMkLst>
-          <pc:docMk/>
-          <pc:sldMk cId="2081473989" sldId="2748"/>
-        </pc:sldMkLst>
-        <pc:spChg chg="mod">
-          <ac:chgData name="Xin Luo" userId="82312ee5779919a4" providerId="LiveId" clId="{A508F461-0D73-864F-B88A-277BCD613B0A}" dt="2023-09-11T01:25:10.921" v="46" actId="1035"/>
-          <ac:spMkLst>
-            <pc:docMk/>
-            <pc:sldMk cId="2081473989" sldId="2748"/>
-            <ac:spMk id="15" creationId="{DAE75BEB-15B0-6AD3-FEA5-24688F0C9399}"/>
-          </ac:spMkLst>
-        </pc:spChg>
-        <pc:spChg chg="mod">
-          <ac:chgData name="Xin Luo" userId="82312ee5779919a4" providerId="LiveId" clId="{A508F461-0D73-864F-B88A-277BCD613B0A}" dt="2023-09-11T01:25:10.921" v="46" actId="1035"/>
-          <ac:spMkLst>
-            <pc:docMk/>
-            <pc:sldMk cId="2081473989" sldId="2748"/>
-            <ac:spMk id="16" creationId="{011A1F98-9159-4FE6-698D-1B0B7EFC1F4C}"/>
-          </ac:spMkLst>
-        </pc:spChg>
-        <pc:spChg chg="mod">
-          <ac:chgData name="Xin Luo" userId="82312ee5779919a4" providerId="LiveId" clId="{A508F461-0D73-864F-B88A-277BCD613B0A}" dt="2023-09-11T01:25:03.190" v="37" actId="2710"/>
-          <ac:spMkLst>
-            <pc:docMk/>
-            <pc:sldMk cId="2081473989" sldId="2748"/>
-            <ac:spMk id="17" creationId="{9E05FFCA-3371-AF5C-381D-71D984055F5A}"/>
-          </ac:spMkLst>
-        </pc:spChg>
-        <pc:picChg chg="mod">
-          <ac:chgData name="Xin Luo" userId="82312ee5779919a4" providerId="LiveId" clId="{A508F461-0D73-864F-B88A-277BCD613B0A}" dt="2023-09-11T01:25:10.921" v="46" actId="1035"/>
-          <ac:picMkLst>
-            <pc:docMk/>
-            <pc:sldMk cId="2081473989" sldId="2748"/>
-            <ac:picMk id="8" creationId="{79143EB1-6171-6D6B-E065-52F98AD03CCA}"/>
-          </ac:picMkLst>
-        </pc:picChg>
-        <pc:picChg chg="mod">
-          <ac:chgData name="Xin Luo" userId="82312ee5779919a4" providerId="LiveId" clId="{A508F461-0D73-864F-B88A-277BCD613B0A}" dt="2023-09-11T01:25:10.921" v="46" actId="1035"/>
-          <ac:picMkLst>
-            <pc:docMk/>
-            <pc:sldMk cId="2081473989" sldId="2748"/>
-            <ac:picMk id="12" creationId="{CD5784D5-D55B-B02C-C48B-B4566A95D7A5}"/>
-          </ac:picMkLst>
-        </pc:picChg>
-      </pc:sldChg>
-      <pc:sldChg chg="modSp mod">
-        <pc:chgData name="Xin Luo" userId="82312ee5779919a4" providerId="LiveId" clId="{A508F461-0D73-864F-B88A-277BCD613B0A}" dt="2023-09-11T01:23:28.376" v="25" actId="1037"/>
-        <pc:sldMkLst>
-          <pc:docMk/>
-          <pc:sldMk cId="2927474256" sldId="2754"/>
-        </pc:sldMkLst>
-        <pc:spChg chg="mod">
-          <ac:chgData name="Xin Luo" userId="82312ee5779919a4" providerId="LiveId" clId="{A508F461-0D73-864F-B88A-277BCD613B0A}" dt="2023-09-11T01:23:28.376" v="25" actId="1037"/>
-          <ac:spMkLst>
-            <pc:docMk/>
-            <pc:sldMk cId="2927474256" sldId="2754"/>
-            <ac:spMk id="17" creationId="{8CFF8A22-C033-47DF-8707-CA76F142CBBA}"/>
-          </ac:spMkLst>
-        </pc:spChg>
-        <pc:grpChg chg="mod">
-          <ac:chgData name="Xin Luo" userId="82312ee5779919a4" providerId="LiveId" clId="{A508F461-0D73-864F-B88A-277BCD613B0A}" dt="2023-09-11T01:23:15.792" v="0" actId="1037"/>
-          <ac:grpSpMkLst>
-            <pc:docMk/>
-            <pc:sldMk cId="2927474256" sldId="2754"/>
-            <ac:grpSpMk id="20" creationId="{8AA7B3E2-1D42-96C9-43F0-1F320D3EFD63}"/>
-          </ac:grpSpMkLst>
-        </pc:grpChg>
-        <pc:picChg chg="mod">
-          <ac:chgData name="Xin Luo" userId="82312ee5779919a4" providerId="LiveId" clId="{A508F461-0D73-864F-B88A-277BCD613B0A}" dt="2023-09-11T01:23:18.846" v="10" actId="1038"/>
-          <ac:picMkLst>
-            <pc:docMk/>
-            <pc:sldMk cId="2927474256" sldId="2754"/>
-            <ac:picMk id="9" creationId="{0CF46726-2B51-43A4-FDEF-A6131C46F05F}"/>
-          </ac:picMkLst>
-        </pc:picChg>
-      </pc:sldChg>
-    </pc:docChg>
-  </pc:docChgLst>
-  <pc:docChgLst>
     <pc:chgData name="Xin Luo" userId="82312ee5779919a4" providerId="LiveId" clId="{82BFAA31-791A-9843-976C-3AAFAA5AC07D}"/>
     <pc:docChg chg="undo custSel addSld delSld modSld">
       <pc:chgData name="Xin Luo" userId="82312ee5779919a4" providerId="LiveId" clId="{82BFAA31-791A-9843-976C-3AAFAA5AC07D}" dt="2023-03-05T13:50:34.172" v="6224" actId="1035"/>
@@ -5920,6 +5789,138 @@
           <pc:docMk/>
           <pc:sldMk cId="1628918360" sldId="2751"/>
         </pc:sldMkLst>
+      </pc:sldChg>
+    </pc:docChg>
+  </pc:docChgLst>
+  <pc:docChgLst>
+    <pc:chgData name="Xin Luo" userId="82312ee5779919a4" providerId="LiveId" clId="{A508F461-0D73-864F-B88A-277BCD613B0A}"/>
+    <pc:docChg chg="modSld">
+      <pc:chgData name="Xin Luo" userId="82312ee5779919a4" providerId="LiveId" clId="{A508F461-0D73-864F-B88A-277BCD613B0A}" dt="2023-09-11T02:08:48.074" v="121" actId="1076"/>
+      <pc:docMkLst>
+        <pc:docMk/>
+      </pc:docMkLst>
+      <pc:sldChg chg="modSp mod">
+        <pc:chgData name="Xin Luo" userId="82312ee5779919a4" providerId="LiveId" clId="{A508F461-0D73-864F-B88A-277BCD613B0A}" dt="2023-09-11T01:25:36.157" v="49" actId="255"/>
+        <pc:sldMkLst>
+          <pc:docMk/>
+          <pc:sldMk cId="1209572041" sldId="2722"/>
+        </pc:sldMkLst>
+        <pc:spChg chg="mod">
+          <ac:chgData name="Xin Luo" userId="82312ee5779919a4" providerId="LiveId" clId="{A508F461-0D73-864F-B88A-277BCD613B0A}" dt="2023-09-11T01:25:36.157" v="49" actId="255"/>
+          <ac:spMkLst>
+            <pc:docMk/>
+            <pc:sldMk cId="1209572041" sldId="2722"/>
+            <ac:spMk id="13" creationId="{303BC878-BC57-D350-27A3-F03AE48213AC}"/>
+          </ac:spMkLst>
+        </pc:spChg>
+      </pc:sldChg>
+      <pc:sldChg chg="modSp mod">
+        <pc:chgData name="Xin Luo" userId="82312ee5779919a4" providerId="LiveId" clId="{A508F461-0D73-864F-B88A-277BCD613B0A}" dt="2023-09-11T02:08:48.074" v="121" actId="1076"/>
+        <pc:sldMkLst>
+          <pc:docMk/>
+          <pc:sldMk cId="3151170836" sldId="2742"/>
+        </pc:sldMkLst>
+        <pc:spChg chg="mod">
+          <ac:chgData name="Xin Luo" userId="82312ee5779919a4" providerId="LiveId" clId="{A508F461-0D73-864F-B88A-277BCD613B0A}" dt="2023-09-11T02:08:48.074" v="121" actId="1076"/>
+          <ac:spMkLst>
+            <pc:docMk/>
+            <pc:sldMk cId="3151170836" sldId="2742"/>
+            <ac:spMk id="6" creationId="{FA343B24-C04E-C7D0-D427-DA131ECB74AB}"/>
+          </ac:spMkLst>
+        </pc:spChg>
+      </pc:sldChg>
+      <pc:sldChg chg="modSp mod">
+        <pc:chgData name="Xin Luo" userId="82312ee5779919a4" providerId="LiveId" clId="{A508F461-0D73-864F-B88A-277BCD613B0A}" dt="2023-09-11T01:24:19.474" v="26" actId="255"/>
+        <pc:sldMkLst>
+          <pc:docMk/>
+          <pc:sldMk cId="3741103209" sldId="2745"/>
+        </pc:sldMkLst>
+        <pc:spChg chg="mod">
+          <ac:chgData name="Xin Luo" userId="82312ee5779919a4" providerId="LiveId" clId="{A508F461-0D73-864F-B88A-277BCD613B0A}" dt="2023-09-11T01:24:19.474" v="26" actId="255"/>
+          <ac:spMkLst>
+            <pc:docMk/>
+            <pc:sldMk cId="3741103209" sldId="2745"/>
+            <ac:spMk id="17" creationId="{9E05FFCA-3371-AF5C-381D-71D984055F5A}"/>
+          </ac:spMkLst>
+        </pc:spChg>
+      </pc:sldChg>
+      <pc:sldChg chg="modSp mod">
+        <pc:chgData name="Xin Luo" userId="82312ee5779919a4" providerId="LiveId" clId="{A508F461-0D73-864F-B88A-277BCD613B0A}" dt="2023-09-11T01:25:10.921" v="46" actId="1035"/>
+        <pc:sldMkLst>
+          <pc:docMk/>
+          <pc:sldMk cId="2081473989" sldId="2748"/>
+        </pc:sldMkLst>
+        <pc:spChg chg="mod">
+          <ac:chgData name="Xin Luo" userId="82312ee5779919a4" providerId="LiveId" clId="{A508F461-0D73-864F-B88A-277BCD613B0A}" dt="2023-09-11T01:25:10.921" v="46" actId="1035"/>
+          <ac:spMkLst>
+            <pc:docMk/>
+            <pc:sldMk cId="2081473989" sldId="2748"/>
+            <ac:spMk id="15" creationId="{DAE75BEB-15B0-6AD3-FEA5-24688F0C9399}"/>
+          </ac:spMkLst>
+        </pc:spChg>
+        <pc:spChg chg="mod">
+          <ac:chgData name="Xin Luo" userId="82312ee5779919a4" providerId="LiveId" clId="{A508F461-0D73-864F-B88A-277BCD613B0A}" dt="2023-09-11T01:25:10.921" v="46" actId="1035"/>
+          <ac:spMkLst>
+            <pc:docMk/>
+            <pc:sldMk cId="2081473989" sldId="2748"/>
+            <ac:spMk id="16" creationId="{011A1F98-9159-4FE6-698D-1B0B7EFC1F4C}"/>
+          </ac:spMkLst>
+        </pc:spChg>
+        <pc:spChg chg="mod">
+          <ac:chgData name="Xin Luo" userId="82312ee5779919a4" providerId="LiveId" clId="{A508F461-0D73-864F-B88A-277BCD613B0A}" dt="2023-09-11T01:25:03.190" v="37" actId="2710"/>
+          <ac:spMkLst>
+            <pc:docMk/>
+            <pc:sldMk cId="2081473989" sldId="2748"/>
+            <ac:spMk id="17" creationId="{9E05FFCA-3371-AF5C-381D-71D984055F5A}"/>
+          </ac:spMkLst>
+        </pc:spChg>
+        <pc:picChg chg="mod">
+          <ac:chgData name="Xin Luo" userId="82312ee5779919a4" providerId="LiveId" clId="{A508F461-0D73-864F-B88A-277BCD613B0A}" dt="2023-09-11T01:25:10.921" v="46" actId="1035"/>
+          <ac:picMkLst>
+            <pc:docMk/>
+            <pc:sldMk cId="2081473989" sldId="2748"/>
+            <ac:picMk id="8" creationId="{79143EB1-6171-6D6B-E065-52F98AD03CCA}"/>
+          </ac:picMkLst>
+        </pc:picChg>
+        <pc:picChg chg="mod">
+          <ac:chgData name="Xin Luo" userId="82312ee5779919a4" providerId="LiveId" clId="{A508F461-0D73-864F-B88A-277BCD613B0A}" dt="2023-09-11T01:25:10.921" v="46" actId="1035"/>
+          <ac:picMkLst>
+            <pc:docMk/>
+            <pc:sldMk cId="2081473989" sldId="2748"/>
+            <ac:picMk id="12" creationId="{CD5784D5-D55B-B02C-C48B-B4566A95D7A5}"/>
+          </ac:picMkLst>
+        </pc:picChg>
+      </pc:sldChg>
+      <pc:sldChg chg="modSp mod">
+        <pc:chgData name="Xin Luo" userId="82312ee5779919a4" providerId="LiveId" clId="{A508F461-0D73-864F-B88A-277BCD613B0A}" dt="2023-09-11T01:23:28.376" v="25" actId="1037"/>
+        <pc:sldMkLst>
+          <pc:docMk/>
+          <pc:sldMk cId="2927474256" sldId="2754"/>
+        </pc:sldMkLst>
+        <pc:spChg chg="mod">
+          <ac:chgData name="Xin Luo" userId="82312ee5779919a4" providerId="LiveId" clId="{A508F461-0D73-864F-B88A-277BCD613B0A}" dt="2023-09-11T01:23:28.376" v="25" actId="1037"/>
+          <ac:spMkLst>
+            <pc:docMk/>
+            <pc:sldMk cId="2927474256" sldId="2754"/>
+            <ac:spMk id="17" creationId="{8CFF8A22-C033-47DF-8707-CA76F142CBBA}"/>
+          </ac:spMkLst>
+        </pc:spChg>
+        <pc:grpChg chg="mod">
+          <ac:chgData name="Xin Luo" userId="82312ee5779919a4" providerId="LiveId" clId="{A508F461-0D73-864F-B88A-277BCD613B0A}" dt="2023-09-11T01:23:15.792" v="0" actId="1037"/>
+          <ac:grpSpMkLst>
+            <pc:docMk/>
+            <pc:sldMk cId="2927474256" sldId="2754"/>
+            <ac:grpSpMk id="20" creationId="{8AA7B3E2-1D42-96C9-43F0-1F320D3EFD63}"/>
+          </ac:grpSpMkLst>
+        </pc:grpChg>
+        <pc:picChg chg="mod">
+          <ac:chgData name="Xin Luo" userId="82312ee5779919a4" providerId="LiveId" clId="{A508F461-0D73-864F-B88A-277BCD613B0A}" dt="2023-09-11T01:23:18.846" v="10" actId="1038"/>
+          <ac:picMkLst>
+            <pc:docMk/>
+            <pc:sldMk cId="2927474256" sldId="2754"/>
+            <ac:picMk id="9" creationId="{0CF46726-2B51-43A4-FDEF-A6131C46F05F}"/>
+          </ac:picMkLst>
+        </pc:picChg>
       </pc:sldChg>
     </pc:docChg>
   </pc:docChgLst>
@@ -6333,7 +6334,7 @@
               </a14:hiddenFill>
             </a:ext>
             <a:ext uri="{FAA26D3D-D897-4be2-8F04-BA451C77F1D7}">
-              <ma14:placeholderFlag xmlns="" xmlns:ma14="http://schemas.microsoft.com/office/mac/drawingml/2011/main" val="1"/>
+              <ma14:placeholderFlag xmlns:ma14="http://schemas.microsoft.com/office/mac/drawingml/2011/main" xmlns="" val="1"/>
             </a:ext>
           </a:extLst>
         </p:spPr>
@@ -6717,7 +6718,7 @@
               </a14:hiddenLine>
             </a:ext>
             <a:ext uri="{FAA26D3D-D897-4be2-8F04-BA451C77F1D7}">
-              <ma14:placeholderFlag xmlns="" xmlns:ma14="http://schemas.microsoft.com/office/mac/drawingml/2011/main" val="1"/>
+              <ma14:placeholderFlag xmlns:ma14="http://schemas.microsoft.com/office/mac/drawingml/2011/main" xmlns="" val="1"/>
             </a:ext>
           </a:extLst>
         </p:spPr>
@@ -6811,6 +6812,80 @@
           <a:bodyPr/>
           <a:lstStyle/>
           <a:p>
+            <a:r>
+              <a:rPr lang="en-US" altLang="zh-CN" dirty="0"/>
+              <a:t>1. </a:t>
+            </a:r>
+            <a:r>
+              <a:rPr lang="en-US" altLang="zh-CN" dirty="0" err="1"/>
+              <a:t>Gdal</a:t>
+            </a:r>
+            <a:r>
+              <a:rPr lang="zh-CN" altLang="en-US" dirty="0"/>
+              <a:t>最开始开发的时候只考虑了对栅格数据的支持。为了对矢量数据支持，后来新增开发了</a:t>
+            </a:r>
+            <a:r>
+              <a:rPr lang="en-US" altLang="zh-CN" dirty="0" err="1"/>
+              <a:t>ogr</a:t>
+            </a:r>
+            <a:r>
+              <a:rPr lang="zh-CN" altLang="en-US" dirty="0"/>
+              <a:t>库，并合并到之前开发的</a:t>
+            </a:r>
+            <a:r>
+              <a:rPr lang="en-US" altLang="zh-CN" dirty="0" err="1"/>
+              <a:t>gdal</a:t>
+            </a:r>
+            <a:r>
+              <a:rPr lang="zh-CN" altLang="en-US" dirty="0"/>
+              <a:t>库中。</a:t>
+            </a:r>
+            <a:endParaRPr lang="en-US" altLang="zh-CN" dirty="0"/>
+          </a:p>
+          <a:p>
+            <a:r>
+              <a:rPr lang="en-US" altLang="zh-CN" dirty="0"/>
+              <a:t>2. </a:t>
+            </a:r>
+            <a:r>
+              <a:rPr lang="zh-CN" altLang="en-US" dirty="0"/>
+              <a:t>很多软件都使用</a:t>
+            </a:r>
+            <a:r>
+              <a:rPr lang="en-US" altLang="zh-CN" dirty="0" err="1"/>
+              <a:t>gdal</a:t>
+            </a:r>
+            <a:r>
+              <a:rPr lang="en-US" altLang="zh-CN" dirty="0"/>
+              <a:t>/</a:t>
+            </a:r>
+            <a:r>
+              <a:rPr lang="en-US" altLang="zh-CN" dirty="0" err="1"/>
+              <a:t>ogr</a:t>
+            </a:r>
+            <a:r>
+              <a:rPr lang="zh-CN" altLang="en-US" dirty="0"/>
+              <a:t>库，如</a:t>
+            </a:r>
+            <a:r>
+              <a:rPr lang="en-US" altLang="zh-CN" dirty="0" err="1"/>
+              <a:t>qgis</a:t>
+            </a:r>
+            <a:r>
+              <a:rPr lang="zh-CN" altLang="en-US" dirty="0"/>
+              <a:t>，</a:t>
+            </a:r>
+            <a:r>
+              <a:rPr lang="en-US" altLang="zh-CN" dirty="0" err="1"/>
+              <a:t>arcgis</a:t>
+            </a:r>
+            <a:r>
+              <a:rPr lang="zh-CN" altLang="en-US" dirty="0"/>
+              <a:t>等。</a:t>
+            </a:r>
+            <a:endParaRPr lang="en-US" altLang="zh-CN" dirty="0"/>
+          </a:p>
+          <a:p>
             <a:endParaRPr lang="zh-CN" altLang="en-US" dirty="0"/>
           </a:p>
         </p:txBody>
@@ -6818,7 +6893,7 @@
     </p:spTree>
     <p:extLst>
       <p:ext uri="{BB962C8B-B14F-4D97-AF65-F5344CB8AC3E}">
-        <p14:creationId xmlns:p14="http://schemas.microsoft.com/office/powerpoint/2010/main" val="2041643179"/>
+        <p14:creationId xmlns:p14="http://schemas.microsoft.com/office/powerpoint/2010/main" val="3835540603"/>
       </p:ext>
     </p:extLst>
   </p:cSld>
@@ -6879,7 +6954,7 @@
     </p:spTree>
     <p:extLst>
       <p:ext uri="{BB962C8B-B14F-4D97-AF65-F5344CB8AC3E}">
-        <p14:creationId xmlns:p14="http://schemas.microsoft.com/office/powerpoint/2010/main" val="3541083861"/>
+        <p14:creationId xmlns:p14="http://schemas.microsoft.com/office/powerpoint/2010/main" val="2041643179"/>
       </p:ext>
     </p:extLst>
   </p:cSld>
@@ -6933,17 +7008,14 @@
           <a:bodyPr/>
           <a:lstStyle/>
           <a:p>
-            <a:r>
-              <a:rPr lang="zh-CN" altLang="en-US" dirty="0"/>
-              <a:t>程序演示</a:t>
-            </a:r>
+            <a:endParaRPr lang="zh-CN" altLang="en-US" dirty="0"/>
           </a:p>
         </p:txBody>
       </p:sp>
     </p:spTree>
     <p:extLst>
       <p:ext uri="{BB962C8B-B14F-4D97-AF65-F5344CB8AC3E}">
-        <p14:creationId xmlns:p14="http://schemas.microsoft.com/office/powerpoint/2010/main" val="2293711763"/>
+        <p14:creationId xmlns:p14="http://schemas.microsoft.com/office/powerpoint/2010/main" val="3541083861"/>
       </p:ext>
     </p:extLst>
   </p:cSld>
@@ -7007,7 +7079,7 @@
     </p:spTree>
     <p:extLst>
       <p:ext uri="{BB962C8B-B14F-4D97-AF65-F5344CB8AC3E}">
-        <p14:creationId xmlns:p14="http://schemas.microsoft.com/office/powerpoint/2010/main" val="2391841681"/>
+        <p14:creationId xmlns:p14="http://schemas.microsoft.com/office/powerpoint/2010/main" val="2293711763"/>
       </p:ext>
     </p:extLst>
   </p:cSld>
@@ -7063,6 +7135,70 @@
           <a:p>
             <a:r>
               <a:rPr lang="zh-CN" altLang="en-US" dirty="0"/>
+              <a:t>程序演示</a:t>
+            </a:r>
+          </a:p>
+        </p:txBody>
+      </p:sp>
+    </p:spTree>
+    <p:extLst>
+      <p:ext uri="{BB962C8B-B14F-4D97-AF65-F5344CB8AC3E}">
+        <p14:creationId xmlns:p14="http://schemas.microsoft.com/office/powerpoint/2010/main" val="2391841681"/>
+      </p:ext>
+    </p:extLst>
+  </p:cSld>
+  <p:clrMapOvr>
+    <a:masterClrMapping/>
+  </p:clrMapOvr>
+</p:notes>
+</file>
+
+<file path=ppt/notesSlides/notesSlide15.xml><?xml version="1.0" encoding="utf-8"?>
+<p:notes xmlns:a="http://schemas.openxmlformats.org/drawingml/2006/main" xmlns:r="http://schemas.openxmlformats.org/officeDocument/2006/relationships" xmlns:p="http://schemas.openxmlformats.org/presentationml/2006/main">
+  <p:cSld>
+    <p:spTree>
+      <p:nvGrpSpPr>
+        <p:cNvPr id="1" name=""/>
+        <p:cNvGrpSpPr/>
+        <p:nvPr/>
+      </p:nvGrpSpPr>
+      <p:grpSpPr>
+        <a:xfrm>
+          <a:off x="0" y="0"/>
+          <a:ext cx="0" cy="0"/>
+          <a:chOff x="0" y="0"/>
+          <a:chExt cx="0" cy="0"/>
+        </a:xfrm>
+      </p:grpSpPr>
+      <p:sp>
+        <p:nvSpPr>
+          <p:cNvPr id="2" name="幻灯片图像占位符 1"/>
+          <p:cNvSpPr>
+            <a:spLocks noGrp="1" noRot="1" noChangeAspect="1"/>
+          </p:cNvSpPr>
+          <p:nvPr>
+            <p:ph type="sldImg"/>
+          </p:nvPr>
+        </p:nvSpPr>
+        <p:spPr/>
+      </p:sp>
+      <p:sp>
+        <p:nvSpPr>
+          <p:cNvPr id="3" name="备注占位符 2"/>
+          <p:cNvSpPr>
+            <a:spLocks noGrp="1"/>
+          </p:cNvSpPr>
+          <p:nvPr>
+            <p:ph type="body" idx="1"/>
+          </p:nvPr>
+        </p:nvSpPr>
+        <p:spPr/>
+        <p:txBody>
+          <a:bodyPr/>
+          <a:lstStyle/>
+          <a:p>
+            <a:r>
+              <a:rPr lang="zh-CN" altLang="en-US" dirty="0"/>
               <a:t>代码演示</a:t>
             </a:r>
           </a:p>
@@ -7081,7 +7217,7 @@
 </p:notes>
 </file>
 
-<file path=ppt/notesSlides/notesSlide15.xml><?xml version="1.0" encoding="utf-8"?>
+<file path=ppt/notesSlides/notesSlide16.xml><?xml version="1.0" encoding="utf-8"?>
 <p:notes xmlns:a="http://schemas.openxmlformats.org/drawingml/2006/main" xmlns:r="http://schemas.openxmlformats.org/officeDocument/2006/relationships" xmlns:p="http://schemas.openxmlformats.org/presentationml/2006/main">
   <p:cSld>
     <p:spTree>
@@ -7482,39 +7618,40 @@
           <a:lstStyle/>
           <a:p>
             <a:r>
-              <a:rPr lang="en-US" altLang="zh-CN" sz="1400" dirty="0">
-                <a:solidFill>
-                  <a:srgbClr val="151515"/>
-                </a:solidFill>
-                <a:latin typeface="+mn-ea"/>
-                <a:ea typeface="+mn-ea"/>
-              </a:rPr>
-              <a:t>1. </a:t>
-            </a:r>
-            <a:r>
-              <a:rPr lang="zh-CN" altLang="en-US" sz="1400" dirty="0">
-                <a:solidFill>
-                  <a:srgbClr val="151515"/>
-                </a:solidFill>
-                <a:latin typeface="+mn-ea"/>
-                <a:ea typeface="+mn-ea"/>
-              </a:rPr>
-              <a:t>假如没有规范，不同软件定义自己的数据格式，同一个数据无法再不同软件中进行处理。</a:t>
-            </a:r>
-            <a:endParaRPr lang="en-US" altLang="zh-CN" sz="1400" dirty="0">
-              <a:solidFill>
-                <a:srgbClr val="151515"/>
-              </a:solidFill>
-              <a:latin typeface="+mn-ea"/>
-              <a:ea typeface="+mn-ea"/>
-            </a:endParaRPr>
+              <a:rPr lang="en-US" altLang="zh-CN" dirty="0"/>
+              <a:t>Shapefile</a:t>
+            </a:r>
+            <a:r>
+              <a:rPr lang="zh-CN" altLang="en-US" dirty="0"/>
+              <a:t>格式</a:t>
+            </a:r>
+            <a:r>
+              <a:rPr lang="en-US" altLang="zh-CN" dirty="0"/>
+              <a:t>1</a:t>
+            </a:r>
+            <a:r>
+              <a:rPr lang="zh-CN" altLang="en-US" dirty="0"/>
+              <a:t>）</a:t>
+            </a:r>
+            <a:r>
+              <a:rPr lang="en-US" altLang="zh-CN" dirty="0"/>
+              <a:t>-3</a:t>
+            </a:r>
+            <a:r>
+              <a:rPr lang="zh-CN" altLang="en-US" dirty="0"/>
+              <a:t>）为强制需要。</a:t>
+            </a:r>
+            <a:endParaRPr lang="en-US" altLang="zh-CN" dirty="0"/>
+          </a:p>
+          <a:p>
+            <a:endParaRPr lang="en-US" altLang="zh-CN" dirty="0"/>
           </a:p>
         </p:txBody>
       </p:sp>
     </p:spTree>
     <p:extLst>
       <p:ext uri="{BB962C8B-B14F-4D97-AF65-F5344CB8AC3E}">
-        <p14:creationId xmlns:p14="http://schemas.microsoft.com/office/powerpoint/2010/main" val="2989207526"/>
+        <p14:creationId xmlns:p14="http://schemas.microsoft.com/office/powerpoint/2010/main" val="564573656"/>
       </p:ext>
     </p:extLst>
   </p:cSld>
@@ -7586,26 +7723,22 @@
                 <a:latin typeface="+mn-ea"/>
                 <a:ea typeface="+mn-ea"/>
               </a:rPr>
-              <a:t>所谓要素，简单地说就是一个独立的对象，在</a:t>
-            </a:r>
-            <a:r>
-              <a:rPr lang="zh-CN" altLang="en-US" sz="1200" dirty="0">
-                <a:solidFill>
-                  <a:srgbClr val="151515"/>
-                </a:solidFill>
-                <a:latin typeface="+mn-ea"/>
-                <a:ea typeface="+mn-ea"/>
-              </a:rPr>
-              <a:t>地图中可能表现为一个多边形建筑物，在数据库中即一个独立的条目。</a:t>
-            </a:r>
-            <a:endParaRPr lang="zh-CN" altLang="en-US" dirty="0"/>
+              <a:t>假如没有规范，不同软件定义自己的数据格式，同一个数据无法再不同软件中进行处理。</a:t>
+            </a:r>
+            <a:endParaRPr lang="en-US" altLang="zh-CN" sz="1400" dirty="0">
+              <a:solidFill>
+                <a:srgbClr val="151515"/>
+              </a:solidFill>
+              <a:latin typeface="+mn-ea"/>
+              <a:ea typeface="+mn-ea"/>
+            </a:endParaRPr>
           </a:p>
         </p:txBody>
       </p:sp>
     </p:spTree>
     <p:extLst>
       <p:ext uri="{BB962C8B-B14F-4D97-AF65-F5344CB8AC3E}">
-        <p14:creationId xmlns:p14="http://schemas.microsoft.com/office/powerpoint/2010/main" val="3317895790"/>
+        <p14:creationId xmlns:p14="http://schemas.microsoft.com/office/powerpoint/2010/main" val="2989207526"/>
       </p:ext>
     </p:extLst>
   </p:cSld>
@@ -7659,14 +7792,44 @@
           <a:bodyPr/>
           <a:lstStyle/>
           <a:p>
-            <a:endParaRPr lang="zh-CN" altLang="en-US"/>
+            <a:r>
+              <a:rPr lang="en-US" altLang="zh-CN" sz="1400" dirty="0">
+                <a:solidFill>
+                  <a:srgbClr val="151515"/>
+                </a:solidFill>
+                <a:latin typeface="+mn-ea"/>
+                <a:ea typeface="+mn-ea"/>
+              </a:rPr>
+              <a:t>1. </a:t>
+            </a:r>
+            <a:r>
+              <a:rPr lang="zh-CN" altLang="en-US" sz="1400" dirty="0">
+                <a:solidFill>
+                  <a:srgbClr val="151515"/>
+                </a:solidFill>
+                <a:latin typeface="+mn-ea"/>
+                <a:ea typeface="+mn-ea"/>
+              </a:rPr>
+              <a:t>所谓要素，简单地说就是一个独立的对象，在</a:t>
+            </a:r>
+            <a:r>
+              <a:rPr lang="zh-CN" altLang="en-US" sz="1200" dirty="0">
+                <a:solidFill>
+                  <a:srgbClr val="151515"/>
+                </a:solidFill>
+                <a:latin typeface="+mn-ea"/>
+                <a:ea typeface="+mn-ea"/>
+              </a:rPr>
+              <a:t>地图中可能表现为一个多边形建筑物，在数据库中即一个独立的条目。</a:t>
+            </a:r>
+            <a:endParaRPr lang="zh-CN" altLang="en-US" dirty="0"/>
           </a:p>
         </p:txBody>
       </p:sp>
     </p:spTree>
     <p:extLst>
       <p:ext uri="{BB962C8B-B14F-4D97-AF65-F5344CB8AC3E}">
-        <p14:creationId xmlns:p14="http://schemas.microsoft.com/office/powerpoint/2010/main" val="3570373068"/>
+        <p14:creationId xmlns:p14="http://schemas.microsoft.com/office/powerpoint/2010/main" val="3317895790"/>
       </p:ext>
     </p:extLst>
   </p:cSld>
@@ -7720,88 +7883,14 @@
           <a:bodyPr/>
           <a:lstStyle/>
           <a:p>
-            <a:r>
-              <a:rPr lang="en-US" altLang="zh-CN" dirty="0"/>
-              <a:t>1. </a:t>
-            </a:r>
-            <a:r>
-              <a:rPr lang="en-US" altLang="zh-CN" dirty="0" err="1"/>
-              <a:t>Gdal</a:t>
-            </a:r>
-            <a:r>
-              <a:rPr lang="zh-CN" altLang="en-US" dirty="0"/>
-              <a:t>最开始开发的时候只考虑了对栅格数据的支持。为了对矢量数据支持，后来新增开发了</a:t>
-            </a:r>
-            <a:r>
-              <a:rPr lang="en-US" altLang="zh-CN" dirty="0" err="1"/>
-              <a:t>ogr</a:t>
-            </a:r>
-            <a:r>
-              <a:rPr lang="zh-CN" altLang="en-US" dirty="0"/>
-              <a:t>库，并合并到之前开发的</a:t>
-            </a:r>
-            <a:r>
-              <a:rPr lang="en-US" altLang="zh-CN" dirty="0" err="1"/>
-              <a:t>gdal</a:t>
-            </a:r>
-            <a:r>
-              <a:rPr lang="zh-CN" altLang="en-US" dirty="0"/>
-              <a:t>库中。</a:t>
-            </a:r>
-            <a:endParaRPr lang="en-US" altLang="zh-CN" dirty="0"/>
-          </a:p>
-          <a:p>
-            <a:r>
-              <a:rPr lang="en-US" altLang="zh-CN" dirty="0"/>
-              <a:t>2. </a:t>
-            </a:r>
-            <a:r>
-              <a:rPr lang="zh-CN" altLang="en-US" dirty="0"/>
-              <a:t>很多软件都使用</a:t>
-            </a:r>
-            <a:r>
-              <a:rPr lang="en-US" altLang="zh-CN" dirty="0" err="1"/>
-              <a:t>gdal</a:t>
-            </a:r>
-            <a:r>
-              <a:rPr lang="en-US" altLang="zh-CN" dirty="0"/>
-              <a:t>/</a:t>
-            </a:r>
-            <a:r>
-              <a:rPr lang="en-US" altLang="zh-CN" dirty="0" err="1"/>
-              <a:t>ogr</a:t>
-            </a:r>
-            <a:r>
-              <a:rPr lang="zh-CN" altLang="en-US" dirty="0"/>
-              <a:t>库，如</a:t>
-            </a:r>
-            <a:r>
-              <a:rPr lang="en-US" altLang="zh-CN" dirty="0" err="1"/>
-              <a:t>qgis</a:t>
-            </a:r>
-            <a:r>
-              <a:rPr lang="zh-CN" altLang="en-US" dirty="0"/>
-              <a:t>，</a:t>
-            </a:r>
-            <a:r>
-              <a:rPr lang="en-US" altLang="zh-CN" dirty="0" err="1"/>
-              <a:t>arcgis</a:t>
-            </a:r>
-            <a:r>
-              <a:rPr lang="zh-CN" altLang="en-US" dirty="0"/>
-              <a:t>等。</a:t>
-            </a:r>
-            <a:endParaRPr lang="en-US" altLang="zh-CN" dirty="0"/>
-          </a:p>
-          <a:p>
-            <a:endParaRPr lang="zh-CN" altLang="en-US" dirty="0"/>
+            <a:endParaRPr lang="zh-CN" altLang="en-US"/>
           </a:p>
         </p:txBody>
       </p:sp>
     </p:spTree>
     <p:extLst>
       <p:ext uri="{BB962C8B-B14F-4D97-AF65-F5344CB8AC3E}">
-        <p14:creationId xmlns:p14="http://schemas.microsoft.com/office/powerpoint/2010/main" val="3835540603"/>
+        <p14:creationId xmlns:p14="http://schemas.microsoft.com/office/powerpoint/2010/main" val="3570373068"/>
       </p:ext>
     </p:extLst>
   </p:cSld>
@@ -9625,7 +9714,7 @@
               </a14:hiddenLine>
             </a:ext>
             <a:ext uri="{FAA26D3D-D897-4be2-8F04-BA451C77F1D7}">
-              <ma14:placeholderFlag xmlns="" xmlns:ma14="http://schemas.microsoft.com/office/mac/drawingml/2011/main" val="1"/>
+              <ma14:placeholderFlag xmlns:ma14="http://schemas.microsoft.com/office/mac/drawingml/2011/main" xmlns="" val="1"/>
             </a:ext>
           </a:extLst>
         </p:spPr>
@@ -13316,7 +13405,7 @@
               </a14:hiddenLine>
             </a:ext>
             <a:ext uri="{FAA26D3D-D897-4be2-8F04-BA451C77F1D7}">
-              <ma14:placeholderFlag xmlns="" xmlns:ma14="http://schemas.microsoft.com/office/mac/drawingml/2011/main" val="1"/>
+              <ma14:placeholderFlag xmlns:ma14="http://schemas.microsoft.com/office/mac/drawingml/2011/main" xmlns="" val="1"/>
             </a:ext>
           </a:extLst>
         </p:spPr>
@@ -15656,41 +15745,21 @@
               <a:rPr lang="zh-CN" altLang="en-US" dirty="0">
                 <a:latin typeface="+mn-ea"/>
               </a:rPr>
-              <a:t>一</a:t>
-            </a:r>
-            <a:r>
-              <a:rPr lang="en-US" altLang="zh-CN" dirty="0">
-                <a:latin typeface="+mn-ea"/>
-              </a:rPr>
-              <a:t>. </a:t>
+              <a:t>二、</a:t>
+            </a:r>
+            <a:r>
+              <a:rPr lang="en-US" altLang="zh-CN" sz="3600" b="1" dirty="0">
+                <a:latin typeface="微软雅黑" pitchFamily="34" charset="-122"/>
+                <a:ea typeface="微软雅黑" pitchFamily="34" charset="-122"/>
+              </a:rPr>
+              <a:t>OGR</a:t>
             </a:r>
             <a:r>
               <a:rPr lang="zh-CN" altLang="en-US" sz="3600" b="1" dirty="0">
                 <a:latin typeface="微软雅黑" pitchFamily="34" charset="-122"/>
                 <a:ea typeface="微软雅黑" pitchFamily="34" charset="-122"/>
               </a:rPr>
-              <a:t>开源</a:t>
-            </a:r>
-            <a:r>
-              <a:rPr lang="en-US" altLang="zh-CN" sz="3600" b="1" dirty="0">
-                <a:latin typeface="微软雅黑" pitchFamily="34" charset="-122"/>
-                <a:ea typeface="微软雅黑" pitchFamily="34" charset="-122"/>
-              </a:rPr>
-              <a:t>Linux</a:t>
-            </a:r>
-            <a:r>
-              <a:rPr lang="zh-CN" altLang="en-US" sz="3600" b="1" dirty="0">
-                <a:latin typeface="微软雅黑" pitchFamily="34" charset="-122"/>
-                <a:ea typeface="微软雅黑" pitchFamily="34" charset="-122"/>
-              </a:rPr>
-              <a:t>操作系统</a:t>
-            </a:r>
-            <a:r>
-              <a:rPr lang="zh-CN" altLang="en-US" dirty="0">
-                <a:latin typeface="微软雅黑" pitchFamily="34" charset="-122"/>
-                <a:ea typeface="微软雅黑" pitchFamily="34" charset="-122"/>
-              </a:rPr>
-              <a:t>简介</a:t>
+              <a:t>开源库介绍</a:t>
             </a:r>
             <a:endParaRPr lang="zh-CN" altLang="en-US" dirty="0"/>
           </a:p>
@@ -15750,14 +15819,14 @@
               <a:t>、</a:t>
             </a:r>
             <a:r>
-              <a:rPr lang="en-US" altLang="zh-CN" sz="2800" b="1" dirty="0" err="1">
+              <a:rPr lang="en-US" altLang="zh-CN" sz="2800" b="1" dirty="0">
                 <a:solidFill>
                   <a:srgbClr val="333333"/>
                 </a:solidFill>
                 <a:latin typeface="+mn-ea"/>
                 <a:ea typeface="+mn-ea"/>
               </a:rPr>
-              <a:t>ogr</a:t>
+              <a:t>OGR</a:t>
             </a:r>
             <a:r>
               <a:rPr lang="zh-CN" altLang="en-US" sz="2800" b="1" dirty="0">
@@ -15767,7 +15836,7 @@
                 <a:latin typeface="+mn-ea"/>
                 <a:ea typeface="+mn-ea"/>
               </a:rPr>
-              <a:t>体系构成</a:t>
+              <a:t>开源库简介</a:t>
             </a:r>
             <a:endParaRPr lang="en-US" altLang="zh-CN" sz="2800" b="1" dirty="0">
               <a:solidFill>
@@ -15781,10 +15850,10 @@
       </p:sp>
       <p:sp>
         <p:nvSpPr>
-          <p:cNvPr id="4" name="TextBox 4">
+          <p:cNvPr id="5" name="TextBox 4">
             <a:extLst>
               <a:ext uri="{FF2B5EF4-FFF2-40B4-BE49-F238E27FC236}">
-                <a16:creationId xmlns:a16="http://schemas.microsoft.com/office/drawing/2014/main" id="{D44C56F3-FFA7-3E9D-7AF2-7B99ECE7A75E}"/>
+                <a16:creationId xmlns:a16="http://schemas.microsoft.com/office/drawing/2014/main" id="{78502774-B04C-634F-1396-E5815996BC36}"/>
               </a:ext>
             </a:extLst>
           </p:cNvPr>
@@ -15793,8 +15862,8 @@
         </p:nvSpPr>
         <p:spPr>
           <a:xfrm>
-            <a:off x="528638" y="1522005"/>
-            <a:ext cx="8484733" cy="5161991"/>
+            <a:off x="602052" y="1310643"/>
+            <a:ext cx="8142703" cy="2817118"/>
           </a:xfrm>
           <a:prstGeom prst="rect">
             <a:avLst/>
@@ -15809,48 +15878,48 @@
           <a:p>
             <a:pPr algn="just">
               <a:lnSpc>
-                <a:spcPct val="150000"/>
+                <a:spcPct val="200000"/>
               </a:lnSpc>
             </a:pPr>
             <a:r>
-              <a:rPr lang="en-US" altLang="zh-CN" sz="2300" b="1" dirty="0" err="1">
-                <a:solidFill>
-                  <a:schemeClr val="accent2"/>
+              <a:rPr lang="en-US" altLang="zh-CN" sz="2300" dirty="0">
+                <a:solidFill>
+                  <a:srgbClr val="151515"/>
                 </a:solidFill>
                 <a:latin typeface="+mn-ea"/>
                 <a:ea typeface="+mn-ea"/>
               </a:rPr>
-              <a:t>OGRGeometry</a:t>
-            </a:r>
-            <a:r>
-              <a:rPr lang="zh-CN" altLang="en-US" sz="2300" b="1" dirty="0">
-                <a:solidFill>
-                  <a:schemeClr val="accent2"/>
+              <a:t>GDAL(Geospatial Data Abstraction Library)</a:t>
+            </a:r>
+            <a:r>
+              <a:rPr lang="zh-CN" altLang="en-US" sz="2300" dirty="0">
+                <a:solidFill>
+                  <a:srgbClr val="151515"/>
                 </a:solidFill>
                 <a:latin typeface="+mn-ea"/>
                 <a:ea typeface="+mn-ea"/>
               </a:rPr>
-              <a:t>几何类</a:t>
-            </a:r>
-            <a:r>
-              <a:rPr lang="zh-CN" altLang="en-US" sz="2300" dirty="0">
+              <a:t>是一个在</a:t>
+            </a:r>
+            <a:r>
+              <a:rPr lang="en-US" altLang="zh-CN" sz="2300" b="1" dirty="0">
                 <a:solidFill>
                   <a:srgbClr val="151515"/>
                 </a:solidFill>
                 <a:latin typeface="+mn-ea"/>
                 <a:ea typeface="+mn-ea"/>
               </a:rPr>
-              <a:t>：其封装了</a:t>
-            </a:r>
-            <a:r>
-              <a:rPr lang="en-US" altLang="zh-CN" sz="2300" dirty="0" err="1">
+              <a:t>MIT</a:t>
+            </a:r>
+            <a:r>
+              <a:rPr lang="zh-CN" altLang="en-US" sz="2300" b="1" dirty="0">
                 <a:solidFill>
                   <a:srgbClr val="151515"/>
                 </a:solidFill>
                 <a:latin typeface="+mn-ea"/>
                 <a:ea typeface="+mn-ea"/>
               </a:rPr>
-              <a:t>OpenGIS</a:t>
+              <a:t>许可协议</a:t>
             </a:r>
             <a:r>
               <a:rPr lang="zh-CN" altLang="en-US" sz="2300" dirty="0">
@@ -15860,7 +15929,7 @@
                 <a:latin typeface="+mn-ea"/>
                 <a:ea typeface="+mn-ea"/>
               </a:rPr>
-              <a:t>模型的矢量数据，提供了一系列几何操作。</a:t>
+              <a:t>下的开源地理空间数据转换库，其利用抽象数据模型来表达不同格式的地理空间数据，同时提供一系列插件和命令行工具来进行数据转换和处理。</a:t>
             </a:r>
             <a:endParaRPr lang="en-US" altLang="zh-CN" sz="2300" dirty="0">
               <a:solidFill>
@@ -15870,247 +15939,170 @@
               <a:ea typeface="+mn-ea"/>
             </a:endParaRPr>
           </a:p>
+        </p:txBody>
+      </p:sp>
+      <p:pic>
+        <p:nvPicPr>
+          <p:cNvPr id="9" name="图片 8">
+            <a:extLst>
+              <a:ext uri="{FF2B5EF4-FFF2-40B4-BE49-F238E27FC236}">
+                <a16:creationId xmlns:a16="http://schemas.microsoft.com/office/drawing/2014/main" id="{08E66899-20C8-81E2-C69D-7621CCDE72B8}"/>
+              </a:ext>
+            </a:extLst>
+          </p:cNvPr>
+          <p:cNvPicPr>
+            <a:picLocks noChangeAspect="1"/>
+          </p:cNvPicPr>
+          <p:nvPr/>
+        </p:nvPicPr>
+        <p:blipFill>
+          <a:blip r:embed="rId3"/>
+          <a:stretch>
+            <a:fillRect/>
+          </a:stretch>
+        </p:blipFill>
+        <p:spPr>
+          <a:xfrm>
+            <a:off x="6334897" y="4082831"/>
+            <a:ext cx="2722605" cy="2375938"/>
+          </a:xfrm>
+          <a:prstGeom prst="rect">
+            <a:avLst/>
+          </a:prstGeom>
+        </p:spPr>
+      </p:pic>
+      <p:sp>
+        <p:nvSpPr>
+          <p:cNvPr id="8" name="文本框 7">
+            <a:extLst>
+              <a:ext uri="{FF2B5EF4-FFF2-40B4-BE49-F238E27FC236}">
+                <a16:creationId xmlns:a16="http://schemas.microsoft.com/office/drawing/2014/main" id="{3E2DA626-2B5A-D348-D829-F56EE4D32393}"/>
+              </a:ext>
+            </a:extLst>
+          </p:cNvPr>
+          <p:cNvSpPr txBox="1"/>
+          <p:nvPr/>
+        </p:nvSpPr>
+        <p:spPr>
+          <a:xfrm>
+            <a:off x="602052" y="3981122"/>
+            <a:ext cx="6083670" cy="2817118"/>
+          </a:xfrm>
+          <a:prstGeom prst="rect">
+            <a:avLst/>
+          </a:prstGeom>
+          <a:noFill/>
+        </p:spPr>
+        <p:txBody>
+          <a:bodyPr wrap="square">
+            <a:spAutoFit/>
+          </a:bodyPr>
+          <a:lstStyle/>
           <a:p>
             <a:pPr algn="just">
               <a:lnSpc>
-                <a:spcPct val="150000"/>
+                <a:spcPct val="200000"/>
               </a:lnSpc>
             </a:pPr>
             <a:r>
-              <a:rPr lang="en-US" altLang="zh-CN" sz="2300" b="1" dirty="0" err="1">
-                <a:solidFill>
-                  <a:schemeClr val="accent2"/>
+              <a:rPr lang="en-US" altLang="zh-CN" sz="2300" b="1" dirty="0">
+                <a:solidFill>
+                  <a:srgbClr val="151515"/>
                 </a:solidFill>
                 <a:latin typeface="+mn-ea"/>
                 <a:ea typeface="+mn-ea"/>
               </a:rPr>
-              <a:t>OGRSpatialReference</a:t>
+              <a:t>OGR</a:t>
             </a:r>
             <a:r>
               <a:rPr lang="zh-CN" altLang="en-US" sz="2300" b="1" dirty="0">
                 <a:solidFill>
-                  <a:schemeClr val="accent2"/>
+                  <a:srgbClr val="151515"/>
                 </a:solidFill>
                 <a:latin typeface="+mn-ea"/>
                 <a:ea typeface="+mn-ea"/>
               </a:rPr>
-              <a:t>空间参考类</a:t>
-            </a:r>
-            <a:r>
-              <a:rPr lang="zh-CN" altLang="en-US" sz="2300" b="1" dirty="0">
+              <a:t>是</a:t>
+            </a:r>
+            <a:r>
+              <a:rPr lang="en-US" altLang="zh-CN" sz="2300" b="1" dirty="0">
                 <a:solidFill>
                   <a:srgbClr val="151515"/>
                 </a:solidFill>
                 <a:latin typeface="+mn-ea"/>
                 <a:ea typeface="+mn-ea"/>
               </a:rPr>
-              <a:t>：用于</a:t>
-            </a:r>
-            <a:r>
-              <a:rPr lang="zh-CN" altLang="en-US" sz="2300" dirty="0">
+              <a:t>GDAL</a:t>
+            </a:r>
+            <a:r>
+              <a:rPr lang="zh-CN" altLang="en-US" sz="2300" b="1" dirty="0">
                 <a:solidFill>
                   <a:srgbClr val="151515"/>
                 </a:solidFill>
                 <a:latin typeface="+mn-ea"/>
                 <a:ea typeface="+mn-ea"/>
               </a:rPr>
-              <a:t>定义投影和水准面。</a:t>
-            </a:r>
-            <a:endParaRPr lang="en-US" altLang="zh-CN" sz="2300" dirty="0">
-              <a:solidFill>
-                <a:srgbClr val="151515"/>
-              </a:solidFill>
-              <a:latin typeface="+mn-ea"/>
-              <a:ea typeface="+mn-ea"/>
-            </a:endParaRPr>
-          </a:p>
-          <a:p>
-            <a:pPr algn="just">
-              <a:lnSpc>
-                <a:spcPct val="150000"/>
-              </a:lnSpc>
-            </a:pPr>
-            <a:r>
-              <a:rPr lang="en-US" altLang="zh-CN" sz="2300" b="1" dirty="0" err="1">
-                <a:solidFill>
-                  <a:schemeClr val="accent2"/>
+              <a:t>项目的一个分支</a:t>
+            </a:r>
+            <a:r>
+              <a:rPr lang="zh-CN" altLang="en-US" sz="2300" dirty="0">
+                <a:solidFill>
+                  <a:srgbClr val="151515"/>
                 </a:solidFill>
                 <a:latin typeface="+mn-ea"/>
                 <a:ea typeface="+mn-ea"/>
               </a:rPr>
-              <a:t>OGRFeature</a:t>
-            </a:r>
-            <a:r>
-              <a:rPr lang="zh-CN" altLang="en-US" sz="2300" b="1" dirty="0">
-                <a:solidFill>
-                  <a:schemeClr val="accent2"/>
+              <a:t>，主要用于地理矢量数据读写、处理及分析的开源库。</a:t>
+            </a:r>
+            <a:r>
+              <a:rPr lang="en-US" altLang="zh-CN" sz="2300" dirty="0">
+                <a:solidFill>
+                  <a:srgbClr val="151515"/>
                 </a:solidFill>
                 <a:latin typeface="+mn-ea"/>
                 <a:ea typeface="+mn-ea"/>
               </a:rPr>
-              <a:t>要素类</a:t>
-            </a:r>
-            <a:r>
-              <a:rPr lang="zh-CN" altLang="en-US" sz="2300" b="1" dirty="0">
+              <a:t>GDAL/OGR</a:t>
+            </a:r>
+            <a:r>
+              <a:rPr lang="zh-CN" altLang="en-US" sz="2300" dirty="0">
                 <a:solidFill>
                   <a:srgbClr val="151515"/>
                 </a:solidFill>
                 <a:latin typeface="+mn-ea"/>
                 <a:ea typeface="+mn-ea"/>
               </a:rPr>
-              <a:t>：用于定义</a:t>
-            </a:r>
-            <a:r>
-              <a:rPr lang="zh-CN" altLang="en-US" sz="2300" dirty="0">
+              <a:t>是由</a:t>
+            </a:r>
+            <a:r>
+              <a:rPr lang="en-US" altLang="zh-CN" sz="2300" b="1" dirty="0">
                 <a:solidFill>
                   <a:srgbClr val="151515"/>
                 </a:solidFill>
                 <a:latin typeface="+mn-ea"/>
                 <a:ea typeface="+mn-ea"/>
               </a:rPr>
-              <a:t>几何和属性信息。</a:t>
-            </a:r>
-            <a:endParaRPr lang="en-US" altLang="zh-CN" sz="2300" dirty="0">
-              <a:solidFill>
-                <a:srgbClr val="151515"/>
-              </a:solidFill>
-              <a:latin typeface="+mn-ea"/>
-              <a:ea typeface="+mn-ea"/>
-            </a:endParaRPr>
-          </a:p>
-          <a:p>
-            <a:pPr algn="just">
-              <a:lnSpc>
-                <a:spcPct val="150000"/>
-              </a:lnSpc>
-            </a:pPr>
-            <a:r>
-              <a:rPr lang="en-US" altLang="zh-CN" sz="2300" b="1" dirty="0" err="1">
-                <a:solidFill>
-                  <a:schemeClr val="accent2"/>
+              <a:t>C++</a:t>
+            </a:r>
+            <a:r>
+              <a:rPr lang="zh-CN" altLang="en-US" sz="2300" b="1" dirty="0">
+                <a:solidFill>
+                  <a:srgbClr val="151515"/>
                 </a:solidFill>
                 <a:latin typeface="+mn-ea"/>
                 <a:ea typeface="+mn-ea"/>
               </a:rPr>
-              <a:t>OGRLayer</a:t>
-            </a:r>
-            <a:r>
-              <a:rPr lang="zh-CN" altLang="en-US" sz="2300" b="1" dirty="0">
-                <a:solidFill>
-                  <a:schemeClr val="accent2"/>
+              <a:t>编程语言</a:t>
+            </a:r>
+            <a:r>
+              <a:rPr lang="zh-CN" altLang="en-US" sz="2300" dirty="0">
+                <a:solidFill>
+                  <a:srgbClr val="151515"/>
                 </a:solidFill>
                 <a:latin typeface="+mn-ea"/>
                 <a:ea typeface="+mn-ea"/>
               </a:rPr>
-              <a:t>图层类</a:t>
-            </a:r>
-            <a:r>
-              <a:rPr lang="zh-CN" altLang="en-US" sz="2300" b="1" dirty="0">
-                <a:solidFill>
-                  <a:srgbClr val="151515"/>
-                </a:solidFill>
-                <a:latin typeface="+mn-ea"/>
-                <a:ea typeface="+mn-ea"/>
-              </a:rPr>
-              <a:t>：定义</a:t>
-            </a:r>
-            <a:r>
-              <a:rPr lang="zh-CN" altLang="en-US" sz="2300" dirty="0">
-                <a:solidFill>
-                  <a:srgbClr val="151515"/>
-                </a:solidFill>
-                <a:latin typeface="+mn-ea"/>
-                <a:ea typeface="+mn-ea"/>
-              </a:rPr>
-              <a:t>同类型要素集合。</a:t>
-            </a:r>
-            <a:endParaRPr lang="en-US" altLang="zh-CN" sz="2300" dirty="0">
-              <a:solidFill>
-                <a:srgbClr val="151515"/>
-              </a:solidFill>
-              <a:latin typeface="+mn-ea"/>
-              <a:ea typeface="+mn-ea"/>
-            </a:endParaRPr>
-          </a:p>
-          <a:p>
-            <a:pPr algn="just">
-              <a:lnSpc>
-                <a:spcPct val="150000"/>
-              </a:lnSpc>
-            </a:pPr>
-            <a:r>
-              <a:rPr lang="en-US" altLang="zh-CN" sz="2300" b="1" dirty="0" err="1">
-                <a:solidFill>
-                  <a:schemeClr val="accent2"/>
-                </a:solidFill>
-                <a:latin typeface="+mn-ea"/>
-                <a:ea typeface="+mn-ea"/>
-              </a:rPr>
-              <a:t>OGRDataSource</a:t>
-            </a:r>
-            <a:r>
-              <a:rPr lang="zh-CN" altLang="en-US" sz="2300" b="1" dirty="0">
-                <a:solidFill>
-                  <a:schemeClr val="accent2"/>
-                </a:solidFill>
-                <a:latin typeface="+mn-ea"/>
-                <a:ea typeface="+mn-ea"/>
-              </a:rPr>
-              <a:t>数据源类</a:t>
-            </a:r>
-            <a:r>
-              <a:rPr lang="zh-CN" altLang="en-US" sz="2300" dirty="0">
-                <a:solidFill>
-                  <a:srgbClr val="151515"/>
-                </a:solidFill>
-                <a:latin typeface="+mn-ea"/>
-                <a:ea typeface="+mn-ea"/>
-              </a:rPr>
-              <a:t>，用于存储矢量数据的文件或数据库对象。</a:t>
-            </a:r>
-            <a:endParaRPr lang="en-US" altLang="zh-CN" sz="2300" dirty="0">
-              <a:solidFill>
-                <a:srgbClr val="151515"/>
-              </a:solidFill>
-              <a:latin typeface="+mn-ea"/>
-              <a:ea typeface="+mn-ea"/>
-            </a:endParaRPr>
-          </a:p>
-          <a:p>
-            <a:pPr algn="just">
-              <a:lnSpc>
-                <a:spcPct val="150000"/>
-              </a:lnSpc>
-            </a:pPr>
-            <a:r>
-              <a:rPr lang="en-US" altLang="zh-CN" sz="2300" b="1" dirty="0" err="1">
-                <a:solidFill>
-                  <a:schemeClr val="accent2"/>
-                </a:solidFill>
-                <a:latin typeface="+mn-ea"/>
-                <a:ea typeface="+mn-ea"/>
-              </a:rPr>
-              <a:t>OGRDriver</a:t>
-            </a:r>
-            <a:r>
-              <a:rPr lang="zh-CN" altLang="en-US" sz="2300" b="1" dirty="0">
-                <a:solidFill>
-                  <a:schemeClr val="accent2"/>
-                </a:solidFill>
-                <a:latin typeface="+mn-ea"/>
-                <a:ea typeface="+mn-ea"/>
-              </a:rPr>
-              <a:t>驱动类</a:t>
-            </a:r>
-            <a:r>
-              <a:rPr lang="zh-CN" altLang="en-US" sz="2300" dirty="0">
-                <a:solidFill>
-                  <a:srgbClr val="151515"/>
-                </a:solidFill>
-                <a:latin typeface="+mn-ea"/>
-                <a:ea typeface="+mn-ea"/>
-              </a:rPr>
-              <a:t>，用于注册和读写对应类型的数据。</a:t>
+              <a:t>开发，其提供多种编程语言应用程序接口。</a:t>
             </a:r>
           </a:p>
         </p:txBody>
@@ -16118,7 +16110,7 @@
     </p:spTree>
     <p:extLst>
       <p:ext uri="{BB962C8B-B14F-4D97-AF65-F5344CB8AC3E}">
-        <p14:creationId xmlns:p14="http://schemas.microsoft.com/office/powerpoint/2010/main" val="655142816"/>
+        <p14:creationId xmlns:p14="http://schemas.microsoft.com/office/powerpoint/2010/main" val="2745752494"/>
       </p:ext>
     </p:extLst>
   </p:cSld>
@@ -16172,41 +16164,21 @@
               <a:rPr lang="zh-CN" altLang="en-US" dirty="0">
                 <a:latin typeface="+mn-ea"/>
               </a:rPr>
-              <a:t>一</a:t>
-            </a:r>
-            <a:r>
-              <a:rPr lang="en-US" altLang="zh-CN" dirty="0">
-                <a:latin typeface="+mn-ea"/>
-              </a:rPr>
-              <a:t>. </a:t>
+              <a:t>二、</a:t>
+            </a:r>
+            <a:r>
+              <a:rPr lang="en-US" altLang="zh-CN" sz="3600" b="1" dirty="0">
+                <a:latin typeface="微软雅黑" pitchFamily="34" charset="-122"/>
+                <a:ea typeface="微软雅黑" pitchFamily="34" charset="-122"/>
+              </a:rPr>
+              <a:t>OGR</a:t>
             </a:r>
             <a:r>
               <a:rPr lang="zh-CN" altLang="en-US" sz="3600" b="1" dirty="0">
                 <a:latin typeface="微软雅黑" pitchFamily="34" charset="-122"/>
                 <a:ea typeface="微软雅黑" pitchFamily="34" charset="-122"/>
               </a:rPr>
-              <a:t>开源</a:t>
-            </a:r>
-            <a:r>
-              <a:rPr lang="en-US" altLang="zh-CN" sz="3600" b="1" dirty="0">
-                <a:latin typeface="微软雅黑" pitchFamily="34" charset="-122"/>
-                <a:ea typeface="微软雅黑" pitchFamily="34" charset="-122"/>
-              </a:rPr>
-              <a:t>Linux</a:t>
-            </a:r>
-            <a:r>
-              <a:rPr lang="zh-CN" altLang="en-US" sz="3600" b="1" dirty="0">
-                <a:latin typeface="微软雅黑" pitchFamily="34" charset="-122"/>
-                <a:ea typeface="微软雅黑" pitchFamily="34" charset="-122"/>
-              </a:rPr>
-              <a:t>操作系统</a:t>
-            </a:r>
-            <a:r>
-              <a:rPr lang="zh-CN" altLang="en-US" dirty="0">
-                <a:latin typeface="微软雅黑" pitchFamily="34" charset="-122"/>
-                <a:ea typeface="微软雅黑" pitchFamily="34" charset="-122"/>
-              </a:rPr>
-              <a:t>简介</a:t>
+              <a:t>开源库介绍</a:t>
             </a:r>
             <a:endParaRPr lang="zh-CN" altLang="en-US" dirty="0"/>
           </a:p>
@@ -16283,7 +16255,7 @@
                 <a:latin typeface="+mn-ea"/>
                 <a:ea typeface="+mn-ea"/>
               </a:rPr>
-              <a:t>体系结构</a:t>
+              <a:t>体系构成</a:t>
             </a:r>
             <a:endParaRPr lang="en-US" altLang="zh-CN" sz="2800" b="1" dirty="0">
               <a:solidFill>
@@ -16309,8 +16281,8 @@
         </p:nvSpPr>
         <p:spPr>
           <a:xfrm>
-            <a:off x="528639" y="1480306"/>
-            <a:ext cx="8372468" cy="1319720"/>
+            <a:off x="412750" y="1522005"/>
+            <a:ext cx="8600621" cy="5161991"/>
           </a:xfrm>
           <a:prstGeom prst="rect">
             <a:avLst/>
@@ -16329,36 +16301,80 @@
               </a:lnSpc>
             </a:pPr>
             <a:r>
-              <a:rPr lang="en-US" altLang="zh-CN" sz="2400" b="1" dirty="0" err="1">
+              <a:rPr lang="en-US" altLang="zh-CN" sz="2300" b="1" dirty="0" err="1">
                 <a:solidFill>
                   <a:schemeClr val="accent2"/>
                 </a:solidFill>
                 <a:latin typeface="+mn-ea"/>
                 <a:ea typeface="+mn-ea"/>
               </a:rPr>
-              <a:t>OGRGeometry</a:t>
-            </a:r>
-            <a:r>
-              <a:rPr lang="zh-CN" altLang="en-US" sz="2400" b="1" dirty="0">
+              <a:t>OGRDriver</a:t>
+            </a:r>
+            <a:r>
+              <a:rPr lang="zh-CN" altLang="en-US" sz="2300" b="1" dirty="0">
                 <a:solidFill>
                   <a:schemeClr val="accent2"/>
                 </a:solidFill>
                 <a:latin typeface="+mn-ea"/>
                 <a:ea typeface="+mn-ea"/>
               </a:rPr>
-              <a:t>类</a:t>
-            </a:r>
-            <a:r>
-              <a:rPr lang="zh-CN" altLang="en-US" sz="2400" dirty="0">
+              <a:t>驱动类</a:t>
+            </a:r>
+            <a:r>
+              <a:rPr lang="zh-CN" altLang="en-US" sz="2300" dirty="0">
                 <a:solidFill>
                   <a:srgbClr val="151515"/>
                 </a:solidFill>
                 <a:latin typeface="+mn-ea"/>
                 <a:ea typeface="+mn-ea"/>
               </a:rPr>
-              <a:t>结构</a:t>
-            </a:r>
-            <a:endParaRPr lang="en-US" altLang="zh-CN" sz="2200" b="1" u="sng" dirty="0">
+              <a:t>，用于注册和读写对应类型的数据。</a:t>
+            </a:r>
+            <a:endParaRPr lang="en-US" altLang="zh-CN" sz="2300" b="1" dirty="0">
+              <a:solidFill>
+                <a:schemeClr val="accent2"/>
+              </a:solidFill>
+              <a:latin typeface="+mn-ea"/>
+              <a:ea typeface="+mn-ea"/>
+            </a:endParaRPr>
+          </a:p>
+          <a:p>
+            <a:pPr algn="just">
+              <a:lnSpc>
+                <a:spcPct val="150000"/>
+              </a:lnSpc>
+            </a:pPr>
+            <a:r>
+              <a:rPr lang="en-US" altLang="zh-CN" sz="2300" b="1" dirty="0" err="1">
+                <a:solidFill>
+                  <a:schemeClr val="accent2"/>
+                </a:solidFill>
+                <a:latin typeface="+mn-ea"/>
+                <a:ea typeface="+mn-ea"/>
+              </a:rPr>
+              <a:t>OGRDataSource</a:t>
+            </a:r>
+            <a:r>
+              <a:rPr lang="zh-CN" altLang="en-US" sz="2300" b="1" dirty="0">
+                <a:solidFill>
+                  <a:schemeClr val="accent2"/>
+                </a:solidFill>
+                <a:latin typeface="+mn-ea"/>
+                <a:ea typeface="+mn-ea"/>
+              </a:rPr>
+              <a:t>数据源类</a:t>
+            </a:r>
+            <a:r>
+              <a:rPr lang="zh-CN" altLang="en-US" sz="2300" dirty="0">
+                <a:solidFill>
+                  <a:srgbClr val="151515"/>
+                </a:solidFill>
+                <a:latin typeface="+mn-ea"/>
+                <a:ea typeface="+mn-ea"/>
+              </a:rPr>
+              <a:t>，用于存储矢量数据的文件或数据库对象。</a:t>
+            </a:r>
+            <a:endParaRPr lang="en-US" altLang="zh-CN" sz="2300" dirty="0">
               <a:solidFill>
                 <a:srgbClr val="151515"/>
               </a:solidFill>
@@ -16373,16 +16389,46 @@
               </a:lnSpc>
             </a:pPr>
             <a:r>
-              <a:rPr lang="zh-CN" altLang="en-US" dirty="0">
-                <a:solidFill>
-                  <a:srgbClr val="151515"/>
+              <a:rPr lang="en-US" altLang="zh-CN" sz="2300" b="1" dirty="0" err="1">
+                <a:solidFill>
+                  <a:schemeClr val="accent2"/>
                 </a:solidFill>
                 <a:latin typeface="+mn-ea"/>
                 <a:ea typeface="+mn-ea"/>
               </a:rPr>
-              <a:t>几何类用于表示各种几何矢量，其继承关系如下：</a:t>
-            </a:r>
-            <a:endParaRPr lang="en-US" altLang="zh-CN" dirty="0">
+              <a:t>OGRLayer</a:t>
+            </a:r>
+            <a:r>
+              <a:rPr lang="zh-CN" altLang="en-US" sz="2300" b="1" dirty="0">
+                <a:solidFill>
+                  <a:schemeClr val="accent2"/>
+                </a:solidFill>
+                <a:latin typeface="+mn-ea"/>
+                <a:ea typeface="+mn-ea"/>
+              </a:rPr>
+              <a:t>图层类</a:t>
+            </a:r>
+            <a:r>
+              <a:rPr lang="zh-CN" altLang="en-US" sz="2300" b="1" dirty="0">
+                <a:solidFill>
+                  <a:srgbClr val="151515"/>
+                </a:solidFill>
+                <a:latin typeface="+mn-ea"/>
+                <a:ea typeface="+mn-ea"/>
+              </a:rPr>
+              <a:t>：</a:t>
+            </a:r>
+            <a:r>
+              <a:rPr lang="zh-CN" altLang="en-US" sz="2300" dirty="0">
+                <a:solidFill>
+                  <a:srgbClr val="151515"/>
+                </a:solidFill>
+                <a:latin typeface="+mn-ea"/>
+                <a:ea typeface="+mn-ea"/>
+              </a:rPr>
+              <a:t>定义同类型要素集合。</a:t>
+            </a:r>
+            <a:endParaRPr lang="en-US" altLang="zh-CN" sz="2300" dirty="0">
               <a:solidFill>
                 <a:srgbClr val="151515"/>
               </a:solidFill>
@@ -16390,966 +16436,184 @@
               <a:ea typeface="+mn-ea"/>
             </a:endParaRPr>
           </a:p>
+          <a:p>
+            <a:pPr algn="just">
+              <a:lnSpc>
+                <a:spcPct val="150000"/>
+              </a:lnSpc>
+            </a:pPr>
+            <a:r>
+              <a:rPr lang="en-US" altLang="zh-CN" sz="2300" b="1" dirty="0" err="1">
+                <a:solidFill>
+                  <a:schemeClr val="accent2"/>
+                </a:solidFill>
+                <a:latin typeface="+mn-ea"/>
+                <a:ea typeface="+mn-ea"/>
+              </a:rPr>
+              <a:t>OGRFeature</a:t>
+            </a:r>
+            <a:r>
+              <a:rPr lang="zh-CN" altLang="en-US" sz="2300" b="1" dirty="0">
+                <a:solidFill>
+                  <a:schemeClr val="accent2"/>
+                </a:solidFill>
+                <a:latin typeface="+mn-ea"/>
+                <a:ea typeface="+mn-ea"/>
+              </a:rPr>
+              <a:t>要素类</a:t>
+            </a:r>
+            <a:r>
+              <a:rPr lang="zh-CN" altLang="en-US" sz="2300" b="1" dirty="0">
+                <a:solidFill>
+                  <a:srgbClr val="151515"/>
+                </a:solidFill>
+                <a:latin typeface="+mn-ea"/>
+                <a:ea typeface="+mn-ea"/>
+              </a:rPr>
+              <a:t>：</a:t>
+            </a:r>
+            <a:r>
+              <a:rPr lang="zh-CN" altLang="en-US" sz="2300" dirty="0">
+                <a:solidFill>
+                  <a:srgbClr val="151515"/>
+                </a:solidFill>
+                <a:latin typeface="+mn-ea"/>
+                <a:ea typeface="+mn-ea"/>
+              </a:rPr>
+              <a:t>用于定义几何和属性信息。</a:t>
+            </a:r>
+            <a:endParaRPr lang="en-US" altLang="zh-CN" sz="2300" dirty="0">
+              <a:solidFill>
+                <a:srgbClr val="151515"/>
+              </a:solidFill>
+              <a:latin typeface="+mn-ea"/>
+              <a:ea typeface="+mn-ea"/>
+            </a:endParaRPr>
+          </a:p>
+          <a:p>
+            <a:pPr algn="just">
+              <a:lnSpc>
+                <a:spcPct val="150000"/>
+              </a:lnSpc>
+            </a:pPr>
+            <a:r>
+              <a:rPr lang="en-US" altLang="zh-CN" sz="2300" b="1" dirty="0" err="1">
+                <a:solidFill>
+                  <a:schemeClr val="accent2"/>
+                </a:solidFill>
+                <a:latin typeface="+mn-ea"/>
+                <a:ea typeface="+mn-ea"/>
+              </a:rPr>
+              <a:t>OGRGeometry</a:t>
+            </a:r>
+            <a:r>
+              <a:rPr lang="zh-CN" altLang="en-US" sz="2300" b="1" dirty="0">
+                <a:solidFill>
+                  <a:schemeClr val="accent2"/>
+                </a:solidFill>
+                <a:latin typeface="+mn-ea"/>
+                <a:ea typeface="+mn-ea"/>
+              </a:rPr>
+              <a:t>几何类</a:t>
+            </a:r>
+            <a:r>
+              <a:rPr lang="zh-CN" altLang="en-US" sz="2300" dirty="0">
+                <a:solidFill>
+                  <a:srgbClr val="151515"/>
+                </a:solidFill>
+                <a:latin typeface="+mn-ea"/>
+                <a:ea typeface="+mn-ea"/>
+              </a:rPr>
+              <a:t>：其封装了</a:t>
+            </a:r>
+            <a:r>
+              <a:rPr lang="en-US" altLang="zh-CN" sz="2300" dirty="0" err="1">
+                <a:solidFill>
+                  <a:srgbClr val="151515"/>
+                </a:solidFill>
+                <a:latin typeface="+mn-ea"/>
+                <a:ea typeface="+mn-ea"/>
+              </a:rPr>
+              <a:t>OpenGIS</a:t>
+            </a:r>
+            <a:r>
+              <a:rPr lang="zh-CN" altLang="en-US" sz="2300" dirty="0">
+                <a:solidFill>
+                  <a:srgbClr val="151515"/>
+                </a:solidFill>
+                <a:latin typeface="+mn-ea"/>
+                <a:ea typeface="+mn-ea"/>
+              </a:rPr>
+              <a:t>模型的矢量数据，提供了一系列几何操作。</a:t>
+            </a:r>
+            <a:endParaRPr lang="en-US" altLang="zh-CN" sz="2300" dirty="0">
+              <a:solidFill>
+                <a:srgbClr val="151515"/>
+              </a:solidFill>
+              <a:latin typeface="+mn-ea"/>
+              <a:ea typeface="+mn-ea"/>
+            </a:endParaRPr>
+          </a:p>
+          <a:p>
+            <a:pPr algn="just">
+              <a:lnSpc>
+                <a:spcPct val="150000"/>
+              </a:lnSpc>
+            </a:pPr>
+            <a:r>
+              <a:rPr lang="en-US" altLang="zh-CN" sz="2300" b="1" dirty="0" err="1">
+                <a:solidFill>
+                  <a:schemeClr val="accent2"/>
+                </a:solidFill>
+                <a:latin typeface="+mn-ea"/>
+                <a:ea typeface="+mn-ea"/>
+              </a:rPr>
+              <a:t>OGRSpatialReference</a:t>
+            </a:r>
+            <a:r>
+              <a:rPr lang="zh-CN" altLang="en-US" sz="2300" b="1" dirty="0">
+                <a:solidFill>
+                  <a:schemeClr val="accent2"/>
+                </a:solidFill>
+                <a:latin typeface="+mn-ea"/>
+                <a:ea typeface="+mn-ea"/>
+              </a:rPr>
+              <a:t>空间参考类</a:t>
+            </a:r>
+            <a:r>
+              <a:rPr lang="zh-CN" altLang="en-US" sz="2300" b="1" dirty="0">
+                <a:solidFill>
+                  <a:srgbClr val="151515"/>
+                </a:solidFill>
+                <a:latin typeface="+mn-ea"/>
+                <a:ea typeface="+mn-ea"/>
+              </a:rPr>
+              <a:t>：</a:t>
+            </a:r>
+            <a:r>
+              <a:rPr lang="zh-CN" altLang="en-US" sz="2300" dirty="0">
+                <a:solidFill>
+                  <a:srgbClr val="151515"/>
+                </a:solidFill>
+                <a:latin typeface="+mn-ea"/>
+                <a:ea typeface="+mn-ea"/>
+              </a:rPr>
+              <a:t>用于定义投影和水准面。</a:t>
+            </a:r>
+            <a:endParaRPr lang="en-US" altLang="zh-CN" sz="2300" dirty="0">
+              <a:solidFill>
+                <a:srgbClr val="151515"/>
+              </a:solidFill>
+              <a:latin typeface="+mn-ea"/>
+              <a:ea typeface="+mn-ea"/>
+            </a:endParaRPr>
+          </a:p>
         </p:txBody>
       </p:sp>
-      <p:sp>
-        <p:nvSpPr>
-          <p:cNvPr id="6" name="矩形 5">
-            <a:extLst>
-              <a:ext uri="{FF2B5EF4-FFF2-40B4-BE49-F238E27FC236}">
-                <a16:creationId xmlns:a16="http://schemas.microsoft.com/office/drawing/2014/main" id="{E4B667F8-B1E4-E60F-1B7C-6B00B9B82C6A}"/>
-              </a:ext>
-            </a:extLst>
-          </p:cNvPr>
-          <p:cNvSpPr/>
-          <p:nvPr/>
-        </p:nvSpPr>
-        <p:spPr>
-          <a:xfrm>
-            <a:off x="3032352" y="2826088"/>
-            <a:ext cx="2814638" cy="657225"/>
-          </a:xfrm>
-          <a:prstGeom prst="rect">
-            <a:avLst/>
-          </a:prstGeom>
-          <a:solidFill>
-            <a:schemeClr val="tx2"/>
-          </a:solidFill>
-        </p:spPr>
-        <p:txBody>
-          <a:bodyPr wrap="square" lIns="0" rtlCol="0" anchor="ctr">
-            <a:noAutofit/>
-          </a:bodyPr>
-          <a:lstStyle/>
-          <a:p>
-            <a:r>
-              <a:rPr lang="en-US" altLang="zh-CN" b="1">
-                <a:solidFill>
-                  <a:schemeClr val="bg2"/>
-                </a:solidFill>
-                <a:latin typeface="微软雅黑" pitchFamily="34" charset="-122"/>
-                <a:ea typeface="微软雅黑" pitchFamily="34" charset="-122"/>
-              </a:rPr>
-              <a:t>OGRGeometry</a:t>
-            </a:r>
-            <a:endParaRPr lang="zh-CN" altLang="en-US" b="1" dirty="0">
-              <a:solidFill>
-                <a:schemeClr val="bg2"/>
-              </a:solidFill>
-              <a:latin typeface="微软雅黑" pitchFamily="34" charset="-122"/>
-              <a:ea typeface="微软雅黑" pitchFamily="34" charset="-122"/>
-            </a:endParaRPr>
-          </a:p>
-        </p:txBody>
-      </p:sp>
-      <p:sp>
-        <p:nvSpPr>
-          <p:cNvPr id="25" name="矩形 24">
-            <a:extLst>
-              <a:ext uri="{FF2B5EF4-FFF2-40B4-BE49-F238E27FC236}">
-                <a16:creationId xmlns:a16="http://schemas.microsoft.com/office/drawing/2014/main" id="{DF78B896-8B24-6498-69F8-CFFE3F490B9A}"/>
-              </a:ext>
-            </a:extLst>
-          </p:cNvPr>
-          <p:cNvSpPr/>
-          <p:nvPr/>
-        </p:nvSpPr>
-        <p:spPr>
-          <a:xfrm>
-            <a:off x="2206174" y="4672801"/>
-            <a:ext cx="2472285" cy="2098113"/>
-          </a:xfrm>
-          <a:prstGeom prst="rect">
-            <a:avLst/>
-          </a:prstGeom>
-          <a:solidFill>
-            <a:schemeClr val="accent6"/>
-          </a:solidFill>
-          <a:ln w="28575">
-            <a:solidFill>
-              <a:schemeClr val="bg2"/>
-            </a:solidFill>
-          </a:ln>
-        </p:spPr>
-        <p:txBody>
-          <a:bodyPr wrap="square" lIns="0" rtlCol="0" anchor="ctr">
-            <a:noAutofit/>
-          </a:bodyPr>
-          <a:lstStyle/>
-          <a:p>
-            <a:pPr algn="l"/>
-            <a:endParaRPr lang="zh-CN" altLang="en-US" b="1" dirty="0">
-              <a:solidFill>
-                <a:schemeClr val="bg2"/>
-              </a:solidFill>
-              <a:latin typeface="微软雅黑" pitchFamily="34" charset="-122"/>
-              <a:ea typeface="微软雅黑" pitchFamily="34" charset="-122"/>
-            </a:endParaRPr>
-          </a:p>
-        </p:txBody>
-      </p:sp>
-      <p:sp>
-        <p:nvSpPr>
-          <p:cNvPr id="7" name="矩形 6">
-            <a:extLst>
-              <a:ext uri="{FF2B5EF4-FFF2-40B4-BE49-F238E27FC236}">
-                <a16:creationId xmlns:a16="http://schemas.microsoft.com/office/drawing/2014/main" id="{F115B6DF-8BE4-9443-592F-E3C28E917A3E}"/>
-              </a:ext>
-            </a:extLst>
-          </p:cNvPr>
-          <p:cNvSpPr/>
-          <p:nvPr/>
-        </p:nvSpPr>
-        <p:spPr>
-          <a:xfrm>
-            <a:off x="239144" y="3893182"/>
-            <a:ext cx="1781495" cy="587811"/>
-          </a:xfrm>
-          <a:prstGeom prst="rect">
-            <a:avLst/>
-          </a:prstGeom>
-          <a:solidFill>
-            <a:schemeClr val="tx2"/>
-          </a:solidFill>
-        </p:spPr>
-        <p:txBody>
-          <a:bodyPr wrap="square" lIns="0" rtlCol="0" anchor="ctr">
-            <a:noAutofit/>
-          </a:bodyPr>
-          <a:lstStyle/>
-          <a:p>
-            <a:r>
-              <a:rPr lang="en-US" altLang="zh-CN" sz="2200" b="1" dirty="0" err="1">
-                <a:solidFill>
-                  <a:schemeClr val="bg2"/>
-                </a:solidFill>
-                <a:latin typeface="微软雅黑" pitchFamily="34" charset="-122"/>
-                <a:ea typeface="微软雅黑" pitchFamily="34" charset="-122"/>
-              </a:rPr>
-              <a:t>OGRCurve</a:t>
-            </a:r>
-            <a:endParaRPr lang="zh-CN" altLang="en-US" sz="2200" b="1" dirty="0">
-              <a:solidFill>
-                <a:schemeClr val="bg2"/>
-              </a:solidFill>
-              <a:latin typeface="微软雅黑" pitchFamily="34" charset="-122"/>
-              <a:ea typeface="微软雅黑" pitchFamily="34" charset="-122"/>
-            </a:endParaRPr>
-          </a:p>
-        </p:txBody>
-      </p:sp>
-      <p:sp>
-        <p:nvSpPr>
-          <p:cNvPr id="8" name="矩形 7">
-            <a:extLst>
-              <a:ext uri="{FF2B5EF4-FFF2-40B4-BE49-F238E27FC236}">
-                <a16:creationId xmlns:a16="http://schemas.microsoft.com/office/drawing/2014/main" id="{F283813A-0E17-EAF7-D376-23779C8FA0DD}"/>
-              </a:ext>
-            </a:extLst>
-          </p:cNvPr>
-          <p:cNvSpPr/>
-          <p:nvPr/>
-        </p:nvSpPr>
-        <p:spPr>
-          <a:xfrm>
-            <a:off x="2308669" y="3893182"/>
-            <a:ext cx="2265365" cy="587811"/>
-          </a:xfrm>
-          <a:prstGeom prst="rect">
-            <a:avLst/>
-          </a:prstGeom>
-          <a:solidFill>
-            <a:schemeClr val="tx2"/>
-          </a:solidFill>
-        </p:spPr>
-        <p:txBody>
-          <a:bodyPr wrap="square" lIns="0" rtlCol="0" anchor="ctr">
-            <a:noAutofit/>
-          </a:bodyPr>
-          <a:lstStyle/>
-          <a:p>
-            <a:r>
-              <a:rPr lang="en-US" altLang="zh-CN" sz="2200" b="1" dirty="0" err="1">
-                <a:solidFill>
-                  <a:schemeClr val="bg2"/>
-                </a:solidFill>
-                <a:latin typeface="微软雅黑" pitchFamily="34" charset="-122"/>
-                <a:ea typeface="微软雅黑" pitchFamily="34" charset="-122"/>
-              </a:rPr>
-              <a:t>OGRGeometry</a:t>
-            </a:r>
-            <a:endParaRPr lang="zh-CN" altLang="en-US" sz="2200" b="1" dirty="0">
-              <a:solidFill>
-                <a:schemeClr val="bg2"/>
-              </a:solidFill>
-              <a:latin typeface="微软雅黑" pitchFamily="34" charset="-122"/>
-              <a:ea typeface="微软雅黑" pitchFamily="34" charset="-122"/>
-            </a:endParaRPr>
-          </a:p>
-        </p:txBody>
-      </p:sp>
-      <p:sp>
-        <p:nvSpPr>
-          <p:cNvPr id="9" name="矩形 8">
-            <a:extLst>
-              <a:ext uri="{FF2B5EF4-FFF2-40B4-BE49-F238E27FC236}">
-                <a16:creationId xmlns:a16="http://schemas.microsoft.com/office/drawing/2014/main" id="{0DB985B9-7842-7544-EF01-366A36A740DD}"/>
-              </a:ext>
-            </a:extLst>
-          </p:cNvPr>
-          <p:cNvSpPr/>
-          <p:nvPr/>
-        </p:nvSpPr>
-        <p:spPr>
-          <a:xfrm>
-            <a:off x="4678458" y="3893179"/>
-            <a:ext cx="1852019" cy="587811"/>
-          </a:xfrm>
-          <a:prstGeom prst="rect">
-            <a:avLst/>
-          </a:prstGeom>
-          <a:solidFill>
-            <a:schemeClr val="tx2"/>
-          </a:solidFill>
-        </p:spPr>
-        <p:txBody>
-          <a:bodyPr wrap="square" lIns="0" rtlCol="0" anchor="ctr">
-            <a:noAutofit/>
-          </a:bodyPr>
-          <a:lstStyle/>
-          <a:p>
-            <a:r>
-              <a:rPr lang="en-US" altLang="zh-CN" sz="2200" b="1" dirty="0" err="1">
-                <a:solidFill>
-                  <a:schemeClr val="bg2"/>
-                </a:solidFill>
-                <a:latin typeface="微软雅黑" pitchFamily="34" charset="-122"/>
-                <a:ea typeface="微软雅黑" pitchFamily="34" charset="-122"/>
-              </a:rPr>
-              <a:t>OGRPoint</a:t>
-            </a:r>
-            <a:endParaRPr lang="zh-CN" altLang="en-US" sz="2200" b="1" dirty="0">
-              <a:solidFill>
-                <a:schemeClr val="bg2"/>
-              </a:solidFill>
-              <a:latin typeface="微软雅黑" pitchFamily="34" charset="-122"/>
-              <a:ea typeface="微软雅黑" pitchFamily="34" charset="-122"/>
-            </a:endParaRPr>
-          </a:p>
-        </p:txBody>
-      </p:sp>
-      <p:sp>
-        <p:nvSpPr>
-          <p:cNvPr id="10" name="矩形 9">
-            <a:extLst>
-              <a:ext uri="{FF2B5EF4-FFF2-40B4-BE49-F238E27FC236}">
-                <a16:creationId xmlns:a16="http://schemas.microsoft.com/office/drawing/2014/main" id="{A8EF0B7C-E027-33AB-4721-CFF49996461B}"/>
-              </a:ext>
-            </a:extLst>
-          </p:cNvPr>
-          <p:cNvSpPr/>
-          <p:nvPr/>
-        </p:nvSpPr>
-        <p:spPr>
-          <a:xfrm>
-            <a:off x="6691513" y="3893180"/>
-            <a:ext cx="2233593" cy="587811"/>
-          </a:xfrm>
-          <a:prstGeom prst="rect">
-            <a:avLst/>
-          </a:prstGeom>
-          <a:solidFill>
-            <a:schemeClr val="tx2"/>
-          </a:solidFill>
-        </p:spPr>
-        <p:txBody>
-          <a:bodyPr wrap="square" lIns="0" rtlCol="0" anchor="ctr">
-            <a:noAutofit/>
-          </a:bodyPr>
-          <a:lstStyle/>
-          <a:p>
-            <a:r>
-              <a:rPr lang="en-US" altLang="zh-CN" sz="2200" b="1" dirty="0" err="1">
-                <a:solidFill>
-                  <a:schemeClr val="bg2"/>
-                </a:solidFill>
-                <a:latin typeface="微软雅黑" pitchFamily="34" charset="-122"/>
-                <a:ea typeface="微软雅黑" pitchFamily="34" charset="-122"/>
-              </a:rPr>
-              <a:t>OGRSurface</a:t>
-            </a:r>
-            <a:endParaRPr lang="zh-CN" altLang="en-US" sz="2200" b="1" dirty="0">
-              <a:solidFill>
-                <a:schemeClr val="bg2"/>
-              </a:solidFill>
-              <a:latin typeface="微软雅黑" pitchFamily="34" charset="-122"/>
-              <a:ea typeface="微软雅黑" pitchFamily="34" charset="-122"/>
-            </a:endParaRPr>
-          </a:p>
-        </p:txBody>
-      </p:sp>
-      <p:sp>
-        <p:nvSpPr>
-          <p:cNvPr id="11" name="矩形 10">
-            <a:extLst>
-              <a:ext uri="{FF2B5EF4-FFF2-40B4-BE49-F238E27FC236}">
-                <a16:creationId xmlns:a16="http://schemas.microsoft.com/office/drawing/2014/main" id="{5757F080-620A-99D2-8C06-6ECF3D271C65}"/>
-              </a:ext>
-            </a:extLst>
-          </p:cNvPr>
-          <p:cNvSpPr/>
-          <p:nvPr/>
-        </p:nvSpPr>
-        <p:spPr>
-          <a:xfrm>
-            <a:off x="239142" y="4776649"/>
-            <a:ext cx="1781495" cy="587811"/>
-          </a:xfrm>
-          <a:prstGeom prst="rect">
-            <a:avLst/>
-          </a:prstGeom>
-          <a:solidFill>
-            <a:schemeClr val="tx2"/>
-          </a:solidFill>
-        </p:spPr>
-        <p:txBody>
-          <a:bodyPr wrap="square" lIns="0" rtlCol="0" anchor="ctr">
-            <a:noAutofit/>
-          </a:bodyPr>
-          <a:lstStyle/>
-          <a:p>
-            <a:r>
-              <a:rPr lang="en-US" altLang="zh-CN" sz="1600" b="1" dirty="0" err="1">
-                <a:solidFill>
-                  <a:schemeClr val="bg2"/>
-                </a:solidFill>
-                <a:latin typeface="微软雅黑" pitchFamily="34" charset="-122"/>
-                <a:ea typeface="微软雅黑" pitchFamily="34" charset="-122"/>
-              </a:rPr>
-              <a:t>OGRLineString</a:t>
-            </a:r>
-            <a:endParaRPr lang="zh-CN" altLang="en-US" sz="1600" b="1" dirty="0">
-              <a:solidFill>
-                <a:schemeClr val="bg2"/>
-              </a:solidFill>
-              <a:latin typeface="微软雅黑" pitchFamily="34" charset="-122"/>
-              <a:ea typeface="微软雅黑" pitchFamily="34" charset="-122"/>
-            </a:endParaRPr>
-          </a:p>
-        </p:txBody>
-      </p:sp>
-      <p:sp>
-        <p:nvSpPr>
-          <p:cNvPr id="12" name="矩形 11">
-            <a:extLst>
-              <a:ext uri="{FF2B5EF4-FFF2-40B4-BE49-F238E27FC236}">
-                <a16:creationId xmlns:a16="http://schemas.microsoft.com/office/drawing/2014/main" id="{78F6218C-A914-7931-E32E-2875002B437E}"/>
-              </a:ext>
-            </a:extLst>
-          </p:cNvPr>
-          <p:cNvSpPr/>
-          <p:nvPr/>
-        </p:nvSpPr>
-        <p:spPr>
-          <a:xfrm>
-            <a:off x="239142" y="5654651"/>
-            <a:ext cx="1781496" cy="587811"/>
-          </a:xfrm>
-          <a:prstGeom prst="rect">
-            <a:avLst/>
-          </a:prstGeom>
-          <a:solidFill>
-            <a:schemeClr val="tx2"/>
-          </a:solidFill>
-        </p:spPr>
-        <p:txBody>
-          <a:bodyPr wrap="square" lIns="0" rtlCol="0" anchor="ctr">
-            <a:noAutofit/>
-          </a:bodyPr>
-          <a:lstStyle/>
-          <a:p>
-            <a:r>
-              <a:rPr lang="en-US" altLang="zh-CN" sz="1600" b="1" dirty="0" err="1">
-                <a:solidFill>
-                  <a:schemeClr val="bg2"/>
-                </a:solidFill>
-                <a:latin typeface="微软雅黑" pitchFamily="34" charset="-122"/>
-                <a:ea typeface="微软雅黑" pitchFamily="34" charset="-122"/>
-              </a:rPr>
-              <a:t>OGRLinearRing</a:t>
-            </a:r>
-            <a:endParaRPr lang="zh-CN" altLang="en-US" sz="1600" b="1" dirty="0">
-              <a:solidFill>
-                <a:schemeClr val="bg2"/>
-              </a:solidFill>
-              <a:latin typeface="微软雅黑" pitchFamily="34" charset="-122"/>
-              <a:ea typeface="微软雅黑" pitchFamily="34" charset="-122"/>
-            </a:endParaRPr>
-          </a:p>
-        </p:txBody>
-      </p:sp>
-      <p:sp>
-        <p:nvSpPr>
-          <p:cNvPr id="13" name="矩形 12">
-            <a:extLst>
-              <a:ext uri="{FF2B5EF4-FFF2-40B4-BE49-F238E27FC236}">
-                <a16:creationId xmlns:a16="http://schemas.microsoft.com/office/drawing/2014/main" id="{31DF731D-DDD9-F443-7452-FD380945BC70}"/>
-              </a:ext>
-            </a:extLst>
-          </p:cNvPr>
-          <p:cNvSpPr/>
-          <p:nvPr/>
-        </p:nvSpPr>
-        <p:spPr>
-          <a:xfrm>
-            <a:off x="2308669" y="4763669"/>
-            <a:ext cx="2265365" cy="587811"/>
-          </a:xfrm>
-          <a:prstGeom prst="rect">
-            <a:avLst/>
-          </a:prstGeom>
-          <a:solidFill>
-            <a:schemeClr val="tx2"/>
-          </a:solidFill>
-        </p:spPr>
-        <p:txBody>
-          <a:bodyPr wrap="square" lIns="0" rtlCol="0" anchor="ctr">
-            <a:noAutofit/>
-          </a:bodyPr>
-          <a:lstStyle/>
-          <a:p>
-            <a:r>
-              <a:rPr lang="en-US" altLang="zh-CN" sz="1700" b="1" dirty="0" err="1">
-                <a:solidFill>
-                  <a:schemeClr val="bg2"/>
-                </a:solidFill>
-                <a:latin typeface="微软雅黑" pitchFamily="34" charset="-122"/>
-                <a:ea typeface="微软雅黑" pitchFamily="34" charset="-122"/>
-              </a:rPr>
-              <a:t>OGRMultiLineString</a:t>
-            </a:r>
-            <a:endParaRPr lang="zh-CN" altLang="en-US" sz="1700" b="1" dirty="0">
-              <a:solidFill>
-                <a:schemeClr val="bg2"/>
-              </a:solidFill>
-              <a:latin typeface="微软雅黑" pitchFamily="34" charset="-122"/>
-              <a:ea typeface="微软雅黑" pitchFamily="34" charset="-122"/>
-            </a:endParaRPr>
-          </a:p>
-        </p:txBody>
-      </p:sp>
-      <p:sp>
-        <p:nvSpPr>
-          <p:cNvPr id="14" name="矩形 13">
-            <a:extLst>
-              <a:ext uri="{FF2B5EF4-FFF2-40B4-BE49-F238E27FC236}">
-                <a16:creationId xmlns:a16="http://schemas.microsoft.com/office/drawing/2014/main" id="{567E35FD-BCEB-191D-A435-BA1BC17F6D78}"/>
-              </a:ext>
-            </a:extLst>
-          </p:cNvPr>
-          <p:cNvSpPr/>
-          <p:nvPr/>
-        </p:nvSpPr>
-        <p:spPr>
-          <a:xfrm>
-            <a:off x="2325633" y="5453444"/>
-            <a:ext cx="2246367" cy="587811"/>
-          </a:xfrm>
-          <a:prstGeom prst="rect">
-            <a:avLst/>
-          </a:prstGeom>
-          <a:solidFill>
-            <a:schemeClr val="tx2"/>
-          </a:solidFill>
-        </p:spPr>
-        <p:txBody>
-          <a:bodyPr wrap="square" lIns="0" rtlCol="0" anchor="ctr">
-            <a:noAutofit/>
-          </a:bodyPr>
-          <a:lstStyle/>
-          <a:p>
-            <a:r>
-              <a:rPr lang="en-US" altLang="zh-CN" sz="1800" b="1" dirty="0" err="1">
-                <a:solidFill>
-                  <a:schemeClr val="bg2"/>
-                </a:solidFill>
-                <a:latin typeface="微软雅黑" pitchFamily="34" charset="-122"/>
-                <a:ea typeface="微软雅黑" pitchFamily="34" charset="-122"/>
-              </a:rPr>
-              <a:t>OGRMultiPoint</a:t>
-            </a:r>
-            <a:endParaRPr lang="zh-CN" altLang="en-US" sz="1800" b="1" dirty="0">
-              <a:solidFill>
-                <a:schemeClr val="bg2"/>
-              </a:solidFill>
-              <a:latin typeface="微软雅黑" pitchFamily="34" charset="-122"/>
-              <a:ea typeface="微软雅黑" pitchFamily="34" charset="-122"/>
-            </a:endParaRPr>
-          </a:p>
-        </p:txBody>
-      </p:sp>
-      <p:sp>
-        <p:nvSpPr>
-          <p:cNvPr id="15" name="矩形 14">
-            <a:extLst>
-              <a:ext uri="{FF2B5EF4-FFF2-40B4-BE49-F238E27FC236}">
-                <a16:creationId xmlns:a16="http://schemas.microsoft.com/office/drawing/2014/main" id="{4C216DDB-6F8E-2385-3662-79EC733041B7}"/>
-              </a:ext>
-            </a:extLst>
-          </p:cNvPr>
-          <p:cNvSpPr/>
-          <p:nvPr/>
-        </p:nvSpPr>
-        <p:spPr>
-          <a:xfrm>
-            <a:off x="2308669" y="6116401"/>
-            <a:ext cx="2263331" cy="587811"/>
-          </a:xfrm>
-          <a:prstGeom prst="rect">
-            <a:avLst/>
-          </a:prstGeom>
-          <a:solidFill>
-            <a:schemeClr val="tx2"/>
-          </a:solidFill>
-        </p:spPr>
-        <p:txBody>
-          <a:bodyPr wrap="square" lIns="0" rtlCol="0" anchor="ctr">
-            <a:noAutofit/>
-          </a:bodyPr>
-          <a:lstStyle/>
-          <a:p>
-            <a:r>
-              <a:rPr lang="en-US" altLang="zh-CN" sz="1800" b="1" dirty="0" err="1">
-                <a:solidFill>
-                  <a:schemeClr val="bg2"/>
-                </a:solidFill>
-                <a:latin typeface="微软雅黑" pitchFamily="34" charset="-122"/>
-                <a:ea typeface="微软雅黑" pitchFamily="34" charset="-122"/>
-              </a:rPr>
-              <a:t>OGRMultiPolygon</a:t>
-            </a:r>
-            <a:endParaRPr lang="zh-CN" altLang="en-US" sz="1800" b="1" dirty="0">
-              <a:solidFill>
-                <a:schemeClr val="bg2"/>
-              </a:solidFill>
-              <a:latin typeface="微软雅黑" pitchFamily="34" charset="-122"/>
-              <a:ea typeface="微软雅黑" pitchFamily="34" charset="-122"/>
-            </a:endParaRPr>
-          </a:p>
-        </p:txBody>
-      </p:sp>
-      <p:sp>
-        <p:nvSpPr>
-          <p:cNvPr id="16" name="矩形 15">
-            <a:extLst>
-              <a:ext uri="{FF2B5EF4-FFF2-40B4-BE49-F238E27FC236}">
-                <a16:creationId xmlns:a16="http://schemas.microsoft.com/office/drawing/2014/main" id="{5EE65CAC-C23C-86D0-DE32-DC6674D010E7}"/>
-              </a:ext>
-            </a:extLst>
-          </p:cNvPr>
-          <p:cNvSpPr/>
-          <p:nvPr/>
-        </p:nvSpPr>
-        <p:spPr>
-          <a:xfrm>
-            <a:off x="6691512" y="4966779"/>
-            <a:ext cx="2233593" cy="587811"/>
-          </a:xfrm>
-          <a:prstGeom prst="rect">
-            <a:avLst/>
-          </a:prstGeom>
-          <a:solidFill>
-            <a:schemeClr val="tx2"/>
-          </a:solidFill>
-        </p:spPr>
-        <p:txBody>
-          <a:bodyPr wrap="square" lIns="0" rtlCol="0" anchor="ctr">
-            <a:noAutofit/>
-          </a:bodyPr>
-          <a:lstStyle/>
-          <a:p>
-            <a:r>
-              <a:rPr lang="en-US" altLang="zh-CN" sz="1800" b="1" dirty="0" err="1">
-                <a:solidFill>
-                  <a:schemeClr val="bg2"/>
-                </a:solidFill>
-                <a:latin typeface="微软雅黑" pitchFamily="34" charset="-122"/>
-                <a:ea typeface="微软雅黑" pitchFamily="34" charset="-122"/>
-              </a:rPr>
-              <a:t>OGRPolygon</a:t>
-            </a:r>
-            <a:endParaRPr lang="zh-CN" altLang="en-US" sz="1800" b="1" dirty="0">
-              <a:solidFill>
-                <a:schemeClr val="bg2"/>
-              </a:solidFill>
-              <a:latin typeface="微软雅黑" pitchFamily="34" charset="-122"/>
-              <a:ea typeface="微软雅黑" pitchFamily="34" charset="-122"/>
-            </a:endParaRPr>
-          </a:p>
-        </p:txBody>
-      </p:sp>
-      <p:cxnSp>
-        <p:nvCxnSpPr>
-          <p:cNvPr id="18" name="直接箭头连接符 17">
-            <a:extLst>
-              <a:ext uri="{FF2B5EF4-FFF2-40B4-BE49-F238E27FC236}">
-                <a16:creationId xmlns:a16="http://schemas.microsoft.com/office/drawing/2014/main" id="{F35F750F-734C-46EC-3634-98BC7BCA2951}"/>
-              </a:ext>
-            </a:extLst>
-          </p:cNvPr>
-          <p:cNvCxnSpPr>
-            <a:cxnSpLocks/>
-            <a:stCxn id="8" idx="2"/>
-            <a:endCxn id="25" idx="0"/>
-          </p:cNvCxnSpPr>
-          <p:nvPr/>
-        </p:nvCxnSpPr>
-        <p:spPr bwMode="auto">
-          <a:xfrm>
-            <a:off x="3441352" y="4480993"/>
-            <a:ext cx="965" cy="191808"/>
-          </a:xfrm>
-          <a:prstGeom prst="straightConnector1">
-            <a:avLst/>
-          </a:prstGeom>
-          <a:ln w="28575">
-            <a:headEnd type="none" w="med" len="med"/>
-            <a:tailEnd type="triangle"/>
-          </a:ln>
-        </p:spPr>
-        <p:style>
-          <a:lnRef idx="1">
-            <a:schemeClr val="dk1"/>
-          </a:lnRef>
-          <a:fillRef idx="0">
-            <a:schemeClr val="dk1"/>
-          </a:fillRef>
-          <a:effectRef idx="0">
-            <a:schemeClr val="dk1"/>
-          </a:effectRef>
-          <a:fontRef idx="minor">
-            <a:schemeClr val="tx1"/>
-          </a:fontRef>
-        </p:style>
-      </p:cxnSp>
-      <p:cxnSp>
-        <p:nvCxnSpPr>
-          <p:cNvPr id="19" name="直接箭头连接符 18">
-            <a:extLst>
-              <a:ext uri="{FF2B5EF4-FFF2-40B4-BE49-F238E27FC236}">
-                <a16:creationId xmlns:a16="http://schemas.microsoft.com/office/drawing/2014/main" id="{98D45901-3A2E-22D8-A30E-FAA015736C47}"/>
-              </a:ext>
-            </a:extLst>
-          </p:cNvPr>
-          <p:cNvCxnSpPr>
-            <a:cxnSpLocks/>
-            <a:stCxn id="7" idx="2"/>
-            <a:endCxn id="11" idx="0"/>
-          </p:cNvCxnSpPr>
-          <p:nvPr/>
-        </p:nvCxnSpPr>
-        <p:spPr bwMode="auto">
-          <a:xfrm flipH="1">
-            <a:off x="1129890" y="4480993"/>
-            <a:ext cx="2" cy="295656"/>
-          </a:xfrm>
-          <a:prstGeom prst="straightConnector1">
-            <a:avLst/>
-          </a:prstGeom>
-          <a:ln w="28575">
-            <a:headEnd type="none" w="med" len="med"/>
-            <a:tailEnd type="triangle"/>
-          </a:ln>
-        </p:spPr>
-        <p:style>
-          <a:lnRef idx="1">
-            <a:schemeClr val="dk1"/>
-          </a:lnRef>
-          <a:fillRef idx="0">
-            <a:schemeClr val="dk1"/>
-          </a:fillRef>
-          <a:effectRef idx="0">
-            <a:schemeClr val="dk1"/>
-          </a:effectRef>
-          <a:fontRef idx="minor">
-            <a:schemeClr val="tx1"/>
-          </a:fontRef>
-        </p:style>
-      </p:cxnSp>
-      <p:cxnSp>
-        <p:nvCxnSpPr>
-          <p:cNvPr id="22" name="直接箭头连接符 21">
-            <a:extLst>
-              <a:ext uri="{FF2B5EF4-FFF2-40B4-BE49-F238E27FC236}">
-                <a16:creationId xmlns:a16="http://schemas.microsoft.com/office/drawing/2014/main" id="{34D05352-461D-90F2-1B3F-9E2405A2B7D6}"/>
-              </a:ext>
-            </a:extLst>
-          </p:cNvPr>
-          <p:cNvCxnSpPr>
-            <a:cxnSpLocks/>
-            <a:stCxn id="11" idx="2"/>
-            <a:endCxn id="12" idx="0"/>
-          </p:cNvCxnSpPr>
-          <p:nvPr/>
-        </p:nvCxnSpPr>
-        <p:spPr bwMode="auto">
-          <a:xfrm>
-            <a:off x="1129890" y="5364460"/>
-            <a:ext cx="0" cy="290191"/>
-          </a:xfrm>
-          <a:prstGeom prst="straightConnector1">
-            <a:avLst/>
-          </a:prstGeom>
-          <a:ln w="28575">
-            <a:headEnd type="none" w="med" len="med"/>
-            <a:tailEnd type="triangle"/>
-          </a:ln>
-        </p:spPr>
-        <p:style>
-          <a:lnRef idx="1">
-            <a:schemeClr val="dk1"/>
-          </a:lnRef>
-          <a:fillRef idx="0">
-            <a:schemeClr val="dk1"/>
-          </a:fillRef>
-          <a:effectRef idx="0">
-            <a:schemeClr val="dk1"/>
-          </a:effectRef>
-          <a:fontRef idx="minor">
-            <a:schemeClr val="tx1"/>
-          </a:fontRef>
-        </p:style>
-      </p:cxnSp>
-      <p:cxnSp>
-        <p:nvCxnSpPr>
-          <p:cNvPr id="32" name="直接箭头连接符 31">
-            <a:extLst>
-              <a:ext uri="{FF2B5EF4-FFF2-40B4-BE49-F238E27FC236}">
-                <a16:creationId xmlns:a16="http://schemas.microsoft.com/office/drawing/2014/main" id="{F5AC3C20-55F7-4202-DE5D-F801A01185C7}"/>
-              </a:ext>
-            </a:extLst>
-          </p:cNvPr>
-          <p:cNvCxnSpPr>
-            <a:cxnSpLocks/>
-            <a:stCxn id="10" idx="2"/>
-            <a:endCxn id="16" idx="0"/>
-          </p:cNvCxnSpPr>
-          <p:nvPr/>
-        </p:nvCxnSpPr>
-        <p:spPr bwMode="auto">
-          <a:xfrm flipH="1">
-            <a:off x="7808309" y="4480991"/>
-            <a:ext cx="1" cy="485788"/>
-          </a:xfrm>
-          <a:prstGeom prst="straightConnector1">
-            <a:avLst/>
-          </a:prstGeom>
-          <a:ln w="28575">
-            <a:headEnd type="none" w="med" len="med"/>
-            <a:tailEnd type="triangle"/>
-          </a:ln>
-        </p:spPr>
-        <p:style>
-          <a:lnRef idx="1">
-            <a:schemeClr val="dk1"/>
-          </a:lnRef>
-          <a:fillRef idx="0">
-            <a:schemeClr val="dk1"/>
-          </a:fillRef>
-          <a:effectRef idx="0">
-            <a:schemeClr val="dk1"/>
-          </a:effectRef>
-          <a:fontRef idx="minor">
-            <a:schemeClr val="tx1"/>
-          </a:fontRef>
-        </p:style>
-      </p:cxnSp>
-      <p:cxnSp>
-        <p:nvCxnSpPr>
-          <p:cNvPr id="37" name="连接符: 肘形 36">
-            <a:extLst>
-              <a:ext uri="{FF2B5EF4-FFF2-40B4-BE49-F238E27FC236}">
-                <a16:creationId xmlns:a16="http://schemas.microsoft.com/office/drawing/2014/main" id="{F60F520E-3ABE-1469-9F96-87890D664338}"/>
-              </a:ext>
-            </a:extLst>
-          </p:cNvPr>
-          <p:cNvCxnSpPr>
-            <a:cxnSpLocks/>
-            <a:stCxn id="6" idx="2"/>
-            <a:endCxn id="7" idx="0"/>
-          </p:cNvCxnSpPr>
-          <p:nvPr/>
-        </p:nvCxnSpPr>
-        <p:spPr bwMode="auto">
-          <a:xfrm rot="5400000">
-            <a:off x="2579848" y="2033358"/>
-            <a:ext cx="409869" cy="3309779"/>
-          </a:xfrm>
-          <a:prstGeom prst="bentConnector3">
-            <a:avLst/>
-          </a:prstGeom>
-          <a:ln w="28575">
-            <a:headEnd type="none" w="med" len="med"/>
-            <a:tailEnd type="triangle"/>
-          </a:ln>
-        </p:spPr>
-        <p:style>
-          <a:lnRef idx="1">
-            <a:schemeClr val="dk1"/>
-          </a:lnRef>
-          <a:fillRef idx="0">
-            <a:schemeClr val="dk1"/>
-          </a:fillRef>
-          <a:effectRef idx="0">
-            <a:schemeClr val="dk1"/>
-          </a:effectRef>
-          <a:fontRef idx="minor">
-            <a:schemeClr val="tx1"/>
-          </a:fontRef>
-        </p:style>
-      </p:cxnSp>
-      <p:cxnSp>
-        <p:nvCxnSpPr>
-          <p:cNvPr id="41" name="连接符: 肘形 40">
-            <a:extLst>
-              <a:ext uri="{FF2B5EF4-FFF2-40B4-BE49-F238E27FC236}">
-                <a16:creationId xmlns:a16="http://schemas.microsoft.com/office/drawing/2014/main" id="{C4756926-1098-426F-84C3-689A7AA6F506}"/>
-              </a:ext>
-            </a:extLst>
-          </p:cNvPr>
-          <p:cNvCxnSpPr>
-            <a:cxnSpLocks/>
-            <a:stCxn id="6" idx="2"/>
-            <a:endCxn id="10" idx="0"/>
-          </p:cNvCxnSpPr>
-          <p:nvPr/>
-        </p:nvCxnSpPr>
-        <p:spPr bwMode="auto">
-          <a:xfrm rot="16200000" flipH="1">
-            <a:off x="5919057" y="2003926"/>
-            <a:ext cx="409867" cy="3368639"/>
-          </a:xfrm>
-          <a:prstGeom prst="bentConnector3">
-            <a:avLst>
-              <a:gd name="adj1" fmla="val 50000"/>
-            </a:avLst>
-          </a:prstGeom>
-          <a:ln w="28575">
-            <a:headEnd type="none" w="med" len="med"/>
-            <a:tailEnd type="triangle"/>
-          </a:ln>
-        </p:spPr>
-        <p:style>
-          <a:lnRef idx="1">
-            <a:schemeClr val="dk1"/>
-          </a:lnRef>
-          <a:fillRef idx="0">
-            <a:schemeClr val="dk1"/>
-          </a:fillRef>
-          <a:effectRef idx="0">
-            <a:schemeClr val="dk1"/>
-          </a:effectRef>
-          <a:fontRef idx="minor">
-            <a:schemeClr val="tx1"/>
-          </a:fontRef>
-        </p:style>
-      </p:cxnSp>
-      <p:cxnSp>
-        <p:nvCxnSpPr>
-          <p:cNvPr id="44" name="连接符: 肘形 43">
-            <a:extLst>
-              <a:ext uri="{FF2B5EF4-FFF2-40B4-BE49-F238E27FC236}">
-                <a16:creationId xmlns:a16="http://schemas.microsoft.com/office/drawing/2014/main" id="{414E75DC-0C30-E874-D461-6634FBDB7F43}"/>
-              </a:ext>
-            </a:extLst>
-          </p:cNvPr>
-          <p:cNvCxnSpPr>
-            <a:cxnSpLocks/>
-            <a:stCxn id="6" idx="2"/>
-            <a:endCxn id="8" idx="0"/>
-          </p:cNvCxnSpPr>
-          <p:nvPr/>
-        </p:nvCxnSpPr>
-        <p:spPr bwMode="auto">
-          <a:xfrm rot="5400000">
-            <a:off x="3735578" y="3189088"/>
-            <a:ext cx="409869" cy="998319"/>
-          </a:xfrm>
-          <a:prstGeom prst="bentConnector3">
-            <a:avLst>
-              <a:gd name="adj1" fmla="val 50000"/>
-            </a:avLst>
-          </a:prstGeom>
-          <a:ln w="28575">
-            <a:headEnd type="none" w="med" len="med"/>
-            <a:tailEnd type="triangle"/>
-          </a:ln>
-        </p:spPr>
-        <p:style>
-          <a:lnRef idx="1">
-            <a:schemeClr val="dk1"/>
-          </a:lnRef>
-          <a:fillRef idx="0">
-            <a:schemeClr val="dk1"/>
-          </a:fillRef>
-          <a:effectRef idx="0">
-            <a:schemeClr val="dk1"/>
-          </a:effectRef>
-          <a:fontRef idx="minor">
-            <a:schemeClr val="tx1"/>
-          </a:fontRef>
-        </p:style>
-      </p:cxnSp>
-      <p:cxnSp>
-        <p:nvCxnSpPr>
-          <p:cNvPr id="47" name="连接符: 肘形 46">
-            <a:extLst>
-              <a:ext uri="{FF2B5EF4-FFF2-40B4-BE49-F238E27FC236}">
-                <a16:creationId xmlns:a16="http://schemas.microsoft.com/office/drawing/2014/main" id="{8ACA2153-C8D3-41F2-DEAD-B877E8CF4DF7}"/>
-              </a:ext>
-            </a:extLst>
-          </p:cNvPr>
-          <p:cNvCxnSpPr>
-            <a:cxnSpLocks/>
-            <a:stCxn id="6" idx="2"/>
-            <a:endCxn id="9" idx="0"/>
-          </p:cNvCxnSpPr>
-          <p:nvPr/>
-        </p:nvCxnSpPr>
-        <p:spPr bwMode="auto">
-          <a:xfrm rot="16200000" flipH="1">
-            <a:off x="4817136" y="3105847"/>
-            <a:ext cx="409866" cy="1164797"/>
-          </a:xfrm>
-          <a:prstGeom prst="bentConnector3">
-            <a:avLst>
-              <a:gd name="adj1" fmla="val 50000"/>
-            </a:avLst>
-          </a:prstGeom>
-          <a:ln w="28575">
-            <a:headEnd type="none" w="med" len="med"/>
-            <a:tailEnd type="triangle"/>
-          </a:ln>
-        </p:spPr>
-        <p:style>
-          <a:lnRef idx="1">
-            <a:schemeClr val="dk1"/>
-          </a:lnRef>
-          <a:fillRef idx="0">
-            <a:schemeClr val="dk1"/>
-          </a:fillRef>
-          <a:effectRef idx="0">
-            <a:schemeClr val="dk1"/>
-          </a:effectRef>
-          <a:fontRef idx="minor">
-            <a:schemeClr val="tx1"/>
-          </a:fontRef>
-        </p:style>
-      </p:cxnSp>
     </p:spTree>
     <p:extLst>
       <p:ext uri="{BB962C8B-B14F-4D97-AF65-F5344CB8AC3E}">
-        <p14:creationId xmlns:p14="http://schemas.microsoft.com/office/powerpoint/2010/main" val="1257571355"/>
+        <p14:creationId xmlns:p14="http://schemas.microsoft.com/office/powerpoint/2010/main" val="655142816"/>
       </p:ext>
     </p:extLst>
   </p:cSld>
@@ -17403,41 +16667,21 @@
               <a:rPr lang="zh-CN" altLang="en-US" dirty="0">
                 <a:latin typeface="+mn-ea"/>
               </a:rPr>
-              <a:t>一</a:t>
-            </a:r>
-            <a:r>
-              <a:rPr lang="en-US" altLang="zh-CN" dirty="0">
-                <a:latin typeface="+mn-ea"/>
-              </a:rPr>
-              <a:t>. </a:t>
+              <a:t>二、</a:t>
+            </a:r>
+            <a:r>
+              <a:rPr lang="en-US" altLang="zh-CN" sz="3600" b="1" dirty="0">
+                <a:latin typeface="微软雅黑" pitchFamily="34" charset="-122"/>
+                <a:ea typeface="微软雅黑" pitchFamily="34" charset="-122"/>
+              </a:rPr>
+              <a:t>OGR</a:t>
             </a:r>
             <a:r>
               <a:rPr lang="zh-CN" altLang="en-US" sz="3600" b="1" dirty="0">
                 <a:latin typeface="微软雅黑" pitchFamily="34" charset="-122"/>
                 <a:ea typeface="微软雅黑" pitchFamily="34" charset="-122"/>
               </a:rPr>
-              <a:t>开源</a:t>
-            </a:r>
-            <a:r>
-              <a:rPr lang="en-US" altLang="zh-CN" sz="3600" b="1" dirty="0">
-                <a:latin typeface="微软雅黑" pitchFamily="34" charset="-122"/>
-                <a:ea typeface="微软雅黑" pitchFamily="34" charset="-122"/>
-              </a:rPr>
-              <a:t>Linux</a:t>
-            </a:r>
-            <a:r>
-              <a:rPr lang="zh-CN" altLang="en-US" sz="3600" b="1" dirty="0">
-                <a:latin typeface="微软雅黑" pitchFamily="34" charset="-122"/>
-                <a:ea typeface="微软雅黑" pitchFamily="34" charset="-122"/>
-              </a:rPr>
-              <a:t>操作系统</a:t>
-            </a:r>
-            <a:r>
-              <a:rPr lang="zh-CN" altLang="en-US" dirty="0">
-                <a:latin typeface="微软雅黑" pitchFamily="34" charset="-122"/>
-                <a:ea typeface="微软雅黑" pitchFamily="34" charset="-122"/>
-              </a:rPr>
-              <a:t>简介</a:t>
+              <a:t>开源库介绍</a:t>
             </a:r>
             <a:endParaRPr lang="zh-CN" altLang="en-US" dirty="0"/>
           </a:p>
@@ -17528,10 +16772,10 @@
       </p:sp>
       <p:sp>
         <p:nvSpPr>
-          <p:cNvPr id="5" name="TextBox 4">
+          <p:cNvPr id="4" name="TextBox 4">
             <a:extLst>
               <a:ext uri="{FF2B5EF4-FFF2-40B4-BE49-F238E27FC236}">
-                <a16:creationId xmlns:a16="http://schemas.microsoft.com/office/drawing/2014/main" id="{78502774-B04C-634F-1396-E5815996BC36}"/>
+                <a16:creationId xmlns:a16="http://schemas.microsoft.com/office/drawing/2014/main" id="{D44C56F3-FFA7-3E9D-7AF2-7B99ECE7A75E}"/>
               </a:ext>
             </a:extLst>
           </p:cNvPr>
@@ -17540,8 +16784,8 @@
         </p:nvSpPr>
         <p:spPr>
           <a:xfrm>
-            <a:off x="561109" y="1522005"/>
-            <a:ext cx="8021782" cy="693460"/>
+            <a:off x="528639" y="1512056"/>
+            <a:ext cx="8372468" cy="1123384"/>
           </a:xfrm>
           <a:prstGeom prst="rect">
             <a:avLst/>
@@ -17554,524 +16798,1046 @@
           </a:bodyPr>
           <a:lstStyle/>
           <a:p>
-            <a:pPr algn="just">
-              <a:lnSpc>
-                <a:spcPct val="200000"/>
-              </a:lnSpc>
-            </a:pPr>
-            <a:r>
-              <a:rPr lang="zh-CN" altLang="en-US" sz="2300" dirty="0">
-                <a:solidFill>
-                  <a:srgbClr val="151515"/>
+            <a:pPr algn="just"/>
+            <a:r>
+              <a:rPr lang="en-US" altLang="zh-CN" sz="2800" b="1" dirty="0" err="1">
+                <a:solidFill>
+                  <a:schemeClr val="accent2"/>
                 </a:solidFill>
                 <a:latin typeface="+mn-ea"/>
                 <a:ea typeface="+mn-ea"/>
               </a:rPr>
-              <a:t>数据读取流程：</a:t>
-            </a:r>
+              <a:t>OGRGeometry</a:t>
+            </a:r>
+            <a:r>
+              <a:rPr lang="zh-CN" altLang="en-US" sz="2800" b="1" dirty="0">
+                <a:solidFill>
+                  <a:schemeClr val="accent2"/>
+                </a:solidFill>
+                <a:latin typeface="+mn-ea"/>
+                <a:ea typeface="+mn-ea"/>
+              </a:rPr>
+              <a:t>类</a:t>
+            </a:r>
+            <a:r>
+              <a:rPr lang="zh-CN" altLang="en-US" sz="2800" dirty="0">
+                <a:solidFill>
+                  <a:srgbClr val="151515"/>
+                </a:solidFill>
+                <a:latin typeface="+mn-ea"/>
+                <a:ea typeface="+mn-ea"/>
+              </a:rPr>
+              <a:t>结构</a:t>
+            </a:r>
+            <a:endParaRPr lang="en-US" altLang="zh-CN" b="1" u="sng" dirty="0">
+              <a:solidFill>
+                <a:srgbClr val="151515"/>
+              </a:solidFill>
+              <a:latin typeface="+mn-ea"/>
+              <a:ea typeface="+mn-ea"/>
+            </a:endParaRPr>
+          </a:p>
+          <a:p>
+            <a:pPr algn="just"/>
+            <a:r>
+              <a:rPr lang="zh-CN" altLang="en-US" sz="2600" dirty="0">
+                <a:solidFill>
+                  <a:srgbClr val="151515"/>
+                </a:solidFill>
+                <a:latin typeface="+mn-ea"/>
+                <a:ea typeface="+mn-ea"/>
+              </a:rPr>
+              <a:t>几何类用于表示各种几何矢量，其继承关系如下：</a:t>
+            </a:r>
+            <a:endParaRPr lang="en-US" altLang="zh-CN" sz="2600" dirty="0">
+              <a:solidFill>
+                <a:srgbClr val="151515"/>
+              </a:solidFill>
+              <a:latin typeface="+mn-ea"/>
+              <a:ea typeface="+mn-ea"/>
+            </a:endParaRPr>
           </a:p>
         </p:txBody>
       </p:sp>
-      <p:sp>
-        <p:nvSpPr>
-          <p:cNvPr id="4" name="矩形 3">
+      <p:grpSp>
+        <p:nvGrpSpPr>
+          <p:cNvPr id="5" name="组合 4">
             <a:extLst>
               <a:ext uri="{FF2B5EF4-FFF2-40B4-BE49-F238E27FC236}">
-                <a16:creationId xmlns:a16="http://schemas.microsoft.com/office/drawing/2014/main" id="{D1F750A9-C70A-8B83-DC72-043D5C6B3C46}"/>
+                <a16:creationId xmlns:a16="http://schemas.microsoft.com/office/drawing/2014/main" id="{A41FF3FF-C112-060C-2EB2-6F8662D9162F}"/>
               </a:ext>
             </a:extLst>
           </p:cNvPr>
-          <p:cNvSpPr/>
+          <p:cNvGrpSpPr/>
           <p:nvPr/>
-        </p:nvSpPr>
-        <p:spPr>
+        </p:nvGrpSpPr>
+        <p:grpSpPr>
           <a:xfrm>
-            <a:off x="1816744" y="2414869"/>
-            <a:ext cx="2452914" cy="858269"/>
+            <a:off x="239142" y="2749888"/>
+            <a:ext cx="8685964" cy="3944826"/>
+            <a:chOff x="239142" y="2826088"/>
+            <a:chExt cx="8685964" cy="3944826"/>
           </a:xfrm>
-          <a:prstGeom prst="rect">
-            <a:avLst/>
-          </a:prstGeom>
-          <a:noFill/>
-          <a:ln w="28575">
+        </p:grpSpPr>
+        <p:sp>
+          <p:nvSpPr>
+            <p:cNvPr id="6" name="矩形 5">
+              <a:extLst>
+                <a:ext uri="{FF2B5EF4-FFF2-40B4-BE49-F238E27FC236}">
+                  <a16:creationId xmlns:a16="http://schemas.microsoft.com/office/drawing/2014/main" id="{E4B667F8-B1E4-E60F-1B7C-6B00B9B82C6A}"/>
+                </a:ext>
+              </a:extLst>
+            </p:cNvPr>
+            <p:cNvSpPr/>
+            <p:nvPr/>
+          </p:nvSpPr>
+          <p:spPr>
+            <a:xfrm>
+              <a:off x="3032352" y="2826088"/>
+              <a:ext cx="2814638" cy="657225"/>
+            </a:xfrm>
+            <a:prstGeom prst="rect">
+              <a:avLst/>
+            </a:prstGeom>
             <a:solidFill>
-              <a:schemeClr val="bg2"/>
+              <a:schemeClr val="tx2"/>
             </a:solidFill>
-          </a:ln>
-        </p:spPr>
-        <p:txBody>
-          <a:bodyPr wrap="square" lIns="0" rtlCol="0" anchor="ctr">
-            <a:noAutofit/>
-          </a:bodyPr>
-          <a:lstStyle/>
-          <a:p>
-            <a:r>
-              <a:rPr lang="zh-CN" altLang="en-US" b="1" dirty="0">
-                <a:solidFill>
-                  <a:srgbClr val="FF0000"/>
+          </p:spPr>
+          <p:txBody>
+            <a:bodyPr wrap="square" lIns="0" rtlCol="0" anchor="ctr">
+              <a:noAutofit/>
+            </a:bodyPr>
+            <a:lstStyle/>
+            <a:p>
+              <a:r>
+                <a:rPr lang="en-US" altLang="zh-CN" b="1" dirty="0" err="1">
+                  <a:solidFill>
+                    <a:schemeClr val="bg2"/>
+                  </a:solidFill>
+                  <a:latin typeface="微软雅黑" pitchFamily="34" charset="-122"/>
+                  <a:ea typeface="微软雅黑" pitchFamily="34" charset="-122"/>
+                </a:rPr>
+                <a:t>OGRGeometry</a:t>
+              </a:r>
+              <a:endParaRPr lang="zh-CN" altLang="en-US" b="1" dirty="0">
+                <a:solidFill>
+                  <a:schemeClr val="bg2"/>
                 </a:solidFill>
                 <a:latin typeface="微软雅黑" pitchFamily="34" charset="-122"/>
                 <a:ea typeface="微软雅黑" pitchFamily="34" charset="-122"/>
-              </a:rPr>
-              <a:t>注册驱动</a:t>
-            </a:r>
-          </a:p>
-        </p:txBody>
-      </p:sp>
-      <p:sp>
-        <p:nvSpPr>
-          <p:cNvPr id="6" name="矩形 5">
-            <a:extLst>
-              <a:ext uri="{FF2B5EF4-FFF2-40B4-BE49-F238E27FC236}">
-                <a16:creationId xmlns:a16="http://schemas.microsoft.com/office/drawing/2014/main" id="{85BE607E-94A1-E093-DA74-D8D0FB53187E}"/>
-              </a:ext>
-            </a:extLst>
-          </p:cNvPr>
-          <p:cNvSpPr/>
-          <p:nvPr/>
-        </p:nvSpPr>
-        <p:spPr>
-          <a:xfrm>
-            <a:off x="1816744" y="3787038"/>
-            <a:ext cx="2452914" cy="858269"/>
-          </a:xfrm>
-          <a:prstGeom prst="rect">
-            <a:avLst/>
-          </a:prstGeom>
-          <a:noFill/>
-          <a:ln w="28575">
+              </a:endParaRPr>
+            </a:p>
+          </p:txBody>
+        </p:sp>
+        <p:sp>
+          <p:nvSpPr>
+            <p:cNvPr id="25" name="矩形 24">
+              <a:extLst>
+                <a:ext uri="{FF2B5EF4-FFF2-40B4-BE49-F238E27FC236}">
+                  <a16:creationId xmlns:a16="http://schemas.microsoft.com/office/drawing/2014/main" id="{DF78B896-8B24-6498-69F8-CFFE3F490B9A}"/>
+                </a:ext>
+              </a:extLst>
+            </p:cNvPr>
+            <p:cNvSpPr/>
+            <p:nvPr/>
+          </p:nvSpPr>
+          <p:spPr>
+            <a:xfrm>
+              <a:off x="2181294" y="4672801"/>
+              <a:ext cx="2472285" cy="2098113"/>
+            </a:xfrm>
+            <a:prstGeom prst="rect">
+              <a:avLst/>
+            </a:prstGeom>
             <a:solidFill>
-              <a:schemeClr val="bg2"/>
+              <a:schemeClr val="accent6"/>
             </a:solidFill>
-          </a:ln>
-        </p:spPr>
-        <p:txBody>
-          <a:bodyPr wrap="square" lIns="0" rtlCol="0" anchor="ctr">
-            <a:noAutofit/>
-          </a:bodyPr>
-          <a:lstStyle/>
-          <a:p>
-            <a:r>
-              <a:rPr lang="zh-CN" altLang="en-US" b="1" dirty="0">
-                <a:solidFill>
-                  <a:srgbClr val="FF0000"/>
+            <a:ln w="28575">
+              <a:solidFill>
+                <a:schemeClr val="bg2"/>
+              </a:solidFill>
+            </a:ln>
+          </p:spPr>
+          <p:txBody>
+            <a:bodyPr wrap="square" lIns="0" rtlCol="0" anchor="ctr">
+              <a:noAutofit/>
+            </a:bodyPr>
+            <a:lstStyle/>
+            <a:p>
+              <a:pPr algn="l"/>
+              <a:endParaRPr lang="zh-CN" altLang="en-US" b="1" dirty="0">
+                <a:solidFill>
+                  <a:schemeClr val="bg2"/>
                 </a:solidFill>
                 <a:latin typeface="微软雅黑" pitchFamily="34" charset="-122"/>
                 <a:ea typeface="微软雅黑" pitchFamily="34" charset="-122"/>
-              </a:rPr>
-              <a:t>打开数据集</a:t>
-            </a:r>
-          </a:p>
-        </p:txBody>
-      </p:sp>
-      <p:sp>
-        <p:nvSpPr>
-          <p:cNvPr id="7" name="矩形 6">
-            <a:extLst>
-              <a:ext uri="{FF2B5EF4-FFF2-40B4-BE49-F238E27FC236}">
-                <a16:creationId xmlns:a16="http://schemas.microsoft.com/office/drawing/2014/main" id="{6D30944B-8680-6208-8F5F-1C57E55E51CA}"/>
-              </a:ext>
-            </a:extLst>
-          </p:cNvPr>
-          <p:cNvSpPr/>
-          <p:nvPr/>
-        </p:nvSpPr>
-        <p:spPr>
-          <a:xfrm>
-            <a:off x="1816744" y="5232817"/>
-            <a:ext cx="2452914" cy="858269"/>
-          </a:xfrm>
-          <a:prstGeom prst="rect">
-            <a:avLst/>
-          </a:prstGeom>
-          <a:noFill/>
-          <a:ln w="28575">
+              </a:endParaRPr>
+            </a:p>
+          </p:txBody>
+        </p:sp>
+        <p:sp>
+          <p:nvSpPr>
+            <p:cNvPr id="7" name="矩形 6">
+              <a:extLst>
+                <a:ext uri="{FF2B5EF4-FFF2-40B4-BE49-F238E27FC236}">
+                  <a16:creationId xmlns:a16="http://schemas.microsoft.com/office/drawing/2014/main" id="{F115B6DF-8BE4-9443-592F-E3C28E917A3E}"/>
+                </a:ext>
+              </a:extLst>
+            </p:cNvPr>
+            <p:cNvSpPr/>
+            <p:nvPr/>
+          </p:nvSpPr>
+          <p:spPr>
+            <a:xfrm>
+              <a:off x="239144" y="3893182"/>
+              <a:ext cx="1781495" cy="587811"/>
+            </a:xfrm>
+            <a:prstGeom prst="rect">
+              <a:avLst/>
+            </a:prstGeom>
             <a:solidFill>
-              <a:schemeClr val="bg2"/>
+              <a:schemeClr val="tx2"/>
             </a:solidFill>
-          </a:ln>
-        </p:spPr>
-        <p:txBody>
-          <a:bodyPr wrap="square" lIns="0" rtlCol="0" anchor="ctr">
-            <a:noAutofit/>
-          </a:bodyPr>
-          <a:lstStyle/>
-          <a:p>
-            <a:r>
-              <a:rPr lang="zh-CN" altLang="en-US" b="1" dirty="0">
-                <a:solidFill>
-                  <a:srgbClr val="FF0000"/>
+          </p:spPr>
+          <p:txBody>
+            <a:bodyPr wrap="square" lIns="0" rtlCol="0" anchor="ctr">
+              <a:noAutofit/>
+            </a:bodyPr>
+            <a:lstStyle/>
+            <a:p>
+              <a:r>
+                <a:rPr lang="en-US" altLang="zh-CN" sz="2200" b="1" dirty="0" err="1">
+                  <a:solidFill>
+                    <a:schemeClr val="bg2"/>
+                  </a:solidFill>
+                  <a:latin typeface="微软雅黑" pitchFamily="34" charset="-122"/>
+                  <a:ea typeface="微软雅黑" pitchFamily="34" charset="-122"/>
+                </a:rPr>
+                <a:t>OGRCurve</a:t>
+              </a:r>
+              <a:endParaRPr lang="zh-CN" altLang="en-US" sz="2200" b="1" dirty="0">
+                <a:solidFill>
+                  <a:schemeClr val="bg2"/>
                 </a:solidFill>
                 <a:latin typeface="微软雅黑" pitchFamily="34" charset="-122"/>
                 <a:ea typeface="微软雅黑" pitchFamily="34" charset="-122"/>
-              </a:rPr>
-              <a:t>打开图层</a:t>
-            </a:r>
-          </a:p>
-        </p:txBody>
-      </p:sp>
-      <p:sp>
-        <p:nvSpPr>
-          <p:cNvPr id="8" name="矩形 7">
-            <a:extLst>
-              <a:ext uri="{FF2B5EF4-FFF2-40B4-BE49-F238E27FC236}">
-                <a16:creationId xmlns:a16="http://schemas.microsoft.com/office/drawing/2014/main" id="{97FDE4DA-95A9-718A-FA8C-A572F428DC8C}"/>
-              </a:ext>
-            </a:extLst>
-          </p:cNvPr>
-          <p:cNvSpPr/>
-          <p:nvPr/>
-        </p:nvSpPr>
-        <p:spPr>
-          <a:xfrm>
-            <a:off x="5044885" y="2414869"/>
-            <a:ext cx="2452914" cy="858269"/>
-          </a:xfrm>
-          <a:prstGeom prst="rect">
-            <a:avLst/>
-          </a:prstGeom>
-          <a:noFill/>
-          <a:ln w="28575">
+              </a:endParaRPr>
+            </a:p>
+          </p:txBody>
+        </p:sp>
+        <p:sp>
+          <p:nvSpPr>
+            <p:cNvPr id="8" name="矩形 7">
+              <a:extLst>
+                <a:ext uri="{FF2B5EF4-FFF2-40B4-BE49-F238E27FC236}">
+                  <a16:creationId xmlns:a16="http://schemas.microsoft.com/office/drawing/2014/main" id="{F283813A-0E17-EAF7-D376-23779C8FA0DD}"/>
+                </a:ext>
+              </a:extLst>
+            </p:cNvPr>
+            <p:cNvSpPr/>
+            <p:nvPr/>
+          </p:nvSpPr>
+          <p:spPr>
+            <a:xfrm>
+              <a:off x="2181675" y="3893182"/>
+              <a:ext cx="2472285" cy="587811"/>
+            </a:xfrm>
+            <a:prstGeom prst="rect">
+              <a:avLst/>
+            </a:prstGeom>
             <a:solidFill>
-              <a:schemeClr val="bg2"/>
+              <a:schemeClr val="tx2"/>
             </a:solidFill>
-          </a:ln>
-        </p:spPr>
-        <p:txBody>
-          <a:bodyPr wrap="square" lIns="0" rtlCol="0" anchor="ctr">
-            <a:noAutofit/>
-          </a:bodyPr>
-          <a:lstStyle/>
-          <a:p>
-            <a:r>
-              <a:rPr lang="zh-CN" altLang="en-US" b="1" dirty="0">
-                <a:solidFill>
-                  <a:srgbClr val="FF0000"/>
+          </p:spPr>
+          <p:txBody>
+            <a:bodyPr wrap="square" lIns="0" rtlCol="0" anchor="ctr">
+              <a:noAutofit/>
+            </a:bodyPr>
+            <a:lstStyle/>
+            <a:p>
+              <a:r>
+                <a:rPr lang="en-US" altLang="zh-CN" sz="1500" b="1" dirty="0" err="1">
+                  <a:solidFill>
+                    <a:schemeClr val="bg2"/>
+                  </a:solidFill>
+                  <a:latin typeface="微软雅黑" pitchFamily="34" charset="-122"/>
+                  <a:ea typeface="微软雅黑" pitchFamily="34" charset="-122"/>
+                </a:rPr>
+                <a:t>OGRGeometryCollection</a:t>
+              </a:r>
+              <a:endParaRPr lang="zh-CN" altLang="en-US" sz="1500" b="1" dirty="0">
+                <a:solidFill>
+                  <a:schemeClr val="bg2"/>
                 </a:solidFill>
                 <a:latin typeface="微软雅黑" pitchFamily="34" charset="-122"/>
                 <a:ea typeface="微软雅黑" pitchFamily="34" charset="-122"/>
-              </a:rPr>
-              <a:t>获取要素定义</a:t>
-            </a:r>
-          </a:p>
-        </p:txBody>
-      </p:sp>
-      <p:sp>
-        <p:nvSpPr>
-          <p:cNvPr id="9" name="矩形 8">
-            <a:extLst>
-              <a:ext uri="{FF2B5EF4-FFF2-40B4-BE49-F238E27FC236}">
-                <a16:creationId xmlns:a16="http://schemas.microsoft.com/office/drawing/2014/main" id="{90A28092-BB0F-2EE7-FB40-F241177B1DC1}"/>
-              </a:ext>
-            </a:extLst>
-          </p:cNvPr>
-          <p:cNvSpPr/>
-          <p:nvPr/>
-        </p:nvSpPr>
-        <p:spPr>
-          <a:xfrm>
-            <a:off x="5044885" y="3787038"/>
-            <a:ext cx="2452914" cy="858269"/>
-          </a:xfrm>
-          <a:prstGeom prst="rect">
-            <a:avLst/>
-          </a:prstGeom>
-          <a:noFill/>
-          <a:ln w="28575">
+              </a:endParaRPr>
+            </a:p>
+          </p:txBody>
+        </p:sp>
+        <p:sp>
+          <p:nvSpPr>
+            <p:cNvPr id="9" name="矩形 8">
+              <a:extLst>
+                <a:ext uri="{FF2B5EF4-FFF2-40B4-BE49-F238E27FC236}">
+                  <a16:creationId xmlns:a16="http://schemas.microsoft.com/office/drawing/2014/main" id="{0DB985B9-7842-7544-EF01-366A36A740DD}"/>
+                </a:ext>
+              </a:extLst>
+            </p:cNvPr>
+            <p:cNvSpPr/>
+            <p:nvPr/>
+          </p:nvSpPr>
+          <p:spPr>
+            <a:xfrm>
+              <a:off x="4765544" y="3893179"/>
+              <a:ext cx="1852019" cy="587811"/>
+            </a:xfrm>
+            <a:prstGeom prst="rect">
+              <a:avLst/>
+            </a:prstGeom>
             <a:solidFill>
-              <a:schemeClr val="bg2"/>
+              <a:schemeClr val="tx2"/>
             </a:solidFill>
-          </a:ln>
-        </p:spPr>
-        <p:txBody>
-          <a:bodyPr wrap="square" lIns="0" rtlCol="0" anchor="ctr">
-            <a:noAutofit/>
-          </a:bodyPr>
-          <a:lstStyle/>
-          <a:p>
-            <a:r>
-              <a:rPr lang="zh-CN" altLang="en-US" b="1" dirty="0">
-                <a:solidFill>
-                  <a:srgbClr val="FF0000"/>
+          </p:spPr>
+          <p:txBody>
+            <a:bodyPr wrap="square" lIns="0" rtlCol="0" anchor="ctr">
+              <a:noAutofit/>
+            </a:bodyPr>
+            <a:lstStyle/>
+            <a:p>
+              <a:r>
+                <a:rPr lang="en-US" altLang="zh-CN" sz="2200" b="1" dirty="0" err="1">
+                  <a:solidFill>
+                    <a:schemeClr val="bg2"/>
+                  </a:solidFill>
+                  <a:latin typeface="微软雅黑" pitchFamily="34" charset="-122"/>
+                  <a:ea typeface="微软雅黑" pitchFamily="34" charset="-122"/>
+                </a:rPr>
+                <a:t>OGRPoint</a:t>
+              </a:r>
+              <a:endParaRPr lang="zh-CN" altLang="en-US" sz="2200" b="1" dirty="0">
+                <a:solidFill>
+                  <a:schemeClr val="bg2"/>
                 </a:solidFill>
                 <a:latin typeface="微软雅黑" pitchFamily="34" charset="-122"/>
                 <a:ea typeface="微软雅黑" pitchFamily="34" charset="-122"/>
-              </a:rPr>
-              <a:t>遍历要素</a:t>
-            </a:r>
-          </a:p>
-        </p:txBody>
-      </p:sp>
-      <p:sp>
-        <p:nvSpPr>
-          <p:cNvPr id="10" name="矩形 9">
-            <a:extLst>
-              <a:ext uri="{FF2B5EF4-FFF2-40B4-BE49-F238E27FC236}">
-                <a16:creationId xmlns:a16="http://schemas.microsoft.com/office/drawing/2014/main" id="{E9B5F08D-C366-E9E1-C8B9-677FB210B9C4}"/>
-              </a:ext>
-            </a:extLst>
-          </p:cNvPr>
-          <p:cNvSpPr/>
-          <p:nvPr/>
-        </p:nvSpPr>
-        <p:spPr>
-          <a:xfrm>
-            <a:off x="5044885" y="5232817"/>
-            <a:ext cx="2452914" cy="858269"/>
-          </a:xfrm>
-          <a:prstGeom prst="rect">
-            <a:avLst/>
-          </a:prstGeom>
-          <a:noFill/>
-          <a:ln w="28575">
+              </a:endParaRPr>
+            </a:p>
+          </p:txBody>
+        </p:sp>
+        <p:sp>
+          <p:nvSpPr>
+            <p:cNvPr id="10" name="矩形 9">
+              <a:extLst>
+                <a:ext uri="{FF2B5EF4-FFF2-40B4-BE49-F238E27FC236}">
+                  <a16:creationId xmlns:a16="http://schemas.microsoft.com/office/drawing/2014/main" id="{A8EF0B7C-E027-33AB-4721-CFF49996461B}"/>
+                </a:ext>
+              </a:extLst>
+            </p:cNvPr>
+            <p:cNvSpPr/>
+            <p:nvPr/>
+          </p:nvSpPr>
+          <p:spPr>
+            <a:xfrm>
+              <a:off x="6691513" y="3893180"/>
+              <a:ext cx="2233593" cy="587811"/>
+            </a:xfrm>
+            <a:prstGeom prst="rect">
+              <a:avLst/>
+            </a:prstGeom>
             <a:solidFill>
-              <a:schemeClr val="bg2"/>
+              <a:schemeClr val="tx2"/>
             </a:solidFill>
-          </a:ln>
-        </p:spPr>
-        <p:txBody>
-          <a:bodyPr wrap="square" lIns="0" rtlCol="0" anchor="ctr">
-            <a:noAutofit/>
-          </a:bodyPr>
-          <a:lstStyle/>
-          <a:p>
-            <a:r>
-              <a:rPr lang="zh-CN" altLang="en-US" b="1" dirty="0">
-                <a:solidFill>
-                  <a:srgbClr val="FF0000"/>
+          </p:spPr>
+          <p:txBody>
+            <a:bodyPr wrap="square" lIns="0" rtlCol="0" anchor="ctr">
+              <a:noAutofit/>
+            </a:bodyPr>
+            <a:lstStyle/>
+            <a:p>
+              <a:r>
+                <a:rPr lang="en-US" altLang="zh-CN" sz="2200" b="1" dirty="0" err="1">
+                  <a:solidFill>
+                    <a:schemeClr val="bg2"/>
+                  </a:solidFill>
+                  <a:latin typeface="微软雅黑" pitchFamily="34" charset="-122"/>
+                  <a:ea typeface="微软雅黑" pitchFamily="34" charset="-122"/>
+                </a:rPr>
+                <a:t>OGRSurface</a:t>
+              </a:r>
+              <a:endParaRPr lang="zh-CN" altLang="en-US" sz="2200" b="1" dirty="0">
+                <a:solidFill>
+                  <a:schemeClr val="bg2"/>
                 </a:solidFill>
                 <a:latin typeface="微软雅黑" pitchFamily="34" charset="-122"/>
                 <a:ea typeface="微软雅黑" pitchFamily="34" charset="-122"/>
-              </a:rPr>
-              <a:t>获取几何和属性信息</a:t>
-            </a:r>
-          </a:p>
-        </p:txBody>
-      </p:sp>
-      <p:cxnSp>
-        <p:nvCxnSpPr>
-          <p:cNvPr id="12" name="直接箭头连接符 11">
-            <a:extLst>
-              <a:ext uri="{FF2B5EF4-FFF2-40B4-BE49-F238E27FC236}">
-                <a16:creationId xmlns:a16="http://schemas.microsoft.com/office/drawing/2014/main" id="{EBCD2B2D-744C-31EF-F7D4-59903193479A}"/>
-              </a:ext>
-            </a:extLst>
-          </p:cNvPr>
-          <p:cNvCxnSpPr>
-            <a:cxnSpLocks/>
-            <a:stCxn id="4" idx="2"/>
-            <a:endCxn id="6" idx="0"/>
-          </p:cNvCxnSpPr>
-          <p:nvPr/>
-        </p:nvCxnSpPr>
-        <p:spPr bwMode="auto">
-          <a:xfrm>
-            <a:off x="3043201" y="3273138"/>
-            <a:ext cx="0" cy="513900"/>
-          </a:xfrm>
-          <a:prstGeom prst="straightConnector1">
-            <a:avLst/>
-          </a:prstGeom>
-          <a:ln w="28575">
-            <a:headEnd type="none" w="med" len="med"/>
-            <a:tailEnd type="triangle"/>
-          </a:ln>
-        </p:spPr>
-        <p:style>
-          <a:lnRef idx="1">
-            <a:schemeClr val="dk1"/>
-          </a:lnRef>
-          <a:fillRef idx="0">
-            <a:schemeClr val="dk1"/>
-          </a:fillRef>
-          <a:effectRef idx="0">
-            <a:schemeClr val="dk1"/>
-          </a:effectRef>
-          <a:fontRef idx="minor">
-            <a:schemeClr val="tx1"/>
-          </a:fontRef>
-        </p:style>
-      </p:cxnSp>
-      <p:cxnSp>
-        <p:nvCxnSpPr>
-          <p:cNvPr id="14" name="直接箭头连接符 13">
-            <a:extLst>
-              <a:ext uri="{FF2B5EF4-FFF2-40B4-BE49-F238E27FC236}">
-                <a16:creationId xmlns:a16="http://schemas.microsoft.com/office/drawing/2014/main" id="{C16A2EFE-4C34-925F-493E-06C7F878D490}"/>
-              </a:ext>
-            </a:extLst>
-          </p:cNvPr>
-          <p:cNvCxnSpPr>
-            <a:cxnSpLocks/>
-            <a:stCxn id="6" idx="2"/>
-            <a:endCxn id="7" idx="0"/>
-          </p:cNvCxnSpPr>
-          <p:nvPr/>
-        </p:nvCxnSpPr>
-        <p:spPr bwMode="auto">
-          <a:xfrm>
-            <a:off x="3043201" y="4645307"/>
-            <a:ext cx="0" cy="587510"/>
-          </a:xfrm>
-          <a:prstGeom prst="straightConnector1">
-            <a:avLst/>
-          </a:prstGeom>
-          <a:ln w="28575">
-            <a:headEnd type="none" w="med" len="med"/>
-            <a:tailEnd type="triangle"/>
-          </a:ln>
-        </p:spPr>
-        <p:style>
-          <a:lnRef idx="1">
-            <a:schemeClr val="dk1"/>
-          </a:lnRef>
-          <a:fillRef idx="0">
-            <a:schemeClr val="dk1"/>
-          </a:fillRef>
-          <a:effectRef idx="0">
-            <a:schemeClr val="dk1"/>
-          </a:effectRef>
-          <a:fontRef idx="minor">
-            <a:schemeClr val="tx1"/>
-          </a:fontRef>
-        </p:style>
-      </p:cxnSp>
-      <p:cxnSp>
-        <p:nvCxnSpPr>
-          <p:cNvPr id="18" name="连接符: 肘形 17">
-            <a:extLst>
-              <a:ext uri="{FF2B5EF4-FFF2-40B4-BE49-F238E27FC236}">
-                <a16:creationId xmlns:a16="http://schemas.microsoft.com/office/drawing/2014/main" id="{F65EE2A2-A8CC-8ACF-F477-DBBDC6F55DD7}"/>
-              </a:ext>
-            </a:extLst>
-          </p:cNvPr>
-          <p:cNvCxnSpPr>
-            <a:cxnSpLocks/>
-            <a:stCxn id="7" idx="3"/>
-            <a:endCxn id="8" idx="1"/>
-          </p:cNvCxnSpPr>
-          <p:nvPr/>
-        </p:nvCxnSpPr>
-        <p:spPr bwMode="auto">
-          <a:xfrm flipV="1">
-            <a:off x="4269658" y="2844004"/>
-            <a:ext cx="775227" cy="2817948"/>
-          </a:xfrm>
-          <a:prstGeom prst="bentConnector3">
-            <a:avLst/>
-          </a:prstGeom>
-          <a:ln w="19050">
-            <a:headEnd type="none" w="med" len="med"/>
-            <a:tailEnd type="triangle"/>
-          </a:ln>
-        </p:spPr>
-        <p:style>
-          <a:lnRef idx="1">
-            <a:schemeClr val="dk1"/>
-          </a:lnRef>
-          <a:fillRef idx="0">
-            <a:schemeClr val="dk1"/>
-          </a:fillRef>
-          <a:effectRef idx="0">
-            <a:schemeClr val="dk1"/>
-          </a:effectRef>
-          <a:fontRef idx="minor">
-            <a:schemeClr val="tx1"/>
-          </a:fontRef>
-        </p:style>
-      </p:cxnSp>
-      <p:cxnSp>
-        <p:nvCxnSpPr>
-          <p:cNvPr id="20" name="直接箭头连接符 19">
-            <a:extLst>
-              <a:ext uri="{FF2B5EF4-FFF2-40B4-BE49-F238E27FC236}">
-                <a16:creationId xmlns:a16="http://schemas.microsoft.com/office/drawing/2014/main" id="{A66C3C6C-14E9-F27F-33A4-703F8166EC8A}"/>
-              </a:ext>
-            </a:extLst>
-          </p:cNvPr>
-          <p:cNvCxnSpPr>
-            <a:cxnSpLocks/>
-            <a:stCxn id="8" idx="2"/>
-            <a:endCxn id="9" idx="0"/>
-          </p:cNvCxnSpPr>
-          <p:nvPr/>
-        </p:nvCxnSpPr>
-        <p:spPr bwMode="auto">
-          <a:xfrm>
-            <a:off x="6271342" y="3273138"/>
-            <a:ext cx="0" cy="513900"/>
-          </a:xfrm>
-          <a:prstGeom prst="straightConnector1">
-            <a:avLst/>
-          </a:prstGeom>
-          <a:ln w="28575">
-            <a:headEnd type="none" w="med" len="med"/>
-            <a:tailEnd type="triangle"/>
-          </a:ln>
-        </p:spPr>
-        <p:style>
-          <a:lnRef idx="1">
-            <a:schemeClr val="dk1"/>
-          </a:lnRef>
-          <a:fillRef idx="0">
-            <a:schemeClr val="dk1"/>
-          </a:fillRef>
-          <a:effectRef idx="0">
-            <a:schemeClr val="dk1"/>
-          </a:effectRef>
-          <a:fontRef idx="minor">
-            <a:schemeClr val="tx1"/>
-          </a:fontRef>
-        </p:style>
-      </p:cxnSp>
-      <p:cxnSp>
-        <p:nvCxnSpPr>
-          <p:cNvPr id="23" name="直接箭头连接符 22">
-            <a:extLst>
-              <a:ext uri="{FF2B5EF4-FFF2-40B4-BE49-F238E27FC236}">
-                <a16:creationId xmlns:a16="http://schemas.microsoft.com/office/drawing/2014/main" id="{AF86FD19-D4AD-A9C2-E880-E27009B55ED1}"/>
-              </a:ext>
-            </a:extLst>
-          </p:cNvPr>
-          <p:cNvCxnSpPr>
-            <a:cxnSpLocks/>
-            <a:stCxn id="9" idx="2"/>
-            <a:endCxn id="10" idx="0"/>
-          </p:cNvCxnSpPr>
-          <p:nvPr/>
-        </p:nvCxnSpPr>
-        <p:spPr bwMode="auto">
-          <a:xfrm>
-            <a:off x="6271342" y="4645307"/>
-            <a:ext cx="0" cy="587510"/>
-          </a:xfrm>
-          <a:prstGeom prst="straightConnector1">
-            <a:avLst/>
-          </a:prstGeom>
-          <a:ln w="28575">
-            <a:headEnd type="none" w="med" len="med"/>
-            <a:tailEnd type="triangle"/>
-          </a:ln>
-        </p:spPr>
-        <p:style>
-          <a:lnRef idx="1">
-            <a:schemeClr val="dk1"/>
-          </a:lnRef>
-          <a:fillRef idx="0">
-            <a:schemeClr val="dk1"/>
-          </a:fillRef>
-          <a:effectRef idx="0">
-            <a:schemeClr val="dk1"/>
-          </a:effectRef>
-          <a:fontRef idx="minor">
-            <a:schemeClr val="tx1"/>
-          </a:fontRef>
-        </p:style>
-      </p:cxnSp>
+              </a:endParaRPr>
+            </a:p>
+          </p:txBody>
+        </p:sp>
+        <p:sp>
+          <p:nvSpPr>
+            <p:cNvPr id="11" name="矩形 10">
+              <a:extLst>
+                <a:ext uri="{FF2B5EF4-FFF2-40B4-BE49-F238E27FC236}">
+                  <a16:creationId xmlns:a16="http://schemas.microsoft.com/office/drawing/2014/main" id="{5757F080-620A-99D2-8C06-6ECF3D271C65}"/>
+                </a:ext>
+              </a:extLst>
+            </p:cNvPr>
+            <p:cNvSpPr/>
+            <p:nvPr/>
+          </p:nvSpPr>
+          <p:spPr>
+            <a:xfrm>
+              <a:off x="239142" y="4776649"/>
+              <a:ext cx="1781495" cy="587811"/>
+            </a:xfrm>
+            <a:prstGeom prst="rect">
+              <a:avLst/>
+            </a:prstGeom>
+            <a:solidFill>
+              <a:schemeClr val="tx2"/>
+            </a:solidFill>
+          </p:spPr>
+          <p:txBody>
+            <a:bodyPr wrap="square" lIns="0" rtlCol="0" anchor="ctr">
+              <a:noAutofit/>
+            </a:bodyPr>
+            <a:lstStyle/>
+            <a:p>
+              <a:r>
+                <a:rPr lang="en-US" altLang="zh-CN" sz="1600" b="1" dirty="0" err="1">
+                  <a:solidFill>
+                    <a:schemeClr val="bg2"/>
+                  </a:solidFill>
+                  <a:latin typeface="微软雅黑" pitchFamily="34" charset="-122"/>
+                  <a:ea typeface="微软雅黑" pitchFamily="34" charset="-122"/>
+                </a:rPr>
+                <a:t>OGRLineString</a:t>
+              </a:r>
+              <a:endParaRPr lang="zh-CN" altLang="en-US" sz="1600" b="1" dirty="0">
+                <a:solidFill>
+                  <a:schemeClr val="bg2"/>
+                </a:solidFill>
+                <a:latin typeface="微软雅黑" pitchFamily="34" charset="-122"/>
+                <a:ea typeface="微软雅黑" pitchFamily="34" charset="-122"/>
+              </a:endParaRPr>
+            </a:p>
+          </p:txBody>
+        </p:sp>
+        <p:sp>
+          <p:nvSpPr>
+            <p:cNvPr id="12" name="矩形 11">
+              <a:extLst>
+                <a:ext uri="{FF2B5EF4-FFF2-40B4-BE49-F238E27FC236}">
+                  <a16:creationId xmlns:a16="http://schemas.microsoft.com/office/drawing/2014/main" id="{78F6218C-A914-7931-E32E-2875002B437E}"/>
+                </a:ext>
+              </a:extLst>
+            </p:cNvPr>
+            <p:cNvSpPr/>
+            <p:nvPr/>
+          </p:nvSpPr>
+          <p:spPr>
+            <a:xfrm>
+              <a:off x="239142" y="5654651"/>
+              <a:ext cx="1781496" cy="587811"/>
+            </a:xfrm>
+            <a:prstGeom prst="rect">
+              <a:avLst/>
+            </a:prstGeom>
+            <a:solidFill>
+              <a:schemeClr val="tx2"/>
+            </a:solidFill>
+          </p:spPr>
+          <p:txBody>
+            <a:bodyPr wrap="square" lIns="0" rtlCol="0" anchor="ctr">
+              <a:noAutofit/>
+            </a:bodyPr>
+            <a:lstStyle/>
+            <a:p>
+              <a:r>
+                <a:rPr lang="en-US" altLang="zh-CN" sz="1600" b="1" dirty="0" err="1">
+                  <a:solidFill>
+                    <a:schemeClr val="bg2"/>
+                  </a:solidFill>
+                  <a:latin typeface="微软雅黑" pitchFamily="34" charset="-122"/>
+                  <a:ea typeface="微软雅黑" pitchFamily="34" charset="-122"/>
+                </a:rPr>
+                <a:t>OGRLinearRing</a:t>
+              </a:r>
+              <a:endParaRPr lang="zh-CN" altLang="en-US" sz="1600" b="1" dirty="0">
+                <a:solidFill>
+                  <a:schemeClr val="bg2"/>
+                </a:solidFill>
+                <a:latin typeface="微软雅黑" pitchFamily="34" charset="-122"/>
+                <a:ea typeface="微软雅黑" pitchFamily="34" charset="-122"/>
+              </a:endParaRPr>
+            </a:p>
+          </p:txBody>
+        </p:sp>
+        <p:sp>
+          <p:nvSpPr>
+            <p:cNvPr id="13" name="矩形 12">
+              <a:extLst>
+                <a:ext uri="{FF2B5EF4-FFF2-40B4-BE49-F238E27FC236}">
+                  <a16:creationId xmlns:a16="http://schemas.microsoft.com/office/drawing/2014/main" id="{31DF731D-DDD9-F443-7452-FD380945BC70}"/>
+                </a:ext>
+              </a:extLst>
+            </p:cNvPr>
+            <p:cNvSpPr/>
+            <p:nvPr/>
+          </p:nvSpPr>
+          <p:spPr>
+            <a:xfrm>
+              <a:off x="2290009" y="4763669"/>
+              <a:ext cx="2265365" cy="587811"/>
+            </a:xfrm>
+            <a:prstGeom prst="rect">
+              <a:avLst/>
+            </a:prstGeom>
+            <a:solidFill>
+              <a:schemeClr val="tx2"/>
+            </a:solidFill>
+          </p:spPr>
+          <p:txBody>
+            <a:bodyPr wrap="square" lIns="0" rtlCol="0" anchor="ctr">
+              <a:noAutofit/>
+            </a:bodyPr>
+            <a:lstStyle/>
+            <a:p>
+              <a:r>
+                <a:rPr lang="en-US" altLang="zh-CN" sz="1700" b="1" dirty="0" err="1">
+                  <a:solidFill>
+                    <a:schemeClr val="bg2"/>
+                  </a:solidFill>
+                  <a:latin typeface="微软雅黑" pitchFamily="34" charset="-122"/>
+                  <a:ea typeface="微软雅黑" pitchFamily="34" charset="-122"/>
+                </a:rPr>
+                <a:t>OGRMultiLineString</a:t>
+              </a:r>
+              <a:endParaRPr lang="zh-CN" altLang="en-US" sz="1700" b="1" dirty="0">
+                <a:solidFill>
+                  <a:schemeClr val="bg2"/>
+                </a:solidFill>
+                <a:latin typeface="微软雅黑" pitchFamily="34" charset="-122"/>
+                <a:ea typeface="微软雅黑" pitchFamily="34" charset="-122"/>
+              </a:endParaRPr>
+            </a:p>
+          </p:txBody>
+        </p:sp>
+        <p:sp>
+          <p:nvSpPr>
+            <p:cNvPr id="14" name="矩形 13">
+              <a:extLst>
+                <a:ext uri="{FF2B5EF4-FFF2-40B4-BE49-F238E27FC236}">
+                  <a16:creationId xmlns:a16="http://schemas.microsoft.com/office/drawing/2014/main" id="{567E35FD-BCEB-191D-A435-BA1BC17F6D78}"/>
+                </a:ext>
+              </a:extLst>
+            </p:cNvPr>
+            <p:cNvSpPr/>
+            <p:nvPr/>
+          </p:nvSpPr>
+          <p:spPr>
+            <a:xfrm>
+              <a:off x="2306973" y="5453444"/>
+              <a:ext cx="2246367" cy="587811"/>
+            </a:xfrm>
+            <a:prstGeom prst="rect">
+              <a:avLst/>
+            </a:prstGeom>
+            <a:solidFill>
+              <a:schemeClr val="tx2"/>
+            </a:solidFill>
+          </p:spPr>
+          <p:txBody>
+            <a:bodyPr wrap="square" lIns="0" rtlCol="0" anchor="ctr">
+              <a:noAutofit/>
+            </a:bodyPr>
+            <a:lstStyle/>
+            <a:p>
+              <a:r>
+                <a:rPr lang="en-US" altLang="zh-CN" sz="1800" b="1" dirty="0" err="1">
+                  <a:solidFill>
+                    <a:schemeClr val="bg2"/>
+                  </a:solidFill>
+                  <a:latin typeface="微软雅黑" pitchFamily="34" charset="-122"/>
+                  <a:ea typeface="微软雅黑" pitchFamily="34" charset="-122"/>
+                </a:rPr>
+                <a:t>OGRMultiPoint</a:t>
+              </a:r>
+              <a:endParaRPr lang="zh-CN" altLang="en-US" sz="1800" b="1" dirty="0">
+                <a:solidFill>
+                  <a:schemeClr val="bg2"/>
+                </a:solidFill>
+                <a:latin typeface="微软雅黑" pitchFamily="34" charset="-122"/>
+                <a:ea typeface="微软雅黑" pitchFamily="34" charset="-122"/>
+              </a:endParaRPr>
+            </a:p>
+          </p:txBody>
+        </p:sp>
+        <p:sp>
+          <p:nvSpPr>
+            <p:cNvPr id="15" name="矩形 14">
+              <a:extLst>
+                <a:ext uri="{FF2B5EF4-FFF2-40B4-BE49-F238E27FC236}">
+                  <a16:creationId xmlns:a16="http://schemas.microsoft.com/office/drawing/2014/main" id="{4C216DDB-6F8E-2385-3662-79EC733041B7}"/>
+                </a:ext>
+              </a:extLst>
+            </p:cNvPr>
+            <p:cNvSpPr/>
+            <p:nvPr/>
+          </p:nvSpPr>
+          <p:spPr>
+            <a:xfrm>
+              <a:off x="2290009" y="6116401"/>
+              <a:ext cx="2263331" cy="587811"/>
+            </a:xfrm>
+            <a:prstGeom prst="rect">
+              <a:avLst/>
+            </a:prstGeom>
+            <a:solidFill>
+              <a:schemeClr val="tx2"/>
+            </a:solidFill>
+          </p:spPr>
+          <p:txBody>
+            <a:bodyPr wrap="square" lIns="0" rtlCol="0" anchor="ctr">
+              <a:noAutofit/>
+            </a:bodyPr>
+            <a:lstStyle/>
+            <a:p>
+              <a:r>
+                <a:rPr lang="en-US" altLang="zh-CN" sz="1800" b="1" dirty="0" err="1">
+                  <a:solidFill>
+                    <a:schemeClr val="bg2"/>
+                  </a:solidFill>
+                  <a:latin typeface="微软雅黑" pitchFamily="34" charset="-122"/>
+                  <a:ea typeface="微软雅黑" pitchFamily="34" charset="-122"/>
+                </a:rPr>
+                <a:t>OGRMultiPolygon</a:t>
+              </a:r>
+              <a:endParaRPr lang="zh-CN" altLang="en-US" sz="1800" b="1" dirty="0">
+                <a:solidFill>
+                  <a:schemeClr val="bg2"/>
+                </a:solidFill>
+                <a:latin typeface="微软雅黑" pitchFamily="34" charset="-122"/>
+                <a:ea typeface="微软雅黑" pitchFamily="34" charset="-122"/>
+              </a:endParaRPr>
+            </a:p>
+          </p:txBody>
+        </p:sp>
+        <p:sp>
+          <p:nvSpPr>
+            <p:cNvPr id="16" name="矩形 15">
+              <a:extLst>
+                <a:ext uri="{FF2B5EF4-FFF2-40B4-BE49-F238E27FC236}">
+                  <a16:creationId xmlns:a16="http://schemas.microsoft.com/office/drawing/2014/main" id="{5EE65CAC-C23C-86D0-DE32-DC6674D010E7}"/>
+                </a:ext>
+              </a:extLst>
+            </p:cNvPr>
+            <p:cNvSpPr/>
+            <p:nvPr/>
+          </p:nvSpPr>
+          <p:spPr>
+            <a:xfrm>
+              <a:off x="6691512" y="4966779"/>
+              <a:ext cx="2233593" cy="587811"/>
+            </a:xfrm>
+            <a:prstGeom prst="rect">
+              <a:avLst/>
+            </a:prstGeom>
+            <a:solidFill>
+              <a:schemeClr val="tx2"/>
+            </a:solidFill>
+          </p:spPr>
+          <p:txBody>
+            <a:bodyPr wrap="square" lIns="0" rtlCol="0" anchor="ctr">
+              <a:noAutofit/>
+            </a:bodyPr>
+            <a:lstStyle/>
+            <a:p>
+              <a:r>
+                <a:rPr lang="en-US" altLang="zh-CN" sz="1800" b="1" dirty="0" err="1">
+                  <a:solidFill>
+                    <a:schemeClr val="bg2"/>
+                  </a:solidFill>
+                  <a:latin typeface="微软雅黑" pitchFamily="34" charset="-122"/>
+                  <a:ea typeface="微软雅黑" pitchFamily="34" charset="-122"/>
+                </a:rPr>
+                <a:t>OGRPolygon</a:t>
+              </a:r>
+              <a:endParaRPr lang="zh-CN" altLang="en-US" sz="1800" b="1" dirty="0">
+                <a:solidFill>
+                  <a:schemeClr val="bg2"/>
+                </a:solidFill>
+                <a:latin typeface="微软雅黑" pitchFamily="34" charset="-122"/>
+                <a:ea typeface="微软雅黑" pitchFamily="34" charset="-122"/>
+              </a:endParaRPr>
+            </a:p>
+          </p:txBody>
+        </p:sp>
+        <p:cxnSp>
+          <p:nvCxnSpPr>
+            <p:cNvPr id="18" name="直接箭头连接符 17">
+              <a:extLst>
+                <a:ext uri="{FF2B5EF4-FFF2-40B4-BE49-F238E27FC236}">
+                  <a16:creationId xmlns:a16="http://schemas.microsoft.com/office/drawing/2014/main" id="{F35F750F-734C-46EC-3634-98BC7BCA2951}"/>
+                </a:ext>
+              </a:extLst>
+            </p:cNvPr>
+            <p:cNvCxnSpPr>
+              <a:cxnSpLocks/>
+              <a:stCxn id="8" idx="2"/>
+              <a:endCxn id="25" idx="0"/>
+            </p:cNvCxnSpPr>
+            <p:nvPr/>
+          </p:nvCxnSpPr>
+          <p:spPr bwMode="auto">
+            <a:xfrm flipH="1">
+              <a:off x="3417437" y="4480993"/>
+              <a:ext cx="381" cy="191808"/>
+            </a:xfrm>
+            <a:prstGeom prst="straightConnector1">
+              <a:avLst/>
+            </a:prstGeom>
+            <a:ln w="28575">
+              <a:headEnd type="none" w="med" len="med"/>
+              <a:tailEnd type="triangle"/>
+            </a:ln>
+          </p:spPr>
+          <p:style>
+            <a:lnRef idx="1">
+              <a:schemeClr val="dk1"/>
+            </a:lnRef>
+            <a:fillRef idx="0">
+              <a:schemeClr val="dk1"/>
+            </a:fillRef>
+            <a:effectRef idx="0">
+              <a:schemeClr val="dk1"/>
+            </a:effectRef>
+            <a:fontRef idx="minor">
+              <a:schemeClr val="tx1"/>
+            </a:fontRef>
+          </p:style>
+        </p:cxnSp>
+        <p:cxnSp>
+          <p:nvCxnSpPr>
+            <p:cNvPr id="19" name="直接箭头连接符 18">
+              <a:extLst>
+                <a:ext uri="{FF2B5EF4-FFF2-40B4-BE49-F238E27FC236}">
+                  <a16:creationId xmlns:a16="http://schemas.microsoft.com/office/drawing/2014/main" id="{98D45901-3A2E-22D8-A30E-FAA015736C47}"/>
+                </a:ext>
+              </a:extLst>
+            </p:cNvPr>
+            <p:cNvCxnSpPr>
+              <a:cxnSpLocks/>
+              <a:stCxn id="7" idx="2"/>
+              <a:endCxn id="11" idx="0"/>
+            </p:cNvCxnSpPr>
+            <p:nvPr/>
+          </p:nvCxnSpPr>
+          <p:spPr bwMode="auto">
+            <a:xfrm flipH="1">
+              <a:off x="1129890" y="4480993"/>
+              <a:ext cx="2" cy="295656"/>
+            </a:xfrm>
+            <a:prstGeom prst="straightConnector1">
+              <a:avLst/>
+            </a:prstGeom>
+            <a:ln w="28575">
+              <a:headEnd type="none" w="med" len="med"/>
+              <a:tailEnd type="triangle"/>
+            </a:ln>
+          </p:spPr>
+          <p:style>
+            <a:lnRef idx="1">
+              <a:schemeClr val="dk1"/>
+            </a:lnRef>
+            <a:fillRef idx="0">
+              <a:schemeClr val="dk1"/>
+            </a:fillRef>
+            <a:effectRef idx="0">
+              <a:schemeClr val="dk1"/>
+            </a:effectRef>
+            <a:fontRef idx="minor">
+              <a:schemeClr val="tx1"/>
+            </a:fontRef>
+          </p:style>
+        </p:cxnSp>
+        <p:cxnSp>
+          <p:nvCxnSpPr>
+            <p:cNvPr id="22" name="直接箭头连接符 21">
+              <a:extLst>
+                <a:ext uri="{FF2B5EF4-FFF2-40B4-BE49-F238E27FC236}">
+                  <a16:creationId xmlns:a16="http://schemas.microsoft.com/office/drawing/2014/main" id="{34D05352-461D-90F2-1B3F-9E2405A2B7D6}"/>
+                </a:ext>
+              </a:extLst>
+            </p:cNvPr>
+            <p:cNvCxnSpPr>
+              <a:cxnSpLocks/>
+              <a:stCxn id="11" idx="2"/>
+              <a:endCxn id="12" idx="0"/>
+            </p:cNvCxnSpPr>
+            <p:nvPr/>
+          </p:nvCxnSpPr>
+          <p:spPr bwMode="auto">
+            <a:xfrm>
+              <a:off x="1129890" y="5364460"/>
+              <a:ext cx="0" cy="290191"/>
+            </a:xfrm>
+            <a:prstGeom prst="straightConnector1">
+              <a:avLst/>
+            </a:prstGeom>
+            <a:ln w="28575">
+              <a:headEnd type="none" w="med" len="med"/>
+              <a:tailEnd type="triangle"/>
+            </a:ln>
+          </p:spPr>
+          <p:style>
+            <a:lnRef idx="1">
+              <a:schemeClr val="dk1"/>
+            </a:lnRef>
+            <a:fillRef idx="0">
+              <a:schemeClr val="dk1"/>
+            </a:fillRef>
+            <a:effectRef idx="0">
+              <a:schemeClr val="dk1"/>
+            </a:effectRef>
+            <a:fontRef idx="minor">
+              <a:schemeClr val="tx1"/>
+            </a:fontRef>
+          </p:style>
+        </p:cxnSp>
+        <p:cxnSp>
+          <p:nvCxnSpPr>
+            <p:cNvPr id="32" name="直接箭头连接符 31">
+              <a:extLst>
+                <a:ext uri="{FF2B5EF4-FFF2-40B4-BE49-F238E27FC236}">
+                  <a16:creationId xmlns:a16="http://schemas.microsoft.com/office/drawing/2014/main" id="{F5AC3C20-55F7-4202-DE5D-F801A01185C7}"/>
+                </a:ext>
+              </a:extLst>
+            </p:cNvPr>
+            <p:cNvCxnSpPr>
+              <a:cxnSpLocks/>
+              <a:stCxn id="10" idx="2"/>
+              <a:endCxn id="16" idx="0"/>
+            </p:cNvCxnSpPr>
+            <p:nvPr/>
+          </p:nvCxnSpPr>
+          <p:spPr bwMode="auto">
+            <a:xfrm flipH="1">
+              <a:off x="7808309" y="4480991"/>
+              <a:ext cx="1" cy="485788"/>
+            </a:xfrm>
+            <a:prstGeom prst="straightConnector1">
+              <a:avLst/>
+            </a:prstGeom>
+            <a:ln w="28575">
+              <a:headEnd type="none" w="med" len="med"/>
+              <a:tailEnd type="triangle"/>
+            </a:ln>
+          </p:spPr>
+          <p:style>
+            <a:lnRef idx="1">
+              <a:schemeClr val="dk1"/>
+            </a:lnRef>
+            <a:fillRef idx="0">
+              <a:schemeClr val="dk1"/>
+            </a:fillRef>
+            <a:effectRef idx="0">
+              <a:schemeClr val="dk1"/>
+            </a:effectRef>
+            <a:fontRef idx="minor">
+              <a:schemeClr val="tx1"/>
+            </a:fontRef>
+          </p:style>
+        </p:cxnSp>
+        <p:cxnSp>
+          <p:nvCxnSpPr>
+            <p:cNvPr id="37" name="连接符: 肘形 36">
+              <a:extLst>
+                <a:ext uri="{FF2B5EF4-FFF2-40B4-BE49-F238E27FC236}">
+                  <a16:creationId xmlns:a16="http://schemas.microsoft.com/office/drawing/2014/main" id="{F60F520E-3ABE-1469-9F96-87890D664338}"/>
+                </a:ext>
+              </a:extLst>
+            </p:cNvPr>
+            <p:cNvCxnSpPr>
+              <a:cxnSpLocks/>
+              <a:stCxn id="6" idx="2"/>
+              <a:endCxn id="7" idx="0"/>
+            </p:cNvCxnSpPr>
+            <p:nvPr/>
+          </p:nvCxnSpPr>
+          <p:spPr bwMode="auto">
+            <a:xfrm rot="5400000">
+              <a:off x="2579848" y="2033358"/>
+              <a:ext cx="409869" cy="3309779"/>
+            </a:xfrm>
+            <a:prstGeom prst="bentConnector3">
+              <a:avLst/>
+            </a:prstGeom>
+            <a:ln w="28575">
+              <a:headEnd type="none" w="med" len="med"/>
+              <a:tailEnd type="triangle"/>
+            </a:ln>
+          </p:spPr>
+          <p:style>
+            <a:lnRef idx="1">
+              <a:schemeClr val="dk1"/>
+            </a:lnRef>
+            <a:fillRef idx="0">
+              <a:schemeClr val="dk1"/>
+            </a:fillRef>
+            <a:effectRef idx="0">
+              <a:schemeClr val="dk1"/>
+            </a:effectRef>
+            <a:fontRef idx="minor">
+              <a:schemeClr val="tx1"/>
+            </a:fontRef>
+          </p:style>
+        </p:cxnSp>
+        <p:cxnSp>
+          <p:nvCxnSpPr>
+            <p:cNvPr id="41" name="连接符: 肘形 40">
+              <a:extLst>
+                <a:ext uri="{FF2B5EF4-FFF2-40B4-BE49-F238E27FC236}">
+                  <a16:creationId xmlns:a16="http://schemas.microsoft.com/office/drawing/2014/main" id="{C4756926-1098-426F-84C3-689A7AA6F506}"/>
+                </a:ext>
+              </a:extLst>
+            </p:cNvPr>
+            <p:cNvCxnSpPr>
+              <a:cxnSpLocks/>
+              <a:stCxn id="6" idx="2"/>
+              <a:endCxn id="10" idx="0"/>
+            </p:cNvCxnSpPr>
+            <p:nvPr/>
+          </p:nvCxnSpPr>
+          <p:spPr bwMode="auto">
+            <a:xfrm rot="16200000" flipH="1">
+              <a:off x="5919057" y="2003926"/>
+              <a:ext cx="409867" cy="3368639"/>
+            </a:xfrm>
+            <a:prstGeom prst="bentConnector3">
+              <a:avLst>
+                <a:gd name="adj1" fmla="val 50000"/>
+              </a:avLst>
+            </a:prstGeom>
+            <a:ln w="28575">
+              <a:headEnd type="none" w="med" len="med"/>
+              <a:tailEnd type="triangle"/>
+            </a:ln>
+          </p:spPr>
+          <p:style>
+            <a:lnRef idx="1">
+              <a:schemeClr val="dk1"/>
+            </a:lnRef>
+            <a:fillRef idx="0">
+              <a:schemeClr val="dk1"/>
+            </a:fillRef>
+            <a:effectRef idx="0">
+              <a:schemeClr val="dk1"/>
+            </a:effectRef>
+            <a:fontRef idx="minor">
+              <a:schemeClr val="tx1"/>
+            </a:fontRef>
+          </p:style>
+        </p:cxnSp>
+        <p:cxnSp>
+          <p:nvCxnSpPr>
+            <p:cNvPr id="44" name="连接符: 肘形 43">
+              <a:extLst>
+                <a:ext uri="{FF2B5EF4-FFF2-40B4-BE49-F238E27FC236}">
+                  <a16:creationId xmlns:a16="http://schemas.microsoft.com/office/drawing/2014/main" id="{414E75DC-0C30-E874-D461-6634FBDB7F43}"/>
+                </a:ext>
+              </a:extLst>
+            </p:cNvPr>
+            <p:cNvCxnSpPr>
+              <a:cxnSpLocks/>
+              <a:stCxn id="6" idx="2"/>
+              <a:endCxn id="8" idx="0"/>
+            </p:cNvCxnSpPr>
+            <p:nvPr/>
+          </p:nvCxnSpPr>
+          <p:spPr bwMode="auto">
+            <a:xfrm rot="5400000">
+              <a:off x="3723811" y="3177321"/>
+              <a:ext cx="409869" cy="1021853"/>
+            </a:xfrm>
+            <a:prstGeom prst="bentConnector3">
+              <a:avLst>
+                <a:gd name="adj1" fmla="val 50000"/>
+              </a:avLst>
+            </a:prstGeom>
+            <a:ln w="28575">
+              <a:headEnd type="none" w="med" len="med"/>
+              <a:tailEnd type="triangle"/>
+            </a:ln>
+          </p:spPr>
+          <p:style>
+            <a:lnRef idx="1">
+              <a:schemeClr val="dk1"/>
+            </a:lnRef>
+            <a:fillRef idx="0">
+              <a:schemeClr val="dk1"/>
+            </a:fillRef>
+            <a:effectRef idx="0">
+              <a:schemeClr val="dk1"/>
+            </a:effectRef>
+            <a:fontRef idx="minor">
+              <a:schemeClr val="tx1"/>
+            </a:fontRef>
+          </p:style>
+        </p:cxnSp>
+        <p:cxnSp>
+          <p:nvCxnSpPr>
+            <p:cNvPr id="47" name="连接符: 肘形 46">
+              <a:extLst>
+                <a:ext uri="{FF2B5EF4-FFF2-40B4-BE49-F238E27FC236}">
+                  <a16:creationId xmlns:a16="http://schemas.microsoft.com/office/drawing/2014/main" id="{8ACA2153-C8D3-41F2-DEAD-B877E8CF4DF7}"/>
+                </a:ext>
+              </a:extLst>
+            </p:cNvPr>
+            <p:cNvCxnSpPr>
+              <a:cxnSpLocks/>
+              <a:stCxn id="6" idx="2"/>
+              <a:endCxn id="9" idx="0"/>
+            </p:cNvCxnSpPr>
+            <p:nvPr/>
+          </p:nvCxnSpPr>
+          <p:spPr bwMode="auto">
+            <a:xfrm rot="16200000" flipH="1">
+              <a:off x="4860679" y="3062304"/>
+              <a:ext cx="409866" cy="1251883"/>
+            </a:xfrm>
+            <a:prstGeom prst="bentConnector3">
+              <a:avLst>
+                <a:gd name="adj1" fmla="val 50000"/>
+              </a:avLst>
+            </a:prstGeom>
+            <a:ln w="28575">
+              <a:headEnd type="none" w="med" len="med"/>
+              <a:tailEnd type="triangle"/>
+            </a:ln>
+          </p:spPr>
+          <p:style>
+            <a:lnRef idx="1">
+              <a:schemeClr val="dk1"/>
+            </a:lnRef>
+            <a:fillRef idx="0">
+              <a:schemeClr val="dk1"/>
+            </a:fillRef>
+            <a:effectRef idx="0">
+              <a:schemeClr val="dk1"/>
+            </a:effectRef>
+            <a:fontRef idx="minor">
+              <a:schemeClr val="tx1"/>
+            </a:fontRef>
+          </p:style>
+        </p:cxnSp>
+      </p:grpSp>
     </p:spTree>
     <p:extLst>
       <p:ext uri="{BB962C8B-B14F-4D97-AF65-F5344CB8AC3E}">
-        <p14:creationId xmlns:p14="http://schemas.microsoft.com/office/powerpoint/2010/main" val="777635050"/>
+        <p14:creationId xmlns:p14="http://schemas.microsoft.com/office/powerpoint/2010/main" val="1257571355"/>
       </p:ext>
     </p:extLst>
   </p:cSld>
@@ -18125,41 +17891,21 @@
               <a:rPr lang="zh-CN" altLang="en-US" dirty="0">
                 <a:latin typeface="+mn-ea"/>
               </a:rPr>
-              <a:t>一</a:t>
-            </a:r>
-            <a:r>
-              <a:rPr lang="en-US" altLang="zh-CN" dirty="0">
-                <a:latin typeface="+mn-ea"/>
-              </a:rPr>
-              <a:t>. </a:t>
+              <a:t>二、</a:t>
+            </a:r>
+            <a:r>
+              <a:rPr lang="en-US" altLang="zh-CN" sz="3600" b="1" dirty="0">
+                <a:latin typeface="微软雅黑" pitchFamily="34" charset="-122"/>
+                <a:ea typeface="微软雅黑" pitchFamily="34" charset="-122"/>
+              </a:rPr>
+              <a:t>OGR</a:t>
             </a:r>
             <a:r>
               <a:rPr lang="zh-CN" altLang="en-US" sz="3600" b="1" dirty="0">
                 <a:latin typeface="微软雅黑" pitchFamily="34" charset="-122"/>
                 <a:ea typeface="微软雅黑" pitchFamily="34" charset="-122"/>
               </a:rPr>
-              <a:t>开源</a:t>
-            </a:r>
-            <a:r>
-              <a:rPr lang="en-US" altLang="zh-CN" sz="3600" b="1" dirty="0">
-                <a:latin typeface="微软雅黑" pitchFamily="34" charset="-122"/>
-                <a:ea typeface="微软雅黑" pitchFamily="34" charset="-122"/>
-              </a:rPr>
-              <a:t>Linux</a:t>
-            </a:r>
-            <a:r>
-              <a:rPr lang="zh-CN" altLang="en-US" sz="3600" b="1" dirty="0">
-                <a:latin typeface="微软雅黑" pitchFamily="34" charset="-122"/>
-                <a:ea typeface="微软雅黑" pitchFamily="34" charset="-122"/>
-              </a:rPr>
-              <a:t>操作系统</a:t>
-            </a:r>
-            <a:r>
-              <a:rPr lang="zh-CN" altLang="en-US" dirty="0">
-                <a:latin typeface="微软雅黑" pitchFamily="34" charset="-122"/>
-                <a:ea typeface="微软雅黑" pitchFamily="34" charset="-122"/>
-              </a:rPr>
-              <a:t>简介</a:t>
+              <a:t>开源库介绍</a:t>
             </a:r>
             <a:endParaRPr lang="zh-CN" altLang="en-US" dirty="0"/>
           </a:p>
@@ -18180,7 +17926,7 @@
         <p:spPr>
           <a:xfrm>
             <a:off x="317665" y="846748"/>
-            <a:ext cx="8508670" cy="662489"/>
+            <a:ext cx="8508670" cy="743986"/>
           </a:xfrm>
           <a:prstGeom prst="rect">
             <a:avLst/>
@@ -18199,7 +17945,7 @@
               </a:lnSpc>
             </a:pPr>
             <a:r>
-              <a:rPr lang="en-US" altLang="zh-CN" sz="2800" b="1" dirty="0">
+              <a:rPr lang="en-US" altLang="zh-CN" sz="3200" b="1" dirty="0">
                 <a:solidFill>
                   <a:srgbClr val="333333"/>
                 </a:solidFill>
@@ -18209,7 +17955,7 @@
               <a:t>1</a:t>
             </a:r>
             <a:r>
-              <a:rPr lang="zh-CN" altLang="en-US" sz="2800" b="1" dirty="0">
+              <a:rPr lang="zh-CN" altLang="en-US" sz="3200" b="1" dirty="0">
                 <a:solidFill>
                   <a:srgbClr val="333333"/>
                 </a:solidFill>
@@ -18219,7 +17965,7 @@
               <a:t>、</a:t>
             </a:r>
             <a:r>
-              <a:rPr lang="en-US" altLang="zh-CN" sz="2800" b="1" dirty="0" err="1">
+              <a:rPr lang="en-US" altLang="zh-CN" sz="3200" b="1" dirty="0" err="1">
                 <a:solidFill>
                   <a:srgbClr val="333333"/>
                 </a:solidFill>
@@ -18229,7 +17975,7 @@
               <a:t>ogr</a:t>
             </a:r>
             <a:r>
-              <a:rPr lang="zh-CN" altLang="en-US" sz="2800" b="1" dirty="0">
+              <a:rPr lang="zh-CN" altLang="en-US" sz="3200" b="1" dirty="0">
                 <a:solidFill>
                   <a:srgbClr val="333333"/>
                 </a:solidFill>
@@ -18238,7 +17984,7 @@
               </a:rPr>
               <a:t>体系结构</a:t>
             </a:r>
-            <a:endParaRPr lang="en-US" altLang="zh-CN" sz="2800" b="1" dirty="0">
+            <a:endParaRPr lang="en-US" altLang="zh-CN" sz="3200" b="1" dirty="0">
               <a:solidFill>
                 <a:srgbClr val="333333"/>
               </a:solidFill>
@@ -18263,7 +18009,7 @@
         <p:spPr>
           <a:xfrm>
             <a:off x="561109" y="1522005"/>
-            <a:ext cx="8021782" cy="693460"/>
+            <a:ext cx="2861541" cy="662554"/>
           </a:xfrm>
           <a:prstGeom prst="rect">
             <a:avLst/>
@@ -18278,634 +18024,491 @@
           <a:p>
             <a:pPr algn="just">
               <a:lnSpc>
-                <a:spcPct val="200000"/>
+                <a:spcPct val="150000"/>
               </a:lnSpc>
             </a:pPr>
             <a:r>
-              <a:rPr lang="zh-CN" altLang="en-US" sz="2300" dirty="0">
+              <a:rPr lang="zh-CN" altLang="en-US" sz="2800" dirty="0">
                 <a:solidFill>
                   <a:srgbClr val="151515"/>
                 </a:solidFill>
                 <a:latin typeface="+mn-ea"/>
                 <a:ea typeface="+mn-ea"/>
               </a:rPr>
-              <a:t>数据写入流程：</a:t>
+              <a:t>数据读取流程：</a:t>
             </a:r>
           </a:p>
         </p:txBody>
       </p:sp>
-      <p:sp>
-        <p:nvSpPr>
-          <p:cNvPr id="4" name="矩形 3">
+      <p:grpSp>
+        <p:nvGrpSpPr>
+          <p:cNvPr id="53" name="组合 52">
             <a:extLst>
               <a:ext uri="{FF2B5EF4-FFF2-40B4-BE49-F238E27FC236}">
-                <a16:creationId xmlns:a16="http://schemas.microsoft.com/office/drawing/2014/main" id="{D1F750A9-C70A-8B83-DC72-043D5C6B3C46}"/>
+                <a16:creationId xmlns:a16="http://schemas.microsoft.com/office/drawing/2014/main" id="{36A6C448-978D-72AB-A80F-24C8046ECDDA}"/>
               </a:ext>
             </a:extLst>
           </p:cNvPr>
-          <p:cNvSpPr/>
+          <p:cNvGrpSpPr/>
           <p:nvPr/>
-        </p:nvSpPr>
-        <p:spPr>
+        </p:nvGrpSpPr>
+        <p:grpSpPr>
           <a:xfrm>
-            <a:off x="1816744" y="2414869"/>
-            <a:ext cx="2452914" cy="858269"/>
+            <a:off x="1378476" y="2087163"/>
+            <a:ext cx="6317724" cy="4524891"/>
+            <a:chOff x="1378476" y="2087163"/>
+            <a:chExt cx="6317724" cy="4524891"/>
           </a:xfrm>
-          <a:prstGeom prst="rect">
-            <a:avLst/>
-          </a:prstGeom>
-          <a:noFill/>
-          <a:ln w="28575">
-            <a:solidFill>
-              <a:schemeClr val="bg2"/>
-            </a:solidFill>
-          </a:ln>
-        </p:spPr>
-        <p:txBody>
-          <a:bodyPr wrap="square" lIns="0" rtlCol="0" anchor="ctr">
-            <a:noAutofit/>
-          </a:bodyPr>
-          <a:lstStyle/>
-          <a:p>
-            <a:r>
-              <a:rPr lang="zh-CN" altLang="en-US" b="1" dirty="0">
+        </p:grpSpPr>
+        <p:sp>
+          <p:nvSpPr>
+            <p:cNvPr id="6" name="矩形 5">
+              <a:extLst>
+                <a:ext uri="{FF2B5EF4-FFF2-40B4-BE49-F238E27FC236}">
+                  <a16:creationId xmlns:a16="http://schemas.microsoft.com/office/drawing/2014/main" id="{85BE607E-94A1-E093-DA74-D8D0FB53187E}"/>
+                </a:ext>
+              </a:extLst>
+            </p:cNvPr>
+            <p:cNvSpPr/>
+            <p:nvPr/>
+          </p:nvSpPr>
+          <p:spPr>
+            <a:xfrm>
+              <a:off x="3213744" y="2087163"/>
+              <a:ext cx="2452914" cy="858269"/>
+            </a:xfrm>
+            <a:prstGeom prst="rect">
+              <a:avLst/>
+            </a:prstGeom>
+            <a:noFill/>
+            <a:ln w="28575">
+              <a:solidFill>
+                <a:schemeClr val="bg2"/>
+              </a:solidFill>
+            </a:ln>
+          </p:spPr>
+          <p:txBody>
+            <a:bodyPr wrap="square" lIns="0" rtlCol="0" anchor="ctr">
+              <a:noAutofit/>
+            </a:bodyPr>
+            <a:lstStyle/>
+            <a:p>
+              <a:r>
+                <a:rPr lang="zh-CN" altLang="en-US" b="1" dirty="0">
+                  <a:solidFill>
+                    <a:srgbClr val="FF0000"/>
+                  </a:solidFill>
+                  <a:latin typeface="微软雅黑" pitchFamily="34" charset="-122"/>
+                  <a:ea typeface="微软雅黑" pitchFamily="34" charset="-122"/>
+                </a:rPr>
+                <a:t>读取数据源</a:t>
+              </a:r>
+            </a:p>
+          </p:txBody>
+        </p:sp>
+        <p:sp>
+          <p:nvSpPr>
+            <p:cNvPr id="7" name="矩形 6">
+              <a:extLst>
+                <a:ext uri="{FF2B5EF4-FFF2-40B4-BE49-F238E27FC236}">
+                  <a16:creationId xmlns:a16="http://schemas.microsoft.com/office/drawing/2014/main" id="{6D30944B-8680-6208-8F5F-1C57E55E51CA}"/>
+                </a:ext>
+              </a:extLst>
+            </p:cNvPr>
+            <p:cNvSpPr/>
+            <p:nvPr/>
+          </p:nvSpPr>
+          <p:spPr>
+            <a:xfrm>
+              <a:off x="3213744" y="3221847"/>
+              <a:ext cx="2452914" cy="858269"/>
+            </a:xfrm>
+            <a:prstGeom prst="rect">
+              <a:avLst/>
+            </a:prstGeom>
+            <a:noFill/>
+            <a:ln w="28575">
+              <a:solidFill>
+                <a:schemeClr val="bg2"/>
+              </a:solidFill>
+            </a:ln>
+          </p:spPr>
+          <p:txBody>
+            <a:bodyPr wrap="square" lIns="0" rtlCol="0" anchor="ctr">
+              <a:noAutofit/>
+            </a:bodyPr>
+            <a:lstStyle/>
+            <a:p>
+              <a:r>
+                <a:rPr lang="zh-CN" altLang="en-US" b="1" dirty="0">
+                  <a:solidFill>
+                    <a:srgbClr val="FF0000"/>
+                  </a:solidFill>
+                  <a:latin typeface="微软雅黑" pitchFamily="34" charset="-122"/>
+                  <a:ea typeface="微软雅黑" pitchFamily="34" charset="-122"/>
+                </a:rPr>
+                <a:t>读取图层</a:t>
+              </a:r>
+            </a:p>
+          </p:txBody>
+        </p:sp>
+        <p:sp>
+          <p:nvSpPr>
+            <p:cNvPr id="8" name="矩形 7">
+              <a:extLst>
+                <a:ext uri="{FF2B5EF4-FFF2-40B4-BE49-F238E27FC236}">
+                  <a16:creationId xmlns:a16="http://schemas.microsoft.com/office/drawing/2014/main" id="{97FDE4DA-95A9-718A-FA8C-A572F428DC8C}"/>
+                </a:ext>
+              </a:extLst>
+            </p:cNvPr>
+            <p:cNvSpPr/>
+            <p:nvPr/>
+          </p:nvSpPr>
+          <p:spPr>
+            <a:xfrm>
+              <a:off x="3213744" y="4350726"/>
+              <a:ext cx="2452914" cy="858269"/>
+            </a:xfrm>
+            <a:prstGeom prst="rect">
+              <a:avLst/>
+            </a:prstGeom>
+            <a:noFill/>
+            <a:ln w="28575">
+              <a:solidFill>
+                <a:schemeClr val="bg2"/>
+              </a:solidFill>
+            </a:ln>
+          </p:spPr>
+          <p:txBody>
+            <a:bodyPr wrap="square" lIns="0" rtlCol="0" anchor="ctr">
+              <a:noAutofit/>
+            </a:bodyPr>
+            <a:lstStyle/>
+            <a:p>
+              <a:r>
+                <a:rPr lang="zh-CN" altLang="en-US" b="1" dirty="0">
+                  <a:solidFill>
+                    <a:srgbClr val="FF0000"/>
+                  </a:solidFill>
+                  <a:latin typeface="微软雅黑" pitchFamily="34" charset="-122"/>
+                  <a:ea typeface="微软雅黑" pitchFamily="34" charset="-122"/>
+                </a:rPr>
+                <a:t>读取要素</a:t>
+              </a:r>
+            </a:p>
+          </p:txBody>
+        </p:sp>
+        <p:cxnSp>
+          <p:nvCxnSpPr>
+            <p:cNvPr id="14" name="直接箭头连接符 13">
+              <a:extLst>
+                <a:ext uri="{FF2B5EF4-FFF2-40B4-BE49-F238E27FC236}">
+                  <a16:creationId xmlns:a16="http://schemas.microsoft.com/office/drawing/2014/main" id="{C16A2EFE-4C34-925F-493E-06C7F878D490}"/>
+                </a:ext>
+              </a:extLst>
+            </p:cNvPr>
+            <p:cNvCxnSpPr>
+              <a:cxnSpLocks/>
+              <a:stCxn id="6" idx="2"/>
+              <a:endCxn id="7" idx="0"/>
+            </p:cNvCxnSpPr>
+            <p:nvPr/>
+          </p:nvCxnSpPr>
+          <p:spPr bwMode="auto">
+            <a:xfrm>
+              <a:off x="4440201" y="2945432"/>
+              <a:ext cx="0" cy="276415"/>
+            </a:xfrm>
+            <a:prstGeom prst="straightConnector1">
+              <a:avLst/>
+            </a:prstGeom>
+            <a:ln w="28575">
+              <a:headEnd type="none" w="med" len="med"/>
+              <a:tailEnd type="triangle"/>
+            </a:ln>
+          </p:spPr>
+          <p:style>
+            <a:lnRef idx="1">
+              <a:schemeClr val="dk1"/>
+            </a:lnRef>
+            <a:fillRef idx="0">
+              <a:schemeClr val="dk1"/>
+            </a:fillRef>
+            <a:effectRef idx="0">
+              <a:schemeClr val="dk1"/>
+            </a:effectRef>
+            <a:fontRef idx="minor">
+              <a:schemeClr val="tx1"/>
+            </a:fontRef>
+          </p:style>
+        </p:cxnSp>
+        <p:cxnSp>
+          <p:nvCxnSpPr>
+            <p:cNvPr id="18" name="连接符: 肘形 17">
+              <a:extLst>
+                <a:ext uri="{FF2B5EF4-FFF2-40B4-BE49-F238E27FC236}">
+                  <a16:creationId xmlns:a16="http://schemas.microsoft.com/office/drawing/2014/main" id="{F65EE2A2-A8CC-8ACF-F477-DBBDC6F55DD7}"/>
+                </a:ext>
+              </a:extLst>
+            </p:cNvPr>
+            <p:cNvCxnSpPr>
+              <a:cxnSpLocks/>
+              <a:stCxn id="8" idx="3"/>
+              <a:endCxn id="32" idx="0"/>
+            </p:cNvCxnSpPr>
+            <p:nvPr/>
+          </p:nvCxnSpPr>
+          <p:spPr bwMode="auto">
+            <a:xfrm>
+              <a:off x="5666658" y="4779861"/>
+              <a:ext cx="656259" cy="814044"/>
+            </a:xfrm>
+            <a:prstGeom prst="bentConnector2">
+              <a:avLst/>
+            </a:prstGeom>
+            <a:ln w="19050">
+              <a:headEnd type="none" w="med" len="med"/>
+              <a:tailEnd type="triangle"/>
+            </a:ln>
+          </p:spPr>
+          <p:style>
+            <a:lnRef idx="1">
+              <a:schemeClr val="dk1"/>
+            </a:lnRef>
+            <a:fillRef idx="0">
+              <a:schemeClr val="dk1"/>
+            </a:fillRef>
+            <a:effectRef idx="0">
+              <a:schemeClr val="dk1"/>
+            </a:effectRef>
+            <a:fontRef idx="minor">
+              <a:schemeClr val="tx1"/>
+            </a:fontRef>
+          </p:style>
+        </p:cxnSp>
+        <p:cxnSp>
+          <p:nvCxnSpPr>
+            <p:cNvPr id="20" name="直接箭头连接符 19">
+              <a:extLst>
+                <a:ext uri="{FF2B5EF4-FFF2-40B4-BE49-F238E27FC236}">
+                  <a16:creationId xmlns:a16="http://schemas.microsoft.com/office/drawing/2014/main" id="{A66C3C6C-14E9-F27F-33A4-703F8166EC8A}"/>
+                </a:ext>
+              </a:extLst>
+            </p:cNvPr>
+            <p:cNvCxnSpPr>
+              <a:cxnSpLocks/>
+              <a:stCxn id="7" idx="2"/>
+              <a:endCxn id="8" idx="0"/>
+            </p:cNvCxnSpPr>
+            <p:nvPr/>
+          </p:nvCxnSpPr>
+          <p:spPr bwMode="auto">
+            <a:xfrm>
+              <a:off x="4440201" y="4080116"/>
+              <a:ext cx="0" cy="270610"/>
+            </a:xfrm>
+            <a:prstGeom prst="straightConnector1">
+              <a:avLst/>
+            </a:prstGeom>
+            <a:ln w="28575">
+              <a:headEnd type="none" w="med" len="med"/>
+              <a:tailEnd type="triangle"/>
+            </a:ln>
+          </p:spPr>
+          <p:style>
+            <a:lnRef idx="1">
+              <a:schemeClr val="dk1"/>
+            </a:lnRef>
+            <a:fillRef idx="0">
+              <a:schemeClr val="dk1"/>
+            </a:fillRef>
+            <a:effectRef idx="0">
+              <a:schemeClr val="dk1"/>
+            </a:effectRef>
+            <a:fontRef idx="minor">
+              <a:schemeClr val="tx1"/>
+            </a:fontRef>
+          </p:style>
+        </p:cxnSp>
+        <p:sp>
+          <p:nvSpPr>
+            <p:cNvPr id="27" name="矩形 26">
+              <a:extLst>
+                <a:ext uri="{FF2B5EF4-FFF2-40B4-BE49-F238E27FC236}">
+                  <a16:creationId xmlns:a16="http://schemas.microsoft.com/office/drawing/2014/main" id="{B2790B82-D4A5-3EFC-F37F-A9AD5617129E}"/>
+                </a:ext>
+              </a:extLst>
+            </p:cNvPr>
+            <p:cNvSpPr/>
+            <p:nvPr/>
+          </p:nvSpPr>
+          <p:spPr>
+            <a:xfrm>
+              <a:off x="1378476" y="5593905"/>
+              <a:ext cx="2452914" cy="1018149"/>
+            </a:xfrm>
+            <a:prstGeom prst="rect">
+              <a:avLst/>
+            </a:prstGeom>
+            <a:noFill/>
+            <a:ln w="28575">
+              <a:solidFill>
+                <a:schemeClr val="bg2"/>
+              </a:solidFill>
+            </a:ln>
+          </p:spPr>
+          <p:txBody>
+            <a:bodyPr wrap="square" lIns="0" rtlCol="0" anchor="ctr">
+              <a:noAutofit/>
+            </a:bodyPr>
+            <a:lstStyle/>
+            <a:p>
+              <a:r>
+                <a:rPr lang="zh-CN" altLang="en-US" b="1" dirty="0">
+                  <a:solidFill>
+                    <a:srgbClr val="FF0000"/>
+                  </a:solidFill>
+                  <a:latin typeface="微软雅黑" pitchFamily="34" charset="-122"/>
+                  <a:ea typeface="微软雅黑" pitchFamily="34" charset="-122"/>
+                </a:rPr>
+                <a:t>读取属性信息</a:t>
+              </a:r>
+              <a:endParaRPr lang="en-US" altLang="zh-CN" b="1" dirty="0">
                 <a:solidFill>
                   <a:srgbClr val="FF0000"/>
                 </a:solidFill>
                 <a:latin typeface="微软雅黑" pitchFamily="34" charset="-122"/>
                 <a:ea typeface="微软雅黑" pitchFamily="34" charset="-122"/>
-              </a:rPr>
-              <a:t>注册驱动</a:t>
-            </a:r>
-          </a:p>
-        </p:txBody>
-      </p:sp>
-      <p:sp>
-        <p:nvSpPr>
-          <p:cNvPr id="6" name="矩形 5">
-            <a:extLst>
-              <a:ext uri="{FF2B5EF4-FFF2-40B4-BE49-F238E27FC236}">
-                <a16:creationId xmlns:a16="http://schemas.microsoft.com/office/drawing/2014/main" id="{85BE607E-94A1-E093-DA74-D8D0FB53187E}"/>
-              </a:ext>
-            </a:extLst>
-          </p:cNvPr>
-          <p:cNvSpPr/>
-          <p:nvPr/>
-        </p:nvSpPr>
-        <p:spPr>
-          <a:xfrm>
-            <a:off x="1816744" y="3529861"/>
-            <a:ext cx="2452914" cy="858269"/>
-          </a:xfrm>
-          <a:prstGeom prst="rect">
-            <a:avLst/>
-          </a:prstGeom>
-          <a:noFill/>
-          <a:ln w="28575">
-            <a:solidFill>
-              <a:schemeClr val="bg2"/>
-            </a:solidFill>
-          </a:ln>
-        </p:spPr>
-        <p:txBody>
-          <a:bodyPr wrap="square" lIns="0" rtlCol="0" anchor="ctr">
-            <a:noAutofit/>
-          </a:bodyPr>
-          <a:lstStyle/>
-          <a:p>
-            <a:r>
-              <a:rPr lang="zh-CN" altLang="en-US" b="1" dirty="0">
+              </a:endParaRPr>
+            </a:p>
+            <a:p>
+              <a:r>
+                <a:rPr lang="zh-CN" altLang="en-US" b="1" dirty="0">
+                  <a:solidFill>
+                    <a:srgbClr val="FF0000"/>
+                  </a:solidFill>
+                  <a:latin typeface="微软雅黑" pitchFamily="34" charset="-122"/>
+                  <a:ea typeface="微软雅黑" pitchFamily="34" charset="-122"/>
+                </a:rPr>
+                <a:t>（字段）</a:t>
+              </a:r>
+            </a:p>
+          </p:txBody>
+        </p:sp>
+        <p:sp>
+          <p:nvSpPr>
+            <p:cNvPr id="32" name="矩形 31">
+              <a:extLst>
+                <a:ext uri="{FF2B5EF4-FFF2-40B4-BE49-F238E27FC236}">
+                  <a16:creationId xmlns:a16="http://schemas.microsoft.com/office/drawing/2014/main" id="{00CB0DFA-455D-09C0-BBAB-833EA0AC4ED1}"/>
+                </a:ext>
+              </a:extLst>
+            </p:cNvPr>
+            <p:cNvSpPr/>
+            <p:nvPr/>
+          </p:nvSpPr>
+          <p:spPr>
+            <a:xfrm>
+              <a:off x="4949634" y="5593905"/>
+              <a:ext cx="2746566" cy="1018149"/>
+            </a:xfrm>
+            <a:prstGeom prst="rect">
+              <a:avLst/>
+            </a:prstGeom>
+            <a:noFill/>
+            <a:ln w="28575">
+              <a:solidFill>
+                <a:schemeClr val="bg2"/>
+              </a:solidFill>
+            </a:ln>
+          </p:spPr>
+          <p:txBody>
+            <a:bodyPr wrap="square" lIns="0" rtlCol="0" anchor="ctr">
+              <a:noAutofit/>
+            </a:bodyPr>
+            <a:lstStyle/>
+            <a:p>
+              <a:r>
+                <a:rPr lang="zh-CN" altLang="en-US" b="1" dirty="0">
+                  <a:solidFill>
+                    <a:srgbClr val="FF0000"/>
+                  </a:solidFill>
+                  <a:latin typeface="微软雅黑" pitchFamily="34" charset="-122"/>
+                  <a:ea typeface="微软雅黑" pitchFamily="34" charset="-122"/>
+                </a:rPr>
+                <a:t>读取几何信息</a:t>
+              </a:r>
+              <a:endParaRPr lang="en-US" altLang="zh-CN" b="1" dirty="0">
                 <a:solidFill>
                   <a:srgbClr val="FF0000"/>
                 </a:solidFill>
                 <a:latin typeface="微软雅黑" pitchFamily="34" charset="-122"/>
                 <a:ea typeface="微软雅黑" pitchFamily="34" charset="-122"/>
-              </a:rPr>
-              <a:t>打开</a:t>
-            </a:r>
-            <a:r>
-              <a:rPr lang="en-US" altLang="zh-CN" b="1" dirty="0">
-                <a:solidFill>
-                  <a:srgbClr val="FF0000"/>
-                </a:solidFill>
-                <a:latin typeface="微软雅黑" pitchFamily="34" charset="-122"/>
-                <a:ea typeface="微软雅黑" pitchFamily="34" charset="-122"/>
-              </a:rPr>
-              <a:t>/</a:t>
-            </a:r>
-            <a:r>
-              <a:rPr lang="zh-CN" altLang="en-US" b="1" dirty="0">
-                <a:solidFill>
-                  <a:srgbClr val="FF0000"/>
-                </a:solidFill>
-                <a:latin typeface="微软雅黑" pitchFamily="34" charset="-122"/>
-                <a:ea typeface="微软雅黑" pitchFamily="34" charset="-122"/>
-              </a:rPr>
-              <a:t>创建数据集</a:t>
-            </a:r>
-          </a:p>
-        </p:txBody>
-      </p:sp>
-      <p:sp>
-        <p:nvSpPr>
-          <p:cNvPr id="7" name="矩形 6">
-            <a:extLst>
-              <a:ext uri="{FF2B5EF4-FFF2-40B4-BE49-F238E27FC236}">
-                <a16:creationId xmlns:a16="http://schemas.microsoft.com/office/drawing/2014/main" id="{6D30944B-8680-6208-8F5F-1C57E55E51CA}"/>
-              </a:ext>
-            </a:extLst>
-          </p:cNvPr>
-          <p:cNvSpPr/>
-          <p:nvPr/>
-        </p:nvSpPr>
-        <p:spPr>
-          <a:xfrm>
-            <a:off x="1816744" y="4639879"/>
-            <a:ext cx="2452914" cy="858269"/>
-          </a:xfrm>
-          <a:prstGeom prst="rect">
-            <a:avLst/>
-          </a:prstGeom>
-          <a:noFill/>
-          <a:ln w="28575">
-            <a:solidFill>
-              <a:schemeClr val="bg2"/>
-            </a:solidFill>
-          </a:ln>
-        </p:spPr>
-        <p:txBody>
-          <a:bodyPr wrap="square" lIns="0" rtlCol="0" anchor="ctr">
-            <a:noAutofit/>
-          </a:bodyPr>
-          <a:lstStyle/>
-          <a:p>
-            <a:r>
-              <a:rPr lang="zh-CN" altLang="en-US" b="1" dirty="0">
-                <a:solidFill>
-                  <a:srgbClr val="FF0000"/>
-                </a:solidFill>
-                <a:latin typeface="微软雅黑" pitchFamily="34" charset="-122"/>
-                <a:ea typeface="微软雅黑" pitchFamily="34" charset="-122"/>
-              </a:rPr>
-              <a:t>创建图层</a:t>
-            </a:r>
-          </a:p>
-        </p:txBody>
-      </p:sp>
-      <p:sp>
-        <p:nvSpPr>
-          <p:cNvPr id="8" name="矩形 7">
-            <a:extLst>
-              <a:ext uri="{FF2B5EF4-FFF2-40B4-BE49-F238E27FC236}">
-                <a16:creationId xmlns:a16="http://schemas.microsoft.com/office/drawing/2014/main" id="{97FDE4DA-95A9-718A-FA8C-A572F428DC8C}"/>
-              </a:ext>
-            </a:extLst>
-          </p:cNvPr>
-          <p:cNvSpPr/>
-          <p:nvPr/>
-        </p:nvSpPr>
-        <p:spPr>
-          <a:xfrm>
-            <a:off x="1816744" y="5718835"/>
-            <a:ext cx="2452914" cy="858269"/>
-          </a:xfrm>
-          <a:prstGeom prst="rect">
-            <a:avLst/>
-          </a:prstGeom>
-          <a:noFill/>
-          <a:ln w="28575">
-            <a:solidFill>
-              <a:schemeClr val="bg2"/>
-            </a:solidFill>
-          </a:ln>
-        </p:spPr>
-        <p:txBody>
-          <a:bodyPr wrap="square" lIns="0" rtlCol="0" anchor="ctr">
-            <a:noAutofit/>
-          </a:bodyPr>
-          <a:lstStyle/>
-          <a:p>
-            <a:r>
-              <a:rPr lang="zh-CN" altLang="en-US" b="1" dirty="0">
-                <a:solidFill>
-                  <a:srgbClr val="FF0000"/>
-                </a:solidFill>
-                <a:latin typeface="微软雅黑" pitchFamily="34" charset="-122"/>
-                <a:ea typeface="微软雅黑" pitchFamily="34" charset="-122"/>
-              </a:rPr>
-              <a:t>创建要素类定义</a:t>
-            </a:r>
-          </a:p>
-        </p:txBody>
-      </p:sp>
-      <p:sp>
-        <p:nvSpPr>
-          <p:cNvPr id="9" name="矩形 8">
-            <a:extLst>
-              <a:ext uri="{FF2B5EF4-FFF2-40B4-BE49-F238E27FC236}">
-                <a16:creationId xmlns:a16="http://schemas.microsoft.com/office/drawing/2014/main" id="{90A28092-BB0F-2EE7-FB40-F241177B1DC1}"/>
-              </a:ext>
-            </a:extLst>
-          </p:cNvPr>
-          <p:cNvSpPr/>
-          <p:nvPr/>
-        </p:nvSpPr>
-        <p:spPr>
-          <a:xfrm>
-            <a:off x="5016613" y="2436737"/>
-            <a:ext cx="2452914" cy="858269"/>
-          </a:xfrm>
-          <a:prstGeom prst="rect">
-            <a:avLst/>
-          </a:prstGeom>
-          <a:noFill/>
-          <a:ln w="28575">
-            <a:solidFill>
-              <a:schemeClr val="bg2"/>
-            </a:solidFill>
-          </a:ln>
-        </p:spPr>
-        <p:txBody>
-          <a:bodyPr wrap="square" lIns="0" rtlCol="0" anchor="ctr">
-            <a:noAutofit/>
-          </a:bodyPr>
-          <a:lstStyle/>
-          <a:p>
-            <a:r>
-              <a:rPr lang="zh-CN" altLang="en-US" b="1" dirty="0">
-                <a:solidFill>
-                  <a:srgbClr val="FF0000"/>
-                </a:solidFill>
-                <a:latin typeface="微软雅黑" pitchFamily="34" charset="-122"/>
-                <a:ea typeface="微软雅黑" pitchFamily="34" charset="-122"/>
-              </a:rPr>
-              <a:t>创建几何</a:t>
-            </a:r>
-          </a:p>
-        </p:txBody>
-      </p:sp>
-      <p:sp>
-        <p:nvSpPr>
-          <p:cNvPr id="10" name="矩形 9">
-            <a:extLst>
-              <a:ext uri="{FF2B5EF4-FFF2-40B4-BE49-F238E27FC236}">
-                <a16:creationId xmlns:a16="http://schemas.microsoft.com/office/drawing/2014/main" id="{E9B5F08D-C366-E9E1-C8B9-677FB210B9C4}"/>
-              </a:ext>
-            </a:extLst>
-          </p:cNvPr>
-          <p:cNvSpPr/>
-          <p:nvPr/>
-        </p:nvSpPr>
-        <p:spPr>
-          <a:xfrm>
-            <a:off x="5016612" y="3982404"/>
-            <a:ext cx="2452914" cy="858269"/>
-          </a:xfrm>
-          <a:prstGeom prst="rect">
-            <a:avLst/>
-          </a:prstGeom>
-          <a:noFill/>
-          <a:ln w="28575">
-            <a:solidFill>
-              <a:schemeClr val="bg2"/>
-            </a:solidFill>
-          </a:ln>
-        </p:spPr>
-        <p:txBody>
-          <a:bodyPr wrap="square" lIns="0" rtlCol="0" anchor="ctr">
-            <a:noAutofit/>
-          </a:bodyPr>
-          <a:lstStyle/>
-          <a:p>
-            <a:r>
-              <a:rPr lang="zh-CN" altLang="en-US" b="1" dirty="0">
-                <a:solidFill>
-                  <a:srgbClr val="FF0000"/>
-                </a:solidFill>
-                <a:latin typeface="微软雅黑" pitchFamily="34" charset="-122"/>
-                <a:ea typeface="微软雅黑" pitchFamily="34" charset="-122"/>
-              </a:rPr>
-              <a:t>创建要素</a:t>
-            </a:r>
-          </a:p>
-        </p:txBody>
-      </p:sp>
-      <p:cxnSp>
-        <p:nvCxnSpPr>
-          <p:cNvPr id="12" name="直接箭头连接符 11">
-            <a:extLst>
-              <a:ext uri="{FF2B5EF4-FFF2-40B4-BE49-F238E27FC236}">
-                <a16:creationId xmlns:a16="http://schemas.microsoft.com/office/drawing/2014/main" id="{EBCD2B2D-744C-31EF-F7D4-59903193479A}"/>
-              </a:ext>
-            </a:extLst>
-          </p:cNvPr>
-          <p:cNvCxnSpPr>
-            <a:cxnSpLocks/>
-            <a:stCxn id="4" idx="2"/>
-            <a:endCxn id="6" idx="0"/>
-          </p:cNvCxnSpPr>
-          <p:nvPr/>
-        </p:nvCxnSpPr>
-        <p:spPr bwMode="auto">
-          <a:xfrm>
-            <a:off x="3043201" y="3273138"/>
-            <a:ext cx="0" cy="256723"/>
-          </a:xfrm>
-          <a:prstGeom prst="straightConnector1">
-            <a:avLst/>
-          </a:prstGeom>
-          <a:ln w="28575">
-            <a:headEnd type="none" w="med" len="med"/>
-            <a:tailEnd type="triangle"/>
-          </a:ln>
-        </p:spPr>
-        <p:style>
-          <a:lnRef idx="1">
-            <a:schemeClr val="dk1"/>
-          </a:lnRef>
-          <a:fillRef idx="0">
-            <a:schemeClr val="dk1"/>
-          </a:fillRef>
-          <a:effectRef idx="0">
-            <a:schemeClr val="dk1"/>
-          </a:effectRef>
-          <a:fontRef idx="minor">
-            <a:schemeClr val="tx1"/>
-          </a:fontRef>
-        </p:style>
-      </p:cxnSp>
-      <p:cxnSp>
-        <p:nvCxnSpPr>
-          <p:cNvPr id="14" name="直接箭头连接符 13">
-            <a:extLst>
-              <a:ext uri="{FF2B5EF4-FFF2-40B4-BE49-F238E27FC236}">
-                <a16:creationId xmlns:a16="http://schemas.microsoft.com/office/drawing/2014/main" id="{C16A2EFE-4C34-925F-493E-06C7F878D490}"/>
-              </a:ext>
-            </a:extLst>
-          </p:cNvPr>
-          <p:cNvCxnSpPr>
-            <a:cxnSpLocks/>
-            <a:stCxn id="6" idx="2"/>
-            <a:endCxn id="7" idx="0"/>
-          </p:cNvCxnSpPr>
-          <p:nvPr/>
-        </p:nvCxnSpPr>
-        <p:spPr bwMode="auto">
-          <a:xfrm>
-            <a:off x="3043201" y="4388130"/>
-            <a:ext cx="0" cy="251749"/>
-          </a:xfrm>
-          <a:prstGeom prst="straightConnector1">
-            <a:avLst/>
-          </a:prstGeom>
-          <a:ln w="28575">
-            <a:headEnd type="none" w="med" len="med"/>
-            <a:tailEnd type="triangle"/>
-          </a:ln>
-        </p:spPr>
-        <p:style>
-          <a:lnRef idx="1">
-            <a:schemeClr val="dk1"/>
-          </a:lnRef>
-          <a:fillRef idx="0">
-            <a:schemeClr val="dk1"/>
-          </a:fillRef>
-          <a:effectRef idx="0">
-            <a:schemeClr val="dk1"/>
-          </a:effectRef>
-          <a:fontRef idx="minor">
-            <a:schemeClr val="tx1"/>
-          </a:fontRef>
-        </p:style>
-      </p:cxnSp>
-      <p:cxnSp>
-        <p:nvCxnSpPr>
-          <p:cNvPr id="18" name="连接符: 肘形 17">
-            <a:extLst>
-              <a:ext uri="{FF2B5EF4-FFF2-40B4-BE49-F238E27FC236}">
-                <a16:creationId xmlns:a16="http://schemas.microsoft.com/office/drawing/2014/main" id="{F65EE2A2-A8CC-8ACF-F477-DBBDC6F55DD7}"/>
-              </a:ext>
-            </a:extLst>
-          </p:cNvPr>
-          <p:cNvCxnSpPr>
-            <a:cxnSpLocks/>
-            <a:stCxn id="8" idx="3"/>
-            <a:endCxn id="9" idx="1"/>
-          </p:cNvCxnSpPr>
-          <p:nvPr/>
-        </p:nvCxnSpPr>
-        <p:spPr bwMode="auto">
-          <a:xfrm flipV="1">
-            <a:off x="4269658" y="2865872"/>
-            <a:ext cx="746955" cy="3282098"/>
-          </a:xfrm>
-          <a:prstGeom prst="bentConnector3">
-            <a:avLst>
-              <a:gd name="adj1" fmla="val 50000"/>
-            </a:avLst>
-          </a:prstGeom>
-          <a:ln w="19050">
-            <a:headEnd type="none" w="med" len="med"/>
-            <a:tailEnd type="triangle"/>
-          </a:ln>
-        </p:spPr>
-        <p:style>
-          <a:lnRef idx="1">
-            <a:schemeClr val="dk1"/>
-          </a:lnRef>
-          <a:fillRef idx="0">
-            <a:schemeClr val="dk1"/>
-          </a:fillRef>
-          <a:effectRef idx="0">
-            <a:schemeClr val="dk1"/>
-          </a:effectRef>
-          <a:fontRef idx="minor">
-            <a:schemeClr val="tx1"/>
-          </a:fontRef>
-        </p:style>
-      </p:cxnSp>
-      <p:cxnSp>
-        <p:nvCxnSpPr>
-          <p:cNvPr id="20" name="直接箭头连接符 19">
-            <a:extLst>
-              <a:ext uri="{FF2B5EF4-FFF2-40B4-BE49-F238E27FC236}">
-                <a16:creationId xmlns:a16="http://schemas.microsoft.com/office/drawing/2014/main" id="{A66C3C6C-14E9-F27F-33A4-703F8166EC8A}"/>
-              </a:ext>
-            </a:extLst>
-          </p:cNvPr>
-          <p:cNvCxnSpPr>
-            <a:cxnSpLocks/>
-            <a:stCxn id="7" idx="2"/>
-            <a:endCxn id="8" idx="0"/>
-          </p:cNvCxnSpPr>
-          <p:nvPr/>
-        </p:nvCxnSpPr>
-        <p:spPr bwMode="auto">
-          <a:xfrm>
-            <a:off x="3043201" y="5498148"/>
-            <a:ext cx="0" cy="220687"/>
-          </a:xfrm>
-          <a:prstGeom prst="straightConnector1">
-            <a:avLst/>
-          </a:prstGeom>
-          <a:ln w="28575">
-            <a:headEnd type="none" w="med" len="med"/>
-            <a:tailEnd type="triangle"/>
-          </a:ln>
-        </p:spPr>
-        <p:style>
-          <a:lnRef idx="1">
-            <a:schemeClr val="dk1"/>
-          </a:lnRef>
-          <a:fillRef idx="0">
-            <a:schemeClr val="dk1"/>
-          </a:fillRef>
-          <a:effectRef idx="0">
-            <a:schemeClr val="dk1"/>
-          </a:effectRef>
-          <a:fontRef idx="minor">
-            <a:schemeClr val="tx1"/>
-          </a:fontRef>
-        </p:style>
-      </p:cxnSp>
-      <p:cxnSp>
-        <p:nvCxnSpPr>
-          <p:cNvPr id="23" name="直接箭头连接符 22">
-            <a:extLst>
-              <a:ext uri="{FF2B5EF4-FFF2-40B4-BE49-F238E27FC236}">
-                <a16:creationId xmlns:a16="http://schemas.microsoft.com/office/drawing/2014/main" id="{AF86FD19-D4AD-A9C2-E880-E27009B55ED1}"/>
-              </a:ext>
-            </a:extLst>
-          </p:cNvPr>
-          <p:cNvCxnSpPr>
-            <a:cxnSpLocks/>
-            <a:stCxn id="9" idx="2"/>
-            <a:endCxn id="10" idx="0"/>
-          </p:cNvCxnSpPr>
-          <p:nvPr/>
-        </p:nvCxnSpPr>
-        <p:spPr bwMode="auto">
-          <a:xfrm flipH="1">
-            <a:off x="6243069" y="3295006"/>
-            <a:ext cx="1" cy="687398"/>
-          </a:xfrm>
-          <a:prstGeom prst="straightConnector1">
-            <a:avLst/>
-          </a:prstGeom>
-          <a:ln w="28575">
-            <a:headEnd type="none" w="med" len="med"/>
-            <a:tailEnd type="triangle"/>
-          </a:ln>
-        </p:spPr>
-        <p:style>
-          <a:lnRef idx="1">
-            <a:schemeClr val="dk1"/>
-          </a:lnRef>
-          <a:fillRef idx="0">
-            <a:schemeClr val="dk1"/>
-          </a:fillRef>
-          <a:effectRef idx="0">
-            <a:schemeClr val="dk1"/>
-          </a:effectRef>
-          <a:fontRef idx="minor">
-            <a:schemeClr val="tx1"/>
-          </a:fontRef>
-        </p:style>
-      </p:cxnSp>
-      <p:sp>
-        <p:nvSpPr>
-          <p:cNvPr id="11" name="矩形 10">
-            <a:extLst>
-              <a:ext uri="{FF2B5EF4-FFF2-40B4-BE49-F238E27FC236}">
-                <a16:creationId xmlns:a16="http://schemas.microsoft.com/office/drawing/2014/main" id="{6F391CD4-EC27-562C-C959-D73D69D19943}"/>
-              </a:ext>
-            </a:extLst>
-          </p:cNvPr>
-          <p:cNvSpPr/>
-          <p:nvPr/>
-        </p:nvSpPr>
-        <p:spPr>
-          <a:xfrm>
-            <a:off x="5016612" y="5488283"/>
-            <a:ext cx="2452914" cy="858269"/>
-          </a:xfrm>
-          <a:prstGeom prst="rect">
-            <a:avLst/>
-          </a:prstGeom>
-          <a:noFill/>
-          <a:ln w="28575">
-            <a:solidFill>
-              <a:schemeClr val="bg2"/>
-            </a:solidFill>
-          </a:ln>
-        </p:spPr>
-        <p:txBody>
-          <a:bodyPr wrap="square" lIns="0" rtlCol="0" anchor="ctr">
-            <a:noAutofit/>
-          </a:bodyPr>
-          <a:lstStyle/>
-          <a:p>
-            <a:r>
-              <a:rPr lang="zh-CN" altLang="en-US" b="1" dirty="0">
-                <a:solidFill>
-                  <a:srgbClr val="FF0000"/>
-                </a:solidFill>
-                <a:latin typeface="微软雅黑" pitchFamily="34" charset="-122"/>
-                <a:ea typeface="微软雅黑" pitchFamily="34" charset="-122"/>
-              </a:rPr>
-              <a:t>关闭数据集</a:t>
-            </a:r>
-          </a:p>
-        </p:txBody>
-      </p:sp>
-      <p:cxnSp>
-        <p:nvCxnSpPr>
-          <p:cNvPr id="32" name="直接箭头连接符 31">
-            <a:extLst>
-              <a:ext uri="{FF2B5EF4-FFF2-40B4-BE49-F238E27FC236}">
-                <a16:creationId xmlns:a16="http://schemas.microsoft.com/office/drawing/2014/main" id="{229A80CE-592B-5A77-EDEC-3F159F1367C7}"/>
-              </a:ext>
-            </a:extLst>
-          </p:cNvPr>
-          <p:cNvCxnSpPr>
-            <a:cxnSpLocks/>
-            <a:stCxn id="10" idx="2"/>
-            <a:endCxn id="11" idx="0"/>
-          </p:cNvCxnSpPr>
-          <p:nvPr/>
-        </p:nvCxnSpPr>
-        <p:spPr bwMode="auto">
-          <a:xfrm>
-            <a:off x="6243069" y="4840673"/>
-            <a:ext cx="0" cy="647610"/>
-          </a:xfrm>
-          <a:prstGeom prst="straightConnector1">
-            <a:avLst/>
-          </a:prstGeom>
-          <a:ln w="28575">
-            <a:headEnd type="none" w="med" len="med"/>
-            <a:tailEnd type="triangle"/>
-          </a:ln>
-        </p:spPr>
-        <p:style>
-          <a:lnRef idx="1">
-            <a:schemeClr val="dk1"/>
-          </a:lnRef>
-          <a:fillRef idx="0">
-            <a:schemeClr val="dk1"/>
-          </a:fillRef>
-          <a:effectRef idx="0">
-            <a:schemeClr val="dk1"/>
-          </a:effectRef>
-          <a:fontRef idx="minor">
-            <a:schemeClr val="tx1"/>
-          </a:fontRef>
-        </p:style>
-      </p:cxnSp>
+              </a:endParaRPr>
+            </a:p>
+            <a:p>
+              <a:r>
+                <a:rPr lang="zh-CN" altLang="en-US" b="1" dirty="0">
+                  <a:solidFill>
+                    <a:srgbClr val="FF0000"/>
+                  </a:solidFill>
+                  <a:latin typeface="微软雅黑" pitchFamily="34" charset="-122"/>
+                  <a:ea typeface="微软雅黑" pitchFamily="34" charset="-122"/>
+                </a:rPr>
+                <a:t>（坐标系、几何体）</a:t>
+              </a:r>
+            </a:p>
+          </p:txBody>
+        </p:sp>
+        <p:cxnSp>
+          <p:nvCxnSpPr>
+            <p:cNvPr id="41" name="连接符: 肘形 40">
+              <a:extLst>
+                <a:ext uri="{FF2B5EF4-FFF2-40B4-BE49-F238E27FC236}">
+                  <a16:creationId xmlns:a16="http://schemas.microsoft.com/office/drawing/2014/main" id="{DA683D52-4D28-7CC2-B3CB-180396C5A0DA}"/>
+                </a:ext>
+              </a:extLst>
+            </p:cNvPr>
+            <p:cNvCxnSpPr>
+              <a:cxnSpLocks/>
+              <a:stCxn id="8" idx="1"/>
+              <a:endCxn id="27" idx="0"/>
+            </p:cNvCxnSpPr>
+            <p:nvPr/>
+          </p:nvCxnSpPr>
+          <p:spPr bwMode="auto">
+            <a:xfrm rot="10800000" flipV="1">
+              <a:off x="2604934" y="4779861"/>
+              <a:ext cx="608811" cy="814044"/>
+            </a:xfrm>
+            <a:prstGeom prst="bentConnector2">
+              <a:avLst/>
+            </a:prstGeom>
+            <a:ln w="19050">
+              <a:headEnd type="none" w="med" len="med"/>
+              <a:tailEnd type="triangle"/>
+            </a:ln>
+          </p:spPr>
+          <p:style>
+            <a:lnRef idx="1">
+              <a:schemeClr val="dk1"/>
+            </a:lnRef>
+            <a:fillRef idx="0">
+              <a:schemeClr val="dk1"/>
+            </a:fillRef>
+            <a:effectRef idx="0">
+              <a:schemeClr val="dk1"/>
+            </a:effectRef>
+            <a:fontRef idx="minor">
+              <a:schemeClr val="tx1"/>
+            </a:fontRef>
+          </p:style>
+        </p:cxnSp>
+      </p:grpSp>
     </p:spTree>
     <p:extLst>
       <p:ext uri="{BB962C8B-B14F-4D97-AF65-F5344CB8AC3E}">
-        <p14:creationId xmlns:p14="http://schemas.microsoft.com/office/powerpoint/2010/main" val="3673640970"/>
+        <p14:creationId xmlns:p14="http://schemas.microsoft.com/office/powerpoint/2010/main" val="777635050"/>
       </p:ext>
     </p:extLst>
   </p:cSld>
@@ -18959,41 +18562,21 @@
               <a:rPr lang="zh-CN" altLang="en-US" dirty="0">
                 <a:latin typeface="+mn-ea"/>
               </a:rPr>
-              <a:t>一</a:t>
-            </a:r>
-            <a:r>
-              <a:rPr lang="en-US" altLang="zh-CN" dirty="0">
-                <a:latin typeface="+mn-ea"/>
-              </a:rPr>
-              <a:t>. </a:t>
+              <a:t>二、</a:t>
+            </a:r>
+            <a:r>
+              <a:rPr lang="en-US" altLang="zh-CN" sz="3600" b="1" dirty="0">
+                <a:latin typeface="微软雅黑" pitchFamily="34" charset="-122"/>
+                <a:ea typeface="微软雅黑" pitchFamily="34" charset="-122"/>
+              </a:rPr>
+              <a:t>OGR</a:t>
             </a:r>
             <a:r>
               <a:rPr lang="zh-CN" altLang="en-US" sz="3600" b="1" dirty="0">
                 <a:latin typeface="微软雅黑" pitchFamily="34" charset="-122"/>
                 <a:ea typeface="微软雅黑" pitchFamily="34" charset="-122"/>
               </a:rPr>
-              <a:t>开源</a:t>
-            </a:r>
-            <a:r>
-              <a:rPr lang="en-US" altLang="zh-CN" sz="3600" b="1" dirty="0">
-                <a:latin typeface="微软雅黑" pitchFamily="34" charset="-122"/>
-                <a:ea typeface="微软雅黑" pitchFamily="34" charset="-122"/>
-              </a:rPr>
-              <a:t>Linux</a:t>
-            </a:r>
-            <a:r>
-              <a:rPr lang="zh-CN" altLang="en-US" sz="3600" b="1" dirty="0">
-                <a:latin typeface="微软雅黑" pitchFamily="34" charset="-122"/>
-                <a:ea typeface="微软雅黑" pitchFamily="34" charset="-122"/>
-              </a:rPr>
-              <a:t>操作系统</a:t>
-            </a:r>
-            <a:r>
-              <a:rPr lang="zh-CN" altLang="en-US" dirty="0">
-                <a:latin typeface="微软雅黑" pitchFamily="34" charset="-122"/>
-                <a:ea typeface="微软雅黑" pitchFamily="34" charset="-122"/>
-              </a:rPr>
-              <a:t>简介</a:t>
+              <a:t>开源库介绍</a:t>
             </a:r>
             <a:endParaRPr lang="zh-CN" altLang="en-US" dirty="0"/>
           </a:p>
@@ -19070,7 +18653,7 @@
                 <a:latin typeface="+mn-ea"/>
                 <a:ea typeface="+mn-ea"/>
               </a:rPr>
-              <a:t>主要功能</a:t>
+              <a:t>体系结构</a:t>
             </a:r>
             <a:endParaRPr lang="en-US" altLang="zh-CN" sz="2800" b="1" dirty="0">
               <a:solidFill>
@@ -19084,10 +18667,10 @@
       </p:sp>
       <p:sp>
         <p:nvSpPr>
-          <p:cNvPr id="4" name="TextBox 4">
+          <p:cNvPr id="5" name="TextBox 4">
             <a:extLst>
               <a:ext uri="{FF2B5EF4-FFF2-40B4-BE49-F238E27FC236}">
-                <a16:creationId xmlns:a16="http://schemas.microsoft.com/office/drawing/2014/main" id="{D44C56F3-FFA7-3E9D-7AF2-7B99ECE7A75E}"/>
+                <a16:creationId xmlns:a16="http://schemas.microsoft.com/office/drawing/2014/main" id="{78502774-B04C-634F-1396-E5815996BC36}"/>
               </a:ext>
             </a:extLst>
           </p:cNvPr>
@@ -19096,8 +18679,8 @@
         </p:nvSpPr>
         <p:spPr>
           <a:xfrm>
-            <a:off x="317665" y="1480306"/>
-            <a:ext cx="8583442" cy="4695003"/>
+            <a:off x="588404" y="1307485"/>
+            <a:ext cx="2769406" cy="693460"/>
           </a:xfrm>
           <a:prstGeom prst="rect">
             <a:avLst/>
@@ -19112,245 +18695,794 @@
           <a:p>
             <a:pPr algn="just">
               <a:lnSpc>
-                <a:spcPts val="4000"/>
+                <a:spcPct val="200000"/>
               </a:lnSpc>
             </a:pPr>
             <a:r>
-              <a:rPr lang="en-US" altLang="zh-CN" b="1" u="sng" dirty="0">
-                <a:solidFill>
-                  <a:schemeClr val="accent2"/>
+              <a:rPr lang="zh-CN" altLang="en-US" sz="2300" dirty="0">
+                <a:solidFill>
+                  <a:srgbClr val="151515"/>
                 </a:solidFill>
                 <a:latin typeface="+mn-ea"/>
                 <a:ea typeface="+mn-ea"/>
               </a:rPr>
-              <a:t>Spatial Reference</a:t>
-            </a:r>
-            <a:r>
-              <a:rPr lang="zh-CN" altLang="en-US" b="1" u="sng" dirty="0">
-                <a:solidFill>
-                  <a:schemeClr val="accent2"/>
-                </a:solidFill>
-                <a:latin typeface="+mn-ea"/>
-                <a:ea typeface="+mn-ea"/>
-              </a:rPr>
-              <a:t>（空间参考）：</a:t>
-            </a:r>
-            <a:r>
-              <a:rPr lang="en-US" altLang="zh-CN" dirty="0">
-                <a:solidFill>
-                  <a:srgbClr val="151515"/>
-                </a:solidFill>
-                <a:latin typeface="+mn-ea"/>
-                <a:ea typeface="+mn-ea"/>
-              </a:rPr>
-              <a:t> </a:t>
-            </a:r>
-            <a:r>
-              <a:rPr lang="en-US" altLang="zh-CN" dirty="0" err="1">
-                <a:solidFill>
-                  <a:srgbClr val="151515"/>
-                </a:solidFill>
-                <a:latin typeface="+mn-ea"/>
-                <a:ea typeface="+mn-ea"/>
-              </a:rPr>
-              <a:t>OGRSpatialReference</a:t>
-            </a:r>
-            <a:r>
-              <a:rPr lang="zh-CN" altLang="en-US" dirty="0">
-                <a:solidFill>
-                  <a:srgbClr val="151515"/>
-                </a:solidFill>
-                <a:latin typeface="+mn-ea"/>
-                <a:ea typeface="+mn-ea"/>
-              </a:rPr>
-              <a:t>类，该类用于</a:t>
-            </a:r>
-            <a:r>
-              <a:rPr lang="en-US" altLang="zh-CN" dirty="0" err="1">
-                <a:solidFill>
-                  <a:srgbClr val="151515"/>
-                </a:solidFill>
-                <a:latin typeface="+mn-ea"/>
-                <a:ea typeface="+mn-ea"/>
-              </a:rPr>
-              <a:t>OpenGIS</a:t>
-            </a:r>
-            <a:r>
-              <a:rPr lang="zh-CN" altLang="en-US" dirty="0">
-                <a:solidFill>
-                  <a:srgbClr val="151515"/>
-                </a:solidFill>
-                <a:latin typeface="+mn-ea"/>
-                <a:ea typeface="+mn-ea"/>
-              </a:rPr>
-              <a:t>空间参考系统的定义以及转换。</a:t>
-            </a:r>
-            <a:endParaRPr lang="en-US" altLang="zh-CN" dirty="0">
-              <a:solidFill>
-                <a:srgbClr val="151515"/>
-              </a:solidFill>
-              <a:latin typeface="+mn-ea"/>
-              <a:ea typeface="+mn-ea"/>
-            </a:endParaRPr>
-          </a:p>
-          <a:p>
-            <a:pPr algn="just">
-              <a:lnSpc>
-                <a:spcPts val="4000"/>
-              </a:lnSpc>
-            </a:pPr>
-            <a:r>
-              <a:rPr lang="en-US" altLang="zh-CN" b="1" u="sng" dirty="0" err="1">
-                <a:solidFill>
-                  <a:srgbClr val="151515"/>
-                </a:solidFill>
-                <a:latin typeface="+mn-ea"/>
-                <a:ea typeface="+mn-ea"/>
-              </a:rPr>
-              <a:t>OGRCoordinateTransformation</a:t>
-            </a:r>
-            <a:r>
-              <a:rPr lang="en-US" altLang="zh-CN" b="1" u="sng" dirty="0">
-                <a:solidFill>
-                  <a:srgbClr val="151515"/>
-                </a:solidFill>
-                <a:latin typeface="+mn-ea"/>
-                <a:ea typeface="+mn-ea"/>
-              </a:rPr>
-              <a:t> </a:t>
-            </a:r>
-            <a:r>
-              <a:rPr lang="zh-CN" altLang="en-US" b="1" u="sng" dirty="0">
-                <a:solidFill>
-                  <a:srgbClr val="151515"/>
-                </a:solidFill>
-                <a:latin typeface="+mn-ea"/>
-                <a:ea typeface="+mn-ea"/>
-              </a:rPr>
-              <a:t>类</a:t>
-            </a:r>
-            <a:r>
-              <a:rPr lang="zh-CN" altLang="en-US" dirty="0">
-                <a:solidFill>
-                  <a:srgbClr val="151515"/>
-                </a:solidFill>
-                <a:latin typeface="+mn-ea"/>
-                <a:ea typeface="+mn-ea"/>
-              </a:rPr>
-              <a:t>，用于不同坐标系之间的转换。</a:t>
-            </a:r>
-            <a:endParaRPr lang="en-US" altLang="zh-CN" dirty="0">
-              <a:solidFill>
-                <a:srgbClr val="151515"/>
-              </a:solidFill>
-              <a:latin typeface="+mn-ea"/>
-              <a:ea typeface="+mn-ea"/>
-            </a:endParaRPr>
-          </a:p>
-          <a:p>
-            <a:pPr algn="just">
-              <a:lnSpc>
-                <a:spcPts val="4000"/>
-              </a:lnSpc>
-            </a:pPr>
-            <a:r>
-              <a:rPr lang="en-US" altLang="zh-CN" b="1" u="sng" dirty="0" err="1">
-                <a:solidFill>
-                  <a:srgbClr val="151515"/>
-                </a:solidFill>
-                <a:latin typeface="+mn-ea"/>
-                <a:ea typeface="+mn-ea"/>
-              </a:rPr>
-              <a:t>OGRCreateCoordinateTransformation</a:t>
-            </a:r>
-            <a:r>
-              <a:rPr lang="zh-CN" altLang="en-US" b="1" u="sng" dirty="0">
-                <a:solidFill>
-                  <a:srgbClr val="151515"/>
-                </a:solidFill>
-                <a:latin typeface="+mn-ea"/>
-                <a:ea typeface="+mn-ea"/>
-              </a:rPr>
-              <a:t>类</a:t>
-            </a:r>
-            <a:r>
-              <a:rPr lang="zh-CN" altLang="en-US" dirty="0">
-                <a:solidFill>
-                  <a:srgbClr val="151515"/>
-                </a:solidFill>
-                <a:latin typeface="+mn-ea"/>
-                <a:ea typeface="+mn-ea"/>
-              </a:rPr>
-              <a:t>，用于创建转换对象，然后调用。</a:t>
-            </a:r>
-            <a:endParaRPr lang="en-US" altLang="zh-CN" dirty="0">
-              <a:solidFill>
-                <a:srgbClr val="151515"/>
-              </a:solidFill>
-              <a:latin typeface="+mn-ea"/>
-              <a:ea typeface="+mn-ea"/>
-            </a:endParaRPr>
-          </a:p>
-          <a:p>
-            <a:pPr algn="just">
-              <a:lnSpc>
-                <a:spcPts val="4000"/>
-              </a:lnSpc>
-            </a:pPr>
-            <a:r>
-              <a:rPr lang="en-US" altLang="zh-CN" b="1" u="sng" dirty="0" err="1">
-                <a:solidFill>
-                  <a:srgbClr val="151515"/>
-                </a:solidFill>
-                <a:latin typeface="+mn-ea"/>
-                <a:ea typeface="+mn-ea"/>
-              </a:rPr>
-              <a:t>OGRCoordinateTransformation</a:t>
-            </a:r>
-            <a:r>
-              <a:rPr lang="en-US" altLang="zh-CN" b="1" u="sng" dirty="0">
-                <a:solidFill>
-                  <a:srgbClr val="151515"/>
-                </a:solidFill>
-                <a:latin typeface="+mn-ea"/>
-                <a:ea typeface="+mn-ea"/>
-              </a:rPr>
-              <a:t>::Transform() </a:t>
-            </a:r>
-            <a:r>
-              <a:rPr lang="zh-CN" altLang="en-US" b="1" u="sng" dirty="0">
-                <a:solidFill>
-                  <a:srgbClr val="151515"/>
-                </a:solidFill>
-                <a:latin typeface="+mn-ea"/>
-                <a:ea typeface="+mn-ea"/>
-              </a:rPr>
-              <a:t>方法</a:t>
-            </a:r>
-            <a:r>
-              <a:rPr lang="zh-CN" altLang="en-US" dirty="0">
-                <a:solidFill>
-                  <a:srgbClr val="151515"/>
-                </a:solidFill>
-                <a:latin typeface="+mn-ea"/>
-                <a:ea typeface="+mn-ea"/>
-              </a:rPr>
-              <a:t>，用于转换坐标。</a:t>
-            </a:r>
-            <a:endParaRPr lang="en-US" altLang="zh-CN" dirty="0">
-              <a:solidFill>
-                <a:srgbClr val="151515"/>
-              </a:solidFill>
-              <a:latin typeface="+mn-ea"/>
-              <a:ea typeface="+mn-ea"/>
-            </a:endParaRPr>
+              <a:t>数据写入流程：</a:t>
+            </a:r>
           </a:p>
         </p:txBody>
       </p:sp>
+      <p:sp>
+        <p:nvSpPr>
+          <p:cNvPr id="4" name="矩形 3">
+            <a:extLst>
+              <a:ext uri="{FF2B5EF4-FFF2-40B4-BE49-F238E27FC236}">
+                <a16:creationId xmlns:a16="http://schemas.microsoft.com/office/drawing/2014/main" id="{D1F750A9-C70A-8B83-DC72-043D5C6B3C46}"/>
+              </a:ext>
+            </a:extLst>
+          </p:cNvPr>
+          <p:cNvSpPr/>
+          <p:nvPr/>
+        </p:nvSpPr>
+        <p:spPr>
+          <a:xfrm>
+            <a:off x="1402721" y="2140832"/>
+            <a:ext cx="2353273" cy="598504"/>
+          </a:xfrm>
+          <a:prstGeom prst="rect">
+            <a:avLst/>
+          </a:prstGeom>
+          <a:noFill/>
+          <a:ln w="28575">
+            <a:solidFill>
+              <a:schemeClr val="bg2"/>
+            </a:solidFill>
+          </a:ln>
+        </p:spPr>
+        <p:txBody>
+          <a:bodyPr wrap="square" lIns="0" rtlCol="0" anchor="ctr">
+            <a:noAutofit/>
+          </a:bodyPr>
+          <a:lstStyle/>
+          <a:p>
+            <a:r>
+              <a:rPr lang="zh-CN" altLang="en-US" b="1" dirty="0">
+                <a:solidFill>
+                  <a:srgbClr val="FF0000"/>
+                </a:solidFill>
+                <a:latin typeface="微软雅黑" pitchFamily="34" charset="-122"/>
+                <a:ea typeface="微软雅黑" pitchFamily="34" charset="-122"/>
+              </a:rPr>
+              <a:t>创建数据驱动</a:t>
+            </a:r>
+          </a:p>
+        </p:txBody>
+      </p:sp>
+      <p:sp>
+        <p:nvSpPr>
+          <p:cNvPr id="6" name="矩形 5">
+            <a:extLst>
+              <a:ext uri="{FF2B5EF4-FFF2-40B4-BE49-F238E27FC236}">
+                <a16:creationId xmlns:a16="http://schemas.microsoft.com/office/drawing/2014/main" id="{85BE607E-94A1-E093-DA74-D8D0FB53187E}"/>
+              </a:ext>
+            </a:extLst>
+          </p:cNvPr>
+          <p:cNvSpPr/>
+          <p:nvPr/>
+        </p:nvSpPr>
+        <p:spPr>
+          <a:xfrm>
+            <a:off x="1403837" y="3056604"/>
+            <a:ext cx="2353273" cy="598504"/>
+          </a:xfrm>
+          <a:prstGeom prst="rect">
+            <a:avLst/>
+          </a:prstGeom>
+          <a:noFill/>
+          <a:ln w="28575">
+            <a:solidFill>
+              <a:schemeClr val="bg2"/>
+            </a:solidFill>
+          </a:ln>
+        </p:spPr>
+        <p:txBody>
+          <a:bodyPr wrap="square" lIns="0" rtlCol="0" anchor="ctr">
+            <a:noAutofit/>
+          </a:bodyPr>
+          <a:lstStyle/>
+          <a:p>
+            <a:r>
+              <a:rPr lang="zh-CN" altLang="en-US" b="1" dirty="0">
+                <a:solidFill>
+                  <a:srgbClr val="FF0000"/>
+                </a:solidFill>
+                <a:latin typeface="微软雅黑" pitchFamily="34" charset="-122"/>
+                <a:ea typeface="微软雅黑" pitchFamily="34" charset="-122"/>
+              </a:rPr>
+              <a:t>创建数据源</a:t>
+            </a:r>
+          </a:p>
+        </p:txBody>
+      </p:sp>
+      <p:sp>
+        <p:nvSpPr>
+          <p:cNvPr id="7" name="矩形 6">
+            <a:extLst>
+              <a:ext uri="{FF2B5EF4-FFF2-40B4-BE49-F238E27FC236}">
+                <a16:creationId xmlns:a16="http://schemas.microsoft.com/office/drawing/2014/main" id="{6D30944B-8680-6208-8F5F-1C57E55E51CA}"/>
+              </a:ext>
+            </a:extLst>
+          </p:cNvPr>
+          <p:cNvSpPr/>
+          <p:nvPr/>
+        </p:nvSpPr>
+        <p:spPr>
+          <a:xfrm>
+            <a:off x="1402721" y="3994507"/>
+            <a:ext cx="2353273" cy="598504"/>
+          </a:xfrm>
+          <a:prstGeom prst="rect">
+            <a:avLst/>
+          </a:prstGeom>
+          <a:noFill/>
+          <a:ln w="28575">
+            <a:solidFill>
+              <a:schemeClr val="bg2"/>
+            </a:solidFill>
+          </a:ln>
+        </p:spPr>
+        <p:txBody>
+          <a:bodyPr wrap="square" lIns="0" rtlCol="0" anchor="ctr">
+            <a:noAutofit/>
+          </a:bodyPr>
+          <a:lstStyle/>
+          <a:p>
+            <a:r>
+              <a:rPr lang="zh-CN" altLang="en-US" b="1" dirty="0">
+                <a:solidFill>
+                  <a:srgbClr val="FF0000"/>
+                </a:solidFill>
+                <a:latin typeface="微软雅黑" pitchFamily="34" charset="-122"/>
+                <a:ea typeface="微软雅黑" pitchFamily="34" charset="-122"/>
+              </a:rPr>
+              <a:t>创建图层</a:t>
+            </a:r>
+          </a:p>
+        </p:txBody>
+      </p:sp>
+      <p:sp>
+        <p:nvSpPr>
+          <p:cNvPr id="8" name="矩形 7">
+            <a:extLst>
+              <a:ext uri="{FF2B5EF4-FFF2-40B4-BE49-F238E27FC236}">
+                <a16:creationId xmlns:a16="http://schemas.microsoft.com/office/drawing/2014/main" id="{97FDE4DA-95A9-718A-FA8C-A572F428DC8C}"/>
+              </a:ext>
+            </a:extLst>
+          </p:cNvPr>
+          <p:cNvSpPr/>
+          <p:nvPr/>
+        </p:nvSpPr>
+        <p:spPr>
+          <a:xfrm>
+            <a:off x="1402721" y="6073076"/>
+            <a:ext cx="2353273" cy="598504"/>
+          </a:xfrm>
+          <a:prstGeom prst="rect">
+            <a:avLst/>
+          </a:prstGeom>
+          <a:noFill/>
+          <a:ln w="28575">
+            <a:solidFill>
+              <a:schemeClr val="bg2"/>
+            </a:solidFill>
+          </a:ln>
+        </p:spPr>
+        <p:txBody>
+          <a:bodyPr wrap="square" lIns="0" rtlCol="0" anchor="ctr">
+            <a:noAutofit/>
+          </a:bodyPr>
+          <a:lstStyle/>
+          <a:p>
+            <a:r>
+              <a:rPr lang="zh-CN" altLang="en-US" b="1" dirty="0">
+                <a:solidFill>
+                  <a:srgbClr val="FF0000"/>
+                </a:solidFill>
+                <a:latin typeface="微软雅黑" pitchFamily="34" charset="-122"/>
+                <a:ea typeface="微软雅黑" pitchFamily="34" charset="-122"/>
+              </a:rPr>
+              <a:t>创建要素定义</a:t>
+            </a:r>
+          </a:p>
+        </p:txBody>
+      </p:sp>
+      <p:sp>
+        <p:nvSpPr>
+          <p:cNvPr id="9" name="矩形 8">
+            <a:extLst>
+              <a:ext uri="{FF2B5EF4-FFF2-40B4-BE49-F238E27FC236}">
+                <a16:creationId xmlns:a16="http://schemas.microsoft.com/office/drawing/2014/main" id="{90A28092-BB0F-2EE7-FB40-F241177B1DC1}"/>
+              </a:ext>
+            </a:extLst>
+          </p:cNvPr>
+          <p:cNvSpPr/>
+          <p:nvPr/>
+        </p:nvSpPr>
+        <p:spPr>
+          <a:xfrm>
+            <a:off x="4720816" y="3147656"/>
+            <a:ext cx="2353273" cy="598504"/>
+          </a:xfrm>
+          <a:prstGeom prst="rect">
+            <a:avLst/>
+          </a:prstGeom>
+          <a:noFill/>
+          <a:ln w="28575">
+            <a:solidFill>
+              <a:schemeClr val="bg2"/>
+            </a:solidFill>
+          </a:ln>
+        </p:spPr>
+        <p:txBody>
+          <a:bodyPr wrap="square" lIns="0" rtlCol="0" anchor="ctr">
+            <a:noAutofit/>
+          </a:bodyPr>
+          <a:lstStyle/>
+          <a:p>
+            <a:r>
+              <a:rPr lang="zh-CN" altLang="en-US" b="1" dirty="0">
+                <a:solidFill>
+                  <a:srgbClr val="FF0000"/>
+                </a:solidFill>
+                <a:latin typeface="微软雅黑" pitchFamily="34" charset="-122"/>
+                <a:ea typeface="微软雅黑" pitchFamily="34" charset="-122"/>
+              </a:rPr>
+              <a:t>将几何写入要素</a:t>
+            </a:r>
+          </a:p>
+        </p:txBody>
+      </p:sp>
+      <p:sp>
+        <p:nvSpPr>
+          <p:cNvPr id="10" name="矩形 9">
+            <a:extLst>
+              <a:ext uri="{FF2B5EF4-FFF2-40B4-BE49-F238E27FC236}">
+                <a16:creationId xmlns:a16="http://schemas.microsoft.com/office/drawing/2014/main" id="{E9B5F08D-C366-E9E1-C8B9-677FB210B9C4}"/>
+              </a:ext>
+            </a:extLst>
+          </p:cNvPr>
+          <p:cNvSpPr/>
+          <p:nvPr/>
+        </p:nvSpPr>
+        <p:spPr>
+          <a:xfrm>
+            <a:off x="4720815" y="2138149"/>
+            <a:ext cx="2353273" cy="598504"/>
+          </a:xfrm>
+          <a:prstGeom prst="rect">
+            <a:avLst/>
+          </a:prstGeom>
+          <a:noFill/>
+          <a:ln w="28575">
+            <a:solidFill>
+              <a:schemeClr val="bg2"/>
+            </a:solidFill>
+          </a:ln>
+        </p:spPr>
+        <p:txBody>
+          <a:bodyPr wrap="square" lIns="0" rtlCol="0" anchor="ctr">
+            <a:noAutofit/>
+          </a:bodyPr>
+          <a:lstStyle/>
+          <a:p>
+            <a:r>
+              <a:rPr lang="zh-CN" altLang="en-US" b="1" dirty="0">
+                <a:solidFill>
+                  <a:srgbClr val="FF0000"/>
+                </a:solidFill>
+                <a:latin typeface="微软雅黑" pitchFamily="34" charset="-122"/>
+                <a:ea typeface="微软雅黑" pitchFamily="34" charset="-122"/>
+              </a:rPr>
+              <a:t>创建要素</a:t>
+            </a:r>
+          </a:p>
+        </p:txBody>
+      </p:sp>
+      <p:cxnSp>
+        <p:nvCxnSpPr>
+          <p:cNvPr id="12" name="直接箭头连接符 11">
+            <a:extLst>
+              <a:ext uri="{FF2B5EF4-FFF2-40B4-BE49-F238E27FC236}">
+                <a16:creationId xmlns:a16="http://schemas.microsoft.com/office/drawing/2014/main" id="{EBCD2B2D-744C-31EF-F7D4-59903193479A}"/>
+              </a:ext>
+            </a:extLst>
+          </p:cNvPr>
+          <p:cNvCxnSpPr>
+            <a:cxnSpLocks/>
+            <a:stCxn id="4" idx="2"/>
+            <a:endCxn id="6" idx="0"/>
+          </p:cNvCxnSpPr>
+          <p:nvPr/>
+        </p:nvCxnSpPr>
+        <p:spPr bwMode="auto">
+          <a:xfrm>
+            <a:off x="2579358" y="2739336"/>
+            <a:ext cx="1116" cy="317268"/>
+          </a:xfrm>
+          <a:prstGeom prst="straightConnector1">
+            <a:avLst/>
+          </a:prstGeom>
+          <a:ln w="28575">
+            <a:headEnd type="none" w="med" len="med"/>
+            <a:tailEnd type="triangle"/>
+          </a:ln>
+        </p:spPr>
+        <p:style>
+          <a:lnRef idx="1">
+            <a:schemeClr val="dk1"/>
+          </a:lnRef>
+          <a:fillRef idx="0">
+            <a:schemeClr val="dk1"/>
+          </a:fillRef>
+          <a:effectRef idx="0">
+            <a:schemeClr val="dk1"/>
+          </a:effectRef>
+          <a:fontRef idx="minor">
+            <a:schemeClr val="tx1"/>
+          </a:fontRef>
+        </p:style>
+      </p:cxnSp>
+      <p:cxnSp>
+        <p:nvCxnSpPr>
+          <p:cNvPr id="14" name="直接箭头连接符 13">
+            <a:extLst>
+              <a:ext uri="{FF2B5EF4-FFF2-40B4-BE49-F238E27FC236}">
+                <a16:creationId xmlns:a16="http://schemas.microsoft.com/office/drawing/2014/main" id="{C16A2EFE-4C34-925F-493E-06C7F878D490}"/>
+              </a:ext>
+            </a:extLst>
+          </p:cNvPr>
+          <p:cNvCxnSpPr>
+            <a:cxnSpLocks/>
+            <a:stCxn id="6" idx="2"/>
+            <a:endCxn id="7" idx="0"/>
+          </p:cNvCxnSpPr>
+          <p:nvPr/>
+        </p:nvCxnSpPr>
+        <p:spPr bwMode="auto">
+          <a:xfrm flipH="1">
+            <a:off x="2579358" y="3655108"/>
+            <a:ext cx="1116" cy="339399"/>
+          </a:xfrm>
+          <a:prstGeom prst="straightConnector1">
+            <a:avLst/>
+          </a:prstGeom>
+          <a:ln w="28575">
+            <a:headEnd type="none" w="med" len="med"/>
+            <a:tailEnd type="triangle"/>
+          </a:ln>
+        </p:spPr>
+        <p:style>
+          <a:lnRef idx="1">
+            <a:schemeClr val="dk1"/>
+          </a:lnRef>
+          <a:fillRef idx="0">
+            <a:schemeClr val="dk1"/>
+          </a:fillRef>
+          <a:effectRef idx="0">
+            <a:schemeClr val="dk1"/>
+          </a:effectRef>
+          <a:fontRef idx="minor">
+            <a:schemeClr val="tx1"/>
+          </a:fontRef>
+        </p:style>
+      </p:cxnSp>
+      <p:cxnSp>
+        <p:nvCxnSpPr>
+          <p:cNvPr id="18" name="连接符: 肘形 17">
+            <a:extLst>
+              <a:ext uri="{FF2B5EF4-FFF2-40B4-BE49-F238E27FC236}">
+                <a16:creationId xmlns:a16="http://schemas.microsoft.com/office/drawing/2014/main" id="{F65EE2A2-A8CC-8ACF-F477-DBBDC6F55DD7}"/>
+              </a:ext>
+            </a:extLst>
+          </p:cNvPr>
+          <p:cNvCxnSpPr>
+            <a:cxnSpLocks/>
+            <a:stCxn id="8" idx="3"/>
+            <a:endCxn id="10" idx="1"/>
+          </p:cNvCxnSpPr>
+          <p:nvPr/>
+        </p:nvCxnSpPr>
+        <p:spPr bwMode="auto">
+          <a:xfrm flipV="1">
+            <a:off x="3755994" y="2437401"/>
+            <a:ext cx="964821" cy="3934927"/>
+          </a:xfrm>
+          <a:prstGeom prst="bentConnector3">
+            <a:avLst>
+              <a:gd name="adj1" fmla="val 50000"/>
+            </a:avLst>
+          </a:prstGeom>
+          <a:ln w="19050">
+            <a:headEnd type="none" w="med" len="med"/>
+            <a:tailEnd type="triangle"/>
+          </a:ln>
+        </p:spPr>
+        <p:style>
+          <a:lnRef idx="1">
+            <a:schemeClr val="dk1"/>
+          </a:lnRef>
+          <a:fillRef idx="0">
+            <a:schemeClr val="dk1"/>
+          </a:fillRef>
+          <a:effectRef idx="0">
+            <a:schemeClr val="dk1"/>
+          </a:effectRef>
+          <a:fontRef idx="minor">
+            <a:schemeClr val="tx1"/>
+          </a:fontRef>
+        </p:style>
+      </p:cxnSp>
+      <p:cxnSp>
+        <p:nvCxnSpPr>
+          <p:cNvPr id="20" name="直接箭头连接符 19">
+            <a:extLst>
+              <a:ext uri="{FF2B5EF4-FFF2-40B4-BE49-F238E27FC236}">
+                <a16:creationId xmlns:a16="http://schemas.microsoft.com/office/drawing/2014/main" id="{A66C3C6C-14E9-F27F-33A4-703F8166EC8A}"/>
+              </a:ext>
+            </a:extLst>
+          </p:cNvPr>
+          <p:cNvCxnSpPr>
+            <a:cxnSpLocks/>
+            <a:stCxn id="7" idx="2"/>
+            <a:endCxn id="16" idx="0"/>
+          </p:cNvCxnSpPr>
+          <p:nvPr/>
+        </p:nvCxnSpPr>
+        <p:spPr bwMode="auto">
+          <a:xfrm>
+            <a:off x="2579358" y="4593011"/>
+            <a:ext cx="1" cy="327596"/>
+          </a:xfrm>
+          <a:prstGeom prst="straightConnector1">
+            <a:avLst/>
+          </a:prstGeom>
+          <a:ln w="28575">
+            <a:headEnd type="none" w="med" len="med"/>
+            <a:tailEnd type="triangle"/>
+          </a:ln>
+        </p:spPr>
+        <p:style>
+          <a:lnRef idx="1">
+            <a:schemeClr val="dk1"/>
+          </a:lnRef>
+          <a:fillRef idx="0">
+            <a:schemeClr val="dk1"/>
+          </a:fillRef>
+          <a:effectRef idx="0">
+            <a:schemeClr val="dk1"/>
+          </a:effectRef>
+          <a:fontRef idx="minor">
+            <a:schemeClr val="tx1"/>
+          </a:fontRef>
+        </p:style>
+      </p:cxnSp>
+      <p:cxnSp>
+        <p:nvCxnSpPr>
+          <p:cNvPr id="23" name="直接箭头连接符 22">
+            <a:extLst>
+              <a:ext uri="{FF2B5EF4-FFF2-40B4-BE49-F238E27FC236}">
+                <a16:creationId xmlns:a16="http://schemas.microsoft.com/office/drawing/2014/main" id="{AF86FD19-D4AD-A9C2-E880-E27009B55ED1}"/>
+              </a:ext>
+            </a:extLst>
+          </p:cNvPr>
+          <p:cNvCxnSpPr>
+            <a:cxnSpLocks/>
+            <a:stCxn id="16" idx="2"/>
+            <a:endCxn id="8" idx="0"/>
+          </p:cNvCxnSpPr>
+          <p:nvPr/>
+        </p:nvCxnSpPr>
+        <p:spPr bwMode="auto">
+          <a:xfrm flipH="1">
+            <a:off x="2579358" y="5778876"/>
+            <a:ext cx="1" cy="294200"/>
+          </a:xfrm>
+          <a:prstGeom prst="straightConnector1">
+            <a:avLst/>
+          </a:prstGeom>
+          <a:ln w="28575">
+            <a:headEnd type="none" w="med" len="med"/>
+            <a:tailEnd type="triangle"/>
+          </a:ln>
+        </p:spPr>
+        <p:style>
+          <a:lnRef idx="1">
+            <a:schemeClr val="dk1"/>
+          </a:lnRef>
+          <a:fillRef idx="0">
+            <a:schemeClr val="dk1"/>
+          </a:fillRef>
+          <a:effectRef idx="0">
+            <a:schemeClr val="dk1"/>
+          </a:effectRef>
+          <a:fontRef idx="minor">
+            <a:schemeClr val="tx1"/>
+          </a:fontRef>
+        </p:style>
+      </p:cxnSp>
+      <p:sp>
+        <p:nvSpPr>
+          <p:cNvPr id="11" name="矩形 10">
+            <a:extLst>
+              <a:ext uri="{FF2B5EF4-FFF2-40B4-BE49-F238E27FC236}">
+                <a16:creationId xmlns:a16="http://schemas.microsoft.com/office/drawing/2014/main" id="{6F391CD4-EC27-562C-C959-D73D69D19943}"/>
+              </a:ext>
+            </a:extLst>
+          </p:cNvPr>
+          <p:cNvSpPr/>
+          <p:nvPr/>
+        </p:nvSpPr>
+        <p:spPr>
+          <a:xfrm>
+            <a:off x="4720815" y="4129416"/>
+            <a:ext cx="2353273" cy="858269"/>
+          </a:xfrm>
+          <a:prstGeom prst="rect">
+            <a:avLst/>
+          </a:prstGeom>
+          <a:noFill/>
+          <a:ln w="28575">
+            <a:solidFill>
+              <a:schemeClr val="bg2"/>
+            </a:solidFill>
+          </a:ln>
+        </p:spPr>
+        <p:txBody>
+          <a:bodyPr wrap="square" lIns="0" rtlCol="0" anchor="ctr">
+            <a:noAutofit/>
+          </a:bodyPr>
+          <a:lstStyle/>
+          <a:p>
+            <a:r>
+              <a:rPr lang="zh-CN" altLang="en-US" b="1" dirty="0">
+                <a:solidFill>
+                  <a:srgbClr val="FF0000"/>
+                </a:solidFill>
+                <a:latin typeface="微软雅黑" pitchFamily="34" charset="-122"/>
+                <a:ea typeface="微软雅黑" pitchFamily="34" charset="-122"/>
+              </a:rPr>
+              <a:t>设置要素字段并写入字段值</a:t>
+            </a:r>
+          </a:p>
+        </p:txBody>
+      </p:sp>
+      <p:cxnSp>
+        <p:nvCxnSpPr>
+          <p:cNvPr id="32" name="直接箭头连接符 31">
+            <a:extLst>
+              <a:ext uri="{FF2B5EF4-FFF2-40B4-BE49-F238E27FC236}">
+                <a16:creationId xmlns:a16="http://schemas.microsoft.com/office/drawing/2014/main" id="{229A80CE-592B-5A77-EDEC-3F159F1367C7}"/>
+              </a:ext>
+            </a:extLst>
+          </p:cNvPr>
+          <p:cNvCxnSpPr>
+            <a:cxnSpLocks/>
+            <a:stCxn id="10" idx="2"/>
+            <a:endCxn id="9" idx="0"/>
+          </p:cNvCxnSpPr>
+          <p:nvPr/>
+        </p:nvCxnSpPr>
+        <p:spPr bwMode="auto">
+          <a:xfrm>
+            <a:off x="5897452" y="2736653"/>
+            <a:ext cx="1" cy="411003"/>
+          </a:xfrm>
+          <a:prstGeom prst="straightConnector1">
+            <a:avLst/>
+          </a:prstGeom>
+          <a:ln w="28575">
+            <a:headEnd type="none" w="med" len="med"/>
+            <a:tailEnd type="triangle"/>
+          </a:ln>
+        </p:spPr>
+        <p:style>
+          <a:lnRef idx="1">
+            <a:schemeClr val="dk1"/>
+          </a:lnRef>
+          <a:fillRef idx="0">
+            <a:schemeClr val="dk1"/>
+          </a:fillRef>
+          <a:effectRef idx="0">
+            <a:schemeClr val="dk1"/>
+          </a:effectRef>
+          <a:fontRef idx="minor">
+            <a:schemeClr val="tx1"/>
+          </a:fontRef>
+        </p:style>
+      </p:cxnSp>
+      <p:sp>
+        <p:nvSpPr>
+          <p:cNvPr id="16" name="矩形 15">
+            <a:extLst>
+              <a:ext uri="{FF2B5EF4-FFF2-40B4-BE49-F238E27FC236}">
+                <a16:creationId xmlns:a16="http://schemas.microsoft.com/office/drawing/2014/main" id="{BACEF2B3-CDFE-35F1-36CC-ABA53F2E4E23}"/>
+              </a:ext>
+            </a:extLst>
+          </p:cNvPr>
+          <p:cNvSpPr/>
+          <p:nvPr/>
+        </p:nvSpPr>
+        <p:spPr>
+          <a:xfrm>
+            <a:off x="1402722" y="4920607"/>
+            <a:ext cx="2353273" cy="858269"/>
+          </a:xfrm>
+          <a:prstGeom prst="rect">
+            <a:avLst/>
+          </a:prstGeom>
+          <a:noFill/>
+          <a:ln w="28575">
+            <a:solidFill>
+              <a:schemeClr val="bg2"/>
+            </a:solidFill>
+          </a:ln>
+        </p:spPr>
+        <p:txBody>
+          <a:bodyPr wrap="square" lIns="0" rtlCol="0" anchor="ctr">
+            <a:noAutofit/>
+          </a:bodyPr>
+          <a:lstStyle/>
+          <a:p>
+            <a:r>
+              <a:rPr lang="zh-CN" altLang="en-US" b="1" dirty="0">
+                <a:solidFill>
+                  <a:srgbClr val="FF0000"/>
+                </a:solidFill>
+                <a:latin typeface="微软雅黑" pitchFamily="34" charset="-122"/>
+                <a:ea typeface="微软雅黑" pitchFamily="34" charset="-122"/>
+              </a:rPr>
+              <a:t>创建字段定义并写入图层</a:t>
+            </a:r>
+          </a:p>
+        </p:txBody>
+      </p:sp>
+      <p:sp>
+        <p:nvSpPr>
+          <p:cNvPr id="52" name="矩形 51">
+            <a:extLst>
+              <a:ext uri="{FF2B5EF4-FFF2-40B4-BE49-F238E27FC236}">
+                <a16:creationId xmlns:a16="http://schemas.microsoft.com/office/drawing/2014/main" id="{13456D5E-7535-6B2B-7789-2BCC644CA7C3}"/>
+              </a:ext>
+            </a:extLst>
+          </p:cNvPr>
+          <p:cNvSpPr/>
+          <p:nvPr/>
+        </p:nvSpPr>
+        <p:spPr>
+          <a:xfrm>
+            <a:off x="4720815" y="5386725"/>
+            <a:ext cx="2352157" cy="645176"/>
+          </a:xfrm>
+          <a:prstGeom prst="rect">
+            <a:avLst/>
+          </a:prstGeom>
+          <a:noFill/>
+          <a:ln w="28575">
+            <a:solidFill>
+              <a:schemeClr val="bg2"/>
+            </a:solidFill>
+          </a:ln>
+        </p:spPr>
+        <p:txBody>
+          <a:bodyPr wrap="square" lIns="0" rtlCol="0" anchor="ctr">
+            <a:noAutofit/>
+          </a:bodyPr>
+          <a:lstStyle/>
+          <a:p>
+            <a:r>
+              <a:rPr lang="zh-CN" altLang="en-US" b="1" dirty="0">
+                <a:solidFill>
+                  <a:srgbClr val="FF0000"/>
+                </a:solidFill>
+                <a:latin typeface="微软雅黑" pitchFamily="34" charset="-122"/>
+                <a:ea typeface="微软雅黑" pitchFamily="34" charset="-122"/>
+              </a:rPr>
+              <a:t>将要素写入图层</a:t>
+            </a:r>
+          </a:p>
+        </p:txBody>
+      </p:sp>
+      <p:cxnSp>
+        <p:nvCxnSpPr>
+          <p:cNvPr id="69" name="直接箭头连接符 68">
+            <a:extLst>
+              <a:ext uri="{FF2B5EF4-FFF2-40B4-BE49-F238E27FC236}">
+                <a16:creationId xmlns:a16="http://schemas.microsoft.com/office/drawing/2014/main" id="{F85763AD-FE70-24A1-79E6-C395D1B67BB7}"/>
+              </a:ext>
+            </a:extLst>
+          </p:cNvPr>
+          <p:cNvCxnSpPr>
+            <a:cxnSpLocks/>
+            <a:stCxn id="9" idx="2"/>
+            <a:endCxn id="11" idx="0"/>
+          </p:cNvCxnSpPr>
+          <p:nvPr/>
+        </p:nvCxnSpPr>
+        <p:spPr bwMode="auto">
+          <a:xfrm flipH="1">
+            <a:off x="5897452" y="3746160"/>
+            <a:ext cx="1" cy="383256"/>
+          </a:xfrm>
+          <a:prstGeom prst="straightConnector1">
+            <a:avLst/>
+          </a:prstGeom>
+          <a:ln w="28575">
+            <a:headEnd type="none" w="med" len="med"/>
+            <a:tailEnd type="triangle"/>
+          </a:ln>
+        </p:spPr>
+        <p:style>
+          <a:lnRef idx="1">
+            <a:schemeClr val="dk1"/>
+          </a:lnRef>
+          <a:fillRef idx="0">
+            <a:schemeClr val="dk1"/>
+          </a:fillRef>
+          <a:effectRef idx="0">
+            <a:schemeClr val="dk1"/>
+          </a:effectRef>
+          <a:fontRef idx="minor">
+            <a:schemeClr val="tx1"/>
+          </a:fontRef>
+        </p:style>
+      </p:cxnSp>
+      <p:cxnSp>
+        <p:nvCxnSpPr>
+          <p:cNvPr id="72" name="直接箭头连接符 71">
+            <a:extLst>
+              <a:ext uri="{FF2B5EF4-FFF2-40B4-BE49-F238E27FC236}">
+                <a16:creationId xmlns:a16="http://schemas.microsoft.com/office/drawing/2014/main" id="{ACBFFEC2-A6C8-8425-5177-807C04288FAF}"/>
+              </a:ext>
+            </a:extLst>
+          </p:cNvPr>
+          <p:cNvCxnSpPr>
+            <a:cxnSpLocks/>
+            <a:stCxn id="11" idx="2"/>
+            <a:endCxn id="52" idx="0"/>
+          </p:cNvCxnSpPr>
+          <p:nvPr/>
+        </p:nvCxnSpPr>
+        <p:spPr bwMode="auto">
+          <a:xfrm flipH="1">
+            <a:off x="5896894" y="4987685"/>
+            <a:ext cx="558" cy="399040"/>
+          </a:xfrm>
+          <a:prstGeom prst="straightConnector1">
+            <a:avLst/>
+          </a:prstGeom>
+          <a:ln w="28575">
+            <a:headEnd type="none" w="med" len="med"/>
+            <a:tailEnd type="triangle"/>
+          </a:ln>
+        </p:spPr>
+        <p:style>
+          <a:lnRef idx="1">
+            <a:schemeClr val="dk1"/>
+          </a:lnRef>
+          <a:fillRef idx="0">
+            <a:schemeClr val="dk1"/>
+          </a:fillRef>
+          <a:effectRef idx="0">
+            <a:schemeClr val="dk1"/>
+          </a:effectRef>
+          <a:fontRef idx="minor">
+            <a:schemeClr val="tx1"/>
+          </a:fontRef>
+        </p:style>
+      </p:cxnSp>
     </p:spTree>
     <p:extLst>
       <p:ext uri="{BB962C8B-B14F-4D97-AF65-F5344CB8AC3E}">
-        <p14:creationId xmlns:p14="http://schemas.microsoft.com/office/powerpoint/2010/main" val="2647094427"/>
+        <p14:creationId xmlns:p14="http://schemas.microsoft.com/office/powerpoint/2010/main" val="3673640970"/>
       </p:ext>
     </p:extLst>
   </p:cSld>
@@ -19401,25 +19533,449 @@
           <a:lstStyle/>
           <a:p>
             <a:r>
+              <a:rPr lang="zh-CN" altLang="en-US" dirty="0">
+                <a:latin typeface="+mn-ea"/>
+              </a:rPr>
+              <a:t>二、</a:t>
+            </a:r>
+            <a:r>
+              <a:rPr lang="en-US" altLang="zh-CN" sz="3600" b="1" dirty="0">
+                <a:latin typeface="微软雅黑" pitchFamily="34" charset="-122"/>
+                <a:ea typeface="微软雅黑" pitchFamily="34" charset="-122"/>
+              </a:rPr>
+              <a:t>OGR</a:t>
+            </a:r>
+            <a:r>
               <a:rPr lang="zh-CN" altLang="en-US" sz="3600" b="1" dirty="0">
                 <a:latin typeface="微软雅黑" pitchFamily="34" charset="-122"/>
                 <a:ea typeface="微软雅黑" pitchFamily="34" charset="-122"/>
               </a:rPr>
-              <a:t>三、</a:t>
+              <a:t>开源库介绍</a:t>
+            </a:r>
+            <a:endParaRPr lang="zh-CN" altLang="en-US" dirty="0"/>
+          </a:p>
+        </p:txBody>
+      </p:sp>
+      <p:sp>
+        <p:nvSpPr>
+          <p:cNvPr id="2" name="TextBox 1">
+            <a:extLst>
+              <a:ext uri="{FF2B5EF4-FFF2-40B4-BE49-F238E27FC236}">
+                <a16:creationId xmlns:a16="http://schemas.microsoft.com/office/drawing/2014/main" id="{631AADB6-C88A-D817-4683-FC087E4E240F}"/>
+              </a:ext>
+            </a:extLst>
+          </p:cNvPr>
+          <p:cNvSpPr txBox="1"/>
+          <p:nvPr/>
+        </p:nvSpPr>
+        <p:spPr>
+          <a:xfrm>
+            <a:off x="317665" y="846748"/>
+            <a:ext cx="8508670" cy="662489"/>
+          </a:xfrm>
+          <a:prstGeom prst="rect">
+            <a:avLst/>
+          </a:prstGeom>
+          <a:noFill/>
+        </p:spPr>
+        <p:txBody>
+          <a:bodyPr wrap="square" rtlCol="0">
+            <a:spAutoFit/>
+          </a:bodyPr>
+          <a:lstStyle/>
+          <a:p>
+            <a:pPr algn="just">
+              <a:lnSpc>
+                <a:spcPct val="150000"/>
+              </a:lnSpc>
+            </a:pPr>
+            <a:r>
+              <a:rPr lang="en-US" altLang="zh-CN" sz="2800" b="1" dirty="0">
+                <a:solidFill>
+                  <a:srgbClr val="333333"/>
+                </a:solidFill>
+                <a:latin typeface="+mn-ea"/>
+                <a:ea typeface="+mn-ea"/>
+              </a:rPr>
+              <a:t>1</a:t>
+            </a:r>
+            <a:r>
+              <a:rPr lang="zh-CN" altLang="en-US" sz="2800" b="1" dirty="0">
+                <a:solidFill>
+                  <a:srgbClr val="333333"/>
+                </a:solidFill>
+                <a:latin typeface="+mn-ea"/>
+                <a:ea typeface="+mn-ea"/>
+              </a:rPr>
+              <a:t>、</a:t>
+            </a:r>
+            <a:r>
+              <a:rPr lang="en-US" altLang="zh-CN" sz="2800" b="1" dirty="0" err="1">
+                <a:solidFill>
+                  <a:srgbClr val="333333"/>
+                </a:solidFill>
+                <a:latin typeface="+mn-ea"/>
+                <a:ea typeface="+mn-ea"/>
+              </a:rPr>
+              <a:t>ogr</a:t>
+            </a:r>
+            <a:r>
+              <a:rPr lang="zh-CN" altLang="en-US" sz="2800" b="1" dirty="0">
+                <a:solidFill>
+                  <a:srgbClr val="333333"/>
+                </a:solidFill>
+                <a:latin typeface="+mn-ea"/>
+                <a:ea typeface="+mn-ea"/>
+              </a:rPr>
+              <a:t>主要功能</a:t>
+            </a:r>
+            <a:endParaRPr lang="en-US" altLang="zh-CN" sz="2800" b="1" dirty="0">
+              <a:solidFill>
+                <a:srgbClr val="333333"/>
+              </a:solidFill>
+              <a:latin typeface="+mn-ea"/>
+              <a:ea typeface="+mn-ea"/>
+            </a:endParaRPr>
+          </a:p>
+        </p:txBody>
+      </p:sp>
+      <p:sp>
+        <p:nvSpPr>
+          <p:cNvPr id="4" name="TextBox 4">
+            <a:extLst>
+              <a:ext uri="{FF2B5EF4-FFF2-40B4-BE49-F238E27FC236}">
+                <a16:creationId xmlns:a16="http://schemas.microsoft.com/office/drawing/2014/main" id="{D44C56F3-FFA7-3E9D-7AF2-7B99ECE7A75E}"/>
+              </a:ext>
+            </a:extLst>
+          </p:cNvPr>
+          <p:cNvSpPr txBox="1"/>
+          <p:nvPr/>
+        </p:nvSpPr>
+        <p:spPr>
+          <a:xfrm>
+            <a:off x="317665" y="1480306"/>
+            <a:ext cx="8583442" cy="4695003"/>
+          </a:xfrm>
+          <a:prstGeom prst="rect">
+            <a:avLst/>
+          </a:prstGeom>
+          <a:noFill/>
+        </p:spPr>
+        <p:txBody>
+          <a:bodyPr wrap="square">
+            <a:spAutoFit/>
+          </a:bodyPr>
+          <a:lstStyle/>
+          <a:p>
+            <a:pPr algn="just">
+              <a:lnSpc>
+                <a:spcPts val="4000"/>
+              </a:lnSpc>
+            </a:pPr>
+            <a:r>
+              <a:rPr lang="en-US" altLang="zh-CN" b="1" u="sng" dirty="0">
+                <a:solidFill>
+                  <a:schemeClr val="accent2"/>
+                </a:solidFill>
+                <a:latin typeface="+mn-ea"/>
+                <a:ea typeface="+mn-ea"/>
+              </a:rPr>
+              <a:t>Spatial Reference</a:t>
+            </a:r>
+            <a:r>
+              <a:rPr lang="zh-CN" altLang="en-US" b="1" u="sng" dirty="0">
+                <a:solidFill>
+                  <a:schemeClr val="accent2"/>
+                </a:solidFill>
+                <a:latin typeface="+mn-ea"/>
+                <a:ea typeface="+mn-ea"/>
+              </a:rPr>
+              <a:t>（空间参考）：</a:t>
+            </a:r>
+            <a:r>
+              <a:rPr lang="en-US" altLang="zh-CN" dirty="0">
+                <a:solidFill>
+                  <a:srgbClr val="151515"/>
+                </a:solidFill>
+                <a:latin typeface="+mn-ea"/>
+                <a:ea typeface="+mn-ea"/>
+              </a:rPr>
+              <a:t> </a:t>
+            </a:r>
+            <a:r>
+              <a:rPr lang="en-US" altLang="zh-CN" dirty="0" err="1">
+                <a:solidFill>
+                  <a:srgbClr val="151515"/>
+                </a:solidFill>
+                <a:latin typeface="+mn-ea"/>
+                <a:ea typeface="+mn-ea"/>
+              </a:rPr>
+              <a:t>OGRSpatialReference</a:t>
+            </a:r>
+            <a:r>
+              <a:rPr lang="zh-CN" altLang="en-US" dirty="0">
+                <a:solidFill>
+                  <a:srgbClr val="151515"/>
+                </a:solidFill>
+                <a:latin typeface="+mn-ea"/>
+                <a:ea typeface="+mn-ea"/>
+              </a:rPr>
+              <a:t>类，该类用于</a:t>
+            </a:r>
+            <a:r>
+              <a:rPr lang="en-US" altLang="zh-CN" dirty="0" err="1">
+                <a:solidFill>
+                  <a:srgbClr val="151515"/>
+                </a:solidFill>
+                <a:latin typeface="+mn-ea"/>
+                <a:ea typeface="+mn-ea"/>
+              </a:rPr>
+              <a:t>OpenGIS</a:t>
+            </a:r>
+            <a:r>
+              <a:rPr lang="zh-CN" altLang="en-US" dirty="0">
+                <a:solidFill>
+                  <a:srgbClr val="151515"/>
+                </a:solidFill>
+                <a:latin typeface="+mn-ea"/>
+                <a:ea typeface="+mn-ea"/>
+              </a:rPr>
+              <a:t>空间参考系统的定义以及转换。</a:t>
+            </a:r>
+            <a:endParaRPr lang="en-US" altLang="zh-CN" dirty="0">
+              <a:solidFill>
+                <a:srgbClr val="151515"/>
+              </a:solidFill>
+              <a:latin typeface="+mn-ea"/>
+              <a:ea typeface="+mn-ea"/>
+            </a:endParaRPr>
+          </a:p>
+          <a:p>
+            <a:pPr algn="just">
+              <a:lnSpc>
+                <a:spcPts val="4000"/>
+              </a:lnSpc>
+            </a:pPr>
+            <a:r>
+              <a:rPr lang="en-US" altLang="zh-CN" b="1" u="sng" dirty="0" err="1">
+                <a:solidFill>
+                  <a:srgbClr val="151515"/>
+                </a:solidFill>
+                <a:latin typeface="+mn-ea"/>
+                <a:ea typeface="+mn-ea"/>
+              </a:rPr>
+              <a:t>OGRCoordinateTransformation</a:t>
+            </a:r>
+            <a:r>
+              <a:rPr lang="en-US" altLang="zh-CN" b="1" u="sng" dirty="0">
+                <a:solidFill>
+                  <a:srgbClr val="151515"/>
+                </a:solidFill>
+                <a:latin typeface="+mn-ea"/>
+                <a:ea typeface="+mn-ea"/>
+              </a:rPr>
+              <a:t> </a:t>
+            </a:r>
+            <a:r>
+              <a:rPr lang="zh-CN" altLang="en-US" b="1" u="sng" dirty="0">
+                <a:solidFill>
+                  <a:srgbClr val="151515"/>
+                </a:solidFill>
+                <a:latin typeface="+mn-ea"/>
+                <a:ea typeface="+mn-ea"/>
+              </a:rPr>
+              <a:t>类</a:t>
+            </a:r>
+            <a:r>
+              <a:rPr lang="zh-CN" altLang="en-US" dirty="0">
+                <a:solidFill>
+                  <a:srgbClr val="151515"/>
+                </a:solidFill>
+                <a:latin typeface="+mn-ea"/>
+                <a:ea typeface="+mn-ea"/>
+              </a:rPr>
+              <a:t>，用于不同坐标系之间的转换。</a:t>
+            </a:r>
+            <a:endParaRPr lang="en-US" altLang="zh-CN" dirty="0">
+              <a:solidFill>
+                <a:srgbClr val="151515"/>
+              </a:solidFill>
+              <a:latin typeface="+mn-ea"/>
+              <a:ea typeface="+mn-ea"/>
+            </a:endParaRPr>
+          </a:p>
+          <a:p>
+            <a:pPr algn="just">
+              <a:lnSpc>
+                <a:spcPts val="4000"/>
+              </a:lnSpc>
+            </a:pPr>
+            <a:r>
+              <a:rPr lang="en-US" altLang="zh-CN" b="1" u="sng" dirty="0" err="1">
+                <a:solidFill>
+                  <a:srgbClr val="151515"/>
+                </a:solidFill>
+                <a:latin typeface="+mn-ea"/>
+                <a:ea typeface="+mn-ea"/>
+              </a:rPr>
+              <a:t>OGRCreateCoordinateTransformation</a:t>
+            </a:r>
+            <a:r>
+              <a:rPr lang="zh-CN" altLang="en-US" b="1" u="sng" dirty="0">
+                <a:solidFill>
+                  <a:srgbClr val="151515"/>
+                </a:solidFill>
+                <a:latin typeface="+mn-ea"/>
+                <a:ea typeface="+mn-ea"/>
+              </a:rPr>
+              <a:t>类</a:t>
+            </a:r>
+            <a:r>
+              <a:rPr lang="zh-CN" altLang="en-US" dirty="0">
+                <a:solidFill>
+                  <a:srgbClr val="151515"/>
+                </a:solidFill>
+                <a:latin typeface="+mn-ea"/>
+                <a:ea typeface="+mn-ea"/>
+              </a:rPr>
+              <a:t>，用于创建转换对象，然后调用。</a:t>
+            </a:r>
+            <a:endParaRPr lang="en-US" altLang="zh-CN" dirty="0">
+              <a:solidFill>
+                <a:srgbClr val="151515"/>
+              </a:solidFill>
+              <a:latin typeface="+mn-ea"/>
+              <a:ea typeface="+mn-ea"/>
+            </a:endParaRPr>
+          </a:p>
+          <a:p>
+            <a:pPr algn="just">
+              <a:lnSpc>
+                <a:spcPts val="4000"/>
+              </a:lnSpc>
+            </a:pPr>
+            <a:r>
+              <a:rPr lang="en-US" altLang="zh-CN" b="1" u="sng" dirty="0" err="1">
+                <a:solidFill>
+                  <a:srgbClr val="151515"/>
+                </a:solidFill>
+                <a:latin typeface="+mn-ea"/>
+                <a:ea typeface="+mn-ea"/>
+              </a:rPr>
+              <a:t>OGRCoordinateTransformation</a:t>
+            </a:r>
+            <a:r>
+              <a:rPr lang="en-US" altLang="zh-CN" b="1" u="sng" dirty="0">
+                <a:solidFill>
+                  <a:srgbClr val="151515"/>
+                </a:solidFill>
+                <a:latin typeface="+mn-ea"/>
+                <a:ea typeface="+mn-ea"/>
+              </a:rPr>
+              <a:t>::Transform() </a:t>
+            </a:r>
+            <a:r>
+              <a:rPr lang="zh-CN" altLang="en-US" b="1" u="sng" dirty="0">
+                <a:solidFill>
+                  <a:srgbClr val="151515"/>
+                </a:solidFill>
+                <a:latin typeface="+mn-ea"/>
+                <a:ea typeface="+mn-ea"/>
+              </a:rPr>
+              <a:t>方法</a:t>
+            </a:r>
+            <a:r>
+              <a:rPr lang="zh-CN" altLang="en-US" dirty="0">
+                <a:solidFill>
+                  <a:srgbClr val="151515"/>
+                </a:solidFill>
+                <a:latin typeface="+mn-ea"/>
+                <a:ea typeface="+mn-ea"/>
+              </a:rPr>
+              <a:t>，用于转换坐标。</a:t>
+            </a:r>
+            <a:endParaRPr lang="en-US" altLang="zh-CN" dirty="0">
+              <a:solidFill>
+                <a:srgbClr val="151515"/>
+              </a:solidFill>
+              <a:latin typeface="+mn-ea"/>
+              <a:ea typeface="+mn-ea"/>
+            </a:endParaRPr>
+          </a:p>
+        </p:txBody>
+      </p:sp>
+    </p:spTree>
+    <p:extLst>
+      <p:ext uri="{BB962C8B-B14F-4D97-AF65-F5344CB8AC3E}">
+        <p14:creationId xmlns:p14="http://schemas.microsoft.com/office/powerpoint/2010/main" val="2647094427"/>
+      </p:ext>
+    </p:extLst>
+  </p:cSld>
+  <p:clrMapOvr>
+    <a:masterClrMapping/>
+  </p:clrMapOvr>
+  <p:transition>
+    <p:fade/>
+  </p:transition>
+</p:sld>
+</file>
+
+<file path=ppt/slides/slide16.xml><?xml version="1.0" encoding="utf-8"?>
+<p:sld xmlns:a="http://schemas.openxmlformats.org/drawingml/2006/main" xmlns:r="http://schemas.openxmlformats.org/officeDocument/2006/relationships" xmlns:p="http://schemas.openxmlformats.org/presentationml/2006/main">
+  <p:cSld>
+    <p:spTree>
+      <p:nvGrpSpPr>
+        <p:cNvPr id="1" name=""/>
+        <p:cNvGrpSpPr/>
+        <p:nvPr/>
+      </p:nvGrpSpPr>
+      <p:grpSpPr>
+        <a:xfrm>
+          <a:off x="0" y="0"/>
+          <a:ext cx="0" cy="0"/>
+          <a:chOff x="0" y="0"/>
+          <a:chExt cx="0" cy="0"/>
+        </a:xfrm>
+      </p:grpSpPr>
+      <p:sp>
+        <p:nvSpPr>
+          <p:cNvPr id="3" name="标题 2"/>
+          <p:cNvSpPr>
+            <a:spLocks noGrp="1"/>
+          </p:cNvSpPr>
+          <p:nvPr>
+            <p:ph type="title"/>
+          </p:nvPr>
+        </p:nvSpPr>
+        <p:spPr>
+          <a:xfrm>
+            <a:off x="0" y="8526"/>
+            <a:ext cx="9013371" cy="792162"/>
+          </a:xfrm>
+        </p:spPr>
+        <p:txBody>
+          <a:bodyPr/>
+          <a:lstStyle/>
+          <a:p>
+            <a:r>
+              <a:rPr lang="zh-CN" altLang="en-US" dirty="0">
+                <a:latin typeface="+mn-ea"/>
+              </a:rPr>
+              <a:t>二、</a:t>
             </a:r>
             <a:r>
               <a:rPr lang="en-US" altLang="zh-CN" sz="3600" b="1" dirty="0">
                 <a:latin typeface="微软雅黑" pitchFamily="34" charset="-122"/>
                 <a:ea typeface="微软雅黑" pitchFamily="34" charset="-122"/>
               </a:rPr>
-              <a:t>Python</a:t>
+              <a:t>OGR</a:t>
             </a:r>
             <a:r>
               <a:rPr lang="zh-CN" altLang="en-US" sz="3600" b="1" dirty="0">
                 <a:latin typeface="微软雅黑" pitchFamily="34" charset="-122"/>
                 <a:ea typeface="微软雅黑" pitchFamily="34" charset="-122"/>
               </a:rPr>
-              <a:t>开发环境配置</a:t>
+              <a:t>开源库介绍</a:t>
             </a:r>
             <a:endParaRPr lang="zh-CN" altLang="en-US" dirty="0"/>
           </a:p>
@@ -19493,7 +20049,7 @@
         <p:spPr>
           <a:xfrm>
             <a:off x="553250" y="1872358"/>
-            <a:ext cx="8037499" cy="4755982"/>
+            <a:ext cx="8037499" cy="3894208"/>
           </a:xfrm>
           <a:prstGeom prst="rect">
             <a:avLst/>
@@ -19520,17 +20076,17 @@
                 <a:latin typeface="+mn-ea"/>
                 <a:ea typeface="+mn-ea"/>
               </a:rPr>
-              <a:t>练习利用</a:t>
-            </a:r>
-            <a:r>
-              <a:rPr lang="en-US" altLang="zh-CN" sz="2800" dirty="0">
+              <a:t>练习</a:t>
+            </a:r>
+            <a:r>
+              <a:rPr lang="en-US" altLang="zh-CN" sz="2800" dirty="0" err="1">
                 <a:solidFill>
                   <a:srgbClr val="333333"/>
                 </a:solidFill>
                 <a:latin typeface="+mn-ea"/>
                 <a:ea typeface="+mn-ea"/>
               </a:rPr>
-              <a:t>Anaconda</a:t>
+              <a:t>ogr</a:t>
             </a:r>
             <a:r>
               <a:rPr lang="zh-CN" altLang="en-US" sz="2800" dirty="0">
@@ -19540,50 +20096,8 @@
                 <a:latin typeface="+mn-ea"/>
                 <a:ea typeface="+mn-ea"/>
               </a:rPr>
-              <a:t>开源软件管理包进行</a:t>
-            </a:r>
-            <a:r>
-              <a:rPr lang="en-US" altLang="zh-CN" sz="2800" dirty="0">
-                <a:solidFill>
-                  <a:srgbClr val="333333"/>
-                </a:solidFill>
-                <a:latin typeface="+mn-ea"/>
-                <a:ea typeface="+mn-ea"/>
-              </a:rPr>
-              <a:t>python</a:t>
-            </a:r>
-            <a:r>
-              <a:rPr lang="zh-CN" altLang="en-US" sz="2800" dirty="0">
-                <a:solidFill>
-                  <a:srgbClr val="333333"/>
-                </a:solidFill>
-                <a:latin typeface="+mn-ea"/>
-                <a:ea typeface="+mn-ea"/>
-              </a:rPr>
-              <a:t>开发环境配置。</a:t>
-            </a:r>
-            <a:endParaRPr lang="en-US" altLang="zh-CN" sz="2800" dirty="0">
-              <a:solidFill>
-                <a:srgbClr val="333333"/>
-              </a:solidFill>
-              <a:latin typeface="+mn-ea"/>
-              <a:ea typeface="+mn-ea"/>
-            </a:endParaRPr>
-          </a:p>
-          <a:p>
-            <a:pPr marL="457200" indent="-457200" algn="just">
-              <a:lnSpc>
-                <a:spcPct val="150000"/>
-              </a:lnSpc>
-              <a:buAutoNum type="arabicPeriod"/>
-            </a:pPr>
-            <a:endParaRPr lang="en-US" altLang="zh-CN" sz="2800" dirty="0">
-              <a:solidFill>
-                <a:srgbClr val="333333"/>
-              </a:solidFill>
-              <a:latin typeface="+mn-ea"/>
-              <a:ea typeface="+mn-ea"/>
-            </a:endParaRPr>
+              <a:t>开源进行矢量数据读写，写出只含除呈贡外其他任一行政区矢量文件。</a:t>
+            </a:r>
           </a:p>
           <a:p>
             <a:pPr marL="457200" indent="-457200" algn="just">
@@ -19712,151 +20226,6 @@
       </p:sp>
       <p:grpSp>
         <p:nvGrpSpPr>
-          <p:cNvPr id="9" name="Group 8">
-            <a:extLst>
-              <a:ext uri="{FF2B5EF4-FFF2-40B4-BE49-F238E27FC236}">
-                <a16:creationId xmlns:a16="http://schemas.microsoft.com/office/drawing/2014/main" id="{84B9B8D5-4BCC-CDFF-1E13-B005060A8BDF}"/>
-              </a:ext>
-            </a:extLst>
-          </p:cNvPr>
-          <p:cNvGrpSpPr/>
-          <p:nvPr/>
-        </p:nvGrpSpPr>
-        <p:grpSpPr>
-          <a:xfrm>
-            <a:off x="2198919" y="4611983"/>
-            <a:ext cx="5916268" cy="772176"/>
-            <a:chOff x="2121802" y="2115450"/>
-            <a:chExt cx="4464145" cy="576000"/>
-          </a:xfrm>
-        </p:grpSpPr>
-        <p:sp>
-          <p:nvSpPr>
-            <p:cNvPr id="10" name="椭圆 9"/>
-            <p:cNvSpPr/>
-            <p:nvPr/>
-          </p:nvSpPr>
-          <p:spPr>
-            <a:xfrm>
-              <a:off x="2121802" y="2115450"/>
-              <a:ext cx="576000" cy="576000"/>
-            </a:xfrm>
-            <a:prstGeom prst="ellipse">
-              <a:avLst/>
-            </a:prstGeom>
-            <a:solidFill>
-              <a:schemeClr val="tx1">
-                <a:lumMod val="95000"/>
-              </a:schemeClr>
-            </a:solidFill>
-            <a:ln w="19050">
-              <a:solidFill>
-                <a:schemeClr val="accent1"/>
-              </a:solidFill>
-            </a:ln>
-          </p:spPr>
-          <p:style>
-            <a:lnRef idx="2">
-              <a:schemeClr val="accent1">
-                <a:shade val="50000"/>
-              </a:schemeClr>
-            </a:lnRef>
-            <a:fillRef idx="1">
-              <a:schemeClr val="accent1"/>
-            </a:fillRef>
-            <a:effectRef idx="0">
-              <a:schemeClr val="accent1"/>
-            </a:effectRef>
-            <a:fontRef idx="minor">
-              <a:schemeClr val="lt1"/>
-            </a:fontRef>
-          </p:style>
-          <p:txBody>
-            <a:bodyPr rtlCol="0" anchor="ctr"/>
-            <a:lstStyle/>
-            <a:p>
-              <a:pPr algn="ctr" eaLnBrk="1" fontAlgn="auto" hangingPunct="1">
-                <a:spcBef>
-                  <a:spcPts val="0"/>
-                </a:spcBef>
-                <a:spcAft>
-                  <a:spcPts val="0"/>
-                </a:spcAft>
-              </a:pPr>
-              <a:r>
-                <a:rPr lang="zh-CN" altLang="en-US" sz="3200" b="1" dirty="0">
-                  <a:solidFill>
-                    <a:schemeClr val="accent1"/>
-                  </a:solidFill>
-                  <a:latin typeface="微软雅黑" pitchFamily="34" charset="-122"/>
-                  <a:ea typeface="微软雅黑" pitchFamily="34" charset="-122"/>
-                </a:rPr>
-                <a:t>三</a:t>
-              </a:r>
-            </a:p>
-          </p:txBody>
-        </p:sp>
-        <p:sp>
-          <p:nvSpPr>
-            <p:cNvPr id="12" name="矩形 11"/>
-            <p:cNvSpPr/>
-            <p:nvPr/>
-          </p:nvSpPr>
-          <p:spPr>
-            <a:xfrm>
-              <a:off x="2697803" y="2152687"/>
-              <a:ext cx="3888144" cy="436209"/>
-            </a:xfrm>
-            <a:prstGeom prst="rect">
-              <a:avLst/>
-            </a:prstGeom>
-          </p:spPr>
-          <p:txBody>
-            <a:bodyPr wrap="square" anchor="ctr">
-              <a:spAutoFit/>
-            </a:bodyPr>
-            <a:lstStyle/>
-            <a:p>
-              <a:pPr algn="l" eaLnBrk="1" fontAlgn="auto" hangingPunct="1">
-                <a:spcBef>
-                  <a:spcPts val="0"/>
-                </a:spcBef>
-                <a:spcAft>
-                  <a:spcPts val="0"/>
-                </a:spcAft>
-              </a:pPr>
-              <a:r>
-                <a:rPr lang="en-US" altLang="zh-CN" sz="3200" b="1" dirty="0">
-                  <a:solidFill>
-                    <a:schemeClr val="accent1"/>
-                  </a:solidFill>
-                  <a:highlight>
-                    <a:srgbClr val="FFFFFF"/>
-                  </a:highlight>
-                  <a:latin typeface="Arial"/>
-                  <a:ea typeface="微软雅黑"/>
-                </a:rPr>
-                <a:t>Python</a:t>
-              </a:r>
-              <a:r>
-                <a:rPr lang="zh-CN" altLang="en-US" sz="3200" b="1" dirty="0">
-                  <a:solidFill>
-                    <a:schemeClr val="accent1"/>
-                  </a:solidFill>
-                  <a:highlight>
-                    <a:srgbClr val="FFFFFF"/>
-                  </a:highlight>
-                  <a:latin typeface="Arial"/>
-                  <a:ea typeface="微软雅黑"/>
-                </a:rPr>
-                <a:t>开发环境配置</a:t>
-              </a:r>
-            </a:p>
-          </p:txBody>
-        </p:sp>
-      </p:grpSp>
-      <p:grpSp>
-        <p:nvGrpSpPr>
           <p:cNvPr id="3" name="Group 2">
             <a:extLst>
               <a:ext uri="{FF2B5EF4-FFF2-40B4-BE49-F238E27FC236}">
@@ -19869,7 +20238,7 @@
         </p:nvGrpSpPr>
         <p:grpSpPr>
           <a:xfrm>
-            <a:off x="2198919" y="3355856"/>
+            <a:off x="2198919" y="4063775"/>
             <a:ext cx="5148235" cy="717997"/>
             <a:chOff x="2121801" y="3511390"/>
             <a:chExt cx="4597678" cy="576000"/>
@@ -20074,10 +20443,10 @@
         </p:nvGrpSpPr>
         <p:grpSpPr>
           <a:xfrm>
-            <a:off x="2198919" y="2069590"/>
-            <a:ext cx="6649827" cy="772176"/>
+            <a:off x="2198919" y="2777509"/>
+            <a:ext cx="5063187" cy="772176"/>
             <a:chOff x="2121802" y="2115450"/>
-            <a:chExt cx="5221533" cy="576000"/>
+            <a:chExt cx="3975682" cy="576000"/>
           </a:xfrm>
         </p:grpSpPr>
         <p:sp>
@@ -20167,7 +20536,7 @@
           <p:spPr>
             <a:xfrm>
               <a:off x="2697802" y="2173516"/>
-              <a:ext cx="4645533" cy="436209"/>
+              <a:ext cx="3399682" cy="436209"/>
             </a:xfrm>
             <a:prstGeom prst="rect">
               <a:avLst/>
@@ -22315,41 +22684,21 @@
               <a:rPr lang="zh-CN" altLang="en-US" dirty="0">
                 <a:latin typeface="+mn-ea"/>
               </a:rPr>
-              <a:t>一</a:t>
-            </a:r>
-            <a:r>
-              <a:rPr lang="en-US" altLang="zh-CN" dirty="0">
-                <a:latin typeface="+mn-ea"/>
-              </a:rPr>
-              <a:t>. </a:t>
+              <a:t>一、</a:t>
             </a:r>
             <a:r>
               <a:rPr lang="zh-CN" altLang="en-US" sz="3600" b="1" dirty="0">
                 <a:latin typeface="微软雅黑" pitchFamily="34" charset="-122"/>
                 <a:ea typeface="微软雅黑" pitchFamily="34" charset="-122"/>
               </a:rPr>
-              <a:t>开源</a:t>
-            </a:r>
-            <a:r>
-              <a:rPr lang="en-US" altLang="zh-CN" sz="3600" b="1" dirty="0">
+              <a:t>矢量数据与</a:t>
+            </a:r>
+            <a:r>
+              <a:rPr lang="en-US" altLang="zh-CN" sz="3600" b="1" dirty="0" err="1">
                 <a:latin typeface="微软雅黑" pitchFamily="34" charset="-122"/>
                 <a:ea typeface="微软雅黑" pitchFamily="34" charset="-122"/>
               </a:rPr>
-              <a:t>Linux</a:t>
-            </a:r>
-            <a:r>
-              <a:rPr lang="zh-CN" altLang="en-US" sz="3600" b="1" dirty="0">
-                <a:latin typeface="微软雅黑" pitchFamily="34" charset="-122"/>
-                <a:ea typeface="微软雅黑" pitchFamily="34" charset="-122"/>
-              </a:rPr>
-              <a:t>操作系统</a:t>
-            </a:r>
-            <a:r>
-              <a:rPr lang="zh-CN" altLang="en-US" dirty="0">
-                <a:latin typeface="微软雅黑" pitchFamily="34" charset="-122"/>
-                <a:ea typeface="微软雅黑" pitchFamily="34" charset="-122"/>
-              </a:rPr>
-              <a:t>简介</a:t>
+              <a:t>OpenGIS</a:t>
             </a:r>
             <a:endParaRPr lang="zh-CN" altLang="en-US" dirty="0"/>
           </a:p>
@@ -22686,41 +23035,720 @@
               <a:rPr lang="zh-CN" altLang="en-US" dirty="0">
                 <a:latin typeface="+mn-ea"/>
               </a:rPr>
-              <a:t>一</a:t>
-            </a:r>
-            <a:r>
-              <a:rPr lang="en-US" altLang="zh-CN" dirty="0">
-                <a:latin typeface="+mn-ea"/>
-              </a:rPr>
-              <a:t>. </a:t>
+              <a:t>一、</a:t>
             </a:r>
             <a:r>
               <a:rPr lang="zh-CN" altLang="en-US" sz="3600" b="1" dirty="0">
                 <a:latin typeface="微软雅黑" pitchFamily="34" charset="-122"/>
                 <a:ea typeface="微软雅黑" pitchFamily="34" charset="-122"/>
               </a:rPr>
-              <a:t>开源</a:t>
-            </a:r>
-            <a:r>
-              <a:rPr lang="en-US" altLang="zh-CN" sz="3600" b="1" dirty="0">
+              <a:t>矢量数据与</a:t>
+            </a:r>
+            <a:r>
+              <a:rPr lang="en-US" altLang="zh-CN" sz="3600" b="1" dirty="0" err="1">
                 <a:latin typeface="微软雅黑" pitchFamily="34" charset="-122"/>
                 <a:ea typeface="微软雅黑" pitchFamily="34" charset="-122"/>
               </a:rPr>
-              <a:t>Linux</a:t>
+              <a:t>OpenGIS</a:t>
+            </a:r>
+            <a:endParaRPr lang="zh-CN" altLang="en-US" dirty="0"/>
+          </a:p>
+        </p:txBody>
+      </p:sp>
+      <p:sp>
+        <p:nvSpPr>
+          <p:cNvPr id="2" name="TextBox 1">
+            <a:extLst>
+              <a:ext uri="{FF2B5EF4-FFF2-40B4-BE49-F238E27FC236}">
+                <a16:creationId xmlns:a16="http://schemas.microsoft.com/office/drawing/2014/main" id="{631AADB6-C88A-D817-4683-FC087E4E240F}"/>
+              </a:ext>
+            </a:extLst>
+          </p:cNvPr>
+          <p:cNvSpPr txBox="1"/>
+          <p:nvPr/>
+        </p:nvSpPr>
+        <p:spPr>
+          <a:xfrm>
+            <a:off x="317665" y="846748"/>
+            <a:ext cx="8508670" cy="662489"/>
+          </a:xfrm>
+          <a:prstGeom prst="rect">
+            <a:avLst/>
+          </a:prstGeom>
+          <a:noFill/>
+        </p:spPr>
+        <p:txBody>
+          <a:bodyPr wrap="square" rtlCol="0">
+            <a:spAutoFit/>
+          </a:bodyPr>
+          <a:lstStyle/>
+          <a:p>
+            <a:pPr algn="just">
+              <a:lnSpc>
+                <a:spcPct val="150000"/>
+              </a:lnSpc>
+            </a:pPr>
+            <a:r>
+              <a:rPr lang="en-US" altLang="zh-CN" sz="2800" b="1" dirty="0">
+                <a:solidFill>
+                  <a:srgbClr val="333333"/>
+                </a:solidFill>
+                <a:latin typeface="+mn-ea"/>
+                <a:ea typeface="+mn-ea"/>
+              </a:rPr>
+              <a:t>1</a:t>
+            </a:r>
+            <a:r>
+              <a:rPr lang="zh-CN" altLang="en-US" sz="2800" b="1" dirty="0">
+                <a:solidFill>
+                  <a:srgbClr val="333333"/>
+                </a:solidFill>
+                <a:latin typeface="+mn-ea"/>
+                <a:ea typeface="+mn-ea"/>
+              </a:rPr>
+              <a:t>、矢量数据</a:t>
+            </a:r>
+            <a:endParaRPr lang="en-US" altLang="zh-CN" sz="2800" b="1" dirty="0">
+              <a:solidFill>
+                <a:srgbClr val="333333"/>
+              </a:solidFill>
+              <a:latin typeface="+mn-ea"/>
+              <a:ea typeface="+mn-ea"/>
+            </a:endParaRPr>
+          </a:p>
+        </p:txBody>
+      </p:sp>
+      <p:sp>
+        <p:nvSpPr>
+          <p:cNvPr id="5" name="TextBox 4">
+            <a:extLst>
+              <a:ext uri="{FF2B5EF4-FFF2-40B4-BE49-F238E27FC236}">
+                <a16:creationId xmlns:a16="http://schemas.microsoft.com/office/drawing/2014/main" id="{78502774-B04C-634F-1396-E5815996BC36}"/>
+              </a:ext>
+            </a:extLst>
+          </p:cNvPr>
+          <p:cNvSpPr txBox="1"/>
+          <p:nvPr/>
+        </p:nvSpPr>
+        <p:spPr>
+          <a:xfrm>
+            <a:off x="273698" y="1489927"/>
+            <a:ext cx="8736622" cy="4909036"/>
+          </a:xfrm>
+          <a:prstGeom prst="rect">
+            <a:avLst/>
+          </a:prstGeom>
+          <a:noFill/>
+        </p:spPr>
+        <p:txBody>
+          <a:bodyPr wrap="square">
+            <a:spAutoFit/>
+          </a:bodyPr>
+          <a:lstStyle/>
+          <a:p>
+            <a:pPr algn="just"/>
+            <a:r>
+              <a:rPr lang="zh-CN" altLang="en-US" sz="2800" b="1" dirty="0">
+                <a:solidFill>
+                  <a:schemeClr val="accent2"/>
+                </a:solidFill>
+                <a:latin typeface="+mn-ea"/>
+                <a:ea typeface="+mn-ea"/>
+              </a:rPr>
+              <a:t>常用数据格式</a:t>
+            </a:r>
+            <a:r>
+              <a:rPr lang="zh-CN" altLang="en-US" sz="2800" b="1" dirty="0">
+                <a:solidFill>
+                  <a:srgbClr val="151515"/>
+                </a:solidFill>
+                <a:latin typeface="+mn-ea"/>
+                <a:ea typeface="+mn-ea"/>
+              </a:rPr>
+              <a:t>：</a:t>
+            </a:r>
+            <a:endParaRPr lang="en-US" altLang="zh-CN" sz="2800" b="1" dirty="0">
+              <a:solidFill>
+                <a:srgbClr val="151515"/>
+              </a:solidFill>
+              <a:latin typeface="+mn-ea"/>
+              <a:ea typeface="+mn-ea"/>
+            </a:endParaRPr>
+          </a:p>
+          <a:p>
+            <a:pPr algn="just"/>
+            <a:r>
+              <a:rPr lang="en-US" altLang="zh-CN" sz="2200" b="1" dirty="0">
+                <a:solidFill>
+                  <a:schemeClr val="accent2"/>
+                </a:solidFill>
+                <a:latin typeface="+mn-ea"/>
+                <a:ea typeface="+mn-ea"/>
+              </a:rPr>
+              <a:t>Shapefile</a:t>
+            </a:r>
+            <a:r>
+              <a:rPr lang="zh-CN" altLang="en-US" sz="2200" b="1" dirty="0">
+                <a:solidFill>
+                  <a:schemeClr val="accent2"/>
+                </a:solidFill>
+                <a:latin typeface="+mn-ea"/>
+                <a:ea typeface="+mn-ea"/>
+              </a:rPr>
+              <a:t>：</a:t>
+            </a:r>
+            <a:r>
+              <a:rPr lang="zh-CN" altLang="en-US" sz="2200" dirty="0">
+                <a:solidFill>
+                  <a:srgbClr val="151515"/>
+                </a:solidFill>
+                <a:latin typeface="+mn-ea"/>
+                <a:ea typeface="+mn-ea"/>
+              </a:rPr>
+              <a:t>是目前最常见的一种矢量数据格式。作为行业标准，几乎所有的商业和开源</a:t>
+            </a:r>
+            <a:r>
+              <a:rPr lang="en-US" altLang="zh-CN" sz="2200" dirty="0">
+                <a:solidFill>
+                  <a:srgbClr val="151515"/>
+                </a:solidFill>
+                <a:latin typeface="+mn-ea"/>
+                <a:ea typeface="+mn-ea"/>
+              </a:rPr>
+              <a:t>GIS</a:t>
+            </a:r>
+            <a:r>
+              <a:rPr lang="zh-CN" altLang="en-US" sz="2200" dirty="0">
+                <a:solidFill>
+                  <a:srgbClr val="151515"/>
+                </a:solidFill>
+                <a:latin typeface="+mn-ea"/>
+                <a:ea typeface="+mn-ea"/>
+              </a:rPr>
+              <a:t>软件都支持</a:t>
+            </a:r>
+            <a:r>
+              <a:rPr lang="en-US" altLang="zh-CN" sz="2200" dirty="0">
+                <a:solidFill>
+                  <a:srgbClr val="151515"/>
+                </a:solidFill>
+                <a:latin typeface="+mn-ea"/>
+                <a:ea typeface="+mn-ea"/>
+              </a:rPr>
+              <a:t>Shapefile</a:t>
+            </a:r>
+            <a:r>
+              <a:rPr lang="zh-CN" altLang="en-US" sz="2200" dirty="0">
+                <a:solidFill>
+                  <a:srgbClr val="151515"/>
+                </a:solidFill>
+                <a:latin typeface="+mn-ea"/>
+                <a:ea typeface="+mn-ea"/>
+              </a:rPr>
+              <a:t>。一个</a:t>
+            </a:r>
+            <a:r>
+              <a:rPr lang="en-US" altLang="zh-CN" sz="2200" dirty="0">
+                <a:solidFill>
+                  <a:srgbClr val="151515"/>
+                </a:solidFill>
+                <a:latin typeface="+mn-ea"/>
+                <a:ea typeface="+mn-ea"/>
+              </a:rPr>
+              <a:t>Shapefile</a:t>
+            </a:r>
+            <a:r>
+              <a:rPr lang="zh-CN" altLang="en-US" sz="2200" dirty="0">
+                <a:solidFill>
+                  <a:srgbClr val="151515"/>
+                </a:solidFill>
+                <a:latin typeface="+mn-ea"/>
+                <a:ea typeface="+mn-ea"/>
+              </a:rPr>
+              <a:t>通常包括：</a:t>
+            </a:r>
+            <a:endParaRPr lang="en-US" altLang="zh-CN" sz="2200" dirty="0">
+              <a:solidFill>
+                <a:srgbClr val="151515"/>
+              </a:solidFill>
+              <a:latin typeface="+mn-ea"/>
+              <a:ea typeface="+mn-ea"/>
+            </a:endParaRPr>
+          </a:p>
+          <a:p>
+            <a:pPr algn="just"/>
+            <a:r>
+              <a:rPr lang="en-US" altLang="zh-CN" sz="2000" dirty="0">
+                <a:solidFill>
+                  <a:srgbClr val="151515"/>
+                </a:solidFill>
+                <a:latin typeface="+mn-ea"/>
+                <a:ea typeface="+mn-ea"/>
+              </a:rPr>
+              <a:t>1</a:t>
+            </a:r>
+            <a:r>
+              <a:rPr lang="zh-CN" altLang="en-US" sz="2000" dirty="0">
+                <a:solidFill>
+                  <a:srgbClr val="151515"/>
+                </a:solidFill>
+                <a:latin typeface="+mn-ea"/>
+                <a:ea typeface="+mn-ea"/>
+              </a:rPr>
+              <a:t>）主文件（</a:t>
+            </a:r>
+            <a:r>
+              <a:rPr lang="en-US" altLang="zh-CN" sz="2000" dirty="0">
+                <a:solidFill>
+                  <a:srgbClr val="151515"/>
+                </a:solidFill>
+                <a:latin typeface="+mn-ea"/>
+                <a:ea typeface="+mn-ea"/>
+              </a:rPr>
+              <a:t>.</a:t>
+            </a:r>
+            <a:r>
+              <a:rPr lang="en-US" altLang="zh-CN" sz="2000" dirty="0" err="1">
+                <a:solidFill>
+                  <a:srgbClr val="151515"/>
+                </a:solidFill>
+                <a:latin typeface="+mn-ea"/>
+                <a:ea typeface="+mn-ea"/>
+              </a:rPr>
+              <a:t>shp</a:t>
+            </a:r>
+            <a:r>
+              <a:rPr lang="zh-CN" altLang="en-US" sz="2000" dirty="0">
+                <a:solidFill>
+                  <a:srgbClr val="151515"/>
+                </a:solidFill>
+                <a:latin typeface="+mn-ea"/>
+                <a:ea typeface="+mn-ea"/>
+              </a:rPr>
+              <a:t>），存储地理要素几何图形；</a:t>
+            </a:r>
+            <a:endParaRPr lang="en-US" altLang="zh-CN" sz="2000" dirty="0">
+              <a:solidFill>
+                <a:srgbClr val="151515"/>
+              </a:solidFill>
+              <a:latin typeface="+mn-ea"/>
+              <a:ea typeface="+mn-ea"/>
+            </a:endParaRPr>
+          </a:p>
+          <a:p>
+            <a:pPr algn="just"/>
+            <a:r>
+              <a:rPr lang="en-US" altLang="zh-CN" sz="2000" dirty="0">
+                <a:solidFill>
+                  <a:srgbClr val="151515"/>
+                </a:solidFill>
+                <a:latin typeface="+mn-ea"/>
+                <a:ea typeface="+mn-ea"/>
+              </a:rPr>
+              <a:t>2</a:t>
+            </a:r>
+            <a:r>
+              <a:rPr lang="zh-CN" altLang="en-US" sz="2000" dirty="0">
+                <a:solidFill>
+                  <a:srgbClr val="151515"/>
+                </a:solidFill>
+                <a:latin typeface="+mn-ea"/>
+                <a:ea typeface="+mn-ea"/>
+              </a:rPr>
+              <a:t>）索引文件（</a:t>
+            </a:r>
+            <a:r>
+              <a:rPr lang="en-US" altLang="zh-CN" sz="2000" dirty="0">
+                <a:solidFill>
+                  <a:srgbClr val="151515"/>
+                </a:solidFill>
+                <a:latin typeface="+mn-ea"/>
+                <a:ea typeface="+mn-ea"/>
+              </a:rPr>
+              <a:t>.</a:t>
+            </a:r>
+            <a:r>
+              <a:rPr lang="en-US" altLang="zh-CN" sz="2000" dirty="0" err="1">
+                <a:solidFill>
+                  <a:srgbClr val="151515"/>
+                </a:solidFill>
+                <a:latin typeface="+mn-ea"/>
+                <a:ea typeface="+mn-ea"/>
+              </a:rPr>
+              <a:t>shx</a:t>
+            </a:r>
+            <a:r>
+              <a:rPr lang="zh-CN" altLang="en-US" sz="2000" dirty="0">
+                <a:solidFill>
+                  <a:srgbClr val="151515"/>
+                </a:solidFill>
+                <a:latin typeface="+mn-ea"/>
+                <a:ea typeface="+mn-ea"/>
+              </a:rPr>
+              <a:t>）：存储地理数据几何特征的索引；</a:t>
+            </a:r>
+            <a:endParaRPr lang="en-US" altLang="zh-CN" sz="2000" dirty="0">
+              <a:solidFill>
+                <a:srgbClr val="151515"/>
+              </a:solidFill>
+              <a:latin typeface="+mn-ea"/>
+              <a:ea typeface="+mn-ea"/>
+            </a:endParaRPr>
+          </a:p>
+          <a:p>
+            <a:pPr algn="just"/>
+            <a:r>
+              <a:rPr lang="en-US" altLang="zh-CN" sz="2000" dirty="0">
+                <a:solidFill>
+                  <a:srgbClr val="151515"/>
+                </a:solidFill>
+                <a:latin typeface="+mn-ea"/>
+                <a:ea typeface="+mn-ea"/>
+              </a:rPr>
+              <a:t>3</a:t>
+            </a:r>
+            <a:r>
+              <a:rPr lang="zh-CN" altLang="en-US" sz="2000" dirty="0">
+                <a:solidFill>
+                  <a:srgbClr val="151515"/>
+                </a:solidFill>
+                <a:latin typeface="+mn-ea"/>
+                <a:ea typeface="+mn-ea"/>
+              </a:rPr>
+              <a:t>）</a:t>
+            </a:r>
+            <a:r>
+              <a:rPr lang="en-US" altLang="zh-CN" sz="2000" dirty="0">
+                <a:solidFill>
+                  <a:srgbClr val="151515"/>
+                </a:solidFill>
+                <a:latin typeface="+mn-ea"/>
+                <a:ea typeface="+mn-ea"/>
+              </a:rPr>
+              <a:t>DBASE</a:t>
+            </a:r>
+            <a:r>
+              <a:rPr lang="zh-CN" altLang="en-US" sz="2000" dirty="0">
+                <a:solidFill>
+                  <a:srgbClr val="151515"/>
+                </a:solidFill>
+                <a:latin typeface="+mn-ea"/>
+                <a:ea typeface="+mn-ea"/>
+              </a:rPr>
+              <a:t>文件（</a:t>
+            </a:r>
+            <a:r>
+              <a:rPr lang="en-US" altLang="zh-CN" sz="2000" dirty="0">
+                <a:solidFill>
+                  <a:srgbClr val="151515"/>
+                </a:solidFill>
+                <a:latin typeface="+mn-ea"/>
+                <a:ea typeface="+mn-ea"/>
+              </a:rPr>
+              <a:t>.</a:t>
+            </a:r>
+            <a:r>
+              <a:rPr lang="en-US" altLang="zh-CN" sz="2000" dirty="0" err="1">
+                <a:solidFill>
+                  <a:srgbClr val="151515"/>
+                </a:solidFill>
+                <a:latin typeface="+mn-ea"/>
+                <a:ea typeface="+mn-ea"/>
+              </a:rPr>
+              <a:t>dbf</a:t>
+            </a:r>
+            <a:r>
+              <a:rPr lang="zh-CN" altLang="en-US" sz="2000" dirty="0">
+                <a:solidFill>
+                  <a:srgbClr val="151515"/>
+                </a:solidFill>
+                <a:latin typeface="+mn-ea"/>
+                <a:ea typeface="+mn-ea"/>
+              </a:rPr>
+              <a:t>）：存储地理数据属性信息；</a:t>
+            </a:r>
+            <a:endParaRPr lang="en-US" altLang="zh-CN" sz="2000" dirty="0">
+              <a:solidFill>
+                <a:srgbClr val="151515"/>
+              </a:solidFill>
+              <a:latin typeface="+mn-ea"/>
+              <a:ea typeface="+mn-ea"/>
+            </a:endParaRPr>
+          </a:p>
+          <a:p>
+            <a:pPr algn="just"/>
+            <a:r>
+              <a:rPr lang="en-US" altLang="zh-CN" sz="2000" dirty="0">
+                <a:solidFill>
+                  <a:srgbClr val="151515"/>
+                </a:solidFill>
+                <a:latin typeface="+mn-ea"/>
+                <a:ea typeface="+mn-ea"/>
+              </a:rPr>
+              <a:t>4</a:t>
+            </a:r>
+            <a:r>
+              <a:rPr lang="zh-CN" altLang="en-US" sz="2000" dirty="0">
+                <a:solidFill>
+                  <a:srgbClr val="151515"/>
+                </a:solidFill>
+                <a:latin typeface="+mn-ea"/>
+                <a:ea typeface="+mn-ea"/>
+              </a:rPr>
+              <a:t>）空间参考文件（</a:t>
+            </a:r>
+            <a:r>
+              <a:rPr lang="en-US" altLang="zh-CN" sz="2000" dirty="0">
+                <a:solidFill>
+                  <a:srgbClr val="151515"/>
+                </a:solidFill>
+                <a:latin typeface="+mn-ea"/>
+                <a:ea typeface="+mn-ea"/>
+              </a:rPr>
+              <a:t>.</a:t>
+            </a:r>
+            <a:r>
+              <a:rPr lang="en-US" altLang="zh-CN" sz="2000" dirty="0" err="1">
+                <a:solidFill>
+                  <a:srgbClr val="151515"/>
+                </a:solidFill>
+                <a:latin typeface="+mn-ea"/>
+                <a:ea typeface="+mn-ea"/>
+              </a:rPr>
+              <a:t>prj</a:t>
+            </a:r>
+            <a:r>
+              <a:rPr lang="zh-CN" altLang="en-US" sz="2000" dirty="0">
+                <a:solidFill>
+                  <a:srgbClr val="151515"/>
+                </a:solidFill>
+                <a:latin typeface="+mn-ea"/>
+                <a:ea typeface="+mn-ea"/>
+              </a:rPr>
+              <a:t>）：存储空间参考的文件。</a:t>
+            </a:r>
+            <a:endParaRPr lang="en-US" altLang="zh-CN" sz="2000" dirty="0">
+              <a:solidFill>
+                <a:srgbClr val="151515"/>
+              </a:solidFill>
+              <a:latin typeface="+mn-ea"/>
+              <a:ea typeface="+mn-ea"/>
+            </a:endParaRPr>
+          </a:p>
+          <a:p>
+            <a:pPr algn="just"/>
+            <a:r>
+              <a:rPr lang="en-US" altLang="zh-CN" sz="2200" b="1" dirty="0" err="1">
+                <a:solidFill>
+                  <a:schemeClr val="accent2"/>
+                </a:solidFill>
+                <a:latin typeface="+mn-ea"/>
+                <a:ea typeface="+mn-ea"/>
+              </a:rPr>
+              <a:t>GeoPackage</a:t>
+            </a:r>
+            <a:r>
+              <a:rPr lang="zh-CN" altLang="en-US" sz="2200" b="1" dirty="0">
+                <a:solidFill>
+                  <a:schemeClr val="accent2"/>
+                </a:solidFill>
+                <a:latin typeface="+mn-ea"/>
+                <a:ea typeface="+mn-ea"/>
+              </a:rPr>
+              <a:t>（</a:t>
+            </a:r>
+            <a:r>
+              <a:rPr lang="en-US" altLang="zh-CN" sz="2200" b="1" dirty="0">
+                <a:solidFill>
+                  <a:schemeClr val="accent2"/>
+                </a:solidFill>
+                <a:latin typeface="+mn-ea"/>
+                <a:ea typeface="+mn-ea"/>
+              </a:rPr>
+              <a:t>.GPKG</a:t>
+            </a:r>
+            <a:r>
+              <a:rPr lang="zh-CN" altLang="en-US" sz="2200" b="1" dirty="0">
+                <a:solidFill>
+                  <a:schemeClr val="accent2"/>
+                </a:solidFill>
+                <a:latin typeface="+mn-ea"/>
+                <a:ea typeface="+mn-ea"/>
+              </a:rPr>
+              <a:t>）</a:t>
+            </a:r>
+            <a:r>
+              <a:rPr lang="zh-CN" altLang="en-US" sz="2200" dirty="0">
+                <a:solidFill>
+                  <a:srgbClr val="151515"/>
+                </a:solidFill>
+                <a:latin typeface="+mn-ea"/>
+                <a:ea typeface="+mn-ea"/>
+              </a:rPr>
+              <a:t>：由</a:t>
+            </a:r>
+            <a:r>
+              <a:rPr lang="en-US" altLang="zh-CN" sz="2200" dirty="0">
+                <a:solidFill>
+                  <a:srgbClr val="151515"/>
+                </a:solidFill>
+                <a:latin typeface="+mn-ea"/>
+                <a:ea typeface="+mn-ea"/>
+              </a:rPr>
+              <a:t>OGC</a:t>
+            </a:r>
+            <a:r>
+              <a:rPr lang="zh-CN" altLang="en-US" sz="2200" dirty="0">
+                <a:solidFill>
+                  <a:srgbClr val="151515"/>
+                </a:solidFill>
+                <a:latin typeface="+mn-ea"/>
+                <a:ea typeface="+mn-ea"/>
+              </a:rPr>
+              <a:t>制定的存储地理信息的开放数据格式。</a:t>
+            </a:r>
+            <a:endParaRPr lang="en-US" altLang="zh-CN" sz="2200" dirty="0">
+              <a:solidFill>
+                <a:srgbClr val="151515"/>
+              </a:solidFill>
+              <a:latin typeface="+mn-ea"/>
+              <a:ea typeface="+mn-ea"/>
+            </a:endParaRPr>
+          </a:p>
+          <a:p>
+            <a:pPr algn="just"/>
+            <a:r>
+              <a:rPr lang="zh-CN" altLang="en-US" sz="2200" dirty="0">
+                <a:solidFill>
+                  <a:srgbClr val="151515"/>
+                </a:solidFill>
+                <a:latin typeface="+mn-ea"/>
+                <a:ea typeface="+mn-ea"/>
+              </a:rPr>
+              <a:t>其他：</a:t>
+            </a:r>
+            <a:r>
+              <a:rPr lang="en-US" altLang="zh-CN" sz="2200" b="1" dirty="0" err="1">
+                <a:solidFill>
+                  <a:schemeClr val="accent2"/>
+                </a:solidFill>
+                <a:latin typeface="+mn-ea"/>
+                <a:ea typeface="+mn-ea"/>
+              </a:rPr>
+              <a:t>GeoJSON</a:t>
+            </a:r>
+            <a:r>
+              <a:rPr lang="zh-CN" altLang="en-US" sz="2200" b="1" dirty="0">
+                <a:solidFill>
+                  <a:schemeClr val="accent2"/>
+                </a:solidFill>
+                <a:latin typeface="+mn-ea"/>
+                <a:ea typeface="+mn-ea"/>
+              </a:rPr>
+              <a:t>，</a:t>
+            </a:r>
+            <a:r>
+              <a:rPr lang="en-US" altLang="zh-CN" sz="2200" b="1" dirty="0">
+                <a:solidFill>
+                  <a:schemeClr val="accent2"/>
+                </a:solidFill>
+                <a:latin typeface="+mn-ea"/>
+                <a:ea typeface="+mn-ea"/>
+              </a:rPr>
+              <a:t>KML</a:t>
+            </a:r>
+            <a:r>
+              <a:rPr lang="zh-CN" altLang="en-US" sz="2200" dirty="0">
+                <a:solidFill>
+                  <a:srgbClr val="151515"/>
+                </a:solidFill>
+                <a:latin typeface="+mn-ea"/>
+                <a:ea typeface="+mn-ea"/>
+              </a:rPr>
+              <a:t>等。</a:t>
+            </a:r>
+            <a:endParaRPr lang="en-US" altLang="zh-CN" sz="2200" dirty="0">
+              <a:solidFill>
+                <a:srgbClr val="151515"/>
+              </a:solidFill>
+              <a:latin typeface="+mn-ea"/>
+              <a:ea typeface="+mn-ea"/>
+            </a:endParaRPr>
+          </a:p>
+        </p:txBody>
+      </p:sp>
+    </p:spTree>
+    <p:extLst>
+      <p:ext uri="{BB962C8B-B14F-4D97-AF65-F5344CB8AC3E}">
+        <p14:creationId xmlns:p14="http://schemas.microsoft.com/office/powerpoint/2010/main" val="3839109964"/>
+      </p:ext>
+    </p:extLst>
+  </p:cSld>
+  <p:clrMapOvr>
+    <a:masterClrMapping/>
+  </p:clrMapOvr>
+  <p:transition>
+    <p:fade/>
+  </p:transition>
+</p:sld>
+</file>
+
+<file path=ppt/slides/slide7.xml><?xml version="1.0" encoding="utf-8"?>
+<p:sld xmlns:a="http://schemas.openxmlformats.org/drawingml/2006/main" xmlns:r="http://schemas.openxmlformats.org/officeDocument/2006/relationships" xmlns:p="http://schemas.openxmlformats.org/presentationml/2006/main">
+  <p:cSld>
+    <p:spTree>
+      <p:nvGrpSpPr>
+        <p:cNvPr id="1" name=""/>
+        <p:cNvGrpSpPr/>
+        <p:nvPr/>
+      </p:nvGrpSpPr>
+      <p:grpSpPr>
+        <a:xfrm>
+          <a:off x="0" y="0"/>
+          <a:ext cx="0" cy="0"/>
+          <a:chOff x="0" y="0"/>
+          <a:chExt cx="0" cy="0"/>
+        </a:xfrm>
+      </p:grpSpPr>
+      <p:sp>
+        <p:nvSpPr>
+          <p:cNvPr id="3" name="标题 2"/>
+          <p:cNvSpPr>
+            <a:spLocks noGrp="1"/>
+          </p:cNvSpPr>
+          <p:nvPr>
+            <p:ph type="title"/>
+          </p:nvPr>
+        </p:nvSpPr>
+        <p:spPr>
+          <a:xfrm>
+            <a:off x="0" y="8526"/>
+            <a:ext cx="9013371" cy="792162"/>
+          </a:xfrm>
+        </p:spPr>
+        <p:txBody>
+          <a:bodyPr/>
+          <a:lstStyle/>
+          <a:p>
+            <a:r>
+              <a:rPr lang="zh-CN" altLang="en-US" dirty="0">
+                <a:latin typeface="+mn-ea"/>
+              </a:rPr>
+              <a:t>一、</a:t>
             </a:r>
             <a:r>
               <a:rPr lang="zh-CN" altLang="en-US" sz="3600" b="1" dirty="0">
                 <a:latin typeface="微软雅黑" pitchFamily="34" charset="-122"/>
                 <a:ea typeface="微软雅黑" pitchFamily="34" charset="-122"/>
               </a:rPr>
-              <a:t>操作系统</a:t>
-            </a:r>
-            <a:r>
-              <a:rPr lang="zh-CN" altLang="en-US" dirty="0">
+              <a:t>矢量数据与</a:t>
+            </a:r>
+            <a:r>
+              <a:rPr lang="en-US" altLang="zh-CN" sz="3600" b="1" dirty="0" err="1">
                 <a:latin typeface="微软雅黑" pitchFamily="34" charset="-122"/>
                 <a:ea typeface="微软雅黑" pitchFamily="34" charset="-122"/>
               </a:rPr>
-              <a:t>简介</a:t>
+              <a:t>OpenGIS</a:t>
             </a:r>
             <a:endParaRPr lang="zh-CN" altLang="en-US" dirty="0"/>
           </a:p>
@@ -23203,7 +24231,7 @@
 </p:sld>
 </file>
 
-<file path=ppt/slides/slide7.xml><?xml version="1.0" encoding="utf-8"?>
+<file path=ppt/slides/slide8.xml><?xml version="1.0" encoding="utf-8"?>
 <p:sld xmlns:a="http://schemas.openxmlformats.org/drawingml/2006/main" xmlns:r="http://schemas.openxmlformats.org/officeDocument/2006/relationships" xmlns:p="http://schemas.openxmlformats.org/presentationml/2006/main">
   <p:cSld>
     <p:spTree>
@@ -23244,41 +24272,21 @@
               <a:rPr lang="zh-CN" altLang="en-US" dirty="0">
                 <a:latin typeface="+mn-ea"/>
               </a:rPr>
-              <a:t>一</a:t>
-            </a:r>
-            <a:r>
-              <a:rPr lang="en-US" altLang="zh-CN" dirty="0">
-                <a:latin typeface="+mn-ea"/>
-              </a:rPr>
-              <a:t>. </a:t>
+              <a:t>一、</a:t>
             </a:r>
             <a:r>
               <a:rPr lang="zh-CN" altLang="en-US" sz="3600" b="1" dirty="0">
                 <a:latin typeface="微软雅黑" pitchFamily="34" charset="-122"/>
                 <a:ea typeface="微软雅黑" pitchFamily="34" charset="-122"/>
               </a:rPr>
-              <a:t>开源</a:t>
-            </a:r>
-            <a:r>
-              <a:rPr lang="en-US" altLang="zh-CN" sz="3600" b="1" dirty="0">
+              <a:t>矢量数据与</a:t>
+            </a:r>
+            <a:r>
+              <a:rPr lang="en-US" altLang="zh-CN" sz="3600" b="1" dirty="0" err="1">
                 <a:latin typeface="微软雅黑" pitchFamily="34" charset="-122"/>
                 <a:ea typeface="微软雅黑" pitchFamily="34" charset="-122"/>
               </a:rPr>
-              <a:t>Linux</a:t>
-            </a:r>
-            <a:r>
-              <a:rPr lang="zh-CN" altLang="en-US" sz="3600" b="1" dirty="0">
-                <a:latin typeface="微软雅黑" pitchFamily="34" charset="-122"/>
-                <a:ea typeface="微软雅黑" pitchFamily="34" charset="-122"/>
-              </a:rPr>
-              <a:t>操作系统</a:t>
-            </a:r>
-            <a:r>
-              <a:rPr lang="zh-CN" altLang="en-US" dirty="0">
-                <a:latin typeface="微软雅黑" pitchFamily="34" charset="-122"/>
-                <a:ea typeface="微软雅黑" pitchFamily="34" charset="-122"/>
-              </a:rPr>
-              <a:t>简介</a:t>
+              <a:t>OpenGIS</a:t>
             </a:r>
             <a:endParaRPr lang="zh-CN" altLang="en-US" dirty="0"/>
           </a:p>
@@ -23381,8 +24389,8 @@
         </p:nvSpPr>
         <p:spPr>
           <a:xfrm>
-            <a:off x="653048" y="1509237"/>
-            <a:ext cx="8142703" cy="5197705"/>
+            <a:off x="419100" y="1509237"/>
+            <a:ext cx="8376651" cy="5197705"/>
           </a:xfrm>
           <a:prstGeom prst="rect">
             <a:avLst/>
@@ -23589,7 +24597,7 @@
                 <a:latin typeface="+mn-ea"/>
                 <a:ea typeface="+mn-ea"/>
               </a:rPr>
-              <a:t>时空参照系统</a:t>
+              <a:t>时空参照系统、语义、元数据等</a:t>
             </a:r>
             <a:r>
               <a:rPr lang="zh-CN" altLang="en-US" dirty="0">
@@ -23665,7 +24673,7 @@
 </p:sld>
 </file>
 
-<file path=ppt/slides/slide8.xml><?xml version="1.0" encoding="utf-8"?>
+<file path=ppt/slides/slide9.xml><?xml version="1.0" encoding="utf-8"?>
 <p:sld xmlns:a="http://schemas.openxmlformats.org/drawingml/2006/main" xmlns:r="http://schemas.openxmlformats.org/officeDocument/2006/relationships" xmlns:p="http://schemas.openxmlformats.org/presentationml/2006/main">
   <p:cSld>
     <p:spTree>
@@ -23754,7 +24762,7 @@
                 <a:latin typeface="微软雅黑" pitchFamily="34" charset="-122"/>
                 <a:ea typeface="微软雅黑" pitchFamily="34" charset="-122"/>
               </a:rPr>
-              <a:t>一、</a:t>
+              <a:t>二、</a:t>
             </a:r>
             <a:r>
               <a:rPr lang="en-US" altLang="zh-CN" sz="4000" b="1" dirty="0">
@@ -23815,470 +24823,6 @@
     <p:extLst>
       <p:ext uri="{BB962C8B-B14F-4D97-AF65-F5344CB8AC3E}">
         <p14:creationId xmlns:p14="http://schemas.microsoft.com/office/powerpoint/2010/main" val="1290718540"/>
-      </p:ext>
-    </p:extLst>
-  </p:cSld>
-  <p:clrMapOvr>
-    <a:masterClrMapping/>
-  </p:clrMapOvr>
-  <p:transition>
-    <p:fade/>
-  </p:transition>
-</p:sld>
-</file>
-
-<file path=ppt/slides/slide9.xml><?xml version="1.0" encoding="utf-8"?>
-<p:sld xmlns:a="http://schemas.openxmlformats.org/drawingml/2006/main" xmlns:r="http://schemas.openxmlformats.org/officeDocument/2006/relationships" xmlns:p="http://schemas.openxmlformats.org/presentationml/2006/main">
-  <p:cSld>
-    <p:spTree>
-      <p:nvGrpSpPr>
-        <p:cNvPr id="1" name=""/>
-        <p:cNvGrpSpPr/>
-        <p:nvPr/>
-      </p:nvGrpSpPr>
-      <p:grpSpPr>
-        <a:xfrm>
-          <a:off x="0" y="0"/>
-          <a:ext cx="0" cy="0"/>
-          <a:chOff x="0" y="0"/>
-          <a:chExt cx="0" cy="0"/>
-        </a:xfrm>
-      </p:grpSpPr>
-      <p:sp>
-        <p:nvSpPr>
-          <p:cNvPr id="3" name="标题 2"/>
-          <p:cNvSpPr>
-            <a:spLocks noGrp="1"/>
-          </p:cNvSpPr>
-          <p:nvPr>
-            <p:ph type="title"/>
-          </p:nvPr>
-        </p:nvSpPr>
-        <p:spPr>
-          <a:xfrm>
-            <a:off x="0" y="8526"/>
-            <a:ext cx="9013371" cy="792162"/>
-          </a:xfrm>
-        </p:spPr>
-        <p:txBody>
-          <a:bodyPr/>
-          <a:lstStyle/>
-          <a:p>
-            <a:r>
-              <a:rPr lang="zh-CN" altLang="en-US" dirty="0">
-                <a:latin typeface="+mn-ea"/>
-              </a:rPr>
-              <a:t>一</a:t>
-            </a:r>
-            <a:r>
-              <a:rPr lang="en-US" altLang="zh-CN" dirty="0">
-                <a:latin typeface="+mn-ea"/>
-              </a:rPr>
-              <a:t>. </a:t>
-            </a:r>
-            <a:r>
-              <a:rPr lang="zh-CN" altLang="en-US" sz="3600" b="1" dirty="0">
-                <a:latin typeface="微软雅黑" pitchFamily="34" charset="-122"/>
-                <a:ea typeface="微软雅黑" pitchFamily="34" charset="-122"/>
-              </a:rPr>
-              <a:t>开源</a:t>
-            </a:r>
-            <a:r>
-              <a:rPr lang="en-US" altLang="zh-CN" sz="3600" b="1" dirty="0">
-                <a:latin typeface="微软雅黑" pitchFamily="34" charset="-122"/>
-                <a:ea typeface="微软雅黑" pitchFamily="34" charset="-122"/>
-              </a:rPr>
-              <a:t>Linux</a:t>
-            </a:r>
-            <a:r>
-              <a:rPr lang="zh-CN" altLang="en-US" sz="3600" b="1" dirty="0">
-                <a:latin typeface="微软雅黑" pitchFamily="34" charset="-122"/>
-                <a:ea typeface="微软雅黑" pitchFamily="34" charset="-122"/>
-              </a:rPr>
-              <a:t>操作系统</a:t>
-            </a:r>
-            <a:r>
-              <a:rPr lang="zh-CN" altLang="en-US" dirty="0">
-                <a:latin typeface="微软雅黑" pitchFamily="34" charset="-122"/>
-                <a:ea typeface="微软雅黑" pitchFamily="34" charset="-122"/>
-              </a:rPr>
-              <a:t>简介</a:t>
-            </a:r>
-            <a:endParaRPr lang="zh-CN" altLang="en-US" dirty="0"/>
-          </a:p>
-        </p:txBody>
-      </p:sp>
-      <p:sp>
-        <p:nvSpPr>
-          <p:cNvPr id="2" name="TextBox 1">
-            <a:extLst>
-              <a:ext uri="{FF2B5EF4-FFF2-40B4-BE49-F238E27FC236}">
-                <a16:creationId xmlns:a16="http://schemas.microsoft.com/office/drawing/2014/main" id="{631AADB6-C88A-D817-4683-FC087E4E240F}"/>
-              </a:ext>
-            </a:extLst>
-          </p:cNvPr>
-          <p:cNvSpPr txBox="1"/>
-          <p:nvPr/>
-        </p:nvSpPr>
-        <p:spPr>
-          <a:xfrm>
-            <a:off x="317665" y="846748"/>
-            <a:ext cx="8508670" cy="662489"/>
-          </a:xfrm>
-          <a:prstGeom prst="rect">
-            <a:avLst/>
-          </a:prstGeom>
-          <a:noFill/>
-        </p:spPr>
-        <p:txBody>
-          <a:bodyPr wrap="square" rtlCol="0">
-            <a:spAutoFit/>
-          </a:bodyPr>
-          <a:lstStyle/>
-          <a:p>
-            <a:pPr algn="just">
-              <a:lnSpc>
-                <a:spcPct val="150000"/>
-              </a:lnSpc>
-            </a:pPr>
-            <a:r>
-              <a:rPr lang="en-US" altLang="zh-CN" sz="2800" b="1" dirty="0">
-                <a:solidFill>
-                  <a:srgbClr val="333333"/>
-                </a:solidFill>
-                <a:latin typeface="+mn-ea"/>
-                <a:ea typeface="+mn-ea"/>
-              </a:rPr>
-              <a:t>1</a:t>
-            </a:r>
-            <a:r>
-              <a:rPr lang="zh-CN" altLang="en-US" sz="2800" b="1" dirty="0">
-                <a:solidFill>
-                  <a:srgbClr val="333333"/>
-                </a:solidFill>
-                <a:latin typeface="+mn-ea"/>
-                <a:ea typeface="+mn-ea"/>
-              </a:rPr>
-              <a:t>、</a:t>
-            </a:r>
-            <a:r>
-              <a:rPr lang="en-US" altLang="zh-CN" sz="2800" b="1" dirty="0">
-                <a:solidFill>
-                  <a:srgbClr val="333333"/>
-                </a:solidFill>
-                <a:latin typeface="+mn-ea"/>
-                <a:ea typeface="+mn-ea"/>
-              </a:rPr>
-              <a:t>OGR</a:t>
-            </a:r>
-            <a:r>
-              <a:rPr lang="zh-CN" altLang="en-US" sz="2800" b="1" dirty="0">
-                <a:solidFill>
-                  <a:srgbClr val="333333"/>
-                </a:solidFill>
-                <a:latin typeface="+mn-ea"/>
-                <a:ea typeface="+mn-ea"/>
-              </a:rPr>
-              <a:t>开源库简介</a:t>
-            </a:r>
-            <a:endParaRPr lang="en-US" altLang="zh-CN" sz="2800" b="1" dirty="0">
-              <a:solidFill>
-                <a:srgbClr val="333333"/>
-              </a:solidFill>
-              <a:latin typeface="+mn-ea"/>
-              <a:ea typeface="+mn-ea"/>
-            </a:endParaRPr>
-          </a:p>
-        </p:txBody>
-      </p:sp>
-      <p:sp>
-        <p:nvSpPr>
-          <p:cNvPr id="5" name="TextBox 4">
-            <a:extLst>
-              <a:ext uri="{FF2B5EF4-FFF2-40B4-BE49-F238E27FC236}">
-                <a16:creationId xmlns:a16="http://schemas.microsoft.com/office/drawing/2014/main" id="{78502774-B04C-634F-1396-E5815996BC36}"/>
-              </a:ext>
-            </a:extLst>
-          </p:cNvPr>
-          <p:cNvSpPr txBox="1"/>
-          <p:nvPr/>
-        </p:nvSpPr>
-        <p:spPr>
-          <a:xfrm>
-            <a:off x="602052" y="1310643"/>
-            <a:ext cx="8142703" cy="2817118"/>
-          </a:xfrm>
-          <a:prstGeom prst="rect">
-            <a:avLst/>
-          </a:prstGeom>
-          <a:noFill/>
-        </p:spPr>
-        <p:txBody>
-          <a:bodyPr wrap="square">
-            <a:spAutoFit/>
-          </a:bodyPr>
-          <a:lstStyle/>
-          <a:p>
-            <a:pPr algn="just">
-              <a:lnSpc>
-                <a:spcPct val="200000"/>
-              </a:lnSpc>
-            </a:pPr>
-            <a:r>
-              <a:rPr lang="en-US" altLang="zh-CN" sz="2300" dirty="0">
-                <a:solidFill>
-                  <a:srgbClr val="151515"/>
-                </a:solidFill>
-                <a:latin typeface="+mn-ea"/>
-                <a:ea typeface="+mn-ea"/>
-              </a:rPr>
-              <a:t>GDAL(Geospatial Data Abstraction Library)</a:t>
-            </a:r>
-            <a:r>
-              <a:rPr lang="zh-CN" altLang="en-US" sz="2300" dirty="0">
-                <a:solidFill>
-                  <a:srgbClr val="151515"/>
-                </a:solidFill>
-                <a:latin typeface="+mn-ea"/>
-                <a:ea typeface="+mn-ea"/>
-              </a:rPr>
-              <a:t>是一个在</a:t>
-            </a:r>
-            <a:r>
-              <a:rPr lang="en-US" altLang="zh-CN" sz="2300" dirty="0">
-                <a:solidFill>
-                  <a:srgbClr val="151515"/>
-                </a:solidFill>
-                <a:latin typeface="+mn-ea"/>
-                <a:ea typeface="+mn-ea"/>
-              </a:rPr>
-              <a:t>MIT</a:t>
-            </a:r>
-            <a:r>
-              <a:rPr lang="zh-CN" altLang="en-US" sz="2300" dirty="0">
-                <a:solidFill>
-                  <a:srgbClr val="151515"/>
-                </a:solidFill>
-                <a:latin typeface="+mn-ea"/>
-                <a:ea typeface="+mn-ea"/>
-              </a:rPr>
-              <a:t>许可协议下的开源地理空间数据转换库，其利用抽象数据模型来表达不同格式的地理空间数据，同时提供一系列插件和命令行工具来进行数据转换和处理。</a:t>
-            </a:r>
-            <a:endParaRPr lang="en-US" altLang="zh-CN" sz="2300" dirty="0">
-              <a:solidFill>
-                <a:srgbClr val="151515"/>
-              </a:solidFill>
-              <a:latin typeface="+mn-ea"/>
-              <a:ea typeface="+mn-ea"/>
-            </a:endParaRPr>
-          </a:p>
-        </p:txBody>
-      </p:sp>
-      <p:sp>
-        <p:nvSpPr>
-          <p:cNvPr id="4" name="AutoShape 4" descr="logo OSGeo">
-            <a:extLst>
-              <a:ext uri="{FF2B5EF4-FFF2-40B4-BE49-F238E27FC236}">
-                <a16:creationId xmlns:a16="http://schemas.microsoft.com/office/drawing/2014/main" id="{9FE11196-CCF5-75BD-769D-EF2B16C862D6}"/>
-              </a:ext>
-            </a:extLst>
-          </p:cNvPr>
-          <p:cNvSpPr>
-            <a:spLocks noChangeAspect="1" noChangeArrowheads="1"/>
-          </p:cNvSpPr>
-          <p:nvPr/>
-        </p:nvSpPr>
-        <p:spPr bwMode="auto">
-          <a:xfrm>
-            <a:off x="4419600" y="3276600"/>
-            <a:ext cx="304800" cy="304800"/>
-          </a:xfrm>
-          <a:prstGeom prst="rect">
-            <a:avLst/>
-          </a:prstGeom>
-          <a:noFill/>
-          <a:extLst>
-            <a:ext uri="{909E8E84-426E-40DD-AFC4-6F175D3DCCD1}">
-              <a14:hiddenFill xmlns:a14="http://schemas.microsoft.com/office/drawing/2010/main">
-                <a:solidFill>
-                  <a:srgbClr val="FFFFFF"/>
-                </a:solidFill>
-              </a14:hiddenFill>
-            </a:ext>
-          </a:extLst>
-        </p:spPr>
-        <p:txBody>
-          <a:bodyPr vert="horz" wrap="square" lIns="91440" tIns="45720" rIns="91440" bIns="45720" numCol="1" anchor="t" anchorCtr="0" compatLnSpc="1">
-            <a:prstTxWarp prst="textNoShape">
-              <a:avLst/>
-            </a:prstTxWarp>
-          </a:bodyPr>
-          <a:lstStyle/>
-          <a:p>
-            <a:endParaRPr lang="zh-CN" altLang="en-US"/>
-          </a:p>
-        </p:txBody>
-      </p:sp>
-      <p:pic>
-        <p:nvPicPr>
-          <p:cNvPr id="9" name="图片 8">
-            <a:extLst>
-              <a:ext uri="{FF2B5EF4-FFF2-40B4-BE49-F238E27FC236}">
-                <a16:creationId xmlns:a16="http://schemas.microsoft.com/office/drawing/2014/main" id="{08E66899-20C8-81E2-C69D-7621CCDE72B8}"/>
-              </a:ext>
-            </a:extLst>
-          </p:cNvPr>
-          <p:cNvPicPr>
-            <a:picLocks noChangeAspect="1"/>
-          </p:cNvPicPr>
-          <p:nvPr/>
-        </p:nvPicPr>
-        <p:blipFill>
-          <a:blip r:embed="rId3"/>
-          <a:stretch>
-            <a:fillRect/>
-          </a:stretch>
-        </p:blipFill>
-        <p:spPr>
-          <a:xfrm>
-            <a:off x="6334897" y="4082831"/>
-            <a:ext cx="2722605" cy="2375938"/>
-          </a:xfrm>
-          <a:prstGeom prst="rect">
-            <a:avLst/>
-          </a:prstGeom>
-        </p:spPr>
-      </p:pic>
-      <p:sp>
-        <p:nvSpPr>
-          <p:cNvPr id="8" name="文本框 7">
-            <a:extLst>
-              <a:ext uri="{FF2B5EF4-FFF2-40B4-BE49-F238E27FC236}">
-                <a16:creationId xmlns:a16="http://schemas.microsoft.com/office/drawing/2014/main" id="{3E2DA626-2B5A-D348-D829-F56EE4D32393}"/>
-              </a:ext>
-            </a:extLst>
-          </p:cNvPr>
-          <p:cNvSpPr txBox="1"/>
-          <p:nvPr/>
-        </p:nvSpPr>
-        <p:spPr>
-          <a:xfrm>
-            <a:off x="602052" y="3981122"/>
-            <a:ext cx="6083670" cy="2817118"/>
-          </a:xfrm>
-          <a:prstGeom prst="rect">
-            <a:avLst/>
-          </a:prstGeom>
-          <a:noFill/>
-        </p:spPr>
-        <p:txBody>
-          <a:bodyPr wrap="square">
-            <a:spAutoFit/>
-          </a:bodyPr>
-          <a:lstStyle/>
-          <a:p>
-            <a:pPr algn="just">
-              <a:lnSpc>
-                <a:spcPct val="200000"/>
-              </a:lnSpc>
-            </a:pPr>
-            <a:r>
-              <a:rPr lang="en-US" altLang="zh-CN" sz="2300" b="1" dirty="0">
-                <a:solidFill>
-                  <a:srgbClr val="151515"/>
-                </a:solidFill>
-                <a:latin typeface="+mn-ea"/>
-                <a:ea typeface="+mn-ea"/>
-              </a:rPr>
-              <a:t>OGR</a:t>
-            </a:r>
-            <a:r>
-              <a:rPr lang="zh-CN" altLang="en-US" sz="2300" b="1" dirty="0">
-                <a:solidFill>
-                  <a:srgbClr val="151515"/>
-                </a:solidFill>
-                <a:latin typeface="+mn-ea"/>
-                <a:ea typeface="+mn-ea"/>
-              </a:rPr>
-              <a:t>是</a:t>
-            </a:r>
-            <a:r>
-              <a:rPr lang="en-US" altLang="zh-CN" sz="2300" b="1" dirty="0">
-                <a:solidFill>
-                  <a:srgbClr val="151515"/>
-                </a:solidFill>
-                <a:latin typeface="+mn-ea"/>
-                <a:ea typeface="+mn-ea"/>
-              </a:rPr>
-              <a:t>GDAL</a:t>
-            </a:r>
-            <a:r>
-              <a:rPr lang="zh-CN" altLang="en-US" sz="2300" b="1" dirty="0">
-                <a:solidFill>
-                  <a:srgbClr val="151515"/>
-                </a:solidFill>
-                <a:latin typeface="+mn-ea"/>
-                <a:ea typeface="+mn-ea"/>
-              </a:rPr>
-              <a:t>项目的一个分支</a:t>
-            </a:r>
-            <a:r>
-              <a:rPr lang="zh-CN" altLang="en-US" sz="2300" dirty="0">
-                <a:solidFill>
-                  <a:srgbClr val="151515"/>
-                </a:solidFill>
-                <a:latin typeface="+mn-ea"/>
-                <a:ea typeface="+mn-ea"/>
-              </a:rPr>
-              <a:t>，主要用于地理矢量数据读写、处理及分析的开源库。</a:t>
-            </a:r>
-            <a:r>
-              <a:rPr lang="en-US" altLang="zh-CN" sz="2300" dirty="0">
-                <a:solidFill>
-                  <a:srgbClr val="151515"/>
-                </a:solidFill>
-                <a:latin typeface="+mn-ea"/>
-                <a:ea typeface="+mn-ea"/>
-              </a:rPr>
-              <a:t>GDAL/OGR</a:t>
-            </a:r>
-            <a:r>
-              <a:rPr lang="zh-CN" altLang="en-US" sz="2300" dirty="0">
-                <a:solidFill>
-                  <a:srgbClr val="151515"/>
-                </a:solidFill>
-                <a:latin typeface="+mn-ea"/>
-                <a:ea typeface="+mn-ea"/>
-              </a:rPr>
-              <a:t>是由</a:t>
-            </a:r>
-            <a:r>
-              <a:rPr lang="en-US" altLang="zh-CN" sz="2300" dirty="0">
-                <a:solidFill>
-                  <a:srgbClr val="151515"/>
-                </a:solidFill>
-                <a:latin typeface="+mn-ea"/>
-                <a:ea typeface="+mn-ea"/>
-              </a:rPr>
-              <a:t>C++</a:t>
-            </a:r>
-            <a:r>
-              <a:rPr lang="zh-CN" altLang="en-US" sz="2300" dirty="0">
-                <a:solidFill>
-                  <a:srgbClr val="151515"/>
-                </a:solidFill>
-                <a:latin typeface="+mn-ea"/>
-                <a:ea typeface="+mn-ea"/>
-              </a:rPr>
-              <a:t>编程语言开发，其提供多种编程语言应用程序接口。</a:t>
-            </a:r>
-          </a:p>
-        </p:txBody>
-      </p:sp>
-    </p:spTree>
-    <p:extLst>
-      <p:ext uri="{BB962C8B-B14F-4D97-AF65-F5344CB8AC3E}">
-        <p14:creationId xmlns:p14="http://schemas.microsoft.com/office/powerpoint/2010/main" val="2745752494"/>
       </p:ext>
     </p:extLst>
   </p:cSld>
